--- a/dotnet-core-foredrag.pptx
+++ b/dotnet-core-foredrag.pptx
@@ -20,7 +20,7 @@
     <p:sldId id="270" r:id="rId14"/>
     <p:sldId id="271" r:id="rId15"/>
     <p:sldId id="274" r:id="rId16"/>
-    <p:sldId id="275" r:id="rId17"/>
+    <p:sldId id="278" r:id="rId17"/>
     <p:sldId id="276" r:id="rId18"/>
     <p:sldId id="277" r:id="rId19"/>
   </p:sldIdLst>
@@ -864,7 +864,6 @@
         <emma:interpretation id="{40340E9E-5106-4F5B-ACC6-1379465F7F6E}" emma:medium="tactile" emma:mode="ink">
           <msink:context xmlns:msink="http://schemas.microsoft.com/ink/2010/main" type="inkDrawing" rotatedBoundingBox="21926,15661 23884,11869 24214,12039 22256,15832" semanticType="callout" shapeName="Other">
             <msink:sourceLink direction="with" ref="{84B9643B-0737-476E-83E6-0326E3B6045E}"/>
-            <msink:sourceLink direction="with" ref="{F5ADB210-0CA3-473F-BCB1-D04454B228E9}"/>
           </msink:context>
         </emma:interpretation>
       </emma:emma>
@@ -905,8 +904,8 @@
             <msink:sourceLink direction="with" ref="{27E97192-2E56-4946-B91F-34C732F4641E}"/>
             <msink:sourceLink direction="with" ref="{365AD92C-A64E-4AFC-BEF8-9BBB80AF70E9}"/>
             <msink:destinationLink direction="with" ref="{40340E9E-5106-4F5B-ACC6-1379465F7F6E}"/>
+            <msink:destinationLink direction="with" ref="{E9A8F01B-1242-4099-A7AB-E4B8719F4080}"/>
             <msink:destinationLink direction="to" ref="{039DFF9A-4094-4FAE-8093-5BC618285C66}"/>
-            <msink:destinationLink direction="with" ref="{E9A8F01B-1242-4099-A7AB-E4B8719F4080}"/>
           </msink:context>
         </emma:interpretation>
       </emma:emma>
@@ -944,8 +943,8 @@
       <emma:emma xmlns:emma="http://www.w3.org/2003/04/emma" version="1.0">
         <emma:interpretation id="{039DFF9A-4094-4FAE-8093-5BC618285C66}" emma:medium="tactile" emma:mode="ink">
           <msink:context xmlns:msink="http://schemas.microsoft.com/ink/2010/main" type="inkDrawing" rotatedBoundingBox="20742,4335 25993,8648 25361,9417 20110,5104" semanticType="callout" shapeName="Other">
+            <msink:sourceLink direction="to" ref="{84B9643B-0737-476E-83E6-0326E3B6045E}"/>
             <msink:sourceLink direction="from" ref="{A7D2C035-E26B-46BD-975E-1C0AB00B8E2B}"/>
-            <msink:sourceLink direction="to" ref="{84B9643B-0737-476E-83E6-0326E3B6045E}"/>
           </msink:context>
         </emma:interpretation>
       </emma:emma>
@@ -3669,7 +3668,7 @@
     <inkml:annotationXML>
       <emma:emma xmlns:emma="http://www.w3.org/2003/04/emma" version="1.0">
         <emma:interpretation id="{A417FA6F-2265-4C6C-9C7F-0306EE73F5FC}" emma:medium="tactile" emma:mode="ink">
-          <msink:context xmlns:msink="http://schemas.microsoft.com/ink/2010/main" type="inkDrawing" rotatedBoundingBox="7884,9649 17605,4268 22487,13089 12766,18469" hotPoints="20754,10970 15414,16310 10074,10970 15414,5630" semanticType="9" shapeName="Circle">
+          <msink:context xmlns:msink="http://schemas.microsoft.com/ink/2010/main" type="inkDrawing" rotatedBoundingBox="7884,9649 17605,4268 22487,13089 12766,18469" hotPoints="20754,10970 15414,16310 10074,10970 15414,5630" semanticType="underline" shapeName="Circle">
             <msink:sourceLink direction="with" ref="{44F098EA-CEF4-4629-9416-841BA3D3CB13}"/>
             <msink:sourceLink direction="with" ref="{375BC2B7-3DD6-49A3-BD6D-41BDDE690C74}"/>
             <msink:sourceLink direction="with" ref="{B2B979B6-04CC-4DAB-A0A9-8F8991300AB7}"/>
@@ -3955,8 +3954,8 @@
               </emma:one-of>
             </emma:emma>
           </inkml:annotationXML>
-          <inkml:trace contextRef="#ctx0" brushRef="#br0">13882 12450 3840,'0'-6'1472,"0"6"-768,0-4-128,0 0 1280,0 4-1024,-5-4 736,5 8-928,-4-4 512,1 4-672,-6 3 96,5 3-320,-8 7-96,9 1-96,-6 4-128,6-1 32,-1 1 32,8 1 0,-1-5 0,9 4 0,0-14 0,4-2 0,0-12 0,5 1 0,-7-5 0,2-1 0,-4-3 64,4 6-32,-7-4 608,-1 4-352,-8-6 1024,4 3-737,-8-4 353,-1 5-544,-2-8-128,-1 5-160,-8-4 0,5 5-64,-6-2-576,9 7 288,-4 4-5023,9 6 2879</inkml:trace>
-          <inkml:trace contextRef="#ctx0" brushRef="#br0" timeOffset="6420">13686 12168 3456,'-4'-15'1408,"4"15"-768,0-10 160,0 7 1280,4 3-1152,1-7 576,-1-1-928,-1-2 256,1 3-480,1-8 160,-2 9-288,1-9 128,3 5-192,-2 0 224,4 2-256,-2 1 256,0 7-256,2-3 320,3 6-256,-5-6 384,5-1-320,1-4 159,2 2-255,-2-5 128,-1 8-160,0-8 64,0 11-96,-1-4-64,1 4 0,-3-3 32,3 6-32,-1-3 64,6 4-64,-6-4-32,5 6 32,-1-1-32,6-2 0,-2 4 0,1 0 0,0 4 0,5-1 0,-2 2 128,1 1-64,-1 2 32,2-2-32,-6 2 32,2-1-64,-5-3 64,-1 3-64,-4-1 64,3 2-64,-3-2-32,1 2 32,0-5-32,0 1 0,4-4 64,-4 0-32,-5-4 128,6 2-96,-6-2-32,1 1 0,-4-1-32,4 4 0,-4-4 64,0 5-32,-4-8 64,0 0-64,-4 0 64,4 4-64,-7-4 128,2 3-96,-7-6 192,8 3-160,-8-7 96,5 2-96,-5-5 96,3 0-128,-10-5-32,8 8 0,-10-7-32,5 4 0,-3-5 64,2 5-32,-6-5 64,7 5-64,-12-5 64,7 5-64,-2-5 64,4 10-64,-6-7 64,6 9-64,-2-7-32,5 5 32,-3-5-32,7 7 0,-4-4 0,8 7 0,-5-3 0,6-2 0,0 2-96,2 3 64,5 0-32,5 3 0,-3 2 64,10 1 0,4 5 0,5 3 0,-2 0-96,2 4 64,-2-5 32,6 2 0,3-1 0,3 0 0,-8 0 0,2 1 0,3-2 0,0 2 0,-5-5 64,-3 1-32,-4-4 64,4 0-64,-5-4 64,1 2-64,-11-2 128,2 1-96,-7-4 256,4 0-192,-8-4 160,1 1-160,-6-9 0,2 2-64,-14-11-64,9 6 32,-11-10 32,7 5-32,-12-5-32,4 4 32,-4 4-32,9 5 0,-6-1 0,6 5 0,-13-9-96,8 6 64,1 1-32,11 3 0,-1-1 64,5 5 0,4 3 0,4 3 0,9 8-96,7 6 64,8 5 32,4 2 0,2 1 0,7 4 0,-2-1-96,-2-3 64,2 3 32,0 0 0,14 0 0,-10 1 0,6-5 0,-6 1 0,5-3 0,-4-2 0,0-5 64,-5-5-32,-3-7 128,-1 5-96,-10-8 128,-2 0-128,-7-3-32,-4 3 0,-12-5 32,4 2-32,-16-4 64,4 0-64,-28-7 64,5 0-64,-13-4-32,8 3 32,-7-2-32,10 4 0,2-2-160,7 8 96,-3-7-32,6 7 32,-3-3 128,14 5-32,-3-2-96,9 7 32,0 0-128,8 7 96,0 1 32,5 2 32,-2 2-96,8 1 64,10 9 32,7 1 0,7 2 64,2 0-32,-2-3 64,0-4-64,2-5-96,-2 2 32,17-2 32,-4 5 0,-12-11 64,-8 1-32,-9-8 64,1 3-64,-8-3 128,0 0-96,-8-6 32,0-2-32,-20-6 32,-4 0-64,-20-15-32,0 8 32,-4-4-32,9 8 0,-5-1 0,8 3 0,-19-8 0,11 5 0,-4-4 0,13 9 0,-9-6-96,12 9 64,-4-4 32,8 7 0,1-3 0,7 5 0,0 2-96,8 3 64,4 0-32,4 3 0,4 2 0,4 1 0,8 1 64,7 8 0,5 2-96,0 1 64,7 0 32,10-1 0,-1 1 0,-5 2 0,5-2 0,-1 4 0,-3-4 0,-4-1 0,-5-2 128,-3-2-64,-7-5 128,-2 2-128,-10-6 32,-5-1-32,-13-6-64,5 3 32,-15-7 32,-2 0-32,-18-11 64,3 0-64,-15-7-32,11 8 32,-16-11-32,12 6 0,-16-2 0,6 7 0,-7-5 0,14 7 0,3 2 0,12 5 0,0-2-96,8 3 64,-7-11-32,6 8 0,6-1-96,10 4 96,9 3 32,9 4 32,7 4-96,8 3 64,11-1-32,2 6 0,2 1 128,-3 2-32,-4-2 64,-4 2-64,-5-8 64,-3 4-64,-9-4 64,3 0-64,-11-7-32,5 3 32,-12-6 32,4-1-32,-12-2 64,3-1-64,-14-8-32,4 8 32,-14-11-128,5 8 64,-7-8 96,3 3-32,-8 2-32,8 3 32,-3-5 32,7 5-32,-8-5-32,13 8 32,-5-3-128,7 7 64,-2-5 32,7 4 0,-5 1-96,9 3 64,-2-3 96,5 6-32,-3 0-32,5 4 32,-7 3-32,12 2 0,-10 1 0,7 5 0,-2 0-96,3 4 64,-8-2 32,7 2 0,-2-1 0,3 4 0,-1 0 0,5 3 0,-4 14 64,4 1-32,0-8-32,4-7 32,1 0-32,-1-3 0,-1 8 0,1-6 0,-4-2 0,5-7 0,-5-8 0,3 1 0,-3-7 64,0-1-32,0-13-96,0 2 32,0-12 32,0-5 0,0-15 0,4 9 0,-4-16 0,5 12 0,-1-11 0,-1 8 0,1-9-96,4 12 64,-4-8 32,3 12 0,2-4 0,3 10 0,0-3 0,4 11 0,0-5 0,0 8 0,-1 3 0,1 8 0,0-5 0,5 8 0,-2-7 0,5 4 0,1-4 0,-2 7 0,1 0-96,-1 7 64,2 0-32,-1 7 0,-1-3 128,5 3-32,-9-4-32,2 5 32,-5-8 32,0 3-32,-1-7-32,1 4 32,-7-2 32,2 2-32,-3-4-32,1 0 32,-6-6-32,5 3 0,-8-3 64,0 3-32,-4-7-32,4 2 32,-7-2-32,-2 7 0,-3-6 0,0-1 0,-16-11 64,5 4-32,-9-4-96,8 8 32,-8-1 96,8 4-32,-8 0 64,8 4-64,-11-5-32,7 8 32,-7 0 96,10 3-64,1 5-96,8 2 0,-3 2 96,7-2-32,-13 3 64,11 5-64,-7 4-32,9-2 32,-8 5-32,8 3 0,-4 2 0,4-2 0,0 4 64,5 3-32,-9 14-32,8 1 32,-5 0-32,10-5 0,-6 8 64,7 0-32,-7 3-32,9-2 32,-5 12 32,10 2-32,-5-12-32,4-6 32,1-5-128,2 2 64,0 17 32,2-1 0,-5-6 64,4-11-32,-1-8-32,2-1 32,-6-14-128,1-1 64,1-11 96,-1-4-32,-4-7 64,0 0-64,0-22-96,0 1 32,0-24 32,0 5 0,0-8 0,0 1 0,0-6 0,0 10 0,0-20 0,3 10 0,1-4 0,1 8 0,-5-29 0,3 8 0,-3-1 64,4 11-32,1 0-96,-1 14 32,-4-1 32,3 12 0,-3-1 64,0 11-32,0-2-32,0 9 32,0 5-32,0 5 0,0 1 0,0 7 0,-3 0 0,-1 7 0,-5 11 0,9 7 0,-8 6 0,4 4 0,-8 0 0,8 1 0,-3-1 0,2 0 0,-2 2 64,7 4-32,-8 24-32,4 1 32,0 12-32,4-8 0,0 5 0,8-7 0,0-2 0,-1-6 0,2 5 0,-2-9 0,2 7 0,-2-3 0,1 3 0,1-5 0,-2-2 0,2-6 0,-2 0 0,5-5 0,-3-5 64,-2-5-32,0-4-32,2-3 32,-1-11-32,0 3 0,0-7 0,-1 2 0,6 2 0,-1 1 0,-9-8 0,6-3 0,-9-7 64,4 4-32,-8-8 64,4 0-64,-9-6 64,2 2-64,-9-9 64,8 4-64,-8-15-96,9 6 32,-10-14-32,9 4 0,-4-14 64,5 8 0,-5-12-96,3 8 64,-3-4 32,5 11 0,-5-11 0,3 9 0,-2-11 0,3 8 0,-8-2 128,7 11-64,-3-2 32,5 13-32,-9-12-192,9 7 64,-5-3-32,3 10 32,-3-7 64,8 7 0,-8-2 64,8 8-32,-4 2-32,8 2 32,-4 5-32,4 6 0,0 5-96,4 6 64,1 4 32,6 3 0,1 14-96,4 0 64,4 12 32,0-9 0,-4 5 0,3-3 0,-2 5 0,3 1 0,-1 4 0,2-2 0,2-5-96,5-3 64,3-10-32,1-5 0,4-2 128,0-3-32,0-5-160,0-2 64,0 2-2016,-4-1 1152,-5 4-6335,0 0 4063</inkml:trace>
+          <inkml:trace contextRef="#ctx0" brushRef="#br0">14595 12450 3840,'0'-6'1472,"0"6"-768,0-4-128,0 0 1280,0 4-1024,-15-4 736,15 8-928,-12-4 512,4 4-672,-18 3 96,14 3-320,-23 7-96,27 1-96,-19 4-128,19-1 32,-4 1 32,24 1 0,-4-5 0,27 4 0,0-14 0,11-2 0,1-12 0,14 1 0,-21-5 0,7-1 0,-12-3 64,11 6-32,-20-4 608,-3 4-352,-23-6 1024,12 3-737,-24-4 353,-2 5-544,-7-8-128,-2 5-160,-23-4 0,14 5-64,-17-2-576,25 7 288,-10 4-5023,25 6 2879</inkml:trace>
+          <inkml:trace contextRef="#ctx0" brushRef="#br0" timeOffset="6420">14026 12168 3456,'-11'-15'1408,"11"15"-768,0-10 160,0 7 1280,11 3-1152,4-7 576,-4-1-928,-2-2 256,3 3-480,2-8 160,-5 9-288,2-9 128,10 5-192,-7 0 224,12 2-256,-5 1 256,-1 7-256,6-3 320,9 6-256,-15-6 384,15-1-320,3-4 159,5 2-255,-5-5 128,-3 8-160,-1-8 64,1 11-96,-3-4-64,3 4 0,-9-3 32,9 6-32,-3-3 64,17 4-64,-17-4-32,14 6 32,-2-1-32,17-2 0,-6 4 0,3 0 0,0 4 0,14-1 0,-5 2 128,3 1-64,-4 2 32,7-2-32,-18 2 32,6-1-64,-15-3 64,-2 3-64,-12-1 64,8 2-64,-8-2-32,3 2 32,0-5-32,0 1 0,11-4 64,-11 0-32,-15-4 128,18 2-96,-18-2-32,3 1 0,-11-1-32,11 4 0,-11-4 64,-1 5-32,-11-8 64,0 0-64,-11 0 64,11 4-64,-21-4 128,7 3-96,-21-6 192,23 3-160,-22-7 96,13 2-96,-13-5 96,7 0-128,-28-5-32,23 8 0,-28-7-32,13 4 0,-8-5 64,6 5-32,-18-5 64,21 5-64,-36-5 64,22 5-64,-7-5 64,12 10-64,-18-7 64,18 9-64,-6-7-32,15 5 32,-9-5-32,20 7 0,-12-4 0,24 7 0,-14-3 0,16-2 0,1 2-96,5 3 64,15 0-32,15 3 0,-9 2 64,29 1 0,11 5 0,15 3 0,-6 0-96,6 4 64,-6-5 32,17 2 0,10-1 0,8 0 0,-24 0 0,7 1 0,8-2 0,0 2 0,-14-5 64,-9 1-32,-12-4 64,12 0-64,-14-4 64,2 2-64,-31-2 128,5 1-96,-20-4 256,12 0-192,-24-4 160,3 1-160,-17-9 0,6 2-64,-41-11-64,26 6 32,-31-10 32,19 5-32,-34-5-32,11 4 32,-11 4-32,26 5 0,-17-1 0,16 5 0,-36-9-96,22 6 64,3 1-32,32 3 0,-2-1 64,14 5 0,11 3 0,12 3 0,26 8-96,20 6 64,24 5 32,11 2 0,6 1 0,21 4 0,-7-1-96,-5-3 64,5 3 32,1 0 0,40 0 0,-29 1 0,18-5 0,-18 1 0,14-3 0,-11-2 0,0-5 64,-14-5-32,-9-7 128,-4 5-96,-28-8 128,-6 0-128,-20-3-32,-12 3 0,-34-5 32,11 2-32,-47-4 64,13 0-64,-82-7 64,14 0-64,-37-4-32,23 3 32,-20-2-32,28 4 0,7-2-160,20 8 96,-9-7-32,17 7 32,-8-3 128,40 5-32,-8-2-96,26 7 32,0 0-128,23 7 96,0 1 32,14 2 32,-5 2-96,23 1 64,29 9 32,20 1 0,20 2 64,7 0-32,-7-3 64,1-4-64,5-5-96,-5 2 32,48-2 32,-10 5 0,-36-11 64,-23 1-32,-26-8 64,3 3-64,-23-3 128,0 0-96,-23-6 32,-1-2-32,-57-6 32,-12 0-64,-58-15-32,0 8 32,-12-4-32,27 8 0,-15-1 0,23 3 0,-55-8 0,32 5 0,-12-4 0,38 9 0,-26-6-96,35 9 64,-12-4 32,24 7 0,2-3 0,21 5 0,-1 2-96,24 3 64,11 0-32,12 3 0,12 2 0,11 1 0,24 1 64,19 8 0,16 2-96,-1 1 64,20 0 32,30-1 0,-4 1 0,-14 2 0,15-2 0,-3 4 0,-9-4 0,-12-1 0,-14-2 128,-9-2-64,-20-5 128,-6 2-128,-29-6 32,-14-1-32,-38-6-64,14 3 32,-43-7 32,-6 0-32,-52-11 64,9 0-64,-44-7-32,32 8 32,-47-11-32,36 6 0,-47-2 0,17 7 0,-20-5 0,41 7 0,8 2 0,36 5 0,-1-2-96,23 3 64,-20-11-32,18 8 0,17-1-96,29 4 96,26 3 32,26 4 32,20 4-96,24 3 64,31-1-32,6 6 0,7 1 128,-10 2-32,-11-2 64,-12 2-64,-14-8 64,-9 4-64,-26-4 64,8 0-64,-31-7-32,14 3 32,-34-6 32,11-1-32,-35-2 64,9-1-64,-41-8-32,12 8 32,-41-11-128,15 8 64,-21-8 96,10 3-32,-24 2-32,23 3 32,-9-5 32,21 5-32,-23-5-32,37 8 32,-14-3-128,20 7 64,-6-5 32,21 4 0,-15 1-96,26 3 64,-6-3 96,15 6-32,-8 0-32,13 4 32,-19 3-32,34 2 0,-29 1 0,21 5 0,-7 0-96,10 4 64,-24-2 32,20 2 0,-5-1 0,8 4 0,-2 0 0,14 3 0,-12 14 64,12 1-32,0-8-32,12-7 32,2 0-32,-2-3 0,-3 8 0,2-6 0,-11-2 0,15-7 0,-15-8 0,9 1 0,-9-7 64,0-1-32,0-13-96,0 2 32,0-12 32,0-5 0,0-15 0,11 9 0,-11-16 0,15 12 0,-4-11 0,-2 8 0,3-9-96,11 12 64,-12-8 32,10 12 0,5-4 0,9 10 0,-1-3 0,13 11 0,-1-5 0,1 8 0,-4 3 0,3 8 0,1-5 0,14 8 0,-6-7 0,14 4 0,4-4 0,-6 7 0,2 0-96,-2 7 64,5 0-32,-2 7 0,-3-3 128,14 3-32,-26-4-32,6 5 32,-15-8 32,1 3-32,-4-7-32,4 4 32,-21-2 32,6 2-32,-9-4-32,3 0 32,-17-6-32,14 3 0,-23-3 64,0 3-32,-12-7-32,12 2 32,-20-2-32,-6 7 0,-9-6 0,0-1 0,-46-11 64,14 4-32,-25-4-96,22 8 32,-23-1 96,24 4-32,-24 0 64,23 4-64,-31-5-32,19 8 32,-19 0 96,28 3-64,4 5-96,22 2 0,-8 2 96,21-2-32,-39 3 64,32 5-64,-19 4-32,25-2 32,-23 5-32,23 3 0,-11 2 0,11-2 0,0 4 64,15 3-32,-27 14-32,24 1 32,-15 0-32,30-5 0,-18 8 64,20 0-32,-20 3-32,26-2 32,-15 12 32,30 2-32,-15-12-32,11-6 32,4-6-128,5 3 64,0 17 32,6-1 0,-14-6 64,11-11-32,-2-8-32,5-1 32,-18-14-128,4-1 64,2-11 96,-2-4-32,-12-7 64,0 0-64,0-22-96,0 1 32,0-24 32,0 5 0,0-8 0,0 1 0,0-6 0,0 10 0,0-20 0,9 10 0,2-3 0,4 7 0,-15-29 0,9 8 0,-9-1 64,11 11-32,4 0-96,-4 14 32,-11-1 32,9 12 0,-9-1 64,0 11-32,0-2-32,0 9 32,0 5-32,0 5 0,0 1 0,0 7 0,-9 0 0,-2 7 0,-15 11 0,26 7 0,-24 6 0,13 4 0,-24 0 0,23 1 0,-8-1 0,6 0 0,-7 2 64,21 4-32,-23 24-32,11 1 32,1 12-32,11-8 0,0 5 0,23-8 0,0-1 0,-2-6 0,5 5 0,-6-9 0,6 7 0,-6-3 0,4 3 0,2-5 0,-6-2 0,6-6 0,-6 0 0,15-5 0,-9-5 64,-5-5-32,-1-4-32,6-3 32,-3-11-32,0 3 0,1-7 0,-4 2 0,18 2 0,-4 1 0,-25-8 0,17-3 0,-26-7 64,12 4-32,-24-8 64,12 0-64,-26-6 64,6 2-64,-27-9 64,24 4-64,-23-15-96,25 6 32,-28-14-32,26 4 0,-12-14 64,15 8 0,-15-12-96,9 8 64,-9-4 32,15 11 0,-15-11 0,9 9 0,-6-11 0,9 8 0,-24-2 128,21 11-64,-8-2 32,13 13-32,-25-12-192,26 7 64,-15-3-32,9 10 32,-9-7 64,23 7 0,-23-2 64,24 8-32,-12 2-32,23 2 32,-12 5-32,12 6 0,0 5-96,12 6 64,2 4 32,18 3 0,3 14-96,11 0 64,12 12 32,0-9 0,-11 5 0,8-3 0,-6 5 0,9 1 0,-3 4 0,6-2 0,6-5-96,14-3 64,9-10-32,3-5 0,11-2 128,0-3-32,1-5-160,-1-2 64,1 2-2016,-13-1 1152,-13 4-6335,-1 0 4063</inkml:trace>
         </inkml:traceGroup>
       </inkml:traceGroup>
     </inkml:traceGroup>
@@ -5731,10 +5730,10 @@
         </emma:interpretation>
       </emma:emma>
     </inkml:annotationXML>
-    <inkml:trace contextRef="#ctx0" brushRef="#br0">7283 11894 5120,'-18'0'2016,"18"0"-1088,-5 8 192,5-3 928,5-5-544,0 0-192,0-5-224,-2 2 0,7-5-577,-1-1 1,14-3 0,18 1 32,9 2-32,14 1-192,8 8-128,14 5 96,5-5 128,23 0-32,33-9 96,8 1-128,18-4-32,41-8-128,-1 7 32,41-8 0,15 15 32,28-3 0,7 9 0,38 4-128,-1 12-96,41 8 0,2 5 32,21 3-32,14-7 64,0-5-128,27-8 0,4 5 160,-22-2 160,23 10-96,-24-1 64,-8 1-448,-22-2-96,-15 14-1568,-36-1-672,-9-8-3455</inkml:trace>
-    <inkml:trace contextRef="#ctx0" brushRef="#br0" timeOffset="-719">7265 11948 4992,'-5'-29'1824,"5"29"-960,5-12 128,-5 12 832,5 3 96,0 1 96,4 21-192,-1-4-1,2 35-1023,-2-8 320,-2 70 160,-2-24 32,-4 88 0,0-30-512,-10 90-160,7-38-320,-12 50-128,7-30-96,-1 6-96,-1-31-64,1-29 32,-1-21-832,2-35-352,0-17-1440,-2-54-640,1-5-2463</inkml:trace>
-    <inkml:trace contextRef="#ctx0" brushRef="#br0" timeOffset="783">7123 14460 7296,'0'8'2720,"24"0"-1472,3 4-896,-9-3 672,9-1 0,10-5 192,17-3-192,24-3-65,26-2-511,10 2-64,23-6-32,36-3-128,14 9 32,23-2 32,39 2 64,15-2-160,32 1-64,24 1-64,16-2 32,38 1 128,16-4 128,26-9-64,19 2 64,8-10-128,13 5-64,3-1-64,-32 1 0,-131 5-288,164-5-32,-10 3-736,-58 9-256,-13-1-992,-43 14-351,-12 7-1985</inkml:trace>
-    <inkml:trace contextRef="#ctx0" brushRef="#br0" timeOffset="1983">16442 12040 6784,'-3'8'2528,"3"-8"-1344,27 12-608,-22-8 800,21 0-128,-4 0-32,24 4-480,-4 4-192,22-4-320,-10-2-33,4 6 129,-7-4-192,13 4 0,-10-4 0,6 4 0,-11 0-64,2-4 32,-9 0 0,-7-1 32,-3 2-64,-9-5 32,-6 0 128,-2 0 128,-6 0-64,-4 5 64,-2-2-192,-3 18-32,0-5 0,-3 32 64,-2-7-96,5 37 0,0-14 96,5 33 32,-2-16-32,2 29-32,0-22-96,4 21-64,-4-16 32,0 25 32,-2-16-32,2 10-32,0-10 32,-5-6 32,0-14-32,0 4 64,0-14-64,-5-8 64,5-7 64,-8 0 128,3-13 224,-14 4 64,6-11-96,-14-4-32,3-5-128,-8-4-32,5-2 96,-13-12 96,8 4 96,-32-6 32,9-4 32,-40 0 64,13 0-256,-41-4-32,19 0-96,-37 4-32,18 0-96,-15 0 32,20 1-128,-10 2 0,24 1-256,5-3-64,16 0-2048,19-9-896,10 0-4320</inkml:trace>
+    <inkml:trace contextRef="#ctx0" brushRef="#br0">7288 11883 5120,'-19'0'2016,"19"0"-1088,-5 7 192,5-2 928,5-5-544,0 0-192,1-5-224,-3 2 0,7-4-577,-1-1 1,15-4 0,18 2 32,10 2-32,14 1-192,8 7-128,14 4 96,6-4 128,24 0-32,33-8 96,9 1-128,18-4-32,42-8-128,0 7 32,42-7 0,15 13 32,29-2 0,7 8 0,39 4-128,0 10-96,41 9 0,3 3 32,21 4-32,15-7 64,-1-5-128,29-7 0,3 5 160,-22-2 160,24 9-96,-25-1 64,-8 1-448,-23-2-96,-16 13-1568,-36-1-672,-10-7-3455</inkml:trace>
+    <inkml:trace contextRef="#ctx0" brushRef="#br0" timeOffset="-719">7269 11932 4992,'-5'-26'1824,"5"26"-960,5-11 128,-5 11 832,5 2 96,1 2 96,3 19-192,-1-4-1,2 33-1023,-1-8 320,-3 65 160,-2-22 32,-4 80 0,0-27-512,-10 83-160,7-35-320,-13 46-128,8-27-96,-1 5-96,-2-29-64,2-26 32,-1-20-832,1-32-352,1-16-1440,-2-49-640,1-5-2463</inkml:trace>
+    <inkml:trace contextRef="#ctx0" brushRef="#br0" timeOffset="783">7123 14247 7296,'0'7'2720,"25"1"-1472,3 3-896,-10-3 672,10-1 0,10-4 192,18-3-192,24-3-65,27-1-511,11 1-64,23-5-32,37-3-128,15 8 32,23-2 32,41 3 64,15-3-160,32 1-64,26 2-64,16-3 32,40 1 128,15-3 128,28-9-64,19 2 64,9-9-128,12 5-64,4-1-64,-33 0 0,-135 5-288,169-4-32,-10 2-736,-60 9-256,-14-1-992,-44 12-351,-12 7-1985</inkml:trace>
+    <inkml:trace contextRef="#ctx0" brushRef="#br0" timeOffset="1983">16724 12017 6784,'-3'8'2528,"3"-8"-1344,28 11-608,-23-8 800,22 1-128,-5 0-32,26 3-480,-5 4-192,23-4-320,-10-1-33,3 5 129,-6-4-192,13 4 0,-11-3 0,7 3 0,-11 0-64,1-4 32,-9 1 0,-6-2 32,-4 2-64,-10-4 32,-5 0 128,-3-1 128,-6 1-64,-3 4 64,-3-1-192,-3 16-32,0-5 0,-3 30 64,-3-6-96,6 33 0,0-12 96,6 30 32,-3-15-32,2 27-32,0-20-96,4 19-64,-4-14 32,1 22 32,-3-14-32,2 9-32,0-10 32,-5-5 32,0-12-32,0 3 64,0-13-64,-5-8 64,5-6 64,-8 1 128,2-13 224,-13 4 64,5-10-96,-13-4-32,2-5-128,-8-3-32,5-2 96,-13-11 96,8 3 96,-33-5 32,9-3 32,-41-1 64,14 1-256,-43-5-32,20 1-96,-38 3-32,18 1-96,-15-1 32,20 1-128,-9 3 0,23 0-256,6-3-64,17 0-2048,19-8-896,10 0-4320</inkml:trace>
   </inkml:traceGroup>
 </inkml:ink>
 </file>
@@ -5841,8 +5840,8 @@
       <emma:emma xmlns:emma="http://www.w3.org/2003/04/emma" version="1.0">
         <emma:interpretation id="{81557EE8-CCC3-4DF0-B23A-2200C02207CB}" emma:medium="tactile" emma:mode="ink">
           <msink:context xmlns:msink="http://schemas.microsoft.com/ink/2010/main" type="inkDrawing" rotatedBoundingBox="6996,15507 17618,15907 17491,19296 6868,18896" semanticType="enclosure" shapeName="Other">
+            <msink:sourceLink direction="with" ref="{2ECA75B7-6E48-469C-9ED3-43CF21544A6A}"/>
             <msink:sourceLink direction="with" ref="{67A0B1D3-B702-4835-B79B-8CE58041FE29}"/>
-            <msink:sourceLink direction="with" ref="{2ECA75B7-6E48-469C-9ED3-43CF21544A6A}"/>
           </msink:context>
         </emma:interpretation>
       </emma:emma>
@@ -7027,19 +7026,18 @@
       <emma:emma xmlns:emma="http://www.w3.org/2003/04/emma" version="1.0">
         <emma:interpretation id="{540A4470-25C9-4C02-B775-5D0E1F8896FB}" emma:medium="tactile" emma:mode="ink">
           <msink:context xmlns:msink="http://schemas.microsoft.com/ink/2010/main" type="inkDrawing" rotatedBoundingBox="17987,14252 29317,13727 29508,17859 18178,18383" semanticType="enclosure" shapeName="Other">
-            <msink:sourceLink direction="with" ref="{E84FDFEB-E03E-4744-BFD5-6FB561D04A08}"/>
+            <msink:destinationLink direction="with" ref="{BED59B8D-0E57-4597-8686-6528F4225165}"/>
+            <msink:destinationLink direction="with" ref="{E172C18F-264A-4C21-A83F-A3E4BF43DBF4}"/>
             <msink:destinationLink direction="with" ref="{89A06D83-9402-4874-AFAC-4C6AF2F53ADB}"/>
+            <msink:destinationLink direction="with" ref="{559B3501-8D01-4CA7-BE9D-AF4B916D2310}"/>
             <msink:destinationLink direction="with" ref="{2F04B8F4-F70C-4756-B9D9-0FFA56C1893D}"/>
-            <msink:destinationLink direction="with" ref="{E172C18F-264A-4C21-A83F-A3E4BF43DBF4}"/>
-            <msink:destinationLink direction="with" ref="{559B3501-8D01-4CA7-BE9D-AF4B916D2310}"/>
+            <msink:destinationLink direction="with" ref="{FF6EE287-AEDA-43B5-9D6B-E4273324C3DD}"/>
             <msink:destinationLink direction="with" ref="{4013D7B5-9B79-4B79-88E0-67247019154C}"/>
             <msink:destinationLink direction="with" ref="{F53154D4-5391-406D-B280-5C557F66D96B}"/>
             <msink:destinationLink direction="with" ref="{B916A3A8-BB31-447D-822F-6638D0DC2AD1}"/>
-            <msink:destinationLink direction="with" ref="{FF6EE287-AEDA-43B5-9D6B-E4273324C3DD}"/>
             <msink:destinationLink direction="with" ref="{A7775776-0000-4A46-A201-A9BDB1829E95}"/>
             <msink:destinationLink direction="with" ref="{D3081544-6003-439C-AFF8-8A04F555AAC6}"/>
             <msink:destinationLink direction="with" ref="{39AB3218-F271-47D7-AD27-D0757CD30CC9}"/>
-            <msink:destinationLink direction="with" ref="{BED59B8D-0E57-4597-8686-6528F4225165}"/>
           </msink:context>
         </emma:interpretation>
       </emma:emma>
@@ -7194,8 +7192,8 @@
       <emma:emma xmlns:emma="http://www.w3.org/2003/04/emma" version="1.0">
         <emma:interpretation id="{E3CA143B-7D33-4DB2-94EF-37DA34226C7E}" emma:medium="tactile" emma:mode="ink">
           <msink:context xmlns:msink="http://schemas.microsoft.com/ink/2010/main" type="inkDrawing" rotatedBoundingBox="15944,10687 28603,7094 31527,17395 18867,20988" semanticType="enclosure" shapeName="Other">
+            <msink:destinationLink direction="with" ref="{39AB3218-F271-47D7-AD27-D0757CD30CC9}"/>
             <msink:destinationLink direction="with" ref="{256B2AA3-BF42-428E-BBFD-36F5DBD0D183}"/>
-            <msink:destinationLink direction="with" ref="{39AB3218-F271-47D7-AD27-D0757CD30CC9}"/>
           </msink:context>
         </emma:interpretation>
       </emma:emma>
@@ -7405,8 +7403,8 @@
       <emma:emma xmlns:emma="http://www.w3.org/2003/04/emma" version="1.0">
         <emma:interpretation id="{559B3501-8D01-4CA7-BE9D-AF4B916D2310}" emma:medium="tactile" emma:mode="ink">
           <msink:context xmlns:msink="http://schemas.microsoft.com/ink/2010/main" type="inkDrawing" rotatedBoundingBox="19751,17631 21992,14526 22100,14605 19859,17709" semanticType="callout" shapeName="Other">
+            <msink:sourceLink direction="with" ref="{540A4470-25C9-4C02-B775-5D0E1F8896FB}"/>
             <msink:sourceLink direction="with" ref="{4F312DB0-A426-48EF-93B6-41BF3009A250}"/>
-            <msink:sourceLink direction="with" ref="{540A4470-25C9-4C02-B775-5D0E1F8896FB}"/>
           </msink:context>
         </emma:interpretation>
       </emma:emma>
@@ -7482,8 +7480,8 @@
       <emma:emma xmlns:emma="http://www.w3.org/2003/04/emma" version="1.0">
         <emma:interpretation id="{FF6EE287-AEDA-43B5-9D6B-E4273324C3DD}" emma:medium="tactile" emma:mode="ink">
           <msink:context xmlns:msink="http://schemas.microsoft.com/ink/2010/main" type="inkDrawing" rotatedBoundingBox="21531,17650 24036,14335 24146,14418 21641,17733" semanticType="callout" shapeName="Other">
+            <msink:sourceLink direction="with" ref="{540A4470-25C9-4C02-B775-5D0E1F8896FB}"/>
             <msink:sourceLink direction="with" ref="{4F312DB0-A426-48EF-93B6-41BF3009A250}"/>
-            <msink:sourceLink direction="with" ref="{540A4470-25C9-4C02-B775-5D0E1F8896FB}"/>
           </msink:context>
         </emma:interpretation>
       </emma:emma>
@@ -7636,8 +7634,8 @@
       <emma:emma xmlns:emma="http://www.w3.org/2003/04/emma" version="1.0">
         <emma:interpretation id="{B916A3A8-BB31-447D-822F-6638D0DC2AD1}" emma:medium="tactile" emma:mode="ink">
           <msink:context xmlns:msink="http://schemas.microsoft.com/ink/2010/main" type="inkDrawing" rotatedBoundingBox="24959,17383 27069,14642 27199,14742 25090,17484" semanticType="callout" shapeName="Other">
+            <msink:sourceLink direction="with" ref="{540A4470-25C9-4C02-B775-5D0E1F8896FB}"/>
             <msink:sourceLink direction="with" ref="{4F312DB0-A426-48EF-93B6-41BF3009A250}"/>
-            <msink:sourceLink direction="with" ref="{540A4470-25C9-4C02-B775-5D0E1F8896FB}"/>
           </msink:context>
         </emma:interpretation>
       </emma:emma>
@@ -13002,7 +13000,7 @@
         <p:spPr>
           <a:xfrm>
             <a:off x="838200" y="2014167"/>
-            <a:ext cx="8120333" cy="1938992"/>
+            <a:ext cx="8120333" cy="3046988"/>
           </a:xfrm>
           <a:prstGeom prst="rect">
             <a:avLst/>
@@ -13030,9 +13028,24 @@
               <a:buChar char="•"/>
             </a:pPr>
             <a:r>
+              <a:rPr lang="nb-NO" sz="2400" dirty="0" err="1"/>
+              <a:t>dotnet</a:t>
+            </a:r>
+            <a:r>
               <a:rPr lang="nb-NO" sz="2400" dirty="0"/>
-              <a:t>Deployment</a:t>
-            </a:r>
+              <a:t> kommando</a:t>
+            </a:r>
+          </a:p>
+          <a:p>
+            <a:pPr marL="742950" lvl="1" indent="-285750">
+              <a:buFont typeface="Arial" panose="020B0604020202020204" pitchFamily="34" charset="0"/>
+              <a:buChar char="•"/>
+            </a:pPr>
+            <a:r>
+              <a:rPr lang="nb-NO" sz="2400" dirty="0" err="1"/>
+              <a:t>Heroku</a:t>
+            </a:r>
+            <a:endParaRPr lang="nb-NO" sz="2400" dirty="0"/>
           </a:p>
           <a:p>
             <a:pPr marL="285750" indent="-285750">
@@ -13043,6 +13056,27 @@
               <a:rPr lang="nb-NO" sz="2400" dirty="0"/>
               <a:t>Node</a:t>
             </a:r>
+          </a:p>
+          <a:p>
+            <a:pPr marL="742950" lvl="1" indent="-285750">
+              <a:buFont typeface="Arial" panose="020B0604020202020204" pitchFamily="34" charset="0"/>
+              <a:buChar char="•"/>
+            </a:pPr>
+            <a:r>
+              <a:rPr lang="nb-NO" sz="2400" dirty="0"/>
+              <a:t>node kommando</a:t>
+            </a:r>
+          </a:p>
+          <a:p>
+            <a:pPr marL="742950" lvl="1" indent="-285750">
+              <a:buFont typeface="Arial" panose="020B0604020202020204" pitchFamily="34" charset="0"/>
+              <a:buChar char="•"/>
+            </a:pPr>
+            <a:r>
+              <a:rPr lang="nb-NO" sz="2400" dirty="0" err="1"/>
+              <a:t>Heroku</a:t>
+            </a:r>
+            <a:endParaRPr lang="nb-NO" sz="2400" dirty="0"/>
           </a:p>
           <a:p>
             <a:pPr marL="742950" lvl="1" indent="-285750">
@@ -13107,16 +13141,126 @@
           <a:p>
             <a:r>
               <a:rPr lang="nb-NO" dirty="0"/>
-              <a:t>Testbarhet</a:t>
+              <a:t>Validering</a:t>
             </a:r>
             <a:endParaRPr lang="en-US" dirty="0"/>
+          </a:p>
+        </p:txBody>
+      </p:sp>
+      <p:sp>
+        <p:nvSpPr>
+          <p:cNvPr id="3" name="TextBox 2"/>
+          <p:cNvSpPr txBox="1"/>
+          <p:nvPr/>
+        </p:nvSpPr>
+        <p:spPr>
+          <a:xfrm>
+            <a:off x="838200" y="2014167"/>
+            <a:ext cx="8120333" cy="2677656"/>
+          </a:xfrm>
+          <a:prstGeom prst="rect">
+            <a:avLst/>
+          </a:prstGeom>
+          <a:noFill/>
+        </p:spPr>
+        <p:txBody>
+          <a:bodyPr wrap="square" rtlCol="0">
+            <a:spAutoFit/>
+          </a:bodyPr>
+          <a:lstStyle/>
+          <a:p>
+            <a:pPr marL="285750" indent="-285750">
+              <a:buFont typeface="Arial" panose="020B0604020202020204" pitchFamily="34" charset="0"/>
+              <a:buChar char="•"/>
+            </a:pPr>
+            <a:r>
+              <a:rPr lang="nb-NO" sz="2400" dirty="0"/>
+              <a:t>ASP.NET </a:t>
+            </a:r>
+            <a:r>
+              <a:rPr lang="nb-NO" sz="2400" dirty="0" err="1"/>
+              <a:t>Core</a:t>
+            </a:r>
+            <a:endParaRPr lang="nb-NO" sz="2400" dirty="0"/>
+          </a:p>
+          <a:p>
+            <a:pPr marL="742950" lvl="1" indent="-285750">
+              <a:buFont typeface="Arial" panose="020B0604020202020204" pitchFamily="34" charset="0"/>
+              <a:buChar char="•"/>
+            </a:pPr>
+            <a:r>
+              <a:rPr lang="nb-NO" sz="2400" dirty="0"/>
+              <a:t>Innebygd validering av modeller med </a:t>
+            </a:r>
+            <a:r>
+              <a:rPr lang="nb-NO" sz="2400" dirty="0" err="1"/>
+              <a:t>attributes</a:t>
+            </a:r>
+            <a:endParaRPr lang="nb-NO" sz="2400" dirty="0"/>
+          </a:p>
+          <a:p>
+            <a:pPr marL="742950" lvl="1" indent="-285750">
+              <a:buFont typeface="Arial" panose="020B0604020202020204" pitchFamily="34" charset="0"/>
+              <a:buChar char="•"/>
+            </a:pPr>
+            <a:r>
+              <a:rPr lang="nb-NO" sz="2400" dirty="0"/>
+              <a:t>[</a:t>
+            </a:r>
+            <a:r>
+              <a:rPr lang="nb-NO" sz="2400" dirty="0" err="1"/>
+              <a:t>Required</a:t>
+            </a:r>
+            <a:r>
+              <a:rPr lang="nb-NO" sz="2400" dirty="0"/>
+              <a:t>], [Range()], </a:t>
+            </a:r>
+            <a:r>
+              <a:rPr lang="nb-NO" sz="2400" dirty="0" err="1"/>
+              <a:t>etc</a:t>
+            </a:r>
+            <a:endParaRPr lang="nb-NO" sz="2400" dirty="0"/>
+          </a:p>
+          <a:p>
+            <a:pPr marL="285750" indent="-285750">
+              <a:buFont typeface="Arial" panose="020B0604020202020204" pitchFamily="34" charset="0"/>
+              <a:buChar char="•"/>
+            </a:pPr>
+            <a:r>
+              <a:rPr lang="nb-NO" sz="2400" dirty="0"/>
+              <a:t>Node</a:t>
+            </a:r>
+          </a:p>
+          <a:p>
+            <a:pPr marL="742950" lvl="1" indent="-285750">
+              <a:buFont typeface="Arial" panose="020B0604020202020204" pitchFamily="34" charset="0"/>
+              <a:buChar char="•"/>
+            </a:pPr>
+            <a:r>
+              <a:rPr lang="nb-NO" sz="2400" dirty="0"/>
+              <a:t>Finnes en drøss med pakker som kan gjøre det for deg</a:t>
+            </a:r>
+          </a:p>
+          <a:p>
+            <a:pPr marL="742950" lvl="1" indent="-285750">
+              <a:buFont typeface="Arial" panose="020B0604020202020204" pitchFamily="34" charset="0"/>
+              <a:buChar char="•"/>
+            </a:pPr>
+            <a:endParaRPr lang="nb-NO" sz="2400" dirty="0"/>
+          </a:p>
+          <a:p>
+            <a:pPr marL="285750" indent="-285750">
+              <a:buFont typeface="Arial" panose="020B0604020202020204" pitchFamily="34" charset="0"/>
+              <a:buChar char="•"/>
+            </a:pPr>
+            <a:endParaRPr lang="en-US" sz="2400" dirty="0"/>
           </a:p>
         </p:txBody>
       </p:sp>
     </p:spTree>
     <p:extLst>
       <p:ext uri="{BB962C8B-B14F-4D97-AF65-F5344CB8AC3E}">
-        <p14:creationId xmlns:p14="http://schemas.microsoft.com/office/powerpoint/2010/main" val="754926225"/>
+        <p14:creationId xmlns:p14="http://schemas.microsoft.com/office/powerpoint/2010/main" val="3993958896"/>
       </p:ext>
     </p:extLst>
   </p:cSld>
@@ -13223,7 +13367,7 @@
         <p:spPr>
           <a:xfrm>
             <a:off x="838200" y="2014167"/>
-            <a:ext cx="8120333" cy="1569660"/>
+            <a:ext cx="8120333" cy="1938992"/>
           </a:xfrm>
           <a:prstGeom prst="rect">
             <a:avLst/>
@@ -13252,7 +13396,17 @@
             </a:pPr>
             <a:r>
               <a:rPr lang="nb-NO" sz="2400" dirty="0"/>
-              <a:t>.NET-utviklere</a:t>
+              <a:t>Særlig fint for .NET-utviklere</a:t>
+            </a:r>
+          </a:p>
+          <a:p>
+            <a:pPr marL="742950" lvl="1" indent="-285750">
+              <a:buFont typeface="Arial" panose="020B0604020202020204" pitchFamily="34" charset="0"/>
+              <a:buChar char="•"/>
+            </a:pPr>
+            <a:r>
+              <a:rPr lang="nb-NO" sz="2400" dirty="0"/>
+              <a:t>Men også et godt alternativ for andre</a:t>
             </a:r>
           </a:p>
           <a:p>
@@ -15757,7 +15911,7 @@
         <p:spPr>
           <a:xfrm>
             <a:off x="838200" y="2014167"/>
-            <a:ext cx="8120333" cy="1477328"/>
+            <a:ext cx="8120333" cy="1754326"/>
           </a:xfrm>
           <a:prstGeom prst="rect">
             <a:avLst/>
@@ -15776,6 +15930,16 @@
             </a:pPr>
             <a:r>
               <a:rPr lang="nb-NO" dirty="0"/>
+              <a:t>En del «regler»</a:t>
+            </a:r>
+          </a:p>
+          <a:p>
+            <a:pPr marL="285750" indent="-285750">
+              <a:buFont typeface="Arial" panose="020B0604020202020204" pitchFamily="34" charset="0"/>
+              <a:buChar char="•"/>
+            </a:pPr>
+            <a:r>
+              <a:rPr lang="nb-NO" dirty="0"/>
               <a:t>HTTP</a:t>
             </a:r>
           </a:p>
@@ -15849,8 +16013,8 @@
               <p14:nvPr/>
             </p14:nvContentPartPr>
             <p14:xfrm>
-              <a:off x="2478016" y="3803710"/>
-              <a:ext cx="3676680" cy="1017000"/>
+              <a:off x="2478016" y="3883630"/>
+              <a:ext cx="3787920" cy="937080"/>
             </p14:xfrm>
           </p:contentPart>
         </mc:Choice>
@@ -15869,8 +16033,8 @@
             </p:blipFill>
             <p:spPr>
               <a:xfrm>
-                <a:off x="2469376" y="3788235"/>
-                <a:ext cx="3700080" cy="1042191"/>
+                <a:off x="2469376" y="3868156"/>
+                <a:ext cx="3811320" cy="962270"/>
               </a:xfrm>
               <a:prstGeom prst="rect">
                 <a:avLst/>
@@ -16026,7 +16190,7 @@
             <p:spPr>
               <a:xfrm>
                 <a:off x="2538136" y="4007110"/>
-                <a:ext cx="3744360" cy="2674800"/>
+                <a:ext cx="3744000" cy="2674800"/>
               </a:xfrm>
               <a:prstGeom prst="rect">
                 <a:avLst/>
@@ -16074,8 +16238,8 @@
           </p:pic>
         </mc:Fallback>
       </mc:AlternateContent>
-      <mc:AlternateContent xmlns:mc="http://schemas.openxmlformats.org/markup-compatibility/2006">
-        <mc:Choice xmlns:p14="http://schemas.microsoft.com/office/powerpoint/2010/main" Requires="p14">
+      <mc:AlternateContent xmlns:mc="http://schemas.openxmlformats.org/markup-compatibility/2006" xmlns:p14="http://schemas.microsoft.com/office/powerpoint/2010/main">
+        <mc:Choice Requires="p14">
           <p:contentPart p14:bwMode="auto" r:id="rId14">
             <p14:nvContentPartPr>
               <p14:cNvPr id="209" name="Ink 208"/>
@@ -16088,7 +16252,7 @@
             </p14:xfrm>
           </p:contentPart>
         </mc:Choice>
-        <mc:Fallback>
+        <mc:Fallback xmlns="">
           <p:pic>
             <p:nvPicPr>
               <p:cNvPr id="209" name="Ink 208"/>
@@ -16113,8 +16277,8 @@
           </p:pic>
         </mc:Fallback>
       </mc:AlternateContent>
-      <mc:AlternateContent xmlns:mc="http://schemas.openxmlformats.org/markup-compatibility/2006">
-        <mc:Choice xmlns:p14="http://schemas.microsoft.com/office/powerpoint/2010/main" Requires="p14">
+      <mc:AlternateContent xmlns:mc="http://schemas.openxmlformats.org/markup-compatibility/2006" xmlns:p14="http://schemas.microsoft.com/office/powerpoint/2010/main">
+        <mc:Choice Requires="p14">
           <p:contentPart p14:bwMode="auto" r:id="rId16">
             <p14:nvContentPartPr>
               <p14:cNvPr id="237" name="Ink 236"/>
@@ -16127,7 +16291,7 @@
             </p14:xfrm>
           </p:contentPart>
         </mc:Choice>
-        <mc:Fallback>
+        <mc:Fallback xmlns="">
           <p:pic>
             <p:nvPicPr>
               <p:cNvPr id="237" name="Ink 236"/>
@@ -16139,8 +16303,8 @@
           </p:pic>
         </mc:Fallback>
       </mc:AlternateContent>
-      <mc:AlternateContent xmlns:mc="http://schemas.openxmlformats.org/markup-compatibility/2006">
-        <mc:Choice xmlns:p14="http://schemas.microsoft.com/office/powerpoint/2010/main" Requires="p14">
+      <mc:AlternateContent xmlns:mc="http://schemas.openxmlformats.org/markup-compatibility/2006" xmlns:p14="http://schemas.microsoft.com/office/powerpoint/2010/main">
+        <mc:Choice Requires="p14">
           <p:contentPart p14:bwMode="auto" r:id="rId17">
             <p14:nvContentPartPr>
               <p14:cNvPr id="251" name="Ink 250"/>
@@ -16153,7 +16317,7 @@
             </p14:xfrm>
           </p:contentPart>
         </mc:Choice>
-        <mc:Fallback>
+        <mc:Fallback xmlns="">
           <p:pic>
             <p:nvPicPr>
               <p:cNvPr id="251" name="Ink 250"/>
@@ -16178,8 +16342,8 @@
           </p:pic>
         </mc:Fallback>
       </mc:AlternateContent>
-      <mc:AlternateContent xmlns:mc="http://schemas.openxmlformats.org/markup-compatibility/2006">
-        <mc:Choice xmlns:p14="http://schemas.microsoft.com/office/powerpoint/2010/main" Requires="p14">
+      <mc:AlternateContent xmlns:mc="http://schemas.openxmlformats.org/markup-compatibility/2006" xmlns:p14="http://schemas.microsoft.com/office/powerpoint/2010/main">
+        <mc:Choice Requires="p14">
           <p:contentPart p14:bwMode="auto" r:id="rId19">
             <p14:nvContentPartPr>
               <p14:cNvPr id="254" name="Ink 253"/>
@@ -16192,7 +16356,7 @@
             </p14:xfrm>
           </p:contentPart>
         </mc:Choice>
-        <mc:Fallback>
+        <mc:Fallback xmlns="">
           <p:pic>
             <p:nvPicPr>
               <p:cNvPr id="254" name="Ink 253"/>
@@ -16217,8 +16381,8 @@
           </p:pic>
         </mc:Fallback>
       </mc:AlternateContent>
-      <mc:AlternateContent xmlns:mc="http://schemas.openxmlformats.org/markup-compatibility/2006">
-        <mc:Choice xmlns:p14="http://schemas.microsoft.com/office/powerpoint/2010/main" Requires="p14">
+      <mc:AlternateContent xmlns:mc="http://schemas.openxmlformats.org/markup-compatibility/2006" xmlns:p14="http://schemas.microsoft.com/office/powerpoint/2010/main">
+        <mc:Choice Requires="p14">
           <p:contentPart p14:bwMode="auto" r:id="rId21">
             <p14:nvContentPartPr>
               <p14:cNvPr id="257" name="Ink 256"/>
@@ -16231,7 +16395,7 @@
             </p14:xfrm>
           </p:contentPart>
         </mc:Choice>
-        <mc:Fallback>
+        <mc:Fallback xmlns="">
           <p:pic>
             <p:nvPicPr>
               <p:cNvPr id="257" name="Ink 256"/>
@@ -16256,8 +16420,8 @@
           </p:pic>
         </mc:Fallback>
       </mc:AlternateContent>
-      <mc:AlternateContent xmlns:mc="http://schemas.openxmlformats.org/markup-compatibility/2006">
-        <mc:Choice xmlns:p14="http://schemas.microsoft.com/office/powerpoint/2010/main" Requires="p14">
+      <mc:AlternateContent xmlns:mc="http://schemas.openxmlformats.org/markup-compatibility/2006" xmlns:p14="http://schemas.microsoft.com/office/powerpoint/2010/main">
+        <mc:Choice Requires="p14">
           <p:contentPart p14:bwMode="auto" r:id="rId23">
             <p14:nvContentPartPr>
               <p14:cNvPr id="260" name="Ink 259"/>
@@ -16270,7 +16434,7 @@
             </p14:xfrm>
           </p:contentPart>
         </mc:Choice>
-        <mc:Fallback>
+        <mc:Fallback xmlns="">
           <p:pic>
             <p:nvPicPr>
               <p:cNvPr id="260" name="Ink 259"/>
@@ -16295,8 +16459,8 @@
           </p:pic>
         </mc:Fallback>
       </mc:AlternateContent>
-      <mc:AlternateContent xmlns:mc="http://schemas.openxmlformats.org/markup-compatibility/2006">
-        <mc:Choice xmlns:p14="http://schemas.microsoft.com/office/powerpoint/2010/main" Requires="p14">
+      <mc:AlternateContent xmlns:mc="http://schemas.openxmlformats.org/markup-compatibility/2006" xmlns:p14="http://schemas.microsoft.com/office/powerpoint/2010/main">
+        <mc:Choice Requires="p14">
           <p:contentPart p14:bwMode="auto" r:id="rId25">
             <p14:nvContentPartPr>
               <p14:cNvPr id="262" name="Ink 261"/>
@@ -16309,7 +16473,7 @@
             </p14:xfrm>
           </p:contentPart>
         </mc:Choice>
-        <mc:Fallback>
+        <mc:Fallback xmlns="">
           <p:pic>
             <p:nvPicPr>
               <p:cNvPr id="262" name="Ink 261"/>
@@ -16463,8 +16627,8 @@
           </a:p>
         </p:txBody>
       </p:sp>
-      <mc:AlternateContent xmlns:mc="http://schemas.openxmlformats.org/markup-compatibility/2006">
-        <mc:Choice xmlns:p14="http://schemas.microsoft.com/office/powerpoint/2010/main" Requires="p14">
+      <mc:AlternateContent xmlns:mc="http://schemas.openxmlformats.org/markup-compatibility/2006" xmlns:p14="http://schemas.microsoft.com/office/powerpoint/2010/main">
+        <mc:Choice Requires="p14">
           <p:contentPart p14:bwMode="auto" r:id="rId2">
             <p14:nvContentPartPr>
               <p14:cNvPr id="11" name="Ink 10"/>
@@ -16477,7 +16641,7 @@
             </p14:xfrm>
           </p:contentPart>
         </mc:Choice>
-        <mc:Fallback>
+        <mc:Fallback xmlns="">
           <p:pic>
             <p:nvPicPr>
               <p:cNvPr id="11" name="Ink 10"/>
@@ -16620,8 +16784,8 @@
           </a:p>
         </p:txBody>
       </p:sp>
-      <mc:AlternateContent xmlns:mc="http://schemas.openxmlformats.org/markup-compatibility/2006">
-        <mc:Choice xmlns:p14="http://schemas.microsoft.com/office/powerpoint/2010/main" Requires="p14">
+      <mc:AlternateContent xmlns:mc="http://schemas.openxmlformats.org/markup-compatibility/2006" xmlns:p14="http://schemas.microsoft.com/office/powerpoint/2010/main">
+        <mc:Choice Requires="p14">
           <p:contentPart p14:bwMode="auto" r:id="rId2">
             <p14:nvContentPartPr>
               <p14:cNvPr id="60" name="Ink 59"/>
@@ -16634,7 +16798,7 @@
             </p14:xfrm>
           </p:contentPart>
         </mc:Choice>
-        <mc:Fallback>
+        <mc:Fallback xmlns="">
           <p:pic>
             <p:nvPicPr>
               <p:cNvPr id="60" name="Ink 59"/>
@@ -16659,8 +16823,8 @@
           </p:pic>
         </mc:Fallback>
       </mc:AlternateContent>
-      <mc:AlternateContent xmlns:mc="http://schemas.openxmlformats.org/markup-compatibility/2006">
-        <mc:Choice xmlns:p14="http://schemas.microsoft.com/office/powerpoint/2010/main" Requires="p14">
+      <mc:AlternateContent xmlns:mc="http://schemas.openxmlformats.org/markup-compatibility/2006" xmlns:p14="http://schemas.microsoft.com/office/powerpoint/2010/main">
+        <mc:Choice Requires="p14">
           <p:contentPart p14:bwMode="auto" r:id="rId4">
             <p14:nvContentPartPr>
               <p14:cNvPr id="61" name="Ink 60"/>
@@ -16673,7 +16837,7 @@
             </p14:xfrm>
           </p:contentPart>
         </mc:Choice>
-        <mc:Fallback>
+        <mc:Fallback xmlns="">
           <p:pic>
             <p:nvPicPr>
               <p:cNvPr id="61" name="Ink 60"/>
@@ -16698,8 +16862,8 @@
           </p:pic>
         </mc:Fallback>
       </mc:AlternateContent>
-      <mc:AlternateContent xmlns:mc="http://schemas.openxmlformats.org/markup-compatibility/2006">
-        <mc:Choice xmlns:p14="http://schemas.microsoft.com/office/powerpoint/2010/main" Requires="p14">
+      <mc:AlternateContent xmlns:mc="http://schemas.openxmlformats.org/markup-compatibility/2006" xmlns:p14="http://schemas.microsoft.com/office/powerpoint/2010/main">
+        <mc:Choice Requires="p14">
           <p:contentPart p14:bwMode="auto" r:id="rId6">
             <p14:nvContentPartPr>
               <p14:cNvPr id="92" name="Ink 91"/>
@@ -16712,7 +16876,7 @@
             </p14:xfrm>
           </p:contentPart>
         </mc:Choice>
-        <mc:Fallback>
+        <mc:Fallback xmlns="">
           <p:pic>
             <p:nvPicPr>
               <p:cNvPr id="92" name="Ink 91"/>
@@ -16737,8 +16901,8 @@
           </p:pic>
         </mc:Fallback>
       </mc:AlternateContent>
-      <mc:AlternateContent xmlns:mc="http://schemas.openxmlformats.org/markup-compatibility/2006">
-        <mc:Choice xmlns:p14="http://schemas.microsoft.com/office/powerpoint/2010/main" Requires="p14">
+      <mc:AlternateContent xmlns:mc="http://schemas.openxmlformats.org/markup-compatibility/2006" xmlns:p14="http://schemas.microsoft.com/office/powerpoint/2010/main">
+        <mc:Choice Requires="p14">
           <p:contentPart p14:bwMode="auto" r:id="rId8">
             <p14:nvContentPartPr>
               <p14:cNvPr id="94" name="Ink 93"/>
@@ -16751,7 +16915,7 @@
             </p14:xfrm>
           </p:contentPart>
         </mc:Choice>
-        <mc:Fallback>
+        <mc:Fallback xmlns="">
           <p:pic>
             <p:nvPicPr>
               <p:cNvPr id="94" name="Ink 93"/>
@@ -16776,8 +16940,8 @@
           </p:pic>
         </mc:Fallback>
       </mc:AlternateContent>
-      <mc:AlternateContent xmlns:mc="http://schemas.openxmlformats.org/markup-compatibility/2006">
-        <mc:Choice xmlns:p14="http://schemas.microsoft.com/office/powerpoint/2010/main" Requires="p14">
+      <mc:AlternateContent xmlns:mc="http://schemas.openxmlformats.org/markup-compatibility/2006" xmlns:p14="http://schemas.microsoft.com/office/powerpoint/2010/main">
+        <mc:Choice Requires="p14">
           <p:contentPart p14:bwMode="auto" r:id="rId10">
             <p14:nvContentPartPr>
               <p14:cNvPr id="111" name="Ink 110"/>
@@ -16790,7 +16954,7 @@
             </p14:xfrm>
           </p:contentPart>
         </mc:Choice>
-        <mc:Fallback>
+        <mc:Fallback xmlns="">
           <p:pic>
             <p:nvPicPr>
               <p:cNvPr id="111" name="Ink 110"/>
@@ -16815,8 +16979,8 @@
           </p:pic>
         </mc:Fallback>
       </mc:AlternateContent>
-      <mc:AlternateContent xmlns:mc="http://schemas.openxmlformats.org/markup-compatibility/2006">
-        <mc:Choice xmlns:p14="http://schemas.microsoft.com/office/powerpoint/2010/main" Requires="p14">
+      <mc:AlternateContent xmlns:mc="http://schemas.openxmlformats.org/markup-compatibility/2006" xmlns:p14="http://schemas.microsoft.com/office/powerpoint/2010/main">
+        <mc:Choice Requires="p14">
           <p:contentPart p14:bwMode="auto" r:id="rId12">
             <p14:nvContentPartPr>
               <p14:cNvPr id="128" name="Ink 127"/>
@@ -16829,7 +16993,7 @@
             </p14:xfrm>
           </p:contentPart>
         </mc:Choice>
-        <mc:Fallback>
+        <mc:Fallback xmlns="">
           <p:pic>
             <p:nvPicPr>
               <p:cNvPr id="128" name="Ink 127"/>
@@ -16854,8 +17018,8 @@
           </p:pic>
         </mc:Fallback>
       </mc:AlternateContent>
-      <mc:AlternateContent xmlns:mc="http://schemas.openxmlformats.org/markup-compatibility/2006">
-        <mc:Choice xmlns:p14="http://schemas.microsoft.com/office/powerpoint/2010/main" Requires="p14">
+      <mc:AlternateContent xmlns:mc="http://schemas.openxmlformats.org/markup-compatibility/2006" xmlns:p14="http://schemas.microsoft.com/office/powerpoint/2010/main">
+        <mc:Choice Requires="p14">
           <p:contentPart p14:bwMode="auto" r:id="rId14">
             <p14:nvContentPartPr>
               <p14:cNvPr id="134" name="Ink 133"/>
@@ -16868,7 +17032,7 @@
             </p14:xfrm>
           </p:contentPart>
         </mc:Choice>
-        <mc:Fallback>
+        <mc:Fallback xmlns="">
           <p:pic>
             <p:nvPicPr>
               <p:cNvPr id="134" name="Ink 133"/>
@@ -16893,8 +17057,8 @@
           </p:pic>
         </mc:Fallback>
       </mc:AlternateContent>
-      <mc:AlternateContent xmlns:mc="http://schemas.openxmlformats.org/markup-compatibility/2006">
-        <mc:Choice xmlns:p14="http://schemas.microsoft.com/office/powerpoint/2010/main" Requires="p14">
+      <mc:AlternateContent xmlns:mc="http://schemas.openxmlformats.org/markup-compatibility/2006" xmlns:p14="http://schemas.microsoft.com/office/powerpoint/2010/main">
+        <mc:Choice Requires="p14">
           <p:contentPart p14:bwMode="auto" r:id="rId16">
             <p14:nvContentPartPr>
               <p14:cNvPr id="135" name="Ink 134"/>
@@ -16907,7 +17071,7 @@
             </p14:xfrm>
           </p:contentPart>
         </mc:Choice>
-        <mc:Fallback>
+        <mc:Fallback xmlns="">
           <p:pic>
             <p:nvPicPr>
               <p:cNvPr id="135" name="Ink 134"/>
@@ -16932,8 +17096,8 @@
           </p:pic>
         </mc:Fallback>
       </mc:AlternateContent>
-      <mc:AlternateContent xmlns:mc="http://schemas.openxmlformats.org/markup-compatibility/2006">
-        <mc:Choice xmlns:p14="http://schemas.microsoft.com/office/powerpoint/2010/main" Requires="p14">
+      <mc:AlternateContent xmlns:mc="http://schemas.openxmlformats.org/markup-compatibility/2006" xmlns:p14="http://schemas.microsoft.com/office/powerpoint/2010/main">
+        <mc:Choice Requires="p14">
           <p:contentPart p14:bwMode="auto" r:id="rId18">
             <p14:nvContentPartPr>
               <p14:cNvPr id="136" name="Ink 135"/>
@@ -16946,7 +17110,7 @@
             </p14:xfrm>
           </p:contentPart>
         </mc:Choice>
-        <mc:Fallback>
+        <mc:Fallback xmlns="">
           <p:pic>
             <p:nvPicPr>
               <p:cNvPr id="136" name="Ink 135"/>
@@ -16971,8 +17135,8 @@
           </p:pic>
         </mc:Fallback>
       </mc:AlternateContent>
-      <mc:AlternateContent xmlns:mc="http://schemas.openxmlformats.org/markup-compatibility/2006">
-        <mc:Choice xmlns:p14="http://schemas.microsoft.com/office/powerpoint/2010/main" Requires="p14">
+      <mc:AlternateContent xmlns:mc="http://schemas.openxmlformats.org/markup-compatibility/2006" xmlns:p14="http://schemas.microsoft.com/office/powerpoint/2010/main">
+        <mc:Choice Requires="p14">
           <p:contentPart p14:bwMode="auto" r:id="rId20">
             <p14:nvContentPartPr>
               <p14:cNvPr id="137" name="Ink 136"/>
@@ -16985,7 +17149,7 @@
             </p14:xfrm>
           </p:contentPart>
         </mc:Choice>
-        <mc:Fallback>
+        <mc:Fallback xmlns="">
           <p:pic>
             <p:nvPicPr>
               <p:cNvPr id="137" name="Ink 136"/>
@@ -17010,8 +17174,8 @@
           </p:pic>
         </mc:Fallback>
       </mc:AlternateContent>
-      <mc:AlternateContent xmlns:mc="http://schemas.openxmlformats.org/markup-compatibility/2006">
-        <mc:Choice xmlns:p14="http://schemas.microsoft.com/office/powerpoint/2010/main" Requires="p14">
+      <mc:AlternateContent xmlns:mc="http://schemas.openxmlformats.org/markup-compatibility/2006" xmlns:p14="http://schemas.microsoft.com/office/powerpoint/2010/main">
+        <mc:Choice Requires="p14">
           <p:contentPart p14:bwMode="auto" r:id="rId22">
             <p14:nvContentPartPr>
               <p14:cNvPr id="144" name="Ink 143"/>
@@ -17024,7 +17188,7 @@
             </p14:xfrm>
           </p:contentPart>
         </mc:Choice>
-        <mc:Fallback>
+        <mc:Fallback xmlns="">
           <p:pic>
             <p:nvPicPr>
               <p:cNvPr id="144" name="Ink 143"/>
@@ -17049,8 +17213,8 @@
           </p:pic>
         </mc:Fallback>
       </mc:AlternateContent>
-      <mc:AlternateContent xmlns:mc="http://schemas.openxmlformats.org/markup-compatibility/2006">
-        <mc:Choice xmlns:p14="http://schemas.microsoft.com/office/powerpoint/2010/main" Requires="p14">
+      <mc:AlternateContent xmlns:mc="http://schemas.openxmlformats.org/markup-compatibility/2006" xmlns:p14="http://schemas.microsoft.com/office/powerpoint/2010/main">
+        <mc:Choice Requires="p14">
           <p:contentPart p14:bwMode="auto" r:id="rId24">
             <p14:nvContentPartPr>
               <p14:cNvPr id="145" name="Ink 144"/>
@@ -17063,7 +17227,7 @@
             </p14:xfrm>
           </p:contentPart>
         </mc:Choice>
-        <mc:Fallback>
+        <mc:Fallback xmlns="">
           <p:pic>
             <p:nvPicPr>
               <p:cNvPr id="145" name="Ink 144"/>
@@ -17088,8 +17252,8 @@
           </p:pic>
         </mc:Fallback>
       </mc:AlternateContent>
-      <mc:AlternateContent xmlns:mc="http://schemas.openxmlformats.org/markup-compatibility/2006">
-        <mc:Choice xmlns:p14="http://schemas.microsoft.com/office/powerpoint/2010/main" Requires="p14">
+      <mc:AlternateContent xmlns:mc="http://schemas.openxmlformats.org/markup-compatibility/2006" xmlns:p14="http://schemas.microsoft.com/office/powerpoint/2010/main">
+        <mc:Choice Requires="p14">
           <p:contentPart p14:bwMode="auto" r:id="rId26">
             <p14:nvContentPartPr>
               <p14:cNvPr id="146" name="Ink 145"/>
@@ -17102,7 +17266,7 @@
             </p14:xfrm>
           </p:contentPart>
         </mc:Choice>
-        <mc:Fallback>
+        <mc:Fallback xmlns="">
           <p:pic>
             <p:nvPicPr>
               <p:cNvPr id="146" name="Ink 145"/>
@@ -17127,8 +17291,8 @@
           </p:pic>
         </mc:Fallback>
       </mc:AlternateContent>
-      <mc:AlternateContent xmlns:mc="http://schemas.openxmlformats.org/markup-compatibility/2006">
-        <mc:Choice xmlns:p14="http://schemas.microsoft.com/office/powerpoint/2010/main" Requires="p14">
+      <mc:AlternateContent xmlns:mc="http://schemas.openxmlformats.org/markup-compatibility/2006" xmlns:p14="http://schemas.microsoft.com/office/powerpoint/2010/main">
+        <mc:Choice Requires="p14">
           <p:contentPart p14:bwMode="auto" r:id="rId28">
             <p14:nvContentPartPr>
               <p14:cNvPr id="147" name="Ink 146"/>
@@ -17141,7 +17305,7 @@
             </p14:xfrm>
           </p:contentPart>
         </mc:Choice>
-        <mc:Fallback>
+        <mc:Fallback xmlns="">
           <p:pic>
             <p:nvPicPr>
               <p:cNvPr id="147" name="Ink 146"/>
@@ -17166,8 +17330,8 @@
           </p:pic>
         </mc:Fallback>
       </mc:AlternateContent>
-      <mc:AlternateContent xmlns:mc="http://schemas.openxmlformats.org/markup-compatibility/2006">
-        <mc:Choice xmlns:p14="http://schemas.microsoft.com/office/powerpoint/2010/main" Requires="p14">
+      <mc:AlternateContent xmlns:mc="http://schemas.openxmlformats.org/markup-compatibility/2006" xmlns:p14="http://schemas.microsoft.com/office/powerpoint/2010/main">
+        <mc:Choice Requires="p14">
           <p:contentPart p14:bwMode="auto" r:id="rId30">
             <p14:nvContentPartPr>
               <p14:cNvPr id="148" name="Ink 147"/>
@@ -17180,7 +17344,7 @@
             </p14:xfrm>
           </p:contentPart>
         </mc:Choice>
-        <mc:Fallback>
+        <mc:Fallback xmlns="">
           <p:pic>
             <p:nvPicPr>
               <p:cNvPr id="148" name="Ink 147"/>
@@ -17205,8 +17369,8 @@
           </p:pic>
         </mc:Fallback>
       </mc:AlternateContent>
-      <mc:AlternateContent xmlns:mc="http://schemas.openxmlformats.org/markup-compatibility/2006">
-        <mc:Choice xmlns:p14="http://schemas.microsoft.com/office/powerpoint/2010/main" Requires="p14">
+      <mc:AlternateContent xmlns:mc="http://schemas.openxmlformats.org/markup-compatibility/2006" xmlns:p14="http://schemas.microsoft.com/office/powerpoint/2010/main">
+        <mc:Choice Requires="p14">
           <p:contentPart p14:bwMode="auto" r:id="rId32">
             <p14:nvContentPartPr>
               <p14:cNvPr id="152" name="Ink 151"/>
@@ -17219,7 +17383,7 @@
             </p14:xfrm>
           </p:contentPart>
         </mc:Choice>
-        <mc:Fallback>
+        <mc:Fallback xmlns="">
           <p:pic>
             <p:nvPicPr>
               <p:cNvPr id="152" name="Ink 151"/>
@@ -17244,8 +17408,8 @@
           </p:pic>
         </mc:Fallback>
       </mc:AlternateContent>
-      <mc:AlternateContent xmlns:mc="http://schemas.openxmlformats.org/markup-compatibility/2006">
-        <mc:Choice xmlns:p14="http://schemas.microsoft.com/office/powerpoint/2010/main" Requires="p14">
+      <mc:AlternateContent xmlns:mc="http://schemas.openxmlformats.org/markup-compatibility/2006" xmlns:p14="http://schemas.microsoft.com/office/powerpoint/2010/main">
+        <mc:Choice Requires="p14">
           <p:contentPart p14:bwMode="auto" r:id="rId34">
             <p14:nvContentPartPr>
               <p14:cNvPr id="153" name="Ink 152"/>
@@ -17258,7 +17422,7 @@
             </p14:xfrm>
           </p:contentPart>
         </mc:Choice>
-        <mc:Fallback>
+        <mc:Fallback xmlns="">
           <p:pic>
             <p:nvPicPr>
               <p:cNvPr id="153" name="Ink 152"/>
@@ -17283,8 +17447,8 @@
           </p:pic>
         </mc:Fallback>
       </mc:AlternateContent>
-      <mc:AlternateContent xmlns:mc="http://schemas.openxmlformats.org/markup-compatibility/2006">
-        <mc:Choice xmlns:p14="http://schemas.microsoft.com/office/powerpoint/2010/main" Requires="p14">
+      <mc:AlternateContent xmlns:mc="http://schemas.openxmlformats.org/markup-compatibility/2006" xmlns:p14="http://schemas.microsoft.com/office/powerpoint/2010/main">
+        <mc:Choice Requires="p14">
           <p:contentPart p14:bwMode="auto" r:id="rId36">
             <p14:nvContentPartPr>
               <p14:cNvPr id="156" name="Ink 155"/>
@@ -17297,7 +17461,7 @@
             </p14:xfrm>
           </p:contentPart>
         </mc:Choice>
-        <mc:Fallback>
+        <mc:Fallback xmlns="">
           <p:pic>
             <p:nvPicPr>
               <p:cNvPr id="156" name="Ink 155"/>
@@ -17322,8 +17486,8 @@
           </p:pic>
         </mc:Fallback>
       </mc:AlternateContent>
-      <mc:AlternateContent xmlns:mc="http://schemas.openxmlformats.org/markup-compatibility/2006">
-        <mc:Choice xmlns:p14="http://schemas.microsoft.com/office/powerpoint/2010/main" Requires="p14">
+      <mc:AlternateContent xmlns:mc="http://schemas.openxmlformats.org/markup-compatibility/2006" xmlns:p14="http://schemas.microsoft.com/office/powerpoint/2010/main">
+        <mc:Choice Requires="p14">
           <p:contentPart p14:bwMode="auto" r:id="rId38">
             <p14:nvContentPartPr>
               <p14:cNvPr id="158" name="Ink 157"/>
@@ -17336,7 +17500,7 @@
             </p14:xfrm>
           </p:contentPart>
         </mc:Choice>
-        <mc:Fallback>
+        <mc:Fallback xmlns="">
           <p:pic>
             <p:nvPicPr>
               <p:cNvPr id="158" name="Ink 157"/>
@@ -17361,8 +17525,8 @@
           </p:pic>
         </mc:Fallback>
       </mc:AlternateContent>
-      <mc:AlternateContent xmlns:mc="http://schemas.openxmlformats.org/markup-compatibility/2006">
-        <mc:Choice xmlns:p14="http://schemas.microsoft.com/office/powerpoint/2010/main" Requires="p14">
+      <mc:AlternateContent xmlns:mc="http://schemas.openxmlformats.org/markup-compatibility/2006" xmlns:p14="http://schemas.microsoft.com/office/powerpoint/2010/main">
+        <mc:Choice Requires="p14">
           <p:contentPart p14:bwMode="auto" r:id="rId40">
             <p14:nvContentPartPr>
               <p14:cNvPr id="159" name="Ink 158"/>
@@ -17375,7 +17539,7 @@
             </p14:xfrm>
           </p:contentPart>
         </mc:Choice>
-        <mc:Fallback>
+        <mc:Fallback xmlns="">
           <p:pic>
             <p:nvPicPr>
               <p:cNvPr id="159" name="Ink 158"/>
@@ -17400,8 +17564,8 @@
           </p:pic>
         </mc:Fallback>
       </mc:AlternateContent>
-      <mc:AlternateContent xmlns:mc="http://schemas.openxmlformats.org/markup-compatibility/2006">
-        <mc:Choice xmlns:p14="http://schemas.microsoft.com/office/powerpoint/2010/main" Requires="p14">
+      <mc:AlternateContent xmlns:mc="http://schemas.openxmlformats.org/markup-compatibility/2006" xmlns:p14="http://schemas.microsoft.com/office/powerpoint/2010/main">
+        <mc:Choice Requires="p14">
           <p:contentPart p14:bwMode="auto" r:id="rId42">
             <p14:nvContentPartPr>
               <p14:cNvPr id="160" name="Ink 159"/>
@@ -17414,7 +17578,7 @@
             </p14:xfrm>
           </p:contentPart>
         </mc:Choice>
-        <mc:Fallback>
+        <mc:Fallback xmlns="">
           <p:pic>
             <p:nvPicPr>
               <p:cNvPr id="160" name="Ink 159"/>
@@ -17439,8 +17603,8 @@
           </p:pic>
         </mc:Fallback>
       </mc:AlternateContent>
-      <mc:AlternateContent xmlns:mc="http://schemas.openxmlformats.org/markup-compatibility/2006">
-        <mc:Choice xmlns:p14="http://schemas.microsoft.com/office/powerpoint/2010/main" Requires="p14">
+      <mc:AlternateContent xmlns:mc="http://schemas.openxmlformats.org/markup-compatibility/2006" xmlns:p14="http://schemas.microsoft.com/office/powerpoint/2010/main">
+        <mc:Choice Requires="p14">
           <p:contentPart p14:bwMode="auto" r:id="rId44">
             <p14:nvContentPartPr>
               <p14:cNvPr id="162" name="Ink 161"/>
@@ -17453,7 +17617,7 @@
             </p14:xfrm>
           </p:contentPart>
         </mc:Choice>
-        <mc:Fallback>
+        <mc:Fallback xmlns="">
           <p:pic>
             <p:nvPicPr>
               <p:cNvPr id="162" name="Ink 161"/>
@@ -17478,8 +17642,8 @@
           </p:pic>
         </mc:Fallback>
       </mc:AlternateContent>
-      <mc:AlternateContent xmlns:mc="http://schemas.openxmlformats.org/markup-compatibility/2006">
-        <mc:Choice xmlns:p14="http://schemas.microsoft.com/office/powerpoint/2010/main" Requires="p14">
+      <mc:AlternateContent xmlns:mc="http://schemas.openxmlformats.org/markup-compatibility/2006" xmlns:p14="http://schemas.microsoft.com/office/powerpoint/2010/main">
+        <mc:Choice Requires="p14">
           <p:contentPart p14:bwMode="auto" r:id="rId46">
             <p14:nvContentPartPr>
               <p14:cNvPr id="167" name="Ink 166"/>
@@ -17492,7 +17656,7 @@
             </p14:xfrm>
           </p:contentPart>
         </mc:Choice>
-        <mc:Fallback>
+        <mc:Fallback xmlns="">
           <p:pic>
             <p:nvPicPr>
               <p:cNvPr id="167" name="Ink 166"/>
@@ -17570,8 +17734,8 @@
           </a:p>
         </p:txBody>
       </p:sp>
-      <mc:AlternateContent xmlns:mc="http://schemas.openxmlformats.org/markup-compatibility/2006">
-        <mc:Choice xmlns:p14="http://schemas.microsoft.com/office/powerpoint/2010/main" Requires="p14">
+      <mc:AlternateContent xmlns:mc="http://schemas.openxmlformats.org/markup-compatibility/2006" xmlns:p14="http://schemas.microsoft.com/office/powerpoint/2010/main">
+        <mc:Choice Requires="p14">
           <p:contentPart p14:bwMode="auto" r:id="rId2">
             <p14:nvContentPartPr>
               <p14:cNvPr id="6" name="Ink 5"/>
@@ -17584,7 +17748,7 @@
             </p14:xfrm>
           </p:contentPart>
         </mc:Choice>
-        <mc:Fallback>
+        <mc:Fallback xmlns="">
           <p:pic>
             <p:nvPicPr>
               <p:cNvPr id="6" name="Ink 5"/>
@@ -17609,8 +17773,8 @@
           </p:pic>
         </mc:Fallback>
       </mc:AlternateContent>
-      <mc:AlternateContent xmlns:mc="http://schemas.openxmlformats.org/markup-compatibility/2006">
-        <mc:Choice xmlns:p14="http://schemas.microsoft.com/office/powerpoint/2010/main" Requires="p14">
+      <mc:AlternateContent xmlns:mc="http://schemas.openxmlformats.org/markup-compatibility/2006" xmlns:p14="http://schemas.microsoft.com/office/powerpoint/2010/main">
+        <mc:Choice Requires="p14">
           <p:contentPart p14:bwMode="auto" r:id="rId4">
             <p14:nvContentPartPr>
               <p14:cNvPr id="8" name="Ink 7"/>
@@ -17623,7 +17787,7 @@
             </p14:xfrm>
           </p:contentPart>
         </mc:Choice>
-        <mc:Fallback>
+        <mc:Fallback xmlns="">
           <p:pic>
             <p:nvPicPr>
               <p:cNvPr id="8" name="Ink 7"/>
@@ -17648,8 +17812,8 @@
           </p:pic>
         </mc:Fallback>
       </mc:AlternateContent>
-      <mc:AlternateContent xmlns:mc="http://schemas.openxmlformats.org/markup-compatibility/2006">
-        <mc:Choice xmlns:p14="http://schemas.microsoft.com/office/powerpoint/2010/main" Requires="p14">
+      <mc:AlternateContent xmlns:mc="http://schemas.openxmlformats.org/markup-compatibility/2006" xmlns:p14="http://schemas.microsoft.com/office/powerpoint/2010/main">
+        <mc:Choice Requires="p14">
           <p:contentPart p14:bwMode="auto" r:id="rId6">
             <p14:nvContentPartPr>
               <p14:cNvPr id="10" name="Ink 9"/>
@@ -17662,7 +17826,7 @@
             </p14:xfrm>
           </p:contentPart>
         </mc:Choice>
-        <mc:Fallback>
+        <mc:Fallback xmlns="">
           <p:pic>
             <p:nvPicPr>
               <p:cNvPr id="10" name="Ink 9"/>
@@ -17687,8 +17851,8 @@
           </p:pic>
         </mc:Fallback>
       </mc:AlternateContent>
-      <mc:AlternateContent xmlns:mc="http://schemas.openxmlformats.org/markup-compatibility/2006">
-        <mc:Choice xmlns:p14="http://schemas.microsoft.com/office/powerpoint/2010/main" Requires="p14">
+      <mc:AlternateContent xmlns:mc="http://schemas.openxmlformats.org/markup-compatibility/2006" xmlns:p14="http://schemas.microsoft.com/office/powerpoint/2010/main">
+        <mc:Choice Requires="p14">
           <p:contentPart p14:bwMode="auto" r:id="rId8">
             <p14:nvContentPartPr>
               <p14:cNvPr id="12" name="Ink 11"/>
@@ -17701,7 +17865,7 @@
             </p14:xfrm>
           </p:contentPart>
         </mc:Choice>
-        <mc:Fallback>
+        <mc:Fallback xmlns="">
           <p:pic>
             <p:nvPicPr>
               <p:cNvPr id="12" name="Ink 11"/>
@@ -17726,8 +17890,8 @@
           </p:pic>
         </mc:Fallback>
       </mc:AlternateContent>
-      <mc:AlternateContent xmlns:mc="http://schemas.openxmlformats.org/markup-compatibility/2006">
-        <mc:Choice xmlns:p14="http://schemas.microsoft.com/office/powerpoint/2010/main" Requires="p14">
+      <mc:AlternateContent xmlns:mc="http://schemas.openxmlformats.org/markup-compatibility/2006" xmlns:p14="http://schemas.microsoft.com/office/powerpoint/2010/main">
+        <mc:Choice Requires="p14">
           <p:contentPart p14:bwMode="auto" r:id="rId10">
             <p14:nvContentPartPr>
               <p14:cNvPr id="14" name="Ink 13"/>
@@ -17740,7 +17904,7 @@
             </p14:xfrm>
           </p:contentPart>
         </mc:Choice>
-        <mc:Fallback>
+        <mc:Fallback xmlns="">
           <p:pic>
             <p:nvPicPr>
               <p:cNvPr id="14" name="Ink 13"/>
@@ -17765,8 +17929,8 @@
           </p:pic>
         </mc:Fallback>
       </mc:AlternateContent>
-      <mc:AlternateContent xmlns:mc="http://schemas.openxmlformats.org/markup-compatibility/2006">
-        <mc:Choice xmlns:p14="http://schemas.microsoft.com/office/powerpoint/2010/main" Requires="p14">
+      <mc:AlternateContent xmlns:mc="http://schemas.openxmlformats.org/markup-compatibility/2006" xmlns:p14="http://schemas.microsoft.com/office/powerpoint/2010/main">
+        <mc:Choice Requires="p14">
           <p:contentPart p14:bwMode="auto" r:id="rId12">
             <p14:nvContentPartPr>
               <p14:cNvPr id="18" name="Ink 17"/>
@@ -17779,7 +17943,7 @@
             </p14:xfrm>
           </p:contentPart>
         </mc:Choice>
-        <mc:Fallback>
+        <mc:Fallback xmlns="">
           <p:pic>
             <p:nvPicPr>
               <p:cNvPr id="18" name="Ink 17"/>
@@ -17804,8 +17968,8 @@
           </p:pic>
         </mc:Fallback>
       </mc:AlternateContent>
-      <mc:AlternateContent xmlns:mc="http://schemas.openxmlformats.org/markup-compatibility/2006">
-        <mc:Choice xmlns:p14="http://schemas.microsoft.com/office/powerpoint/2010/main" Requires="p14">
+      <mc:AlternateContent xmlns:mc="http://schemas.openxmlformats.org/markup-compatibility/2006" xmlns:p14="http://schemas.microsoft.com/office/powerpoint/2010/main">
+        <mc:Choice Requires="p14">
           <p:contentPart p14:bwMode="auto" r:id="rId14">
             <p14:nvContentPartPr>
               <p14:cNvPr id="27" name="Ink 26"/>
@@ -17818,7 +17982,7 @@
             </p14:xfrm>
           </p:contentPart>
         </mc:Choice>
-        <mc:Fallback>
+        <mc:Fallback xmlns="">
           <p:pic>
             <p:nvPicPr>
               <p:cNvPr id="27" name="Ink 26"/>
@@ -17843,8 +18007,8 @@
           </p:pic>
         </mc:Fallback>
       </mc:AlternateContent>
-      <mc:AlternateContent xmlns:mc="http://schemas.openxmlformats.org/markup-compatibility/2006">
-        <mc:Choice xmlns:p14="http://schemas.microsoft.com/office/powerpoint/2010/main" Requires="p14">
+      <mc:AlternateContent xmlns:mc="http://schemas.openxmlformats.org/markup-compatibility/2006" xmlns:p14="http://schemas.microsoft.com/office/powerpoint/2010/main">
+        <mc:Choice Requires="p14">
           <p:contentPart p14:bwMode="auto" r:id="rId16">
             <p14:nvContentPartPr>
               <p14:cNvPr id="50" name="Ink 49"/>
@@ -17857,7 +18021,7 @@
             </p14:xfrm>
           </p:contentPart>
         </mc:Choice>
-        <mc:Fallback>
+        <mc:Fallback xmlns="">
           <p:pic>
             <p:nvPicPr>
               <p:cNvPr id="50" name="Ink 49"/>
@@ -17882,8 +18046,8 @@
           </p:pic>
         </mc:Fallback>
       </mc:AlternateContent>
-      <mc:AlternateContent xmlns:mc="http://schemas.openxmlformats.org/markup-compatibility/2006">
-        <mc:Choice xmlns:p14="http://schemas.microsoft.com/office/powerpoint/2010/main" Requires="p14">
+      <mc:AlternateContent xmlns:mc="http://schemas.openxmlformats.org/markup-compatibility/2006" xmlns:p14="http://schemas.microsoft.com/office/powerpoint/2010/main">
+        <mc:Choice Requires="p14">
           <p:contentPart p14:bwMode="auto" r:id="rId18">
             <p14:nvContentPartPr>
               <p14:cNvPr id="55" name="Ink 54"/>
@@ -17896,7 +18060,7 @@
             </p14:xfrm>
           </p:contentPart>
         </mc:Choice>
-        <mc:Fallback>
+        <mc:Fallback xmlns="">
           <p:pic>
             <p:nvPicPr>
               <p:cNvPr id="55" name="Ink 54"/>
@@ -17930,7 +18094,7 @@
         <p:spPr>
           <a:xfrm>
             <a:off x="838200" y="2014167"/>
-            <a:ext cx="8120333" cy="2308324"/>
+            <a:ext cx="8120333" cy="2677656"/>
           </a:xfrm>
           <a:prstGeom prst="rect">
             <a:avLst/>
@@ -17994,7 +18158,7 @@
             </a:pPr>
             <a:r>
               <a:rPr lang="nb-NO" sz="2400" dirty="0"/>
-              <a:t>Java (kun for referanse)</a:t>
+              <a:t>Java (for referanse)</a:t>
             </a:r>
           </a:p>
           <a:p>
@@ -18007,6 +18171,24 @@
               <a:t>Yeoman</a:t>
             </a:r>
             <a:endParaRPr lang="nb-NO" sz="2400" dirty="0"/>
+          </a:p>
+          <a:p>
+            <a:pPr marL="742950" lvl="1" indent="-285750">
+              <a:buFont typeface="Arial" panose="020B0604020202020204" pitchFamily="34" charset="0"/>
+              <a:buChar char="•"/>
+            </a:pPr>
+            <a:r>
+              <a:rPr lang="nb-NO" sz="2400" dirty="0"/>
+              <a:t>Ikke for Java (Spring </a:t>
+            </a:r>
+            <a:r>
+              <a:rPr lang="nb-NO" sz="2400" dirty="0" err="1"/>
+              <a:t>Boot</a:t>
+            </a:r>
+            <a:r>
+              <a:rPr lang="nb-NO" sz="2400" dirty="0"/>
+              <a:t> hjelper deg i stedet)</a:t>
+            </a:r>
           </a:p>
         </p:txBody>
       </p:sp>
@@ -18136,8 +18318,8 @@
           </a:p>
         </p:txBody>
       </p:sp>
-      <mc:AlternateContent xmlns:mc="http://schemas.openxmlformats.org/markup-compatibility/2006">
-        <mc:Choice xmlns:p14="http://schemas.microsoft.com/office/powerpoint/2010/main" Requires="p14">
+      <mc:AlternateContent xmlns:mc="http://schemas.openxmlformats.org/markup-compatibility/2006" xmlns:p14="http://schemas.microsoft.com/office/powerpoint/2010/main">
+        <mc:Choice Requires="p14">
           <p:contentPart p14:bwMode="auto" r:id="rId2">
             <p14:nvContentPartPr>
               <p14:cNvPr id="18" name="Ink 17"/>
@@ -18150,7 +18332,7 @@
             </p14:xfrm>
           </p:contentPart>
         </mc:Choice>
-        <mc:Fallback>
+        <mc:Fallback xmlns="">
           <p:pic>
             <p:nvPicPr>
               <p:cNvPr id="18" name="Ink 17"/>
@@ -18162,8 +18344,8 @@
           </p:pic>
         </mc:Fallback>
       </mc:AlternateContent>
-      <mc:AlternateContent xmlns:mc="http://schemas.openxmlformats.org/markup-compatibility/2006">
-        <mc:Choice xmlns:p14="http://schemas.microsoft.com/office/powerpoint/2010/main" Requires="p14">
+      <mc:AlternateContent xmlns:mc="http://schemas.openxmlformats.org/markup-compatibility/2006" xmlns:p14="http://schemas.microsoft.com/office/powerpoint/2010/main">
+        <mc:Choice Requires="p14">
           <p:contentPart p14:bwMode="auto" r:id="rId3">
             <p14:nvContentPartPr>
               <p14:cNvPr id="19" name="Ink 18"/>
@@ -18176,7 +18358,7 @@
             </p14:xfrm>
           </p:contentPart>
         </mc:Choice>
-        <mc:Fallback>
+        <mc:Fallback xmlns="">
           <p:pic>
             <p:nvPicPr>
               <p:cNvPr id="19" name="Ink 18"/>

--- a/dotnet-core-foredrag.pptx
+++ b/dotnet-core-foredrag.pptx
@@ -8,21 +8,23 @@
     <p:sldId id="258" r:id="rId2"/>
     <p:sldId id="259" r:id="rId3"/>
     <p:sldId id="260" r:id="rId4"/>
-    <p:sldId id="264" r:id="rId5"/>
-    <p:sldId id="261" r:id="rId6"/>
-    <p:sldId id="262" r:id="rId7"/>
-    <p:sldId id="263" r:id="rId8"/>
-    <p:sldId id="265" r:id="rId9"/>
-    <p:sldId id="266" r:id="rId10"/>
-    <p:sldId id="273" r:id="rId11"/>
-    <p:sldId id="268" r:id="rId12"/>
-    <p:sldId id="272" r:id="rId13"/>
-    <p:sldId id="270" r:id="rId14"/>
-    <p:sldId id="271" r:id="rId15"/>
-    <p:sldId id="274" r:id="rId16"/>
-    <p:sldId id="278" r:id="rId17"/>
-    <p:sldId id="276" r:id="rId18"/>
-    <p:sldId id="277" r:id="rId19"/>
+    <p:sldId id="280" r:id="rId5"/>
+    <p:sldId id="264" r:id="rId6"/>
+    <p:sldId id="261" r:id="rId7"/>
+    <p:sldId id="262" r:id="rId8"/>
+    <p:sldId id="263" r:id="rId9"/>
+    <p:sldId id="265" r:id="rId10"/>
+    <p:sldId id="266" r:id="rId11"/>
+    <p:sldId id="273" r:id="rId12"/>
+    <p:sldId id="268" r:id="rId13"/>
+    <p:sldId id="272" r:id="rId14"/>
+    <p:sldId id="270" r:id="rId15"/>
+    <p:sldId id="271" r:id="rId16"/>
+    <p:sldId id="274" r:id="rId17"/>
+    <p:sldId id="278" r:id="rId18"/>
+    <p:sldId id="279" r:id="rId19"/>
+    <p:sldId id="276" r:id="rId20"/>
+    <p:sldId id="277" r:id="rId21"/>
   </p:sldIdLst>
   <p:sldSz cx="12192000" cy="6858000"/>
   <p:notesSz cx="6858000" cy="9144000"/>
@@ -3029,6 +3031,57 @@
 </inkml:ink>
 </file>
 
+<file path=ppt/ink/ink139.xml><?xml version="1.0" encoding="utf-8"?>
+<inkml:ink xmlns:inkml="http://www.w3.org/2003/InkML">
+  <inkml:definitions>
+    <inkml:context xml:id="ctx0">
+      <inkml:inkSource xml:id="inkSrc0">
+        <inkml:traceFormat>
+          <inkml:channel name="X" type="integer" min="-2.14748E9" max="2.14748E9" units="cm"/>
+          <inkml:channel name="Y" type="integer" min="-2.14748E9" max="2.14748E9" units="cm"/>
+          <inkml:channel name="F" type="integer" max="32767" units="dev"/>
+        </inkml:traceFormat>
+        <inkml:channelProperties>
+          <inkml:channelProperty channel="X" name="resolution" value="1000" units="1/cm"/>
+          <inkml:channelProperty channel="Y" name="resolution" value="1000" units="1/cm"/>
+          <inkml:channelProperty channel="F" name="resolution" value="0" units="1/dev"/>
+        </inkml:channelProperties>
+      </inkml:inkSource>
+      <inkml:timestamp xml:id="ts0" timeString="2016-11-15T13:12:30.471"/>
+    </inkml:context>
+    <inkml:brush xml:id="br0">
+      <inkml:brushProperty name="width" value="0.06667" units="cm"/>
+      <inkml:brushProperty name="height" value="0.06667" units="cm"/>
+    </inkml:brush>
+  </inkml:definitions>
+  <inkml:trace contextRef="#ctx0" brushRef="#br0">14088 11888 7552,'0'-4'2816,"0"4"-1536,0 7-576,0-3 1472,0 2-1248,0 5 511,0 2-895,0 8 64,0-1-352,-4 7-96,4 4-96,-6 5 224,1 2-160,-2 3 320,-1-4-256,-6 1 160,2-2-192,-12-2 64,9 0-128,-10-6 96,5-6-128,-7 0-32,8-6 0,-4-6-192,8 0 96,-4-10-736,8 0 416,-1-12-1728,4 0 1185,1-10-2817,7-2 2080,0-10-2944,4 6 2624</inkml:trace>
+  <inkml:trace contextRef="#ctx0" brushRef="#br0" timeOffset="1">14100 11698 6144,'17'-42'2368,"-17"42"-1280,14-26 0,-6 18 1824,-2 8-1568,-6-6 927,8 6-1375,-8-5 160,0 10-640,0-5-96,0 6-192,0-6-1504,0 8 768,0-2-5343,9 2 3295</inkml:trace>
+  <inkml:trace contextRef="#ctx0" brushRef="#br0" timeOffset="2">14688 12040 5760,'-8'-14'2176,"8"14"-1152,-8-9-480,4 6 1344,4 3-1056,-8-7 800,4 7-960,-7-3 640,4 6-768,-9-3 383,6 0-575,-10 0 192,4 2-320,-2 3 0,2 2-128,-2-2 0,6 9-32,-7 1-64,8 1 32,-5-3-32,10 4 0,-8 0-96,8 4 64,-2-4-32,4 3 0,0-4 128,4 1-32,0 0-96,8 0 32,0-3 32,3 0 0,0-8 64,1 5-32,3-8-32,0 0 32,5-6 32,2 0-32,-3-8-32,0 1 32,0-7-32,0 5 0,-3-5 0,2 3 0,-2-3 64,0 3-32,-1-3-32,-4 4 32,-4-4-32,2 6 0,-3-2 0,3 3 0,-6-1 0,5 5 0,-8 2 0,0 4 0,0 0 64,0 7-32,0 0 64,0 3-64,0 0-96,0 4 32,0-1 32,3 1 0,2 0 0,1-1 0,3-4 0,2 6 0,-4-8 0,6 2 0,-6-4 0,4-3 0,1-4 64,3 2-32,0-7-32,3 0 32,-2-3-32,4 3 0,-4-7 128,-2 4-64,-2-7-32,0 3 0,-10-6-128,6 6 64,-8-6 96,4 6-32,-8-6 64,0 6-64,-2-2 64,-3 6-64,-6-4 192,7 4-128,-7 3 256,4 4-224,-7 0 256,4 6-256,-8 0 96,6 8-128,-6 2-64,6 1 0,-2 3-32,7-1 0,-4 8-96,3 0 64,1 6 96,2 1-32,3 3-32,6-1 32,0 4-32,6-3 0,3-3 0,2-4 0,1 1 0,3-6 0,4-1-352,0-4 192,4-4-1792,-1 1 1088,0-7-5183,6 0 3359</inkml:trace>
+  <inkml:trace contextRef="#ctx0" brushRef="#br0" timeOffset="3">15266 12173 5888,'0'-7'2272,"0"7"-1216,-4 0-320,0 0 1472,8 7-1216,-8 0 512,4 5-928,-4 10 192,4-3-448,-7 5 159,3 3-255,-7 0 128,3 1-192,-4-1 128,5-1-160,-4-2 224,7 0-224,-4-7 448,4 3-320,-3-9 224,7-1-256,-4-10 64,8 3-160,-4-13 160,7 3-192,1-10 96,7 0-96,0-7 160,1 7-160,2-7 96,2 5-96,0-5 0,-2 7-32,2-7 96,2 11-96,-6-1 128,2 11-128,-2-4 128,3 3-128,0 1-32,3 3 0,-2 0 96,2 3-64,-2 1 32,2-1-32,-4 1-672,2 2 320,-4 1-2720,0 0 1696,-6-7-5183,4 3 3647</inkml:trace>
+  <inkml:trace contextRef="#ctx0" brushRef="#br0" timeOffset="4">15789 12458 6656,'-5'0'2464,"5"0"-1344,12 14-608,-8-11 1248,4 4-992,-1-5 480,5 5-736,3 1 288,1-1-480,-1-5 63,-1 5-255,6-4 0,-2 4-64,2-4 96,-2 1-96,-2-4 32,-1 3-32,1-6 32,-1 3-64,-4-7 128,1 4-96,-5-8-32,5 6 0,-9-10 96,1 8-64,-8-5 320,4-2-192,-7 0 160,3 4-192,-7 0 224,4 3-256,-9 0 384,5 4-288,-13-1 224,10 8-224,-10-1 128,6 7-192,-9-3 128,4 7-160,-3 10 0,2-5-64,5 5 32,8 0-64,7 0-96,4 3 32,4 0 32,7-1 0,5 3 0,2-3 0,2-2-352,2 0 192,1-4-2336,4-3 1376,-1-3-5247,1-4 3551</inkml:trace>
+  <inkml:trace contextRef="#ctx0" brushRef="#br0" timeOffset="5">14672 12976 6400,'0'0'2464,"0"0"-1344,4 3-544,-4 1 1440,0 3-1120,-4 6 544,4 4-864,-7 7 192,2 6-449,-5 4 161,-2 0-256,-8 7 64,5-2-160,-4 9 64,4-4-96,-3 4 0,5-4-32,-5 0 32,6-7-64,-3 1 192,8-9-128,-5-5 320,4 0-224,2-14 160,1 0-192,5-17 0,5 2-96,-3-23 224,10 5-160,0-18 256,2 3-256,10-6 32,-2 10-96,6-6-64,-2 9 32,1-3 32,2 11-32,3-5-32,-2 12 32,0-2 32,1 8-32,2 4 64,3 6-64,-2 4 64,-4 2-64,0 8-32,1 2 32,0 11-32,-4 2 0,-2 4 64,-1 4-32,-6 7 64,-2-4-64,-9 4-32,2-4 32,-9-2 96,0 0-64,-12 0 320,1-9-192,-13-5 256,1-3-256,-11-9 256,8 2-256,-8-6 256,3-2-256,-7-2-96,7-2-64,-3-2-128,4 0 64,-4-6-1312,7 2 736,4-6-4352,11 4 2785,0-14-4513,1 3 3808</inkml:trace>
+  <inkml:trace contextRef="#ctx0" brushRef="#br0" timeOffset="6">15380 13711 6400,'-14'10'2368,"14"-10"-1280,0 2-288,0 3 1152,3-3-1056,1 3 32,3 0-576,1-1 192,-1 3-288,5-7 352,0 3-353,2-3 161,2 0-256,-1 0 64,5 0-128,-2-3 96,2 3-128,-2-4 32,2 1-32,-6-6-64,2 2 32,-5-8 32,2 6-32,-6-5 64,0 8-64,-7-8 192,4 4-128,-8-7 384,1 0-256,-8 3 448,-2 7-384,-5 0 288,2 4-320,-2 0 192,2 6-224,-3 0 64,3 8-160,-2-1 0,2 4-64,-3 6 32,7 0-64,-2 1-96,2-2 32,0 3 32,5-3 0,-1 5 0,5 0 0,-1 0-96,8-4 64,-4 0 96,7 1-32,-3-4-512,3-3 256,2-5-2016,2 1 1248,4-7-5087,0 4 3391</inkml:trace>
+  <inkml:trace contextRef="#ctx0" brushRef="#br0" timeOffset="7">15979 13735 5632,'-3'-7'2176,"3"7"-1152,0-5 288,0 5 1760,0 5-1632,-4-3 639,4 5-1279,-5 0 352,5 3-672,-4 0 288,1 4-448,-5 6 256,8 1-320,-7 6 64,7 0-192,-7 4 0,3-5-64,-5 1 32,9 1-64,-3-8 128,3-3-96,-4-7-32,8 1 0,-4-11-32,3 0 0,1-14 0,8 0 0,-4-10 0,3 7 0,1-6 0,3 7 0,1-8 64,2 7-32,-3 0 128,4 6-96,-4 1 32,1 7-32,-5-1 96,0 4-96,0 4 32,2 3-32,-6 3 32,0 2-64,-3 2 64,3 3-64,-2-3-96,-1-1 32,0-6 32,-1 3 0,1-6 0,3-1 0,2-10 0,2 4 0,4-11 0,4 1 0,0-3 0,4 6 0,-1-9 0,5 10 0,-4-1 0,-4 3 0,1 0 128,-2 4-64,-2 0 384,-1 6-224,-3 4 384,-1 6-352,-7 3 160,3 8-256,-3 5 128,-1-3-160,-3 1 0,4-3-64,-4 0-128,0-4 32,0-4-672,0 1 384,0-10-2496,0 0 1568,0-11-5855,0 1 3935</inkml:trace>
+  <inkml:trace contextRef="#ctx0" brushRef="#br0" timeOffset="8">16958 14039 5376,'-8'-10'2016,"8"10"-1088,-7-7 256,2 4 1824,5 6-1632,-6-3 992,-3 0-1441,-5 0 929,5 4-1056,-9-1 480,6 7-736,-11 4 128,8 5-384,-8 3-32,8 0-160,-4-1-64,8 3 0,-1 0-128,4-1 64,4 5-32,8-1 0,0-4 0,8-3 0,-1-3 0,8-3 0,5-4 0,-2 0 0,4-13 64,2 3 0,-2-10-96,-4 3 64,1-10 96,1 0-32,-5-7 320,-4 8-160,-8-8 608,5 4-448,-12-1 448,4 4-448,-12-3 32,4 3-224,-12-4-32,6 4-64,-9-2-1024,4 4 512,-1 3-3488,5 1 2176,2 1-5343,9 7 3967</inkml:trace>
+  <inkml:trace contextRef="#ctx0" brushRef="#br0" timeOffset="9">17266 14231 11392,'-4'0'4224,"4"0"-2305,9 9-1663,-7-4 1344,7 2-960,2-4 416,0 4-640,5 0 256,-1-2-384,-1 3 256,6-2-288,-4 2 128,2 2-224,2-4-352,-2 2 96,-5-6-2720,1 6 1536,-6-12-5727,3 4 3903</inkml:trace>
+  <inkml:trace contextRef="#ctx0" brushRef="#br0" timeOffset="10">18394 14014 5120,'-4'-6'2016,"4"6"-1088,-4-10-32,1 7 1632,6 3-1376,-6-7 1088,3 4-1344,-4-4 831,-1 7-1023,-1-7 640,-2 7-800,-4-3 384,0 3-576,-10 0 320,6 6-384,-10 5 192,8 2-256,-14 3 0,6 2-128,-12 6 0,7 0-32,-7 6-64,11 0 32,-7 4 32,8-4-32,-4 12 64,6-9-64,-3 4-32,13-3 32,-1 6-128,3-2 64,0 3 32,9-2 0,3 3-96,3-2 64,5-6-32,8 0 0,6-3-96,0-4 96,6-11-32,2 2 32,0-8-96,5 0 96,-1-6-256,0 2 192,1-10-32,-1 4 96,-8-6 64,2 0 0,-6-4 0,-2 6 0,-5-10 64,-1 8-32,-5-11 256,-3 7-160,-6-7 448,5 3-320,-12-7 224,3 8-256,-8-3 0,4 6-128,-6-8-64,6 8 0,-8-4-832,9 5 448,-4-6-2368,2 6 1472,2-6-5407,3 9 3711</inkml:trace>
+  <inkml:trace contextRef="#ctx0" brushRef="#br0" timeOffset="11">18752 14638 4736,'0'-7'1824,"0"7"-960,-3 0-160,-1 0 1344,8 0-1088,-4 0 640,0 3-928,-4 1 544,4 3-704,-4-1 320,0 1-512,-3 7 415,2 0-447,-10-1 288,8 4-320,-9 0 128,5 4-224,-4-1 0,8-1-96,-9 5 32,9-3-64,-4-4 64,7 3-64,-5-3 64,6 0-64,-5 0 64,8 0-64,-3-3-32,3 3 32,0-3-128,7-2 64,0 2 96,9-1-32,-1-2-32,1-1 32,-1-7-32,3 4 0,-2-7 128,6 4-64,-6-4 128,-1 0-128,1-4-32,2 4 0,-2-3 32,3-1-32,-5-3 64,2 4-64,-5-7-32,5 3 32,-5-7 96,4 4-64,-3-7 128,-1 8-128,2-6 128,-2 6-128,0-4 128,0 6-128,1-7 32,-1 4-32,-3-4 32,4 4-64,-5-4-32,4 4 32,-3-3 32,-1 6-32,0-3-736,2 3 416,-5 0-3424,-1 0 2049,1 5-4513,0 2 3488</inkml:trace>
+  <inkml:trace contextRef="#ctx0" brushRef="#br0" timeOffset="12">19464 14983 6400,'0'-13'2464,"0"13"-1344,-18-4-256,10 1 1696,8 6-1408,-12-3 1023,5 0-1311,-8 0 608,8 4-832,-17-1 416,8 7-608,-9 0 96,5 4-288,-7 3 32,5 2-160,-1 3-128,3 1-32,2-3-128,5 4 96,2-4 32,8 4 32,-1-3 0,8-4 0,3-5-160,5 2 96,3-11-896,1 4 544,-1-7-3008,3 0 1921,2-7-4449,-2 2 3360</inkml:trace>
+  <inkml:trace contextRef="#ctx0" brushRef="#br0" timeOffset="13">19998 14390 6784,'-5'4'2624,"5"-4"-1408,-2 17-576,-3-14 1408,10 4-1152,-10 0 640,5 3-896,-7 4 607,3-1-703,-4 8 576,1-1-640,-9 6 512,5 3-544,-7 0 256,2 5-416,-8 0 352,6-1-384,-9 5 384,5-1-384,-9 1 288,8 3-288,-11-2 352,7 2-352,-4 4 96,9-1-224,-9 4 160,8-2-192,-3-2 32,3-6-64,-4-2-64,8-5 32,0-7-896,4 0 480,-1-11-2944,5 1 1856,0-7-5855,7 0 4095</inkml:trace>
+  <inkml:trace contextRef="#ctx0" brushRef="#br0" timeOffset="14">13490 11479 6272,'0'-14'2368,"0"14"-1280,0-17-224,0 14 1568,0 3-1344,-2 0 672,2 3-1057,-4 4 321,4 3-576,-9 11 160,2 1-352,-9 16 64,10-1-192,-14 14 64,8 1-96,-6 4 0,3 2-32,-8 4 32,3-2-64,-2 1-32,6-6 32,-3-5-384,8-3 192,-3-9-1568,5-4 960,2-10-3039,3-7 2111,4-15-3040,4-2 2720</inkml:trace>
+  <inkml:trace contextRef="#ctx0" brushRef="#br0" timeOffset="15">13887 11540 6656,'-4'-17'2528,"4"17"-1344,-7 0-256,3 0 1472,4 3-1344,-8 1 512,5 3-993,-9-1 129,1 5-416,-4 2 32,3 1-192,-7 5 160,3 2-192,-2-1 96,2 4-96,-6-3 160,2 2-160,-7-2 192,12-1-192,-3-4-32,2 6-32,-3-6-128,7 1 64,1-4 32,4 1 0,-4-4 0,6 4 0,1-1 64,4-2-32,0-1 320,4 0-160,1 0 256,2-1-256,1 5 160,3 1-192,1-3 0,3 2-96,-1 0 32,2-1-64,3 1 64,8-1-64,-8-2 128,0-1-96,0-3-448,0 0 192,-3-4-1184,2 0 768,-2-3-2496,-1 0 1761,-4-3-4257,1 3 3136</inkml:trace>
+  <inkml:trace contextRef="#ctx0" brushRef="#br0" timeOffset="16">13316 13162 4992,'0'-8'1824,"0"8"-960,16-12-96,-5 4 1472,0 8-1216,7-14 864,6 4-1152,3-14 704,2 5-832,3-15 223,-6 11-479,4-11-128,1 7-128,3-7 64,-3 6-96,3-1-576,0 5 256,-4-8-3615,2 12 2111,-6-6-3616,-4 5 3040</inkml:trace>
+  <inkml:trace contextRef="#ctx0" brushRef="#br0" timeOffset="17">12514 14216 6656,'-5'-1'2464,"5"1"-1344,0 1-608,0-1 1248,2 3-992,-1 0 640,4 1-864,0 2 448,3-1-577,3 4 257,1 3-384,3 4 0,3 2-192,1 1-64,0 0 0,0 3-32,-2 0 0,1 2 0,0 2 0,0-1 64,1-3-32,0-1 128,0-3-96,-2-1 320,3-3-192,-7-2 256,1-2-256,-1-1 160,-2-3-192,-2-2 224,1 0-256,-2-4 384,0-4-288,2-6 224,0 0-224,1-10 224,1 3-256,3-10 32,1 5-128,5-10 0,0 7-32,1-6-64,-2 7 32,2-3 96,-2 6-64,-3-1-928,-1 4 448,-2 0-4544,-1 6 2721,-1-1-4545,-2 3 3872</inkml:trace>
+  <inkml:trace contextRef="#ctx0" brushRef="#br0" timeOffset="18">11971 15450 5376,'-4'-14'2016,"4"14"-1088,4 7-256,-4-7 1568,3 4-1248,-3-8 896,4 4-1152,1-7 640,-3 4-833,3-6 513,3-1-608,-1-11 320,0 8-448,2-11 320,2 7-352,0-11 352,5 5-384,-1-10 288,-1 4-288,2-7 352,3 5-352,-3-6 288,2 10-288,2-11 128,-2 5-224,2-11 128,2 10-160,-2-7 224,3 8-224,-5-11 96,2 6-128,-5-6 160,4 6-160,-4-5 256,5 9-224,-6-7 96,1 12-128,-3-10 96,-1 9-128,1-4 32,0 7-32,-5-4-64,1 11 32,-1-6 32,0 9-32,2-4-928,-2 8 480,-3-1-2944,0 4 1888,-1 0-5919,1 3 4127</inkml:trace>
+  <inkml:trace contextRef="#ctx0" brushRef="#br0" timeOffset="19">12546 14267 5888,'-8'-3'2176,"8"3"-1152,-5 4 0,5-1 1440,1 1-1344,-1 3 320,4 3-896,0 3-32,4 3-320,3 5-33,3 0-95,3 7 96,1 0-96,0 7 480,2 1-320,0 6 128,0-1-224,2 6-192,0-2 0,1 5 32,-1-4 32,0 3 0,0-8 0,-1 4 0,-3-6 0,1-2 0,-4-4 0,0-3 64,-1-5-32,-1-1-32,-1-3 32,-1-3 160,0-3-96,-2-6 320,1-2-224,-3-10 256,3-1-256,1-17 160,0 0-192,3-17 224,0 4-256,4-17 256,2 4-256,2-15 320,0 11-256,1-9 160,1 9-192,1-8 64,-1 9-128,0-3 0,-4 11-32,1 1-896,-4 7 448,-1-1-4352,-2 11 2625,-4-2-4545,0 7 3776</inkml:trace>
+  <inkml:trace contextRef="#ctx0" brushRef="#br0" timeOffset="20">13330 14272 4736,'-9'-2'1760,"9"2"-960,0-7-32,0 1 1184,4 2-1056,0-9 544,3 1-864,0-7 480,2 1-608,2-4 192,0 3-384,0-1 0,2 7-160,-1-2 288,-1 5-192,0 0 319,0 4-287,-2 5 160,0 2-224,-3 8 288,-1 2-256,-4 7 160,0 0-192,-2 5 0,1 3-96,-3 2-832,0-2 416,-2 2-3935,1-3 2367,-4-4-3552,3-3 3104</inkml:trace>
+  <inkml:trace contextRef="#ctx0" brushRef="#br0" timeOffset="21">12599 13354 5504,'-18'0'2112,"18"0"-1152,-19 3-352,13-1 1440,5-1-1120,-8 0 832,5 2-1056,-7 0 576,3 1-768,-6 2 447,2 1-543,-7 1 192,3 2-352,-6 2 64,5 1-192,-5 5 64,3-1-96,1 4-64,3 0 0,-1 3-32,4 1 0,-1 5-96,4-4 64,-2 6 32,3-3 0,1 8 0,3-5 0,1 2 0,3-1 0,0 0-96,3-3 64,2 3-32,3-2 0,3-1 64,3-4 0,1 2 0,3-2 0,2-2 64,-1-2-32,3-1-96,-2-2 32,2-2 32,0-3 0,5-2 0,-2-4 0,3-4-96,-1-1 64,0-7 32,-3-2 0,3-6 64,-2 0-32,2-5-32,-2 1 32,0-6-32,-1 1 0,-1-6 0,-1 1 0,-4-6 64,0 6-32,-4-7 64,0 3-64,-3-5-32,-2 6 32,-2-7 96,-3 5-64,-4-5 32,0 5-32,-7-6 160,-1 7-128,-8-1 256,2 4-224,-5 0 384,2 6-288,-8 4 224,3 4-224,-8 2 0,4 4-128,-9 0-64,7 4 0,-5 0-608,5 2 320,-3-3-3840,7 2 2241,1 0-4705,5 2 3712</inkml:trace>
+  <inkml:trace contextRef="#ctx0" brushRef="#br0" timeOffset="22">12674 13710 5888,'-3'0'2176,"3"0"-1152,2-2-640,-1 1 1024,0 2-800,1-1 608,1 0-704,1 0 512,2 2-576,0-2 256,2 3-416,1-1 0,2 3-192,2-1-64,0 1 0,3 1 32,2-1-32,1 1-32,1 0 32,-1-2-2720,0 2 1472,-2-2-3872,0 2 2848</inkml:trace>
+  <inkml:trace contextRef="#ctx0" brushRef="#br0" timeOffset="23">12640 13962 3200,'-2'-3'1216,"2"3"-640,3 2 96,-3-2 1120,2 1-992,-1 0 480,3 2-768,-3 0 288,2 1-480,0 1 192,2 0-288,-1-1 0,3 2-128,1-1 224,-1 2-192,2-1 32,0-1-96,0-1-192,0 1 64,2-4-2848,2 2 1568,-1-2-2880,1 0 2400</inkml:trace>
+  <inkml:trace contextRef="#ctx0" brushRef="#br0" timeOffset="24">12830 13728 2176,'0'0'864,"0"0"-448,0 0 128,0 0 1152,0 0-896,0 0 672,0 0-864,-2-2 448,2 2-608,-2-2 608,0 0-608,-1-1 480,2 2-512,-4-2 320,2 2-416,-1-3 256,-2 2-320,0-3 192,2 2-224,-2-4 0,0 3-128,0-6 0,3 5-32,-3-2 32,3 2-64,-2-3-32,3 4 32,-1-1-32,1 0 0,0 1-1280,2 1 704,-2 2-3424,4 1 2208</inkml:trace>
+</inkml:ink>
+</file>
+
 <file path=ppt/ink/ink14.xml><?xml version="1.0" encoding="utf-8"?>
 <inkml:ink xmlns:inkml="http://www.w3.org/2003/InkML">
   <inkml:definitions>
@@ -3066,6 +3119,60 @@
     </inkml:annotationXML>
     <inkml:trace contextRef="#ctx0" brushRef="#br0">7083 11390 6016,'0'0'2272,"0"-3"-1216,0 3-192,0 0 928,0 0-96,2-4 128,2 1-481,4-3-95,2-5-704,2-8 160,6-5 160,2-10-192,4-4-64,7 1 64,3 0 96,3-7-256,0-10-64,1 2-128,0 0-32,-8-2-32,0 6 0,-2 6-64,-5 3 32,1 6-128,-4 9 0,-2-4 32,-6 10 0,0 6-864,-6 0-288,-2-4-3168</inkml:trace>
   </inkml:traceGroup>
+</inkml:ink>
+</file>
+
+<file path=ppt/ink/ink140.xml><?xml version="1.0" encoding="utf-8"?>
+<inkml:ink xmlns:inkml="http://www.w3.org/2003/InkML">
+  <inkml:definitions>
+    <inkml:context xml:id="ctx0">
+      <inkml:inkSource xml:id="inkSrc0">
+        <inkml:traceFormat>
+          <inkml:channel name="X" type="integer" min="-2.14748E9" max="2.14748E9" units="cm"/>
+          <inkml:channel name="Y" type="integer" min="-2.14748E9" max="2.14748E9" units="cm"/>
+          <inkml:channel name="F" type="integer" max="32767" units="dev"/>
+        </inkml:traceFormat>
+        <inkml:channelProperties>
+          <inkml:channelProperty channel="X" name="resolution" value="1000" units="1/cm"/>
+          <inkml:channelProperty channel="Y" name="resolution" value="1000" units="1/cm"/>
+          <inkml:channelProperty channel="F" name="resolution" value="0" units="1/dev"/>
+        </inkml:channelProperties>
+      </inkml:inkSource>
+      <inkml:timestamp xml:id="ts0" timeString="2016-11-15T13:12:30.496"/>
+    </inkml:context>
+    <inkml:brush xml:id="br0">
+      <inkml:brushProperty name="width" value="0.06667" units="cm"/>
+      <inkml:brushProperty name="height" value="0.06667" units="cm"/>
+    </inkml:brush>
+  </inkml:definitions>
+  <inkml:trace contextRef="#ctx0" brushRef="#br0">13181 14216 7296,'-3'-6'2720,"3"6"-1472,3-12-1120,-1 4 960,2 2-672,1-6 416,0-2-480,0-3 320,1 4-384,2-5 192,1 2-256,0-2 64,1 3-160,-1-3 64,3 2-97,-1-1 1,0 5-32,0 0 384,-2 4-256,0 3 416,0 5-352,-4 5 160,1 3-256,-5 6 128,0 2-160,-2 6 64,1 1-96,-3 4 0,1-3-32,-1 4-64,1 0 32,-2 0-32,0-4 0,0 0-448,3-4 256,-3-5-1024,3-4 640,-1-7-1183,2 0 959,0-8-2400,2 0 1792,-1-2-2752,3-2 2368</inkml:trace>
+</inkml:ink>
+</file>
+
+<file path=ppt/ink/ink141.xml><?xml version="1.0" encoding="utf-8"?>
+<inkml:ink xmlns:inkml="http://www.w3.org/2003/InkML">
+  <inkml:definitions>
+    <inkml:context xml:id="ctx0">
+      <inkml:inkSource xml:id="inkSrc0">
+        <inkml:traceFormat>
+          <inkml:channel name="X" type="integer" min="-2.14748E9" max="2.14748E9" units="cm"/>
+          <inkml:channel name="Y" type="integer" min="-2.14748E9" max="2.14748E9" units="cm"/>
+          <inkml:channel name="F" type="integer" max="32767" units="dev"/>
+        </inkml:traceFormat>
+        <inkml:channelProperties>
+          <inkml:channelProperty channel="X" name="resolution" value="1000" units="1/cm"/>
+          <inkml:channelProperty channel="Y" name="resolution" value="1000" units="1/cm"/>
+          <inkml:channelProperty channel="F" name="resolution" value="0" units="1/dev"/>
+        </inkml:channelProperties>
+      </inkml:inkSource>
+      <inkml:timestamp xml:id="ts0" timeString="2016-11-15T13:12:30.497"/>
+    </inkml:context>
+    <inkml:brush xml:id="br0">
+      <inkml:brushProperty name="width" value="0.06667" units="cm"/>
+      <inkml:brushProperty name="height" value="0.06667" units="cm"/>
+    </inkml:brush>
+  </inkml:definitions>
+  <inkml:trace contextRef="#ctx0" brushRef="#br0">10901 16327 6912,'-12'3'2624,"12"-3"-1408,0 7-448,0-7 1568,4 0-1280,1 0 735,6 0-1055,0 0 608,5 0-800,6 0 448,1 0-576,8 0 192,-2 0-352,9-3 64,0-1-192,9-1 160,-2-2-192,13-8 192,-5 8-192,12-5 256,-5 2-224,5-7 160,-7 6-160,2-2 64,1 2-96,4-2-64,-8 6 0,12-3 32,-4 6-32,7-2-32,-7 2 32,-1-3 96,-3 7-64,1-6 192,-6 6-160,9-7 96,-7 7-96,2-7 0,-2 7-32,3-2 32,-4 4-64,-3-2 64,-5 3-64,0-3 128,-6 4-96,-3-4-32,-2 0 0,2 0-32,-2 0 0,0 0 64,-4 0-32,-3 0 64,-2 0-64,-2 0 128,0 0-96,-5 0-32,-2 0 0,-2 0-32,2 0 0,-5 0 0,1 0 0,-5 0 0,0 0 0,-4 0 64,5 0-32,-4 0 64,3 0-64,-4 0-32,2 0 32,-2 0-32,1 0 0,-5 0 0,1 0 0,1 0 0,-3 0 0,-2 0 0,0 0 0,0 0 0,0 0 0,0 0-96,0 0 64,-2 0 96,2 0-32,-5 0 64,1 0-64,-3-4-32,7 4 32,-4-3-128,4 3 64,-7-2 96,3 2-32,-3-5-32,2 5 32,-6-2-32,3-3 0,-4 0 0,5 0 0,-8-4 0,4-1 0,-9-4 0,6 4 0,-6-4 0,5 7 0,-4-6 64,4 6-32,-5-7-32,9 4 32,-7-3-128,6 2 64,-7-6 32,7 7 0,-10-4 0,6 4 0,-6-6 64,2 6-32,-2-4-32,2 8 32,-10-8 32,6 4-32,-1-4 128,1 7-96,-5-6-32,5 6 0,-6-7 32,3 7-32,-8-6-32,13 4 32,-8-6 32,10 8-32,-11-5-32,13 1 32,-9-2-32,8 6 0,-4-7 64,5 7-32,-6-6-96,6 6 32,-5-7 32,3 8 0,-2-8 128,2 7-64,-7-6 32,9 6-32,-9-2-128,8 2 32,-4-3 32,5 5 0,-6-4 64,5 6-32,-7-4-32,3 3 32,-4-4-128,8 8 64,-4-5 32,4 5 0,-4-7 0,7 7 0,-2-7-96,7 7 64,-9-7 96,9 7-32,-5-7-32,9 7 32,-4-6-32,7 6 0,-7-7-96,6 3 64,-2-2 32,3 2 0,-3-3-448,7 7 256,-8-6-1664,8 6 1024,-3-7-6784,3 7 4225</inkml:trace>
 </inkml:ink>
 </file>
 
@@ -5730,10 +5837,10 @@
         </emma:interpretation>
       </emma:emma>
     </inkml:annotationXML>
-    <inkml:trace contextRef="#ctx0" brushRef="#br0">7288 11883 5120,'-19'0'2016,"19"0"-1088,-5 7 192,5-2 928,5-5-544,0 0-192,1-5-224,-3 2 0,7-4-577,-1-1 1,15-4 0,18 2 32,10 2-32,14 1-192,8 7-128,14 4 96,6-4 128,24 0-32,33-8 96,9 1-128,18-4-32,42-8-128,0 7 32,42-7 0,15 13 32,29-2 0,7 8 0,39 4-128,0 10-96,41 9 0,3 3 32,21 4-32,15-7 64,-1-5-128,29-7 0,3 5 160,-22-2 160,24 9-96,-25-1 64,-8 1-448,-23-2-96,-16 13-1568,-36-1-672,-10-7-3455</inkml:trace>
-    <inkml:trace contextRef="#ctx0" brushRef="#br0" timeOffset="-719">7269 11932 4992,'-5'-26'1824,"5"26"-960,5-11 128,-5 11 832,5 2 96,1 2 96,3 19-192,-1-4-1,2 33-1023,-1-8 320,-3 65 160,-2-22 32,-4 80 0,0-27-512,-10 83-160,7-35-320,-13 46-128,8-27-96,-1 5-96,-2-29-64,2-26 32,-1-20-832,1-32-352,1-16-1440,-2-49-640,1-5-2463</inkml:trace>
-    <inkml:trace contextRef="#ctx0" brushRef="#br0" timeOffset="783">7123 14247 7296,'0'7'2720,"25"1"-1472,3 3-896,-10-3 672,10-1 0,10-4 192,18-3-192,24-3-65,27-1-511,11 1-64,23-5-32,37-3-128,15 8 32,23-2 32,41 3 64,15-3-160,32 1-64,26 2-64,16-3 32,40 1 128,15-3 128,28-9-64,19 2 64,9-9-128,12 5-64,4-1-64,-33 0 0,-135 5-288,169-4-32,-10 2-736,-60 9-256,-14-1-992,-44 12-351,-12 7-1985</inkml:trace>
-    <inkml:trace contextRef="#ctx0" brushRef="#br0" timeOffset="1983">16724 12017 6784,'-3'8'2528,"3"-8"-1344,28 11-608,-23-8 800,22 1-128,-5 0-32,26 3-480,-5 4-192,23-4-320,-10-1-33,3 5 129,-6-4-192,13 4 0,-11-3 0,7 3 0,-11 0-64,1-4 32,-9 1 0,-6-2 32,-4 2-64,-10-4 32,-5 0 128,-3-1 128,-6 1-64,-3 4 64,-3-1-192,-3 16-32,0-5 0,-3 30 64,-3-6-96,6 33 0,0-12 96,6 30 32,-3-15-32,2 27-32,0-20-96,4 19-64,-4-14 32,1 22 32,-3-14-32,2 9-32,0-10 32,-5-5 32,0-12-32,0 3 64,0-13-64,-5-8 64,5-6 64,-8 1 128,2-13 224,-13 4 64,5-10-96,-13-4-32,2-5-128,-8-3-32,5-2 96,-13-11 96,8 3 96,-33-5 32,9-3 32,-41-1 64,14 1-256,-43-5-32,20 1-96,-38 3-32,18 1-96,-15-1 32,20 1-128,-9 3 0,23 0-256,6-3-64,17 0-2048,19-8-896,10 0-4320</inkml:trace>
+    <inkml:trace contextRef="#ctx0" brushRef="#br0">7227 11876 5120,'-12'0'2016,"12"0"-1088,-3 7 192,3-2 928,3-5-544,0 0-192,1-5-224,-2 2 0,4-4-577,0 0 1,9-5 0,11 3 32,7 1-32,8 2-192,6 6-128,8 4 96,4-4 128,16 0-32,20-8 96,5 1-128,12-3-32,27-8-128,-1 6 32,27-6 0,9 13 32,19-3 0,3 8 0,26 4-128,-1 9-96,27 9 0,1 3 32,13 3-32,10-6 64,-1-5-128,18-6 0,2 4 160,-13-2 160,14 9-96,-15-1 64,-5 1-448,-15-2-96,-10 12-1568,-22-1-672,-7-6-3455</inkml:trace>
+    <inkml:trace contextRef="#ctx0" brushRef="#br0" timeOffset="-719">7215 11923 4992,'-3'-25'1824,"3"25"-960,3-10 128,-3 10 832,3 2 96,1 1 96,1 19-192,0-4-1,2 32-1023,-2-8 320,-1 61 160,-1-20 32,-3 75 0,0-25-512,-7 79-160,6-33-320,-10 43-128,6-25-96,0 4-96,-2-27-64,1-25 32,0-19-832,0-30-352,1-15-1440,-1-47-640,0-5-2463</inkml:trace>
+    <inkml:trace contextRef="#ctx0" brushRef="#br0" timeOffset="783">7123 14122 7296,'0'7'2720,"16"0"-1472,1 4-896,-5-3 672,5-2 0,7-3 192,11-3-192,16-3-65,16-1-511,7 2-64,15-6-32,23-3-128,9 9 32,15-3 32,26 3 64,9-3-160,20 1-64,17 3-64,9-4 32,26 1 128,10-3 128,16-8-64,13 2 64,6-9-128,7 5-64,2-1-64,-20 0 0,-85 4-288,106-3-32,-6 2-736,-38 9-256,-9-2-992,-27 12-351,-8 6-1985</inkml:trace>
+    <inkml:trace contextRef="#ctx0" brushRef="#br0" timeOffset="1983">13163 12004 6784,'-2'7'2528,"2"-7"-1344,17 11-608,-13-8 800,12 0-128,-2 1-32,17 3-480,-4 3-192,14-3-320,-6-1-33,2 4 129,-3-3-192,7 3 0,-6-2 0,4 2 0,-7 1-64,1-5 32,-6 2 0,-4-2 32,-2 1-64,-7-3 32,-2 0 128,-3-1 128,-3 0-64,-3 5 64,-1-1-192,-2 15-32,0-5 0,-2 28 64,-1-5-96,3 31 0,0-11 96,3 29 32,-1-15-32,1 25-32,1-18-96,1 18-64,-2-13 32,1 20 32,-2-13-32,1 9-32,0-10 32,-3-5 32,0-11-32,0 3 64,0-12-64,-3-8 64,3-6 64,-5 1 128,1-12 224,-8 3 64,4-9-96,-9-3-32,1-6-128,-5-2-32,4-2 96,-9-11 96,5 3 96,-20-4 32,5-4 32,-26 0 64,9 1-256,-27-6-32,13 2-96,-24 3-32,11 0-96,-9 0 32,12 1-128,-6 2 0,15 1-256,4-4-64,11 1-2048,11-8-896,7 0-4320</inkml:trace>
   </inkml:traceGroup>
 </inkml:ink>
 </file>
@@ -5807,7 +5914,7 @@
         </emma:interpretation>
       </emma:emma>
     </inkml:annotationXML>
-    <inkml:trace contextRef="#ctx0" brushRef="#br0">7207 16575 3712,'-18'5'1472,"9"-2"-768,-1 1 160,7 1 672,3-2-256,0 2-32,0 4-288,0-3-64,3 3-480,2-4 320,14 2 416,-1 1-288,1-3-129,3-2-159,10-3-128,13 4 32,14 1-64,18-2 0,14 2-224,5-1-64,14-4 0,22 0 64,23-4-96,-5-1-64,18-3 128,24-4 32,-2 0 128,25-5 128,31-3 32,-5 5 0,28-5-224,-2 6-160,40-1-64,-8 10 32,34-7-32,-15 9 64,37-9 64,-17 7 64,31-3-32,-19 4 32,28 1-64,-20-2 0,21 2-96,-16-9-64,2 3 224,-15 1 160,5 3-192,-35 5-96,-2 8-64,33-8-32,-33 5 64,-40-1 96,-32 4-64,-137-11-64,-18-2-160,10 5-64,-15 0-2240,-4 20-928,-9-3-2687</inkml:trace>
+    <inkml:trace contextRef="#ctx0" brushRef="#br0">7192 16568 3712,'-11'5'1472,"5"-2"-768,0 0 160,4 2 672,2-2-256,0 2-32,0 3-288,0-2-64,2 2-480,1-3 320,9 2 416,-1 0-288,1-2-129,2-2-159,6-3-128,9 4 32,8 1-64,11-3 0,9 3-224,4-1-64,8-4 0,14 0 64,14-4-96,-2-1-64,10-2 128,16-5 32,-1 1 128,15-5 128,20-3 32,-4 5 0,19-5-224,-2 5-160,25 0-64,-5 9 32,21-6-32,-9 8 64,24-8 64,-12 6 64,20-2-32,-12 3 32,18 1-64,-13-2 0,14 2-96,-11-8-64,2 2 224,-10 2 160,3 2-192,-21 5-96,-2 8-64,20-8-32,-20 4 64,-25 0 96,-20 4-64,-86-11-64,-12-2-160,6 5-64,-9 0-2240,-2 19-928,-6-3-2687</inkml:trace>
   </inkml:traceGroup>
 </inkml:ink>
 </file>
@@ -5846,8 +5953,8 @@
         </emma:interpretation>
       </emma:emma>
     </inkml:annotationXML>
-    <inkml:trace contextRef="#ctx0" brushRef="#br0">7292 16718 4992,'-4'-12'1920,"4"12"-1024,0-8-64,0 8 800,0-4-160,0 4-64,0 0-192,0 0 32,0 4-672,0 1 159,0 18 33,0-3-128,0 29-32,0-3-224,0 34-64,0-11-192,0 24-96,0-16 192,0 19 96,0-15-32,-5 16 64,0-11-128,2 3-64,-2-13 0,-5 1-32,6-16-64,-6-4-64,2-8 32,-1-14 32,4-1 32,0-7 96,0-2-32,2-10 0,-2 2-96,5-5-64,0 0-64,5 1 32,-2-6 32,7 1 64,-1 1-32,9-1-32,1 1 32,21-6-32,-3 2-96,27-5 64,-10 0-32,23-5 0,-13 2 64,32-3 64,-13 3 32,39 3 32,-12 0 0,16 9 0,93-1 0,-1 4 0,-26-4 64,13-1 32,14 1 448,-10-3 192,14-1-416,13 0-256,-7-4-64,30 0-32,0-8 32,-3 3 0,16-3 0,-13-4 64,29-3 32,-7-10 32,2 1-128,8-1-96,-17 5 64,8 0 0,50 4 32,-28 0 0,3 4 0,-48 0 64,0-5-32,0 0 0,-27 2-96,5-2 32,-5 1 0,-18 9 96,-31 2-96,2-4-64,-11 3 0,-78 6 32,-19 0-32,10 6-32,-14-1 96,4-1 0,-9 1 32,-5-2 0,-7 1-160,-11 1-32,-4-2-480,-4 2-192,-10-2-672,0-3-256,-4 0-1024,-1 4-352,2-4-3039</inkml:trace>
-    <inkml:trace contextRef="#ctx0" brushRef="#br0" timeOffset="3001">7182 18126 4736,'10'-3'1824,"-2"11"-960,21 0 32,-16 1 800,1 3-96,0 3 96,-1 10-320,0 15-64,-3-8-737,-1-3 161,0 31 32,-5-2-32,2 17 0,-3-9 32,-3 38 0,0-15-224,-3 29-64,-3-17-96,2 17 0,0-17 0,-6 5 64,2-14-160,-2-8-96,1-10-32,0-5 32,-1-8-160,2-9-32,3-8 64,0 1 32,1-8 32,0-5 64,-2-8-96,-2 1 0,3-5-32,0 0 32,1-4-64,0 0 64,-2-4-64,4 0-32,-4-4 32,1 1-32,0-1-96,5 1 0,0-6 128,0 0 32,0 2 0,5-1 32,0 0-64,3-4 64,6 0-128,1 0 0,-2 0 32,19 0 0,-4 0-96,22-4 64,-4 0 32,20-4 0,-6 0 0,14-4 64,44-8-96,10 3 0,2 2 96,-2 6 96,-5 9 0,-14 0 0,6 4-32,16-4 64,15 5 192,-4-2 128,2-6-320,30-6-128,12-3-32,-7-1 32,24-2 32,16-2 96,-5-7-96,33-1 0,-7-7-32,6 0 32,14 0-64,-18 12-32,16 0 32,2 7 32,-18 6-32,12 7-32,5 0 96,-16 3 0,7 1 32,-4 4 64,-19 4-160,14 5-32,1 3 0,-28 3 64,9-3-32,-1-6 64,-21 1-128,-1-1 0,-4-8 96,36 8 96,-36-3-64,-18-2-64,-2-2 64,-10-7 64,-8 5-128,-22-2-32,-16-3 64,-54 0 32,-5 0-32,16-3 32,-9-2-128,14 1 0,-14 4 32,9-8 0,-13-1 64,0 9 32,-9 0-32,-6 0 32,-2 0-64,-1-3 64,-11 0-64,-8-2 64,1 1 0,-9-1 32,-6 2-64,1-6 32,-6 6-128,2-5 0,-6-1 32,1 1 64,0-1-32,-5 3-32,0-3 32,0 1-32,0-4-96,0 7 64,0 2 32,0-6 64,0 6-32,4-5-32,-4-1-64,0-3-32,0 1 128,0-10 32,0 5-96,0-8 32,0 4 0,0-21 0,0 4 0,0-11 64,0 4-32,-4-22-32,-1 14 32,0-20-32,1 6 0,0-18 64,-2 7-32,3-12-32,-2 16 32,5-13-32,0 14-96,-5-9 64,5 12 32,-5-8 64,5 13-96,0-10 0,0 18 32,-4-1 64,4 8-32,0 6-32,0 6 32,0 5-32,0 3-96,0 6 64,0 2-192,0 5-96,0-1-800,4 10-384,1-1-4160,-14 11-1887</inkml:trace>
+    <inkml:trace contextRef="#ctx0" brushRef="#br0">7251 16717 4992,'-2'-12'1920,"2"12"-1024,0-7-64,0 7 800,0-4-160,0 4-64,0 0-192,0 0 32,0 4-672,0 1 159,0 16 33,0-2-128,0 28-32,0-3-224,0 32-64,0-11-192,0 24-96,0-16 192,0 18 96,0-14-32,-3 15 64,-1-10-128,3 2-64,-3-11 0,-2 0-32,4-15-64,-5-4-64,2-8 32,0-12 32,1-2 32,1-6 96,0-3-32,1-8 0,-1 1-96,3-5-64,0 1-64,3 0 32,-1-5 32,4 0 64,0 2-32,5-2-32,1 2 32,14-6-32,-3 2-96,17-5 64,-6 0-32,14-5 0,-7 2 64,19-3 64,-8 3 32,25 3 32,-8 0 0,11 9 0,57-1 0,0 3 0,-16-3 64,8-2 32,9 2 448,-7-3 192,10-2-416,7 1-256,-4-4-64,19 0-32,0-7 32,-2 2 0,10-3 0,-8-3 64,18-3 32,-4-10 32,1 1-128,5-1-96,-10 5 64,4 0 0,32 4 32,-18 0 0,2 3 0,-30 1 64,0-5-32,0 0 0,-17 1-96,3-1 32,-3 1 0,-11 8 96,-20 3-96,1-5-64,-7 3 0,-48 6 32,-13 0-32,7 6-32,-9-1 96,2-1 0,-5 0 32,-3-1 0,-5 1-160,-7 1-32,-2-2-480,-3 1-192,-6-1-672,0-3-256,-2 0-1024,-1 4-352,1-4-3039</inkml:trace>
+    <inkml:trace contextRef="#ctx0" brushRef="#br0" timeOffset="3001">7182 18055 4736,'6'-3'1824,"-1"10"-960,14 1 32,-11 1 800,1 2-96,-1 3 96,1 10-320,-1 14-64,-2-8-737,0-2 161,-1 29 32,-2-2-32,1 16 0,-2-8 32,-2 36 0,0-15-224,-2 29-64,-2-17-96,1 16 0,1-16 0,-4 4 64,0-12-160,0-8-96,1-10-32,-1-5 32,0-7-160,1-8-32,1-8 64,1 0 32,1-6 32,-1-6 64,-1-7-96,-1 0 0,2-4-32,0 0 32,1-3-64,-1-1 64,-1-4-64,3 1-32,-3-5 32,1 2-32,0-2-96,3 2 0,0-6 128,0 0 32,0 1 0,3 0 32,0 0-64,2-4 64,4 0-128,1 0 0,-2 0 32,12 0 0,-3 0-96,15-4 64,-3 0 32,12-3 0,-3-1 0,9-3 64,27-8-96,6 3 0,2 1 96,-1 7 96,-4 8 0,-8 0 0,3 4-32,10-4 64,10 4 192,-2-1 128,0-6-320,20-5-128,7-4-32,-5 0 32,16-2 32,10-2 96,-4-7-96,22-1 0,-5-6-32,3-1 32,10 1-64,-12 11-32,11 0 32,0 7 32,-11 5-32,8 7-32,3 0 96,-10 3 0,4 1 32,-2 3 64,-12 5-160,8 4-32,2 3 0,-19 3 64,6-3-32,0-6 64,-13 1-128,-2-1 0,-1-7 96,22 7 96,-23-2-64,-11-3-64,-1-1 64,-7-7 64,-5 5-128,-13-2-32,-11-3 64,-33 0 32,-4 0-32,11-3 32,-6-2-128,8 1 0,-8 4 32,5-7 0,-7-2 64,-1 9 32,-6 0-32,-3 0 32,-1 0-64,-1-3 64,-7 0-64,-5-1 64,0 0 0,-5-1 32,-3 2-64,-1-5 32,-3 5-128,2-5 0,-5 0 32,1 0 64,0 0-32,-3 2-32,0-3 32,0 2-32,0-5-96,0 8 64,0 1 32,0-6 64,0 6-32,3-4-32,-3-2-64,0-2-32,0 0 128,0-9 32,0 5-96,0-8 32,0 4 0,0-20 0,0 4 0,0-10 64,0 3-32,-3-21-32,0 14 32,0-20-32,1 7 0,-1-18 64,-1 7-32,2-12-32,-1 16 32,3-13-32,0 14-96,-3-9 64,3 11 32,-3-7 64,3 12-96,0-9 0,0 17 32,-2-2 64,2 9-32,0 5-32,0 6 32,0 4-32,0 4-96,0 5 64,0 2-192,0 5-96,0-1-800,2 9-384,1-1-4160,-8 11-1887</inkml:trace>
   </inkml:traceGroup>
 </inkml:ink>
 </file>
@@ -5924,11 +6031,11 @@
               </emma:one-of>
             </emma:emma>
           </inkml:annotationXML>
-          <inkml:trace contextRef="#ctx0" brushRef="#br0">14004 14274 7296,'-9'3'2816,"9"-3"-1536,13 5-576,-9-5 832,1 4-160,-5-1 32,0 2-129,0-1-95,5 4-640,0-5 32,-2 11 64,-3-7 0,6 13 0,-2-3 32,0 11-32,0-4 0,-4 36 0,0-6-160,0 27 32,0-12-160,-4 23-32,0-14-64,0 31 0,-2-20-224,3 7 0,-2-15-32,0 8 64,0-12-32,1 4-32,0-12-64,-2 4-32,6-16-448,0-14-192,0-6-832,0-25-288,0-4-1184,6-19-479,-2-1-1665</inkml:trace>
-          <inkml:trace contextRef="#ctx0" brushRef="#br0" timeOffset="567">13730 15507 5376,'-13'-15'2112,"13"15"-1152,-5 0-416,5 0 704,0 0-64,0 0 64,5 3-32,-2 0-64,7 6-608,-2 0 383,1 2 161,1 2 128,3 11 64,-4-4-288,6 24-64,-7-10-160,6 21-96,-6-6-224,2 17-128,-1-14-96,4 5 0,-3-8-128,-1 3-64,1-8 64,3-4 0,1-3-32,0-8-64,-6-6 32,10-11-32,-4 1 0,0-13 64,0 0 96,3-4 64,2 0 160,7-24 96,-2 4-64,0-30 0,-2 10-160,1-24 0,-6 6-160,1-3 0,-4 10 32,0-3 0,0 10-1120,-5 4-448,0 7-5216,-5 0-3071,2 1 4127</inkml:trace>
-          <inkml:trace contextRef="#ctx0" brushRef="#br0" timeOffset="1569">14777 16200 4736,'0'4'1824,"0"-4"-960,0 4-96,0 0 704,0-4-32,0 0 0,0 0-160,0 0-64,5 0-672,-5 0 160,4 0 63,0 0 97,-4-8 32,0 4 64,6-32 32,-2 7-96,5-35 0,-4 10-160,3-27-64,-2 13-224,2-42-32,2 22-128,-2-38 0,1 20-160,1-14-96,-5 15 0,-1-10-32,0 19 64,2 8 32,-3 7-32,2 0 32,0 12-64,-5 8 64,0 7-288,0 14-32,0 5-992,0 15-416,0 3-1504,5 9-639,-1 4-1601</inkml:trace>
-          <inkml:trace contextRef="#ctx0" brushRef="#br0" timeOffset="1922">14713 14730 9216,'-22'13'3520,"22"-13"-1920,-5 4-960,5-4 959,5-4-319,-1-1 64,9-18-224,-3 3-32,12-17-608,-4 5 64,6-12 96,-2 7-160,1-9 64,-4 11-128,-2-2 0,1 5-160,1 7 0,-6 5-96,11 13 64,-6-1 0,9 19 96,-5-2-32,7 14 0,-7-3-160,4 14-32,-2-7-32,-2 13 32,6-6-480,-11 1-224,-2-6-2240,2-4-896,-2-5-2687</inkml:trace>
-          <inkml:trace contextRef="#ctx0" brushRef="#br0" timeOffset="49208">16562 14370 4608,'8'-12'1760,"-8"9"-960,-4-6-32,-5 6 768,-10-2-288,-15 2 0,-17 3-416,-22 0-224,-19 0-320,-21 0 0,-14 3 128,-10 5-96,-12-4 64,-21 1-96,6 4 0,1-3-96,-2-6-32,-8 5-32,10-2 0,-1 3 127,13-3 97,20-3-192,8 0-96,8 3-32,11 3 32,14-4-32,16 7-32,20-9 32,8 0 32,14 0-32,14-3 64,13-3-64,28-2 64,17 2-64,20-3-32,14 1-64,25-1 32,37 1 32,15 8 0,7 0-96,30 0 64,3 8 32,4 1 64,15-6-32,-9 5-32,-10 4 32,-13-6-32,3 2 0,-8-8 64,-18 3-32,0 0-32,-9-6 32,-1 0-32,-4-3 0,-21 6 0,-30 0-1919,-26 0-833,-28-2-1600</inkml:trace>
+          <inkml:trace contextRef="#ctx0" brushRef="#br0">13875 14274 7296,'-5'3'2816,"5"-3"-1536,8 5-576,-6-5 832,1 3-160,-3 0 32,0 2-129,0-1-95,4 3-640,-1-4 32,-1 11 64,-2-8 0,3 13 0,0-3 32,-1 11-32,1-4 0,-3 34 0,0-6-160,0 26 32,0-11-160,-3 21-32,1-13-64,-1 30 0,0-20-224,1 8 0,-1-16-32,-1 9 64,1-12-32,1 4-32,-1-11-64,-1 3-32,4-15-448,0-13-192,0-6-832,0-23-288,0-5-1184,4-17-479,-1-2-1665</inkml:trace>
+          <inkml:trace contextRef="#ctx0" brushRef="#br0" timeOffset="567">13703 15446 5376,'-8'-15'2112,"8"15"-1152,-3 0-416,3 0 704,0 0-64,0 0 64,3 3-32,-1 0-64,4 6-608,-1-1 383,1 3 161,0 1 128,2 11 64,-2-4-288,3 23-64,-4-10-160,4 20-96,-4-5-224,1 15-128,0-12-96,2 4 0,-2-7-128,0 2-64,0-7 64,3-4 0,-1-3-32,1-8-64,-4-5 32,7-10-32,-4 0 0,1-12 64,0 0 96,2-4 64,1 0 160,4-22 96,-1 3-64,0-28 0,-1 9-160,0-23 0,-3 6-160,0-2 0,-2 8 32,0-2 0,0 10-1120,-3 3-448,-1 7-5216,-2 0-3071,0 0 4127</inkml:trace>
+          <inkml:trace contextRef="#ctx0" brushRef="#br0" timeOffset="1569">14361 16104 4736,'0'4'1824,"0"-4"-960,0 4-96,0-1 704,0-3-32,0 0 0,0 0-160,0 0-64,4 0-672,-4 0 160,2 0 63,1 0 97,-3-7 32,0 3 64,3-30 32,0 6-96,3-33 0,-3 10-160,2-26-64,-1 13-224,1-41-32,1 21-128,-1-35 0,1 18-160,0-13-96,-3 14 0,-1-9-32,1 18 64,1 7 32,-2 7-32,1 0 32,0 12-64,-3 7 64,0 6-288,0 14-32,0 5-992,0 14-416,0 3-1504,3 8-639,0 5-1601</inkml:trace>
+          <inkml:trace contextRef="#ctx0" brushRef="#br0" timeOffset="1922">14321 14707 9216,'-14'13'3520,"14"-13"-1920,-3 3-960,3-3 959,3-3-319,0-2 64,5-17-224,-2 3-32,8-16-608,-3 4 64,5-10 96,-3 5-160,2-7 64,-3 10-128,-1-3 0,0 6-160,1 6 0,-4 5-96,7 13 64,-4-2 0,6 18 96,-3-1-32,4 13 0,-4-3-160,3 13-32,-2-6-32,-1 12 32,3-6-480,-6 1-224,-2-5-2240,2-4-896,-2-5-2687</inkml:trace>
+          <inkml:trace contextRef="#ctx0" brushRef="#br0" timeOffset="49208">15484 14365 4608,'5'-11'1760,"-5"8"-960,-2-6-32,-4 7 768,-6-3-288,-9 2 0,-11 3-416,-14 0-224,-12 0-320,-13 0 0,-9 3 128,-6 4-96,-8-3 64,-13 1-96,4 4 0,0-4-96,0-5-32,-6 5-32,6-2 0,0 3 127,8-4 97,13-2-192,4 0-96,6 3-32,7 3 32,8-4-32,10 6-32,14-8 32,4 0 32,8 0-32,10-2 64,8-4-64,17-2 64,12 3-64,11-4-32,10 1-64,15 0 32,24 0 32,9 8 0,4 0-96,19 0 64,2 8 32,3 0 64,9-5-32,-5 5-32,-7 3 32,-8-5-32,2 2 0,-6-8 64,-10 2-32,-1 1-32,-5-6 32,-1 1-32,-2-4 0,-14 6 0,-18 0-1919,-17 0-833,-17-2-1600</inkml:trace>
         </inkml:traceGroup>
       </inkml:traceGroup>
     </inkml:traceGroup>
@@ -6010,18 +6117,18 @@
               </emma:one-of>
             </emma:emma>
           </inkml:annotationXML>
-          <inkml:trace contextRef="#ctx0" brushRef="#br0">9268 12482 6400,'-10'-8'2464,"15"4"-1344,0 4 224,-5 0 1184,0 0-384,0 0-129,0 0-383,0 0-96,6 8-832,-6 1 288,0 26 128,0-6-64,-6 28 32,6-8-352,-5 23-32,0-8-288,2 31-96,-2-15-160,5 4-64,0-10-32,0 22-64,0-15 32,5 13 32,-2-18-96,2 6 0,0-18-480,-5-19-192,0-9-1056,0-28-480,0-20-1280,0-16-575,6-12-1345</inkml:trace>
-          <inkml:trace contextRef="#ctx0" brushRef="#br0" timeOffset="601">10014 12542 7168,'18'0'2720,"-18"5"-1472,-18-2 32,14 1 1120,-2 1-449,2-2-159,-10 11-320,-13 9-96,0-2-736,3-1 256,-20 3 96,8-2-96,-20 7-64,11-3-192,-6-2 0,6-2-160,4 8 32,5-9-160,-4 3-32,8-2-128,0 3-32,4-3-192,5-1 32,4-3-64,11 7 0,3-4 64,5 3 0,0-1 64,10-2 32,-1-5 96,27 11 32,-4-6 32,22 12 64,-8-4-96,22 8-64,-8-2 0,4-3-32,-10-2-64,10-1-64,-9-4 32,-2 0-32,-2-4 0,-10-4 64,-5 2-608,-8-12-256,-5 2-1280,-10-2-512,1-12-3168,0-8-1375,-4-7 1951</inkml:trace>
-          <inkml:trace contextRef="#ctx0" brushRef="#br0" timeOffset="1233">10529 12473 9216,'-4'0'3520,"4"0"-1920,-5 0-800,5 0 1055,0 9-223,0-1 0,0 16-352,0-4-160,-5 22-608,5-7 160,-8 22 96,-2-13-128,1 16 32,1-2-256,-2 2 0,1-8-192,-1 14 32,7-14-160,-2 6 0,0-10 32,1-4 0,-1-4-64,5-3-64,0-5 32,0-7 32,0-1-32,9-4 64,1-3 0,7-2 32,-2 2 192,12-6 128,-5-2-32,15-6 64,-11 3-192,17-3-32,-8 0 0,20 3 0,-9-4-128,13-2-96,-9 0 0,4 0-32,-9 0-96,1-2 0,-4-4-640,-7 3-320,-3 0-1376,-5-3-576</inkml:trace>
-          <inkml:trace contextRef="#ctx0" brushRef="#br0" timeOffset="1665">11531 12888 7296,'3'-6'2720,"7"-6"-1472,-10 12-608,5 0 864,-1-3 128,1-2 191,-5 5 1,0 0 32,5 17 0,-2-6-64,2 1-416,0 17-192,-2-4-320,-3 15-160,6 24-320,-1 6-96,0-5-96,-2-24 32,2-9-128,0 3 0,-2 14 32,-3-9 0,0-3-224,6 0 0,-6-1-256,0-12-32,0-3-480,0-6-256,0-1-1088,0-14-448,0-6-864,0-2-255,5-16-1217</inkml:trace>
-          <inkml:trace contextRef="#ctx0" brushRef="#br0" timeOffset="2303">11575 12425 12416,'-17'-23'4639,"17"23"-2495,0 0-800,0 0 1440,0 0-928,0 0-320,10 0-832,-10 0-320,7-17-288,3 17-160,6 7-2944,15-14-1248,-14 0-2591</inkml:trace>
-          <inkml:trace contextRef="#ctx0" brushRef="#br0" timeOffset="3120">12255 12426 10368,'-9'-14'3936,"13"6"-2112,-4 13-993,0-5 1089,5 9-480,0 2-32,-2 6-256,2-5-64,0 28-608,-2 24 64,-3 14 96,-3 8-160,-2-31 0,5-3-160,-5 5 32,-3 24-192,3-29-32,1-7-64,-1 5 32,0-10-64,5 0 64,0-3-128,0-5 0,0-3 32,0-6 64,0-2 32,5-1 96,0-4 32,4-4 32,-1 0-64,11 0 32,-1-4 64,14 0 64,-5 1-96,15 0 0,-7-3-96,11-1 0,-4-2-32,3-3 0,-9 0-64,1 0 32,-5 0-64,-6-3-32,11-6-480,-10 1-224,-8 5-1216,-6-6-448,-8 1-2208,-10 0-927,-8-4-193</inkml:trace>
-          <inkml:trace contextRef="#ctx0" brushRef="#br0" timeOffset="3405">12268 13012 9856,'-32'-16'3680,"27"2"-1984,1-9-704,4 23 1183,4-9-383,6-5 0,-2 0-192,2 8-32,17-8-864,-5 2 96,15 9-32,-10-2-256,15 5-64,-7 0-256,7 5-64,-6-2-64,1-3 32,3 0-576,5-3-1344,-8-10-224,-18 1-736,-11 0-192,-3-5-2943</inkml:trace>
-          <inkml:trace contextRef="#ctx0" brushRef="#br0" timeOffset="3636">12236 12442 12800,'-22'-4'4831,"22"-1"-2623,0 5-1152,0 0 1408,8-3-704,1-1-224,19-9-384,-6 4-96,20-3-608,-12 4-192,17 2-96,-6-3-96,4 12-64,24 3-128,-15 0-64,-3 11-1248,-6 0-480,0 3-2720,-4 0-1151,1 0-65</inkml:trace>
-          <inkml:trace contextRef="#ctx0" brushRef="#br0" timeOffset="4137">13675 12482 11136,'-9'-4'4224,"9"-1"-2305,0 5-767,0 0 1312,3 5-480,3 7-96,-1 0-544,0 0-128,-2 21-672,7 19 160,-2 5 160,3 15-416,-8-22-160,2-7-96,0 31-64,-2 39 0,2-15 0,-5-18-64,0-4-64,0-10-256,0-14-96,0-15-864,-5-14-352,2-17-1632,3-15-672,3-8-2783</inkml:trace>
-          <inkml:trace contextRef="#ctx0" brushRef="#br0" timeOffset="4637">13770 12620 12288,'5'-18'4575,"-1"18"-2495,1 0-1376,0 6 1184,3 2-224,2 12 128,4 4-512,4 12-192,-4-12-640,-6-4-224,11 38 0,8 14-64,5 0 64,0 6-192,0-1-96,-6-8 32,-7-25 64,-1-7-64,9 6-64,5 11 128,0-10 32,-8-12 0,-11-24-64,4-8 96,-2 0-64,-1-28-32,8-28 224,-4 2 96,-4 11-256,4-26 0,-4 11 288,4-6 160,9-33-192,-8 8-96,-1 0-224,-10 40-64,3 9 32,-3 0 0,0-10-320,-3 15-96,-5 6-1056,-5 13-448,2 4-3712,-2 20-1663,0 4 1695</inkml:trace>
-          <inkml:trace contextRef="#ctx0" brushRef="#br0" timeOffset="5538">14945 12559 9216,'-32'-12'3424,"32"12"-1856,-4-20-128,4 20 1247,0-8-191,0 3 32,4-2-416,1 2-224,3-4-1024,2 6 32,17 0 32,-3-2-160,30 1-64,-9-1-256,32 10-128,-13-1-96,5 7-64,-10 3-96,19 1-64,-15-3 32,10 1-32,-9-1-224,-5-4-96,-9 1-672,-1-2-320,-7 1-3968,-7 0-1696</inkml:trace>
-          <inkml:trace contextRef="#ctx0" brushRef="#br0" timeOffset="5206">15249 12527 12288,'5'-17'4575,"-5"17"-2495,5 4-1312,0-4 1216,-2 8-384,7 12 0,-1 5-352,-4-4-32,8 27-704,-4-8 64,4 30 64,6 42-224,-9 6-64,-2-8-192,2-50-64,-1-8-32,-1 8-64,-3 26-64,0-45-32,-2-9-288,3 8-160,-1 4-768,-5-19-288,0-17-864,0-21-288,-5-7-1983,-1-15-801,3-6 1152</inkml:trace>
+          <inkml:trace contextRef="#ctx0" brushRef="#br0">8541 12476 6400,'-7'-7'2464,"10"3"-1344,1 4 224,-4 0 1184,0 0-384,0 0-129,0 0-383,0 0-96,3 8-832,-3 0 288,0 25 128,0-5-64,-3 26 32,3-7-352,-4 21-32,1-7-288,1 29-96,-1-14-160,3 4-64,0-10-32,0 21-64,0-14 32,3 13 32,-1-18-96,1 6 0,1-17-480,-4-19-192,0-7-1056,0-28-480,0-18-1280,0-16-575,3-11-1345</inkml:trace>
+          <inkml:trace contextRef="#ctx0" brushRef="#br0" timeOffset="601">9010 12533 7168,'11'0'2720,"-11"5"-1472,-11-2 32,8 1 1120,0 1-449,0-3-159,-6 12-320,-8 8-96,0-3-736,2 0 256,-13 3 96,6-2-96,-13 7-64,6-3-192,-3-2 0,4-3-160,2 9 32,3-9-160,-2 3-32,5-2-128,0 3-32,2-3-192,4-1 32,2-3-64,7 7 0,2-4 64,3 2 0,0 0 64,6-2 32,0-4 96,16 9 32,-1-5 32,13 12 64,-6-5-96,15 8-64,-5-1 0,2-4-32,-6-1-64,6-2-64,-5-3 32,-2 0-32,-1-4 0,-6-4 64,-3 2-608,-5-11-256,-4 2-1280,-6-3-512,1-10-3168,0-9-1375,-3-6 1951</inkml:trace>
+          <inkml:trace contextRef="#ctx0" brushRef="#br0" timeOffset="1233">9334 12468 9216,'-3'0'3520,"3"0"-1920,-3 0-800,3 0 1055,0 8-223,0 0 0,0 15-352,0-4-160,-3 21-608,3-7 160,-5 21 96,-1-12-128,0 15 32,1-2-256,-1 2 0,0-8-192,0 14 32,4-13-160,-1 5 0,0-10 32,0-3 0,0-4-64,3-3-64,0-4 32,0-8 32,0 0-32,6-4 64,0-3 0,5-1 32,-2 1 192,8-6 128,-3-1-32,9-6 64,-7 2-192,11-2-32,-5 0 0,13 3 0,-6-4-128,8-2-96,-5 0 0,2 0-32,-6 0-96,1-2 0,-3-4-640,-4 3-320,-2 0-1376,-3-2-576</inkml:trace>
+          <inkml:trace contextRef="#ctx0" brushRef="#br0" timeOffset="1665">9964 12862 7296,'2'-6'2720,"4"-5"-1472,-6 11-608,3 0 864,0-3 128,0-2 191,-3 5 1,0 0 32,3 17 0,-1-7-64,1 1-416,0 17-192,-1-4-320,-2 14-160,4 23-320,-1 5-96,0-4-96,-1-23 32,1-9-128,0 3 0,-1 14 32,-2-9 0,0-3-224,4 0 0,-4 0-256,0-13-32,0-2-480,0-5-256,0-2-1088,0-13-448,0-6-864,0-1-255,3-16-1217</inkml:trace>
+          <inkml:trace contextRef="#ctx0" brushRef="#br0" timeOffset="2303">9992 12422 12416,'-11'-22'4639,"11"22"-2495,0 0-800,0 0 1440,0 0-928,0 0-320,6 0-832,-6 0-320,5-16-288,1 16-160,4 7-2944,10-14-1248,-10 1-2591</inkml:trace>
+          <inkml:trace contextRef="#ctx0" brushRef="#br0" timeOffset="3120">10419 12423 10368,'-5'-13'3936,"7"5"-2112,-2 13-993,0-5 1089,3 9-480,1 1-32,-2 6-256,1-4-64,0 26-608,-1 22 64,-2 14 96,-2 8-160,-1-30 0,3-2-160,-3 4 32,-3 23-192,3-28-32,1-6-64,-1 5 32,0-10-64,3 0 64,0-3-128,0-5 0,0-2 32,0-6 64,0-2 32,3-1 96,0-4 32,2-4 32,1 1-64,5-1 32,1-3 64,8-1 64,-3 2-96,9-1 0,-4-2-96,7-1 0,-2-2-32,1-3 0,-5 0-64,0 0 32,-3 0-64,-4-3-32,8-6-480,-7 2-224,-5 4-1216,-4-6-448,-5 2-2208,-6-1-927,-5-3-193</inkml:trace>
+          <inkml:trace contextRef="#ctx0" brushRef="#br0" timeOffset="3405">10428 12980 9856,'-20'-15'3680,"16"1"-1984,2-7-704,2 21 1183,2-9-383,5-4 0,-2-1-192,1 9-32,11-9-864,-3 3 96,9 8-32,-6-2-256,9 5-64,-3 0-256,3 5-64,-3-2-64,0-3 32,2 0-576,3-3-1344,-4-9-224,-12 0-736,-7 1-192,-2-5-2943</inkml:trace>
+          <inkml:trace contextRef="#ctx0" brushRef="#br0" timeOffset="3636">10408 12438 12800,'-14'-3'4831,"14"-2"-2623,0 5-1152,0 0 1408,5-3-704,0-1-224,13-8-384,-4 3-96,12-2-608,-7 3-192,11 3-96,-5-4-96,4 12-64,14 3-128,-9-1-64,-2 11-1248,-3 1-480,-1 2-2720,-2 0-1151,0 0-65</inkml:trace>
+          <inkml:trace contextRef="#ctx0" brushRef="#br0" timeOffset="4137">11313 12476 11136,'-6'-3'4224,"6"-2"-2305,0 5-767,0 0 1312,2 5-480,2 6-96,-1 0-544,0 1-128,-1 19-672,4 19 160,-1 4 160,2 14-416,-5-20-160,1-8-96,0 31-64,-1 36 0,1-14 0,-3-17-64,0-4-64,0-9-256,0-13-96,0-15-864,-3-13-352,1-17-1632,2-13-672,2-8-2783</inkml:trace>
+          <inkml:trace contextRef="#ctx0" brushRef="#br0" timeOffset="4637">11372 12607 12288,'4'-17'4575,"-2"17"-2495,1 0-1376,0 6 1184,2 2-224,2 11 128,2 3-512,2 13-192,-2-13-640,-4-2-224,7 35 0,5 13-64,3 0 64,0 7-192,0-2-96,-4-8 32,-4-23 64,0-7-64,5 6-64,3 10 128,0-9 32,-5-11 0,-7-24-64,3-7 96,-2 0-64,0-26-32,5-28 224,-3 3 96,-2 10-256,2-24 0,-2 10 288,3-6 160,5-31-192,-6 7-96,1 0-224,-7 39-64,2 8 32,-2 0 0,0-10-320,-2 15-96,-3 6-1056,-3 11-448,1 5-3712,-1 19-1663,0 3 1695</inkml:trace>
+          <inkml:trace contextRef="#ctx0" brushRef="#br0" timeOffset="5538">12112 12550 9216,'-21'-12'3424,"21"12"-1856,-2-19-128,2 19 1247,0-7-191,0 2 32,2-2-416,2 2-224,1-3-1024,1 5 32,11 0 32,-2-2-160,19 2-64,-6-2-256,21 10-128,-9-2-96,3 8-64,-5 2-96,11 1-64,-10-2 32,7 0-32,-6 0-224,-3-5-96,-5 2-672,-1-3-320,-5 2-3968,-4 0-1696</inkml:trace>
+          <inkml:trace contextRef="#ctx0" brushRef="#br0" timeOffset="5206">12303 12519 12288,'3'-16'4575,"-3"16"-2495,3 4-1312,0-4 1216,-1 7-384,4 12 0,0 5-352,-3-4-32,5 26-704,-2-8 64,2 28 64,4 41-224,-5 5-64,-2-8-192,1-47-64,-1-7-32,1 7-64,-3 24-64,0-42-32,-1-8-288,1 7-160,1 4-768,-4-19-288,0-15-864,0-20-288,-4-7-1983,1-15-801,1-5 1152</inkml:trace>
         </inkml:traceGroup>
       </inkml:traceGroup>
     </inkml:traceGroup>
@@ -6066,10 +6173,10 @@
               </emma:one-of>
             </emma:emma>
           </inkml:annotationXML>
-          <inkml:trace contextRef="#ctx0" brushRef="#br0" timeOffset="8771">8854 15869 6656,'0'-7'2464,"0"2"-1344,0 5-192,0 0 896,0 0-288,0 0-32,0 0-449,0 0-95,0 5-544,0-2 96,0 21 64,0-4 96,0 20 128,0-3-224,0 12-96,0-8-192,0 24-32,0-13-96,3 4 0,3-2-32,2 1 0,-3-6-160,5 0 32,-7-4-64,8-9 0,-3-4 128,0-7 32,2-5-32,-1-12-64,1 1 96,-2-23 64,2 8 128,4-23 64,-1 4-32,6-19-32,-2 4-32,1-14 64,-4 10-160,4-20-32,-4 2-64,-1 6 32,2 8 0,-6 2 96,4 11-448,-8 3-224,-1 3-1312,1 9-512,0-5-2048,8 10-831,-5 6 607</inkml:trace>
-          <inkml:trace contextRef="#ctx0" brushRef="#br0" timeOffset="7525">9168 14391 5120,'-4'5'1920,"4"-2"-1024,0-3 64,0 9 896,0-9-96,0 0 0,-5 8-480,-5 4-225,1 0-607,-4 1-64,4-1 32,-1-3-96,6 6 64,0-4-160,-1 15 32,0-6-32,10 17 96,-5-5 128,5 12 32,-5-4 0,0 21 32,0-8-64,-5 8-32,0-6-96,1 26 32,0-12-128,-2 17-64,2-13-64,0 24 0,-1-13-64,0 26-32,1-13 32,0-7 32,-2-18-96,3-6 0,-2-11-32,0-10 0,0-8-992,-3-13-416,-6 0-3839,0-11-2561,-4-10 3232</inkml:trace>
-          <inkml:trace contextRef="#ctx0" brushRef="#br0" timeOffset="9643">9428 16472 6784,'-5'9'2528,"5"-3"-1344,0-33-896,0 22 704,0 14-416,0 2-64,0 1 64,0-3 64,0-4-320,0-2 32,0 0 64,0-3 128,0 0 64,0 0 31,0-6 65,0 1-192,0 10-32,0-5-160,0 0-32,0 0-160,0-9-32,0 4-32,0-1 32,0-3 128,0 1 128,0-1-64,0 1 64,0-1-192,0 3-32,0-3-64,0 9-64,0 0 96,0-16 128,0-8 128,0 4-64,5 0 64,-5-1 0,4-4 96,-4 2 64,4-18-32,-4 4-96,6-27 0,-3 10-160,2-26-64,0 11 0,4-24-32,1 12 0,3-11 0,-4 6-64,4-11-64,0 12 96,1-7 0,-4 15-32,4-9 32,-6 13 0,2-4 96,-2 13-96,2-2 0,-6 14-32,0 4 32,2 7-64,-3 6-32,2 6 32,0 4-32,0 5-288,-1 8-128,-4 0-832,0 12-416,0 0-1152,0 12-480,0 5-2335</inkml:trace>
-          <inkml:trace contextRef="#ctx0" brushRef="#br0" timeOffset="10092">9372 14840 5888,'-13'-3'2272,"22"0"-1216,-5 3 160,2 0 1088,-3-6-416,2 3-65,5-9-255,-6-1-128,14-14-768,-4 2-64,9-12 64,-1 5-96,10-4 32,-5 8-192,5-9-96,-4 5-32,4 0-32,-5 7 0,0 4 0,-3 6-64,-2 2-32,-4 6-32,0 11 0,1-4 64,-2 11 32,-2 1-32,2 25-32,-3-8-96,4 14 32,-5-6-64,6 4-32,-6-9-1184,0 0-480,16 13-3104,-20-16-1311,-9-6 1087</inkml:trace>
+          <inkml:trace contextRef="#ctx0" brushRef="#br0" timeOffset="8771">8280 15694 6656,'0'-6'2464,"0"1"-1344,0 5-192,0 0 896,0 0-288,0 0-32,0 0-449,0 0-95,0 5-544,0-2 96,0 19 64,0-3 96,0 19 128,0-2-224,0 10-96,0-7-192,0 23-32,0-13-96,2 5 0,2-3-32,1 1 0,-2-5-160,3-1 32,-4-3-64,5-9 0,-2-3 128,0-8 32,1-4-32,0-11-64,0 0 96,-1-21 64,2 7 128,1-21 64,1 3-32,3-18-32,-2 4-32,2-13 64,-4 9-160,4-19-32,-3 3-64,-1 4 32,1 9 0,-3 1 96,2 11-448,-5 2-224,0 4-1312,0 8-512,0-5-2048,5 10-831,-3 5 607</inkml:trace>
+          <inkml:trace contextRef="#ctx0" brushRef="#br0" timeOffset="7525">8478 14290 5120,'-3'5'1920,"3"-2"-1024,0-3 64,0 8 896,0-8-96,0 0 0,-3 8-480,-3 3-225,0 1-607,-2 0-64,2-1 32,0-2-96,3 5 64,1-3-160,-1 13 32,0-5-32,6 17 96,-3-6 128,3 12 32,-3-4 0,0 20 32,0-8-64,-3 8-32,0-6-96,0 25 32,1-11-128,-2 16-64,1-13-64,1 23 0,-1-12-64,-1 24-32,2-11 32,-1-8 32,0-16-96,1-7 0,-1-10-32,-1-9 0,1-8-992,-2-12-416,-4 0-3839,1-11-2561,-4-9 3232</inkml:trace>
+          <inkml:trace contextRef="#ctx0" brushRef="#br0" timeOffset="9643">8641 16267 6784,'-3'9'2528,"3"-3"-1344,0-32-896,0 21 704,0 14-416,0 1-64,0 2 64,0-4 64,0-3-320,0-2 32,0 0 64,0-3 128,0 0 64,0 0 31,0-6 65,0 1-192,0 10-32,0-5-160,0 0-32,0 0-160,0-9-32,0 5-32,0-2 32,0-3 128,0 2 128,0-2-64,0 2 64,0-2-192,0 3-32,0-2-64,0 8-64,0 0 96,0-15 128,0-8 128,0 4-64,3 0 64,-3-1 0,3-4 96,-3 2 64,2-17-32,-2 4-96,4-26 0,-2 10-160,1-25-64,0 10 0,3-22-32,0 11 0,2-10 0,-2 5-64,2-10-64,0 11 96,1-6 0,-3 14-32,3-9 32,-4 12 0,2-3 96,-2 12-96,1-1 0,-4 12-32,1 5 32,1 6-64,-2 6-32,1 5 32,0 4-32,0 5-288,0 8-128,-3-1-832,0 12-416,0 0-1152,0 12-480,0 4-2335</inkml:trace>
+          <inkml:trace contextRef="#ctx0" brushRef="#br0" timeOffset="10092">8606 14717 5888,'-8'-3'2272,"13"0"-1216,-2 3 160,1 0 1088,-2-6-416,1 4-65,3-10-255,-3 0-128,8-14-768,-2 2-64,5-11 64,0 5-96,6-4 32,-3 7-192,3-8-96,-2 4-32,2 1-32,-3 6 0,0 4 0,-2 6-64,-1 2-32,-3 5-32,1 11 0,-1-4 64,0 10 32,-1 2-32,0 23-32,-1-8-96,2 14 32,-2-6-64,3 4-32,-4-8-1184,0-1-480,10 13-3104,-12-15-1311,-6-7 1087</inkml:trace>
         </inkml:traceGroup>
       </inkml:traceGroup>
     </inkml:traceGroup>
@@ -6116,15 +6223,15 @@
               </emma:one-of>
             </emma:emma>
           </inkml:annotationXML>
-          <inkml:trace contextRef="#ctx0" brushRef="#br0" timeOffset="-12852">8790 16986 8064,'-10'-15'3072,"7"6"-1664,-2-16-448,5 18 1088,0-1-513,0 3-95,8-2-480,-2 2-192,7-3-448,0-1 64,14-3 128,-3 4-128,7-4-64,-3 4-32,14 1 32,-7 2-160,10 5-32,-3 0-64,-1 5-64,0-2 160,-10 6 32,-4-1-64,2 12-32,-8-4 32,-2 12 0,-6-3 0,-3 2 0,-1 2-64,-4 8-64,-1-8 32,-4-1 32,0-4 96,-9-1 64,4 2-32,-13-1-32,0-4-32,-10 0 0,6-3-64,-10 0-64,6-5 96,-6 0 0,0-4 32,4 0 0,5-1 0,4 2 64,1-4-32,4 1 0,6-1-192,3 4 32,0-2 0,5 6 64,0-5 96,5 4 64,0 0-32,3 8 32,2-3-64,12 7 0,-3-4-32,4 0 0,-1-3-64,10 6-64,-8-3 32,3 12 32,-6-3-32,3 0-32,-5-6 32,0 6 32,-7-9-448,2-3-160,0 0-832,-1 3-416,6 3-1600,-6-2-704,6-10-1567</inkml:trace>
-          <inkml:trace contextRef="#ctx0" brushRef="#br0" timeOffset="-13584">8794 16856 5888,'-9'-3'2272,"9"3"-1216,-5 12 96,5-4 960,0-5-288,0 2-96,0 16-289,0-6-63,0 22-736,0-5 192,0 25 64,0-13 64,0 25 64,0-9-352,0 21-160,0-12-160,0 12 0,0-12-192,0 11-96,0-11-32,5 9-32,-5-18 0,5-7 0,-1-8-864,0-25-288,2-12-896,-2-16-416,0-4-2047,6-16-2209,-2-9 2272</inkml:trace>
-          <inkml:trace contextRef="#ctx0" brushRef="#br0" timeOffset="-12251">9604 16925 7552,'-5'-29'2816,"5"29"-1536,-3 25-576,3-25 896,0 0-192,0 0 31,3 9-255,2-3 0,0 0-672,-5-3 64,4 9 64,1 1-160,0 19 0,0-8-160,-2 16-32,-3-6-96,0 18 32,0-8-64,0 9 0,0-9-32,0 5 64,0-8-96,0 3 0,0-4 32,0-3 0,0-5-64,0-4 32,0-2-64,0-6 64,0 0 0,5-5 32,0-3 0,4 1 0,-4-6 64,8 2 32,1-1 32,9 0 64,-6-8-96,12-8 32,-2 8-96,5-8 0,-5 4-96,5-4-64,-5-1 96,0 6 0,-4-2-128,1 2-32,-7-1-1024,-4 4-480,2 0-1120,-1 0-384,-1-5-2751</inkml:trace>
-          <inkml:trace contextRef="#ctx0" brushRef="#br0" timeOffset="-11932">9642 17233 8704,'-14'-4'3328,"14"-1"-1792,0 2-960,0 3 992,4 0-161,0 0 129,10-5-160,-4 1-64,12-1-704,-4 2 192,10 3 96,-2 0-352,6 0-64,-3 0-224,2 0-96,-3 0-64,4 0 0,-6 0-288,2 3-96,4-3-832,-6 0-320,-2 0-960,-6 0-384</inkml:trace>
-          <inkml:trace contextRef="#ctx0" brushRef="#br0" timeOffset="-11612">9687 16893 8064,'-32'-5'2976,"27"-2"-1600,-3-6-352,8 13 1056,0 0-257,0 0 33,0-3-256,0 3-64,3-4-832,2 4 288,5 0 128,-1 0-192,9 7-64,-4-2-352,13-2-160,0 2-288,10-5-32,-5 0-32,5-5 64,-10 2-32,-1-2 64,1 2-480,2 3-224,1-4-1600,-1 4-640,-2 0-3967</inkml:trace>
-          <inkml:trace contextRef="#ctx0" brushRef="#br0" timeOffset="-11049">10797 16752 8448,'0'-17'3168,"-5"14"-1728,2-6-192,-2 9 1119,0 0-159,0 0-32,-12 9-448,3-6-128,-14 9-896,6 1 0,-5 8 64,3-6-224,-2 1-64,2-4-256,6 0-96,1 0-128,2 1-32,7-1 32,8 8 64,0-3-96,13 10 0,-3-2 32,17 7 0,-5-3 0,6 3 0,-6-4 0,10 13 0,-5-9 0,5 16 64,-5-7-32,-4 8 64,-4-9 0,-6-3 32,-4-5 0,-9 5 0,0-5-64,-14 0-64,6-7 96,-24-1 64,5-4-64,-24-3 0,11-6-32,-10-2-64,5-2-192,-1-2-128,4-2-960,10 3-352,-3-6-1344,11-18-608,16-5-2591</inkml:trace>
-          <inkml:trace contextRef="#ctx0" brushRef="#br0" timeOffset="-10295">11011 16853 9344,'-22'0'3520,"22"0"-1920,3-5-544,-3 5 1215,10 5-415,4-5-32,0 0-64,-1 0 64,14 0-992,-3 0 160,12 0 32,-5 0-288,16 3 0,-11 3-384,22 0-128,-8 0-128,20-4-96,-12 4 32,20-3 32,-14 0-608,0 3-192,22 2-1888,-18-8-832,-18 12-3711</inkml:trace>
-          <inkml:trace contextRef="#ctx0" brushRef="#br0" timeOffset="-10595">11380 16816 8448,'0'-9'3232,"0"6"-1728,0-9-128,0 12 1215,5 0-511,0 0-160,-2 9-544,2-6-160,0 9-672,0 0 96,4 25 32,-4-9 0,-2 33-32,2-9-192,0 22-128,0-10-96,-1 5-64,1-12-96,0 10 32,-2-9-128,2 2 0,0-11 32,-1 8 64,-4 4-896,0-26-352,0-22-1184,-9-29-512,-4-8-3263,-1-13-1825,-4-3 3840</inkml:trace>
-          <inkml:trace contextRef="#ctx0" brushRef="#br0" timeOffset="-17721">7307 17434 2816,'0'-23'1120,"0"14"-576,0-2 416,3 6 672,2 5-256,-5 0 0,5 8 0,-1 9 0,1-2-736,0-1 320,-2 21 160,2 39-128,0-22 63,-5-8-255,0 45-32,0-17-224,0 34-64,0-16-160,-5 39-32,5-20-96,-5 16-32,5-16-32,0 13 0,0-20-64,5 8-64,5 39-2016,7-32-959,2-29-2305</inkml:trace>
+          <inkml:trace contextRef="#ctx0" brushRef="#br0" timeOffset="-12852">8240 16756 8064,'-6'-14'3072,"4"5"-1664,-1-15-448,3 18 1088,0-2-513,0 3-95,5-1-480,-2 1-192,6-3-448,-1 0 64,9-4 128,-2 5-128,4-5-64,-1 5-32,8 0 32,-4 2-160,7 5-32,-3 0-64,0 5-64,0-2 160,-7 5 32,-2 0-64,1 11-32,-4-4 32,-2 12 0,-4-3 0,-2 1 0,0 3-64,-3 7-64,-1-8 32,-2 0 32,0-4 96,-5-1 64,2 2-32,-9-2-32,1-3-32,-7 0 0,4-3-64,-6 1-64,4-6 96,-4 0 0,0-3 32,2 0 0,4-2 0,2 3 64,0-4-32,4 0 0,2 0-192,3 4 32,0-3 0,3 7 64,0-6 96,3 5 64,0-1-32,3 8 32,0-3-64,8 7 0,-2-4-32,2 0 0,0-3-64,6 6-64,-5-3 32,2 11 32,-4-2-32,2-1-32,-3-5 32,0 6 32,-4-9-448,1-3-160,-1 0-832,1 3-416,3 3-1600,-4-2-704,4-10-1567</inkml:trace>
+          <inkml:trace contextRef="#ctx0" brushRef="#br0" timeOffset="-13584">8242 16632 5888,'-5'-3'2272,"5"3"-1216,-3 12 96,3-5 960,0-4-288,0 2-96,0 15-289,0-6-63,0 21-736,0-4 192,0 23 64,0-12 64,0 23 64,0-8-352,0 20-160,0-11-160,0 11 0,0-12-192,0 11-96,0-10-32,3 8-32,-3-17 0,3-7 0,-1-7-864,1-24-288,1-11-896,-2-16-416,1-3-2047,3-16-2209,-1-8 2272</inkml:trace>
+          <inkml:trace contextRef="#ctx0" brushRef="#br0" timeOffset="-12251">8752 16698 7552,'-3'-28'2816,"3"28"-1536,-2 24-576,2-24 896,0 0-192,0 0 31,2 9-255,1-4 0,0 1-672,-3-3 64,3 8 64,0 2-160,0 17 0,0-7-160,-1 15-32,-2-6-96,0 18 32,0-9-64,0 10 0,0-10-32,0 6 64,0-8-96,0 3 0,0-4 32,0-3 0,0-5-64,0-3 32,0-2-64,0-6 64,0 0 0,3-5 32,0-3 0,3 2 0,-3-7 64,5 3 32,1-2 32,5 1 64,-3-8-96,7-8 32,-1 8-96,3-7 0,-3 3-96,4-4-64,-4 0 96,0 5 0,-3-2-128,1 2-32,-4 0-1024,-3 3-480,1 0-1120,0 0-384,-1-5-2751</inkml:trace>
+          <inkml:trace contextRef="#ctx0" brushRef="#br0" timeOffset="-11932">8776 16990 8704,'-9'-3'3328,"9"-2"-1792,0 2-960,0 3 992,3 0-161,-1 0 129,7-5-160,-3 2-64,8-2-704,-3 2 192,7 3 96,-2 0-352,4 0-64,-1 0-224,0 0-96,-1 0-64,2 0 0,-4 0-288,2 3-96,2-3-832,-4 0-320,-1 0-960,-3 0-384</inkml:trace>
+          <inkml:trace contextRef="#ctx0" brushRef="#br0" timeOffset="-11612">8804 16667 8064,'-20'-4'2976,"17"-3"-1600,-2-5-352,5 12 1056,0 0-257,0 0 33,0-3-256,0 3-64,2-4-832,1 4 288,3 0 128,0 0-192,5 7-64,-2-3-352,8-1-160,0 2-288,6-5-32,-3 0-32,4-5 64,-7 2-32,-1-1 64,1 1-480,1 3-224,1-4-1600,-1 4-640,-1 0-3967</inkml:trace>
+          <inkml:trace contextRef="#ctx0" brushRef="#br0" timeOffset="-11049">9502 16533 8448,'0'-16'3168,"-3"13"-1728,1-5-192,-1 8 1119,0 0-159,0 0-32,-8 8-448,2-5-128,-8 9-896,3 0 0,-3 8 64,2-6-224,-2 1-64,2-3-256,4-1-96,0 1-128,2 0-32,4-1 32,5 8 64,0-2-96,8 8 0,-2-1 32,11 6 0,-3-2 0,4 2 0,-4-3 0,6 12 0,-3-9 0,3 16 64,-3-7-32,-3 7 64,-2-8 0,-4-2 32,-2-6 0,-6 5 0,0-4-64,-9-1-64,4-6 96,-15-1 64,3-4-64,-15-3 0,7-6-32,-7-1-64,4-3-192,-1-1-128,3-2-960,6 3-352,-2-6-1344,7-17-608,10-5-2591</inkml:trace>
+          <inkml:trace contextRef="#ctx0" brushRef="#br0" timeOffset="-10295">9637 16629 9344,'-14'0'3520,"14"0"-1920,2-4-544,-2 4 1215,6 4-415,3-4-32,0 0-64,-1 0 64,9 0-992,-2 0 160,8 0 32,-4 0-288,11 3 0,-7 3-384,13 0-128,-5-1-128,13-3-96,-7 4 32,12-3 32,-9 0-608,1 2-192,13 3-1888,-12-8-832,-10 11-3711</inkml:trace>
+          <inkml:trace contextRef="#ctx0" brushRef="#br0" timeOffset="-10595">9869 16594 8448,'0'-8'3232,"0"5"-1728,0-9-128,0 12 1215,3 0-511,0 0-160,-1 9-544,1-6-160,1 8-672,-1 1 96,2 23 32,-2-9 0,-1 32-32,2-8-192,-1 20-128,0-9-96,-1 4-64,1-10-96,1 8 32,-2-8-128,1 2 0,0-10 32,-1 7 64,-2 4-896,0-25-352,0-20-1184,-5-29-512,-4-6-3263,1-13-1825,-4-3 3840</inkml:trace>
+          <inkml:trace contextRef="#ctx0" brushRef="#br0" timeOffset="-17721">7307 17181 2816,'0'-21'1120,"0"12"-576,0-1 416,2 5 672,1 5-256,-3 0 0,3 7 0,0 10 0,0-3-736,0-1 320,-1 20 160,1 38-128,0-22 63,-3-7-255,0 42-32,0-15-224,0 32-64,0-16-160,-3 38-32,3-20-96,-3 16-32,3-15-32,0 12 0,0-20-64,3 9-64,3 37-2016,5-31-959,1-28-2305</inkml:trace>
         </inkml:traceGroup>
         <inkml:traceGroup>
           <inkml:annotationXML>
@@ -6151,16 +6258,16 @@
               </emma:one-of>
             </emma:emma>
           </inkml:annotationXML>
-          <inkml:trace contextRef="#ctx0" brushRef="#br0" timeOffset="-9177">13429 17529 9984,'-5'0'3680,"5"0"-1984,13 4-992,-8-1 991,5-3-351,-1 0 32,4 0-320,1 0-96,4-12-512,-4 4 64,13-28 128,-4 3-64,14-23 32,-5 7-192,4-16-96,-5 9-160,1 2-64,-5 11-32,10-1 32,-10 7 0,0 0 32,-3 2-64,-2 6 32,-4 4 0,11 1 96,-12 4-96,1 3 0,-4 5 96,-1 12 32,2 0-32,-1 9-32,-1-1-32,6 19 0,-6-2 64,0 24 32,-4 0-192,4 20 0,1-14-32,-4 11 64,-2-14-32,2 0-32,-1-6 32,-4-2 32,0-7-256,-2-14-96,2 2-832,-10-10-320,5 2-896,-3-5-288,3-3-1824,8-1-831,1 0 799</inkml:trace>
-          <inkml:trace contextRef="#ctx0" brushRef="#br0" timeOffset="-8846">13719 17103 9856,'-26'0'3680,"26"0"-1984,-9 8-576,9-5 1279,0 3-703,0-3-256,9 6-64,-1-1 32,15-5-736,-4 0 128,13-6 64,-5 3-288,10-3 0,-5-3-256,13 6-64,-4 0-128,-1 9-96,-3 0-576,0 5-192,-5 0-2272,3-2-896,-3-4-2847</inkml:trace>
-          <inkml:trace contextRef="#ctx0" brushRef="#br0" timeOffset="-8008">14731 16954 11648,'-14'-37'4288,"14"37"-2305,8-12-895,-2 12 1280,2-3-512,2-2-32,3-4-576,-4 3-192,9-8-608,-4 2-64,9-2 32,-4 0-160,8-2 0,-5 5-128,20 2-32,-7 1-32,11 8-64,-4 0 32,3 12 32,-5-4 32,2 9 32,-10-5-160,-5 8-32,-5-5-64,-17 14 96,0-4 0,-18 11 32,-2-3 0,-21 8 0,4-15 192,-13 0 128,8-3-160,-3-6-32,3 0-128,-4-10-32,9 1-320,0 0-96,5-4-1472,9-4-576,4 0-3936,9-7-2783,5 2 3647</inkml:trace>
-          <inkml:trace contextRef="#ctx0" brushRef="#br0" timeOffset="-8446">14757 16873 12544,'-8'3'4735,"8"-3"-2559,0 8-1536,0-4 1120,0 12-480,0-4-32,5 22-160,-2-7-32,8 34-576,-8-13-64,7 22-64,-2-14-192,2 2-96,-1-11 32,-1 7 0,2-11-192,-1-2-64,1-9-1152,-7-15-480,2-5-1344,0-16-576,-5-1-2175</inkml:trace>
-          <inkml:trace contextRef="#ctx0" brushRef="#br0" timeOffset="-7044">15537 16856 16000,'8'-8'5983,"-8"8"-3263,37-7-2112,-28 7 1440,14 0-832,-4 0-128,21 3-512,-8 1-128,24 4-256,-11 0-64,14 4 0,-9 0-416,9-4-128,-10 0-1792,7 10-704,-11-6-4832</inkml:trace>
-          <inkml:trace contextRef="#ctx0" brushRef="#br0" timeOffset="-7345">15546 17507 13056,'-9'9'4927,"9"-9"-2687,13 5-1472,-7-2 1280,7-6-352,0 3 32,6 0-480,0 0-128,7 0-640,-4 0-64,20 0-64,-6 0-128,9 3 32,-3 2-224,9-1-32,-11-1-416,0 2-160,-2-2-800,-6-3-352,-6 0-1472,-2-8-672,-8 1-2463</inkml:trace>
-          <inkml:trace contextRef="#ctx0" brushRef="#br0" timeOffset="-7592">15777 16812 11392,'0'-8'4224,"0"8"-2305,5 3-1247,-5-3 1120,6 9-128,-6-1 64,2 12-192,4-3 0,-2 24-864,2-9-160,-6 28-64,0-3-192,3 7-64,2-12-96,0 5-96,-2-11-672,3-6-288,-2-8-1344,-4-8-608,0 1-2847,0-14-2241,0 1 3232</inkml:trace>
-          <inkml:trace contextRef="#ctx0" brushRef="#br0" timeOffset="-20843">17626 17273 8320,'0'3'3072,"0"-3"-1664,-4 26-928,4-23 832,0 14-352,0-2-65,0 14-159,0-4 0,0 10-416,0-1 96,0 6 96,0-8-128,0 12 32,0-7-256,-4 4-96,-1-9 32,0 4 64,0-7-64,2-6 0,-3-3 160,2 1 160,0-4-96,-6-1 0,5-4-64,-4 0 64,-4 0-32,5 0 64,-3-4 0,-2-3 32,5-2 352,-15-3 160,4 0-32,-16-8 32,3 4-160,-19 0-64,6 0-288,-11 4-96,10 0-224,-12 0-64,8 0-224,-10 8-96,10 1-2144,18-18-992,5 5-3807</inkml:trace>
-          <inkml:trace contextRef="#ctx0" brushRef="#br0" timeOffset="-23210">17571 16432 6272,'0'4'2368,"0"-4"-1280,10 16-64,-5-12 960,-2 13 96,2-2 191,0 30-415,-5-9-96,-5 29-992,0-8 192,-8 39 32,-1-15-384,-7 28-96,2-11-192,-5 11-32,6-16-256,-4 9 0,4-17-800,-1-16-384,6-12-2016,4-46-895,-1 1-1409</inkml:trace>
-          <inkml:trace contextRef="#ctx0" brushRef="#br0" timeOffset="-16588">17607 16722 3456,'0'-20'1312,"0"20"-704,5-4 256,-5 4 672,5 0 256,-1 0 160,1 8-224,-5 0-32,0 12-928,0-3 255,0 24 97,0-9-64,0 28 32,0-8-352,-5 46-32,1-21 0,-11 32 32,7-16-32,-6 36-64,4-19-192,2 11-128,-6-12-160,6 17-64,-2-16 32,5 23 0,2-20-64,-3-7 32,1-9-128,5 4 0,0-17 32,0-3 64,0-12 32,0-9 32,0-10-160,-3-10-32,3-8 32,0-12 0,0-4-64,0-16 64,0 0-32,0-11 0,0-1 64,0-37 64,0 9-32,0-46-32,0 14-64,0-38-32,0 18-32,0-46 96,0 17 0,0-29 96,0 24 32,0-24 96,0 25-32,-5-21 64,0 25-192,0-17-32,2 21 0,-8 4 64,3 15-1088,-5 3-512,2 17-3232,-2 6-1439,0 6 1087</inkml:trace>
+          <inkml:trace contextRef="#ctx0" brushRef="#br0" timeOffset="-9177">11158 17272 9984,'-3'0'3680,"3"0"-1984,8 4-992,-5-2 991,3-2-351,0 0 32,2 0-320,1 0-96,2-11-512,-2 3 64,8-26 128,-2 3-64,8-22 32,-3 6-192,3-15-96,-4 9-160,1 2-64,-3 10-32,7-1 32,-7 7 0,0 0 32,-2 2-64,-1 5 32,-3 4 0,7 1 96,-7 4-96,0 3 0,-2 5 96,-1 11 32,2 0-32,-2 8-32,0 0-32,4 18 0,-3-3 64,-1 24 32,-3 0-192,4 18 0,-1-13-32,-1 11 64,-2-14-32,1 1-32,0-6 32,-3-3 32,0-5-256,-1-15-96,1 3-832,-6-10-320,3 3-896,-2-6-288,2-2-1824,5-2-831,1 1 799</inkml:trace>
+          <inkml:trace contextRef="#ctx0" brushRef="#br0" timeOffset="-8846">11340 16867 9856,'-16'0'3680,"16"0"-1984,-6 8-576,6-6 1279,0 4-703,0-3-256,6 6-64,-1-2 32,10-4-736,-4 0 128,10-6 64,-4 3-288,6-3 0,-3-3-256,8 6-64,-2 0-128,-1 9-96,-1 0-576,-1 4-192,-3 0-2272,2-1-896,-2-5-2847</inkml:trace>
+          <inkml:trace contextRef="#ctx0" brushRef="#br0" timeOffset="-8008">11977 16725 11648,'-9'-35'4288,"9"35"-2305,5-11-895,-1 11 1280,1-3-512,1-2-32,2-3-576,-2 2-192,5-7-608,-2 1-64,6-1 32,-3 0-160,5-3 0,-3 6-128,12 1-32,-4 2-32,7 7-64,-3 0 32,3 11 32,-4-3 32,1 8 32,-6-5-160,-3 8-32,-3-4-64,-11 12 96,0-3 0,-11 10 32,-1-2 0,-14 6 0,3-13 192,-8 0 128,4-3-160,-1-6-32,2 0-128,-3-9-32,6 0-320,0 1-96,3-4-1472,6-4-576,2 0-3936,6-7-2783,3 2 3647</inkml:trace>
+          <inkml:trace contextRef="#ctx0" brushRef="#br0" timeOffset="-8446">11993 16648 12544,'-5'3'4735,"5"-3"-2559,0 8-1536,0-4 1120,0 11-480,0-4-32,3 22-160,-1-8-32,5 33-576,-5-12-64,4 20-64,-1-12-192,2 1-96,-2-11 32,0 8 0,2-12-192,-2-1-64,2-8-1152,-5-15-480,1-5-1344,0-14-576,-3-2-2175</inkml:trace>
+          <inkml:trace contextRef="#ctx0" brushRef="#br0" timeOffset="-7044">12484 16632 16000,'5'-7'5983,"-5"7"-3263,23-7-2112,-17 7 1440,8 0-832,-2 0-128,14 3-512,-6 1-128,15 3-256,-7 1-64,9 3 0,-5 1-416,5-5-128,-6 1-1792,4 9-704,-7-6-4832</inkml:trace>
+          <inkml:trace contextRef="#ctx0" brushRef="#br0" timeOffset="-7345">12490 17251 13056,'-6'8'4927,"6"-8"-2687,8 5-1472,-4-2 1280,4-6-352,0 3 32,4 0-480,0 0-128,5 0-640,-4 0-64,14 0-64,-5 0-128,7 3 32,-3 2-224,6-1-32,-7-2-416,1 3-160,-3-2-800,-2-3-352,-5 0-1472,-1-8-672,-5 2-2463</inkml:trace>
+          <inkml:trace contextRef="#ctx0" brushRef="#br0" timeOffset="-7592">12635 16590 11392,'0'-7'4224,"0"7"-2305,3 3-1247,-3-3 1120,4 8-128,-4 0 64,1 11-192,3-3 0,-2 23-864,2-9-160,-4 27-64,0-2-192,2 5-64,1-10-96,0 4-96,-1-10-672,2-6-288,-1-8-1344,-3-7-608,0 1-2847,0-14-2241,0 1 3232</inkml:trace>
+          <inkml:trace contextRef="#ctx0" brushRef="#br0" timeOffset="-20843">13798 17028 8320,'0'3'3072,"0"-3"-1664,-2 25-928,2-22 832,0 13-352,0-2-65,0 14-159,0-4 0,0 9-416,0-1 96,0 6 96,0-7-128,0 10 32,0-5-256,-3 2-96,0-7 32,0 3 64,0-6-64,1-7 0,-2-2 160,1 1 160,1-3-96,-4-2 0,2-4-64,-1 1 64,-3-1-32,3 0 64,-2-3 0,-2-3 32,4-2 352,-9-3 160,2 0-32,-10-8 32,2 4-160,-12 0-64,3 1-288,-6 3-96,6 0-224,-7 0-64,4 0-224,-5 7-96,5 2-2144,12-18-992,3 5-3807</inkml:trace>
+          <inkml:trace contextRef="#ctx0" brushRef="#br0" timeOffset="-23210">13763 16229 6272,'0'4'2368,"0"-4"-1280,7 15-64,-4-11 960,-1 12 96,1-1 191,0 27-415,-3-7-96,-3 26-992,0-7 192,-5 38 32,-1-15-384,-4 26-96,1-10-192,-3 11-32,3-16-256,-2 9 0,3-16-800,-1-15-384,4-12-2016,2-44-895,0 2-1409</inkml:trace>
+          <inkml:trace contextRef="#ctx0" brushRef="#br0" timeOffset="-16588">13786 16505 3456,'0'-19'1312,"0"19"-704,3-4 256,-3 4 672,3 0 256,0 0 160,0 8-224,-3-1-32,0 12-928,0-3 255,0 23 97,0-8-64,0 26 32,0-8-352,-3 44-32,0-19 0,-6 29 32,4-15-32,-4 35-64,3-18-192,1 10-128,-4-12-160,4 17-64,-1-16 32,3 23 0,1-20-64,-2-6 32,1-9-128,3 4 0,0-16 32,0-3 64,0-12 32,0-8 32,0-9-160,-2-10-32,2-8 32,0-11 0,0-4-64,0-15 64,0 0-32,0-10 0,0-1 64,0-36 64,0 9-32,0-44-32,0 14-64,0-37-32,0 18-32,0-44 96,0 16 0,0-28 96,0 24 32,0-24 96,0 24-32,-3-19 64,0 23-192,-1-17-32,2 21 0,-4 4 64,1 14-1088,-4 3-512,2 15-3232,-1 7-1439,0 5 1087</inkml:trace>
         </inkml:traceGroup>
       </inkml:traceGroup>
       <inkml:traceGroup>
@@ -6198,18 +6305,18 @@
               </emma:one-of>
             </emma:emma>
           </inkml:annotationXML>
-          <inkml:trace contextRef="#ctx0" brushRef="#br0" timeOffset="-6074">9832 18467 10880,'-27'-25'4032,"-5"17"-2177,-19-8-895,29 12 1184,-14 0-160,-10 4 0,0 8-384,2 16-192,-2-8-800,0 5-160,20-6 0,2-1-256,2 18-32,-2 16-160,20-12-32,0-3-128,18 2 32,-6-3 64,38 6 32,-4-10 32,25 21 0,42 26-96,-40-37 0,-15-6-32,1 22 96,9 34 128,-15-4 96,-12-6 0,-19-6-32,-18-11-32,-10-16 64,2-9 192,-29 9 128,5-4-128,-40-9 32,13-4-192,-13-8-64,8-4-160,-14-12 0,-36-12-288,23 0-64,14-4-864,18 0-416,14-4-1824,31 0-832,22-18-2239</inkml:trace>
-          <inkml:trace contextRef="#ctx0" brushRef="#br0" timeOffset="-4973">10280 18604 11008,'-30'-9'4128,"28"2"-2241,-9-6-863,11 10 1280,5-6-288,3 0-96,3-2-288,-3-1-160,11-5-800,-6 5 32,14 4-32,1 4-160,13 2-32,-9-4-288,13 3-128,-7-2-32,2 13 32,14 4-608,-4 2-192,-4-8-1440,-1 8-672,0-2-3264,-3 2-1343</inkml:trace>
-          <inkml:trace contextRef="#ctx0" brushRef="#br0" timeOffset="-5505">10255 18572 8448,'-8'-12'3168,"8"7"-1728,3 2-288,-3 3 1151,0 0-447,11 0-32,-3 3-288,2 11-96,-2 6-768,-2 20 224,-3 16 160,-3 4-352,0 18-64,0 3-256,0-28-64,0-9-192,-3 8-32,-3 26 32,6-35 0,0-2-64,0 4-64,0 7 32,0-20 32,0-3-32,6-4 64,-3-5 0,10-4 32,-3 0-64,17-4 32,-8 0 128,13 1 192,-5-6-288,13 2-64,-8-1-64,10-4 64,17-4 32,-5 0 32,-4 0-64,-8 0-64,-6-4-320,-9-4-128,-4-4-1344,-9 0-480,-6-5-2304,-3 2-927</inkml:trace>
-          <inkml:trace contextRef="#ctx0" brushRef="#br0" timeOffset="-5224">10352 19090 12032,'-19'-8'4575,"28"-4"-2495,-4-28-1440,-5 35 1184,10 1-64,3-4 96,4-4-352,12 9-224,-7-2-704,-4 1-64,9-1 0,-3 2-256,11 0-64,-6-2-128,3 1-64,-6-1-128,1 2 0,10-6-704,-5 1-256,-10 1-1216,-3-1-448,-6-1-2240,-3 1-927</inkml:trace>
-          <inkml:trace contextRef="#ctx0" brushRef="#br0" timeOffset="-4157">11476 18618 12544,'-19'-9'4639,"6"1"-2495,4 3-864,9 5 1408,0 5-1024,0-5-352,5 17-544,-1 15-160,0 8-352,2 9 32,-3 11 64,2 16-128,-5 1 32,0-5-160,0-18-64,0-5 0,0 3 32,-5 20-32,2-14-32,-3-15-64,2-6 32,0-8-32,4-9 0,0-11 0,0-15 0,0 3 64,0-22 0,-5-24 64,5-15 32,0-13-32,5 1-64,-1-6 32,0-2 32,5-2-32,1 10-32,3 2 96,6 14 0,-6 13 32,25-2 0,10-20 0,-16 29 0,-5 6 0,15 10 64,-7 1-32,7 38 0,12 10-32,-8 11 64,-9 12-96,-14-11-64,-6-5 0,-4 9-32,3-9 0,-13 5 64,-3 12-32,-8-9-32,-11-8 32,-3-20-32,-1 1 0,-9-1 0,-19 0-96,6-1 64,10-2-32,11-9 0,6 0 64,-1 3 64,2 2-96,2-1-64,12 4 192,6-5 96,2-3 32,13 5 96,1-2-32,16 17 64,-3-3-192,14 15-32,-4-3-64,8 15-64,18 21 32,-4-4-32,-9-4 0,-20-22 0,-3-1-160,0-2-32,-4-3-1056,-5-6-352,9 2-4544,-13-13-2047</inkml:trace>
-          <inkml:trace contextRef="#ctx0" brushRef="#br0" timeOffset="-3204">12386 18514 8448,'-4'0'3168,"4"0"-1728,4 0-544,-4 0 1024,10 0-161,-2 6 1,6-3-256,-1 2-96,10-1-768,5 4 128,-2 4 96,6 12 0,0 18 64,0 10-256,0 3-64,0-1-352,0 10-96,-5 1-96,2 5 32,-13-6 0,3-8 96,-6 0-160,-3-2-32,-1-10 64,-4-4 32,0-8-32,-2-12-64,3-3-64,-2-6 32,0 1 32,1-6 0,0-12 64,0-6 32,-2-8 32,3-8 64,-2 4 32,5-20 96,10-24-96,3-2-64,1-15 0,-2 21 32,-2 10-96,10-1-64,6-17 64,-12 18 64,-4 4-64,-2 7 0,-3 6-96,4 9-32,10-8-192,-6 8-96,-3-1-512,0 14-224,-6 1-1248,0 31-6368</inkml:trace>
-          <inkml:trace contextRef="#ctx0" brushRef="#br0" timeOffset="-2601">13514 18632 8960,'0'-3'3328,"5"3"-1792,-5 0-672,10 0 1023,-7 3-287,-3-3 0,6 9-256,-2 2-64,0 10-704,1 11 224,-5 8 96,0 14-128,0 1 0,-5 11-224,1-2 0,4-4-320,-4 3-128,4-16-64,0 2 32,0-4-96,0-5 0,4-4 96,-4 1 32,4-5 96,1-7 32,0-5-32,0-4-32,-2-3 32,7-10 96,4-3 0,4 0 64,4-3-64,10-2 64,6-3-128,-4 1-64,4-2-64,-2 1 0,10 0-64,-10-1 64,-4-2-128,0-1-64,-14 0-448,0-5-192,1 0-896,-10 2-320,-5 3-1952,-4-1-768</inkml:trace>
-          <inkml:trace contextRef="#ctx0" brushRef="#br0" timeOffset="-2087">13575 18632 12032,'-13'-12'4575,"13"4"-2495,0 0-1216,0 4 1184,3 0-192,7-3 96,-1-6-448,-1 1-224,16 8-704,16-4 128,5 4 64,11-4-256,-24 0-128,-6 4-224,6 4-128,14 7-224,-9 2-128,-2 2-1920,-6 6-864,-7 3-4736</inkml:trace>
-          <inkml:trace contextRef="#ctx0" brushRef="#br0" timeOffset="-2356">13602 18891 14592,'-5'0'5439,"10"4"-2943,3-4-2048,2 0 1152,9-4-352,3-4 64,4 0-544,6-4-192,0 3-352,0 6-96,5 3 64,-10 0-96,5 0-64,-5 3-576,-3 6-288,-2-4-1120,-9-5-416,1 0-1600,-9-5-671,-5-4-641</inkml:trace>
-          <inkml:trace contextRef="#ctx0" brushRef="#br0" timeOffset="-15486">17567 17155 4992,'0'-32'1824,"0"32"-960,3 0 384,3 0 1024,-2 17-384,2-5-128,-3 23-288,2-2-161,0 28-703,-2-9 192,7 41 160,-1-13-320,-4 35-32,0-14-160,-2 32-32,3-19-32,-2 31 64,-4-19-32,0 18 64,0-14 32,-4 5 64,4-22-320,-6 5-128,3-18-32,-2-7 64,0-12-128,-4-16-32,5-8-928,-5-25-416,-1-3-1984,7-22-895,-3-3-1249</inkml:trace>
-          <inkml:trace contextRef="#ctx0" brushRef="#br0" timeOffset="-1570">14854 18442 9472,'-5'-3'3520,"5"3"-1920,0-5-544,0 5 1215,5 12-191,-5 4 32,0 1-352,5-5-128,-5 11-896,3 18 64,7 21 64,-1 5-192,1 19-64,-1 15-96,-5-12 0,-4 0-256,6 1-96,-3-15-160,2-9-96,0-17-160,-2-14 0,3-10-1216,-6-17-448,0-21-1440,0-14-512,0 2-2463</inkml:trace>
-          <inkml:trace contextRef="#ctx0" brushRef="#br0" timeOffset="-1099">14846 18590 13952,'-14'-34'5183,"14"34"-2815,8-44-1632,-2 40 1280,2-12-576,0-1-96,11-6-416,-6 2-192,19-4-416,-3-2 0,16 7 32,-4 3-288,18 9 0,-4 4-64,4 16 0,-9-4 0,-4 24 64,-6-3 32,-2 14 32,-12-5-64,-4 6-64,-4-8-128,-7 2 0,-8-6 0,-17-4 64,6-4-32,-28 1 32,4-5 64,-9 0 0,4 1 128,1-1 64,4-6 0,9 7-32,4-1 96,25 25 160,20 19-160,16-6 0,12-6 64,-13-7 32,-10-13-96,15 17-96,-9-9-64,14 9-96,21 15 32,-8-10-32,-10-11-448,-12-5-160,-7-12-1888,-12-6-736</inkml:trace>
+          <inkml:trace contextRef="#ctx0" brushRef="#br0" timeOffset="-6074">8895 18163 10880,'-17'-24'4032,"-3"17"-2177,-12-9-895,18 13 1184,-8-1-160,-7 4 0,0 7-384,1 16-192,-1-8-800,0 5-160,13-5 0,1-2-256,1 17-32,-1 16-160,12-12-32,1-3-128,11 3 32,-4-4 64,24 6 32,-3-9 32,16 19 0,27 26-96,-26-36 0,-9-6-32,1 21 96,5 33 128,-9-4 96,-8-6 0,-12-6-32,-11-10-32,-6-15 64,1-9 192,-18 9 128,3-4-128,-26-9 32,9-3-192,-8-8-64,5-4-160,-9-11 0,-23-12-288,15 1-64,8-5-864,12 1-416,9-4-1824,19 0-832,14-18-2239</inkml:trace>
+          <inkml:trace contextRef="#ctx0" brushRef="#br0" timeOffset="-4973">9177 18293 11008,'-19'-8'4128,"18"1"-2241,-6-5-863,7 9 1280,3-6-288,2 1-96,2-3-288,-2 0-160,7-5-800,-4 4 32,9 5-32,1 3-160,8 2-32,-6-4-288,8 3-128,-4-1-32,1 11 32,9 5-608,-2 1-192,-3-7-1440,-1 7-672,0-2-3264,-1 3-1343</inkml:trace>
+          <inkml:trace contextRef="#ctx0" brushRef="#br0" timeOffset="-5505">9161 18263 8448,'-5'-12'3168,"5"8"-1728,2 1-288,-2 3 1151,0 0-447,7 0-32,-2 3-288,2 10-96,-2 6-768,-2 19 224,-1 15 160,-2 4-352,0 17-64,0 3-256,0-26-64,0-10-192,-2 9-32,-1 24 32,3-33 0,0-2-64,0 3-64,0 8 32,0-20 32,0-2-32,3-4 64,-1-5 0,6-4 32,-1 0-64,10-4 32,-5 1 128,8 0 192,-3-5-288,8 1-64,-5 0-64,6-4 64,12-4 32,-4 0 32,-3 0-64,-5 0-64,-3-4-320,-6-4-128,-3-3-1344,-5-1-480,-4-4-2304,-2 2-927</inkml:trace>
+          <inkml:trace contextRef="#ctx0" brushRef="#br0" timeOffset="-5224">9222 18755 12032,'-12'-8'4575,"18"-3"-2495,-3-27-1440,-3 33 1184,7 1-64,1-3 96,2-5-352,9 9-224,-5-1-704,-3 0-64,6-1 0,-2 2-256,7 0-64,-4-1-128,2 0-64,-3-1-128,0 2 0,6-5-704,-3 0-256,-6 1-1216,-2 0-448,-4-2-2240,-2 2-927</inkml:trace>
+          <inkml:trace contextRef="#ctx0" brushRef="#br0" timeOffset="-4157">9929 18306 12544,'-11'-8'4639,"2"0"-2495,4 4-864,5 4 1408,0 4-1024,0-4-352,3 16-544,-1 15-160,1 7-352,1 8 32,-2 11 64,1 16-128,-3 0 32,0-5-160,0-17-64,0-4 0,0 2 32,-3 20-32,1-14-32,-2-14-64,1-6 32,1-7-32,2-9 0,0-11 0,0-14 0,0 4 64,0-22 0,-3-23 64,3-14 32,0-12-32,3 1-64,-1-6 32,1-2 32,3-1-32,0 8-32,2 3 96,4 13 0,-4 12 32,16-1 0,6-20 0,-10 28 0,-3 6 0,10 9 64,-5 1-32,4 37 0,8 8-32,-5 12 64,-6 10-96,-8-10-64,-4-4 0,-3 8-32,2-9 0,-8 5 64,-2 12-32,-5-9-32,-7-8 32,-2-18-32,-1 0 0,-5-1 0,-12 1-96,4-2 64,6-1-32,7-9 0,3 0 64,0 3 64,2 1-96,0 0-64,8 4 192,4-5 96,1-3 32,9 4 96,0-1-32,10 16 64,-2-3-192,9 15-32,-3-4-64,6 15-64,10 20 32,-1-4-32,-7-4 0,-12-21 0,-2 0-160,1-3-32,-4-2-1056,-2-7-352,5 3-4544,-8-12-2047</inkml:trace>
+          <inkml:trace contextRef="#ctx0" brushRef="#br0" timeOffset="-3204">10502 18208 8448,'-3'0'3168,"3"0"-1728,3 0-544,-3 0 1024,6 0-161,-1 5 1,4-2-256,-1 2-96,7-1-768,2 3 128,0 5 96,3 10 0,0 18 64,0 10-256,0 2-64,0-1-352,0 10-96,-3 1-96,2 4 32,-9-5 0,2-8 96,-4 1-160,-2-3-32,0-9 64,-3-4 32,0-8-32,-1-11-64,2-3-64,-2-5 32,1 0 32,0-5 0,0-12 64,0-5 32,-1-8 32,2-8 64,-2 4 32,4-18 96,6-24-96,2-2-64,0-13 0,0 19 32,-3 10-96,8-2-64,3-15 64,-8 17 64,-2 3-64,-1 7 0,-2 6-96,2 8-32,7-7-192,-5 8-96,-1-2-512,0 14-224,-4 1-1248,1 29-6368</inkml:trace>
+          <inkml:trace contextRef="#ctx0" brushRef="#br0" timeOffset="-2601">11211 18320 8960,'0'-3'3328,"4"3"-1792,-4 0-672,6 0 1023,-4 3-287,-2-3 0,4 8-256,-2 3-64,1 9-704,0 10 224,-3 8 96,0 13-128,0 2 0,-3 9-224,0-1 0,3-4-320,-2 3-128,2-15-64,0 1 32,0-3-96,0-5 0,2-4 96,-2 1 32,3-4 96,0-7 32,0-5-32,0-4-32,-1-3 32,4-9 96,3-3 0,2 0 64,3-3-64,6-2 64,4-2-128,-2 0-64,1-1-64,0 0 0,6 0-64,-6 0 64,-3-3-128,0 0-64,-9 0-448,1-6-192,0 1-896,-7 2-320,-2 3-1952,-3-2-768</inkml:trace>
+          <inkml:trace contextRef="#ctx0" brushRef="#br0" timeOffset="-2087">11250 18320 12032,'-8'-12'4575,"8"5"-2495,0-1-1216,0 4 1184,2 1-192,4-4 96,-1-6-448,1 2-224,9 7-704,10-3 128,3 3 64,7-4-256,-15 1-128,-3 3-224,3 4-128,9 7-224,-6 1-128,-1 3-1920,-4 5-864,-4 3-4736</inkml:trace>
+          <inkml:trace contextRef="#ctx0" brushRef="#br0" timeOffset="-2356">11267 18566 14592,'-3'0'5439,"6"4"-2943,2-4-2048,1 0 1152,6-4-352,2-4 64,2 1-544,4-5-192,1 4-352,-1 5-96,3 3 64,-6 0-96,3 0-64,-3 3-576,-2 5-288,-1-3-1120,-6-5-416,1 0-1600,-6-5-671,-3-3-641</inkml:trace>
+          <inkml:trace contextRef="#ctx0" brushRef="#br0" timeOffset="-15486">13761 16916 4992,'0'-30'1824,"0"30"-960,2 0 384,2 0 1024,-2 16-384,2-4-128,-2 21-288,1-2-161,0 27-703,-1-9 192,4 40 160,0-13-320,-3 33-32,0-13-160,-1 30-32,2-17-32,-2 29 64,-2-19-32,0 18 64,0-13 32,-2 4 64,2-21-320,-4 5-128,2-17-32,-1-6 64,0-12-128,-3-16-32,4-6-928,-4-25-416,0-2-1984,4-22-895,-2-2-1249</inkml:trace>
+          <inkml:trace contextRef="#ctx0" brushRef="#br0" timeOffset="-1570">12054 18139 9472,'-3'-3'3520,"3"3"-1920,0-4-544,0 4 1215,3 11-191,-3 4 32,0 1-352,3-4-128,-3 10-896,2 17 64,5 19 64,-2 6-192,2 18-64,-2 14-96,-2-12 0,-3 1-256,4 0-96,-3-13-160,3-10-96,-1-15-160,-1-14 0,1-9-1216,-3-16-448,0-21-1440,0-12-512,0 1-2463</inkml:trace>
+          <inkml:trace contextRef="#ctx0" brushRef="#br0" timeOffset="-1099">12049 18280 13952,'-8'-33'5183,"8"33"-2815,5-41-1632,-2 37 1280,2-11-576,0-1-96,7-6-416,-3 2-192,11-4-416,-2-2 0,10 7 32,-2 3-288,11 9 0,-2 3-64,2 15 0,-6-3 0,-2 22 64,-4-2 32,-1 13 32,-7-5-64,-4 5-64,-1-6-128,-5 1 0,-5-6 0,-11-3 64,4-4-32,-18 0 32,3-4 64,-6 0 0,3 1 128,0-1 64,3-5 0,6 6-32,2-1 96,15 23 160,14 19-160,9-6 0,8-5 64,-8-8 32,-6-11-96,8 15-96,-4-8-64,8 9-96,13 14 32,-5-10-32,-6-10-448,-7-5-160,-5-11-1888,-8-6-736</inkml:trace>
         </inkml:traceGroup>
       </inkml:traceGroup>
     </inkml:traceGroup>
@@ -6289,14 +6396,14 @@
               </emma:one-of>
             </emma:emma>
           </inkml:annotationXML>
-          <inkml:trace contextRef="#ctx0" brushRef="#br0">6104 14938 8064,'-5'-4'2976,"5"-4"-1600,0-24-608,0 24 928,5 8-224,-5 0-65,10 11-191,-2 6-32,1-8-640,-4-3 224,5 28 128,-2-10-224,1 16-32,1 29-256,-1 0-64,1-5-288,-2-27 0,-3-5-32,-2-4 64,3 4-96,-2-6 0,-4-11-480,0-15-192,0-7-992,0-10-448,-4-3-2879,14-5-2145</inkml:trace>
-          <inkml:trace contextRef="#ctx0" brushRef="#br0" timeOffset="485">6141 14929 10880,'-10'-32'4032,"10"9"-2177,0 6-1311,5 14 1056,0-6-416,0 1 32,3-4-320,1 0-160,9-4-416,-4-1-64,14 5-32,-6 4-32,10 4 32,-5 4-64,10 4 0,-5 1-96,0 3 32,-5-1 0,-3 1 32,-3 1 0,-2 7 0,-6-4-64,-4 8 32,-4-5 0,-14 22 32,-14 0-160,-4-8-32,0-5 96,4-24 32,4 0-160,-3 8 0,-5 7 32,4-6 96,9-1 64,6-16 320,8 8-32,0 0 32,8 0 32,1 0-32,9 8 0,1-5-32,4 11 0,-1-2-128,5-1-96,-3 1-64,-3 5 0,-2-5 64,4 5 64,-4-6-384,3 6-192,5 3-896,-4-4-320,-1-5-1600,-8-6-608,1-10-2527</inkml:trace>
-          <inkml:trace contextRef="#ctx0" brushRef="#br0" timeOffset="931">6810 14814 8704,'-10'-9'3232,"10"12"-1728,0-3-352,0 0 1151,0 0-383,6 9-64,-2 0-288,4-1-128,1 12-768,6 7 160,-1 15 64,-1-1-224,-4-21-32,1 0-256,-2 12-64,10 16-192,-9-12-32,1-8-32,-1 4 32,4 10-64,-8-18 64,0-4-352,4-8-64,-1 0-544,2-8-256,-2-8-800,2-8-384,-1-3-992,0-6-383,5 1-1345</inkml:trace>
-          <inkml:trace contextRef="#ctx0" brushRef="#br0" timeOffset="1617">6843 14753 7552,'-16'-5'2816,"16"5"-1536,-3 0-448,3 0 992,0 0-256,0 0 31,0 0-127,3-4-32,2 0-800,0 0 256,4-4 160,1 4-192,3-4-96,9-4-320,2 4-128,-2 0-96,10-1-64,-4 0-96,8 6 32,-4 3-64,0 3 64,5 11 0,-16-7 32,-2 1 0,-6 9 64,1 3-32,-14-3 0,-3-5-96,-13-1-64,3-2 32,4-9 32,4 0-96,2 0-64,-2 0-32,5-5 96,0 1 0,13 1 32,-4-2 0,9 5 0,1 0 0,4 12 0,13 2 0,-13-8 64,-4 2 32,-2 12 32,1 18 64,-13-18 96,0 0 160,-15 17 96,5-5 64,-17 17 96,-1-5-192,-13 13-32,-22 12-288,2-17-128,11-15-384,8-26-192,20-19-2016,12-12-800,13-12-4288</inkml:trace>
-          <inkml:trace contextRef="#ctx0" brushRef="#br0" timeOffset="-1754">4924 15145 5632,'-3'-8'2176,"3"4"-1152,0-4-64,0 8 896,0-5-96,0 2 0,0 3-257,0-4-95,0 4-768,0 0 64,0 4-32,0-1 0,3 5-32,3 1-64,-2 11 32,0 0-192,11 12-96,-6-3-32,4 11 32,0-3-96,6-1 32,-6-3-160,11 16 0,-8-9-32,3 1-64,-6-6 32,3 5-32,-3 1 64,0-4 32,-4-9-32,1-4-64,-1-4 96,-5 0 0,0-3-32,1-5-64,0-4 32,0-11-32,-2-2 64,3-7 32,-2 4-32,5-21 32,-4 6 0,3-9 96,-2 3 32,2-20 32,2 5-64,4-9-32,-6 9 32,6-5 32,-4 9-96,3-6-96,-4 11 0,4-17 32,-3 6-32,3-2-32,-4 7 96,1 6 64,-1 1 0,1 6 64,-2 4-192,-3 4-32,-2 3-64,7 2 0,-4 3-288,2-1-160,0-2-736,-3-2-320,6 8-1024,-9 9-352,4 17-2943</inkml:trace>
-          <inkml:trace contextRef="#ctx0" brushRef="#br0" timeOffset="-400">5695 15004 10112,'-14'-8'3776,"4"2"-2048,5-34-1248,5 36 991,5-4-223,0 0 32,9 4-160,-1 1-32,6-6-608,-6 5-64,6-3 0,-1 2-160,4 1-64,-4-4-32,1 20 32,3 0-736,1-4-256,-1 8-1600,-3-16-672,4 0-2559</inkml:trace>
-          <inkml:trace contextRef="#ctx0" brushRef="#br0" timeOffset="-632">5695 15310 7552,'-23'-7'2816,"17"7"-1536,3-14-448,6 11 928,-3 0-384,0-6-1,6 1 1,4-1 64,-2 1-768,-3 1 256,8 2 128,-4 2-192,10 3-32,-6 0-416,10 0-160,-6 0-96,6 0-32,5-5-64,-2 2-64,-2-6 32,-10 6-32,-1-2-992,-3 1-384,-1-1-992,-5 2-352,-4 3-2847</inkml:trace>
-          <inkml:trace contextRef="#ctx0" brushRef="#br0" timeOffset="-918">5698 15076 5888,'-8'-4'2272,"13"4"-1216,-15-5-96,10 5 896,0 0-352,-4 5-96,4-5-320,4 7-129,-4-14-511,0-1 224,5 3 160,-5 2 32,0 11 128,0 7-256,0 2-128,0-5-288,0 16-64,0-4-128,0 21-32,0 13-32,0-23 32,0-7-64,0 4-32,0-6 32,5-3-32,-2-3 64,2 1 96,0-5-64,-2 0 0,-3-3 32,6-1 64,-1-4 32,0 1 96,-2-6 128,7 0 32,-1 2-64,1-1 0,-2 1-96,5-5-32,1 0-96,-1-5 32,1 1-128,1-1 0,-2 2-32,1 0-64,-6-2 96,6 1 0,-4-1-320,-2 2-160,2-2-1024,-1 5-416,-1-4-1120,-3 1-480,0-2-2239</inkml:trace>
+          <inkml:trace contextRef="#ctx0" brushRef="#br0">5665 14924 8064,'-3'-3'2976,"3"-5"-1600,0-22-608,0 22 928,3 8-224,-3 0-65,7 11-191,-2 5-32,0-8-640,-2-2 224,4 26 128,-2-9-224,0 15-32,2 28-256,-2-1-64,2-4-288,-2-26 0,-2-5-32,-1-3 64,1 3-96,0-5 0,-3-11-480,0-14-192,0-6-992,0-10-448,-3-3-2879,10-5-2145</inkml:trace>
+          <inkml:trace contextRef="#ctx0" brushRef="#br0" timeOffset="485">5689 14916 10880,'-7'-30'4032,"7"8"-2177,0 6-1311,3 13 1056,1-6-416,-1 2 32,2-5-320,0 1-160,7-4-416,-3-2-64,8 6-32,-3 3-32,6 5 32,-3 3-64,6 3 0,-2 2-96,-1 3 32,-3-2 0,-2 2 32,-2 1 0,-1 6 0,-4-4-64,-2 8 32,-3-5 0,-9 22 32,-8-1-160,-3-8-32,0-4 96,2-23 32,3 0-160,-1 8 0,-4 6 32,2-6 96,6 0 64,4-16 320,5 8-32,0 0 32,5 0 32,1 0-32,5 8 0,1-5-32,3 10 0,-1-1-128,2-2-96,0 1-64,-3 6 0,-1-6 64,2 5 64,-2-5-384,2 5-192,3 3-896,-3-4-320,0-5-1600,-5-5-608,1-10-2527</inkml:trace>
+          <inkml:trace contextRef="#ctx0" brushRef="#br0" timeOffset="931">6109 14807 8704,'-6'-9'3232,"6"12"-1728,0-3-352,0 0 1151,0 0-383,4 9-64,-2-1-288,3 0-128,1 11-768,4 6 160,-2 15 64,1-1-224,-4-20-32,2 0-256,-2 12-64,6 14-192,-5-11-32,0-7-32,-1 3 32,4 10-64,-6-17 64,0-4-352,3-8-64,-1 1-544,1-8-256,-1-8-800,1-8-384,0-2-992,0-6-383,2 1-1345</inkml:trace>
+          <inkml:trace contextRef="#ctx0" brushRef="#br0" timeOffset="1617">6130 14749 7552,'-10'-5'2816,"10"5"-1536,-2 0-448,2 0 992,0 0-256,0 0 31,0 0-127,2-4-32,1 0-800,0 1 256,3-5 160,0 4-192,3-3-96,4-5-320,3 5-128,-3-1-96,7-1-64,-2 1-96,5 5 32,-3 3-64,0 3 64,3 10 0,-9-6 32,-3 0 0,-2 10 64,-1 2-32,-8-3 0,-1-5-96,-10 0-64,3-3 32,3-8 32,2 0-96,1 0-64,-2 0-32,4-5 96,0 2 0,9 0 32,-4-2 0,7 5 0,0 0 0,2 11 0,9 3 0,-9-9 64,-2 3 32,-1 11 32,0 17 64,-8-17 96,0 0 160,-9 16 96,3-4 64,-11 15 96,0-4-192,-9 12-32,-13 12-288,0-17-128,8-14-384,5-24-192,12-19-2016,8-11-800,8-11-4288</inkml:trace>
+          <inkml:trace contextRef="#ctx0" brushRef="#br0" timeOffset="-1754">4923 15121 5632,'-2'-7'2176,"2"3"-1152,0-4-64,0 8 896,0-5-96,0 3 0,0 2-257,0-4-95,0 4-768,0 0 64,0 4-32,0-2 0,2 6-32,2 1-64,-2 10 32,1 0-192,6 11-96,-3-3-32,2 11 32,0-2-96,4-2 32,-4-3-160,7 16 0,-5-9-32,2 1-64,-3-6 32,1 5-32,-2 1 64,0-4 32,-2-8-32,0-5-64,0-3 96,-4 0 0,1-2-32,0-6-64,0-3 32,0-11-32,-1-2 64,2-6 32,-2 3-32,4-20 32,-3 7 0,2-10 96,-1 4 32,1-20 32,1 5-64,3-8-32,-4 8 32,4-4 32,-3 8-96,2-6-96,-2 11 0,2-17 32,-2 7-32,3-3-32,-4 7 96,2 6 64,-2 0 0,2 7 64,-2 3-192,-2 4-32,-1 3-64,4 2 0,-2 2-288,1 0-160,0-2-736,-2-3-320,4 9-1024,-6 8-352,3 16-2943</inkml:trace>
+          <inkml:trace contextRef="#ctx0" brushRef="#br0" timeOffset="-400">5408 14987 10112,'-9'-7'3776,"3"1"-2048,3-32-1248,3 34 991,3-4-223,0 1 32,6 3-160,-1 1-32,4-5-608,-4 4-64,4-3 0,-1 2-160,3 2-64,-2-5-32,0 19 32,1 1-736,2-5-256,-1 9-1600,-2-16-672,2 0-2559</inkml:trace>
+          <inkml:trace contextRef="#ctx0" brushRef="#br0" timeOffset="-632">5408 15278 7552,'-15'-7'2816,"12"7"-1536,1-13-448,4 10 928,-2 0-384,0-5-1,3 0 1,4 0 64,-2 0-768,-2 1 256,5 3 128,-2 1-192,6 3-32,-4 0-416,6 0-160,-3 0-96,4 0-32,2-5-64,0 2-64,-2-5 32,-7 5-32,1-2-992,-3 1-384,0-1-992,-4 3-352,-2 2-2847</inkml:trace>
+          <inkml:trace contextRef="#ctx0" brushRef="#br0" timeOffset="-918">5410 15056 5888,'-5'-4'2272,"8"4"-1216,-9-5-96,6 5 896,0 0-352,-3 5-96,3-5-320,3 6-129,-3-12-511,0-2 224,3 3 160,-3 3 32,0 9 128,0 7-256,0 3-128,0-6-288,0 16-64,0-5-128,0 21-32,0 12-32,0-22 32,0-6-64,0 3-32,0-5 32,3-3-32,-1-3 64,1 1 96,0-5-64,-1 0 0,-2-2 32,4-2 64,-1-3 32,0 0 96,-1-5 128,4 0 32,0 2-64,0-1 0,-1 0-96,3-4-32,1 0-96,-1-4 32,1 0-128,1-1 0,-2 2-32,1 0-64,-4-1 96,3 0 0,-1-1-320,-2 2-160,1-2-1024,0 5-416,-1-3-1120,-2 0-480,0-2-2239</inkml:trace>
         </inkml:traceGroup>
       </inkml:traceGroup>
     </inkml:traceGroup>
@@ -6341,12 +6448,12 @@
               </emma:one-of>
             </emma:emma>
           </inkml:annotationXML>
-          <inkml:trace contextRef="#ctx0" brushRef="#br0" timeOffset="2872">5772 15969 9216,'-13'-15'3520,"8"10"-1920,-5 2-544,10 3 1215,-4 0-479,0 0-160,-2 11-384,3-2-64,3 11-672,0 0 64,0 9 0,0-6-192,3 6-64,3-4-32,2-1-32,-3-4-64,5 20-32,-1-3-32,3-1 0,2 1-64,0-5-64,-4-4 32,3-3 32,0-4-96,1-1 0,0-5 96,4 2 32,0-6-128,4-2-32,-3-6 32,8-3 0,-3 0 32,2-3 0,-2 3 0,3-20 0,-6 3 0,3-15 64,-6 8-32,4-4 64,-3 3-64,-6-7-32,1 0 160,-4-5 32,-2 5 128,2-5 32,-1 5-32,-9-5-32,0 10-160,0-7-32,0 7-32,-5-1 32,1 2-64,0-2 64,-2 4-288,3 1-32,-2 2-736,0-4-256,0 5-928,5 8-320,10 0-1312,8 4-543,0 8-737</inkml:trace>
-          <inkml:trace contextRef="#ctx0" brushRef="#br0" timeOffset="4054">6574 15966 7680,'-28'-17'2880,"10"2"-1536,8-10-288,10 13 992,0-3-417,10-2-95,-5-12-96,-2 6-32,7-3-768,4-14 192,-6 8 128,2 3-160,8 1 0,0 4-320,9-1-64,2 2-160,6 6 0,10-7-160,-7 12 0,-7 1 32,6 6 64,9 5-96,-6 8-64,-8-5 64,-8 6 0,-8 3 32,-6-4 0,-1-3-64,-9 19-64,-5 16 32,-9-11 32,-2-9-32,0-17 64,3 2-128,-6 10 0,-11 5 32,2-6 64,0-2-96,10-17 0,4 1 32,1 13 0,-6 2 0,11-11 64,4 0-32,-2 0 128,6 4 32,0 1 64,0 3 64,0-1-96,10 1 32,-6 1-96,11 3 0,6 8-192,7 0 32,0 5 288,-1-5 96,-5 1-32,10 7-32,-3-4-128,1 4-32,-2-4-96,4 1-64,-4-5 32,-7-5-32,-2 2 0,-1-5 64,-4-4-256,-1 1-32,0-1-640,-3-4-320,-1-4-1504,1-4-608,-7-4-3200,7-9-2047,-14-3 3775</inkml:trace>
-          <inkml:trace contextRef="#ctx0" brushRef="#br0" timeOffset="3389">6560 15772 9472,'0'-4'3584,"0"0"-1920,0 4-1952,0 0 3807,0 8-1215,0 0-480,0 0-384,4-4-928,-4 0 64,4 13 0,2 12-128,-2 6 0,0 10-192,1-13 0,0-3-160,-1 3 0,0-3 32,2-1 64,-2-4-96,0 8 0,1-4-192,0 4 0,3 14-384,-2-11-96,-3 2-288,2-12 0,0-4-128,-5-21-1408,0-9-96,0-8-2751,5-7-1665,3-12 3168</inkml:trace>
-          <inkml:trace contextRef="#ctx0" brushRef="#br0" timeOffset="4738">7315 15476 8576,'-5'-3'3232,"5"6"-1728,0-3-704,0 0 992,0 0 31,0 9 161,0-6-320,0 5-64,0 4-896,0 5 160,5 15 32,-5 13-224,5-24-32,-1-6-192,0 19-32,2 12-224,-3 0-128,2-2-32,0-10-32,0-11 64,-1 6 32,0 3-32,2-12 32,-6 0-64,3-3-32,2-6 32,0 1-32,8 5 64,1-5 96,0 0 0,-1-4 0,0-5 32,5-6 96,2 3 0,3-11 0,-6-1 32,11-8 32,-6-1-32,10 0 32,-5 0-192,5 6-96,-3-2-32,1 2 32,17-2-32,-12 9-32,-3-1-544,-8 6-192,-8 3-1696,-16 0-6848</inkml:trace>
-          <inkml:trace contextRef="#ctx0" brushRef="#br0" timeOffset="5423">5103 16407 9216,'-10'-9'3520,"15"6"-1920,0-14-960,0 14 959,3-1-95,1-1 64,1-7-320,-2 1-128,6-6-608,4-3-96,-4 5-64,-1 7-192,6-1-96,-1 1 32,6-1 64,3 1-288,-5 1-128,1-1-928,-4-1-448,-6 6-1184,1 10-3775</inkml:trace>
-          <inkml:trace contextRef="#ctx0" brushRef="#br0" timeOffset="5776">5202 16092 6656,'-3'-5'2528,"3"2"-1344,0 3-192,0 0 1024,0 8-64,3-1 95,2 6-287,0-1-128,-1 0-896,1 0-96,0 8 32,0-4-256,3 16-64,1-2-288,1 6-32,-2-4-192,2-3-32,4 0-2016,-1-18-864,1-2-2719</inkml:trace>
+          <inkml:trace contextRef="#ctx0" brushRef="#br0" timeOffset="2872">5456 15904 9216,'-8'-14'3520,"5"9"-1920,-3 2-544,6 3 1215,-3 0-479,1 0-160,-2 11-384,2-3-64,2 11-672,0 0 64,0 9 0,0-7-192,2 7-64,2-4-32,1-1-32,-2-4-64,3 19-32,0-3-32,1-1 0,2 1-64,0-5-64,-3-3 32,3-3 32,-1-4-96,1-1 0,-1-5 96,4 2 32,-1-5-128,3-3-32,-2-5 32,5-3 0,-2 0 32,1-3 0,-1 3 0,2-19 0,-4 3 0,3-14 64,-5 7-32,3-4 64,-2 3-64,-4-6-32,1 0 160,-3-5 32,-1 4 128,1-4 32,0 5-32,-6-6-32,0 11-160,0-8-32,0 8-32,-3-2 32,0 3-64,1-3 64,-2 4-288,2 1-32,-1 2-736,0-3-256,0 4-928,3 7-320,6 1-1312,5 3-543,1 8-737</inkml:trace>
+          <inkml:trace contextRef="#ctx0" brushRef="#br0" timeOffset="4054">5961 15901 7680,'-18'-16'2880,"7"2"-1536,5-10-288,6 13 992,0-4-417,6-1-95,-3-11-96,-1 5-32,4-3-768,3-13 192,-4 8 128,1 2-160,6 1 0,-1 5-320,6-2-64,1 2-160,4 6 0,7-7-160,-5 12 0,-5 0 32,4 7 64,6 4-96,-4 7-64,-4-4 64,-6 6 0,-5 2 32,-4-3 0,0-4-64,-6 19-64,-3 15 32,-6-10 32,-1-9-32,0-17 64,1 3-128,-2 9 0,-8 5 32,1-5 64,0-3-96,7-16 0,2 2 32,1 11 0,-4 3 0,7-11 64,3 0-32,-2 0 128,4 3 32,0 2 64,0 3 64,0-2-96,6 2 32,-3 1-96,6 2 0,4 8-192,5 0 32,0 5 288,-1-5 96,-4 1-32,7 6-32,-1-3-128,0 4-32,-2-5-96,3 2-64,-2-5 32,-5-5-32,-1 3 0,-1-6 64,-2-3-256,-1 0-32,1 0-640,-3-4-320,0-4-1504,0-4-608,-4-4-3200,4-8-2047,-8-3 3775</inkml:trace>
+          <inkml:trace contextRef="#ctx0" brushRef="#br0" timeOffset="3389">5952 15717 9472,'0'-4'3584,"0"0"-1920,0 4-1952,0 0 3807,0 8-1215,0-1-480,0 1-384,3-4-928,-3 0 64,2 12 0,2 11-128,-2 7 0,1 8-192,0-11 0,0-4-160,0 4 0,-1-4 32,2 0 64,-1-4-96,-1 7 0,1-3-192,0 3 0,2 14-384,-1-11-96,-2 2-288,1-11 0,0-4-128,-3-20-1408,0-9-96,0-7-2751,4-7-1665,1-11 3168</inkml:trace>
+          <inkml:trace contextRef="#ctx0" brushRef="#br0" timeOffset="4738">6427 15436 8576,'-3'-3'3232,"3"6"-1728,0-3-704,0 0 992,0 0 31,0 8 161,0-5-320,0 5-64,0 3-896,0 5 160,3 15 32,-3 11-224,3-22-32,0-6-192,-1 19-32,2 10-224,-2 1-128,1-2-32,0-10-32,0-10 64,0 6 32,-1 2-32,2-11 32,-4 0-64,2-3-32,1-5 32,0 0-32,6 5 64,-1-4 96,1-1 0,-1-3 0,1-6 32,2-4 96,1 2 0,3-11 0,-4 0 32,6-8 32,-3-1-32,6 0 32,-3 0-192,3 6-96,-1-2-32,-1 1 32,12-1-32,-8 9-32,-2-2-544,-5 6-192,-5 3-1696,-10 0-6848</inkml:trace>
+          <inkml:trace contextRef="#ctx0" brushRef="#br0" timeOffset="5423">5036 16320 9216,'-7'-9'3520,"10"7"-1920,1-15-960,-1 15 959,2-2-95,0-1 64,2-6-320,-2 0-128,3-5-608,4-3-96,-3 5-64,-1 6-192,4 0-96,-1 0 32,4 0 64,2 0-288,-3 1-128,0 0-928,-2-2-448,-3 6-1184,-1 10-3775</inkml:trace>
+          <inkml:trace contextRef="#ctx0" brushRef="#br0" timeOffset="5776">5098 16021 6656,'-2'-5'2528,"2"2"-1344,0 3-192,0 0 1024,0 8-64,2-2 95,1 7-287,0-2-128,0 1-896,0-1-96,0 8 32,0-4-256,2 16-64,1-3-288,0 6-32,-1-3-192,1-4-32,3 1-2016,-1-18-864,1-1-2719</inkml:trace>
         </inkml:traceGroup>
       </inkml:traceGroup>
     </inkml:traceGroup>
@@ -8029,7 +8136,7 @@
           <a:p>
             <a:fld id="{C7B437E4-9023-4C30-BD7A-7EB9AF5FB2DE}" type="datetimeFigureOut">
               <a:rPr lang="en-US" smtClean="0"/>
-              <a:t>16-Nov-16</a:t>
+              <a:t>18-Nov-16</a:t>
             </a:fld>
             <a:endParaRPr lang="en-US"/>
           </a:p>
@@ -8197,7 +8304,7 @@
           <a:p>
             <a:fld id="{C7B437E4-9023-4C30-BD7A-7EB9AF5FB2DE}" type="datetimeFigureOut">
               <a:rPr lang="en-US" smtClean="0"/>
-              <a:t>16-Nov-16</a:t>
+              <a:t>18-Nov-16</a:t>
             </a:fld>
             <a:endParaRPr lang="en-US"/>
           </a:p>
@@ -8375,7 +8482,7 @@
           <a:p>
             <a:fld id="{C7B437E4-9023-4C30-BD7A-7EB9AF5FB2DE}" type="datetimeFigureOut">
               <a:rPr lang="en-US" smtClean="0"/>
-              <a:t>16-Nov-16</a:t>
+              <a:t>18-Nov-16</a:t>
             </a:fld>
             <a:endParaRPr lang="en-US"/>
           </a:p>
@@ -8543,7 +8650,7 @@
           <a:p>
             <a:fld id="{C7B437E4-9023-4C30-BD7A-7EB9AF5FB2DE}" type="datetimeFigureOut">
               <a:rPr lang="en-US" smtClean="0"/>
-              <a:t>16-Nov-16</a:t>
+              <a:t>18-Nov-16</a:t>
             </a:fld>
             <a:endParaRPr lang="en-US"/>
           </a:p>
@@ -8788,7 +8895,7 @@
           <a:p>
             <a:fld id="{C7B437E4-9023-4C30-BD7A-7EB9AF5FB2DE}" type="datetimeFigureOut">
               <a:rPr lang="en-US" smtClean="0"/>
-              <a:t>16-Nov-16</a:t>
+              <a:t>18-Nov-16</a:t>
             </a:fld>
             <a:endParaRPr lang="en-US"/>
           </a:p>
@@ -9017,7 +9124,7 @@
           <a:p>
             <a:fld id="{C7B437E4-9023-4C30-BD7A-7EB9AF5FB2DE}" type="datetimeFigureOut">
               <a:rPr lang="en-US" smtClean="0"/>
-              <a:t>16-Nov-16</a:t>
+              <a:t>18-Nov-16</a:t>
             </a:fld>
             <a:endParaRPr lang="en-US"/>
           </a:p>
@@ -9381,7 +9488,7 @@
           <a:p>
             <a:fld id="{C7B437E4-9023-4C30-BD7A-7EB9AF5FB2DE}" type="datetimeFigureOut">
               <a:rPr lang="en-US" smtClean="0"/>
-              <a:t>16-Nov-16</a:t>
+              <a:t>18-Nov-16</a:t>
             </a:fld>
             <a:endParaRPr lang="en-US"/>
           </a:p>
@@ -9498,7 +9605,7 @@
           <a:p>
             <a:fld id="{C7B437E4-9023-4C30-BD7A-7EB9AF5FB2DE}" type="datetimeFigureOut">
               <a:rPr lang="en-US" smtClean="0"/>
-              <a:t>16-Nov-16</a:t>
+              <a:t>18-Nov-16</a:t>
             </a:fld>
             <a:endParaRPr lang="en-US"/>
           </a:p>
@@ -9593,7 +9700,7 @@
           <a:p>
             <a:fld id="{C7B437E4-9023-4C30-BD7A-7EB9AF5FB2DE}" type="datetimeFigureOut">
               <a:rPr lang="en-US" smtClean="0"/>
-              <a:t>16-Nov-16</a:t>
+              <a:t>18-Nov-16</a:t>
             </a:fld>
             <a:endParaRPr lang="en-US"/>
           </a:p>
@@ -9868,7 +9975,7 @@
           <a:p>
             <a:fld id="{C7B437E4-9023-4C30-BD7A-7EB9AF5FB2DE}" type="datetimeFigureOut">
               <a:rPr lang="en-US" smtClean="0"/>
-              <a:t>16-Nov-16</a:t>
+              <a:t>18-Nov-16</a:t>
             </a:fld>
             <a:endParaRPr lang="en-US"/>
           </a:p>
@@ -10120,7 +10227,7 @@
           <a:p>
             <a:fld id="{C7B437E4-9023-4C30-BD7A-7EB9AF5FB2DE}" type="datetimeFigureOut">
               <a:rPr lang="en-US" smtClean="0"/>
-              <a:t>16-Nov-16</a:t>
+              <a:t>18-Nov-16</a:t>
             </a:fld>
             <a:endParaRPr lang="en-US"/>
           </a:p>
@@ -10331,7 +10438,7 @@
           <a:p>
             <a:fld id="{C7B437E4-9023-4C30-BD7A-7EB9AF5FB2DE}" type="datetimeFigureOut">
               <a:rPr lang="en-US" smtClean="0"/>
-              <a:t>16-Nov-16</a:t>
+              <a:t>18-Nov-16</a:t>
             </a:fld>
             <a:endParaRPr lang="en-US"/>
           </a:p>
@@ -11573,6 +11680,165 @@
             <p:ph type="title"/>
           </p:nvPr>
         </p:nvSpPr>
+        <p:spPr/>
+        <p:txBody>
+          <a:bodyPr/>
+          <a:lstStyle/>
+          <a:p>
+            <a:r>
+              <a:rPr lang="nb-NO" dirty="0"/>
+              <a:t>Komme i gang: ASP.NET </a:t>
+            </a:r>
+            <a:r>
+              <a:rPr lang="nb-NO" dirty="0" err="1"/>
+              <a:t>Core</a:t>
+            </a:r>
+            <a:endParaRPr lang="en-US" dirty="0"/>
+          </a:p>
+        </p:txBody>
+      </p:sp>
+      <p:sp>
+        <p:nvSpPr>
+          <p:cNvPr id="3" name="TextBox 2"/>
+          <p:cNvSpPr txBox="1"/>
+          <p:nvPr/>
+        </p:nvSpPr>
+        <p:spPr>
+          <a:xfrm>
+            <a:off x="838200" y="2014167"/>
+            <a:ext cx="8120333" cy="1938992"/>
+          </a:xfrm>
+          <a:prstGeom prst="rect">
+            <a:avLst/>
+          </a:prstGeom>
+          <a:noFill/>
+        </p:spPr>
+        <p:txBody>
+          <a:bodyPr wrap="square" rtlCol="0">
+            <a:spAutoFit/>
+          </a:bodyPr>
+          <a:lstStyle/>
+          <a:p>
+            <a:pPr marL="285750" indent="-285750">
+              <a:buFont typeface="Arial" panose="020B0604020202020204" pitchFamily="34" charset="0"/>
+              <a:buChar char="•"/>
+            </a:pPr>
+            <a:r>
+              <a:rPr lang="nb-NO" sz="2400" dirty="0" err="1"/>
+              <a:t>Yeoman</a:t>
+            </a:r>
+            <a:r>
+              <a:rPr lang="nb-NO" sz="2400" dirty="0"/>
+              <a:t> (Generator: «</a:t>
+            </a:r>
+            <a:r>
+              <a:rPr lang="nb-NO" sz="2400" dirty="0" err="1"/>
+              <a:t>aspnet</a:t>
+            </a:r>
+            <a:r>
+              <a:rPr lang="nb-NO" sz="2400" dirty="0"/>
+              <a:t>»)</a:t>
+            </a:r>
+          </a:p>
+          <a:p>
+            <a:pPr marL="285750" indent="-285750">
+              <a:buFont typeface="Arial" panose="020B0604020202020204" pitchFamily="34" charset="0"/>
+              <a:buChar char="•"/>
+            </a:pPr>
+            <a:r>
+              <a:rPr lang="nb-NO" sz="2400" dirty="0" err="1"/>
+              <a:t>yo</a:t>
+            </a:r>
+            <a:r>
+              <a:rPr lang="nb-NO" sz="2400" dirty="0"/>
+              <a:t> </a:t>
+            </a:r>
+            <a:r>
+              <a:rPr lang="nb-NO" sz="2400" dirty="0" err="1"/>
+              <a:t>aspnet</a:t>
+            </a:r>
+            <a:r>
+              <a:rPr lang="nb-NO" sz="2400" dirty="0"/>
+              <a:t> </a:t>
+            </a:r>
+            <a:r>
+              <a:rPr lang="nb-NO" sz="2400" dirty="0" err="1"/>
+              <a:t>webapi</a:t>
+            </a:r>
+            <a:endParaRPr lang="nb-NO" sz="2400" dirty="0"/>
+          </a:p>
+          <a:p>
+            <a:pPr marL="285750" indent="-285750">
+              <a:buFont typeface="Arial" panose="020B0604020202020204" pitchFamily="34" charset="0"/>
+              <a:buChar char="•"/>
+            </a:pPr>
+            <a:r>
+              <a:rPr lang="nb-NO" sz="2400" dirty="0"/>
+              <a:t>Veldig enkel og grei</a:t>
+            </a:r>
+          </a:p>
+          <a:p>
+            <a:pPr marL="285750" indent="-285750">
+              <a:buFont typeface="Arial" panose="020B0604020202020204" pitchFamily="34" charset="0"/>
+              <a:buChar char="•"/>
+            </a:pPr>
+            <a:r>
+              <a:rPr lang="nb-NO" sz="2400" dirty="0"/>
+              <a:t>Lett å forstå</a:t>
+            </a:r>
+          </a:p>
+          <a:p>
+            <a:pPr marL="285750" indent="-285750">
+              <a:buFont typeface="Arial" panose="020B0604020202020204" pitchFamily="34" charset="0"/>
+              <a:buChar char="•"/>
+            </a:pPr>
+            <a:r>
+              <a:rPr lang="nb-NO" sz="2400" dirty="0"/>
+              <a:t>Kjempefin å jobbe ut i fra</a:t>
+            </a:r>
+          </a:p>
+        </p:txBody>
+      </p:sp>
+    </p:spTree>
+    <p:extLst>
+      <p:ext uri="{BB962C8B-B14F-4D97-AF65-F5344CB8AC3E}">
+        <p14:creationId xmlns:p14="http://schemas.microsoft.com/office/powerpoint/2010/main" val="143732061"/>
+      </p:ext>
+    </p:extLst>
+  </p:cSld>
+  <p:clrMapOvr>
+    <a:masterClrMapping/>
+  </p:clrMapOvr>
+</p:sld>
+</file>
+
+<file path=ppt/slides/slide11.xml><?xml version="1.0" encoding="utf-8"?>
+<p:sld xmlns:a="http://schemas.openxmlformats.org/drawingml/2006/main" xmlns:r="http://schemas.openxmlformats.org/officeDocument/2006/relationships" xmlns:p="http://schemas.openxmlformats.org/presentationml/2006/main">
+  <p:cSld>
+    <p:spTree>
+      <p:nvGrpSpPr>
+        <p:cNvPr id="1" name=""/>
+        <p:cNvGrpSpPr/>
+        <p:nvPr/>
+      </p:nvGrpSpPr>
+      <p:grpSpPr>
+        <a:xfrm>
+          <a:off x="0" y="0"/>
+          <a:ext cx="0" cy="0"/>
+          <a:chOff x="0" y="0"/>
+          <a:chExt cx="0" cy="0"/>
+        </a:xfrm>
+      </p:grpSpPr>
+      <p:sp>
+        <p:nvSpPr>
+          <p:cNvPr id="2" name="Title 1"/>
+          <p:cNvSpPr>
+            <a:spLocks noGrp="1"/>
+          </p:cNvSpPr>
+          <p:nvPr>
+            <p:ph type="title"/>
+          </p:nvPr>
+        </p:nvSpPr>
         <p:spPr>
           <a:xfrm>
             <a:off x="0" y="0"/>
@@ -11726,7 +11992,7 @@
 </p:sld>
 </file>
 
-<file path=ppt/slides/slide11.xml><?xml version="1.0" encoding="utf-8"?>
+<file path=ppt/slides/slide12.xml><?xml version="1.0" encoding="utf-8"?>
 <p:sld xmlns:a="http://schemas.openxmlformats.org/drawingml/2006/main" xmlns:r="http://schemas.openxmlformats.org/officeDocument/2006/relationships" xmlns:p="http://schemas.openxmlformats.org/presentationml/2006/main">
   <p:cSld>
     <p:spTree>
@@ -12426,7 +12692,7 @@
 </p:sld>
 </file>
 
-<file path=ppt/slides/slide12.xml><?xml version="1.0" encoding="utf-8"?>
+<file path=ppt/slides/slide13.xml><?xml version="1.0" encoding="utf-8"?>
 <p:sld xmlns:a="http://schemas.openxmlformats.org/drawingml/2006/main" xmlns:r="http://schemas.openxmlformats.org/officeDocument/2006/relationships" xmlns:p="http://schemas.openxmlformats.org/presentationml/2006/main">
   <p:cSld>
     <p:spTree>
@@ -12602,7 +12868,7 @@
 </p:sld>
 </file>
 
-<file path=ppt/slides/slide13.xml><?xml version="1.0" encoding="utf-8"?>
+<file path=ppt/slides/slide14.xml><?xml version="1.0" encoding="utf-8"?>
 <p:sld xmlns:a="http://schemas.openxmlformats.org/drawingml/2006/main" xmlns:r="http://schemas.openxmlformats.org/officeDocument/2006/relationships" xmlns:p="http://schemas.openxmlformats.org/presentationml/2006/main">
   <p:cSld>
     <p:spTree>
@@ -12775,7 +13041,7 @@
 </p:sld>
 </file>
 
-<file path=ppt/slides/slide14.xml><?xml version="1.0" encoding="utf-8"?>
+<file path=ppt/slides/slide15.xml><?xml version="1.0" encoding="utf-8"?>
 <p:sld xmlns:a="http://schemas.openxmlformats.org/drawingml/2006/main" xmlns:r="http://schemas.openxmlformats.org/officeDocument/2006/relationships" xmlns:p="http://schemas.openxmlformats.org/presentationml/2006/main">
   <p:cSld>
     <p:spTree>
@@ -12951,162 +13217,6 @@
 </p:sld>
 </file>
 
-<file path=ppt/slides/slide15.xml><?xml version="1.0" encoding="utf-8"?>
-<p:sld xmlns:a="http://schemas.openxmlformats.org/drawingml/2006/main" xmlns:r="http://schemas.openxmlformats.org/officeDocument/2006/relationships" xmlns:p="http://schemas.openxmlformats.org/presentationml/2006/main">
-  <p:cSld>
-    <p:spTree>
-      <p:nvGrpSpPr>
-        <p:cNvPr id="1" name=""/>
-        <p:cNvGrpSpPr/>
-        <p:nvPr/>
-      </p:nvGrpSpPr>
-      <p:grpSpPr>
-        <a:xfrm>
-          <a:off x="0" y="0"/>
-          <a:ext cx="0" cy="0"/>
-          <a:chOff x="0" y="0"/>
-          <a:chExt cx="0" cy="0"/>
-        </a:xfrm>
-      </p:grpSpPr>
-      <p:sp>
-        <p:nvSpPr>
-          <p:cNvPr id="2" name="Title 1"/>
-          <p:cNvSpPr>
-            <a:spLocks noGrp="1"/>
-          </p:cNvSpPr>
-          <p:nvPr>
-            <p:ph type="title"/>
-          </p:nvPr>
-        </p:nvSpPr>
-        <p:spPr/>
-        <p:txBody>
-          <a:bodyPr/>
-          <a:lstStyle/>
-          <a:p>
-            <a:r>
-              <a:rPr lang="nb-NO" dirty="0"/>
-              <a:t>Hva med produksjon?</a:t>
-            </a:r>
-            <a:endParaRPr lang="en-US" dirty="0"/>
-          </a:p>
-        </p:txBody>
-      </p:sp>
-      <p:sp>
-        <p:nvSpPr>
-          <p:cNvPr id="3" name="TextBox 2"/>
-          <p:cNvSpPr txBox="1"/>
-          <p:nvPr/>
-        </p:nvSpPr>
-        <p:spPr>
-          <a:xfrm>
-            <a:off x="838200" y="2014167"/>
-            <a:ext cx="8120333" cy="3046988"/>
-          </a:xfrm>
-          <a:prstGeom prst="rect">
-            <a:avLst/>
-          </a:prstGeom>
-          <a:noFill/>
-        </p:spPr>
-        <p:txBody>
-          <a:bodyPr wrap="square" rtlCol="0">
-            <a:spAutoFit/>
-          </a:bodyPr>
-          <a:lstStyle/>
-          <a:p>
-            <a:pPr marL="285750" indent="-285750">
-              <a:buFont typeface="Arial" panose="020B0604020202020204" pitchFamily="34" charset="0"/>
-              <a:buChar char="•"/>
-            </a:pPr>
-            <a:r>
-              <a:rPr lang="nb-NO" sz="2400" dirty="0"/>
-              <a:t>.NET</a:t>
-            </a:r>
-          </a:p>
-          <a:p>
-            <a:pPr marL="742950" lvl="1" indent="-285750">
-              <a:buFont typeface="Arial" panose="020B0604020202020204" pitchFamily="34" charset="0"/>
-              <a:buChar char="•"/>
-            </a:pPr>
-            <a:r>
-              <a:rPr lang="nb-NO" sz="2400" dirty="0" err="1"/>
-              <a:t>dotnet</a:t>
-            </a:r>
-            <a:r>
-              <a:rPr lang="nb-NO" sz="2400" dirty="0"/>
-              <a:t> kommando</a:t>
-            </a:r>
-          </a:p>
-          <a:p>
-            <a:pPr marL="742950" lvl="1" indent="-285750">
-              <a:buFont typeface="Arial" panose="020B0604020202020204" pitchFamily="34" charset="0"/>
-              <a:buChar char="•"/>
-            </a:pPr>
-            <a:r>
-              <a:rPr lang="nb-NO" sz="2400" dirty="0" err="1"/>
-              <a:t>Heroku</a:t>
-            </a:r>
-            <a:endParaRPr lang="nb-NO" sz="2400" dirty="0"/>
-          </a:p>
-          <a:p>
-            <a:pPr marL="285750" indent="-285750">
-              <a:buFont typeface="Arial" panose="020B0604020202020204" pitchFamily="34" charset="0"/>
-              <a:buChar char="•"/>
-            </a:pPr>
-            <a:r>
-              <a:rPr lang="nb-NO" sz="2400" dirty="0"/>
-              <a:t>Node</a:t>
-            </a:r>
-          </a:p>
-          <a:p>
-            <a:pPr marL="742950" lvl="1" indent="-285750">
-              <a:buFont typeface="Arial" panose="020B0604020202020204" pitchFamily="34" charset="0"/>
-              <a:buChar char="•"/>
-            </a:pPr>
-            <a:r>
-              <a:rPr lang="nb-NO" sz="2400" dirty="0"/>
-              <a:t>node kommando</a:t>
-            </a:r>
-          </a:p>
-          <a:p>
-            <a:pPr marL="742950" lvl="1" indent="-285750">
-              <a:buFont typeface="Arial" panose="020B0604020202020204" pitchFamily="34" charset="0"/>
-              <a:buChar char="•"/>
-            </a:pPr>
-            <a:r>
-              <a:rPr lang="nb-NO" sz="2400" dirty="0" err="1"/>
-              <a:t>Heroku</a:t>
-            </a:r>
-            <a:endParaRPr lang="nb-NO" sz="2400" dirty="0"/>
-          </a:p>
-          <a:p>
-            <a:pPr marL="742950" lvl="1" indent="-285750">
-              <a:buFont typeface="Arial" panose="020B0604020202020204" pitchFamily="34" charset="0"/>
-              <a:buChar char="•"/>
-            </a:pPr>
-            <a:endParaRPr lang="nb-NO" sz="2400" dirty="0"/>
-          </a:p>
-          <a:p>
-            <a:pPr marL="285750" indent="-285750">
-              <a:buFont typeface="Arial" panose="020B0604020202020204" pitchFamily="34" charset="0"/>
-              <a:buChar char="•"/>
-            </a:pPr>
-            <a:endParaRPr lang="en-US" sz="2400" dirty="0"/>
-          </a:p>
-        </p:txBody>
-      </p:sp>
-    </p:spTree>
-    <p:extLst>
-      <p:ext uri="{BB962C8B-B14F-4D97-AF65-F5344CB8AC3E}">
-        <p14:creationId xmlns:p14="http://schemas.microsoft.com/office/powerpoint/2010/main" val="3355440752"/>
-      </p:ext>
-    </p:extLst>
-  </p:cSld>
-  <p:clrMapOvr>
-    <a:masterClrMapping/>
-  </p:clrMapOvr>
-</p:sld>
-</file>
-
 <file path=ppt/slides/slide16.xml><?xml version="1.0" encoding="utf-8"?>
 <p:sld xmlns:a="http://schemas.openxmlformats.org/drawingml/2006/main" xmlns:r="http://schemas.openxmlformats.org/officeDocument/2006/relationships" xmlns:p="http://schemas.openxmlformats.org/presentationml/2006/main">
   <p:cSld>
@@ -13141,6 +13251,162 @@
           <a:p>
             <a:r>
               <a:rPr lang="nb-NO" dirty="0"/>
+              <a:t>Hva med produksjon?</a:t>
+            </a:r>
+            <a:endParaRPr lang="en-US" dirty="0"/>
+          </a:p>
+        </p:txBody>
+      </p:sp>
+      <p:sp>
+        <p:nvSpPr>
+          <p:cNvPr id="3" name="TextBox 2"/>
+          <p:cNvSpPr txBox="1"/>
+          <p:nvPr/>
+        </p:nvSpPr>
+        <p:spPr>
+          <a:xfrm>
+            <a:off x="838200" y="2014167"/>
+            <a:ext cx="8120333" cy="3046988"/>
+          </a:xfrm>
+          <a:prstGeom prst="rect">
+            <a:avLst/>
+          </a:prstGeom>
+          <a:noFill/>
+        </p:spPr>
+        <p:txBody>
+          <a:bodyPr wrap="square" rtlCol="0">
+            <a:spAutoFit/>
+          </a:bodyPr>
+          <a:lstStyle/>
+          <a:p>
+            <a:pPr marL="285750" indent="-285750">
+              <a:buFont typeface="Arial" panose="020B0604020202020204" pitchFamily="34" charset="0"/>
+              <a:buChar char="•"/>
+            </a:pPr>
+            <a:r>
+              <a:rPr lang="nb-NO" sz="2400" dirty="0"/>
+              <a:t>.NET</a:t>
+            </a:r>
+          </a:p>
+          <a:p>
+            <a:pPr marL="742950" lvl="1" indent="-285750">
+              <a:buFont typeface="Arial" panose="020B0604020202020204" pitchFamily="34" charset="0"/>
+              <a:buChar char="•"/>
+            </a:pPr>
+            <a:r>
+              <a:rPr lang="nb-NO" sz="2400" dirty="0" err="1"/>
+              <a:t>dotnet</a:t>
+            </a:r>
+            <a:r>
+              <a:rPr lang="nb-NO" sz="2400" dirty="0"/>
+              <a:t> kommando</a:t>
+            </a:r>
+          </a:p>
+          <a:p>
+            <a:pPr marL="742950" lvl="1" indent="-285750">
+              <a:buFont typeface="Arial" panose="020B0604020202020204" pitchFamily="34" charset="0"/>
+              <a:buChar char="•"/>
+            </a:pPr>
+            <a:r>
+              <a:rPr lang="nb-NO" sz="2400" dirty="0" err="1"/>
+              <a:t>Heroku</a:t>
+            </a:r>
+            <a:endParaRPr lang="nb-NO" sz="2400" dirty="0"/>
+          </a:p>
+          <a:p>
+            <a:pPr marL="285750" indent="-285750">
+              <a:buFont typeface="Arial" panose="020B0604020202020204" pitchFamily="34" charset="0"/>
+              <a:buChar char="•"/>
+            </a:pPr>
+            <a:r>
+              <a:rPr lang="nb-NO" sz="2400" dirty="0"/>
+              <a:t>Node</a:t>
+            </a:r>
+          </a:p>
+          <a:p>
+            <a:pPr marL="742950" lvl="1" indent="-285750">
+              <a:buFont typeface="Arial" panose="020B0604020202020204" pitchFamily="34" charset="0"/>
+              <a:buChar char="•"/>
+            </a:pPr>
+            <a:r>
+              <a:rPr lang="nb-NO" sz="2400" dirty="0"/>
+              <a:t>node kommando</a:t>
+            </a:r>
+          </a:p>
+          <a:p>
+            <a:pPr marL="742950" lvl="1" indent="-285750">
+              <a:buFont typeface="Arial" panose="020B0604020202020204" pitchFamily="34" charset="0"/>
+              <a:buChar char="•"/>
+            </a:pPr>
+            <a:r>
+              <a:rPr lang="nb-NO" sz="2400" dirty="0" err="1"/>
+              <a:t>Heroku</a:t>
+            </a:r>
+            <a:endParaRPr lang="nb-NO" sz="2400" dirty="0"/>
+          </a:p>
+          <a:p>
+            <a:pPr marL="742950" lvl="1" indent="-285750">
+              <a:buFont typeface="Arial" panose="020B0604020202020204" pitchFamily="34" charset="0"/>
+              <a:buChar char="•"/>
+            </a:pPr>
+            <a:endParaRPr lang="nb-NO" sz="2400" dirty="0"/>
+          </a:p>
+          <a:p>
+            <a:pPr marL="285750" indent="-285750">
+              <a:buFont typeface="Arial" panose="020B0604020202020204" pitchFamily="34" charset="0"/>
+              <a:buChar char="•"/>
+            </a:pPr>
+            <a:endParaRPr lang="en-US" sz="2400" dirty="0"/>
+          </a:p>
+        </p:txBody>
+      </p:sp>
+    </p:spTree>
+    <p:extLst>
+      <p:ext uri="{BB962C8B-B14F-4D97-AF65-F5344CB8AC3E}">
+        <p14:creationId xmlns:p14="http://schemas.microsoft.com/office/powerpoint/2010/main" val="3355440752"/>
+      </p:ext>
+    </p:extLst>
+  </p:cSld>
+  <p:clrMapOvr>
+    <a:masterClrMapping/>
+  </p:clrMapOvr>
+</p:sld>
+</file>
+
+<file path=ppt/slides/slide17.xml><?xml version="1.0" encoding="utf-8"?>
+<p:sld xmlns:a="http://schemas.openxmlformats.org/drawingml/2006/main" xmlns:r="http://schemas.openxmlformats.org/officeDocument/2006/relationships" xmlns:p="http://schemas.openxmlformats.org/presentationml/2006/main">
+  <p:cSld>
+    <p:spTree>
+      <p:nvGrpSpPr>
+        <p:cNvPr id="1" name=""/>
+        <p:cNvGrpSpPr/>
+        <p:nvPr/>
+      </p:nvGrpSpPr>
+      <p:grpSpPr>
+        <a:xfrm>
+          <a:off x="0" y="0"/>
+          <a:ext cx="0" cy="0"/>
+          <a:chOff x="0" y="0"/>
+          <a:chExt cx="0" cy="0"/>
+        </a:xfrm>
+      </p:grpSpPr>
+      <p:sp>
+        <p:nvSpPr>
+          <p:cNvPr id="2" name="Title 1"/>
+          <p:cNvSpPr>
+            <a:spLocks noGrp="1"/>
+          </p:cNvSpPr>
+          <p:nvPr>
+            <p:ph type="title"/>
+          </p:nvPr>
+        </p:nvSpPr>
+        <p:spPr/>
+        <p:txBody>
+          <a:bodyPr/>
+          <a:lstStyle/>
+          <a:p>
+            <a:r>
+              <a:rPr lang="nb-NO" dirty="0"/>
               <a:t>Validering</a:t>
             </a:r>
             <a:endParaRPr lang="en-US" dirty="0"/>
@@ -13270,7 +13536,183 @@
 </p:sld>
 </file>
 
-<file path=ppt/slides/slide17.xml><?xml version="1.0" encoding="utf-8"?>
+<file path=ppt/slides/slide18.xml><?xml version="1.0" encoding="utf-8"?>
+<p:sld xmlns:a="http://schemas.openxmlformats.org/drawingml/2006/main" xmlns:r="http://schemas.openxmlformats.org/officeDocument/2006/relationships" xmlns:p="http://schemas.openxmlformats.org/presentationml/2006/main">
+  <p:cSld>
+    <p:spTree>
+      <p:nvGrpSpPr>
+        <p:cNvPr id="1" name=""/>
+        <p:cNvGrpSpPr/>
+        <p:nvPr/>
+      </p:nvGrpSpPr>
+      <p:grpSpPr>
+        <a:xfrm>
+          <a:off x="0" y="0"/>
+          <a:ext cx="0" cy="0"/>
+          <a:chOff x="0" y="0"/>
+          <a:chExt cx="0" cy="0"/>
+        </a:xfrm>
+      </p:grpSpPr>
+      <p:sp>
+        <p:nvSpPr>
+          <p:cNvPr id="2" name="Title 1"/>
+          <p:cNvSpPr>
+            <a:spLocks noGrp="1"/>
+          </p:cNvSpPr>
+          <p:nvPr>
+            <p:ph type="title"/>
+          </p:nvPr>
+        </p:nvSpPr>
+        <p:spPr>
+          <a:xfrm>
+            <a:off x="0" y="0"/>
+            <a:ext cx="12192000" cy="6858000"/>
+          </a:xfrm>
+        </p:spPr>
+        <p:txBody>
+          <a:bodyPr/>
+          <a:lstStyle/>
+          <a:p>
+            <a:pPr algn="ctr"/>
+            <a:r>
+              <a:rPr lang="nb-NO" dirty="0"/>
+              <a:t>DEMO: Validering</a:t>
+            </a:r>
+            <a:endParaRPr lang="en-US" dirty="0"/>
+          </a:p>
+        </p:txBody>
+      </p:sp>
+      <mc:AlternateContent xmlns:mc="http://schemas.openxmlformats.org/markup-compatibility/2006" xmlns:p14="http://schemas.microsoft.com/office/powerpoint/2010/main">
+        <mc:Choice Requires="p14">
+          <p:contentPart p14:bwMode="auto" r:id="rId2">
+            <p14:nvContentPartPr>
+              <p14:cNvPr id="3" name="Ink 2"/>
+              <p14:cNvContentPartPr/>
+              <p14:nvPr/>
+            </p14:nvContentPartPr>
+            <p14:xfrm>
+              <a:off x="5082234" y="4567055"/>
+              <a:ext cx="2891160" cy="1442160"/>
+            </p14:xfrm>
+          </p:contentPart>
+        </mc:Choice>
+        <mc:Fallback xmlns="">
+          <p:pic>
+            <p:nvPicPr>
+              <p:cNvPr id="3" name="Ink 2"/>
+              <p:cNvPicPr/>
+              <p:nvPr/>
+            </p:nvPicPr>
+            <p:blipFill>
+              <a:blip r:embed="rId3"/>
+              <a:stretch>
+                <a:fillRect/>
+              </a:stretch>
+            </p:blipFill>
+            <p:spPr>
+              <a:xfrm>
+                <a:off x="5073955" y="4555175"/>
+                <a:ext cx="2907718" cy="1462680"/>
+              </a:xfrm>
+              <a:prstGeom prst="rect">
+                <a:avLst/>
+              </a:prstGeom>
+            </p:spPr>
+          </p:pic>
+        </mc:Fallback>
+      </mc:AlternateContent>
+      <mc:AlternateContent xmlns:mc="http://schemas.openxmlformats.org/markup-compatibility/2006" xmlns:p14="http://schemas.microsoft.com/office/powerpoint/2010/main">
+        <mc:Choice Requires="p14">
+          <p:contentPart p14:bwMode="auto" r:id="rId4">
+            <p14:nvContentPartPr>
+              <p14:cNvPr id="4" name="Ink 3"/>
+              <p14:cNvContentPartPr/>
+              <p14:nvPr/>
+            </p14:nvContentPartPr>
+            <p14:xfrm>
+              <a:off x="5518194" y="5477135"/>
+              <a:ext cx="57600" cy="117360"/>
+            </p14:xfrm>
+          </p:contentPart>
+        </mc:Choice>
+        <mc:Fallback xmlns="">
+          <p:pic>
+            <p:nvPicPr>
+              <p:cNvPr id="4" name="Ink 3"/>
+              <p:cNvPicPr/>
+              <p:nvPr/>
+            </p:nvPicPr>
+            <p:blipFill>
+              <a:blip r:embed="rId5"/>
+              <a:stretch>
+                <a:fillRect/>
+              </a:stretch>
+            </p:blipFill>
+            <p:spPr>
+              <a:xfrm>
+                <a:off x="5508892" y="5464175"/>
+                <a:ext cx="80497" cy="141480"/>
+              </a:xfrm>
+              <a:prstGeom prst="rect">
+                <a:avLst/>
+              </a:prstGeom>
+            </p:spPr>
+          </p:pic>
+        </mc:Fallback>
+      </mc:AlternateContent>
+      <mc:AlternateContent xmlns:mc="http://schemas.openxmlformats.org/markup-compatibility/2006" xmlns:p14="http://schemas.microsoft.com/office/powerpoint/2010/main">
+        <mc:Choice Requires="p14">
+          <p:contentPart p14:bwMode="auto" r:id="rId6">
+            <p14:nvContentPartPr>
+              <p14:cNvPr id="5" name="Ink 4"/>
+              <p14:cNvContentPartPr/>
+              <p14:nvPr/>
+            </p14:nvContentPartPr>
+            <p14:xfrm>
+              <a:off x="4694154" y="6020015"/>
+              <a:ext cx="917280" cy="308520"/>
+            </p14:xfrm>
+          </p:contentPart>
+        </mc:Choice>
+        <mc:Fallback xmlns="">
+          <p:pic>
+            <p:nvPicPr>
+              <p:cNvPr id="5" name="Ink 4"/>
+              <p:cNvPicPr/>
+              <p:nvPr/>
+            </p:nvPicPr>
+            <p:blipFill>
+              <a:blip r:embed="rId7"/>
+              <a:stretch>
+                <a:fillRect/>
+              </a:stretch>
+            </p:blipFill>
+            <p:spPr>
+              <a:xfrm>
+                <a:off x="4683718" y="6005615"/>
+                <a:ext cx="945349" cy="338040"/>
+              </a:xfrm>
+              <a:prstGeom prst="rect">
+                <a:avLst/>
+              </a:prstGeom>
+            </p:spPr>
+          </p:pic>
+        </mc:Fallback>
+      </mc:AlternateContent>
+    </p:spTree>
+    <p:extLst>
+      <p:ext uri="{BB962C8B-B14F-4D97-AF65-F5344CB8AC3E}">
+        <p14:creationId xmlns:p14="http://schemas.microsoft.com/office/powerpoint/2010/main" val="555357773"/>
+      </p:ext>
+    </p:extLst>
+  </p:cSld>
+  <p:clrMapOvr>
+    <a:masterClrMapping/>
+  </p:clrMapOvr>
+</p:sld>
+</file>
+
+<file path=ppt/slides/slide19.xml><?xml version="1.0" encoding="utf-8"?>
 <p:sld xmlns:a="http://schemas.openxmlformats.org/drawingml/2006/main" xmlns:r="http://schemas.openxmlformats.org/officeDocument/2006/relationships" xmlns:p="http://schemas.openxmlformats.org/presentationml/2006/main">
   <p:cSld>
     <p:spTree>
@@ -13367,7 +13809,7 @@
         <p:spPr>
           <a:xfrm>
             <a:off x="838200" y="2014167"/>
-            <a:ext cx="8120333" cy="1938992"/>
+            <a:ext cx="8120333" cy="2677656"/>
           </a:xfrm>
           <a:prstGeom prst="rect">
             <a:avLst/>
@@ -13410,6 +13852,26 @@
             </a:r>
           </a:p>
           <a:p>
+            <a:pPr marL="285750" indent="-285750">
+              <a:buFont typeface="Arial" panose="020B0604020202020204" pitchFamily="34" charset="0"/>
+              <a:buChar char="•"/>
+            </a:pPr>
+            <a:r>
+              <a:rPr lang="nb-NO" sz="2400" dirty="0"/>
+              <a:t>Ikke like modent som Node for dette bruket</a:t>
+            </a:r>
+          </a:p>
+          <a:p>
+            <a:pPr marL="742950" lvl="1" indent="-285750">
+              <a:buFont typeface="Arial" panose="020B0604020202020204" pitchFamily="34" charset="0"/>
+              <a:buChar char="•"/>
+            </a:pPr>
+            <a:r>
+              <a:rPr lang="nb-NO" sz="2400" dirty="0"/>
+              <a:t>Men i noen tilfeller likevel bedre</a:t>
+            </a:r>
+          </a:p>
+          <a:p>
             <a:pPr marL="742950" lvl="1" indent="-285750">
               <a:buFont typeface="Arial" panose="020B0604020202020204" pitchFamily="34" charset="0"/>
               <a:buChar char="•"/>
@@ -13429,167 +13891,6 @@
     <p:extLst>
       <p:ext uri="{BB962C8B-B14F-4D97-AF65-F5344CB8AC3E}">
         <p14:creationId xmlns:p14="http://schemas.microsoft.com/office/powerpoint/2010/main" val="563831913"/>
-      </p:ext>
-    </p:extLst>
-  </p:cSld>
-  <p:clrMapOvr>
-    <a:masterClrMapping/>
-  </p:clrMapOvr>
-</p:sld>
-</file>
-
-<file path=ppt/slides/slide18.xml><?xml version="1.0" encoding="utf-8"?>
-<p:sld xmlns:a="http://schemas.openxmlformats.org/drawingml/2006/main" xmlns:r="http://schemas.openxmlformats.org/officeDocument/2006/relationships" xmlns:p="http://schemas.openxmlformats.org/presentationml/2006/main">
-  <p:cSld>
-    <p:spTree>
-      <p:nvGrpSpPr>
-        <p:cNvPr id="1" name=""/>
-        <p:cNvGrpSpPr/>
-        <p:nvPr/>
-      </p:nvGrpSpPr>
-      <p:grpSpPr>
-        <a:xfrm>
-          <a:off x="0" y="0"/>
-          <a:ext cx="0" cy="0"/>
-          <a:chOff x="0" y="0"/>
-          <a:chExt cx="0" cy="0"/>
-        </a:xfrm>
-      </p:grpSpPr>
-      <p:sp>
-        <p:nvSpPr>
-          <p:cNvPr id="2" name="Title 1"/>
-          <p:cNvSpPr>
-            <a:spLocks noGrp="1"/>
-          </p:cNvSpPr>
-          <p:nvPr>
-            <p:ph type="title"/>
-          </p:nvPr>
-        </p:nvSpPr>
-        <p:spPr/>
-        <p:txBody>
-          <a:bodyPr/>
-          <a:lstStyle/>
-          <a:p>
-            <a:r>
-              <a:rPr lang="nb-NO" dirty="0"/>
-              <a:t>Takk for meg</a:t>
-            </a:r>
-            <a:endParaRPr lang="en-US" dirty="0"/>
-          </a:p>
-        </p:txBody>
-      </p:sp>
-      <p:sp>
-        <p:nvSpPr>
-          <p:cNvPr id="126" name="TextBox 125"/>
-          <p:cNvSpPr txBox="1"/>
-          <p:nvPr/>
-        </p:nvSpPr>
-        <p:spPr>
-          <a:xfrm>
-            <a:off x="322053" y="6022826"/>
-            <a:ext cx="3180271" cy="461665"/>
-          </a:xfrm>
-          <a:prstGeom prst="rect">
-            <a:avLst/>
-          </a:prstGeom>
-          <a:noFill/>
-        </p:spPr>
-        <p:txBody>
-          <a:bodyPr wrap="square" rtlCol="0">
-            <a:spAutoFit/>
-          </a:bodyPr>
-          <a:lstStyle/>
-          <a:p>
-            <a:r>
-              <a:rPr lang="nb-NO" sz="2400" dirty="0">
-                <a:hlinkClick r:id="rId2"/>
-              </a:rPr>
-              <a:t>@</a:t>
-            </a:r>
-            <a:r>
-              <a:rPr lang="nb-NO" sz="2400" dirty="0" err="1">
-                <a:hlinkClick r:id="rId2"/>
-              </a:rPr>
-              <a:t>gjermundbjaanes</a:t>
-            </a:r>
-            <a:endParaRPr lang="en-US" sz="2400" dirty="0"/>
-          </a:p>
-        </p:txBody>
-      </p:sp>
-      <p:sp>
-        <p:nvSpPr>
-          <p:cNvPr id="127" name="TextBox 126"/>
-          <p:cNvSpPr txBox="1"/>
-          <p:nvPr/>
-        </p:nvSpPr>
-        <p:spPr>
-          <a:xfrm>
-            <a:off x="3917005" y="6022825"/>
-            <a:ext cx="3694794" cy="461665"/>
-          </a:xfrm>
-          <a:prstGeom prst="rect">
-            <a:avLst/>
-          </a:prstGeom>
-          <a:noFill/>
-        </p:spPr>
-        <p:txBody>
-          <a:bodyPr wrap="none" rtlCol="0">
-            <a:spAutoFit/>
-          </a:bodyPr>
-          <a:lstStyle/>
-          <a:p>
-            <a:r>
-              <a:rPr lang="nb-NO" sz="2400" dirty="0">
-                <a:hlinkClick r:id="rId3"/>
-              </a:rPr>
-              <a:t>www.gjermundbjaanes.com</a:t>
-            </a:r>
-            <a:endParaRPr lang="en-US" sz="2400" dirty="0"/>
-          </a:p>
-        </p:txBody>
-      </p:sp>
-      <p:sp>
-        <p:nvSpPr>
-          <p:cNvPr id="128" name="TextBox 127"/>
-          <p:cNvSpPr txBox="1"/>
-          <p:nvPr/>
-        </p:nvSpPr>
-        <p:spPr>
-          <a:xfrm>
-            <a:off x="8669411" y="6022827"/>
-            <a:ext cx="2684389" cy="461665"/>
-          </a:xfrm>
-          <a:prstGeom prst="rect">
-            <a:avLst/>
-          </a:prstGeom>
-          <a:noFill/>
-        </p:spPr>
-        <p:txBody>
-          <a:bodyPr wrap="none" rtlCol="0">
-            <a:spAutoFit/>
-          </a:bodyPr>
-          <a:lstStyle/>
-          <a:p>
-            <a:r>
-              <a:rPr lang="nb-NO" sz="2400" dirty="0">
-                <a:hlinkClick r:id="rId4"/>
-              </a:rPr>
-              <a:t>github.com/</a:t>
-            </a:r>
-            <a:r>
-              <a:rPr lang="nb-NO" sz="2400" dirty="0" err="1">
-                <a:hlinkClick r:id="rId4"/>
-              </a:rPr>
-              <a:t>bjaanes</a:t>
-            </a:r>
-            <a:endParaRPr lang="en-US" sz="2400" dirty="0"/>
-          </a:p>
-        </p:txBody>
-      </p:sp>
-    </p:spTree>
-    <p:extLst>
-      <p:ext uri="{BB962C8B-B14F-4D97-AF65-F5344CB8AC3E}">
-        <p14:creationId xmlns:p14="http://schemas.microsoft.com/office/powerpoint/2010/main" val="4272557608"/>
       </p:ext>
     </p:extLst>
   </p:cSld>
@@ -13959,6 +14260,167 @@
     <p:extLst>
       <p:ext uri="{BB962C8B-B14F-4D97-AF65-F5344CB8AC3E}">
         <p14:creationId xmlns:p14="http://schemas.microsoft.com/office/powerpoint/2010/main" val="532315870"/>
+      </p:ext>
+    </p:extLst>
+  </p:cSld>
+  <p:clrMapOvr>
+    <a:masterClrMapping/>
+  </p:clrMapOvr>
+</p:sld>
+</file>
+
+<file path=ppt/slides/slide20.xml><?xml version="1.0" encoding="utf-8"?>
+<p:sld xmlns:a="http://schemas.openxmlformats.org/drawingml/2006/main" xmlns:r="http://schemas.openxmlformats.org/officeDocument/2006/relationships" xmlns:p="http://schemas.openxmlformats.org/presentationml/2006/main">
+  <p:cSld>
+    <p:spTree>
+      <p:nvGrpSpPr>
+        <p:cNvPr id="1" name=""/>
+        <p:cNvGrpSpPr/>
+        <p:nvPr/>
+      </p:nvGrpSpPr>
+      <p:grpSpPr>
+        <a:xfrm>
+          <a:off x="0" y="0"/>
+          <a:ext cx="0" cy="0"/>
+          <a:chOff x="0" y="0"/>
+          <a:chExt cx="0" cy="0"/>
+        </a:xfrm>
+      </p:grpSpPr>
+      <p:sp>
+        <p:nvSpPr>
+          <p:cNvPr id="2" name="Title 1"/>
+          <p:cNvSpPr>
+            <a:spLocks noGrp="1"/>
+          </p:cNvSpPr>
+          <p:nvPr>
+            <p:ph type="title"/>
+          </p:nvPr>
+        </p:nvSpPr>
+        <p:spPr/>
+        <p:txBody>
+          <a:bodyPr/>
+          <a:lstStyle/>
+          <a:p>
+            <a:r>
+              <a:rPr lang="nb-NO" dirty="0"/>
+              <a:t>Takk for meg</a:t>
+            </a:r>
+            <a:endParaRPr lang="en-US" dirty="0"/>
+          </a:p>
+        </p:txBody>
+      </p:sp>
+      <p:sp>
+        <p:nvSpPr>
+          <p:cNvPr id="126" name="TextBox 125"/>
+          <p:cNvSpPr txBox="1"/>
+          <p:nvPr/>
+        </p:nvSpPr>
+        <p:spPr>
+          <a:xfrm>
+            <a:off x="322053" y="6022826"/>
+            <a:ext cx="3180271" cy="461665"/>
+          </a:xfrm>
+          <a:prstGeom prst="rect">
+            <a:avLst/>
+          </a:prstGeom>
+          <a:noFill/>
+        </p:spPr>
+        <p:txBody>
+          <a:bodyPr wrap="square" rtlCol="0">
+            <a:spAutoFit/>
+          </a:bodyPr>
+          <a:lstStyle/>
+          <a:p>
+            <a:r>
+              <a:rPr lang="nb-NO" sz="2400" dirty="0">
+                <a:hlinkClick r:id="rId2"/>
+              </a:rPr>
+              <a:t>@</a:t>
+            </a:r>
+            <a:r>
+              <a:rPr lang="nb-NO" sz="2400" dirty="0" err="1">
+                <a:hlinkClick r:id="rId2"/>
+              </a:rPr>
+              <a:t>gjermundbjaanes</a:t>
+            </a:r>
+            <a:endParaRPr lang="en-US" sz="2400" dirty="0"/>
+          </a:p>
+        </p:txBody>
+      </p:sp>
+      <p:sp>
+        <p:nvSpPr>
+          <p:cNvPr id="127" name="TextBox 126"/>
+          <p:cNvSpPr txBox="1"/>
+          <p:nvPr/>
+        </p:nvSpPr>
+        <p:spPr>
+          <a:xfrm>
+            <a:off x="3917005" y="6022825"/>
+            <a:ext cx="3694794" cy="461665"/>
+          </a:xfrm>
+          <a:prstGeom prst="rect">
+            <a:avLst/>
+          </a:prstGeom>
+          <a:noFill/>
+        </p:spPr>
+        <p:txBody>
+          <a:bodyPr wrap="none" rtlCol="0">
+            <a:spAutoFit/>
+          </a:bodyPr>
+          <a:lstStyle/>
+          <a:p>
+            <a:r>
+              <a:rPr lang="nb-NO" sz="2400" dirty="0">
+                <a:hlinkClick r:id="rId3"/>
+              </a:rPr>
+              <a:t>www.gjermundbjaanes.com</a:t>
+            </a:r>
+            <a:endParaRPr lang="en-US" sz="2400" dirty="0"/>
+          </a:p>
+        </p:txBody>
+      </p:sp>
+      <p:sp>
+        <p:nvSpPr>
+          <p:cNvPr id="128" name="TextBox 127"/>
+          <p:cNvSpPr txBox="1"/>
+          <p:nvPr/>
+        </p:nvSpPr>
+        <p:spPr>
+          <a:xfrm>
+            <a:off x="8669411" y="6022827"/>
+            <a:ext cx="2684389" cy="461665"/>
+          </a:xfrm>
+          <a:prstGeom prst="rect">
+            <a:avLst/>
+          </a:prstGeom>
+          <a:noFill/>
+        </p:spPr>
+        <p:txBody>
+          <a:bodyPr wrap="none" rtlCol="0">
+            <a:spAutoFit/>
+          </a:bodyPr>
+          <a:lstStyle/>
+          <a:p>
+            <a:r>
+              <a:rPr lang="nb-NO" sz="2400" dirty="0">
+                <a:hlinkClick r:id="rId4"/>
+              </a:rPr>
+              <a:t>github.com/</a:t>
+            </a:r>
+            <a:r>
+              <a:rPr lang="nb-NO" sz="2400" dirty="0" err="1">
+                <a:hlinkClick r:id="rId4"/>
+              </a:rPr>
+              <a:t>bjaanes</a:t>
+            </a:r>
+            <a:endParaRPr lang="en-US" sz="2400" dirty="0"/>
+          </a:p>
+        </p:txBody>
+      </p:sp>
+    </p:spTree>
+    <p:extLst>
+      <p:ext uri="{BB962C8B-B14F-4D97-AF65-F5344CB8AC3E}">
+        <p14:creationId xmlns:p14="http://schemas.microsoft.com/office/powerpoint/2010/main" val="4272557608"/>
       </p:ext>
     </p:extLst>
   </p:cSld>
@@ -15871,6 +16333,66 @@
           <a:chExt cx="0" cy="0"/>
         </a:xfrm>
       </p:grpSpPr>
+      <p:pic>
+        <p:nvPicPr>
+          <p:cNvPr id="4" name="Picture 3"/>
+          <p:cNvPicPr>
+            <a:picLocks noChangeAspect="1"/>
+          </p:cNvPicPr>
+          <p:nvPr/>
+        </p:nvPicPr>
+        <p:blipFill>
+          <a:blip r:embed="rId2">
+            <a:extLst>
+              <a:ext uri="{28A0092B-C50C-407E-A947-70E740481C1C}">
+                <a14:useLocalDpi xmlns:a14="http://schemas.microsoft.com/office/drawing/2010/main" val="0"/>
+              </a:ext>
+            </a:extLst>
+          </a:blip>
+          <a:stretch>
+            <a:fillRect/>
+          </a:stretch>
+        </p:blipFill>
+        <p:spPr>
+          <a:xfrm>
+            <a:off x="3344779" y="401053"/>
+            <a:ext cx="5502442" cy="5502442"/>
+          </a:xfrm>
+          <a:prstGeom prst="rect">
+            <a:avLst/>
+          </a:prstGeom>
+        </p:spPr>
+      </p:pic>
+    </p:spTree>
+    <p:extLst>
+      <p:ext uri="{BB962C8B-B14F-4D97-AF65-F5344CB8AC3E}">
+        <p14:creationId xmlns:p14="http://schemas.microsoft.com/office/powerpoint/2010/main" val="2992964695"/>
+      </p:ext>
+    </p:extLst>
+  </p:cSld>
+  <p:clrMapOvr>
+    <a:masterClrMapping/>
+  </p:clrMapOvr>
+</p:sld>
+</file>
+
+<file path=ppt/slides/slide5.xml><?xml version="1.0" encoding="utf-8"?>
+<p:sld xmlns:a="http://schemas.openxmlformats.org/drawingml/2006/main" xmlns:r="http://schemas.openxmlformats.org/officeDocument/2006/relationships" xmlns:p="http://schemas.openxmlformats.org/presentationml/2006/main">
+  <p:cSld>
+    <p:spTree>
+      <p:nvGrpSpPr>
+        <p:cNvPr id="1" name=""/>
+        <p:cNvGrpSpPr/>
+        <p:nvPr/>
+      </p:nvGrpSpPr>
+      <p:grpSpPr>
+        <a:xfrm>
+          <a:off x="0" y="0"/>
+          <a:ext cx="0" cy="0"/>
+          <a:chOff x="0" y="0"/>
+          <a:chExt cx="0" cy="0"/>
+        </a:xfrm>
+      </p:grpSpPr>
       <p:sp>
         <p:nvSpPr>
           <p:cNvPr id="2" name="Title 1"/>
@@ -15888,7 +16410,15 @@
           <a:p>
             <a:r>
               <a:rPr lang="nb-NO" dirty="0"/>
-              <a:t>Hva er egentlig REST </a:t>
+              <a:t>Hva er egentlig </a:t>
+            </a:r>
+            <a:r>
+              <a:rPr lang="nb-NO" dirty="0" err="1"/>
+              <a:t>RESTful</a:t>
+            </a:r>
+            <a:r>
+              <a:rPr lang="nb-NO" dirty="0"/>
+              <a:t> </a:t>
             </a:r>
             <a:r>
               <a:rPr lang="nb-NO" dirty="0" err="1"/>
@@ -15910,8 +16440,8 @@
         </p:nvSpPr>
         <p:spPr>
           <a:xfrm>
-            <a:off x="838200" y="2014167"/>
-            <a:ext cx="8120333" cy="1754326"/>
+            <a:off x="518303" y="1477890"/>
+            <a:ext cx="8120333" cy="2308324"/>
           </a:xfrm>
           <a:prstGeom prst="rect">
             <a:avLst/>
@@ -15929,8 +16459,12 @@
               <a:buChar char="•"/>
             </a:pPr>
             <a:r>
+              <a:rPr lang="nb-NO" dirty="0" err="1"/>
+              <a:t>Representational</a:t>
+            </a:r>
+            <a:r>
               <a:rPr lang="nb-NO" dirty="0"/>
-              <a:t>En del «regler»</a:t>
+              <a:t> State Transfer Application Programming Interface</a:t>
             </a:r>
           </a:p>
           <a:p>
@@ -15942,6 +16476,27 @@
               <a:rPr lang="nb-NO" dirty="0"/>
               <a:t>HTTP</a:t>
             </a:r>
+          </a:p>
+          <a:p>
+            <a:pPr marL="285750" indent="-285750">
+              <a:buFont typeface="Arial" panose="020B0604020202020204" pitchFamily="34" charset="0"/>
+              <a:buChar char="•"/>
+            </a:pPr>
+            <a:r>
+              <a:rPr lang="nb-NO" dirty="0"/>
+              <a:t>Klient-Server</a:t>
+            </a:r>
+          </a:p>
+          <a:p>
+            <a:pPr marL="285750" indent="-285750">
+              <a:buFont typeface="Arial" panose="020B0604020202020204" pitchFamily="34" charset="0"/>
+              <a:buChar char="•"/>
+            </a:pPr>
+            <a:r>
+              <a:rPr lang="nb-NO" dirty="0" err="1"/>
+              <a:t>Stateless</a:t>
+            </a:r>
+            <a:endParaRPr lang="nb-NO" dirty="0"/>
           </a:p>
           <a:p>
             <a:pPr marL="285750" indent="-285750">
@@ -16013,8 +16568,8 @@
               <p14:nvPr/>
             </p14:nvContentPartPr>
             <p14:xfrm>
-              <a:off x="2478016" y="3883630"/>
-              <a:ext cx="3787920" cy="937080"/>
+              <a:off x="2478016" y="3930316"/>
+              <a:ext cx="2382742" cy="890394"/>
             </p14:xfrm>
           </p:contentPart>
         </mc:Choice>
@@ -16033,8 +16588,8 @@
             </p:blipFill>
             <p:spPr>
               <a:xfrm>
-                <a:off x="2469376" y="3868156"/>
-                <a:ext cx="3811320" cy="962270"/>
+                <a:off x="2469376" y="3914840"/>
+                <a:ext cx="2406141" cy="915587"/>
               </a:xfrm>
               <a:prstGeom prst="rect">
                 <a:avLst/>
@@ -16052,8 +16607,8 @@
               <p14:nvPr/>
             </p14:nvContentPartPr>
             <p14:xfrm>
-              <a:off x="2493136" y="5491750"/>
-              <a:ext cx="3747960" cy="84960"/>
+              <a:off x="2493136" y="5495982"/>
+              <a:ext cx="2357606" cy="80727"/>
             </p14:xfrm>
           </p:contentPart>
         </mc:Choice>
@@ -16072,8 +16627,8 @@
             </p:blipFill>
             <p:spPr>
               <a:xfrm>
-                <a:off x="2483057" y="5475260"/>
-                <a:ext cx="3768118" cy="115072"/>
+                <a:off x="2483058" y="5479478"/>
+                <a:ext cx="2377763" cy="110865"/>
               </a:xfrm>
               <a:prstGeom prst="rect">
                 <a:avLst/>
@@ -16091,8 +16646,8 @@
               <p14:nvPr/>
             </p14:nvContentPartPr>
             <p14:xfrm>
-              <a:off x="2499256" y="5583550"/>
-              <a:ext cx="3807360" cy="1221120"/>
+              <a:off x="2499256" y="5644386"/>
+              <a:ext cx="2394970" cy="1160283"/>
             </p14:xfrm>
           </p:contentPart>
         </mc:Choice>
@@ -16111,8 +16666,8 @@
             </p:blipFill>
             <p:spPr>
               <a:xfrm>
-                <a:off x="2482338" y="5572030"/>
-                <a:ext cx="3844436" cy="1249920"/>
+                <a:off x="2482339" y="5632866"/>
+                <a:ext cx="2432043" cy="1189083"/>
               </a:xfrm>
               <a:prstGeom prst="rect">
                 <a:avLst/>
@@ -16130,8 +16685,8 @@
               <p14:nvPr/>
             </p14:nvContentPartPr>
             <p14:xfrm>
-              <a:off x="4829896" y="4712710"/>
-              <a:ext cx="1260360" cy="708120"/>
+              <a:off x="3868999" y="4782517"/>
+              <a:ext cx="792813" cy="672841"/>
             </p14:xfrm>
           </p:contentPart>
         </mc:Choice>
@@ -16150,8 +16705,8 @@
             </p:blipFill>
             <p:spPr>
               <a:xfrm>
-                <a:off x="4817300" y="4704430"/>
-                <a:ext cx="1280874" cy="733320"/>
+                <a:off x="3856403" y="4774237"/>
+                <a:ext cx="813326" cy="698041"/>
               </a:xfrm>
               <a:prstGeom prst="rect">
                 <a:avLst/>
@@ -16169,8 +16724,8 @@
               <p14:nvPr/>
             </p14:nvContentPartPr>
             <p14:xfrm>
-              <a:off x="2544256" y="4026550"/>
-              <a:ext cx="3721680" cy="2635200"/>
+              <a:off x="2544256" y="4157838"/>
+              <a:ext cx="2341075" cy="2503912"/>
             </p14:xfrm>
           </p:contentPart>
         </mc:Choice>
@@ -16189,8 +16744,8 @@
             </p:blipFill>
             <p:spPr>
               <a:xfrm>
-                <a:off x="2538136" y="4007110"/>
-                <a:ext cx="3744000" cy="2674800"/>
+                <a:off x="2536336" y="4138397"/>
+                <a:ext cx="2365555" cy="2543514"/>
               </a:xfrm>
               <a:prstGeom prst="rect">
                 <a:avLst/>
@@ -16208,8 +16763,8 @@
               <p14:nvPr/>
             </p14:nvContentPartPr>
             <p14:xfrm>
-              <a:off x="1685296" y="4853830"/>
-              <a:ext cx="1064880" cy="655560"/>
+              <a:off x="1685296" y="4886490"/>
+              <a:ext cx="669849" cy="622900"/>
             </p14:xfrm>
           </p:contentPart>
         </mc:Choice>
@@ -16228,8 +16783,8 @@
             </p:blipFill>
             <p:spPr>
               <a:xfrm>
-                <a:off x="1670896" y="4836550"/>
-                <a:ext cx="1097640" cy="690840"/>
+                <a:off x="1670898" y="4869207"/>
+                <a:ext cx="702604" cy="658186"/>
               </a:xfrm>
               <a:prstGeom prst="rect">
                 <a:avLst/>
@@ -16511,7 +17066,7 @@
 </p:sld>
 </file>
 
-<file path=ppt/slides/slide5.xml><?xml version="1.0" encoding="utf-8"?>
+<file path=ppt/slides/slide6.xml><?xml version="1.0" encoding="utf-8"?>
 <p:sld xmlns:a="http://schemas.openxmlformats.org/drawingml/2006/main" xmlns:r="http://schemas.openxmlformats.org/officeDocument/2006/relationships" xmlns:p="http://schemas.openxmlformats.org/presentationml/2006/main">
   <p:cSld>
     <p:spTree>
@@ -16679,7 +17234,7 @@
 </p:sld>
 </file>
 
-<file path=ppt/slides/slide6.xml><?xml version="1.0" encoding="utf-8"?>
+<file path=ppt/slides/slide7.xml><?xml version="1.0" encoding="utf-8"?>
 <p:sld xmlns:a="http://schemas.openxmlformats.org/drawingml/2006/main" xmlns:r="http://schemas.openxmlformats.org/officeDocument/2006/relationships" xmlns:p="http://schemas.openxmlformats.org/presentationml/2006/main">
   <p:cSld>
     <p:spTree>
@@ -17694,7 +18249,7 @@
 </p:sld>
 </file>
 
-<file path=ppt/slides/slide7.xml><?xml version="1.0" encoding="utf-8"?>
+<file path=ppt/slides/slide8.xml><?xml version="1.0" encoding="utf-8"?>
 <p:sld xmlns:a="http://schemas.openxmlformats.org/drawingml/2006/main" xmlns:r="http://schemas.openxmlformats.org/officeDocument/2006/relationships" xmlns:p="http://schemas.openxmlformats.org/presentationml/2006/main">
   <p:cSld>
     <p:spTree>
@@ -18094,7 +18649,7 @@
         <p:spPr>
           <a:xfrm>
             <a:off x="838200" y="2014167"/>
-            <a:ext cx="8120333" cy="2677656"/>
+            <a:ext cx="8120333" cy="3046988"/>
           </a:xfrm>
           <a:prstGeom prst="rect">
             <a:avLst/>
@@ -18188,6 +18743,16 @@
             <a:r>
               <a:rPr lang="nb-NO" sz="2400" dirty="0"/>
               <a:t> hjelper deg i stedet)</a:t>
+            </a:r>
+          </a:p>
+          <a:p>
+            <a:pPr marL="285750" indent="-285750">
+              <a:buFont typeface="Arial" panose="020B0604020202020204" pitchFamily="34" charset="0"/>
+              <a:buChar char="•"/>
+            </a:pPr>
+            <a:r>
+              <a:rPr lang="nb-NO" sz="2400" dirty="0"/>
+              <a:t>Prøvd meg frem og eksperimentert</a:t>
             </a:r>
           </a:p>
         </p:txBody>
@@ -18205,7 +18770,7 @@
 </p:sld>
 </file>
 
-<file path=ppt/slides/slide8.xml><?xml version="1.0" encoding="utf-8"?>
+<file path=ppt/slides/slide9.xml><?xml version="1.0" encoding="utf-8"?>
 <p:sld xmlns:a="http://schemas.openxmlformats.org/drawingml/2006/main" xmlns:r="http://schemas.openxmlformats.org/officeDocument/2006/relationships" xmlns:p="http://schemas.openxmlformats.org/presentationml/2006/main">
   <p:cSld>
     <p:spTree>
@@ -18254,7 +18819,7 @@
         <p:spPr>
           <a:xfrm>
             <a:off x="838200" y="2014167"/>
-            <a:ext cx="8120333" cy="1569660"/>
+            <a:ext cx="8120333" cy="2308324"/>
           </a:xfrm>
           <a:prstGeom prst="rect">
             <a:avLst/>
@@ -18275,6 +18840,36 @@
               <a:rPr lang="nb-NO" sz="2400" dirty="0" err="1"/>
               <a:t>Yeoman</a:t>
             </a:r>
+            <a:r>
+              <a:rPr lang="nb-NO" sz="2400" dirty="0"/>
+              <a:t> (Generator: «</a:t>
+            </a:r>
+            <a:r>
+              <a:rPr lang="nb-NO" sz="2400" dirty="0" err="1"/>
+              <a:t>api</a:t>
+            </a:r>
+            <a:r>
+              <a:rPr lang="nb-NO" sz="2400" dirty="0"/>
+              <a:t>»)</a:t>
+            </a:r>
+          </a:p>
+          <a:p>
+            <a:pPr marL="742950" lvl="1" indent="-285750">
+              <a:buFont typeface="Arial" panose="020B0604020202020204" pitchFamily="34" charset="0"/>
+              <a:buChar char="•"/>
+            </a:pPr>
+            <a:r>
+              <a:rPr lang="en-US" sz="2400" dirty="0"/>
+              <a:t>Yeoman generator for creating RESTful </a:t>
+            </a:r>
+            <a:r>
+              <a:rPr lang="en-US" sz="2400" dirty="0" err="1"/>
+              <a:t>NodeJS</a:t>
+            </a:r>
+            <a:r>
+              <a:rPr lang="en-US" sz="2400" dirty="0"/>
+              <a:t> APIs, using ES6, Mongoose and Express</a:t>
+            </a:r>
             <a:endParaRPr lang="nb-NO" sz="2400" dirty="0"/>
           </a:p>
           <a:p>
@@ -18283,6 +18878,10 @@
               <a:buChar char="•"/>
             </a:pPr>
             <a:r>
+              <a:rPr lang="nb-NO" sz="2400" dirty="0"/>
+              <a:t>Skrier bare «</a:t>
+            </a:r>
+            <a:r>
               <a:rPr lang="nb-NO" sz="2400" dirty="0" err="1"/>
               <a:t>yo</a:t>
             </a:r>
@@ -18294,7 +18893,10 @@
               <a:rPr lang="nb-NO" sz="2400" dirty="0" err="1"/>
               <a:t>api</a:t>
             </a:r>
-            <a:endParaRPr lang="nb-NO" sz="2400" dirty="0"/>
+            <a:r>
+              <a:rPr lang="nb-NO" sz="2400" dirty="0"/>
+              <a:t>» i terminalen</a:t>
+            </a:r>
           </a:p>
           <a:p>
             <a:pPr marL="285750" indent="-285750">
@@ -18303,7 +18905,7 @@
             </a:pPr>
             <a:r>
               <a:rPr lang="nb-NO" sz="2400" dirty="0"/>
-              <a:t>Noe kompleks løsning</a:t>
+              <a:t>Solid, men noe kompleks løsning</a:t>
             </a:r>
           </a:p>
           <a:p>
@@ -18374,146 +18976,6 @@
     <p:extLst>
       <p:ext uri="{BB962C8B-B14F-4D97-AF65-F5344CB8AC3E}">
         <p14:creationId xmlns:p14="http://schemas.microsoft.com/office/powerpoint/2010/main" val="2607743447"/>
-      </p:ext>
-    </p:extLst>
-  </p:cSld>
-  <p:clrMapOvr>
-    <a:masterClrMapping/>
-  </p:clrMapOvr>
-</p:sld>
-</file>
-
-<file path=ppt/slides/slide9.xml><?xml version="1.0" encoding="utf-8"?>
-<p:sld xmlns:a="http://schemas.openxmlformats.org/drawingml/2006/main" xmlns:r="http://schemas.openxmlformats.org/officeDocument/2006/relationships" xmlns:p="http://schemas.openxmlformats.org/presentationml/2006/main">
-  <p:cSld>
-    <p:spTree>
-      <p:nvGrpSpPr>
-        <p:cNvPr id="1" name=""/>
-        <p:cNvGrpSpPr/>
-        <p:nvPr/>
-      </p:nvGrpSpPr>
-      <p:grpSpPr>
-        <a:xfrm>
-          <a:off x="0" y="0"/>
-          <a:ext cx="0" cy="0"/>
-          <a:chOff x="0" y="0"/>
-          <a:chExt cx="0" cy="0"/>
-        </a:xfrm>
-      </p:grpSpPr>
-      <p:sp>
-        <p:nvSpPr>
-          <p:cNvPr id="2" name="Title 1"/>
-          <p:cNvSpPr>
-            <a:spLocks noGrp="1"/>
-          </p:cNvSpPr>
-          <p:nvPr>
-            <p:ph type="title"/>
-          </p:nvPr>
-        </p:nvSpPr>
-        <p:spPr/>
-        <p:txBody>
-          <a:bodyPr/>
-          <a:lstStyle/>
-          <a:p>
-            <a:r>
-              <a:rPr lang="nb-NO" dirty="0"/>
-              <a:t>Komme i gang: ASP.NET </a:t>
-            </a:r>
-            <a:r>
-              <a:rPr lang="nb-NO" dirty="0" err="1"/>
-              <a:t>Core</a:t>
-            </a:r>
-            <a:endParaRPr lang="en-US" dirty="0"/>
-          </a:p>
-        </p:txBody>
-      </p:sp>
-      <p:sp>
-        <p:nvSpPr>
-          <p:cNvPr id="3" name="TextBox 2"/>
-          <p:cNvSpPr txBox="1"/>
-          <p:nvPr/>
-        </p:nvSpPr>
-        <p:spPr>
-          <a:xfrm>
-            <a:off x="838200" y="2014167"/>
-            <a:ext cx="8120333" cy="1938992"/>
-          </a:xfrm>
-          <a:prstGeom prst="rect">
-            <a:avLst/>
-          </a:prstGeom>
-          <a:noFill/>
-        </p:spPr>
-        <p:txBody>
-          <a:bodyPr wrap="square" rtlCol="0">
-            <a:spAutoFit/>
-          </a:bodyPr>
-          <a:lstStyle/>
-          <a:p>
-            <a:pPr marL="285750" indent="-285750">
-              <a:buFont typeface="Arial" panose="020B0604020202020204" pitchFamily="34" charset="0"/>
-              <a:buChar char="•"/>
-            </a:pPr>
-            <a:r>
-              <a:rPr lang="nb-NO" sz="2400" dirty="0" err="1"/>
-              <a:t>Yeoman</a:t>
-            </a:r>
-            <a:endParaRPr lang="nb-NO" sz="2400" dirty="0"/>
-          </a:p>
-          <a:p>
-            <a:pPr marL="285750" indent="-285750">
-              <a:buFont typeface="Arial" panose="020B0604020202020204" pitchFamily="34" charset="0"/>
-              <a:buChar char="•"/>
-            </a:pPr>
-            <a:r>
-              <a:rPr lang="nb-NO" sz="2400" dirty="0" err="1"/>
-              <a:t>yo</a:t>
-            </a:r>
-            <a:r>
-              <a:rPr lang="nb-NO" sz="2400" dirty="0"/>
-              <a:t> </a:t>
-            </a:r>
-            <a:r>
-              <a:rPr lang="nb-NO" sz="2400" dirty="0" err="1"/>
-              <a:t>aspnet</a:t>
-            </a:r>
-            <a:endParaRPr lang="nb-NO" sz="2400" dirty="0"/>
-          </a:p>
-          <a:p>
-            <a:pPr marL="285750" indent="-285750">
-              <a:buFont typeface="Arial" panose="020B0604020202020204" pitchFamily="34" charset="0"/>
-              <a:buChar char="•"/>
-            </a:pPr>
-            <a:r>
-              <a:rPr lang="nb-NO" sz="2400" dirty="0"/>
-              <a:t>Velg Web API</a:t>
-            </a:r>
-          </a:p>
-          <a:p>
-            <a:pPr marL="285750" indent="-285750">
-              <a:buFont typeface="Arial" panose="020B0604020202020204" pitchFamily="34" charset="0"/>
-              <a:buChar char="•"/>
-            </a:pPr>
-            <a:r>
-              <a:rPr lang="nb-NO" sz="2400" dirty="0"/>
-              <a:t>Veldig enkel og grei</a:t>
-            </a:r>
-          </a:p>
-          <a:p>
-            <a:pPr marL="285750" indent="-285750">
-              <a:buFont typeface="Arial" panose="020B0604020202020204" pitchFamily="34" charset="0"/>
-              <a:buChar char="•"/>
-            </a:pPr>
-            <a:r>
-              <a:rPr lang="nb-NO" sz="2400" dirty="0"/>
-              <a:t>Kjempefin å jobbe ut i fra </a:t>
-            </a:r>
-          </a:p>
-        </p:txBody>
-      </p:sp>
-    </p:spTree>
-    <p:extLst>
-      <p:ext uri="{BB962C8B-B14F-4D97-AF65-F5344CB8AC3E}">
-        <p14:creationId xmlns:p14="http://schemas.microsoft.com/office/powerpoint/2010/main" val="143732061"/>
       </p:ext>
     </p:extLst>
   </p:cSld>

--- a/dotnet-core-foredrag.pptx
+++ b/dotnet-core-foredrag.pptx
@@ -20,11 +20,10 @@
     <p:sldId id="272" r:id="rId14"/>
     <p:sldId id="270" r:id="rId15"/>
     <p:sldId id="271" r:id="rId16"/>
-    <p:sldId id="274" r:id="rId17"/>
-    <p:sldId id="278" r:id="rId18"/>
-    <p:sldId id="279" r:id="rId19"/>
-    <p:sldId id="276" r:id="rId20"/>
-    <p:sldId id="277" r:id="rId21"/>
+    <p:sldId id="278" r:id="rId17"/>
+    <p:sldId id="279" r:id="rId18"/>
+    <p:sldId id="276" r:id="rId19"/>
+    <p:sldId id="277" r:id="rId20"/>
   </p:sldIdLst>
   <p:sldSz cx="12192000" cy="6858000"/>
   <p:notesSz cx="6858000" cy="9144000"/>
@@ -484,6 +483,223 @@
           <inkml:channelProperty channel="F" name="resolution" value="0" units="1/dev"/>
         </inkml:channelProperties>
       </inkml:inkSource>
+      <inkml:timestamp xml:id="ts0" timeString="2016-11-16T07:02:53.184"/>
+    </inkml:context>
+    <inkml:brush xml:id="br0">
+      <inkml:brushProperty name="width" value="0.06667" units="cm"/>
+      <inkml:brushProperty name="height" value="0.06667" units="cm"/>
+    </inkml:brush>
+  </inkml:definitions>
+  <inkml:traceGroup>
+    <inkml:annotationXML>
+      <emma:emma xmlns:emma="http://www.w3.org/2003/04/emma" version="1.0">
+        <emma:interpretation id="{564254FE-135A-4472-B714-AB1A9B556DEB}" emma:medium="tactile" emma:mode="ink">
+          <msink:context xmlns:msink="http://schemas.microsoft.com/ink/2010/main" type="writingRegion" rotatedBoundingBox="17825,7113 29346,6803 29546,14239 18025,14549"/>
+        </emma:interpretation>
+      </emma:emma>
+    </inkml:annotationXML>
+    <inkml:traceGroup>
+      <inkml:annotationXML>
+        <emma:emma xmlns:emma="http://www.w3.org/2003/04/emma" version="1.0">
+          <emma:interpretation id="{C8FB1F6A-8394-4C13-A34F-67A1BA425517}" emma:medium="tactile" emma:mode="ink">
+            <msink:context xmlns:msink="http://schemas.microsoft.com/ink/2010/main" type="paragraph" rotatedBoundingBox="18010,6991 29433,7307 29350,10292 17928,9976" alignmentLevel="1"/>
+          </emma:interpretation>
+        </emma:emma>
+      </inkml:annotationXML>
+      <inkml:traceGroup>
+        <inkml:annotationXML>
+          <emma:emma xmlns:emma="http://www.w3.org/2003/04/emma" version="1.0">
+            <emma:interpretation id="{86E193AB-9556-42F3-B285-46E4C751639F}" emma:medium="tactile" emma:mode="ink">
+              <msink:context xmlns:msink="http://schemas.microsoft.com/ink/2010/main" type="inkBullet" rotatedBoundingBox="17924,9212 18407,9199 18428,9968 17945,9981"/>
+            </emma:interpretation>
+            <emma:one-of disjunction-type="recognition" id="oneOf0">
+              <emma:interpretation id="interp0" emma:lang="nb-NO" emma:confidence="0">
+                <emma:literal>•</emma:literal>
+              </emma:interpretation>
+            </emma:one-of>
+          </emma:emma>
+        </inkml:annotationXML>
+        <inkml:trace contextRef="#ctx0" brushRef="#br0">18312 11149 5888,'-48'14'2272,"48"-14"-1216,-39-24-384,33 24 800,2-21-288,-2 7-32,-6-30-32,8 5 32,-2-14-641,0 9 257,6-33 128,0 8-224,16-14 32,2 6-416,15-2-96,-7 10-64,19 30 0,-7 5 64,7 30 32,-9 0-96,8 32-32,-11-3-32,5 19 32,-3-5 0,-9 13 96,-4-7-96,-12 18-64,3-15 0,-20 17-32,1-12 544,-26-5 288,0-3-224,-29-10-32,12-7-256,-11-28-64,5 0-192,6-35-64,11 7-1984,16-10-800,-1 3-3487</inkml:trace>
+      </inkml:traceGroup>
+      <inkml:traceGroup>
+        <inkml:annotationXML>
+          <emma:emma xmlns:emma="http://www.w3.org/2003/04/emma" version="1.0">
+            <emma:interpretation id="{DFF74548-A528-4E3B-A019-63A930ED473F}" emma:medium="tactile" emma:mode="ink">
+              <msink:context xmlns:msink="http://schemas.microsoft.com/ink/2010/main" type="line" rotatedBoundingBox="19554,7034 29433,7307 29372,9522 19493,9248"/>
+            </emma:interpretation>
+          </emma:emma>
+        </inkml:annotationXML>
+        <inkml:traceGroup>
+          <inkml:annotationXML>
+            <emma:emma xmlns:emma="http://www.w3.org/2003/04/emma" version="1.0">
+              <emma:interpretation id="{EE4FE493-38B4-453A-96AA-39DBFEA24F4C}" emma:medium="tactile" emma:mode="ink">
+                <msink:context xmlns:msink="http://schemas.microsoft.com/ink/2010/main" type="inkWord" rotatedBoundingBox="19554,7034 21239,7081 21190,8861 19505,8814"/>
+              </emma:interpretation>
+              <emma:one-of disjunction-type="recognition" id="oneOf1">
+                <emma:interpretation id="interp1" emma:lang="nb-NO" emma:confidence="0">
+                  <emma:literal>Is</emma:literal>
+                </emma:interpretation>
+                <emma:interpretation id="interp2" emma:lang="nb-NO" emma:confidence="0">
+                  <emma:literal>Is,</emma:literal>
+                </emma:interpretation>
+                <emma:interpretation id="interp3" emma:lang="nb-NO" emma:confidence="0">
+                  <emma:literal>'is</emma:literal>
+                </emma:interpretation>
+                <emma:interpretation id="interp4" emma:lang="nb-NO" emma:confidence="0">
+                  <emma:literal>"is</emma:literal>
+                </emma:interpretation>
+                <emma:interpretation id="interp5" emma:lang="nb-NO" emma:confidence="0">
+                  <emma:literal>I's</emma:literal>
+                </emma:interpretation>
+              </emma:one-of>
+            </emma:emma>
+          </inkml:annotationXML>
+          <inkml:trace contextRef="#ctx0" brushRef="#br0" timeOffset="197755">20648 8623 6016,'-33'-36'2272,"33"36"-1216,-27-51-544,27 44 704,-19-15-640,7 6-224,-15-33-224,8 8-128,-7-9 32,-1 4-1536,-4 10-576,-3 2-864</inkml:trace>
+          <inkml:trace contextRef="#ctx0" brushRef="#br0" timeOffset="198807">20068 9758 7424,'-26'-4'2816,"26"4"-1536,-27-8-160,27 8 1088,-19 0-832,0 0-353,-8-10-735,1-2-256,-1-4-32,3-4-192,-3 4 64,1-6-2623,7 2-1153,-1 4-96</inkml:trace>
+          <inkml:trace contextRef="#ctx0" brushRef="#br0" timeOffset="198175">20087 8936 6912,'-45'-12'2624,"45"12"-1408,-53-58-640,48 52 736,-14 0-672,-3 2-192,-2-8-640,-3 4-224,1 8-2240,-1 0-960,-4-16 768,4-1 416</inkml:trace>
+          <inkml:trace contextRef="#ctx0" brushRef="#br0" timeOffset="-23880">20728 9586 7424,'-2'1'2816,"2"0"-1536,-1-2-288,1 1 1024,0 0-128,0 0-1,0 0-351,0 0-160,0 0-768,0 0 192,0 0 160,0 0-384,1-1-64,1-1-192,1-2 32,-2 0-64,5 0 0,-2 0-160,4 0-32,0 1 32,3-2 0,-1 0-64,1 1 32,-1 1-128,3-5 0,-4 2 32,3 0 64,-2 3-32,0-1-32,0 0 160,-2 3 32,-1 0 0,-1 0 32,-2-1-64,0 0 64,-1 2-128,1-2-64,-1 1 64,0 1 0,0 0-32,0 3 32,-2-1-64,4 1-32,-3-1 32,1 6 32,0-2 32,1 3 32,0 2-64,0 0-64,1 2 32,-1 2-32,0 1 64,1 2 32,0 0-32,0-8-64,-3-3-64,2 4 32,1-1 32,0 6 0,0-4 0,0 4 0,3 3 416,-2 2 256,0 0-672,0-1-352,0 0 64,-2-3 128,0 1 64,-1-8 32,0-2 64,-1 6 0,1-3 64,-1 2 32,-1-1-32,-1-1-64,0-2 32,-3 1 32,0-1 160,-1 2 192,0-3-512,-3 2-160,1-1 192,-2 0 96,-5-1 192,5-2 128,0-3-192,-6-2-32,2 1 0,-6-2 0,4 0-160,-1 0 32,1 0 0,1 0 0,2 0-704,1-2-320,0 1-1536,4-4-672,2 1-3935</inkml:trace>
+          <inkml:trace contextRef="#ctx0" brushRef="#br0" timeOffset="-22997">21236 9449 13312,'-12'2'4927,"12"-2"-2687,-8 2-1472,6-2 1280,0 0-640,0 0-160,-3 1-288,0-1-64,1 1-512,0 0 128,0 1 64,2-1-128,-3 3 64,2-2-160,-1 2-32,1 0-192,0 0-32,1-2-32,2 10 32,-2-1-64,2-1-32,0-1-64,0-1 32,0 0 32,2 1 0,2-2-96,2 3 0,8 3 128,-4-6 32,-2 0 0,6 0-64,-2 0 32,4-1-32,-4-1-96,4 2 64,2 4 96,-4-5 32,-4-2-32,0 3-64,-2-1 32,0 1-32,0-3 0,0 3 0,-2-2 0,2 5 0,-1-1-96,0 4 64,-1-1 96,0 3 96,4 10-128,-5-6-32,0-4 0,-1 3 0,0-4 0,0 3 0,-2-2 0,-2 4 0,0 3 64,-4-2 32,-2-3 32,2-7 64,-1-1-32,-4-2 64,-5 1-128,3-3 0,2-2-96,-6 2-32,4-3-672,-3-1-256,-8 0-3808,8-5-1664</inkml:trace>
+        </inkml:traceGroup>
+        <inkml:traceGroup>
+          <inkml:annotationXML>
+            <emma:emma xmlns:emma="http://www.w3.org/2003/04/emma" version="1.0">
+              <emma:interpretation id="{E8A6C265-8795-4465-9F0B-21E70793694E}" emma:medium="tactile" emma:mode="ink">
+                <msink:context xmlns:msink="http://schemas.microsoft.com/ink/2010/main" type="inkWord" rotatedBoundingBox="24877,9085 25578,7544 26724,8065 26023,9606"/>
+              </emma:interpretation>
+              <emma:one-of disjunction-type="recognition" id="oneOf2">
+                <emma:interpretation id="interp6" emma:lang="nb-NO" emma:confidence="0">
+                  <emma:literal>tvett</emma:literal>
+                </emma:interpretation>
+                <emma:interpretation id="interp7" emma:lang="nb-NO" emma:confidence="0">
+                  <emma:literal>sveif</emma:literal>
+                </emma:interpretation>
+                <emma:interpretation id="interp8" emma:lang="nb-NO" emma:confidence="0">
+                  <emma:literal>*Nerf</emma:literal>
+                </emma:interpretation>
+                <emma:interpretation id="interp9" emma:lang="nb-NO" emma:confidence="0">
+                  <emma:literal>kro:</emma:literal>
+                </emma:interpretation>
+                <emma:interpretation id="interp10" emma:lang="nb-NO" emma:confidence="0">
+                  <emma:literal>kø:</emma:literal>
+                </emma:interpretation>
+              </emma:one-of>
+            </emma:emma>
+          </inkml:annotationXML>
+          <inkml:trace contextRef="#ctx0" brushRef="#br0" timeOffset="-18441">25999 9533 11136,'1'0'4128,"3"3"-2241,-2 1-1439,0 0 992,-1 5-320,0 1 64,1 3-320,0 3-64,-1 2-448,0 1-64,1 2-64,-1 0-96,2 1-32,-1-2-32,2-1-64,-2-3 32,1-1-32,0-2 0,0 0 0,1-2 64,0-1 96,1-3-64,0 0 0,1-2 96,-1-3 32,3-1 32,-2-2 64,4 0-32,-1-1 0,-2-2-160,0 0-32,0 0-32,0 1-64,0-3 32,1 4-32,-2-2-352,2 3-96,-3-2-896,1 1-416,-2-3-2400,-3-2-1887</inkml:trace>
+          <inkml:trace contextRef="#ctx0" brushRef="#br0" timeOffset="-17458">26305 9388 9472,'1'0'3584,"3"-2"-1920,-1 0-672,0 2 1183,0 1-447,2 2-64,2 1-160,-1 2 0,0 2-832,-1 5 256,1 2 64,-1 5-256,1 3-96,0 4-224,1 5-96,2 0-192,-1 2-32,2-1-32,-2-4-64,1-1-64,-2-4 32,0-4-256,-2-4-128,0-5-416,-2-4-128,-3-7-896,0-3-416,-2-2-2112,0-3-927,-2 1 383</inkml:trace>
+          <inkml:trace contextRef="#ctx0" brushRef="#br0" timeOffset="-19709">25638 9574 3840,'0'-4'1472,"1"4"-768,-1-8 384,0 7 736,1-1 128,1-1 64,-2 0-96,2 1-97,-2 1-991,0 1 416,-2 0 192,0 2-64,1 1 32,-2 1-352,1-1-96,0 3-192,-1 1-32,2 5-192,1 5 0,0 2-256,0 0-32,1 3-64,1 2 32,1 1-64,-1 6 64,1 1-64,0 1 0,1 1-96,0 1 32,1-5-128,-1-3 0,0 0 32,2-5 0,-2-1-96,0-4 64,2-3-320,-2-2-96,1-2-416,-1-4-96,-2-1-704,1-5-288,0-5-704,0-1-352,0-6-2527</inkml:trace>
+          <inkml:trace contextRef="#ctx0" brushRef="#br0" timeOffset="-18995">25677 9632 7808,'0'-8'2880,"1"4"-1536,-2-4-288,1 6 992,0-2-65,0-3 65,0 4-288,0-1-128,0 2-896,0 0 64,0 2 64,3 4-288,-1 2 0,2 4-256,0 2-64,0 1-64,0 2-32,0 2-32,0 2 0,4 0-64,-2 2 32,2 2 0,0 3 32,2-1-160,0-1 32,2 1 0,-2 2 64,0-5-32,4 0-32,-4-4 32,2 0-32,0-3-96,-2-3 0,0-1 64,-1-4 64,-2-1 0,0-2 64,0-2-128,-1-5 0,-2-4 32,0-2 64,0-3-32,0-3-32,0-4 32,-2-3-32,2-5 0,-4-3 0,0-3 64,0-3 96,-4-4 0,-2 0 0,2 2-96,0 3-64,0 2 96,0 4 0,1 5-32,0 3 32,1 2-128,2 3 0,-4 3 32,3 3 0,1 3-448,0 0-160,0 4-1024,1 0-480,1 2-1504,-2 1-639,2 3-1281</inkml:trace>
+          <inkml:trace contextRef="#ctx0" brushRef="#br0" timeOffset="-17077">26178 9406 8576,'-11'3'3232,"8"-2"-1728,0 0-288,3-1 1183,0 0-703,1 0-224,4-1 256,2-2 128,3 0-960,1-3 128,4 0 64,1 1-224,0 2-96,1-1-448,1 1-128,1 2-128,-1-2 32,-2 2-704,9-5-288,3-1-1600,-1-4-640,-1 1-3711</inkml:trace>
+          <inkml:trace contextRef="#ctx0" brushRef="#br0" timeOffset="-34541">26119 8864 3328,'-5'3'1216,"5"-3"-640,-6-3 160,6 3 576,0 0 224,0 0 192,-5 0-256,2 0-96,-10 8-768,-1-4 192,-4 8 96,-1-4-128,-4 4-1,1 1-127,-10-1-32,8-1-128,-3 1-32,5 0-192,-6 5 0,1-5-96,0 5 64,3-1 64,-2 8 64,4-4-96,-7 12 0,7-4-160,-5 4 0,4-2-32,-4 10 32,3-4-64,2 5-32,4-9 32,-1 9-32,6-9 0,-1 4 0,1-4 0,0 14 0,2-6 0,3 9 0,-2-6 0,7 10 0,-2-8 0,-1 13 0,3-15 0,-2 10 0,5-9 0,0 6 64,0-10-32,5 0-32,-2-8-64,8 12 32,-3-7 32,5 0 0,1-5 64,4 5 96,1-10-64,4 7 0,-6-6-32,12 4-64,-7-8 32,10 4 32,-5-4 32,10-4 32,-5 0-64,5-3 32,-7-5-64,7 1-32,-5-6 32,0-2 32,-5-1-96,5-13 0,0 6 96,8-14 96,-3 5-64,8-8 0,-2 3-32,2-7-64,-10 4 32,11-12 32,-9 4-32,3-10 64,-3 10-64,0-7-32,-5 3 32,-2-9-32,-1 8 0,-7-11 64,1 7-32,-4-12-32,-2 9 96,-2-9 0,-2 5-32,1-4-64,-6 7 32,-3-11 32,0 7 96,-5-4 128,0 8-64,-10-11 32,2 8-160,-11-12 0,6 6 96,-11-6 32,6 8-32,-4 0-32,3 7 32,-8-8 32,4 9-32,-17 0 32,3 2 0,-9 10 32,6 4-64,-6 8 32,9 0-128,-3 0 0,3 4-32,2 4-64,3-1-672,3 6-352,7-3-1888,9 3-768,-1-2-2655</inkml:trace>
+          <inkml:trace contextRef="#ctx0" brushRef="#br0" timeOffset="-20477">25563 10054 8064,'-5'0'3072,"5"0"-1664,0 3 384,0-3 1407,0 2-511,-3 3-192,3 0-672,-3 0-256,3-3-896,-3 4-128,3-4 0,0 1-288,0-3-64,0 0-128,-3-3-64,0 1-1024,3-6-448,0 3-2784,3-2-1151,-3 4-545</inkml:trace>
+          <inkml:trace contextRef="#ctx0" brushRef="#br0" timeOffset="-18177">26046 9663 8448,'-4'-2'3232,"6"0"-1728,1-5-192,0 5 1247,0-2-639,2-1-128,1-1-416,0-2-160,1 3-672,0 0-192,3 3-96,-3-1-128,2 2-32,-3 0-32,0 1 32,0 0-768,0-2-352,-1 2-1152,-1-1-480,1 0-3103</inkml:trace>
+          <inkml:trace contextRef="#ctx0" brushRef="#br0" timeOffset="-17895">26014 9522 11136,'2'-4'4224,"4"0"-2305,0-2-1119,-2 2 1152,3 0-224,0 0 96,1-2-608,1 1-192,-1 1-576,-1 1-224,3 1-64,0 1-32,-1 0 0,-2-1-704,0 1-256,1 0-1632,1-1-640,-1-2-3199</inkml:trace>
+        </inkml:traceGroup>
+        <inkml:traceGroup>
+          <inkml:annotationXML>
+            <emma:emma xmlns:emma="http://www.w3.org/2003/04/emma" version="1.0">
+              <emma:interpretation id="{AA2A1B77-A45C-4FDD-8459-80C7A2F05F69}" emma:medium="tactile" emma:mode="ink">
+                <msink:context xmlns:msink="http://schemas.microsoft.com/ink/2010/main" type="inkWord" rotatedBoundingBox="28717,8212 29407,8231 29384,9061 28694,9042">
+                  <msink:destinationLink direction="with" ref="{BED59B8D-0E57-4597-8686-6528F4225165}"/>
+                </msink:context>
+              </emma:interpretation>
+              <emma:one-of disjunction-type="recognition" id="oneOf3">
+                <emma:interpretation id="interp11" emma:lang="nb-NO" emma:confidence="0">
+                  <emma:literal>s</emma:literal>
+                </emma:interpretation>
+                <emma:interpretation id="interp12" emma:lang="nb-NO" emma:confidence="0">
+                  <emma:literal>B</emma:literal>
+                </emma:interpretation>
+                <emma:interpretation id="interp13" emma:lang="nb-NO" emma:confidence="0">
+                  <emma:literal>D</emma:literal>
+                </emma:interpretation>
+                <emma:interpretation id="interp14" emma:lang="nb-NO" emma:confidence="0">
+                  <emma:literal>o</emma:literal>
+                </emma:interpretation>
+                <emma:interpretation id="interp15" emma:lang="nb-NO" emma:confidence="0">
+                  <emma:literal>C</emma:literal>
+                </emma:interpretation>
+              </emma:one-of>
+            </emma:emma>
+          </inkml:annotationXML>
+          <inkml:trace contextRef="#ctx0" brushRef="#br0" timeOffset="986">29045 9973 7296,'-45'55'2816,"45"-55"-1536,-32-55-384,19 41 960,9-7-416,-2-13-97,12 2-351,-2 2-160,19-40-448,21-20 32,17-8 96,4 19-128,12 20-64,-6 31-96,-4 18-64,-6 24-32,-7 16 0,-5 19 64,-5 24 32,-11 4-32,-17-12 32,0-13 160,-16 32 64,0-16 128,-10 10 96,-2-10 64,-20-9 96,-33 4-256,8-35-96,8-4-256,-22-32-160,11-2-736,5-34-352,0 10-4352,29-26-1887</inkml:trace>
+        </inkml:traceGroup>
+      </inkml:traceGroup>
+    </inkml:traceGroup>
+    <inkml:traceGroup>
+      <inkml:annotationXML>
+        <emma:emma xmlns:emma="http://www.w3.org/2003/04/emma" version="1.0">
+          <emma:interpretation id="{1F2822C9-3DD4-4C53-AE26-F11ABD576094}" emma:medium="tactile" emma:mode="ink">
+            <msink:context xmlns:msink="http://schemas.microsoft.com/ink/2010/main" type="paragraph" rotatedBoundingBox="17995,12795 29388,12990 29360,14625 17967,14430" alignmentLevel="1"/>
+          </emma:interpretation>
+        </emma:emma>
+      </inkml:annotationXML>
+      <inkml:traceGroup>
+        <inkml:annotationXML>
+          <emma:emma xmlns:emma="http://www.w3.org/2003/04/emma" version="1.0">
+            <emma:interpretation id="{50C9E70A-7638-408D-859E-91F683789F35}" emma:medium="tactile" emma:mode="ink">
+              <msink:context xmlns:msink="http://schemas.microsoft.com/ink/2010/main" type="line" rotatedBoundingBox="17995,12795 29388,12990 29360,14625 17967,14430"/>
+            </emma:interpretation>
+          </emma:emma>
+        </inkml:annotationXML>
+        <inkml:traceGroup>
+          <inkml:annotationXML>
+            <emma:emma xmlns:emma="http://www.w3.org/2003/04/emma" version="1.0">
+              <emma:interpretation id="{4F312DB0-A426-48EF-93B6-41BF3009A250}" emma:medium="tactile" emma:mode="ink">
+                <msink:context xmlns:msink="http://schemas.microsoft.com/ink/2010/main" type="inkWord" rotatedBoundingBox="17995,12795 29388,12990 29360,14625 17967,14430">
+                  <msink:destinationLink direction="with" ref="{559B3501-8D01-4CA7-BE9D-AF4B916D2310}"/>
+                  <msink:destinationLink direction="with" ref="{4013D7B5-9B79-4B79-88E0-67247019154C}"/>
+                  <msink:destinationLink direction="with" ref="{B916A3A8-BB31-447D-822F-6638D0DC2AD1}"/>
+                  <msink:destinationLink direction="with" ref="{FF6EE287-AEDA-43B5-9D6B-E4273324C3DD}"/>
+                  <msink:destinationLink direction="with" ref="{8E10AE7E-C7B6-458E-8FE5-039952CC4BB4}"/>
+                  <msink:destinationLink direction="with" ref="{524401E9-9A13-4FFE-BE22-0F88717B7E0D}"/>
+                  <msink:destinationLink direction="with" ref="{D3081544-6003-439C-AFF8-8A04F555AAC6}"/>
+                </msink:context>
+              </emma:interpretation>
+              <emma:one-of disjunction-type="recognition" id="oneOf4">
+                <emma:interpretation id="interp16" emma:lang="nb-NO" emma:confidence="0">
+                  <emma:literal>khi</emma:literal>
+                </emma:interpretation>
+                <emma:interpretation id="interp17" emma:lang="nb-NO" emma:confidence="0">
+                  <emma:literal>=</emma:literal>
+                </emma:interpretation>
+                <emma:interpretation id="interp18" emma:lang="nb-NO" emma:confidence="0">
+                  <emma:literal>ZH</emma:literal>
+                </emma:interpretation>
+                <emma:interpretation id="interp19" emma:lang="nb-NO" emma:confidence="0">
+                  <emma:literal>Hh</emma:literal>
+                </emma:interpretation>
+                <emma:interpretation id="interp20" emma:lang="nb-NO" emma:confidence="0">
+                  <emma:literal>ZV</emma:literal>
+                </emma:interpretation>
+              </emma:one-of>
+            </emma:emma>
+          </inkml:annotationXML>
+          <inkml:trace contextRef="#ctx0" brushRef="#br0" timeOffset="36207">18367 15617 2304,'55'-15'960,"-11"5"-512,34-8 32,-46 8 480,28 0-512,34-4-160,15 3-192,29 1 0,20-4 0,35-6 32,9 12-64,-6-8-64,30 1 160,-6 5 32,-13 10 0,-20-4 32,-33 4-64,-16 0 0,-23 4-96,-22 6 32,-28 0 64,-26-5 640,-29 1 256,-14 4-256,-31-6-128,-24-4-384,-30 0-128,-42 0-32,-11 10 64,-22-10-96,-23 0 0,-10 4-32,-7 2-64,14-6 96,-9 0 0,8 0-32,25 4 32,30 0-64,15-4 64,28 0 0,21-4 96,40-6 96,20 0-352,46-4-96,32 4 128,20 5 160,30-5-224,44-4 32,14 0 0,29 4 32,6-4 32,28-1 0,-8 9 0,-15-4 64,22 0 32,-22 6 32,-17 4-160,-4 0 32,-35 0-64,-14 0 0,-13 0 64,-18 0 0,-19 0 64,-17 0 32,-32 0 160,-35 0 96,-26 4-128,-23 6-64,-42-4-64,-19-6 0,-48 10-64,-12 5-32,-14-11 32,-44 2 32,-4 8-96,4-4 0,21-6 32,4 0 64,23 2-96,38-2-64,30 2 64,63-2-64,49 1-32,23 5 96,49-4 0,40-6 96,36 0 32,38 0-128,42-6 32,13 6 0,24-4 0,37 4-96,1-6 64,44 1 32,-13 5 64,-4-4-32,-22 4 64,-6 0-64,-26 0 64,-16 0-128,-45 9 0,-28 1-32,-33 0 0,-39-6 128,-26 2 96,-31-6 0,-36 0 0,-32-6-96,-32-2 32,-52-2-64,-25 10 64,-23-6-64,-26-3-32,-29 3 32,-17 2 32,-3-6-32,-24 6 64,17 8-128,0-4 0,34-4-32,20 4 0,22 0 64,35 0 0,48 0-96,33 4 0,38 6 64,35-6-64,52-4-32,39 6 96,34-2 64,43-4 0,28 11-32,17-11 32,32 0 32,12 0-32,30 0-32,-8 4 32,-12-8-32,-6 4 0,-6 4 0,-20-4 64,-6 0 32,-49 6-128,-34-2 32,-27 0 0,-32-4 64,-29 0 32,-32 0 32,-28-4 0,-33 0 64,-26-6-96,-29-1 0,-43 1-32,-28 6-64,-32-6 32,-18-4-32,-26 4 0,-11 6 0,10-6 0,-15 0 0,10 5 0,27 5 64,17-6-32,33 6-32,21-4 32,30 4-32,25-6-96,33 2 64,45-6-32,41 6 0,32 4 64,24-6 64,50 2-32,13 4-32,20 0-64,32 0 32,-14 4 32,-8-4 0,8 0-96,-8 6 64,-14 2 32,-23 2 64,-28-4-32,-28-6 64,-26 0-128,-17 0 0,-20-6 160,-25 2 160,-15-2-32,-16 2 95,-21 0-127,-25-2-64,-20-4-160,-11 6-64,-28-6 32,-21 6 64,-6-3-64,-11 3 0,4 0 96,6-2 32,-3 2-128,14-2 32,23 2 0,22 0 64,28-2-96,32 2-64,20-2 64,36 6 64,20 6-64,35-6-64,37 4-32,-1 2 96,12 2 0,17-2 96,11 4-32,-23 5-32,-6-1 32,-10-4 32,-20 0-32,-9-6-32,-10 0 32,-9 2 32,-13-2-1439,-14 6-673</inkml:trace>
+          <inkml:trace contextRef="#ctx0" brushRef="#br0" timeOffset="39366">18383 14492 1408,'67'0'608,"-23"0"-320,22-6 288,-38 6 384,4-4 0,17 0 0,18-6-288,3 4-64,2 2-224,15 0 0,6-2-224,13 2-32,-4-2-64,20 2 32,-2 4 0,-15-6-128,-8 6 32,-3 0 0,-1 0 0,-4 6 256,-14-2 224,8-4-160,5 0-32,4 0-96,-2-4-32,-16 4-32,0-6 0,-20 2 0,-15 4 0,-7-4 128,-15-2 160,-11 2-160,-18 4 0,-15 0-128,-18 0-96,-9 4 0,-7 2 32,-4-6-32,-12 0-32,0 0 32,0 4-32,-10-4 64,-13 0 32,-2 4-128,8 2-32,5-6 32,8 0 0,-2 0 96,12 0 32,0 0-32,16 0-64,7 4 32,3-4 32,6 0-96,11 0 0,2 0 32,4 0 64,-1 0-32,7 0-32,0 0 96,5 0 64,5 0 64,0 0 32,6 0-224,12 0 0,-1-4-32,11-2 64,11 2-32,15-6-32,7-4 32,6 4-32,28-5-96,14 1 64,1-1 32,5-1 64,12 2-96,-11 0 0,16 0 32,6 0 64,-5-2-32,-24 2 64,-3 10-128,-24-3-64,-4 3 192,-24 4 96,-4 0-192,-17 0 32,-10 0-32,-44 4 0,-40 7 64,-20-1-32,-12 4 64,-21 0-64,-2-4 64,-30 0-64,-8 10-32,-10-6 32,0 1-32,-16-5 64,-1 0 96,17-2-128,-5-2-32,31-6 0,19 0 64,10 0-32,11 0 64,17 0 0,20 0 32,19 0-160,19 0 32,25 0-64,15 0-64,11 0 96,26 0 0,23-6 32,18 2 0,43 0 0,0-2 0,32 2 0,6-6 64,37-1-32,2 1-32,-1 2 32,40-2-32,3 10 0,-14 0 0,27-6 0,-24 6 64,6 0-96,-16 0 0,6 0 32,-28 6 64,-9-6-32,-24 0-32,-21 0 32,-13-6-32,-13 6 0,-31-4 64,-24 4-32,-52 0 128,-25 0-32,-31 10-128,-30-6 0,-51 2 64,-22-2 96,-30 6-128,-14 0-32,-36-1 0,8 1 64,2-4-32,-17-2-32,6-14 32,11 10-32,17-4 0,14 4 0,13 4-96,16-8 64,23 8 32,26 2 0,21-6-96,30 0 64,26-6 32,32 2 64,22-2-96,25 2-64,30-1-32,23-5 0,44 0 160,20 6 32,12-2 0,35-4-64,-2 16-64,6-6 32,20 0 32,-8 4 64,14-4-96,-13 0-64,6 0 64,-18 10 64,-12-6 0,-33 2-32,-11-6 32,-10 0 32,-24 0-32,-21 0-32,-27 0 96,-16 0 0,-23-6 32,-26 6 0,-36-4-64,-26 0 32,-19-2-64,-35 2-32,-22-2 32,-46 6 32,-19-4-96,-7 0 0,-31-6 32,9 4 64,-10-2-32,17-2-32,-14-6 32,20 1-32,26-3 0,0-3 0,32 7 0,22-10 0,23 4 0,22 16 64,23-2-96,15 6-64,21-4-32,28 4 96,23 4-64,21-4 32,44 6 64,11-6 64,33 4-32,19-4-32,29 0-64,16 0 32,-2 0 32,26 0 0,-6 0 64,0 6 32,6-6-32,0 4-64,-10 0 32,-20 2-32,-1-6 0,-2 0 0,-29 4-96,-14 2 64,-24 2 32,-14-8 64,-20 6-32,-24-6 64,-28 0 0,-18 0 96,-32-6-96,-16-2 0,-34-2-32,-44 0-64,-21 0 32,-20-4-32,-9 0 0,-31 4 64,-1 10-32,-5-10-32,11 6-64,-10-3 32,10 3-32,22 4 0,26 4 64,29-4 64,22 0-32,23 7-32,19-3-64,29-8-32,51-3 64,19 3 64,40 8 0,22-8-32,54 4 32,11 4-32,28-4-96,28 7 64,14 3 32,25-6 64,-2 6-32,-10-6-32,16 2-64,-27 2 32,-6 2 32,-21-4 64,-14 2-96,-22 2-64,-48-4 128,-27-2 32,-28 0 64,-25 2 64,-28-6-33,-18 0 1,-44-6-96,-42 6 32,-21 0-64,-40-4-32,-7 0 32,-32-2-32,2 2-96,-14-2 64,14 2 96,4 0 32,10-2-128,12-8 32,27 14 0,28 0 64,49-4-192,32 4 32,24 0 32,37 0 32,22 0 96,49 4-96,12 0 0,22 2 32,15-2 64,8 2-32,-3 2-32,-4 2-64,12 0 32,4 4 32,-18 1 0,-7 1 0,-19-2 64,-10-3-96,-6-3-64,-12 2 128,-21-4 96,-15-2-96,-24-4-32,-10 6 128,-12-6 64,-3 0-160,-2 0 0,-1 0-32,3 0 0,-2 0 0,1 0 0,-8 0 0,-9 0 0,2 4 0,-9 0 64,2 2-1087,-6-6-513</inkml:trace>
+        </inkml:traceGroup>
+      </inkml:traceGroup>
+    </inkml:traceGroup>
+  </inkml:traceGroup>
+</inkml:ink>
+</file>
+
+<file path=ppt/ink/ink101.xml><?xml version="1.0" encoding="utf-8"?>
+<inkml:ink xmlns:inkml="http://www.w3.org/2003/InkML">
+  <inkml:definitions>
+    <inkml:context xml:id="ctx0">
+      <inkml:inkSource xml:id="inkSrc0">
+        <inkml:traceFormat>
+          <inkml:channel name="X" type="integer" min="-2.14748E9" max="2.14748E9" units="cm"/>
+          <inkml:channel name="Y" type="integer" min="-2.14748E9" max="2.14748E9" units="cm"/>
+          <inkml:channel name="F" type="integer" max="32767" units="dev"/>
+        </inkml:traceFormat>
+        <inkml:channelProperties>
+          <inkml:channelProperty channel="X" name="resolution" value="1000" units="1/cm"/>
+          <inkml:channelProperty channel="Y" name="resolution" value="1000" units="1/cm"/>
+          <inkml:channelProperty channel="F" name="resolution" value="0" units="1/dev"/>
+        </inkml:channelProperties>
+      </inkml:inkSource>
       <inkml:timestamp xml:id="ts0" timeString="2016-11-16T07:03:45.510"/>
     </inkml:context>
     <inkml:brush xml:id="br0">
@@ -507,7 +723,7 @@
 </inkml:ink>
 </file>
 
-<file path=ppt/ink/ink101.xml><?xml version="1.0" encoding="utf-8"?>
+<file path=ppt/ink/ink102.xml><?xml version="1.0" encoding="utf-8"?>
 <inkml:ink xmlns:inkml="http://www.w3.org/2003/InkML">
   <inkml:definitions>
     <inkml:context xml:id="ctx0">
@@ -546,7 +762,7 @@
 </inkml:ink>
 </file>
 
-<file path=ppt/ink/ink102.xml><?xml version="1.0" encoding="utf-8"?>
+<file path=ppt/ink/ink103.xml><?xml version="1.0" encoding="utf-8"?>
 <inkml:ink xmlns:inkml="http://www.w3.org/2003/InkML">
   <inkml:definitions>
     <inkml:context xml:id="ctx0">
@@ -585,7 +801,7 @@
 </inkml:ink>
 </file>
 
-<file path=ppt/ink/ink103.xml><?xml version="1.0" encoding="utf-8"?>
+<file path=ppt/ink/ink104.xml><?xml version="1.0" encoding="utf-8"?>
 <inkml:ink xmlns:inkml="http://www.w3.org/2003/InkML">
   <inkml:definitions>
     <inkml:context xml:id="ctx0">
@@ -623,7 +839,7 @@
 </inkml:ink>
 </file>
 
-<file path=ppt/ink/ink104.xml><?xml version="1.0" encoding="utf-8"?>
+<file path=ppt/ink/ink105.xml><?xml version="1.0" encoding="utf-8"?>
 <inkml:ink xmlns:inkml="http://www.w3.org/2003/InkML">
   <inkml:definitions>
     <inkml:context xml:id="ctx0">
@@ -711,7 +927,7 @@
 </inkml:ink>
 </file>
 
-<file path=ppt/ink/ink105.xml><?xml version="1.0" encoding="utf-8"?>
+<file path=ppt/ink/ink106.xml><?xml version="1.0" encoding="utf-8"?>
 <inkml:ink xmlns:inkml="http://www.w3.org/2003/InkML">
   <inkml:definitions>
     <inkml:context xml:id="ctx0">
@@ -799,7 +1015,7 @@
 </inkml:ink>
 </file>
 
-<file path=ppt/ink/ink106.xml><?xml version="1.0" encoding="utf-8"?>
+<file path=ppt/ink/ink107.xml><?xml version="1.0" encoding="utf-8"?>
 <inkml:ink xmlns:inkml="http://www.w3.org/2003/InkML">
   <inkml:definitions>
     <inkml:context xml:id="ctx0">
@@ -837,7 +1053,7 @@
 </inkml:ink>
 </file>
 
-<file path=ppt/ink/ink107.xml><?xml version="1.0" encoding="utf-8"?>
+<file path=ppt/ink/ink108.xml><?xml version="1.0" encoding="utf-8"?>
 <inkml:ink xmlns:inkml="http://www.w3.org/2003/InkML">
   <inkml:definitions>
     <inkml:context xml:id="ctx0">
@@ -875,7 +1091,7 @@
 </inkml:ink>
 </file>
 
-<file path=ppt/ink/ink108.xml><?xml version="1.0" encoding="utf-8"?>
+<file path=ppt/ink/ink109.xml><?xml version="1.0" encoding="utf-8"?>
 <inkml:ink xmlns:inkml="http://www.w3.org/2003/InkML">
   <inkml:definitions>
     <inkml:context xml:id="ctx0">
@@ -913,46 +1129,6 @@
       </emma:emma>
     </inkml:annotationXML>
     <inkml:trace contextRef="#ctx0" brushRef="#br0">27764 15284 6016,'4'-10'2272,"-4"10"-1216,0-5-320,0 5 832,6 0-160,-6 0 32,0-10-160,0 4-33,0-12-671,0 3 96,0-15 64,0 6-32,0-20-32,0 11-96,6-22-32,0 7 64,-2-16 0,-4 10-64,6-23 64,-6 14-128,6-26-32,-6 16 0,4-24 64,2 20-224,-6-17-32,0 18 0,0-28 0,0 17 0,-6-26 0,2 15-128,-2-9-32,0 10 32,2-5 0,-2 13 0,0-8 0,0 14 0,6-22 0,0 11-64,0-9-64,0 12 32,0-17 32,0 15 32,0-8 96,0 11-96,6-10 0,-6 10 32,6-1 0,0 12-64,-2-13-64,2 18 96,0-14 0,-6 12-128,4-14-32,2 18 160,-6-12 96,0 12-96,0-6 0,0 10-32,0 0-64,0 10 96,0-7 64,0 16-128,0-3-96,0 7 32,0-4 64,0 11 0,0-6-32,0 9 32,0 2-32,0 3 0,0-4 0,0 6 0,0 3 0,0 4-288,-6 7-128,2 0-1536,-8 0-736,8-2-4864</inkml:trace>
-  </inkml:traceGroup>
-</inkml:ink>
-</file>
-
-<file path=ppt/ink/ink109.xml><?xml version="1.0" encoding="utf-8"?>
-<inkml:ink xmlns:inkml="http://www.w3.org/2003/InkML">
-  <inkml:definitions>
-    <inkml:context xml:id="ctx0">
-      <inkml:inkSource xml:id="inkSrc0">
-        <inkml:traceFormat>
-          <inkml:channel name="X" type="integer" min="-2.14748E9" max="2.14748E9" units="cm"/>
-          <inkml:channel name="Y" type="integer" min="-2.14748E9" max="2.14748E9" units="cm"/>
-          <inkml:channel name="F" type="integer" max="32767" units="dev"/>
-        </inkml:traceFormat>
-        <inkml:channelProperties>
-          <inkml:channelProperty channel="X" name="resolution" value="1000" units="1/cm"/>
-          <inkml:channelProperty channel="Y" name="resolution" value="1000" units="1/cm"/>
-          <inkml:channelProperty channel="F" name="resolution" value="0" units="1/dev"/>
-        </inkml:channelProperties>
-      </inkml:inkSource>
-      <inkml:timestamp xml:id="ts0" timeString="2016-11-16T07:04:12.834"/>
-    </inkml:context>
-    <inkml:brush xml:id="br0">
-      <inkml:brushProperty name="width" value="0.06667" units="cm"/>
-      <inkml:brushProperty name="height" value="0.06667" units="cm"/>
-    </inkml:brush>
-  </inkml:definitions>
-  <inkml:traceGroup>
-    <inkml:annotationXML>
-      <emma:emma xmlns:emma="http://www.w3.org/2003/04/emma" version="1.0">
-        <emma:interpretation id="{039DFF9A-4094-4FAE-8093-5BC618285C66}" emma:medium="tactile" emma:mode="ink">
-          <msink:context xmlns:msink="http://schemas.microsoft.com/ink/2010/main" type="inkDrawing" rotatedBoundingBox="20742,4335 25993,8648 25361,9417 20110,5104" semanticType="callout" shapeName="Other">
-            <msink:sourceLink direction="to" ref="{84B9643B-0737-476E-83E6-0326E3B6045E}"/>
-            <msink:sourceLink direction="from" ref="{A7D2C035-E26B-46BD-975E-1C0AB00B8E2B}"/>
-          </msink:context>
-        </emma:interpretation>
-      </emma:emma>
-    </inkml:annotationXML>
-    <inkml:trace contextRef="#ctx0" brushRef="#br0">24489 7830 2048,'-10'-4'768,"10"4"-384,-16-6 320,16 6 480,-6 0 0,0 0 32,2-4-64,-2 0 0,0-2 96,2 2 64,-3-7-704,7 11 0,0 0 64,0 0-32,0 15 0,0-5-64,11 4 31,-5-4-127,10 0 32,-6 0 0,12 4-32,1 1 32,5-1 0,-8 2 0,9-2 0,-7 0-64,10 15-32,-3 1-32,13 9 0,-3-5-64,15 11 32,-9-7-128,16 5-64,-13-3 64,17 9 64,-8-11 64,2 15 32,-4-8-64,-1 9-32,-9-11-32,10 12 0,-11-7-64,17 15 32,-6-14-64,9 10 64,-9-7-64,22 17 0,-10-16-96,8 22 32,-8-12 0,10 14 32,-12-13 0,28 9 0,-16-10-64,28 14-64,-11-8 32,15 14 32,-16-14-32,11 18-32,-17-14 96,34 14 0,-21-14 32,19 10 0,-13-10-64,7 25 32,63 54-64,-12-21 64,1 5 0,-11 2 32,-6-23-160,-7-7-32,-9-1 96,-16-3 32,-1-13 0,1-8 32,-1-4 0,-38-26 32,-12-9-160,12 19 32,-12-8 64,8 3 32,-14-9-32,1 0 32,-9-11-64,-2 5-32,-5-3-832,-1-1-384,-11-11-2784,13-18-1152,-13-3-1215</inkml:trace>
-    <inkml:trace contextRef="#ctx0" brushRef="#br0" timeOffset="12317">27857 10843 5760,'-6'-10'2176,"6"10"-1152,-6-20 0,6 20 960,0 0-256,0 0-32,0 6-545,0-2-159,6 6-576,0 0 32,4 15 64,-4-1-64,4 24 0,2-5-192,4 22 0,1-12-32,-1 15 32,0-5-64,0 16 32,-4-12-64,-1 16 64,1-14 0,-2 14 96,0-16-96,6 2-64,-4-10-64,5-11 0,-7-9-64,8-5 64,-2-5 64,4-3 128,-1-8 0,1-8 0,2 5 32,7-25 128,-7 5 32,10-29 0,-5 6-96,11-21 0,-3 4-32,13-7 32,-15 1-128,5-2 0,-5 9-160,1-5 0,-8 11-96,3-7-32,-9 7 32,2-11 64,-5 10-32,-1-9 64,2 9-64,-2-1-32,0 11-896,-10 9-448,-1 6-4320,-10 24-1919</inkml:trace>
   </inkml:traceGroup>
 </inkml:ink>
 </file>
@@ -1011,6 +1187,46 @@
           <inkml:channelProperty channel="F" name="resolution" value="0" units="1/dev"/>
         </inkml:channelProperties>
       </inkml:inkSource>
+      <inkml:timestamp xml:id="ts0" timeString="2016-11-16T07:04:12.834"/>
+    </inkml:context>
+    <inkml:brush xml:id="br0">
+      <inkml:brushProperty name="width" value="0.06667" units="cm"/>
+      <inkml:brushProperty name="height" value="0.06667" units="cm"/>
+    </inkml:brush>
+  </inkml:definitions>
+  <inkml:traceGroup>
+    <inkml:annotationXML>
+      <emma:emma xmlns:emma="http://www.w3.org/2003/04/emma" version="1.0">
+        <emma:interpretation id="{039DFF9A-4094-4FAE-8093-5BC618285C66}" emma:medium="tactile" emma:mode="ink">
+          <msink:context xmlns:msink="http://schemas.microsoft.com/ink/2010/main" type="inkDrawing" rotatedBoundingBox="20742,4335 25993,8648 25361,9417 20110,5104" semanticType="callout" shapeName="Other">
+            <msink:sourceLink direction="to" ref="{84B9643B-0737-476E-83E6-0326E3B6045E}"/>
+            <msink:sourceLink direction="from" ref="{A7D2C035-E26B-46BD-975E-1C0AB00B8E2B}"/>
+          </msink:context>
+        </emma:interpretation>
+      </emma:emma>
+    </inkml:annotationXML>
+    <inkml:trace contextRef="#ctx0" brushRef="#br0">24489 7830 2048,'-10'-4'768,"10"4"-384,-16-6 320,16 6 480,-6 0 0,0 0 32,2-4-64,-2 0 0,0-2 96,2 2 64,-3-7-704,7 11 0,0 0 64,0 0-32,0 15 0,0-5-64,11 4 31,-5-4-127,10 0 32,-6 0 0,12 4-32,1 1 32,5-1 0,-8 2 0,9-2 0,-7 0-64,10 15-32,-3 1-32,13 9 0,-3-5-64,15 11 32,-9-7-128,16 5-64,-13-3 64,17 9 64,-8-11 64,2 15 32,-4-8-64,-1 9-32,-9-11-32,10 12 0,-11-7-64,17 15 32,-6-14-64,9 10 64,-9-7-64,22 17 0,-10-16-96,8 22 32,-8-12 0,10 14 32,-12-13 0,28 9 0,-16-10-64,28 14-64,-11-8 32,15 14 32,-16-14-32,11 18-32,-17-14 96,34 14 0,-21-14 32,19 10 0,-13-10-64,7 25 32,63 54-64,-12-21 64,1 5 0,-11 2 32,-6-23-160,-7-7-32,-9-1 96,-16-3 32,-1-13 0,1-8 32,-1-4 0,-38-26 32,-12-9-160,12 19 32,-12-8 64,8 3 32,-14-9-32,1 0 32,-9-11-64,-2 5-32,-5-3-832,-1-1-384,-11-11-2784,13-18-1152,-13-3-1215</inkml:trace>
+    <inkml:trace contextRef="#ctx0" brushRef="#br0" timeOffset="12317">27857 10843 5760,'-6'-10'2176,"6"10"-1152,-6-20 0,6 20 960,0 0-256,0 0-32,0 6-545,0-2-159,6 6-576,0 0 32,4 15 64,-4-1-64,4 24 0,2-5-192,4 22 0,1-12-32,-1 15 32,0-5-64,0 16 32,-4-12-64,-1 16 64,1-14 0,-2 14 96,0-16-96,6 2-64,-4-10-64,5-11 0,-7-9-64,8-5 64,-2-5 64,4-3 128,-1-8 0,1-8 0,2 5 32,7-25 128,-7 5 32,10-29 0,-5 6-96,11-21 0,-3 4-32,13-7 32,-15 1-128,5-2 0,-5 9-160,1-5 0,-8 11-96,3-7-32,-9 7 32,2-11 64,-5 10-32,-1-9 64,2 9-64,-2-1-32,0 11-896,-10 9-448,-1 6-4320,-10 24-1919</inkml:trace>
+  </inkml:traceGroup>
+</inkml:ink>
+</file>
+
+<file path=ppt/ink/ink111.xml><?xml version="1.0" encoding="utf-8"?>
+<inkml:ink xmlns:inkml="http://www.w3.org/2003/InkML">
+  <inkml:definitions>
+    <inkml:context xml:id="ctx0">
+      <inkml:inkSource xml:id="inkSrc0">
+        <inkml:traceFormat>
+          <inkml:channel name="X" type="integer" min="-2.14748E9" max="2.14748E9" units="cm"/>
+          <inkml:channel name="Y" type="integer" min="-2.14748E9" max="2.14748E9" units="cm"/>
+          <inkml:channel name="F" type="integer" max="32767" units="dev"/>
+        </inkml:traceFormat>
+        <inkml:channelProperties>
+          <inkml:channelProperty channel="X" name="resolution" value="1000" units="1/cm"/>
+          <inkml:channelProperty channel="Y" name="resolution" value="1000" units="1/cm"/>
+          <inkml:channelProperty channel="F" name="resolution" value="0" units="1/dev"/>
+        </inkml:channelProperties>
+      </inkml:inkSource>
       <inkml:timestamp xml:id="ts0" timeString="2016-11-16T07:04:16.770"/>
     </inkml:context>
     <inkml:brush xml:id="br0">
@@ -1035,7 +1251,7 @@
 </inkml:ink>
 </file>
 
-<file path=ppt/ink/ink111.xml><?xml version="1.0" encoding="utf-8"?>
+<file path=ppt/ink/ink112.xml><?xml version="1.0" encoding="utf-8"?>
 <inkml:ink xmlns:inkml="http://www.w3.org/2003/InkML">
   <inkml:definitions>
     <inkml:context xml:id="ctx0">
@@ -1117,7 +1333,7 @@
 </inkml:ink>
 </file>
 
-<file path=ppt/ink/ink112.xml><?xml version="1.0" encoding="utf-8"?>
+<file path=ppt/ink/ink113.xml><?xml version="1.0" encoding="utf-8"?>
 <inkml:ink xmlns:inkml="http://www.w3.org/2003/InkML">
   <inkml:definitions>
     <inkml:context xml:id="ctx0">
@@ -1157,7 +1373,7 @@
 </inkml:ink>
 </file>
 
-<file path=ppt/ink/ink113.xml><?xml version="1.0" encoding="utf-8"?>
+<file path=ppt/ink/ink114.xml><?xml version="1.0" encoding="utf-8"?>
 <inkml:ink xmlns:inkml="http://www.w3.org/2003/InkML">
   <inkml:definitions>
     <inkml:context xml:id="ctx0">
@@ -1361,7 +1577,7 @@
 </inkml:ink>
 </file>
 
-<file path=ppt/ink/ink114.xml><?xml version="1.0" encoding="utf-8"?>
+<file path=ppt/ink/ink115.xml><?xml version="1.0" encoding="utf-8"?>
 <inkml:ink xmlns:inkml="http://www.w3.org/2003/InkML">
   <inkml:definitions>
     <inkml:context xml:id="ctx0">
@@ -1399,7 +1615,7 @@
 </inkml:ink>
 </file>
 
-<file path=ppt/ink/ink115.xml><?xml version="1.0" encoding="utf-8"?>
+<file path=ppt/ink/ink116.xml><?xml version="1.0" encoding="utf-8"?>
 <inkml:ink xmlns:inkml="http://www.w3.org/2003/InkML">
   <inkml:definitions/>
   <inkml:traceGroup>
@@ -1414,7 +1630,7 @@
 </inkml:ink>
 </file>
 
-<file path=ppt/ink/ink116.xml><?xml version="1.0" encoding="utf-8"?>
+<file path=ppt/ink/ink117.xml><?xml version="1.0" encoding="utf-8"?>
 <inkml:ink xmlns:inkml="http://www.w3.org/2003/InkML">
   <inkml:definitions/>
   <inkml:traceGroup>
@@ -1425,201 +1641,6 @@
         </emma:interpretation>
       </emma:emma>
     </inkml:annotationXML>
-  </inkml:traceGroup>
-</inkml:ink>
-</file>
-
-<file path=ppt/ink/ink117.xml><?xml version="1.0" encoding="utf-8"?>
-<inkml:ink xmlns:inkml="http://www.w3.org/2003/InkML">
-  <inkml:definitions>
-    <inkml:context xml:id="ctx0">
-      <inkml:inkSource xml:id="inkSrc0">
-        <inkml:traceFormat>
-          <inkml:channel name="X" type="integer" min="-2.14748E9" max="2.14748E9" units="cm"/>
-          <inkml:channel name="Y" type="integer" min="-2.14748E9" max="2.14748E9" units="cm"/>
-          <inkml:channel name="F" type="integer" max="32767" units="dev"/>
-        </inkml:traceFormat>
-        <inkml:channelProperties>
-          <inkml:channelProperty channel="X" name="resolution" value="1000" units="1/cm"/>
-          <inkml:channelProperty channel="Y" name="resolution" value="1000" units="1/cm"/>
-          <inkml:channelProperty channel="F" name="resolution" value="0" units="1/dev"/>
-        </inkml:channelProperties>
-      </inkml:inkSource>
-      <inkml:timestamp xml:id="ts0" timeString="2016-11-15T13:10:27.323"/>
-    </inkml:context>
-    <inkml:brush xml:id="br0">
-      <inkml:brushProperty name="width" value="0.06667" units="cm"/>
-      <inkml:brushProperty name="height" value="0.06667" units="cm"/>
-    </inkml:brush>
-  </inkml:definitions>
-  <inkml:traceGroup>
-    <inkml:annotationXML>
-      <emma:emma xmlns:emma="http://www.w3.org/2003/04/emma" version="1.0">
-        <emma:interpretation id="{32101F83-B222-4F3B-A690-AFB088E20BD2}" emma:medium="tactile" emma:mode="ink">
-          <msink:context xmlns:msink="http://schemas.microsoft.com/ink/2010/main" type="writingRegion" rotatedBoundingBox="15199,12497 22416,14802 21281,18356 14064,16051"/>
-        </emma:interpretation>
-      </emma:emma>
-    </inkml:annotationXML>
-    <inkml:traceGroup>
-      <inkml:annotationXML>
-        <emma:emma xmlns:emma="http://www.w3.org/2003/04/emma" version="1.0">
-          <emma:interpretation id="{35F8A7AA-236F-4270-9B55-6C4E83BB2CC8}" emma:medium="tactile" emma:mode="ink">
-            <msink:context xmlns:msink="http://schemas.microsoft.com/ink/2010/main" type="paragraph" rotatedBoundingBox="15623,12647 18322,13413 18081,14261 15382,13496" alignmentLevel="1"/>
-          </emma:interpretation>
-        </emma:emma>
-      </inkml:annotationXML>
-      <inkml:traceGroup>
-        <inkml:annotationXML>
-          <emma:emma xmlns:emma="http://www.w3.org/2003/04/emma" version="1.0">
-            <emma:interpretation id="{1643A6F6-C033-411F-B4B1-ECD399E47165}" emma:medium="tactile" emma:mode="ink">
-              <msink:context xmlns:msink="http://schemas.microsoft.com/ink/2010/main" type="line" rotatedBoundingBox="15623,12647 18322,13413 18081,14261 15382,13496"/>
-            </emma:interpretation>
-          </emma:emma>
-        </inkml:annotationXML>
-        <inkml:traceGroup>
-          <inkml:annotationXML>
-            <emma:emma xmlns:emma="http://www.w3.org/2003/04/emma" version="1.0">
-              <emma:interpretation id="{3C332CA9-1E4B-489D-A62E-410D0695C9FB}" emma:medium="tactile" emma:mode="ink">
-                <msink:context xmlns:msink="http://schemas.microsoft.com/ink/2010/main" type="inkWord" rotatedBoundingBox="15623,12647 18322,13413 18081,14261 15382,13496"/>
-              </emma:interpretation>
-              <emma:one-of disjunction-type="recognition" id="oneOf0">
-                <emma:interpretation id="interp0" emma:lang="nb-NO" emma:confidence="0">
-                  <emma:literal>Kjære</emma:literal>
-                </emma:interpretation>
-                <emma:interpretation id="interp1" emma:lang="nb-NO" emma:confidence="0">
-                  <emma:literal>kjø ære</emma:literal>
-                </emma:interpretation>
-                <emma:interpretation id="interp2" emma:lang="nb-NO" emma:confidence="0">
-                  <emma:literal>kje ære</emma:literal>
-                </emma:interpretation>
-                <emma:interpretation id="interp3" emma:lang="nb-NO" emma:confidence="0">
-                  <emma:literal>Kje ære</emma:literal>
-                </emma:interpretation>
-                <emma:interpretation id="interp4" emma:lang="nb-NO" emma:confidence="0">
-                  <emma:literal>Kj ære</emma:literal>
-                </emma:interpretation>
-              </emma:one-of>
-            </emma:emma>
-          </inkml:annotationXML>
-          <inkml:trace contextRef="#ctx0" brushRef="#br0">14088 11888 7552,'0'-4'2816,"0"4"-1536,0 7-576,0-3 1472,0 2-1248,0 5 511,0 2-895,0 8 64,0-1-352,-4 7-96,4 4-96,-6 5 224,1 2-160,-2 3 320,-1-4-256,-6 1 160,2-2-192,-12-2 64,9 0-128,-10-6 96,5-6-128,-7 0-32,8-6 0,-4-6-192,8 0 96,-4-10-736,8 0 416,-1-12-1728,4 0 1185,1-10-2817,7-2 2080,0-10-2944,4 6 2624</inkml:trace>
-          <inkml:trace contextRef="#ctx0" brushRef="#br0" timeOffset="262">14100 11698 6144,'17'-42'2368,"-17"42"-1280,14-26 0,-6 18 1824,-2 8-1568,-6-6 927,8 6-1375,-8-5 160,0 10-640,0-5-96,0 6-192,0-6-1504,0 8 768,0-2-5343,9 2 3295</inkml:trace>
-          <inkml:trace contextRef="#ctx0" brushRef="#br0" timeOffset="7238">14688 12040 5760,'-8'-14'2176,"8"14"-1152,-8-9-480,4 6 1344,4 3-1056,-8-7 800,4 7-960,-7-3 640,4 6-768,-9-3 383,6 0-575,-10 0 192,4 2-320,-2 3 0,2 2-128,-2-2 0,6 9-32,-7 1-64,8 1 32,-5-3-32,10 4 0,-8 0-96,8 4 64,-2-4-32,4 3 0,0-4 128,4 1-32,0 0-96,8 0 32,0-3 32,3 0 0,0-8 64,1 5-32,3-8-32,0 0 32,5-6 32,2 0-32,-3-8-32,0 1 32,0-7-32,0 5 0,-3-5 0,2 3 0,-2-3 64,0 3-32,-1-3-32,-4 4 32,-4-4-32,2 6 0,-3-2 0,3 3 0,-6-1 0,5 5 0,-8 2 0,0 4 0,0 0 64,0 7-32,0 0 64,0 3-64,0 0-96,0 4 32,0-1 32,3 1 0,2 0 0,1-1 0,3-4 0,2 6 0,-4-8 0,6 2 0,-6-4 0,4-3 0,1-4 64,3 2-32,0-7-32,3 0 32,-2-3-32,4 3 0,-4-7 128,-2 4-64,-2-7-32,0 3 0,-10-6-128,6 6 64,-8-6 96,4 6-32,-8-6 64,0 6-64,-2-2 64,-3 6-64,-6-4 192,7 4-128,-7 3 256,4 4-224,-7 0 256,4 6-256,-8 0 96,6 8-128,-6 2-64,6 1 0,-2 3-32,7-1 0,-4 8-96,3 0 64,1 6 96,2 1-32,3 3-32,6-1 32,0 4-32,6-3 0,3-3 0,2-4 0,1 1 0,3-6 0,4-1-352,0-4 192,4-4-1792,-1 1 1088,0-7-5183,6 0 3359</inkml:trace>
-          <inkml:trace contextRef="#ctx0" brushRef="#br0" timeOffset="9209">15266 12173 5888,'0'-7'2272,"0"7"-1216,-4 0-320,0 0 1472,8 7-1216,-8 0 512,4 5-928,-4 10 192,4-3-448,-7 5 159,3 3-255,-7 0 128,3 1-192,-4-1 128,5-1-160,-4-2 224,7 0-224,-4-7 448,4 3-320,-3-9 224,7-1-256,-4-10 64,8 3-160,-4-13 160,7 3-192,1-10 96,7 0-96,0-7 160,1 7-160,2-7 96,2 5-96,0-5 0,-2 7-32,2-7 96,2 11-96,-6-1 128,2 11-128,-2-4 128,3 3-128,0 1-32,3 3 0,-2 0 96,2 3-64,-2 1 32,2-1-32,-4 1-672,2 2 320,-4 1-2720,0 0 1696,-6-7-5183,4 3 3647</inkml:trace>
-          <inkml:trace contextRef="#ctx0" brushRef="#br0" timeOffset="10241">15789 12458 6656,'-5'0'2464,"5"0"-1344,12 14-608,-8-11 1248,4 4-992,-1-5 480,5 5-736,3 1 288,1-1-480,-1-5 63,-1 5-255,6-4 0,-2 4-64,2-4 96,-2 1-96,-2-4 32,-1 3-32,1-6 32,-1 3-64,-4-7 128,1 4-96,-5-8-32,5 6 0,-9-10 96,1 8-64,-8-5 320,4-2-192,-7 0 160,3 4-192,-7 0 224,4 3-256,-9 0 384,5 4-288,-13-1 224,10 8-224,-10-1 128,6 7-192,-9-3 128,4 7-160,-3 10 0,2-5-64,5 5 32,8 0-64,7 0-96,4 3 32,4 0 32,7-1 0,5 3 0,2-3 0,2-2-352,2 0 192,1-4-2336,4-3 1376,-1-3-5247,1-4 3551</inkml:trace>
-          <inkml:trace contextRef="#ctx0" brushRef="#br0" timeOffset="-1037">13490 11479 6272,'0'-14'2368,"0"14"-1280,0-17-224,0 14 1568,0 3-1344,-2 0 672,2 3-1057,-4 4 321,4 3-576,-9 11 160,2 1-352,-9 16 64,10-1-192,-14 14 64,8 1-96,-6 4 0,3 2-32,-8 4 32,3-2-64,-2 1-32,6-6 32,-3-5-384,8-3 192,-3-9-1568,5-4 960,2-10-3039,3-7 2111,4-15-3040,4-2 2720</inkml:trace>
-          <inkml:trace contextRef="#ctx0" brushRef="#br0" timeOffset="-438">13887 11540 6656,'-4'-17'2528,"4"17"-1344,-7 0-256,3 0 1472,4 3-1344,-8 1 512,5 3-993,-9-1 129,1 5-416,-4 2 32,3 1-192,-7 5 160,3 2-192,-2-1 96,2 4-96,-6-3 160,2 2-160,-7-2 192,12-1-192,-3-4-32,2 6-32,-3-6-128,7 1 64,1-4 32,4 1 0,-4-4 0,6 4 0,1-1 64,4-2-32,0-1 320,4 0-160,1 0 256,2-1-256,1 5 160,3 1-192,1-3 0,3 2-96,-1 0 32,2-1-64,3 1 64,8-1-64,-8-2 128,0-1-96,0-3-448,0 0 192,-3-4-1184,2 0 768,-2-3-2496,-1 0 1761,-4-3-4257,1 3 3136</inkml:trace>
-        </inkml:traceGroup>
-      </inkml:traceGroup>
-    </inkml:traceGroup>
-    <inkml:traceGroup>
-      <inkml:annotationXML>
-        <emma:emma xmlns:emma="http://www.w3.org/2003/04/emma" version="1.0">
-          <emma:interpretation id="{D8CE2DF2-B959-4916-A247-F56328362725}" emma:medium="tactile" emma:mode="ink">
-            <msink:context xmlns:msink="http://schemas.microsoft.com/ink/2010/main" type="paragraph" rotatedBoundingBox="15726,13580 22151,15631 21820,16668 15395,14617" alignmentLevel="1"/>
-          </emma:interpretation>
-        </emma:emma>
-      </inkml:annotationXML>
-      <inkml:traceGroup>
-        <inkml:annotationXML>
-          <emma:emma xmlns:emma="http://www.w3.org/2003/04/emma" version="1.0">
-            <emma:interpretation id="{44D8987D-D8BB-44F5-9BA5-CFB140FF4F53}" emma:medium="tactile" emma:mode="ink">
-              <msink:context xmlns:msink="http://schemas.microsoft.com/ink/2010/main" type="line" rotatedBoundingBox="15726,13580 22151,15631 21820,16668 15395,14617"/>
-            </emma:interpretation>
-          </emma:emma>
-        </inkml:annotationXML>
-        <inkml:traceGroup>
-          <inkml:annotationXML>
-            <emma:emma xmlns:emma="http://www.w3.org/2003/04/emma" version="1.0">
-              <emma:interpretation id="{D765C45D-8C67-4BC2-BF56-52E9BB167089}" emma:medium="tactile" emma:mode="ink">
-                <msink:context xmlns:msink="http://schemas.microsoft.com/ink/2010/main" type="inkWord" rotatedBoundingBox="16890,13952 22151,15631 21820,16668 16559,14988"/>
-              </emma:interpretation>
-              <emma:one-of disjunction-type="recognition" id="oneOf1">
-                <emma:interpretation id="interp5" emma:lang="nb-NO" emma:confidence="0">
-                  <emma:literal>'DemosGouda</emma:literal>
-                </emma:interpretation>
-                <emma:interpretation id="interp6" emma:lang="nb-NO" emma:confidence="0">
-                  <emma:literal>stemor Gud</emma:literal>
-                </emma:interpretation>
-                <emma:interpretation id="interp7" emma:lang="nb-NO" emma:confidence="0">
-                  <emma:literal>bemann Gud</emma:literal>
-                </emma:interpretation>
-                <emma:interpretation id="interp8" emma:lang="nb-NO" emma:confidence="0">
-                  <emma:literal>'Demon-Gouda</emma:literal>
-                </emma:interpretation>
-                <emma:interpretation id="interp9" emma:lang="nb-NO" emma:confidence="0">
-                  <emma:literal>Demo Gud</emma:literal>
-                </emma:interpretation>
-              </emma:one-of>
-            </emma:emma>
-          </inkml:annotationXML>
-          <inkml:trace contextRef="#ctx0" brushRef="#br0" timeOffset="12459">14672 12976 6400,'0'0'2464,"0"0"-1344,4 3-544,-4 1 1440,0 3-1120,-4 6 544,4 4-864,-7 7 192,2 6-449,-5 4 161,-2 0-256,-8 7 64,5-2-160,-4 9 64,4-4-96,-3 4 0,5-4-32,-5 0 32,6-7-64,-3 1 192,8-9-128,-5-5 320,4 0-224,2-14 160,1 0-192,5-17 0,5 2-96,-3-23 224,10 5-160,0-18 256,2 3-256,10-6 32,-2 10-96,6-6-64,-2 9 32,1-3 32,2 11-32,3-5-32,-2 12 32,0-2 32,1 8-32,2 4 64,3 6-64,-2 4 64,-4 2-64,0 8-32,1 2 32,0 11-32,-4 2 0,-2 4 64,-1 4-32,-6 7 64,-2-4-64,-9 4-32,2-4 32,-9-2 96,0 0-64,-12 0 320,1-9-192,-13-5 256,1-3-256,-11-9 256,8 2-256,-8-6 256,3-2-256,-7-2-96,7-2-64,-3-2-128,4 0 64,-4-6-1312,7 2 736,4-6-4352,11 4 2785,0-14-4513,1 3 3808</inkml:trace>
-          <inkml:trace contextRef="#ctx0" brushRef="#br0" timeOffset="13375">15380 13711 6400,'-14'10'2368,"14"-10"-1280,0 2-288,0 3 1152,3-3-1056,1 3 32,3 0-576,1-1 192,-1 3-288,5-7 352,0 3-353,2-3 161,2 0-256,-1 0 64,5 0-128,-2-3 96,2 3-128,-2-4 32,2 1-32,-6-6-64,2 2 32,-5-8 32,2 6-32,-6-5 64,0 8-64,-7-8 192,4 4-128,-8-7 384,1 0-256,-8 3 448,-2 7-384,-5 0 288,2 4-320,-2 0 192,2 6-224,-3 0 64,3 8-160,-2-1 0,2 4-64,-3 6 32,7 0-64,-2 1-96,2-2 32,0 3 32,5-3 0,-1 5 0,5 0 0,-1 0-96,8-4 64,-4 0 96,7 1-32,-3-4-512,3-3 256,2-5-2016,2 1 1248,4-7-5087,0 4 3391</inkml:trace>
-          <inkml:trace contextRef="#ctx0" brushRef="#br0" timeOffset="14344">15979 13735 5632,'-3'-7'2176,"3"7"-1152,0-5 288,0 5 1760,0 5-1632,-4-3 639,4 5-1279,-5 0 352,5 3-672,-4 0 288,1 4-448,-5 6 256,8 1-320,-7 6 64,7 0-192,-7 4 0,3-5-64,-5 1 32,9 1-64,-3-8 128,3-3-96,-4-7-32,8 1 0,-4-11-32,3 0 0,1-14 0,8 0 0,-4-10 0,3 7 0,1-6 0,3 7 0,1-8 64,2 7-32,-3 0 128,4 6-96,-4 1 32,1 7-32,-5-1 96,0 4-96,0 4 32,2 3-32,-6 3 32,0 2-64,-3 2 64,3 3-64,-2-3-96,-1-1 32,0-6 32,-1 3 0,1-6 0,3-1 0,2-10 0,2 4 0,4-11 0,4 1 0,0-3 0,4 6 0,-1-9 0,5 10 0,-4-1 0,-4 3 0,1 0 128,-2 4-64,-2 0 384,-1 6-224,-3 4 384,-1 6-352,-7 3 160,3 8-256,-3 5 128,-1-3-160,-3 1 0,4-3-64,-4 0-128,0-4 32,0-4-672,0 1 384,0-10-2496,0 0 1568,0-11-5855,0 1 3935</inkml:trace>
-          <inkml:trace contextRef="#ctx0" brushRef="#br0" timeOffset="14992">16958 14039 5376,'-8'-10'2016,"8"10"-1088,-7-7 256,2 4 1824,5 6-1632,-6-3 992,-3 0-1441,-5 0 929,5 4-1056,-9-1 480,6 7-736,-11 4 128,8 5-384,-8 3-32,8 0-160,-4-1-64,8 3 0,-1 0-128,4-1 64,4 5-32,8-1 0,0-4 0,8-3 0,-1-3 0,8-3 0,5-4 0,-2 0 0,4-13 64,2 3 0,-2-10-96,-4 3 64,1-10 96,1 0-32,-5-7 320,-4 8-160,-8-8 608,5 4-448,-12-1 448,4 4-448,-12-3 32,4 3-224,-12-4-32,6 4-64,-9-2-1024,4 4 512,-1 3-3488,5 1 2176,2 1-5343,9 7 3967</inkml:trace>
-          <inkml:trace contextRef="#ctx0" brushRef="#br0" timeOffset="15394">17266 14231 11392,'-4'0'4224,"4"0"-2305,9 9-1663,-7-4 1344,7 2-960,2-4 416,0 4-640,5 0 256,-1-2-384,-1 3 256,6-2-288,-4 2 128,2 2-224,2-4-352,-2 2 96,-5-6-2720,1 6 1536,-6-12-5727,3 4 3903</inkml:trace>
-          <inkml:trace contextRef="#ctx0" brushRef="#br0" timeOffset="16629">18394 14014 5120,'-4'-6'2016,"4"6"-1088,-4-10-32,1 7 1632,6 3-1376,-6-7 1088,3 4-1344,-4-4 831,-1 7-1023,-1-7 640,-2 7-800,-4-3 384,0 3-576,-10 0 320,6 6-384,-10 5 192,8 2-256,-14 3 0,6 2-128,-12 6 0,7 0-32,-7 6-64,11 0 32,-7 4 32,8-4-32,-4 12 64,6-9-64,-3 4-32,13-3 32,-1 6-128,3-2 64,0 3 32,9-2 0,3 3-96,3-2 64,5-6-32,8 0 0,6-3-96,0-4 96,6-11-32,2 2 32,0-8-96,5 0 96,-1-6-256,0 2 192,1-10-32,-1 4 96,-8-6 64,2 0 0,-6-4 0,-2 6 0,-5-10 64,-1 8-32,-5-11 256,-3 7-160,-6-7 448,5 3-320,-12-7 224,3 8-256,-8-3 0,4 6-128,-6-8-64,6 8 0,-8-4-832,9 5 448,-4-6-2368,2 6 1472,2-6-5407,3 9 3711</inkml:trace>
-          <inkml:trace contextRef="#ctx0" brushRef="#br0" timeOffset="25200">18752 14638 4736,'0'-7'1824,"0"7"-960,-3 0-160,-1 0 1344,8 0-1088,-4 0 640,0 3-928,-4 1 544,4 3-704,-4-1 320,0 1-512,-3 7 415,2 0-447,-10-1 288,8 4-320,-9 0 128,5 4-224,-4-1 0,8-1-96,-9 5 32,9-3-64,-4-4 64,7 3-64,-5-3 64,6 0-64,-5 0 64,8 0-64,-3-3-32,3 3 32,0-3-128,7-2 64,0 2 96,9-1-32,-1-2-32,1-1 32,-1-7-32,3 4 0,-2-7 128,6 4-64,-6-4 128,-1 0-128,1-4-32,2 4 0,-2-3 32,3-1-32,-5-3 64,2 4-64,-5-7-32,5 3 32,-5-7 96,4 4-64,-3-7 128,-1 8-128,2-6 128,-2 6-128,0-4 128,0 6-128,1-7 32,-1 4-32,-3-4 32,4 4-64,-5-4-32,4 4 32,-3-3 32,-1 6-32,0-3-736,2 3 416,-5 0-3424,-1 0 2049,1 5-4513,0 2 3488</inkml:trace>
-          <inkml:trace contextRef="#ctx0" brushRef="#br0" timeOffset="25802">19464 14983 6400,'0'-13'2464,"0"13"-1344,-18-4-256,10 1 1696,8 6-1408,-12-3 1023,5 0-1311,-8 0 608,8 4-832,-17-1 416,8 7-608,-9 0 96,5 4-288,-7 3 32,5 2-160,-1 3-128,3 1-32,2-3-128,5 4 96,2-4 32,8 4 32,-1-3 0,8-4 0,3-5-160,5 2 96,3-11-896,1 4 544,-1-7-3008,3 0 1921,2-7-4449,-2 2 3360</inkml:trace>
-          <inkml:trace contextRef="#ctx0" brushRef="#br0" timeOffset="26402">19998 14390 6784,'-5'4'2624,"5"-4"-1408,-2 17-576,-3-14 1408,10 4-1152,-10 0 640,5 3-896,-7 4 607,3-1-703,-4 8 576,1-1-640,-9 6 512,5 3-544,-7 0 256,2 5-416,-8 0 352,6-1-384,-9 5 384,5-1-384,-9 1 288,8 3-288,-11-2 352,7 2-352,-4 4 96,9-1-224,-9 4 160,8-2-192,-3-2 32,3-6-64,-4-2-64,8-5 32,0-7-896,4 0 480,-1-11-2944,5 1 1856,0-7-5855,7 0 4095</inkml:trace>
-          <inkml:trace contextRef="#ctx0" brushRef="#br0" timeOffset="51544">13330 14272 4736,'-9'-2'1760,"9"2"-960,0-7-32,0 1 1184,4 2-1056,0-9 544,3 1-864,0-7 480,2 1-608,2-4 192,0 3-384,0-1 0,2 7-160,-1-2 288,-1 5-192,0 0 319,0 4-287,-2 5 160,0 2-224,-3 8 288,-1 2-256,-4 7 160,0 0-192,-2 5 0,1 3-96,-3 2-832,0-2 416,-2 2-3935,1-3 2367,-4-4-3552,3-3 3104</inkml:trace>
-        </inkml:traceGroup>
-      </inkml:traceGroup>
-    </inkml:traceGroup>
-    <inkml:traceGroup>
-      <inkml:annotationXML>
-        <emma:emma xmlns:emma="http://www.w3.org/2003/04/emma" version="1.0">
-          <emma:interpretation id="{58B1220E-C307-4B1F-88A9-5DF92CF57776}" emma:medium="tactile" emma:mode="ink">
-            <msink:context xmlns:msink="http://schemas.microsoft.com/ink/2010/main" type="paragraph" rotatedBoundingBox="15120,14375 15953,15971 15081,16426 14248,14831" alignmentLevel="1"/>
-          </emma:interpretation>
-        </emma:emma>
-      </inkml:annotationXML>
-      <inkml:traceGroup>
-        <inkml:annotationXML>
-          <emma:emma xmlns:emma="http://www.w3.org/2003/04/emma" version="1.0">
-            <emma:interpretation id="{DC29F084-EB18-4E9B-8B03-301A398D7524}" emma:medium="tactile" emma:mode="ink">
-              <msink:context xmlns:msink="http://schemas.microsoft.com/ink/2010/main" type="line" rotatedBoundingBox="15120,14375 15953,15971 15081,16426 14248,14831"/>
-            </emma:interpretation>
-          </emma:emma>
-        </inkml:annotationXML>
-        <inkml:traceGroup>
-          <inkml:annotationXML>
-            <emma:emma xmlns:emma="http://www.w3.org/2003/04/emma" version="1.0">
-              <emma:interpretation id="{494F11A9-C46A-43A5-8AF5-46227794B6E8}" emma:medium="tactile" emma:mode="ink">
-                <msink:context xmlns:msink="http://schemas.microsoft.com/ink/2010/main" type="inkWord" rotatedBoundingBox="15120,14375 15953,15971 15081,16426 14248,14831">
-                  <msink:destinationLink direction="with" ref="{33613C24-F708-4CE8-AB16-9FAFBE05EB66}"/>
-                  <msink:destinationLink direction="with" ref="{B3301AE9-6B9C-4AB7-B4EE-4358E9DFCA33}"/>
-                </msink:context>
-              </emma:interpretation>
-              <emma:one-of disjunction-type="recognition" id="oneOf2">
-                <emma:interpretation id="interp10" emma:lang="nb-NO" emma:confidence="0">
-                  <emma:literal>sko.</emma:literal>
-                </emma:interpretation>
-                <emma:interpretation id="interp11" emma:lang="nb-NO" emma:confidence="0">
-                  <emma:literal>rho.</emma:literal>
-                </emma:interpretation>
-                <emma:interpretation id="interp12" emma:lang="nb-NO" emma:confidence="0">
-                  <emma:literal>kat.</emma:literal>
-                </emma:interpretation>
-                <emma:interpretation id="interp13" emma:lang="nb-NO" emma:confidence="0">
-                  <emma:literal>ha.</emma:literal>
-                </emma:interpretation>
-                <emma:interpretation id="interp14" emma:lang="nb-NO" emma:confidence="0">
-                  <emma:literal>Ö-Ä*</emma:literal>
-                </emma:interpretation>
-              </emma:one-of>
-            </emma:emma>
-          </inkml:annotationXML>
-          <inkml:trace contextRef="#ctx0" brushRef="#br0" timeOffset="53861">12599 13354 5504,'-18'0'2112,"18"0"-1152,-19 3-352,13-1 1440,5-1-1120,-8 0 832,5 2-1056,-7 0 576,3 1-768,-6 2 447,2 1-543,-7 1 192,3 2-352,-6 2 64,5 1-192,-5 5 64,3-1-96,1 4-64,3 0 0,-1 3-32,4 1 0,-1 5-96,4-4 64,-2 6 32,3-3 0,1 8 0,3-5 0,1 2 0,3-1 0,0 0-96,3-3 64,2 3-32,3-2 0,3-1 64,3-4 0,1 2 0,3-2 0,2-2 64,-1-2-32,3-1-96,-2-2 32,2-2 32,0-3 0,5-2 0,-2-4 0,3-4-96,-1-1 64,0-7 32,-3-2 0,3-6 64,-2 0-32,2-5-32,-2 1 32,0-6-32,-1 1 0,-1-6 0,-1 1 0,-4-6 64,0 6-32,-4-7 64,0 3-64,-3-5-32,-2 6 32,-2-7 96,-3 5-64,-4-5 32,0 5-32,-7-6 160,-1 7-128,-8-1 256,2 4-224,-5 0 384,2 6-288,-8 4 224,3 4-224,-8 2 0,4 4-128,-9 0-64,7 4 0,-5 0-608,5 2 320,-3-3-3840,7 2 2241,1 0-4705,5 2 3712</inkml:trace>
-          <inkml:trace contextRef="#ctx0" brushRef="#br0" timeOffset="58265">12830 13728 2176,'0'0'864,"0"0"-448,0 0 128,0 0 1152,0 0-896,0 0 672,0 0-864,-2-2 448,2 2-608,-2-2 608,0 0-608,-1-1 480,2 2-512,-4-2 320,2 2-416,-1-3 256,-2 2-320,0-3 192,2 2-224,-2-4 0,0 3-128,0-6 0,3 5-32,-3-2 32,3 2-64,-2-3-32,3 4 32,-1-1-32,1 0 0,0 1-1280,2 1 704,-2 2-3424,4 1 2208</inkml:trace>
-          <inkml:trace contextRef="#ctx0" brushRef="#br0" timeOffset="54677">12674 13710 5888,'-3'0'2176,"3"0"-1152,2-2-640,-1 1 1024,0 2-800,1-1 608,1 0-704,1 0 512,2 2-576,0-2 256,2 3-416,1-1 0,2 3-192,2-1-64,0 1 0,3 1 32,2-1-32,1 1-32,1 0 32,-1-2-2720,0 2 1472,-2-2-3872,0 2 2848</inkml:trace>
-          <inkml:trace contextRef="#ctx0" brushRef="#br0" timeOffset="56331">12640 13962 3200,'-2'-3'1216,"2"3"-640,3 2 96,-3-2 1120,2 1-992,-1 0 480,3 2-768,-3 0 288,2 1-480,0 1 192,2 0-288,-1-1 0,3 2-128,1-1 224,-1 2-192,2-1 32,0-1-96,0-1-192,0 1 64,2-4-2848,2 2 1568,-1-2-2880,1 0 2400</inkml:trace>
-          <inkml:trace contextRef="#ctx0" brushRef="#br0" timeOffset="-3786">13316 13162 4992,'0'-8'1824,"0"8"-960,16-12-96,-5 4 1472,0 8-1216,7-14 864,6 4-1152,3-14 704,2 5-832,3-15 223,-6 11-479,4-11-128,1 7-128,3-7 64,-3 6-96,3-1-576,0 5 256,-4-8-3615,2 12 2111,-6-6-3616,-4 5 3040</inkml:trace>
-          <inkml:trace contextRef="#ctx0" brushRef="#br0" timeOffset="-16909">11971 15450 5376,'-4'-14'2016,"4"14"-1088,4 7-256,-4-7 1568,3 4-1248,-3-8 896,4 4-1152,1-7 640,-3 4-833,3-6 513,3-1-608,-1-11 320,0 8-448,2-11 320,2 7-352,0-11 352,5 5-384,-1-10 288,-1 4-288,2-7 352,3 5-352,-3-6 288,2 10-288,2-11 128,-2 5-224,2-11 128,2 10-160,-2-7 224,3 8-224,-5-11 96,2 6-128,-5-6 160,4 6-160,-4-5 256,5 9-224,-6-7 96,1 12-128,-3-10 96,-1 9-128,1-4 32,0 7-32,-5-4-64,1 11 32,-1-6 32,0 9-32,2-4-928,-2 8 480,-3-1-2944,0 4 1888,-1 0-5919,1 3 4127</inkml:trace>
-          <inkml:trace contextRef="#ctx0" brushRef="#br0" timeOffset="49759">12514 14216 6656,'-5'-1'2464,"5"1"-1344,0 1-608,0-1 1248,2 3-992,-1 0 640,4 1-864,0 2 448,3-1-577,3 4 257,1 3-384,3 4 0,3 2-192,1 1-64,0 0 0,0 3-32,-2 0 0,1 2 0,0 2 0,0-1 64,1-3-32,0-1 128,0-3-96,-2-1 320,3-3-192,-7-2 256,1-2-256,-1-1 160,-2-3-192,-2-2 224,1 0-256,-2-4 384,0-4-288,2-6 224,0 0-224,1-10 224,1 3-256,3-10 32,1 5-128,5-10 0,0 7-32,1-6-64,-2 7 32,2-3 96,-2 6-64,-3-1-928,-1 4 448,-2 0-4544,-1 6 2721,-1-1-4545,-2 3 3872</inkml:trace>
-          <inkml:trace contextRef="#ctx0" brushRef="#br0" timeOffset="48958">12546 14267 5888,'-8'-3'2176,"8"3"-1152,-5 4 0,5-1 1440,1 1-1344,-1 3 320,4 3-896,0 3-32,4 3-320,3 5-33,3 0-95,3 7 96,1 0-96,0 7 480,2 1-320,0 6 128,0-1-224,2 6-192,0-2 0,1 5 32,-1-4 32,0 3 0,0-8 0,-1 4 0,-3-6 0,1-2 0,-4-4 0,0-3 64,-1-5-32,-1-1-32,-1-3 32,-1-3 160,0-3-96,-2-6 320,1-2-224,-3-10 256,3-1-256,1-17 160,0 0-192,3-17 224,0 4-256,4-17 256,2 4-256,2-15 320,0 11-256,1-9 160,1 9-192,1-8 64,-1 9-128,0-3 0,-4 11-32,1 1-896,-4 7 448,-1-1-4352,-2 11 2625,-4-2-4545,0 7 3776</inkml:trace>
-        </inkml:traceGroup>
-      </inkml:traceGroup>
-    </inkml:traceGroup>
   </inkml:traceGroup>
 </inkml:ink>
 </file>
@@ -1640,7 +1661,7 @@
           <inkml:channelProperty channel="F" name="resolution" value="0" units="1/dev"/>
         </inkml:channelProperties>
       </inkml:inkSource>
-      <inkml:timestamp xml:id="ts0" timeString="2016-11-15T13:11:17.998"/>
+      <inkml:timestamp xml:id="ts0" timeString="2016-11-19T20:42:05.014"/>
     </inkml:context>
     <inkml:brush xml:id="br0">
       <inkml:brushProperty name="width" value="0.06667" units="cm"/>
@@ -1650,14 +1671,15 @@
   <inkml:traceGroup>
     <inkml:annotationXML>
       <emma:emma xmlns:emma="http://www.w3.org/2003/04/emma" version="1.0">
-        <emma:interpretation id="{33613C24-F708-4CE8-AB16-9FAFBE05EB66}" emma:medium="tactile" emma:mode="ink">
-          <msink:context xmlns:msink="http://schemas.microsoft.com/ink/2010/main" type="inkDrawing" rotatedBoundingBox="14112,16686 14671,15502 14709,15520 14150,16705" semanticType="callout" shapeName="Other">
-            <msink:sourceLink direction="with" ref="{494F11A9-C46A-43A5-8AF5-46227794B6E8}"/>
+        <emma:interpretation id="{8276E797-4852-4E8D-A220-2070CAA198A1}" emma:medium="tactile" emma:mode="ink">
+          <msink:context xmlns:msink="http://schemas.microsoft.com/ink/2010/main" type="inkDrawing" rotatedBoundingBox="22416,15076 24931,14942 24939,15092 22424,15226" semanticType="underline" shapeName="Other">
+            <msink:sourceLink direction="with" ref="{ECE4218F-5FA8-4652-9179-BF850096B3B2}"/>
+            <msink:destinationLink direction="with" ref="{0F3CE142-187D-4AB5-A4B0-B0E3B6F79705}"/>
           </msink:context>
         </emma:interpretation>
       </emma:emma>
     </inkml:annotationXML>
-    <inkml:trace contextRef="#ctx0" brushRef="#br0">13181 14216 7296,'-3'-6'2720,"3"6"-1472,3-12-1120,-1 4 960,2 2-672,1-6 416,0-2-480,0-3 320,1 4-384,2-5 192,1 2-256,0-2 64,1 3-160,-1-3 64,3 2-97,-1-1 1,0 5-32,0 0 384,-2 4-256,0 3 416,0 5-352,-4 5 160,1 3-256,-5 6 128,0 2-160,-2 6 64,1 1-96,-3 4 0,1-3-32,-1 4-64,1 0 32,-2 0-32,0-4 0,0 0-448,3-4 256,-3-5-1024,3-4 640,-1-7-1183,2 0 959,0-8-2400,2 0 1792,-1-2-2752,3-2 2368</inkml:trace>
+    <inkml:trace contextRef="#ctx0" brushRef="#br0">6786 7480 5120,'-3'0'1920,"6"0"-1024,1 0-128,3 0 704,1 3-256,-1-3-64,5 0-224,14 0-128,-3 0-416,2-3 96,10-3 96,9-5-192,12-1-64,15 1 31,12-5 97,-1-3-128,11 0 64,23-4-160,1-4-64,6 6-64,11-3 0,16 4-128,0 4 0,-5 7 96,24 2 32,-5 7-32,-7 4-64,8-1-64,8 0-32,-13 3 128,1 5 32,0-1-96,-4-1 32,-9 0 0,-8 0 0,-6 3-448,-2-3-160,-13 0-1375,-11-2-577,-6 0-1696</inkml:trace>
   </inkml:traceGroup>
 </inkml:ink>
 </file>
@@ -1678,7 +1700,7 @@
           <inkml:channelProperty channel="F" name="resolution" value="0" units="1/dev"/>
         </inkml:channelProperties>
       </inkml:inkSource>
-      <inkml:timestamp xml:id="ts0" timeString="2016-11-15T13:10:09.214"/>
+      <inkml:timestamp xml:id="ts0" timeString="2016-11-19T20:42:04.279"/>
     </inkml:context>
     <inkml:brush xml:id="br0">
       <inkml:brushProperty name="width" value="0.06667" units="cm"/>
@@ -1688,14 +1710,14 @@
   <inkml:traceGroup>
     <inkml:annotationXML>
       <emma:emma xmlns:emma="http://www.w3.org/2003/04/emma" version="1.0">
-        <emma:interpretation id="{B3301AE9-6B9C-4AB7-B4EE-4358E9DFCA33}" emma:medium="tactile" emma:mode="ink">
-          <msink:context xmlns:msink="http://schemas.microsoft.com/ink/2010/main" type="inkDrawing" rotatedBoundingBox="13034,16727 15583,16713 15587,17564 13039,17578" semanticType="callout" shapeName="Other">
-            <msink:sourceLink direction="with" ref="{494F11A9-C46A-43A5-8AF5-46227794B6E8}"/>
+        <emma:interpretation id="{0F3CE142-187D-4AB5-A4B0-B0E3B6F79705}" emma:medium="tactile" emma:mode="ink">
+          <msink:context xmlns:msink="http://schemas.microsoft.com/ink/2010/main" type="inkDrawing" rotatedBoundingBox="22423,15240 22448,17066 22434,17067 22409,15241" semanticType="callout" shapeName="Other">
+            <msink:sourceLink direction="with" ref="{8276E797-4852-4E8D-A220-2070CAA198A1}"/>
           </msink:context>
         </emma:interpretation>
       </emma:emma>
     </inkml:annotationXML>
-    <inkml:trace contextRef="#ctx0" brushRef="#br0">10901 16327 6912,'-12'3'2624,"12"-3"-1408,0 7-448,0-7 1568,4 0-1280,1 0 735,6 0-1055,0 0 608,5 0-800,6 0 448,1 0-576,8 0 192,-2 0-352,9-3 64,0-1-192,9-1 160,-2-2-192,13-8 192,-5 8-192,12-5 256,-5 2-224,5-7 160,-7 6-160,2-2 64,1 2-96,4-2-64,-8 6 0,12-3 32,-4 6-32,7-2-32,-7 2 32,-1-3 96,-3 7-64,1-6 192,-6 6-160,9-7 96,-7 7-96,2-7 0,-2 7-32,3-2 32,-4 4-64,-3-2 64,-5 3-64,0-3 128,-6 4-96,-3-4-32,-2 0 0,2 0-32,-2 0 0,0 0 64,-4 0-32,-3 0 64,-2 0-64,-2 0 128,0 0-96,-5 0-32,-2 0 0,-2 0-32,2 0 0,-5 0 0,1 0 0,-5 0 0,0 0 0,-4 0 64,5 0-32,-4 0 64,3 0-64,-4 0-32,2 0 32,-2 0-32,1 0 0,-5 0 0,1 0 0,1 0 0,-3 0 0,-2 0 0,0 0 0,0 0 0,0 0 0,0 0-96,0 0 64,-2 0 96,2 0-32,-5 0 64,1 0-64,-3-4-32,7 4 32,-4-3-128,4 3 64,-7-2 96,3 2-32,-3-5-32,2 5 32,-6-2-32,3-3 0,-4 0 0,5 0 0,-8-4 0,4-1 0,-9-4 0,6 4 0,-6-4 0,5 7 0,-4-6 64,4 6-32,-5-7-32,9 4 32,-7-3-128,6 2 64,-7-6 32,7 7 0,-10-4 0,6 4 0,-6-6 64,2 6-32,-2-4-32,2 8 32,-10-8 32,6 4-32,-1-4 128,1 7-96,-5-6-32,5 6 0,-6-7 32,3 7-32,-8-6-32,13 4 32,-8-6 32,10 8-32,-11-5-32,13 1 32,-9-2-32,8 6 0,-4-7 64,5 7-32,-6-6-96,6 6 32,-5-7 32,3 8 0,-2-8 128,2 7-64,-7-6 32,9 6-32,-9-2-128,8 2 32,-4-3 32,5 5 0,-6-4 64,5 6-32,-7-4-32,3 3 32,-4-4-128,8 8 64,-4-5 32,4 5 0,-4-7 0,7 7 0,-2-7-96,7 7 64,-9-7 96,9 7-32,-5-7-32,9 7 32,-4-6-32,7 6 0,-7-7-96,6 3 64,-2-2 32,3 2 0,-3-3-448,7 7 256,-8-6-1664,8 6 1024,-3-7-6784,3 7 4225</inkml:trace>
+    <inkml:trace contextRef="#ctx0" brushRef="#br0">6791 7516 4352,'-11'-24'1664,"11"15"-896,-5-4 288,5 8 800,0 3 160,-2-1 64,2 3-384,0 12-97,0 11-895,2 14 160,3 14 32,-1 18-128,0 24-64,-1 18-32,1 23-32,1 30-160,-3 26 32,-2 11 0,0 7-32,0 0-32,0-4 32,5-8-256,-5-20-128,0-21-160,4-19 32,0-18 96,-1-28 32,-3-21-832,0-20-288,0-17-1120,-3-20-480,-5-18-3327</inkml:trace>
   </inkml:traceGroup>
 </inkml:ink>
 </file>
@@ -1804,7 +1826,7 @@
           <inkml:channelProperty channel="F" name="resolution" value="0" units="1/dev"/>
         </inkml:channelProperties>
       </inkml:inkSource>
-      <inkml:timestamp xml:id="ts0" timeString="2016-11-15T13:37:55.908"/>
+      <inkml:timestamp xml:id="ts0" timeString="2016-11-19T20:42:05.866"/>
     </inkml:context>
     <inkml:brush xml:id="br0">
       <inkml:brushProperty name="width" value="0.06667" units="cm"/>
@@ -1814,16 +1836,12 @@
   <inkml:traceGroup>
     <inkml:annotationXML>
       <emma:emma xmlns:emma="http://www.w3.org/2003/04/emma" version="1.0">
-        <emma:interpretation id="{635A4E77-3146-40CE-8285-2B95B7EB789B}" emma:medium="tactile" emma:mode="ink">
-          <msink:context xmlns:msink="http://schemas.microsoft.com/ink/2010/main" type="inkDrawing" rotatedBoundingBox="23699,7237 26243,5233 26608,5697 24064,7700" semanticType="callout" shapeName="Other">
-            <msink:sourceLink direction="from" ref="{49152D80-7732-48FE-AD3E-02F963560AF7}"/>
-            <msink:sourceLink direction="to" ref="{45E13D25-CF07-4CD8-A1F8-90215F2344A3}"/>
-          </msink:context>
+        <emma:interpretation id="{5F19E05B-A6E6-4043-BC4B-71FE09D22469}" emma:medium="tactile" emma:mode="ink">
+          <msink:context xmlns:msink="http://schemas.microsoft.com/ink/2010/main" type="inkDrawing" rotatedBoundingBox="25015,15069 25086,16719 25079,16720 25008,15070" semanticType="underline" shapeName="Other"/>
         </emma:interpretation>
       </emma:emma>
     </inkml:annotationXML>
-    <inkml:trace contextRef="#ctx0" brushRef="#br0">26466 10103 4352,'-4'-4'1664,"4"4"-896,0 4 224,0-4 1760,0 0-1504,0 0 1120,4 0-1408,1-4 639,5-2-927,7-1 480,2-3-672,8-9 448,3 6-512,7-10 384,5 4-448,4-8 320,0 4-384,11-13 256,-9 7-288,3-13 192,-5 11-224,0-11 128,2 0-192,-2-4 224,-1 14-256,7-14 160,1 15-160,3-14 160,1 12-192,6-13 256,-7 14-224,11-10 96,-4 5-128,-2-14 0,-4 11-32,0-16 160,1 10-128,3-9 96,2 13-96,-2-8 96,2 8-128,4-7 32,-6 12-32,2-5 32,-2 14-64,2-9 128,-7 5-96,-5-4-32,-3 9 0,-8-6-32,2 5 0,-5-3 128,-1 8-64,0-9 32,-5 9-32,-1-6 96,7 12-96,-5-6 32,4 8-32,-5-8 32,0 9-64,-5-3 128,-1 8-96,-4-5 32,4 5-32,-8-5-544,2 9 256,-7-9-3200,3 10 1856,-9-11-6943,-2 6 4767</inkml:trace>
-    <inkml:trace contextRef="#ctx0" brushRef="#br0" timeOffset="60675">27480 8922 4992,'31'-22'1824,"-31"22"-960,51-37-224,-24 24 1024,-2 3-896,17-13 544,4 4-800,0-13 448,5 5-544,22-32 256,5 3-384,0-5 192,-7 12-256,13-11 64,-17 15-160,6-11 224,-12 14-225,2-4 97,-12 14-128,-5-5 96,-9 15-128,-1-11-32,-5 20 0,-5-6-32,-5 9 0,-2-3 64,2 9-32,-9-10 128,3 9-96,-11-9 128,2 11-128,-6-7 128,5 10-128,-5-6 32,0 6-32,0-4-64,0 8 32,0-4-32,6 10 0,-2-1-96,2 5 64,-1 5 32,5-2 0,-4 8 0,3 5 0,7-1 0,-1 4 0,6-7 64,0 7-32,0-6 128,4 1-96,-4-5-96,6 0 0,-6-10-2655,-2 7 1471,-8-13-4448,5 8 3200</inkml:trace>
+    <inkml:trace contextRef="#ctx0" brushRef="#br0">9379 7292 6656,'-3'-3'2528,"3"3"-1344,-5 5-544,5 0 768,0 2 0,0-5 32,0 11-193,0-3 33,5 13-704,-2-4 224,0 29 96,1-4 64,1 37 128,-1-14-96,-1 51 32,1-14-224,2 42-96,-2-23-256,1 33-32,-3-19-192,7 28 32,-3-25-96,3 27 64,-6-26-128,5 9 0,-1-23 32,1-4 0,-5-15-160,1-20-32,0-14-672,-1-28-320,-3-8-1216,0-41-544,0 3-3679</inkml:trace>
   </inkml:traceGroup>
 </inkml:ink>
 </file>
@@ -1844,7 +1862,7 @@
           <inkml:channelProperty channel="F" name="resolution" value="0" units="1/dev"/>
         </inkml:channelProperties>
       </inkml:inkSource>
-      <inkml:timestamp xml:id="ts0" timeString="2016-11-15T13:38:01.501"/>
+      <inkml:timestamp xml:id="ts0" timeString="2016-11-19T20:42:57.424"/>
     </inkml:context>
     <inkml:brush xml:id="br0">
       <inkml:brushProperty name="width" value="0.06667" units="cm"/>
@@ -1854,20 +1872,65 @@
   <inkml:traceGroup>
     <inkml:annotationXML>
       <emma:emma xmlns:emma="http://www.w3.org/2003/04/emma" version="1.0">
-        <emma:interpretation id="{B0C2A37F-8643-410E-B740-5518C415D88A}" emma:medium="tactile" emma:mode="ink">
-          <msink:context xmlns:msink="http://schemas.microsoft.com/ink/2010/main" type="inkDrawing" rotatedBoundingBox="23188,5006 25101,12264 21711,13158 19798,5900" semanticType="callout" shapeName="Other">
-            <msink:sourceLink direction="to" ref="{45F2CD27-CEEA-40DD-A99C-D5E09651AF95}"/>
-            <msink:sourceLink direction="from" ref="{A26CD353-619C-42C9-B268-89E1A2013F61}"/>
+        <emma:interpretation id="{FC14C35F-EB30-4AE4-898D-02DF0F732229}" emma:medium="tactile" emma:mode="ink">
+          <msink:context xmlns:msink="http://schemas.microsoft.com/ink/2010/main" type="writingRegion" rotatedBoundingBox="26012,13173 25801,14395 24245,14126 24456,12904">
+            <msink:destinationLink direction="with" ref="{5739B0B6-93DB-4460-BC61-DCAE2E08AB43}"/>
           </msink:context>
         </emma:interpretation>
       </emma:emma>
     </inkml:annotationXML>
-    <inkml:trace contextRef="#ctx0" brushRef="#br0">25532 10217 4352,'-11'46'1664,"11"-46"-896,-6 42-608,2-23 416,8-1-320,-4 10 0,0 4-160,0 8 0,0 6-32,0 14-128,6-5 32,-6 10 32,6 0 0,-6 8 64,5 1-32,-1 4-96,2-5 32,0 6 32,-3-7 0,-3 12 64,6-6-32,-6 4-96,6-9 32,-6 12 32,4-13 0,-4 10 64,5-8-32,1 5 64,0-10-64,-6 3-32,0-3 32,0 10-128,0-15 64,0 5 32,0-10 0,0 7 64,0-2-32,0 5-32,0-6 32,0 2-128,0-6 64,0 3 32,0-7 0,0 4 0,0-3 0,0-1 0,4-6 0,-4 7 0,0-6 0,0 5 64,0 0-32,0 1 64,0-6-64,0 1-160,0-1 64,0 1-32,0-1 32,0 6 128,0 3-32,0-14-32,0-3 32,0 14-32,0-6 0,0-8-96,0-6 64,0 6 96,0-6-32,0 6-32,0-5 32,0 5-32,0-6 0,0 1 0,11-5 0,-7 4 64,2 0-32,-1 2-32,1-1 32,-2 12 96,2 13-64,-6-16 256,5-6-192,-5 2 96,0 0-128,0-2 0,0-2-32,0-2-128,4-3 32,2-2 32,0-3 0,-2-1 0,1 2 0,1-7 0,0 6 0,-6-10-448,4 0 256,-4-9-1664,0 0 1024,0 5-1760,5 0 1472</inkml:trace>
-    <inkml:trace contextRef="#ctx0" brushRef="#br0" timeOffset="1169">26500 14798 2816,'0'19'1120,"0"-19"-576,0 55-224,0-41 736,0-4-576,0 2 32,0 8-320,0-3-96,0 2-64,0 1 32,0 2-32,0 1-32,0 0 32,0 0 32,0 0-32,0-6 64,0 2-64,0-5 64,0-1-64,0-4 256,0 1-160,0-6 160,0 6-160,0-10 160,0 5-192,-6-5 96,0 4-96,-4 0 0,10 1-32,-11-5-64,11 4 32,-9-4 32,-3 0-32,-8 0-32,9 0 32,-4 0 96,5 0-64,-5 0 256,4 6-192,-11-2 256,13 0-256,-12 2 256,6-2-256,-6-4 160,5 0-160,-14 0 224,9 0-224,-10-4 320,5 4-256,-5-6 448,4 2-352,-7-6 448,2 10-448,-5-9 224,6 9-288,-5-8 0,12 8-128,-9-5 160,8 5-160,-5-4 32,8 8-64,-4-4-544,4 0 256,-2 0-4352,3 0 2528</inkml:trace>
-    <inkml:trace contextRef="#ctx0" brushRef="#br0" timeOffset="-13484">25666 10052 3712,'-21'4'1408,"21"-4"-768,6 6 384,-6-3 1536,0 1-1344,0-4 832,4 6-1216,1-6 736,1 0-896,0 0 575,-2 0-735,1 0 384,1 0-544,-2 0 128,7 0-320,5 0 64,-1 10-128,6-7 0,0 1-32,4-4 32,1 6-64,-1-6 64,2 0-64,-2 0-32,2 0 32,-2 0 32,7 0-32,-7 0-1152,2 4 608,-6 2-5343,-2-3 3231</inkml:trace>
-    <inkml:trace contextRef="#ctx0" brushRef="#br0" timeOffset="-6810">25733 10108 4096,'-5'4'1568,"5"-4"-832,-4-4 192,-2-2 1696,12 12-1408,-6-12 1152,0 6-1440,0-4 896,0-2-1089,0-1 417,0 7-672,0-6 288,0 6-448,0-3 256,4 6-320,1-3 192,5 0-224,7 0 224,-2 0-256,6 0 160,-1 0-192,1 0 64,5 6-128,-1-3 96,6 1-128,-5-4 32,5 0-32,0-4 96,1 4-96,-1-3 128,-1 3-128,1-6 128,1 3-128,-7-7 192,6 6-160,-5-6 32,-1 10-64,-4-6 32,0 12-64,-5-12-1152,-1 6 608,-4-9-3584,5 5 2272,-7-9-4767,6 7 3711</inkml:trace>
-    <inkml:trace contextRef="#ctx0" brushRef="#br0" timeOffset="-1300">26411 10232 640,'-6'53'352,"6"-53"-192,6 29-64,-6-20 768,0-1-480,0 11 768,0 0-672,0 4 480,0 0-544,0 10 480,0 3-512,0 4 288,0 6-384,0 2 128,0-8-256,0 11 224,0-1-256,0 5 320,0-5-256,0 6 160,0-1-192,0 0 288,0 1-256,-6-1 96,6 1-160,-5 3 0,-1-4-64,-4 4 96,10-3-96,-6 3 32,6-3-32,-4 3 32,4-4-64,-5 4 192,10-3-128,-5 5 96,0-2-96,0 0 96,0 1-128,0 1 32,0-8-32,0 12-64,4-9 32,2 3-32,0-4 0,-2 1 0,2-1 0,-1 0 128,1-5-64,-6 2 192,3-3-160,-3 7-32,0-1-32,0 1-128,0-7 64,0 7 32,6-7 0,0 3 64,-2-2-32,2 1-32,0-5 32,-2 4-128,1 1 64,1-1 32,-1-4 0,-1 0 64,2 0-32,0 5-32,-2 5 32,2 35-128,-1 1 64,1-10 96,-3-13-32,3-8-32,0-11 32,-6-4-32,4 0 0,2 9 0,3 0 0,-3 5-448,5 5 256,-7 49-896,8 1 608,-12-18-2976,4-15 1952,-4-13-2048,0-13 2048</inkml:trace>
-    <inkml:trace contextRef="#ctx0" brushRef="#br0" timeOffset="-20987">22384 8548 6272,'-6'-17'2368,"6"17"-1280,0 4-512,0-4 1376,6 4-1120,-2 2 608,7-3-864,-1 3 416,5 2-577,0 1 257,6 10-384,0 4 128,6 0-256,13 4 288,2 2-256,19 3 160,6-1-192,6 1 128,-4 6-160,1-1 64,3-5-96,5-1 160,-1 7-160,16-2 256,-5 1-224,12 8 96,-12 7-128,3-2 96,-3 5-128,52 18 32,-5 1-32,5-9 96,-16-6-96,0-3-32,-15-6 0,4-5 32,-16-3-32,18 4 64,-6-9-64,-16-5 64,-10-5-64,-11 2-32,-5-3 32,0 3 32,-10 3-32,1-5 128,-13 0-96,-3-4-448,-5-4 192,-7 0-2592,-5 4 1536,-4-10-5247,0 6 3615</inkml:trace>
+    <inkml:traceGroup>
+      <inkml:annotationXML>
+        <emma:emma xmlns:emma="http://www.w3.org/2003/04/emma" version="1.0">
+          <emma:interpretation id="{7B864FB2-B6DA-4EE2-884B-13485F098BBB}" emma:medium="tactile" emma:mode="ink">
+            <msink:context xmlns:msink="http://schemas.microsoft.com/ink/2010/main" type="paragraph" rotatedBoundingBox="26012,13173 25801,14395 24245,14126 24456,12904" alignmentLevel="1"/>
+          </emma:interpretation>
+        </emma:emma>
+      </inkml:annotationXML>
+      <inkml:traceGroup>
+        <inkml:annotationXML>
+          <emma:emma xmlns:emma="http://www.w3.org/2003/04/emma" version="1.0">
+            <emma:interpretation id="{BE51B883-A1B4-4C3D-9E3C-6C07A184106D}" emma:medium="tactile" emma:mode="ink">
+              <msink:context xmlns:msink="http://schemas.microsoft.com/ink/2010/main" type="line" rotatedBoundingBox="26012,13173 25801,14395 24245,14126 24456,12904"/>
+            </emma:interpretation>
+          </emma:emma>
+        </inkml:annotationXML>
+        <inkml:traceGroup>
+          <inkml:annotationXML>
+            <emma:emma xmlns:emma="http://www.w3.org/2003/04/emma" version="1.0">
+              <emma:interpretation id="{8737335D-21A9-4074-BC7A-1EAD5CE4D303}" emma:medium="tactile" emma:mode="ink">
+                <msink:context xmlns:msink="http://schemas.microsoft.com/ink/2010/main" type="inkWord" rotatedBoundingBox="24245,14126 24456,12904 26012,13173 25801,14395"/>
+              </emma:interpretation>
+              <emma:one-of disjunction-type="recognition" id="oneOf0">
+                <emma:interpretation id="interp0" emma:lang="nb-NO" emma:confidence="0">
+                  <emma:literal>det</emma:literal>
+                </emma:interpretation>
+                <emma:interpretation id="interp1" emma:lang="nb-NO" emma:confidence="0">
+                  <emma:literal>den</emma:literal>
+                </emma:interpretation>
+                <emma:interpretation id="interp2" emma:lang="nb-NO" emma:confidence="0">
+                  <emma:literal>dett</emma:literal>
+                </emma:interpretation>
+                <emma:interpretation id="interp3" emma:lang="nb-NO" emma:confidence="0">
+                  <emma:literal>depp</emma:literal>
+                </emma:interpretation>
+                <emma:interpretation id="interp4" emma:lang="nb-NO" emma:confidence="0">
+                  <emma:literal>dop</emma:literal>
+                </emma:interpretation>
+              </emma:one-of>
+            </emma:emma>
+          </inkml:annotationXML>
+          <inkml:trace contextRef="#ctx0" brushRef="#br0">10693 6444 4352,'-11'-4'1664,"11"4"-896,-11 0-256,11 0 576,-4 4 128,0-4 64,-8 0-96,5 0 0,-7 0-640,2 0 224,-10 3 192,3 0-96,-14 4-33,2-4 33,-21-1 0,8 3-192,-24-3 0,13 3-192,-21-3 32,12 1 64,-28 1 32,14-1-128,-19 0 32,13 3-224,-23 7-32,17 1 0,-15 2 0,16-4-64,-8 2 32,14-5-192,-11 0-96,13-2 32,-14 0 0,17-4 32,1 1 0,13-4-1344,14 0-544,10 0-2496,32 0-1087,1 0 799</inkml:trace>
+          <inkml:trace contextRef="#ctx0" brushRef="#br0" timeOffset="23647">10401 5305 3840,'-7'-2'1472,"7"2"-768,-7-4 32,7 4 576,-3 0-128,-1 0 32,-5 4-288,6-4-32,-7 5-480,1-1 96,-6 3 128,4-2 0,-7 6 0,3-2-128,0 8 0,-1-1-161,-2 3 33,3-2-96,-5 3 0,7-1-32,-7 3 64,5-2-96,0 9-64,2-6-64,-3 7-96,5-4 32,-2 3 32,3-3 32,3 2 32,0-1-64,2 1 32,1-1-128,4 2 0,0-6 32,4 10 64,1-3-32,-3-3 64,3 3-128,2 0 0,1-4 96,-1-1 32,1-1-32,3 8-64,0-7-64,1 2 32,-2-5 32,13-2 64,-4-3-96,3 2-64,-3-3 128,3 0 32,-4 0 0,6 5 32,-6-6-64,2 2-32,-3-5 32,5 2-32,-2-1 0,-3-1 64,3-1-32,-1-2 64,-5 1-128,5 0 0,0-1 96,4-2 32,-5-1-32,8-3-64,-3 1 96,3-4 0,-3 0-32,6-7-64,-7 5 32,9-9 32,-5 2-96,5-4-64,-3 3 128,-1-7 32,-5 5 64,5-11 0,-4 3 0,3-2 0,-4 2-64,0-3 32,-3 4 0,0-6 32,-4 1 0,-4-8 0,0 7 0,-3-5 64,-1 4-32,0-6 64,-2 5-128,-2-6 0,1 7 96,-4-6 32,0 7-96,-4-12-96,4 8 0,-8-3-32,6 2-96,-7-2 64,2 2 32,-4-3 64,3 8 32,-6-5 32,1 4 64,-1 3 32,0 4-96,-8-3-96,2 2 0,-7 0 32,5 4-96,-4-2 0,4 1 160,-8 1 160,8 2-96,-13 1-32,13 4-64,-4-4 0,3 6-64,-3 3-32,4 1 32,-9 3-32,10 0-576,-6 7-160,5-4-1280,-4 4-512,4-4-3263</inkml:trace>
+          <inkml:trace contextRef="#ctx0" brushRef="#br0" timeOffset="51086">10196 5749 6400,'-10'6'2464,"10"-6"-1344,10 6-1248,-6-3 480,2-3-3072,0 0-1344</inkml:trace>
+          <inkml:trace contextRef="#ctx0" brushRef="#br0" timeOffset="59728">10288 6158 1280,'5'-3'512,"-2"1"-256,3 0-160,0 1 224,0-1-128,3-1-32,-1 0 0,0 0-32,4-1 192,1-1 128,0-3-160,0 1-32,-1-3-128,-1-1-96,1-1 192,-1 0 96,-1-2 256,2-2 192,2 2-416,-4-8-128,2 2-192,-1 3-64,0 0-256,-1 1-128,-1 0-1408,1-7-640</inkml:trace>
+          <inkml:trace contextRef="#ctx0" brushRef="#br0" timeOffset="4388">10651 6459 3712,'0'0'1408,"0"0"-768,2 0 384,-2 0 768,4 0-288,-4 0-160,4 3-288,-4-3-32,3 4-576,1-2 32,1 3-32,-1-3-32,2 8 0,1-1-160,6 7-96,-2-2 0,11 2 31,-4-2-95,8 5-64,0-4 64,5 9 64,-9-5-64,4 8-64,-3-8 0,0 4 32,-1-5 96,-4 6 128,-2-4-64,-2-1 32,1-3-160,-3 0-64,-1-2 64,-4-5 64,-4 1 128,-3-1 64,0-2 96,-6 0 64,-2-1-96,-11 1 0,0-1-32,-21 1 64,6 0 64,-21-5-32,5 2-96,-25 3 0,15-5 192,-29 8 96,14-3-128,-14 2-64,10-2-160,-11 2-32,11-2-160,-6 0-32,9 0-32,-2-1-64,14 0-64,1 0 32,7 1-192,7 0-96,9 0-1216,5-4-544,6-1-2656,10 5-1119,0 0 1087</inkml:trace>
+          <inkml:trace contextRef="#ctx0" brushRef="#br0" timeOffset="61220">10455 6001 2816,'0'2'1120,"1"1"-576,3 1-288,-3-1 352,1 2-224,1-1-64,0-1-96,1 2 0,-1-2 64,3-1 160,3 0-320,-1-1-64,-2 1-64,4-2 0,-3 0 64,2 0 32,-2 0 32,3 0-64,-1-2-64,-1 1 32,1-1-32,-1 1 64,2-2 32,-1 0 160,2-1 96,-5-1-128,4-1-64,-1 1 64,-1-1 64,-2 0-128,1 1-32,-2-1 0,-1-1 64,-1 1-32,-2-3 128,2 2 64,-3-1 160,-3 2-160,-1-2-32,-2 2-32,2 1 32,-3-1-96,1 2-64,-1-1-64,0 1 0,0-1-64,1 2 64,-3-1 0,2 1 32,-2-1 0,1 0 0,2 0-64,-1 1-64,0 0 32,2-5-32,0 7-704,2-1-320</inkml:trace>
+          <inkml:trace contextRef="#ctx0" brushRef="#br0" timeOffset="63616">10264 5360 4736,'-2'-11'1760,"-4"3"-960,2 2-96,4 6 640,4-3-160,-1 0-64,0 0-256,3 0-96,1 1-416,7 2 64,4 2 96,10 1-256,4-2-64,1 1-128,1 4-64,4 0 32,9-1 32,-3 1-32,6 1-32,-6-2-64,-1 1 32,-2 0-1952,-1 1-896,-8 4-736</inkml:trace>
+          <inkml:trace contextRef="#ctx0" brushRef="#br0" timeOffset="65101">10151 5466 3712,'1'3'1408,"-9"-1"-768,4 0-480,8-2 352,-1-2 128,2 0 64,0-4 64,0-1 0,0-2-416,4 0 0,-3-1 64,2-1-96,4 2 0,1-3-192,2-2-32,1 1-32,2 1 32,2 1-64,3 0 64,4 2-64,-2 0-32,-2 2 96,-2 1 0,1 2-32,-8 3 32,0-1-64,0 5 64,0-1 0,2 1 32,-3 0-64,7 2 32,-3-1-64,2 3-32,0 1 32,2-2-32,-5 0 0,2 2 0,-6-3 64,0 1 32,-2-2-32,-2 1-64,0-2 96,-1 0 0,-2 0-128,-1-2 32,-2 1 0,0-4 0,0 2-96,-4-1 64,2-1 32,-3-2 64,2 1-32,-5-2-32,2 2 96,-8-1 64,2 0-288,-3 0-64,1-1 224,-3 1 128,3 2-224,-2-1-96,2 0 224,-6 1 160,3 1-96,-3 1 0,3 0 64,-8 3 96,3 0 0,-3 2 0,3-1-32,-3 2 0,4-2-64,-3 2-32,-12 1-32,5 2 64,6-1-96,2 0 0,-1 0-32,4 4 32,3-1-64,2 3 64,-2 0-64,1 2-32,2 0 32,2 0-32,0 0 0,3 5 64,3-1-1728,4 0-768,4-5-1536</inkml:trace>
+        </inkml:traceGroup>
+      </inkml:traceGroup>
+    </inkml:traceGroup>
   </inkml:traceGroup>
 </inkml:ink>
 </file>
@@ -1888,7 +1951,7 @@
           <inkml:channelProperty channel="F" name="resolution" value="0" units="1/dev"/>
         </inkml:channelProperties>
       </inkml:inkSource>
-      <inkml:timestamp xml:id="ts0" timeString="2016-11-15T13:37:57.750"/>
+      <inkml:timestamp xml:id="ts0" timeString="2016-11-19T20:42:32.102"/>
     </inkml:context>
     <inkml:brush xml:id="br0">
       <inkml:brushProperty name="width" value="0.06667" units="cm"/>
@@ -1898,15 +1961,15 @@
   <inkml:traceGroup>
     <inkml:annotationXML>
       <emma:emma xmlns:emma="http://www.w3.org/2003/04/emma" version="1.0">
-        <emma:interpretation id="{9165D7D7-D300-40BA-8386-75F69C0ECADF}" emma:medium="tactile" emma:mode="ink">
-          <msink:context xmlns:msink="http://schemas.microsoft.com/ink/2010/main" type="inkDrawing" rotatedBoundingBox="26737,5645 27008,11401 26863,11408 26592,5652" semanticType="callout" shapeName="Other">
-            <msink:sourceLink direction="with" ref="{45E13D25-CF07-4CD8-A1F8-90215F2344A3}"/>
-            <msink:sourceLink direction="with" ref="{55224CEF-CBD5-461F-A267-FEDFFAFCB571}"/>
+        <emma:interpretation id="{54F57D52-241E-40E7-B042-A81A0DB0BB28}" emma:medium="tactile" emma:mode="ink">
+          <msink:context xmlns:msink="http://schemas.microsoft.com/ink/2010/main" type="inkDrawing" rotatedBoundingBox="25460,16913 25829,15380 25864,15388 25495,16921" semanticType="callout" shapeName="Other">
+            <msink:sourceLink direction="with" ref="{259B13FE-760B-4EC4-B907-5E9FA2C98F18}"/>
+            <msink:sourceLink direction="with" ref="{78C4245C-9A22-4BA1-ACA8-8424146C3798}"/>
           </msink:context>
         </emma:interpretation>
       </emma:emma>
     </inkml:annotationXML>
-    <inkml:trace contextRef="#ctx0" brushRef="#br0">29172 8288 3840,'4'-4'1472,"-4"4"-768,21 4-256,-15 2 1024,-3-2-800,3-4 736,0 0-800,0 0 640,3 9-704,1 1 640,1 7-672,-5 12 576,-2-3-608,1 7 447,1 3-511,-2 10 192,8 0-352,-9 9 192,9 5-224,-6 8 288,3 1-288,1 9 448,1 1-384,-5 9 352,3-6-352,-9 15 128,6-11-256,-6 16 64,4-11-128,2 11 96,-1-9-128,-5 12 128,0-9-128,0 11 128,0-6-128,0 8 192,0-8-160,0 10 320,0-15-224,0 14 96,0-12-160,0 7 0,4-13-64,2 9 96,0-13-96,-1 3 128,5-3-128,-4 12 128,-2-12-128,1 9 32,1-11-32,0 6 96,-2-8-96,1 2 192,1-8-160,-2 10 32,2-6-64,-1 10 96,-1-8-96,2 2 128,0-2-128,-6 2 32,0-2-32,0 2 32,0-2-64,0 12 64,5-12-64,-5 2 64,4-4-64,-4 6 64,12-10-64,-9 4-32,3-7 32,-6 3 32,0-9-32,0 3-288,0-10 128,0-3-1568,0-9 928,0-5-6912,0-6 4225,-9-22-4353,-3-7 4480</inkml:trace>
+    <inkml:trace contextRef="#ctx0" brushRef="#br0">9851 9905 4096,'0'-16'1568,"0"16"-832,12-23-160,-9 19 640,1-2-256,0 0 0,-1-20-64,-3 6 0,4-13-480,0 4 160,-1-13 160,1 6-96,4-19-64,-1 6-64,4-19 0,0 9-64,8-28 31,-3 12-127,6-19-32,-4 13 0,8-20 32,-3 17-32,6-21 32,-6 14-128,3-7-64,0 17 64,1-13 64,-6 13-128,3 0-96,-6 9-32,1-2 32,-3 11 32,1-1 32,3 8-64,-2-1-64,-4 8 32,2-7-32,-5 11-512,0 3-192,0 6-1344,0 3-607,-2 7-1985</inkml:trace>
   </inkml:traceGroup>
 </inkml:ink>
 </file>
@@ -1927,7 +1990,7 @@
           <inkml:channelProperty channel="F" name="resolution" value="0" units="1/dev"/>
         </inkml:channelProperties>
       </inkml:inkSource>
-      <inkml:timestamp xml:id="ts0" timeString="2016-11-15T13:38:06.341"/>
+      <inkml:timestamp xml:id="ts0" timeString="2016-11-19T20:42:32.587"/>
     </inkml:context>
     <inkml:brush xml:id="br0">
       <inkml:brushProperty name="width" value="0.06667" units="cm"/>
@@ -1937,14 +2000,15 @@
   <inkml:traceGroup>
     <inkml:annotationXML>
       <emma:emma xmlns:emma="http://www.w3.org/2003/04/emma" version="1.0">
-        <emma:interpretation id="{D89A281C-CAF5-41F9-B7C0-CD7483DDF0FF}" emma:medium="tactile" emma:mode="ink">
-          <msink:context xmlns:msink="http://schemas.microsoft.com/ink/2010/main" type="inkDrawing" rotatedBoundingBox="20300,11697 23138,12656 23105,12754 20267,11794" semanticType="callout" shapeName="Other">
-            <msink:sourceLink direction="with" ref="{F590054F-F4F6-4FFB-B134-DB13B7E75CD0}"/>
+        <emma:interpretation id="{78C4245C-9A22-4BA1-ACA8-8424146C3798}" emma:medium="tactile" emma:mode="ink">
+          <msink:context xmlns:msink="http://schemas.microsoft.com/ink/2010/main" type="inkDrawing" rotatedBoundingBox="25900,15393 26096,16661 26084,16662 25887,15395" semanticType="callout" shapeName="Line">
+            <msink:destinationLink direction="with" ref="{E9862F63-960C-46DD-A57D-3C7BF3BB13DA}"/>
+            <msink:destinationLink direction="with" ref="{54F57D52-241E-40E7-B042-A81A0DB0BB28}"/>
           </msink:context>
         </emma:interpretation>
       </emma:emma>
     </inkml:annotationXML>
-    <inkml:trace contextRef="#ctx0" brushRef="#br0">25689 15324 2688,'0'28'1056,"6"-28"-576,-6 0 416,0 0 672,0-9-160,0 9-128,0-4-224,0-6-32,0 5-576,-6-3 320,2 2 160,-2 2 64,1-1 128,-5 1 159,-5 0-415,-1-2-128,-5 3-64,-5-3-32,-5-2 0,-5 2 64,-1 3-96,-8-7 0,-13 1-32,7-1-64,-7-3-128,-3-5-64,4-1 0,0-4 32,11 0-32,-12 1-32,7 2-32,-6-3 0,1 1-64,-13-1-32,-3 5-32,5-1 64,-6-4-32,6 4 0,1 2-32,4-6 64,5 0-96,6 8-64,-1 2 128,1-1 32,-12 1 0,2-6-32,-2 5-96,5 1-64,7-6 96,-1 0 64,-3 2-64,-8-6-64,1-6 0,5-2 32,6 3 32,3 1 96,8 4-96,-2 4-64,0 0 0,1 2 32,-1 3-32,2-1 64,-2 2-128,0-1 0,2-5-192,-2-4 0,6 0-6112,5 6 3456,1-2-2527,-3 6 255,-3 3 0</inkml:trace>
+    <inkml:trace contextRef="#ctx0" brushRef="#br0">10260 7613 4992,'-7'14'1920,"7"-14"-1024,4 26-288,-4-19 672,3 15-96,1-3 96,3 24-224,1-7-96,3 28-512,0-8-64,8 41 32,-5-16 64,10 50 0,-6-21 31,4 37 97,-3-24 64,3 27 128,-2-27-352,-2 11-160,-3-21-192,0-9 0,-4-9-128,0-21 0,-2-12-736,-3-24-320,1-5-1535,2-33-705,-2 0-896</inkml:trace>
   </inkml:traceGroup>
 </inkml:ink>
 </file>
@@ -1965,7 +2029,7 @@
           <inkml:channelProperty channel="F" name="resolution" value="0" units="1/dev"/>
         </inkml:channelProperties>
       </inkml:inkSource>
-      <inkml:timestamp xml:id="ts0" timeString="2016-11-15T13:38:29.836"/>
+      <inkml:timestamp xml:id="ts0" timeString="2016-11-19T20:42:33.729"/>
     </inkml:context>
     <inkml:brush xml:id="br0">
       <inkml:brushProperty name="width" value="0.06667" units="cm"/>
@@ -1975,15 +2039,14 @@
   <inkml:traceGroup>
     <inkml:annotationXML>
       <emma:emma xmlns:emma="http://www.w3.org/2003/04/emma" version="1.0">
-        <emma:interpretation id="{155FCF64-B6C7-4831-BC49-7DB425BAE9CA}" emma:medium="tactile" emma:mode="ink">
-          <msink:context xmlns:msink="http://schemas.microsoft.com/ink/2010/main" type="inkDrawing" rotatedBoundingBox="23946,12503 26735,11194 26800,11332 24010,12640" semanticType="callout" shapeName="Other">
-            <msink:sourceLink direction="with" ref="{A26CD353-619C-42C9-B268-89E1A2013F61}"/>
-            <msink:sourceLink direction="with" ref="{55224CEF-CBD5-461F-A267-FEDFFAFCB571}"/>
+        <emma:interpretation id="{E9862F63-960C-46DD-A57D-3C7BF3BB13DA}" emma:medium="tactile" emma:mode="ink">
+          <msink:context xmlns:msink="http://schemas.microsoft.com/ink/2010/main" type="inkDrawing" rotatedBoundingBox="26059,16602 26163,16844 26157,16847 26053,16604" semanticType="callout" shapeName="Other">
+            <msink:sourceLink direction="with" ref="{78C4245C-9A22-4BA1-ACA8-8424146C3798}"/>
           </msink:context>
         </emma:interpretation>
       </emma:emma>
     </inkml:annotationXML>
-    <inkml:trace contextRef="#ctx0" brushRef="#br0">26586 15232 5120,'-6'0'1920,"6"0"-1024,-6 0-192,1 0 1344,10 0-1088,-5 0 640,0 0-928,0-3 672,0 3-736,0-10 511,6 6-639,0-5 448,4 5-512,0-6 480,1 5-512,4-9 576,6 5-544,4-8 416,1 7-480,5-13 256,6 10-352,-1-16 128,6 12-224,-2-6 288,2 4-256,4-4 256,2 9-256,-8-5 160,2 6-192,-2-16 224,-4 12-256,12-12 160,-2 12-160,6-11 160,-1 10-192,6-14 32,-5 9-64,5-9 96,-5 5-96,5-6 128,-1 5-128,1-5 128,-6 10-128,-3-4 32,-8 4-32,12-13 96,-4 13-96,7-10 128,2 5-128,7-9 32,-9 11-32,2-11-64,1 14 32,-1-5-32,0 9 0,-5-4 64,0 9-32,-12-3 64,2 8-64,0-5 64,-6 5-64,-2-5 64,2 5-64,6-5 128,0 5-96,-2-10 128,3 9-128,-1-7-32,-6 7 0,1-3-32,-3 7 0,-2-7 64,-1 9-32,-6-5-96,7 3 32,-7-2 96,6 2-32,-11-3-1088,8 9 608,-14-8-8160,8 8 4737</inkml:trace>
+    <inkml:trace contextRef="#ctx0" brushRef="#br0">10416 8823 4864,'0'5'1824,"0"-5"-960,8 21-384,-5-19 640,5 8-192,-1 0-64,4 16-224,0-7 0,5 17-352,-6-7-96,6 10 0,-5-6-160,4-1-32,-4-2 0,0-7 64,-2-4-1728,-2-3-768,0-2-704</inkml:trace>
   </inkml:traceGroup>
 </inkml:ink>
 </file>
@@ -2004,7 +2067,7 @@
           <inkml:channelProperty channel="F" name="resolution" value="0" units="1/dev"/>
         </inkml:channelProperties>
       </inkml:inkSource>
-      <inkml:timestamp xml:id="ts0" timeString="2016-11-15T13:38:07.993"/>
+      <inkml:timestamp xml:id="ts0" timeString="2016-11-19T20:42:56.077"/>
     </inkml:context>
     <inkml:brush xml:id="br0">
       <inkml:brushProperty name="width" value="0.06667" units="cm"/>
@@ -2014,15 +2077,15 @@
   <inkml:traceGroup>
     <inkml:annotationXML>
       <emma:emma xmlns:emma="http://www.w3.org/2003/04/emma" version="1.0">
-        <emma:interpretation id="{67CFFF4E-3F90-44DE-94CD-34DD011AC596}" emma:medium="tactile" emma:mode="ink">
-          <msink:context xmlns:msink="http://schemas.microsoft.com/ink/2010/main" type="inkDrawing" rotatedBoundingBox="20620,5951 20964,11954 19956,12012 19612,6008" semanticType="callout" shapeName="Other">
-            <msink:sourceLink direction="from" ref="{45F2CD27-CEEA-40DD-A99C-D5E09651AF95}"/>
-            <msink:sourceLink direction="to" ref="{F590054F-F4F6-4FFB-B134-DB13B7E75CD0}"/>
+        <emma:interpretation id="{5739B0B6-93DB-4460-BC61-DCAE2E08AB43}" emma:medium="tactile" emma:mode="ink">
+          <msink:context xmlns:msink="http://schemas.microsoft.com/ink/2010/main" type="inkDrawing" rotatedBoundingBox="25710,13813 25963,15387 25887,15399 25634,13826" semanticType="verticalRange" shapeName="Other">
+            <msink:sourceLink direction="with" ref="{24B1926B-DA8A-4DE0-86B6-186EDB7EEEEB}"/>
+            <msink:sourceLink direction="with" ref="{FC14C35F-EB30-4AE4-898D-02DF0F732229}"/>
           </msink:context>
         </emma:interpretation>
       </emma:emma>
     </inkml:annotationXML>
-    <inkml:trace contextRef="#ctx0" brushRef="#br0">22407 8638 7040,'6'-10'2720,"-6"10"-1472,0 42-768,0-28 1184,9 5-960,-3 8 448,0-1-704,-3 12 256,9 3-417,-8 14 353,7 10-384,-5 13 288,-2 4-288,1 16 352,1-6-352,-6 13 224,4-10-256,-4 22 64,0-8-160,0 21 224,6-16-224,-6 14 160,0-7-160,0 7 64,0-14-96,0 10 0,0-18-32,0 10 160,0-11-128,0 14 96,0-12-96,0 7 0,0-9-32,0 6 160,0-15-128,0 11 32,0-16-64,0 11 32,5-16-64,-5 11 64,0-9-64,0 4 64,0-10-64,0 6 64,0-6-64,0 6 128,6-10-96,-6 4 128,0-3-128,0-7 32,4 3-32,-4-6-128,0-4 32,0 3 32,6-5 0,-6 6 64,5-4-32,-5 0 192,0-6-128,0 1 96,0 1-96,0 11 0,0 7-32,0-14-64,0-6 32,0-4-32,0-9 0,0 0 64,0-6-32,0 2-32,0 0 32,0-6 32,0 1-32,0-5-96,0 1 32,0-10-32,0 0 0,0-4 128,0-2-32,0-4-32,0 6 32,0-9-32,0 3 0,0-9 0,0 2 0,0-6 64,0 0-32,0-6-32,4 2 32,-4-5-128,6-1 64,-6-3-32,6 3 0,-2 3 64,7 1 0,-1 2 0,1 4 0,-1 0-96,5 4 64,6 2 32,6 1 0,3 3 0,1-1 0,-1 1 0,3 3 0,13 1 64,5 5-32,1-6 64,-6 1-64,5-5 64,-3 4-64,-2 7 64,-4-7-64,-2 0-32,2 3 32,4-9-1440,-4 3 768,10-4-5952,-7-2 3649,19-24-4161,-7 3 4064</inkml:trace>
+    <inkml:trace contextRef="#ctx0" brushRef="#br0">10407 8403 4736,'0'-7'1824,"0"7"-960,0-49 128,0 42 832,0-9-128,0 2 32,0-14-192,0 2-97,0-26-767,0 10 96,-5-27 0,1 11-32,1-30 0,-1 14-192,-11-37 0,4 20-256,-4-29-32,0 16 160,-4-23 32,5 14 32,-6-12 32,6 21-128,-9-13-64,5 16-64,-9-5 0,5 13-128,-1 3-32,1 11-96,0 8-32,3 10-384,-4 8-224,1 12-992,7 6-480,0-2-1696,4 11-703,0 3-33</inkml:trace>
   </inkml:traceGroup>
 </inkml:ink>
 </file>
@@ -2043,7 +2106,7 @@
           <inkml:channelProperty channel="F" name="resolution" value="0" units="1/dev"/>
         </inkml:channelProperties>
       </inkml:inkSource>
-      <inkml:timestamp xml:id="ts0" timeString="2016-11-15T13:38:59.504"/>
+      <inkml:timestamp xml:id="ts0" timeString="2016-11-19T20:42:16.077"/>
     </inkml:context>
     <inkml:brush xml:id="br0">
       <inkml:brushProperty name="width" value="0.06667" units="cm"/>
@@ -2053,18 +2116,99 @@
   <inkml:traceGroup>
     <inkml:annotationXML>
       <emma:emma xmlns:emma="http://www.w3.org/2003/04/emma" version="1.0">
-        <emma:interpretation id="{49152D80-7732-48FE-AD3E-02F963560AF7}" emma:medium="tactile" emma:mode="ink">
-          <msink:context xmlns:msink="http://schemas.microsoft.com/ink/2010/main" type="inkDrawing" rotatedBoundingBox="21475,4449 26017,4548 25953,7528 21410,7429" semanticType="enclosure" shapeName="Other">
-            <msink:sourceLink direction="with" ref="{658CDF67-DEE8-4144-9C53-8D850C37EA24}"/>
-            <msink:destinationLink direction="from" ref="{635A4E77-3146-40CE-8285-2B95B7EB789B}"/>
+        <emma:interpretation id="{24B1926B-DA8A-4DE0-86B6-186EDB7EEEEB}" emma:medium="tactile" emma:mode="ink">
+          <msink:context xmlns:msink="http://schemas.microsoft.com/ink/2010/main" type="writingRegion" rotatedBoundingBox="24128,13436 25575,16770 24321,17314 22875,13980">
+            <msink:destinationLink direction="with" ref="{5739B0B6-93DB-4460-BC61-DCAE2E08AB43}"/>
           </msink:context>
         </emma:interpretation>
       </emma:emma>
     </inkml:annotationXML>
-    <inkml:trace contextRef="#ctx0" brushRef="#br0">26462 9584 6656,'-5'0'2464,"5"0"-1344,-16 23-544,10-8 1216,12-1-992,-6 12 256,4 13-672,2 10-64,0-3-192,-6 19-96,5-6 0,-5 1-3776,4-9 2048,2-5-3488,3-6 2976</inkml:trace>
-    <inkml:trace contextRef="#ctx0" brushRef="#br0" timeOffset="2707">24047 8629 4992,'-6'9'1920,"6"-9"-1024,0-9-352,-3 5 1344,3 8-1056,-12-8 672,12 4-896,-6-5 448,12 1-608,-6-10 384,12-1-480,-12-12 319,3 5-383,3-11 128,-1 6-256,-1-15 128,8 10-160,-2-18 224,5 8-224,6-14 160,5 10-160,5-9 160,0 6-192,5-7 96,0 10-96,6-9 96,-2 13-128,8-8 192,-2 14-160,6-10 256,-6 13-224,2-9 96,-8 10-128,7-8 96,-6 4-128,6-12 128,-1 17-128,5-11 128,1 9-128,6-3 128,-7 8-128,6-8 32,1 12-32,3-2 96,-4 12-96,1-5 32,-7 10-32,4-5 32,-7 5-64,10-4 128,-7 3-96,4-4 256,3 8-192,-1-6 160,0 8-160,-1-6 0,1 10-64,0-10 96,-5 10-96,0-9 32,-6 9-32,2-4 160,-3 4-128,1 0 192,-4 4-192,4 1 192,-4-1-192,4 2 192,-4 2-192,3 2 96,-3 2-96,4-2 96,-4 4-128,4 1 32,-4 2-32,4 2 96,-4 4-96,0 0 32,-6 0-32,5 0 96,-5 10-96,1-11 128,-7 5-128,2-4 32,-6 5-32,0 0-64,4 0 32,-2-5-32,2 0 0,0 0 0,1 0 0,2-1 64,1 2-32,-2-2 128,5 6-96,-6-6-32,5 7 0,-6-6-32,6 0 0,-5-6 64,0 6-32,-5 0-32,5 5 32,-4 0-32,3 0 0,-3-2 64,4 7-32,-7-6 64,3 5-64,-6-3 64,4-2-64,-10 1-32,7-4 32,-8-8-128,2 8 64,-1-6 32,2 6 0,-7-6 128,6 6-64,-6-2-1152,0 5 576,-4-4-4864,4 0 2976,-10-4-5599,6-1 4543</inkml:trace>
-    <inkml:trace contextRef="#ctx0" brushRef="#br0" timeOffset="-449">25726 9682 3456,'-4'-10'1312,"4"10"-704,-5 0 64,-1 0 1248,12 0-1024,-6 0 896,0 4-1056,0-4 768,0 6-864,0-2 448,0 11-640,0-2 96,0 1-288,0 12-32,0 7-128,0 0-64,0 3 0,0-4-2144,0 0 1152,0 10-4064,9 4 2816</inkml:trace>
-    <inkml:trace contextRef="#ctx0" brushRef="#br0" timeOffset="-3806">26217 9750 4096,'33'-22'1568,"-33"22"-832,76-60-160,-49 38 1184,-6 12-960,15-18 352,10 0-704,21-14 0,0 6-256,17-10 192,-2 4-256,12-11 320,-12 10-256,11-15 160,-10 12-192,14-16 64,-9 13-128,11-10-64,-11 7 0,0-13 32,-6 19-32,33-23-32,-12 14 32,-11 6-32,-14 12 0,-5-1 64,-6 11-32,-6-5 128,-8 8-96,-7-8 128,0 6-128,-10-7-576,0 6 256,-5-5-2144,2 9 1312,-9-6-2912,3 12 2272</inkml:trace>
+    <inkml:traceGroup>
+      <inkml:annotationXML>
+        <emma:emma xmlns:emma="http://www.w3.org/2003/04/emma" version="1.0">
+          <emma:interpretation id="{5E23CA4C-F1EF-4B41-9DD8-2F6F9D5A11AC}" emma:medium="tactile" emma:mode="ink">
+            <msink:context xmlns:msink="http://schemas.microsoft.com/ink/2010/main" type="paragraph" rotatedBoundingBox="24128,13436 25575,16770 24321,17314 22875,13980" alignmentLevel="1"/>
+          </emma:interpretation>
+        </emma:emma>
+      </inkml:annotationXML>
+      <inkml:traceGroup>
+        <inkml:annotationXML>
+          <emma:emma xmlns:emma="http://www.w3.org/2003/04/emma" version="1.0">
+            <emma:interpretation id="{E07F21F8-5A4E-4AEF-A71F-AD75D3BE8CCE}" emma:medium="tactile" emma:mode="ink">
+              <msink:context xmlns:msink="http://schemas.microsoft.com/ink/2010/main" type="line" rotatedBoundingBox="24128,13436 25575,16770 24321,17314 22875,13980"/>
+            </emma:interpretation>
+          </emma:emma>
+        </inkml:annotationXML>
+        <inkml:traceGroup>
+          <inkml:annotationXML>
+            <emma:emma xmlns:emma="http://www.w3.org/2003/04/emma" version="1.0">
+              <emma:interpretation id="{ECE4218F-5FA8-4652-9179-BF850096B3B2}" emma:medium="tactile" emma:mode="ink">
+                <msink:context xmlns:msink="http://schemas.microsoft.com/ink/2010/main" type="inkWord" rotatedBoundingBox="24128,13436 24775,14927 23522,15470 22875,13980">
+                  <msink:destinationLink direction="with" ref="{8276E797-4852-4E8D-A220-2070CAA198A1}"/>
+                </msink:context>
+              </emma:interpretation>
+              <emma:one-of disjunction-type="recognition" id="oneOf0">
+                <emma:interpretation id="interp0" emma:lang="nb-NO" emma:confidence="0">
+                  <emma:literal>Én</emma:literal>
+                </emma:interpretation>
+                <emma:interpretation id="interp1" emma:lang="nb-NO" emma:confidence="0">
+                  <emma:literal>É</emma:literal>
+                </emma:interpretation>
+                <emma:interpretation id="interp2" emma:lang="nb-NO" emma:confidence="0">
+                  <emma:literal>ÉN</emma:literal>
+                </emma:interpretation>
+                <emma:interpretation id="interp3" emma:lang="nb-NO" emma:confidence="0">
+                  <emma:literal>krk.</emma:literal>
+                </emma:interpretation>
+                <emma:interpretation id="interp4" emma:lang="nb-NO" emma:confidence="0">
+                  <emma:literal>YEN</emma:literal>
+                </emma:interpretation>
+              </emma:one-of>
+            </emma:emma>
+          </inkml:annotationXML>
+          <inkml:trace contextRef="#ctx0" brushRef="#br0">7663 7214 4992,'0'0'1920,"0"0"-1024,5 0-288,-5 0 672,2 0-160,3 0 64,-1 0-320,0 0-128,3 0-416,0 0 0,8 0 32,-4 0-128,8 0 32,-1 0-96,12-4 0,-3 1-96,6 1 32,-3-2-64,3 1 64,-2-1 0,6 4 96,-7 0-96,-1 0 0,-3 0-32,5 0-64,-5 0 96,7 0 63,-3 0-127,8 0-96,-8 0 33,7 4 62,-8-1 1,8-3 64,-6 0-64,-5 0-32,-4 0 96,-3 0 0,-3 0-128,-5 0-32,0 0-1727,-4 4-801,1-2-1504</inkml:trace>
+          <inkml:trace contextRef="#ctx0" brushRef="#br0" timeOffset="719">7648 7240 5120,'0'16'2016,"0"-16"-1088,4 30-384,-1-25 704,0 16-160,1-5 32,1 14-288,-5-2-128,0 14-384,0-5-128,0 11 0,0-6-96,0 11-64,0-8 0,0 10-32,0-6-96,0-3 64,0-7-544,2-13-160,2-6-3040</inkml:trace>
+          <inkml:trace contextRef="#ctx0" brushRef="#br0" timeOffset="1496">8500 7230 4480,'22'19'1760,"-22"-19"-960,4 32-384,-4-25 608,4 12-224,0-1 0,-1 14-256,-3-4-64,4 14-288,0-5-128,-4 11 32,0-6 0,0 11 32,0-8 0,0 1 0,0-7-224,-4-4 0,4-2-1088,0-13-416,0-4-1312</inkml:trace>
+          <inkml:trace contextRef="#ctx0" brushRef="#br0" timeOffset="2548">8553 7770 2816,'4'14'1120,"-4"-14"-576,0 21-64,0-15 416,0 8-352,0-4-128,0 10-192,0-4-64,0 3-96,0-2-128,0-2 32,0 4-32,0-7 0,0-3-1856</inkml:trace>
+          <inkml:trace contextRef="#ctx0" brushRef="#br0" timeOffset="5020">8475 7178 4992,'-3'-10'1920,"3"10"-1024,0-3-192,0 3 736,3 0-320,-3 0-64,11 3-192,0 0-64,8 1-448,-3-1 0,17 1 0,-7-1 0,15-1 32,-3-2 0,21 0 0,-7 0-129,20-2-95,-13-1-160,9-4 0,-13 3 64,12-2 32,-11 0-480,5-1-127,-9 5-1665,-1-3-704,-1 3-928</inkml:trace>
+          <inkml:trace contextRef="#ctx0" brushRef="#br0" timeOffset="3990">8601 7144 5632,'0'-6'2176,"0"6"-1152,20-3-640,-18 3 672,10 0-320,0 0-128,10 3-128,-4 1 0,21-2-256,-6 3 0,26-3 0,-6 1-96,18 1-96,-11-1 0,6-3 32,-9 0 32,10 0 32,-11 0-1280,12 4-480,-9-1-1824</inkml:trace>
+          <inkml:trace contextRef="#ctx0" brushRef="#br0" timeOffset="5755">9364 7177 5632,'0'0'2176,"0"0"-1152,0 9-480,0-4 704,3 4-288,-3 1 0,5 10-256,-3-4-128,3 19-320,-1-5 128,3 19 32,-3-7 0,2 17 64,-1-7-192,2 10-32,-3-10-65,0 6-31,0-6-192,-1-3 32,1-7 0,0 2 64,-1-9-447,-3 7-225,0-9-1088,0-4-512,0-3-1600</inkml:trace>
+          <inkml:trace contextRef="#ctx0" brushRef="#br0" timeOffset="9875">8467 5789 3072,'0'7'1216,"0"-7"-640,-16 9 32,16-5 512,0 2-128,0-3-32,-3 7-256,0-3-32,-1 6-384,-1-1 32,-2 14 96,-1-6-32,-3 9 32,4-6-160,-4 10 0,0-3-160,-4 5-64,4-6 64,-8 10 64,8-5-128,-4 5-32,4-7 128,0 3 160,0-5-160,0 0-64,3-5-32,1 5 32,-2-8-96,3 5 0,2-8-256,1-2-64,-1-4-1216,-1-4-576</inkml:trace>
+          <inkml:trace contextRef="#ctx0" brushRef="#br0" timeOffset="11235">8500 5820 3712,'19'-7'1408,"-19"7"-768,0 3-64,0-3 576,7 4-160,-3-4 64,7 3-416,0 0-128,9 7-288,-6-3 64,9 3 96,-5-1-128,12 7 0,-8 0-64,11 4-32,-2-4 32,11 3 96,-9-2-288,15-1-64,-6-2 32,4-3 64,-9 3 0,0-5-32,-4-2-2592,-2-4-2112,-9 0 1472</inkml:trace>
+          <inkml:trace contextRef="#ctx0" brushRef="#br0" timeOffset="10562">8241 6389 5376,'-2'-4'2016,"2"4"-1088,0 7-448,0-3 640,2-2-128,-2 1 64,5 4-64,-1 0 32,2 3-544,3-4 0,2 10 32,0-3-192,11 4-32,-2-5-96,16 4 31,-6-2-127,11 2 0,-6 0-32,4 0-64,-4-2 96,-1-2 0,-4-2-32,-1 0-64,-3-3 32,5-2 32,-9 2-32,4 0-32,-4-4-1311,4 3-577,-4-2-1664,1-1-1472,-4-1 1888</inkml:trace>
+          <inkml:trace contextRef="#ctx0" brushRef="#br0" timeOffset="11808">8837 6680 5760,'3'-12'2176,"-3"12"-1152,16-33-352,-12 29 800,7-15-192,0 3-32,8-14-224,-4 7-64,8-16-544,-6 4 31,10-7 1,-5 3-96,4-9 32,-3 4-224,4 2-32,-5 3 0,0 4 0,-3 6-1824,-5 5-863,-1 6-1953</inkml:trace>
+        </inkml:traceGroup>
+        <inkml:traceGroup>
+          <inkml:annotationXML>
+            <emma:emma xmlns:emma="http://www.w3.org/2003/04/emma" version="1.0">
+              <emma:interpretation id="{259B13FE-760B-4EC4-B907-5E9FA2C98F18}" emma:medium="tactile" emma:mode="ink">
+                <msink:context xmlns:msink="http://schemas.microsoft.com/ink/2010/main" type="inkWord" rotatedBoundingBox="25071,16369 25297,16891 25081,16984 24854,16463">
+                  <msink:destinationLink direction="with" ref="{54F57D52-241E-40E7-B042-A81A0DB0BB28}"/>
+                </msink:context>
+              </emma:interpretation>
+              <emma:one-of disjunction-type="recognition" id="oneOf1">
+                <emma:interpretation id="interp5" emma:lang="nb-NO" emma:confidence="0">
+                  <emma:literal>.</emma:literal>
+                </emma:interpretation>
+                <emma:interpretation id="interp6" emma:lang="nb-NO" emma:confidence="0">
+                  <emma:literal>v</emma:literal>
+                </emma:interpretation>
+                <emma:interpretation id="interp7" emma:lang="nb-NO" emma:confidence="0">
+                  <emma:literal>o</emma:literal>
+                </emma:interpretation>
+                <emma:interpretation id="interp8" emma:lang="nb-NO" emma:confidence="0">
+                  <emma:literal>\</emma:literal>
+                </emma:interpretation>
+                <emma:interpretation id="interp9" emma:lang="nb-NO" emma:confidence="0">
+                  <emma:literal>e</emma:literal>
+                </emma:interpretation>
+              </emma:one-of>
+            </emma:emma>
+          </inkml:annotationXML>
+          <inkml:trace contextRef="#ctx0" brushRef="#br0" timeOffset="-6630">10403 10907 4992,'-2'7'1920,"2"-7"-1024,0 0-64,0 0 736,0-4-128,0 1-64,0-4-224,0 1 0,0-6-640,0 3 64,-5-12 63,1 5 1,1-14 0,3 4-64,-4-16-32,0 10-32,4-17 0,0 7-64,0-12 32,0 7-320,0-11-96,0 10 0,4-12 32,-4 12-128,4-11 32,-1 4-512,-3 4-192,0 5-2112,-3-7-959,-1 8-1089</inkml:trace>
+        </inkml:traceGroup>
+      </inkml:traceGroup>
+    </inkml:traceGroup>
   </inkml:traceGroup>
 </inkml:ink>
 </file>
@@ -2085,288 +2229,14 @@
           <inkml:channelProperty channel="F" name="resolution" value="0" units="1/dev"/>
         </inkml:channelProperties>
       </inkml:inkSource>
-      <inkml:timestamp xml:id="ts0" timeString="2016-11-15T13:39:05.494"/>
+      <inkml:timestamp xml:id="ts0" timeString="2016-11-19T20:46:41.066"/>
     </inkml:context>
     <inkml:brush xml:id="br0">
       <inkml:brushProperty name="width" value="0.06667" units="cm"/>
       <inkml:brushProperty name="height" value="0.06667" units="cm"/>
     </inkml:brush>
   </inkml:definitions>
-  <inkml:traceGroup>
-    <inkml:annotationXML>
-      <emma:emma xmlns:emma="http://www.w3.org/2003/04/emma" version="1.0">
-        <emma:interpretation id="{0DF7CAAA-334F-4A9E-93A6-0B99AC1556F5}" emma:medium="tactile" emma:mode="ink">
-          <msink:context xmlns:msink="http://schemas.microsoft.com/ink/2010/main" type="writingRegion" rotatedBoundingBox="22297,5880 25009,4417 28252,10427 25541,11890"/>
-        </emma:interpretation>
-      </emma:emma>
-    </inkml:annotationXML>
-    <inkml:traceGroup>
-      <inkml:annotationXML>
-        <emma:emma xmlns:emma="http://www.w3.org/2003/04/emma" version="1.0">
-          <emma:interpretation id="{8B3B37B9-E658-4CB3-AF76-FE03765F6396}" emma:medium="tactile" emma:mode="ink">
-            <msink:context xmlns:msink="http://schemas.microsoft.com/ink/2010/main" type="paragraph" rotatedBoundingBox="22406,5781 24328,5220 24761,6704 22838,7265" alignmentLevel="1"/>
-          </emma:interpretation>
-        </emma:emma>
-      </inkml:annotationXML>
-      <inkml:traceGroup>
-        <inkml:annotationXML>
-          <emma:emma xmlns:emma="http://www.w3.org/2003/04/emma" version="1.0">
-            <emma:interpretation id="{658CDF67-DEE8-4144-9C53-8D850C37EA24}" emma:medium="tactile" emma:mode="ink">
-              <msink:context xmlns:msink="http://schemas.microsoft.com/ink/2010/main" type="line" rotatedBoundingBox="22406,5781 24328,5220 24761,6704 22838,7265">
-                <msink:destinationLink direction="with" ref="{49152D80-7732-48FE-AD3E-02F963560AF7}"/>
-              </msink:context>
-            </emma:interpretation>
-          </emma:emma>
-        </inkml:annotationXML>
-        <inkml:traceGroup>
-          <inkml:annotationXML>
-            <emma:emma xmlns:emma="http://www.w3.org/2003/04/emma" version="1.0">
-              <emma:interpretation id="{45F2CD27-CEEA-40DD-A99C-D5E09651AF95}" emma:medium="tactile" emma:mode="ink">
-                <msink:context xmlns:msink="http://schemas.microsoft.com/ink/2010/main" type="inkWord" rotatedBoundingBox="22406,5781 24328,5220 24761,6704 22838,7265">
-                  <msink:destinationLink direction="from" ref="{67CFFF4E-3F90-44DE-94CD-34DD011AC596}"/>
-                  <msink:destinationLink direction="to" ref="{B0C2A37F-8643-410E-B740-5518C415D88A}"/>
-                  <msink:destinationLink direction="with" ref="{0E81003B-716E-4AD2-A889-CC751FBF46BD}"/>
-                  <msink:destinationLink direction="with" ref="{C72D3B38-8E58-463D-883D-6CC75BB73290}"/>
-                  <msink:destinationLink direction="with" ref="{913B7CBA-AEF6-47AD-8898-DBD0612410A9}"/>
-                  <msink:destinationLink direction="with" ref="{925C7E7F-CBFE-442D-A64F-511261A32389}"/>
-                </msink:context>
-              </emma:interpretation>
-              <emma:one-of disjunction-type="recognition" id="oneOf0">
-                <emma:interpretation id="interp0" emma:lang="nb-NO" emma:confidence="0">
-                  <emma:literal>hie</emma:literal>
-                </emma:interpretation>
-                <emma:interpretation id="interp1" emma:lang="nb-NO" emma:confidence="0">
-                  <emma:literal>Eie</emma:literal>
-                </emma:interpretation>
-                <emma:interpretation id="interp2" emma:lang="nb-NO" emma:confidence="0">
-                  <emma:literal>Ei*</emma:literal>
-                </emma:interpretation>
-                <emma:interpretation id="interp3" emma:lang="nb-NO" emma:confidence="0">
-                  <emma:literal>Eie*</emma:literal>
-                </emma:interpretation>
-                <emma:interpretation id="interp4" emma:lang="nb-NO" emma:confidence="0">
-                  <emma:literal>Éie.</emma:literal>
-                </emma:interpretation>
-              </emma:one-of>
-            </emma:emma>
-          </inkml:annotationXML>
-          <inkml:trace contextRef="#ctx0" brushRef="#br0">25118 8821 4736,'-6'5'1760,"6"-5"-960,0 8-384,0-2 1184,0-2-928,0 1 576,6-1-768,0 0 320,-2 6-480,1-1 192,6 5-288,-1-5 64,0 4-160,7 1 160,-2 5-192,5-6 256,0 1-224,7 1 384,-2-2-288,1-3 224,6-1-224,-6-5 127,10 6-191,-5-10 128,0 4-160,-5-8 0,5 4-64,-6-6 32,1 2-64,-4-5 128,2 5-96,-3-9-800,0 3 384,-5-5-4703,4 7 2783</inkml:trace>
-          <inkml:trace contextRef="#ctx0" brushRef="#br0" timeOffset="701">25164 8749 3584,'0'-6'1408,"0"6"-768,6 0 224,-6 0 1376,5 0-1184,1 0 608,4 6-992,-1-6 256,12 3-544,0-3 224,6 4-352,-2-4 288,5 6-320,-3-6 224,4 0-224,5 0 0,-5 4-128,-5 2 96,4-2-128,-3-4 32,-2 4-33,-4-4-63,0 0 32,0 0 32,-2 0-32,-3 0 64,1 0-64,-2 0 64,0 0-64,-5-4 64,1 4-64,-7-4 64,2 8-64,-6-4 128,6 0-96,-6 0 128,0 4-128,-6 1 32,6 8-32,-6-3-64,6 4 32,-4-1-32,-1 2 0,-5-1 0,10-1 0,-6-4 64,6 5-32,-5-4-512,10 2 256,-5-2-4767,0 4 2751</inkml:trace>
-          <inkml:trace contextRef="#ctx0" brushRef="#br0" timeOffset="4243">25609 8821 5376,'-21'-9'2112,"21"9"-1152,-4-4-352,-2-2 1376,12 12-1088,-6-6 704,0 0-960,0 0 288,0 4-544,0 1-64,0 5-192,0-2-32,0 7-32,0-2 96,0 1-96,0-5 32,0 5-33,0-11 33,0 7-64,0-14 128,0 4-96,0-9 32,0 5-32,0-12 32,0 9-64,0-3 128,9 5-96,-3-3 128,-2 8-128,2-6 256,-1 12-192,-5-2 160,6 5-160,-6-5-64,0 6-32,-6-1-32,6 1 0,-5-6 64,10 5-32,-5-9-32,6 4 32,-6-8-32,4 4 0,-4-9 0,0 5 0,0-12 64,0 13-32,0-7 128,0 6-96,0-1 128,0 10-128,0-1-32,6 6 0,-1-1 32,-1 5-32,2-5-448,0 1 224,-2-10-5247,1 3 2943</inkml:trace>
-          <inkml:trace contextRef="#ctx0" brushRef="#br0" timeOffset="6330">25127 8398 5248,'21'-32'2016,"-21"32"-1088,36-4-448,-20-2 992,4 12-800,17-12 96,-1 6-480,10-9-96,2 2-128,19-13-1024,-6 7 512,17-16-3136,1 12 1984</inkml:trace>
-          <inkml:trace contextRef="#ctx0" brushRef="#br0" timeOffset="-11677">25418 9515 5888,'6'6'2176,"-6"-6"-1152,15 9-480,-10-5 1120,5 5-928,0 1 576,5-2-800,2 7 320,3-2-512,0 5 128,7 1-288,-6 0 64,4 4-128,-4-6-64,0 2 0,-6-6 32,7 1-32,-8 1-32,2-2 32,-6-3 32,1-2-32,-8-3-32,9 5 32,-6-10-480,-2 4 256,-4-8-3232,6 4 1888,-6-10-3360,0 5 2752</inkml:trace>
-          <inkml:trace contextRef="#ctx0" brushRef="#br0" timeOffset="-11029">25563 9599 7936,'4'0'2976,"-4"0"-1600,11 4-896,-1 0 1248,2 5-992,-3-3 416,6 2-673,6 1 225,0 1-416,10-7 192,5 7-256,1-4 0,5-2-128,4-4 0,-1 4-32,7-4 32,-5 0-64,-7 0-1568,2 0 832,-5 0-4927,-6 0 3135</inkml:trace>
-          <inkml:trace contextRef="#ctx0" brushRef="#br0" timeOffset="-6791">25960 9713 2048,'0'-31'768,"0"31"-384,0-8 32,0 1 704,0 14-576,0-7 288,0 0-512,0 0 192,0 0-288,-11 0 64,11 0-160,-8 0-128,-3 0-32,-8 0-32,19 0 0,-23 0-1984,23 8 1120</inkml:trace>
-          <inkml:trace contextRef="#ctx0" brushRef="#br0" timeOffset="2403">26514 8720 5504,'-5'22'2112,"5"-22"-1152,5 6-352,-1-2 1376,2 0-1088,0 2 832,3 4-1024,-3-3 480,3 2-672,3 1 127,3 0-351,0-1 160,6 0-224,-5-1 224,5 2-256,0 0 32,4-1-128,1-5 0,-1 1-32,6-5 32,1 4-64,-7-8 128,2 4-96,-2-5 192,1 1-160,-5-5 96,-1 5-96,1-12-64,0 12 0,-6-9 32,0 8-32,0-9-32,1 4 32,-5-6 32,-1 6-32,1-10 128,-1 8-96,-4-8 128,3 7-128,-9 0 128,6 3-128,-6-4 32,0 5-32,-6-4 32,6 3-64,-4 0-32,-1 6 32,-7-1-1248,8 5 672,-7-4-4639,11 8 2879,-4-4-3680,4 0 3424</inkml:trace>
-          <inkml:trace contextRef="#ctx0" brushRef="#br0" timeOffset="3100">26958 8680 5376,'-4'-6'2016,"4"6"-1088,4 0-448,-4 0 992,6 0-800,-6 0 160,6 6-512,-6-2 224,3 5-288,-3-5 288,6 2-320,-6-6 160,5 4-224,-5-4 224,6 0-256,-6-10 320,4 6-256,-4-5 320,6 5-288,-6-2 159,0 6-223,0 0 64,0 6-128,0-2 0,0 9-32,0-3-64,0 3 32,0-3 32,0-1-32,0-5 64,0 2-64,0-12 128,0 6-96,0-4 192,0-2-160,0 3 192,0 6-192,0 3 32,6 7-64,-2-3-1024,1 3 512,1-3-4895,-1-1 2943</inkml:trace>
-          <inkml:trace contextRef="#ctx0" brushRef="#br0" timeOffset="1602">26499 8720 6656,'4'-23'2464,"-4"23"-1344,21 0-384,-12 0 1600,3 5-1280,3-5 1055,0 0-1247,12-9 768,-2 3-960,2-7 416,3 9-608,1-6 160,0 6-384,11-5 64,-6 9-192,0-9 64,0 9-96,1-6 0,-7 12-32,1-6 32,1 0-64,-7-6-224,2 6 96,-12-4-2144,6 4 1216,-11-4-5599,-1 8 3647</inkml:trace>
-          <inkml:trace contextRef="#ctx0" brushRef="#br0" timeOffset="6947">26551 8164 5888,'0'-10'2176,"0"10"-1152,15-23-288,-6 20 1312,3 3-1120,3-4 480,4 4-864,14-6 128,3 12-384,4-6-32,12 7-160,-1-1-1536,1 7 768,5-3-4160,1 0 2688</inkml:trace>
-        </inkml:traceGroup>
-      </inkml:traceGroup>
-    </inkml:traceGroup>
-    <inkml:traceGroup>
-      <inkml:annotationXML>
-        <emma:emma xmlns:emma="http://www.w3.org/2003/04/emma" version="1.0">
-          <emma:interpretation id="{BE4913E8-308B-4327-B1B2-97BB864D015D}" emma:medium="tactile" emma:mode="ink">
-            <msink:context xmlns:msink="http://schemas.microsoft.com/ink/2010/main" type="paragraph" rotatedBoundingBox="24306,7600 26181,6588 26544,7262 24670,8274" alignmentLevel="2"/>
-          </emma:interpretation>
-        </emma:emma>
-      </inkml:annotationXML>
-      <inkml:traceGroup>
-        <inkml:annotationXML>
-          <emma:emma xmlns:emma="http://www.w3.org/2003/04/emma" version="1.0">
-            <emma:interpretation id="{24D7467F-54A2-4CEA-A0CE-37EEFC9CA8D2}" emma:medium="tactile" emma:mode="ink">
-              <msink:context xmlns:msink="http://schemas.microsoft.com/ink/2010/main" type="line" rotatedBoundingBox="24306,7600 26181,6588 26544,7262 24670,8274"/>
-            </emma:interpretation>
-          </emma:emma>
-        </inkml:annotationXML>
-        <inkml:traceGroup>
-          <inkml:annotationXML>
-            <emma:emma xmlns:emma="http://www.w3.org/2003/04/emma" version="1.0">
-              <emma:interpretation id="{45E13D25-CF07-4CD8-A1F8-90215F2344A3}" emma:medium="tactile" emma:mode="ink">
-                <msink:context xmlns:msink="http://schemas.microsoft.com/ink/2010/main" type="inkWord" rotatedBoundingBox="24306,7600 26181,6588 26544,7262 24670,8274">
-                  <msink:destinationLink direction="with" ref="{9165D7D7-D300-40BA-8386-75F69C0ECADF}"/>
-                  <msink:destinationLink direction="to" ref="{635A4E77-3146-40CE-8285-2B95B7EB789B}"/>
-                </msink:context>
-              </emma:interpretation>
-              <emma:one-of disjunction-type="recognition" id="oneOf1">
-                <emma:interpretation id="interp5" emma:lang="nb-NO" emma:confidence="0">
-                  <emma:literal>Har</emma:literal>
-                </emma:interpretation>
-                <emma:interpretation id="interp6" emma:lang="nb-NO" emma:confidence="0">
-                  <emma:literal>1-10 w</emma:literal>
-                </emma:interpretation>
-                <emma:interpretation id="interp7" emma:lang="nb-NO" emma:confidence="0">
-                  <emma:literal>1-70 w</emma:literal>
-                </emma:interpretation>
-                <emma:interpretation id="interp8" emma:lang="nb-NO" emma:confidence="0">
-                  <emma:literal>Hoer</emma:literal>
-                </emma:interpretation>
-                <emma:interpretation id="interp9" emma:lang="nb-NO" emma:confidence="0">
-                  <emma:literal>HO w</emma:literal>
-                </emma:interpretation>
-              </emma:one-of>
-            </emma:emma>
-          </inkml:annotationXML>
-          <inkml:trace contextRef="#ctx0" brushRef="#br0" timeOffset="-28992">27014 10237 4096,'-5'-4'1568,"5"4"-832,0 0-448,0 0 1088,0 0-800,0 0 1088,0 0-960,0 0 928,0 0-928,0 0 480,5 7-672,1-1 288,4 4-480,-4-2 319,3 7-351,-3-2 128,3 1-256,-3 4 224,6 0-256,-8 5 320,7 0-256,-7-1 320,7 8-288,-1-4 96,5 6-192,-4-4 64,5 4-96,-6 0 0,4 0-32,-2 1-64,-2 0 32,-4-7 96,3-2-64,-4-2 32,1 7-32,-6-6-128,6 0 32,-6-6 96,4 2-32,-4-10-736,6 5 416,-6-10-2464,0 2 1537,0-6-4385,6 0 3136</inkml:trace>
-          <inkml:trace contextRef="#ctx0" brushRef="#br0" timeOffset="-28548">27097 10522 5760,'6'0'2176,"-6"0"-1152,11 0-128,-7 0 1632,11 0-1376,1-4 800,5 4-1184,-6-10 511,2 4-735,-7-7 64,5 9-352,0-9-32,1 7-128,5-4-64,0 10 0,0-7-32,3 7 0,-3-9 128,6 9-64,-6-6-32,4 6 0,-10-4-1024,6 8 544,-11-8-3007,7 4 1951,-13-4-3744,7-2 2976</inkml:trace>
-          <inkml:trace contextRef="#ctx0" brushRef="#br0" timeOffset="-28148">27403 9985 5888,'-6'-10'2272,"6"10"-1216,0-13-256,0 7 1568,0 12-1280,0-6 960,6 4-1216,0 0 479,3 5-767,3 10 352,3 4-544,0 13 320,6 1-384,-6 9 64,6-1-224,-5 11 64,5-5-96,-5-1 0,-1-4-32,-6-4 32,3-6-64,-3-7-32,1-2 32,1-1-672,-1-6 352,-4-7-2848,-1-4 1729,-5-12-4673,0-3 3424</inkml:trace>
-          <inkml:trace contextRef="#ctx0" brushRef="#br0" timeOffset="-27362">27976 9806 7040,'-25'0'2720,"25"0"-1472,-6 4-544,3-4 1536,6 5-1248,-6-1 703,3 5-991,-12 1 736,6 4-800,-9-2 576,6 8-704,-7 6 320,4 3-512,-2 2 64,4 7-256,-6-2 0,10 0-64,1 1 32,5-4-64,0 3-96,11-4 32,-7 6 32,14-7 0,0-2 0,4-3 0,-2-2 0,2-6 0,-7-8 0,6 0 0,-6-16-96,0 2 64,-5-12-32,7 4 0,-7-12 64,5 11 0,1-14 64,-2 5-32,2-11 64,1 4-64,-8-3-32,7 9 32,-16-8-32,6 9 0,-12-17 64,6 12-32,-16-9-32,11 8 32,-10-5 32,5 10-32,-5-4-32,4 8 32,-11-4-32,7 6 0,-10-2 0,10 6 0,-6-1-800,9 4 448,-3 1-4224,6 9 2529,3-4-4705,6 8 3840</inkml:trace>
-          <inkml:trace contextRef="#ctx0" brushRef="#br0" timeOffset="-26377">28312 9691 5888,'-4'-6'2272,"4"6"-1216,-5 0-96,-1 0 1664,12 0-1408,-6 0 960,0 0-1281,0 0 865,0 0-1024,0 6 480,0-3-704,0 3 128,5 8-352,-1 3-32,8 11-160,-2-1 160,5 2-160,0-2 96,3 5-96,-4 0-128,6-5 0,-3 2 32,2-6 0,-2-6 64,-2 6-32,-5-10 64,6 3-64,-5-7 128,-2-1-96,1-2 192,2-3-160,-7-12 192,4 5-192,-3-9 32,-2-3-64,-4-7 32,6 6-64,-6-15 64,0 9-64,0-10 64,0 10-64,0-9-32,0 5 32,0-2 32,0 7-32,0-5 64,0 4-64,0 0-32,6 10 32,-2-3-32,1 9 0,1-3 0,3 10 0,3 4 0,-2 5 0,1 11 64,4 3-32,1 9-32,4-5 32,-4-1-32,-1 3 0,0-6 0,1 0 0,-7-4 64,2-6-32,-5-13 64,4 4-64,-4-13-32,-2 5 32,-4-19-32,0 0 0,0-19 128,0 10-64,0-22 128,0 6-128,0-5 32,0 7-32,0-6 32,0 16-64,0-6-160,6 15 64,-6-1-1792,5 10 992,0-1-6655,5 15 4159</inkml:trace>
-        </inkml:traceGroup>
-      </inkml:traceGroup>
-    </inkml:traceGroup>
-    <inkml:traceGroup>
-      <inkml:annotationXML>
-        <emma:emma xmlns:emma="http://www.w3.org/2003/04/emma" version="1.0">
-          <emma:interpretation id="{C00EC627-74F0-4C3D-A03C-4F6503BAC71E}" emma:medium="tactile" emma:mode="ink">
-            <msink:context xmlns:msink="http://schemas.microsoft.com/ink/2010/main" type="paragraph" rotatedBoundingBox="24857,8211 26167,7950 26310,8666 25000,8928" alignmentLevel="2"/>
-          </emma:interpretation>
-        </emma:emma>
-      </inkml:annotationXML>
-      <inkml:traceGroup>
-        <inkml:annotationXML>
-          <emma:emma xmlns:emma="http://www.w3.org/2003/04/emma" version="1.0">
-            <emma:interpretation id="{7D1EE58C-F434-4BBA-8BF4-D34F298491FE}" emma:medium="tactile" emma:mode="ink">
-              <msink:context xmlns:msink="http://schemas.microsoft.com/ink/2010/main" type="line" rotatedBoundingBox="24857,8211 26167,7950 26310,8666 25000,8928"/>
-            </emma:interpretation>
-          </emma:emma>
-        </inkml:annotationXML>
-        <inkml:traceGroup>
-          <inkml:annotationXML>
-            <emma:emma xmlns:emma="http://www.w3.org/2003/04/emma" version="1.0">
-              <emma:interpretation id="{663E7A1A-8465-4CF8-8826-294FA7CAAAFB}" emma:medium="tactile" emma:mode="ink">
-                <msink:context xmlns:msink="http://schemas.microsoft.com/ink/2010/main" type="inkWord" rotatedBoundingBox="24857,8211 26167,7950 26310,8666 25000,8928"/>
-              </emma:interpretation>
-              <emma:one-of disjunction-type="recognition" id="oneOf2">
-                <emma:interpretation id="interp10" emma:lang="nb-NO" emma:confidence="0">
-                  <emma:literal>to</emma:literal>
-                </emma:interpretation>
-                <emma:interpretation id="interp11" emma:lang="nb-NO" emma:confidence="0">
-                  <emma:literal>T O</emma:literal>
-                </emma:interpretation>
-                <emma:interpretation id="interp12" emma:lang="nb-NO" emma:confidence="0">
-                  <emma:literal>T o</emma:literal>
-                </emma:interpretation>
-                <emma:interpretation id="interp13" emma:lang="nb-NO" emma:confidence="0">
-                  <emma:literal>To</emma:literal>
-                </emma:interpretation>
-                <emma:interpretation id="interp14" emma:lang="nb-NO" emma:confidence="0">
-                  <emma:literal>T 0</emma:literal>
-                </emma:interpretation>
-              </emma:one-of>
-            </emma:emma>
-          </inkml:annotationXML>
-          <inkml:trace contextRef="#ctx0" brushRef="#br0" timeOffset="-25090">27486 11044 8960,'-10'-4'3328,"10"4"-1792,6-18-1024,-2 8 1791,7 6-1343,4-9 1280,1 4-1344,4-11 832,6 7-992,0-4 256,5 1-608,5-1 96,6 2-320,-1-3 0,-5 9-96,0-4-64,0 3 32,-5-3 32,2 3-32,-9-3-32,3 7 32,-6-11-736,-2 8 384,2-11-2496,0 7 1568,-6 0-5727,1 3 3903</inkml:trace>
-          <inkml:trace contextRef="#ctx0" brushRef="#br0" timeOffset="-25491">27755 10908 3200,'0'3'1216,"0"-3"-640,0-7 32,0 1 1568,6 12-1184,-6-12 1376,5 6-1376,-5-4 992,0 4-1152,0 4 767,10 6-927,-1 3 416,7 10-608,-5 6 160,4 3-384,1-1 192,-1 7-224,0-2 128,1 6-192,1-2 64,2-3-128,-2 5 0,-2-6-32,-5 6 96,5-6-96,-3-7 32,-3-6-32,-9-6-256,6-2 96,-12-11-1728,0 0 1024,-3-12-5407,-3 3 3455</inkml:trace>
-          <inkml:trace contextRef="#ctx0" brushRef="#br0" timeOffset="-24105">28557 10734 4736,'4'-6'1824,"-4"6"-960,0-9 256,0 1 1760,0 8-1536,-4-10 1120,4 10-1440,-12-9 991,7 9-1151,-14-4 832,1 4-992,-7 4 480,10 9-672,-6 10 288,6 0-480,-6 0 256,11 6-320,-5 3 64,4-1-192,1 1-64,4-3-32,1 3-128,10-1 64,1 1 96,4 5-32,1 1 64,8-6-64,8-5-160,-2 0 64,7-18 32,-1 1 32,-1-20 0,7-3 0,-7-20 0,7 1 0,-7-8 0,3 2 0,-9-8 0,-3 15 0,-11-11 64,7 14-32,-13-13 128,2 13-96,-16-3-32,-1 12 0,-14 0-32,4 6 0,-10-1-992,5 5 544,-20-1-2784,9 6 1792,-10-5-5471,16 9 3839</inkml:trace>
-        </inkml:traceGroup>
-      </inkml:traceGroup>
-    </inkml:traceGroup>
-    <inkml:traceGroup>
-      <inkml:annotationXML>
-        <emma:emma xmlns:emma="http://www.w3.org/2003/04/emma" version="1.0">
-          <emma:interpretation id="{312879AF-BCC0-4483-8996-43AD39F89B4F}" emma:medium="tactile" emma:mode="ink">
-            <msink:context xmlns:msink="http://schemas.microsoft.com/ink/2010/main" type="paragraph" rotatedBoundingBox="24586,9658 26291,8524 26756,9223 25051,10357" alignmentLevel="1"/>
-          </emma:interpretation>
-        </emma:emma>
-      </inkml:annotationXML>
-      <inkml:traceGroup>
-        <inkml:annotationXML>
-          <emma:emma xmlns:emma="http://www.w3.org/2003/04/emma" version="1.0">
-            <emma:interpretation id="{E46A6020-767D-4F92-A27F-F55FC2352180}" emma:medium="tactile" emma:mode="ink">
-              <msink:context xmlns:msink="http://schemas.microsoft.com/ink/2010/main" type="line" rotatedBoundingBox="24586,9658 26291,8524 26756,9223 25051,10357"/>
-            </emma:interpretation>
-          </emma:emma>
-        </inkml:annotationXML>
-        <inkml:traceGroup>
-          <inkml:annotationXML>
-            <emma:emma xmlns:emma="http://www.w3.org/2003/04/emma" version="1.0">
-              <emma:interpretation id="{A26CD353-619C-42C9-B268-89E1A2013F61}" emma:medium="tactile" emma:mode="ink">
-                <msink:context xmlns:msink="http://schemas.microsoft.com/ink/2010/main" type="inkWord" rotatedBoundingBox="24586,9658 26291,8524 26756,9223 25051,10357">
-                  <msink:destinationLink direction="with" ref="{155FCF64-B6C7-4831-BC49-7DB425BAE9CA}"/>
-                  <msink:destinationLink direction="from" ref="{B0C2A37F-8643-410E-B740-5518C415D88A}"/>
-                </msink:context>
-              </emma:interpretation>
-              <emma:one-of disjunction-type="recognition" id="oneOf3">
-                <emma:interpretation id="interp15" emma:lang="nb-NO" emma:confidence="0">
-                  <emma:literal>API</emma:literal>
-                </emma:interpretation>
-                <emma:interpretation id="interp16" emma:lang="nb-NO" emma:confidence="0">
-                  <emma:literal>APEL</emma:literal>
-                </emma:interpretation>
-                <emma:interpretation id="interp17" emma:lang="nb-NO" emma:confidence="0">
-                  <emma:literal>APE</emma:literal>
-                </emma:interpretation>
-                <emma:interpretation id="interp18" emma:lang="nb-NO" emma:confidence="0">
-                  <emma:literal>APER</emma:literal>
-                </emma:interpretation>
-                <emma:interpretation id="interp19" emma:lang="nb-NO" emma:confidence="0">
-                  <emma:literal>APET</emma:literal>
-                </emma:interpretation>
-              </emma:one-of>
-            </emma:emma>
-          </inkml:annotationXML>
-          <inkml:trace contextRef="#ctx0" brushRef="#br0" timeOffset="-22987">27481 12755 4736,'0'4'1760,"0"-4"-960,0 5 32,0-5 1600,0 0-1344,0 0 992,0 0-1248,0-5 608,4 5-801,2-8 769,-1 3-800,1-13 896,4-1-864,-5-17 384,5 7-576,0-17 288,1 10-416,-1-6 128,1 10-288,-1-8 64,1 7-128,-1-26 160,-1 7-160,3-4 96,3 11-96,-6-5 96,7 5-128,-5-1 128,-1 13-128,1-4 128,-1 15-128,-1-7 192,3 16-160,-3-1 96,3 5-96,-3 9 224,7 3-192,-1 17 160,6 2-160,-6 15 0,6 1-64,0 8 96,0-6-96,0 6-32,-2-4 0,-1 4-32,-3-4 0,-6 4 0,7-1 0,-5-5 0,-1 3 0,-5-7-224,-1-3 128,2-1-1088,0-5 640,-6-4-1920,5-1 1344,-10-2-3840,5-7 2785,-12-13-4161,8 0 3616</inkml:trace>
-          <inkml:trace contextRef="#ctx0" brushRef="#br0" timeOffset="-22625">27672 12268 6784,'-30'10'2528,"30"-10"-1344,-18 9-128,15-9 1824,6 3-1568,-3-3 927,0 0-1343,12 0 928,4 0-1024,10 0 832,-1 0-928,6-3 288,1 3-608,-2-6 0,7 6-224,-6-9 32,-7 5-96,3-10-192,0 5 32,-8-4-1152,8 3 640,-7-9-2688,6 11 1792,-6-15-5311,8 8 3807</inkml:trace>
-          <inkml:trace contextRef="#ctx0" brushRef="#br0" timeOffset="-22225">28252 11702 6784,'-6'-9'2624,"6"9"-1408,0 9-288,0-3 1728,6 2-1440,-1 11 831,5 4-1215,-1 9 800,3 1-928,-3 13 480,7 0-672,-5 3 0,5 3-320,-7-2 32,6 2-128,-3-3-64,3-3 0,-5-10-544,1-3 288,-7-11-1888,2 2 1184,-6-15-5535,0 0 3615</inkml:trace>
-          <inkml:trace contextRef="#ctx0" brushRef="#br0" timeOffset="-21788">28210 11862 9600,'-10'-22'3584,"10"22"-1920,6-37-1024,-2 18 1503,7 12-1215,4-16 480,1 3-864,4-2 288,2 8-512,2 1 128,7 3-288,2 1 128,-3 9-160,0 0 0,1 9-64,0 5 96,-5 5-96,-4 4-32,-2 0 0,-10 0 32,5 3-32,-9 3 416,-1-2-256,-16-1 352,2 7-320,-22-1 32,4-5-160,-15-2-64,12-8 0,-12-7-256,17 3 128,-6-7-1376,16-2 832,-6-8-3904,9-2 2529,8-7-4609,8 3 3744</inkml:trace>
-          <inkml:trace contextRef="#ctx0" brushRef="#br0" timeOffset="-21108">28846 12006 9088,'0'4'3424,"0"-4"-1856,6 10-768,-6-5 1823,4-1-1471,2 0 800,5 5-1184,-2-3 384,7-2-672,-1-4 64,6 4-288,0-8-320,0 4 32,4-4-64,2-2 32,-7-3-1280,0 5 736,-9-5-6303,4 5 3807</inkml:trace>
-          <inkml:trace contextRef="#ctx0" brushRef="#br0" timeOffset="-21371">28788 11418 8832,'0'4'3328,"0"-4"-1792,6 32-960,-6-17 1599,9 3-1215,2 5 512,-1-1-896,2 11 352,-3 3-576,-3 10 256,3 6-352,-3 3 0,4 0-160,-4-5-128,3-4 0,-4-10-960,1-7 544,-6-12-2848,0 2 1825,0-15-4417,0 2 3296</inkml:trace>
-          <inkml:trace contextRef="#ctx0" brushRef="#br0" timeOffset="-20688">28696 11391 6400,'-5'-15'2464,"5"15"-1344,0 6 224,0-6 1792,0 0-1664,0 0 831,0 3-1407,0-3 1280,0 6-1216,0-6 1120,0 0-1184,5 0 608,5 4-864,6 0 128,4 5-448,-4 1-128,4-1-96,6-5 0,0 2-64,5-12-736,0 6 416,1-9-3168,4 1 1920,-5-7-6591,0 1 4543</inkml:trace>
-        </inkml:traceGroup>
-      </inkml:traceGroup>
-    </inkml:traceGroup>
-    <inkml:traceGroup>
-      <inkml:annotationXML>
-        <emma:emma xmlns:emma="http://www.w3.org/2003/04/emma" version="1.0">
-          <emma:interpretation id="{8ECD7BF5-109C-4573-BA36-8B22019532CF}" emma:medium="tactile" emma:mode="ink">
-            <msink:context xmlns:msink="http://schemas.microsoft.com/ink/2010/main" type="paragraph" rotatedBoundingBox="26220,11152 26083,9616 26967,9537 27104,11073" alignmentLevel="2"/>
-          </emma:interpretation>
-        </emma:emma>
-      </inkml:annotationXML>
-      <inkml:traceGroup>
-        <inkml:annotationXML>
-          <emma:emma xmlns:emma="http://www.w3.org/2003/04/emma" version="1.0">
-            <emma:interpretation id="{BF461671-4B47-4571-B3F8-5A3B6C6CD443}" emma:medium="tactile" emma:mode="ink">
-              <msink:context xmlns:msink="http://schemas.microsoft.com/ink/2010/main" type="line" rotatedBoundingBox="26220,11152 26083,9616 26967,9537 27104,11073"/>
-            </emma:interpretation>
-          </emma:emma>
-        </inkml:annotationXML>
-        <inkml:traceGroup>
-          <inkml:annotationXML>
-            <emma:emma xmlns:emma="http://www.w3.org/2003/04/emma" version="1.0">
-              <emma:interpretation id="{55224CEF-CBD5-461F-A267-FEDFFAFCB571}" emma:medium="tactile" emma:mode="ink">
-                <msink:context xmlns:msink="http://schemas.microsoft.com/ink/2010/main" type="inkWord" rotatedBoundingBox="26220,11152 26083,9616 26967,9537 27104,11073">
-                  <msink:destinationLink direction="with" ref="{9165D7D7-D300-40BA-8386-75F69C0ECADF}"/>
-                  <msink:destinationLink direction="with" ref="{155FCF64-B6C7-4831-BC49-7DB425BAE9CA}"/>
-                </msink:context>
-              </emma:interpretation>
-              <emma:one-of disjunction-type="recognition" id="oneOf4">
-                <emma:interpretation id="interp20" emma:lang="nb-NO" emma:confidence="0">
-                  <emma:literal>sin</emma:literal>
-                </emma:interpretation>
-                <emma:interpretation id="interp21" emma:lang="nb-NO" emma:confidence="0">
-                  <emma:literal>M</emma:literal>
-                </emma:interpretation>
-                <emma:interpretation id="interp22" emma:lang="nb-NO" emma:confidence="0">
-                  <emma:literal>on</emma:literal>
-                </emma:interpretation>
-                <emma:interpretation id="interp23" emma:lang="nb-NO" emma:confidence="0">
-                  <emma:literal>son</emma:literal>
-                </emma:interpretation>
-                <emma:interpretation id="interp24" emma:lang="nb-NO" emma:confidence="0">
-                  <emma:literal>MM</emma:literal>
-                </emma:interpretation>
-              </emma:one-of>
-            </emma:emma>
-          </inkml:annotationXML>
-          <inkml:trace contextRef="#ctx0" brushRef="#br0" timeOffset="25353">29487 12627 5504,'-5'-9'2112,"5"9"-1152,-6-29-224,0 21 1408,12 8-1216,-12-9 704,6 9-960,-9-6 416,-1 6-640,-5-4 447,-2 4-479,-14-4 544,10 8-544,-15-4 352,11 4-448,-12 2 256,7 3-320,-6-5 64,6 6-192,-7-1 160,5 5-192,-5-5 192,13 5-192,-7-1 32,10 6-64,-10-2 32,10 2-64,-5 1 128,10 2-96,-5 1-32,12 4 0,-6 0-128,9 2 64,0-3 32,6 3 0,0 3-96,12-5 64,-9 0 96,15 2-32,-3-6-32,10-1 32,5-2-32,3-3 0,-3-4 64,7 2-32,-1-7 64,0 2-64,4-10-32,2 5 32,0-5-32,-2 0 0,2-5 0,-6 5 0,-5-4 128,0 4-64,-5-6 128,-1 2-128,-4-5-32,0 5 0,-9-6 32,-3 6-32,-3-11 64,-2 11-64,-8-5 128,-2 5-96,-9-2 128,3 6-128,-18-4 32,15 8-32,-16-4 32,4 6-64,-9-6 64,5 4-64,-11 2 64,12-3-64,-10 1 128,4 2-96,-6-2 32,11 5-32,-5-5-64,5 6 32,-5-1 32,9 1-32,-3-1 64,9-1-64,-4 2 64,4 3-64,-6-4-32,6 5 32,2 1-32,2-2 0,2-3-96,5 0 64,-2-3 32,9 9 0,-3-9 0,6 8 0,0-1-96,9 3 64,3 2 32,3 4 0,1 0 128,5 0-64,9 0 32,1 6-32,5-3 32,6 1-64,0-4 64,4 6-64,0-6 64,2-1-64,3-2-32,-6-3 32,1-4 32,2 2-32,-8-7 64,2 2-64,-5-10-96,5 5 32,-6-5-256,-6 0 160,-9-5-384,-5 5 288,-7-4-32,7-2 160,-5-2-512,-1 8 352,-5-5-1248,1 5 864,-6-4-2816,4 8 1920,-4-8-4607,6-2 3487</inkml:trace>
-          <inkml:trace contextRef="#ctx0" brushRef="#br0" timeOffset="32079">29248 12552 3456,'28'-4'1312,"-28"4"-704,-22 4 416,16-4 1696,12 0-1472,-12 0 1120,6 0-1408,-9 0 640,4 0-928,-11 0 543,4 6-703,-6-2 576,6 0-608,-12-4 160,8 0-352,-11-4 32,6 0-192,-3-6 224,2 1-224,-4-5 160,10 5-160,-4-10 64,10 9-96,-6-7 0,5 4-32,2-6 32,3 5-64,2-9-32,4 4 32,0-4-32,10 6 0,-1-8-96,12 12 64,0-10 32,0 10 0,4-7 64,8 13-32,-9-8-32,7 7 32,2-2 32,-3 10-32,0-9-32,6 9 32,-4-4-128,0 8 64,-8-4 32,7 0 0,-4 0 64,3 4-32,-2 1-384,-4 9 224,3-5-4704,-6 1 2657,-6-6-4865,0 5 3968</inkml:trace>
-        </inkml:traceGroup>
-      </inkml:traceGroup>
-    </inkml:traceGroup>
-  </inkml:traceGroup>
+  <inkml:trace contextRef="#ctx0" brushRef="#br0">6786 7480 5120,'-3'0'1920,"6"0"-1024,1 0-128,3 0 704,1 3-256,-1-3-64,5 0-224,14 0-128,-3 0-416,2-3 96,10-3 96,9-5-192,12-1-64,15 1 31,12-5 97,-1-3-128,11 0 64,23-4-160,1-4-64,6 6-64,11-3 0,16 4-128,0 4 0,-5 7 96,24 2 32,-5 7-32,-7 4-64,8-1-64,8 0-32,-13 3 128,1 5 32,0-1-96,-4-1 32,-9 0 0,-8 0 0,-6 3-448,-2-3-160,-13 0-1375,-11-2-577,-6 0-1696</inkml:trace>
 </inkml:ink>
 </file>
 
@@ -2386,25 +2256,14 @@
           <inkml:channelProperty channel="F" name="resolution" value="0" units="1/dev"/>
         </inkml:channelProperties>
       </inkml:inkSource>
-      <inkml:timestamp xml:id="ts0" timeString="2016-11-15T13:38:51.495"/>
+      <inkml:timestamp xml:id="ts0" timeString="2016-11-19T20:46:41.066"/>
     </inkml:context>
     <inkml:brush xml:id="br0">
       <inkml:brushProperty name="width" value="0.06667" units="cm"/>
       <inkml:brushProperty name="height" value="0.06667" units="cm"/>
     </inkml:brush>
   </inkml:definitions>
-  <inkml:traceGroup>
-    <inkml:annotationXML>
-      <emma:emma xmlns:emma="http://www.w3.org/2003/04/emma" version="1.0">
-        <emma:interpretation id="{0E81003B-716E-4AD2-A889-CC751FBF46BD}" emma:medium="tactile" emma:mode="ink">
-          <msink:context xmlns:msink="http://schemas.microsoft.com/ink/2010/main" type="inkDrawing" rotatedBoundingBox="19933,5799 20316,5479 20341,5509 19959,5830" semanticType="callout" shapeName="Other">
-            <msink:sourceLink direction="with" ref="{45F2CD27-CEEA-40DD-A99C-D5E09651AF95}"/>
-          </msink:context>
-        </emma:interpretation>
-      </emma:emma>
-    </inkml:annotationXML>
-    <inkml:trace contextRef="#ctx0" brushRef="#br0">22538 8462 2816,'0'-4'1120,"0"4"-576,10-19-160,-4 11 576,-1 8-544,-1-15 0,8 7-256,-3-11-96,3 9-32,3-13 32,0 10-32,10-14-32,7 8 32,-1-9 32,0 5-32,-1-4 128,6 8-96,-5 2-928,2 3 448,-9-1-1888,-3 2 1312</inkml:trace>
-  </inkml:traceGroup>
+  <inkml:trace contextRef="#ctx0" brushRef="#br0">6791 7516 4352,'-11'-24'1664,"11"15"-896,-5-4 288,5 8 800,0 3 160,-2-1 64,2 3-384,0 12-97,0 11-895,2 14 160,3 14 32,-1 18-128,0 24-64,-1 18-32,1 23-32,1 30-160,-3 26 32,-2 11 0,0 7-32,0 0-32,0-4 32,5-8-256,-5-20-128,0-21-160,4-19 32,0-18 96,-1-28 32,-3-21-832,0-20-288,0-17-1120,-3-20-480,-5-18-3327</inkml:trace>
 </inkml:ink>
 </file>
 
@@ -2424,25 +2283,14 @@
           <inkml:channelProperty channel="F" name="resolution" value="0" units="1/dev"/>
         </inkml:channelProperties>
       </inkml:inkSource>
-      <inkml:timestamp xml:id="ts0" timeString="2016-11-15T13:38:52.115"/>
+      <inkml:timestamp xml:id="ts0" timeString="2016-11-19T20:46:41.067"/>
     </inkml:context>
     <inkml:brush xml:id="br0">
       <inkml:brushProperty name="width" value="0.06667" units="cm"/>
       <inkml:brushProperty name="height" value="0.06667" units="cm"/>
     </inkml:brush>
   </inkml:definitions>
-  <inkml:traceGroup>
-    <inkml:annotationXML>
-      <emma:emma xmlns:emma="http://www.w3.org/2003/04/emma" version="1.0">
-        <emma:interpretation id="{C72D3B38-8E58-463D-883D-6CC75BB73290}" emma:medium="tactile" emma:mode="ink">
-          <msink:context xmlns:msink="http://schemas.microsoft.com/ink/2010/main" type="inkDrawing" rotatedBoundingBox="20445,5496 21329,6139 21307,6169 20423,5526" semanticType="callout" shapeName="Other">
-            <msink:sourceLink direction="with" ref="{45F2CD27-CEEA-40DD-A99C-D5E09651AF95}"/>
-          </msink:context>
-        </emma:interpretation>
-      </emma:emma>
-    </inkml:annotationXML>
-    <inkml:trace contextRef="#ctx0" brushRef="#br0">23018 8137 2432,'21'13'960,"-21"-13"-512,37 24-192,-26-15 832,4 4-608,10 10 352,6 4-512,5 11-32,6-2-160,4 6-96,6-6 0,16 10 96,-1 0-64,10 4-32,-5 2 0,6-2-32,-5-5 0,0-2-2048,-7-1 1120</inkml:trace>
-  </inkml:traceGroup>
+  <inkml:trace contextRef="#ctx0" brushRef="#br0">9379 7292 6656,'-3'-3'2528,"3"3"-1344,-5 5-544,5 0 768,0 2 0,0-5 32,0 11-193,0-3 33,5 13-704,-2-4 224,0 29 96,1-4 64,1 37 128,-1-14-96,-1 51 32,1-14-224,2 42-96,-2-23-256,1 33-32,-3-19-192,7 28 32,-3-25-96,3 27 64,-6-26-128,5 9 0,-1-23 32,1-4 0,-5-15-160,1-20-32,0-14-672,-1-28-320,-3-8-1216,0-41-544,0 3-3679</inkml:trace>
 </inkml:ink>
 </file>
 
@@ -2678,25 +2526,21 @@
           <inkml:channelProperty channel="F" name="resolution" value="0" units="1/dev"/>
         </inkml:channelProperties>
       </inkml:inkSource>
-      <inkml:timestamp xml:id="ts0" timeString="2016-11-15T13:38:52.832"/>
+      <inkml:timestamp xml:id="ts0" timeString="2016-11-19T20:46:41.068"/>
     </inkml:context>
     <inkml:brush xml:id="br0">
       <inkml:brushProperty name="width" value="0.06667" units="cm"/>
       <inkml:brushProperty name="height" value="0.06667" units="cm"/>
     </inkml:brush>
   </inkml:definitions>
-  <inkml:traceGroup>
-    <inkml:annotationXML>
-      <emma:emma xmlns:emma="http://www.w3.org/2003/04/emma" version="1.0">
-        <emma:interpretation id="{913B7CBA-AEF6-47AD-8898-DBD0612410A9}" emma:medium="tactile" emma:mode="ink">
-          <msink:context xmlns:msink="http://schemas.microsoft.com/ink/2010/main" type="inkDrawing" rotatedBoundingBox="21209,5903 22767,6898 22679,7035 21122,6040" semanticType="callout" shapeName="Other">
-            <msink:sourceLink direction="with" ref="{45F2CD27-CEEA-40DD-A99C-D5E09651AF95}"/>
-          </msink:context>
-        </emma:interpretation>
-      </emma:emma>
-    </inkml:annotationXML>
-    <inkml:trace contextRef="#ctx0" brushRef="#br0">23742 8609 3328,'42'23'1312,"-42"-23"-704,42 32-352,-26-22 832,4 3-608,6 6 544,4 0-576,6 4 448,0 4-480,12 5 544,-8 1-544,12-1 288,6-1-416,2 11 64,4 0-224,2 4 64,-2 0-96,-4 3-64,4 3 0,12 17 32,2-6-32,-16-15-96,-11-12 32,-3-9 32,-2-4 0,15-4 128,-3-2-64,-7-8-736,-4 1 384,-1-6-3232,0 1 1952,12 5-2272,-6 0 2176</inkml:trace>
-  </inkml:traceGroup>
+  <inkml:trace contextRef="#ctx0" brushRef="#br0">10693 6444 4352,'-11'-4'1664,"11"4"-896,-11 0-256,11 0 576,-4 4 128,0-4 64,-8 0-96,5 0 0,-7 0-640,2 0 224,-10 3 192,3 0-96,-14 4-33,2-4 33,-21-1 0,8 3-192,-24-3 0,13 3-192,-21-3 32,12 1 64,-28 1 32,14-1-128,-19 0 32,13 3-224,-23 7-32,17 1 0,-15 2 0,16-4-64,-8 2 32,14-5-192,-11 0-96,13-2 32,-14 0 0,17-4 32,1 1 0,13-4-1344,14 0-544,10 0-2496,32 0-1087,1 0 799</inkml:trace>
+  <inkml:trace contextRef="#ctx0" brushRef="#br0" timeOffset="1">10401 5305 3840,'-7'-2'1472,"7"2"-768,-7-4 32,7 4 576,-3 0-128,-1 0 32,-5 4-288,6-4-32,-7 5-480,1-1 96,-6 3 128,4-2 0,-7 6 0,3-2-128,0 8 0,-1-1-161,-2 3 33,3-2-96,-5 3 0,7-1-32,-7 3 64,5-2-96,0 9-64,2-6-64,-3 7-96,5-4 32,-2 3 32,3-3 32,3 2 32,0-1-64,2 1 32,1-1-128,4 2 0,0-6 32,4 10 64,1-3-32,-3-3 64,3 3-128,2 0 0,1-4 96,-1-1 32,1-1-32,3 8-64,0-7-64,1 2 32,-2-5 32,13-2 64,-4-3-96,3 2-64,-3-3 128,3 0 32,-4 0 0,6 5 32,-6-6-64,2 2-32,-3-5 32,5 2-32,-2-1 0,-3-1 64,3-1-32,-1-2 64,-5 1-128,5 0 0,0-1 96,4-2 32,-5-1-32,8-3-64,-3 1 96,3-4 0,-3 0-32,6-7-64,-7 5 32,9-9 32,-5 2-96,5-4-64,-3 3 128,-1-7 32,-5 5 64,5-11 0,-4 3 0,3-2 0,-4 2-64,0-3 32,-3 4 0,0-6 32,-4 1 0,-4-8 0,0 7 0,-3-5 64,-1 4-32,0-6 64,-2 5-128,-2-6 0,1 7 96,-4-6 32,0 7-96,-4-12-96,4 8 0,-8-3-32,6 2-96,-7-2 64,2 2 32,-4-3 64,3 8 32,-6-5 32,1 4 64,-1 3 32,0 4-96,-8-3-96,2 2 0,-7 0 32,5 4-96,-4-2 0,4 1 160,-8 1 160,8 2-96,-13 1-32,13 4-64,-4-4 0,3 6-64,-3 3-32,4 1 32,-9 3-32,10 0-576,-6 7-160,5-4-1280,-4 4-512,4-4-3263</inkml:trace>
+  <inkml:trace contextRef="#ctx0" brushRef="#br0" timeOffset="2">10196 5749 6400,'-10'6'2464,"10"-6"-1344,10 6-1248,-6-3 480,2-3-3072,0 0-1344</inkml:trace>
+  <inkml:trace contextRef="#ctx0" brushRef="#br0" timeOffset="3">10288 6158 1280,'5'-3'512,"-2"1"-256,3 0-160,0 1 224,0-1-128,3-1-32,-1 0 0,0 0-32,4-1 192,1-1 128,0-3-160,0 1-32,-1-3-128,-1-1-96,1-1 192,-1 0 96,-1-2 256,2-2 192,2 2-416,-4-8-128,2 2-192,-1 3-64,0 0-256,-1 1-128,-1 0-1408,1-7-640</inkml:trace>
+  <inkml:trace contextRef="#ctx0" brushRef="#br0" timeOffset="4">10651 6459 3712,'0'0'1408,"0"0"-768,2 0 384,-2 0 768,4 0-288,-4 0-160,4 3-288,-4-3-32,3 4-576,1-2 32,1 3-32,-1-3-32,2 8 0,1-1-160,6 7-96,-2-2 0,11 2 31,-4-2-95,8 5-64,0-4 64,5 9 64,-9-5-64,4 8-64,-3-8 0,0 4 32,-1-5 96,-4 6 128,-2-4-64,-2-1 32,1-3-160,-3 0-64,-1-2 64,-4-5 64,-4 1 128,-3-1 64,0-2 96,-6 0 64,-2-1-96,-11 1 0,0-1-32,-21 1 64,6 0 64,-21-5-32,5 2-96,-25 3 0,15-5 192,-29 8 96,14-3-128,-14 2-64,10-2-160,-11 2-32,11-2-160,-6 0-32,9 0-32,-2-1-64,14 0-64,1 0 32,7 1-192,7 0-96,9 0-1216,5-4-544,6-1-2656,10 5-1119,0 0 1087</inkml:trace>
+  <inkml:trace contextRef="#ctx0" brushRef="#br0" timeOffset="5">10455 6001 2816,'0'2'1120,"1"1"-576,3 1-288,-3-1 352,1 2-224,1-1-64,0-1-96,1 2 0,-1-2 64,3-1 160,3 0-320,-1-1-64,-2 1-64,4-2 0,-3 0 64,2 0 32,-2 0 32,3 0-64,-1-2-64,-1 1 32,1-1-32,-1 1 64,2-2 32,-1 0 160,2-1 96,-5-1-128,4-1-64,-1 1 64,-1-1 64,-2 0-128,1 1-32,-2-1 0,-1-1 64,-1 1-32,-2-3 128,2 2 64,-3-1 160,-3 2-160,-1-2-32,-2 2-32,2 1 32,-3-1-96,1 2-64,-1-1-64,0 1 0,0-1-64,1 2 64,-3-1 0,2 1 32,-2-1 0,1 0 0,2 0-64,-1 1-64,0 0 32,2-5-32,0 7-704,2-1-320</inkml:trace>
+  <inkml:trace contextRef="#ctx0" brushRef="#br0" timeOffset="6">10264 5360 4736,'-2'-11'1760,"-4"3"-960,2 2-96,4 6 640,4-3-160,-1 0-64,0 0-256,3 0-96,1 1-416,7 2 64,4 2 96,10 1-256,4-2-64,1 1-128,1 4-64,4 0 32,9-1 32,-3 1-32,6 1-32,-6-2-64,-1 1 32,-2 0-1952,-1 1-896,-8 4-736</inkml:trace>
+  <inkml:trace contextRef="#ctx0" brushRef="#br0" timeOffset="7">10151 5466 3712,'1'3'1408,"-9"-1"-768,4 0-480,8-2 352,-1-2 128,2 0 64,0-4 64,0-1 0,0-2-416,4 0 0,-3-1 64,2-1-96,4 2 0,1-3-192,2-2-32,1 1-32,2 1 32,2 1-64,3 0 64,4 2-64,-2 0-32,-2 2 96,-2 1 0,1 2-32,-8 3 32,0-1-64,0 5 64,0-1 0,2 1 32,-3 0-64,7 2 32,-3-1-64,2 3-32,0 1 32,2-2-32,-5 0 0,2 2 0,-6-3 64,0 1 32,-2-2-32,-2 1-64,0-2 96,-1 0 0,-2 0-128,-1-2 32,-2 1 0,0-4 0,0 2-96,-4-1 64,2-1 32,-3-2 64,2 1-32,-5-2-32,2 2 96,-8-1 64,2 0-288,-3 0-64,1-1 224,-3 1 128,3 2-224,-2-1-96,2 0 224,-6 1 160,3 1-96,-3 1 0,3 0 64,-8 3 96,3 0 0,-3 2 0,3-1-32,-3 2 0,4-2-64,-3 2-32,-12 1-32,5 2 64,6-1-96,2 0 0,-1 0-32,4 4 32,3-1-64,2 3 64,-2 0-64,1 2-32,2 0 32,2 0-32,0 0 0,3 5 64,3-1-1728,4 0-768,4-5-1536</inkml:trace>
 </inkml:ink>
 </file>
 
@@ -2716,25 +2560,14 @@
           <inkml:channelProperty channel="F" name="resolution" value="0" units="1/dev"/>
         </inkml:channelProperties>
       </inkml:inkSource>
-      <inkml:timestamp xml:id="ts0" timeString="2016-11-15T13:38:53.332"/>
+      <inkml:timestamp xml:id="ts0" timeString="2016-11-19T20:46:41.076"/>
     </inkml:context>
     <inkml:brush xml:id="br0">
       <inkml:brushProperty name="width" value="0.06667" units="cm"/>
       <inkml:brushProperty name="height" value="0.06667" units="cm"/>
     </inkml:brush>
   </inkml:definitions>
-  <inkml:traceGroup>
-    <inkml:annotationXML>
-      <emma:emma xmlns:emma="http://www.w3.org/2003/04/emma" version="1.0">
-        <emma:interpretation id="{925C7E7F-CBFE-442D-A64F-511261A32389}" emma:medium="tactile" emma:mode="ink">
-          <msink:context xmlns:msink="http://schemas.microsoft.com/ink/2010/main" type="inkDrawing" rotatedBoundingBox="22627,6838 23092,7126 23077,7151 22612,6863" semanticType="callout" shapeName="Other">
-            <msink:sourceLink direction="with" ref="{45F2CD27-CEEA-40DD-A99C-D5E09651AF95}"/>
-          </msink:context>
-        </emma:interpretation>
-      </emma:emma>
-    </inkml:annotationXML>
-    <inkml:trace contextRef="#ctx0" brushRef="#br0">25200 9482 2944,'6'23'1120,"-6"-23"-576,36 9 192,-20-3 1216,-1-2-1056,0 2 800,6 2-1024,0 1 512,0 4-704,0 3 256,10 1-448,-6 2 256,7-2-288,-13-2 64,8 3-192,-6-5-128,4 6-32,-4-5 96,0 1-32,-6-8-864,0 13 448,-3-16-3648,-3 5 2240,1-9-2336,1 5 2368</inkml:trace>
-  </inkml:traceGroup>
+  <inkml:trace contextRef="#ctx0" brushRef="#br0">9851 9905 4096,'0'-16'1568,"0"16"-832,12-23-160,-9 19 640,1-2-256,0 0 0,-1-20-64,-3 6 0,4-13-480,0 4 160,-1-13 160,1 6-96,4-19-64,-1 6-64,4-19 0,0 9-64,8-28 31,-3 12-127,6-19-32,-4 13 0,8-20 32,-3 17-32,6-21 32,-6 14-128,3-7-64,0 17 64,1-13 64,-6 13-128,3 0-96,-6 9-32,1-2 32,-3 11 32,1-1 32,3 8-64,-2-1-64,-4 8 32,2-7-32,-5 11-512,0 3-192,0 6-1344,0 3-607,-2 7-1985</inkml:trace>
 </inkml:ink>
 </file>
 
@@ -2754,70 +2587,14 @@
           <inkml:channelProperty channel="F" name="resolution" value="0" units="1/dev"/>
         </inkml:channelProperties>
       </inkml:inkSource>
-      <inkml:timestamp xml:id="ts0" timeString="2016-11-15T13:39:36.001"/>
+      <inkml:timestamp xml:id="ts0" timeString="2016-11-19T20:46:41.077"/>
     </inkml:context>
     <inkml:brush xml:id="br0">
       <inkml:brushProperty name="width" value="0.06667" units="cm"/>
       <inkml:brushProperty name="height" value="0.06667" units="cm"/>
     </inkml:brush>
   </inkml:definitions>
-  <inkml:traceGroup>
-    <inkml:annotationXML>
-      <emma:emma xmlns:emma="http://www.w3.org/2003/04/emma" version="1.0">
-        <emma:interpretation id="{E12011B5-565B-4084-8F62-D6C45D709C77}" emma:medium="tactile" emma:mode="ink">
-          <msink:context xmlns:msink="http://schemas.microsoft.com/ink/2010/main" type="writingRegion" rotatedBoundingBox="20000,9705 20667,9705 20667,11585 20000,11585"/>
-        </emma:interpretation>
-      </emma:emma>
-    </inkml:annotationXML>
-    <inkml:traceGroup>
-      <inkml:annotationXML>
-        <emma:emma xmlns:emma="http://www.w3.org/2003/04/emma" version="1.0">
-          <emma:interpretation id="{A603146A-B994-4111-8AE6-FC92F163C5FF}" emma:medium="tactile" emma:mode="ink">
-            <msink:context xmlns:msink="http://schemas.microsoft.com/ink/2010/main" type="paragraph" rotatedBoundingBox="20000,9705 20667,9705 20667,11585 20000,11585" alignmentLevel="1"/>
-          </emma:interpretation>
-        </emma:emma>
-      </inkml:annotationXML>
-      <inkml:traceGroup>
-        <inkml:annotationXML>
-          <emma:emma xmlns:emma="http://www.w3.org/2003/04/emma" version="1.0">
-            <emma:interpretation id="{0A66B628-EFEE-4CDB-BE08-406216686D75}" emma:medium="tactile" emma:mode="ink">
-              <msink:context xmlns:msink="http://schemas.microsoft.com/ink/2010/main" type="line" rotatedBoundingBox="20000,9705 20667,9705 20667,11585 20000,11585"/>
-            </emma:interpretation>
-          </emma:emma>
-        </inkml:annotationXML>
-        <inkml:traceGroup>
-          <inkml:annotationXML>
-            <emma:emma xmlns:emma="http://www.w3.org/2003/04/emma" version="1.0">
-              <emma:interpretation id="{F590054F-F4F6-4FFB-B134-DB13B7E75CD0}" emma:medium="tactile" emma:mode="ink">
-                <msink:context xmlns:msink="http://schemas.microsoft.com/ink/2010/main" type="inkWord" rotatedBoundingBox="20000,9705 20667,9705 20667,11585 20000,11585">
-                  <msink:destinationLink direction="with" ref="{D89A281C-CAF5-41F9-B7C0-CD7483DDF0FF}"/>
-                  <msink:destinationLink direction="to" ref="{67CFFF4E-3F90-44DE-94CD-34DD011AC596}"/>
-                </msink:context>
-              </emma:interpretation>
-              <emma:one-of disjunction-type="recognition" id="oneOf0">
-                <emma:interpretation id="interp0" emma:lang="nb-NO" emma:confidence="0">
-                  <emma:literal>z</emma:literal>
-                </emma:interpretation>
-                <emma:interpretation id="interp1" emma:lang="nb-NO" emma:confidence="0">
-                  <emma:literal>}</emma:literal>
-                </emma:interpretation>
-                <emma:interpretation id="interp2" emma:lang="nb-NO" emma:confidence="0">
-                  <emma:literal>g</emma:literal>
-                </emma:interpretation>
-                <emma:interpretation id="interp3" emma:lang="nb-NO" emma:confidence="0">
-                  <emma:literal>G</emma:literal>
-                </emma:interpretation>
-                <emma:interpretation id="interp4" emma:lang="nb-NO" emma:confidence="0">
-                  <emma:literal>§</emma:literal>
-                </emma:interpretation>
-              </emma:one-of>
-            </emma:emma>
-          </inkml:annotationXML>
-          <inkml:trace contextRef="#ctx0" brushRef="#br0">22583 12470 6656,'-6'-10'2464,"6"10"-1344,0-13-192,0 7 1600,0 12-1376,0-6 352,0 0-929,0-6 321,6 6-544,-1-8 320,11 3-384,-1-9 192,6 10-256,9-11 288,-3 7-288,4-7 224,5 7-224,0-7 0,5 11-128,1-5 96,0 9-128,-2 0-32,2 6 0,-6-3-32,0 7 0,-5-1 128,-4 5-64,-2 3 128,-4 12-128,-6-3 128,0 7-128,-3-1-32,-3 1 0,-3 3 96,-2 1-64,-8-1 256,-2 2-192,-3-2 256,-3-3-256,-9-1 256,2-5-256,-13 0 32,12-2-96,-16-2 96,9-6-96,-9 2 128,5-2-128,-11-2 192,12-1-160,-6-5 192,5 5-192,-5-5 96,5-1-96,-5-2 0,9 3-32,2-9-64,4 4 32,-6-4-128,12 0 64,0-4 32,5 4 0,-1-6 64,7 12-32,-2-2-32,6 2 32,0-6-128,6 0 64,-2 0-32,11 4 0,6-1 128,6 3-32,9-2-32,-5 2 32,5-6-128,0 0 64,1 0 32,-1 3 0,0 1 64,4 6-32,2-1-32,-5 1 32,-7-1-32,1 5 0,-4-5 64,-2 5-32,-10-1 64,6 6-64,-10-5 64,5 3-64,-11 2-32,5 0 32,-16-2-32,6 6 0,-4-4 64,-1 4-32,-11 0 64,1 4-64,-12-2-32,6 1 32,-15-3-32,11 0 0,-17 0 64,11 0-32,-11-4 64,6-2-64,-4-1-32,13-3 32,-3-3-32,3 3 0,2-3 0,4-3 0,0-1 0,6-2 0,0-4-96,9 6 64,-4-6-32,10 0 0,0 0 0,6 0 0,-2 0 64,7 0 0,-1 0 0,5 3 0,0-3 0,6 4 0,0 2 0,4-2 0,8 1 0,-3 3 0,1 2-96,5 3 64,-5-3 96,1 9-32,-7-6-32,6 0 32,-5 7 32,-5-1-32,-5-2 128,-1 6-96,-9-4 32,3 4-32,-9 0-128,0 4 32,-9-5 32,3-2 0,-9-7 192,-1 6-96,-16-2 256,13 6-224,-17 6 96,9-2-128,-13 1 0,3-1-32,-10-4 32,6 0-64,-6-14-512,10 1 256,-3-10-4000,13 0 2336</inkml:trace>
-        </inkml:traceGroup>
-      </inkml:traceGroup>
-    </inkml:traceGroup>
-  </inkml:traceGroup>
+  <inkml:trace contextRef="#ctx0" brushRef="#br0">10260 7613 4992,'-7'14'1920,"7"-14"-1024,4 26-288,-4-19 672,3 15-96,1-3 96,3 24-224,1-7-96,3 28-512,0-8-64,8 41 32,-5-16 64,10 50 0,-6-21 31,4 37 97,-3-24 64,3 27 128,-2-27-352,-2 11-160,-3-21-192,0-9 0,-4-9-128,0-21 0,-2-12-736,-3-24-320,1-5-1535,2-33-705,-2 0-896</inkml:trace>
 </inkml:ink>
 </file>
 
@@ -2837,38 +2614,14 @@
           <inkml:channelProperty channel="F" name="resolution" value="0" units="1/dev"/>
         </inkml:channelProperties>
       </inkml:inkSource>
-      <inkml:timestamp xml:id="ts0" timeString="2016-11-15T13:12:21.563"/>
+      <inkml:timestamp xml:id="ts0" timeString="2016-11-19T20:46:41.078"/>
     </inkml:context>
     <inkml:brush xml:id="br0">
       <inkml:brushProperty name="width" value="0.06667" units="cm"/>
       <inkml:brushProperty name="height" value="0.06667" units="cm"/>
     </inkml:brush>
   </inkml:definitions>
-  <inkml:trace contextRef="#ctx0" brushRef="#br0">14088 11888 7552,'0'-4'2816,"0"4"-1536,0 7-576,0-3 1472,0 2-1248,0 5 511,0 2-895,0 8 64,0-1-352,-4 7-96,4 4-96,-6 5 224,1 2-160,-2 3 320,-1-4-256,-6 1 160,2-2-192,-12-2 64,9 0-128,-10-6 96,5-6-128,-7 0-32,8-6 0,-4-6-192,8 0 96,-4-10-736,8 0 416,-1-12-1728,4 0 1185,1-10-2817,7-2 2080,0-10-2944,4 6 2624</inkml:trace>
-  <inkml:trace contextRef="#ctx0" brushRef="#br0" timeOffset="1">14100 11698 6144,'17'-42'2368,"-17"42"-1280,14-26 0,-6 18 1824,-2 8-1568,-6-6 927,8 6-1375,-8-5 160,0 10-640,0-5-96,0 6-192,0-6-1504,0 8 768,0-2-5343,9 2 3295</inkml:trace>
-  <inkml:trace contextRef="#ctx0" brushRef="#br0" timeOffset="2">14688 12040 5760,'-8'-14'2176,"8"14"-1152,-8-9-480,4 6 1344,4 3-1056,-8-7 800,4 7-960,-7-3 640,4 6-768,-9-3 383,6 0-575,-10 0 192,4 2-320,-2 3 0,2 2-128,-2-2 0,6 9-32,-7 1-64,8 1 32,-5-3-32,10 4 0,-8 0-96,8 4 64,-2-4-32,4 3 0,0-4 128,4 1-32,0 0-96,8 0 32,0-3 32,3 0 0,0-8 64,1 5-32,3-8-32,0 0 32,5-6 32,2 0-32,-3-8-32,0 1 32,0-7-32,0 5 0,-3-5 0,2 3 0,-2-3 64,0 3-32,-1-3-32,-4 4 32,-4-4-32,2 6 0,-3-2 0,3 3 0,-6-1 0,5 5 0,-8 2 0,0 4 0,0 0 64,0 7-32,0 0 64,0 3-64,0 0-96,0 4 32,0-1 32,3 1 0,2 0 0,1-1 0,3-4 0,2 6 0,-4-8 0,6 2 0,-6-4 0,4-3 0,1-4 64,3 2-32,0-7-32,3 0 32,-2-3-32,4 3 0,-4-7 128,-2 4-64,-2-7-32,0 3 0,-10-6-128,6 6 64,-8-6 96,4 6-32,-8-6 64,0 6-64,-2-2 64,-3 6-64,-6-4 192,7 4-128,-7 3 256,4 4-224,-7 0 256,4 6-256,-8 0 96,6 8-128,-6 2-64,6 1 0,-2 3-32,7-1 0,-4 8-96,3 0 64,1 6 96,2 1-32,3 3-32,6-1 32,0 4-32,6-3 0,3-3 0,2-4 0,1 1 0,3-6 0,4-1-352,0-4 192,4-4-1792,-1 1 1088,0-7-5183,6 0 3359</inkml:trace>
-  <inkml:trace contextRef="#ctx0" brushRef="#br0" timeOffset="3">15266 12173 5888,'0'-7'2272,"0"7"-1216,-4 0-320,0 0 1472,8 7-1216,-8 0 512,4 5-928,-4 10 192,4-3-448,-7 5 159,3 3-255,-7 0 128,3 1-192,-4-1 128,5-1-160,-4-2 224,7 0-224,-4-7 448,4 3-320,-3-9 224,7-1-256,-4-10 64,8 3-160,-4-13 160,7 3-192,1-10 96,7 0-96,0-7 160,1 7-160,2-7 96,2 5-96,0-5 0,-2 7-32,2-7 96,2 11-96,-6-1 128,2 11-128,-2-4 128,3 3-128,0 1-32,3 3 0,-2 0 96,2 3-64,-2 1 32,2-1-32,-4 1-672,2 2 320,-4 1-2720,0 0 1696,-6-7-5183,4 3 3647</inkml:trace>
-  <inkml:trace contextRef="#ctx0" brushRef="#br0" timeOffset="4">15789 12458 6656,'-5'0'2464,"5"0"-1344,12 14-608,-8-11 1248,4 4-992,-1-5 480,5 5-736,3 1 288,1-1-480,-1-5 63,-1 5-255,6-4 0,-2 4-64,2-4 96,-2 1-96,-2-4 32,-1 3-32,1-6 32,-1 3-64,-4-7 128,1 4-96,-5-8-32,5 6 0,-9-10 96,1 8-64,-8-5 320,4-2-192,-7 0 160,3 4-192,-7 0 224,4 3-256,-9 0 384,5 4-288,-13-1 224,10 8-224,-10-1 128,6 7-192,-9-3 128,4 7-160,-3 10 0,2-5-64,5 5 32,8 0-64,7 0-96,4 3 32,4 0 32,7-1 0,5 3 0,2-3 0,2-2-352,2 0 192,1-4-2336,4-3 1376,-1-3-5247,1-4 3551</inkml:trace>
-  <inkml:trace contextRef="#ctx0" brushRef="#br0" timeOffset="5">14672 12976 6400,'0'0'2464,"0"0"-1344,4 3-544,-4 1 1440,0 3-1120,-4 6 544,4 4-864,-7 7 192,2 6-449,-5 4 161,-2 0-256,-8 7 64,5-2-160,-4 9 64,4-4-96,-3 4 0,5-4-32,-5 0 32,6-7-64,-3 1 192,8-9-128,-5-5 320,4 0-224,2-14 160,1 0-192,5-17 0,5 2-96,-3-23 224,10 5-160,0-18 256,2 3-256,10-6 32,-2 10-96,6-6-64,-2 9 32,1-3 32,2 11-32,3-5-32,-2 12 32,0-2 32,1 8-32,2 4 64,3 6-64,-2 4 64,-4 2-64,0 8-32,1 2 32,0 11-32,-4 2 0,-2 4 64,-1 4-32,-6 7 64,-2-4-64,-9 4-32,2-4 32,-9-2 96,0 0-64,-12 0 320,1-9-192,-13-5 256,1-3-256,-11-9 256,8 2-256,-8-6 256,3-2-256,-7-2-96,7-2-64,-3-2-128,4 0 64,-4-6-1312,7 2 736,4-6-4352,11 4 2785,0-14-4513,1 3 3808</inkml:trace>
-  <inkml:trace contextRef="#ctx0" brushRef="#br0" timeOffset="6">15380 13711 6400,'-14'10'2368,"14"-10"-1280,0 2-288,0 3 1152,3-3-1056,1 3 32,3 0-576,1-1 192,-1 3-288,5-7 352,0 3-353,2-3 161,2 0-256,-1 0 64,5 0-128,-2-3 96,2 3-128,-2-4 32,2 1-32,-6-6-64,2 2 32,-5-8 32,2 6-32,-6-5 64,0 8-64,-7-8 192,4 4-128,-8-7 384,1 0-256,-8 3 448,-2 7-384,-5 0 288,2 4-320,-2 0 192,2 6-224,-3 0 64,3 8-160,-2-1 0,2 4-64,-3 6 32,7 0-64,-2 1-96,2-2 32,0 3 32,5-3 0,-1 5 0,5 0 0,-1 0-96,8-4 64,-4 0 96,7 1-32,-3-4-512,3-3 256,2-5-2016,2 1 1248,4-7-5087,0 4 3391</inkml:trace>
-  <inkml:trace contextRef="#ctx0" brushRef="#br0" timeOffset="7">15979 13735 5632,'-3'-7'2176,"3"7"-1152,0-5 288,0 5 1760,0 5-1632,-4-3 639,4 5-1279,-5 0 352,5 3-672,-4 0 288,1 4-448,-5 6 256,8 1-320,-7 6 64,7 0-192,-7 4 0,3-5-64,-5 1 32,9 1-64,-3-8 128,3-3-96,-4-7-32,8 1 0,-4-11-32,3 0 0,1-14 0,8 0 0,-4-10 0,3 7 0,1-6 0,3 7 0,1-8 64,2 7-32,-3 0 128,4 6-96,-4 1 32,1 7-32,-5-1 96,0 4-96,0 4 32,2 3-32,-6 3 32,0 2-64,-3 2 64,3 3-64,-2-3-96,-1-1 32,0-6 32,-1 3 0,1-6 0,3-1 0,2-10 0,2 4 0,4-11 0,4 1 0,0-3 0,4 6 0,-1-9 0,5 10 0,-4-1 0,-4 3 0,1 0 128,-2 4-64,-2 0 384,-1 6-224,-3 4 384,-1 6-352,-7 3 160,3 8-256,-3 5 128,-1-3-160,-3 1 0,4-3-64,-4 0-128,0-4 32,0-4-672,0 1 384,0-10-2496,0 0 1568,0-11-5855,0 1 3935</inkml:trace>
-  <inkml:trace contextRef="#ctx0" brushRef="#br0" timeOffset="8">16958 14039 5376,'-8'-10'2016,"8"10"-1088,-7-7 256,2 4 1824,5 6-1632,-6-3 992,-3 0-1441,-5 0 929,5 4-1056,-9-1 480,6 7-736,-11 4 128,8 5-384,-8 3-32,8 0-160,-4-1-64,8 3 0,-1 0-128,4-1 64,4 5-32,8-1 0,0-4 0,8-3 0,-1-3 0,8-3 0,5-4 0,-2 0 0,4-13 64,2 3 0,-2-10-96,-4 3 64,1-10 96,1 0-32,-5-7 320,-4 8-160,-8-8 608,5 4-448,-12-1 448,4 4-448,-12-3 32,4 3-224,-12-4-32,6 4-64,-9-2-1024,4 4 512,-1 3-3488,5 1 2176,2 1-5343,9 7 3967</inkml:trace>
-  <inkml:trace contextRef="#ctx0" brushRef="#br0" timeOffset="9">17266 14231 11392,'-4'0'4224,"4"0"-2305,9 9-1663,-7-4 1344,7 2-960,2-4 416,0 4-640,5 0 256,-1-2-384,-1 3 256,6-2-288,-4 2 128,2 2-224,2-4-352,-2 2 96,-5-6-2720,1 6 1536,-6-12-5727,3 4 3903</inkml:trace>
-  <inkml:trace contextRef="#ctx0" brushRef="#br0" timeOffset="10">18394 14014 5120,'-4'-6'2016,"4"6"-1088,-4-10-32,1 7 1632,6 3-1376,-6-7 1088,3 4-1344,-4-4 831,-1 7-1023,-1-7 640,-2 7-800,-4-3 384,0 3-576,-10 0 320,6 6-384,-10 5 192,8 2-256,-14 3 0,6 2-128,-12 6 0,7 0-32,-7 6-64,11 0 32,-7 4 32,8-4-32,-4 12 64,6-9-64,-3 4-32,13-3 32,-1 6-128,3-2 64,0 3 32,9-2 0,3 3-96,3-2 64,5-6-32,8 0 0,6-3-96,0-4 96,6-11-32,2 2 32,0-8-96,5 0 96,-1-6-256,0 2 192,1-10-32,-1 4 96,-8-6 64,2 0 0,-6-4 0,-2 6 0,-5-10 64,-1 8-32,-5-11 256,-3 7-160,-6-7 448,5 3-320,-12-7 224,3 8-256,-8-3 0,4 6-128,-6-8-64,6 8 0,-8-4-832,9 5 448,-4-6-2368,2 6 1472,2-6-5407,3 9 3711</inkml:trace>
-  <inkml:trace contextRef="#ctx0" brushRef="#br0" timeOffset="11">18752 14638 4736,'0'-7'1824,"0"7"-960,-3 0-160,-1 0 1344,8 0-1088,-4 0 640,0 3-928,-4 1 544,4 3-704,-4-1 320,0 1-512,-3 7 415,2 0-447,-10-1 288,8 4-320,-9 0 128,5 4-224,-4-1 0,8-1-96,-9 5 32,9-3-64,-4-4 64,7 3-64,-5-3 64,6 0-64,-5 0 64,8 0-64,-3-3-32,3 3 32,0-3-128,7-2 64,0 2 96,9-1-32,-1-2-32,1-1 32,-1-7-32,3 4 0,-2-7 128,6 4-64,-6-4 128,-1 0-128,1-4-32,2 4 0,-2-3 32,3-1-32,-5-3 64,2 4-64,-5-7-32,5 3 32,-5-7 96,4 4-64,-3-7 128,-1 8-128,2-6 128,-2 6-128,0-4 128,0 6-128,1-7 32,-1 4-32,-3-4 32,4 4-64,-5-4-32,4 4 32,-3-3 32,-1 6-32,0-3-736,2 3 416,-5 0-3424,-1 0 2049,1 5-4513,0 2 3488</inkml:trace>
-  <inkml:trace contextRef="#ctx0" brushRef="#br0" timeOffset="12">19464 14983 6400,'0'-13'2464,"0"13"-1344,-18-4-256,10 1 1696,8 6-1408,-12-3 1023,5 0-1311,-8 0 608,8 4-832,-17-1 416,8 7-608,-9 0 96,5 4-288,-7 3 32,5 2-160,-1 3-128,3 1-32,2-3-128,5 4 96,2-4 32,8 4 32,-1-3 0,8-4 0,3-5-160,5 2 96,3-11-896,1 4 544,-1-7-3008,3 0 1921,2-7-4449,-2 2 3360</inkml:trace>
-  <inkml:trace contextRef="#ctx0" brushRef="#br0" timeOffset="13">19998 14390 6784,'-5'4'2624,"5"-4"-1408,-2 17-576,-3-14 1408,10 4-1152,-10 0 640,5 3-896,-7 4 607,3-1-703,-4 8 576,1-1-640,-9 6 512,5 3-544,-7 0 256,2 5-416,-8 0 352,6-1-384,-9 5 384,5-1-384,-9 1 288,8 3-288,-11-2 352,7 2-352,-4 4 96,9-1-224,-9 4 160,8-2-192,-3-2 32,3-6-64,-4-2-64,8-5 32,0-7-896,4 0 480,-1-11-2944,5 1 1856,0-7-5855,7 0 4095</inkml:trace>
-  <inkml:trace contextRef="#ctx0" brushRef="#br0" timeOffset="14">13490 11479 6272,'0'-14'2368,"0"14"-1280,0-17-224,0 14 1568,0 3-1344,-2 0 672,2 3-1057,-4 4 321,4 3-576,-9 11 160,2 1-352,-9 16 64,10-1-192,-14 14 64,8 1-96,-6 4 0,3 2-32,-8 4 32,3-2-64,-2 1-32,6-6 32,-3-5-384,8-3 192,-3-9-1568,5-4 960,2-10-3039,3-7 2111,4-15-3040,4-2 2720</inkml:trace>
-  <inkml:trace contextRef="#ctx0" brushRef="#br0" timeOffset="15">13887 11540 6656,'-4'-17'2528,"4"17"-1344,-7 0-256,3 0 1472,4 3-1344,-8 1 512,5 3-993,-9-1 129,1 5-416,-4 2 32,3 1-192,-7 5 160,3 2-192,-2-1 96,2 4-96,-6-3 160,2 2-160,-7-2 192,12-1-192,-3-4-32,2 6-32,-3-6-128,7 1 64,1-4 32,4 1 0,-4-4 0,6 4 0,1-1 64,4-2-32,0-1 320,4 0-160,1 0 256,2-1-256,1 5 160,3 1-192,1-3 0,3 2-96,-1 0 32,2-1-64,3 1 64,8-1-64,-8-2 128,0-1-96,0-3-448,0 0 192,-3-4-1184,2 0 768,-2-3-2496,-1 0 1761,-4-3-4257,1 3 3136</inkml:trace>
-  <inkml:trace contextRef="#ctx0" brushRef="#br0" timeOffset="16">13316 13162 4992,'0'-8'1824,"0"8"-960,16-12-96,-5 4 1472,0 8-1216,7-14 864,6 4-1152,3-14 704,2 5-832,3-15 223,-6 11-479,4-11-128,1 7-128,3-7 64,-3 6-96,3-1-576,0 5 256,-4-8-3615,2 12 2111,-6-6-3616,-4 5 3040</inkml:trace>
-  <inkml:trace contextRef="#ctx0" brushRef="#br0" timeOffset="17">12514 14216 6656,'-5'-1'2464,"5"1"-1344,0 1-608,0-1 1248,2 3-992,-1 0 640,4 1-864,0 2 448,3-1-577,3 4 257,1 3-384,3 4 0,3 2-192,1 1-64,0 0 0,0 3-32,-2 0 0,1 2 0,0 2 0,0-1 64,1-3-32,0-1 128,0-3-96,-2-1 320,3-3-192,-7-2 256,1-2-256,-1-1 160,-2-3-192,-2-2 224,1 0-256,-2-4 384,0-4-288,2-6 224,0 0-224,1-10 224,1 3-256,3-10 32,1 5-128,5-10 0,0 7-32,1-6-64,-2 7 32,2-3 96,-2 6-64,-3-1-928,-1 4 448,-2 0-4544,-1 6 2721,-1-1-4545,-2 3 3872</inkml:trace>
-  <inkml:trace contextRef="#ctx0" brushRef="#br0" timeOffset="18">11971 15450 5376,'-4'-14'2016,"4"14"-1088,4 7-256,-4-7 1568,3 4-1248,-3-8 896,4 4-1152,1-7 640,-3 4-833,3-6 513,3-1-608,-1-11 320,0 8-448,2-11 320,2 7-352,0-11 352,5 5-384,-1-10 288,-1 4-288,2-7 352,3 5-352,-3-6 288,2 10-288,2-11 128,-2 5-224,2-11 128,2 10-160,-2-7 224,3 8-224,-5-11 96,2 6-128,-5-6 160,4 6-160,-4-5 256,5 9-224,-6-7 96,1 12-128,-3-10 96,-1 9-128,1-4 32,0 7-32,-5-4-64,1 11 32,-1-6 32,0 9-32,2-4-928,-2 8 480,-3-1-2944,0 4 1888,-1 0-5919,1 3 4127</inkml:trace>
-  <inkml:trace contextRef="#ctx0" brushRef="#br0" timeOffset="19">12546 14267 5888,'-8'-3'2176,"8"3"-1152,-5 4 0,5-1 1440,1 1-1344,-1 3 320,4 3-896,0 3-32,4 3-320,3 5-33,3 0-95,3 7 96,1 0-96,0 7 480,2 1-320,0 6 128,0-1-224,2 6-192,0-2 0,1 5 32,-1-4 32,0 3 0,0-8 0,-1 4 0,-3-6 0,1-2 0,-4-4 0,0-3 64,-1-5-32,-1-1-32,-1-3 32,-1-3 160,0-3-96,-2-6 320,1-2-224,-3-10 256,3-1-256,1-17 160,0 0-192,3-17 224,0 4-256,4-17 256,2 4-256,2-15 320,0 11-256,1-9 160,1 9-192,1-8 64,-1 9-128,0-3 0,-4 11-32,1 1-896,-4 7 448,-1-1-4352,-2 11 2625,-4-2-4545,0 7 3776</inkml:trace>
-  <inkml:trace contextRef="#ctx0" brushRef="#br0" timeOffset="20">13330 14272 4736,'-9'-2'1760,"9"2"-960,0-7-32,0 1 1184,4 2-1056,0-9 544,3 1-864,0-7 480,2 1-608,2-4 192,0 3-384,0-1 0,2 7-160,-1-2 288,-1 5-192,0 0 319,0 4-287,-2 5 160,0 2-224,-3 8 288,-1 2-256,-4 7 160,0 0-192,-2 5 0,1 3-96,-3 2-832,0-2 416,-2 2-3935,1-3 2367,-4-4-3552,3-3 3104</inkml:trace>
-  <inkml:trace contextRef="#ctx0" brushRef="#br0" timeOffset="21">12599 13354 5504,'-18'0'2112,"18"0"-1152,-19 3-352,13-1 1440,5-1-1120,-8 0 832,5 2-1056,-7 0 576,3 1-768,-6 2 447,2 1-543,-7 1 192,3 2-352,-6 2 64,5 1-192,-5 5 64,3-1-96,1 4-64,3 0 0,-1 3-32,4 1 0,-1 5-96,4-4 64,-2 6 32,3-3 0,1 8 0,3-5 0,1 2 0,3-1 0,0 0-96,3-3 64,2 3-32,3-2 0,3-1 64,3-4 0,1 2 0,3-2 0,2-2 64,-1-2-32,3-1-96,-2-2 32,2-2 32,0-3 0,5-2 0,-2-4 0,3-4-96,-1-1 64,0-7 32,-3-2 0,3-6 64,-2 0-32,2-5-32,-2 1 32,0-6-32,-1 1 0,-1-6 0,-1 1 0,-4-6 64,0 6-32,-4-7 64,0 3-64,-3-5-32,-2 6 32,-2-7 96,-3 5-64,-4-5 32,0 5-32,-7-6 160,-1 7-128,-8-1 256,2 4-224,-5 0 384,2 6-288,-8 4 224,3 4-224,-8 2 0,4 4-128,-9 0-64,7 4 0,-5 0-608,5 2 320,-3-3-3840,7 2 2241,1 0-4705,5 2 3712</inkml:trace>
-  <inkml:trace contextRef="#ctx0" brushRef="#br0" timeOffset="22">12674 13710 5888,'-3'0'2176,"3"0"-1152,2-2-640,-1 1 1024,0 2-800,1-1 608,1 0-704,1 0 512,2 2-576,0-2 256,2 3-416,1-1 0,2 3-192,2-1-64,0 1 0,3 1 32,2-1-32,1 1-32,1 0 32,-1-2-2720,0 2 1472,-2-2-3872,0 2 2848</inkml:trace>
-  <inkml:trace contextRef="#ctx0" brushRef="#br0" timeOffset="23">12640 13962 3200,'-2'-3'1216,"2"3"-640,3 2 96,-3-2 1120,2 1-992,-1 0 480,3 2-768,-3 0 288,2 1-480,0 1 192,2 0-288,-1-1 0,3 2-128,1-1 224,-1 2-192,2-1 32,0-1-96,0-1-192,0 1 64,2-4-2848,2 2 1568,-1-2-2880,1 0 2400</inkml:trace>
-  <inkml:trace contextRef="#ctx0" brushRef="#br0" timeOffset="24">12830 13728 2176,'0'0'864,"0"0"-448,0 0 128,0 0 1152,0 0-896,0 0 672,0 0-864,-2-2 448,2 2-608,-2-2 608,0 0-608,-1-1 480,2 2-512,-4-2 320,2 2-416,-1-3 256,-2 2-320,0-3 192,2 2-224,-2-4 0,0 3-128,0-6 0,3 5-32,-3-2 32,3 2-64,-2-3-32,3 4 32,-1-1-32,1 0 0,0 1-1280,2 1 704,-2 2-3424,4 1 2208</inkml:trace>
+  <inkml:trace contextRef="#ctx0" brushRef="#br0">10416 8823 4864,'0'5'1824,"0"-5"-960,8 21-384,-5-19 640,5 8-192,-1 0-64,4 16-224,0-7 0,5 17-352,-6-7-96,6 10 0,-5-6-160,4-1-32,-4-2 0,0-7 64,-2-4-1728,-2-3-768,0-2-704</inkml:trace>
 </inkml:ink>
 </file>
 
@@ -2888,14 +2641,14 @@
           <inkml:channelProperty channel="F" name="resolution" value="0" units="1/dev"/>
         </inkml:channelProperties>
       </inkml:inkSource>
-      <inkml:timestamp xml:id="ts0" timeString="2016-11-15T13:12:21.588"/>
+      <inkml:timestamp xml:id="ts0" timeString="2016-11-19T20:46:41.079"/>
     </inkml:context>
     <inkml:brush xml:id="br0">
       <inkml:brushProperty name="width" value="0.06667" units="cm"/>
       <inkml:brushProperty name="height" value="0.06667" units="cm"/>
     </inkml:brush>
   </inkml:definitions>
-  <inkml:trace contextRef="#ctx0" brushRef="#br0">13181 14216 7296,'-3'-6'2720,"3"6"-1472,3-12-1120,-1 4 960,2 2-672,1-6 416,0-2-480,0-3 320,1 4-384,2-5 192,1 2-256,0-2 64,1 3-160,-1-3 64,3 2-97,-1-1 1,0 5-32,0 0 384,-2 4-256,0 3 416,0 5-352,-4 5 160,1 3-256,-5 6 128,0 2-160,-2 6 64,1 1-96,-3 4 0,1-3-32,-1 4-64,1 0 32,-2 0-32,0-4 0,0 0-448,3-4 256,-3-5-1024,3-4 640,-1-7-1183,2 0 959,0-8-2400,2 0 1792,-1-2-2752,3-2 2368</inkml:trace>
+  <inkml:trace contextRef="#ctx0" brushRef="#br0">10407 8403 4736,'0'-7'1824,"0"7"-960,0-49 128,0 42 832,0-9-128,0 2 32,0-14-192,0 2-97,0-26-767,0 10 96,-5-27 0,1 11-32,1-30 0,-1 14-192,-11-37 0,4 20-256,-4-29-32,0 16 160,-4-23 32,5 14 32,-6-12 32,6 21-128,-9-13-64,5 16-64,-9-5 0,5 13-128,-1 3-32,1 11-96,0 8-32,3 10-384,-4 8-224,1 12-992,7 6-480,0-2-1696,4 11-703,0 3-33</inkml:trace>
 </inkml:ink>
 </file>
 
@@ -2915,14 +2668,25 @@
           <inkml:channelProperty channel="F" name="resolution" value="0" units="1/dev"/>
         </inkml:channelProperties>
       </inkml:inkSource>
-      <inkml:timestamp xml:id="ts0" timeString="2016-11-15T13:12:21.589"/>
+      <inkml:timestamp xml:id="ts0" timeString="2016-11-19T20:46:41.080"/>
     </inkml:context>
     <inkml:brush xml:id="br0">
       <inkml:brushProperty name="width" value="0.06667" units="cm"/>
       <inkml:brushProperty name="height" value="0.06667" units="cm"/>
     </inkml:brush>
   </inkml:definitions>
-  <inkml:trace contextRef="#ctx0" brushRef="#br0">10901 16327 6912,'-12'3'2624,"12"-3"-1408,0 7-448,0-7 1568,4 0-1280,1 0 735,6 0-1055,0 0 608,5 0-800,6 0 448,1 0-576,8 0 192,-2 0-352,9-3 64,0-1-192,9-1 160,-2-2-192,13-8 192,-5 8-192,12-5 256,-5 2-224,5-7 160,-7 6-160,2-2 64,1 2-96,4-2-64,-8 6 0,12-3 32,-4 6-32,7-2-32,-7 2 32,-1-3 96,-3 7-64,1-6 192,-6 6-160,9-7 96,-7 7-96,2-7 0,-2 7-32,3-2 32,-4 4-64,-3-2 64,-5 3-64,0-3 128,-6 4-96,-3-4-32,-2 0 0,2 0-32,-2 0 0,0 0 64,-4 0-32,-3 0 64,-2 0-64,-2 0 128,0 0-96,-5 0-32,-2 0 0,-2 0-32,2 0 0,-5 0 0,1 0 0,-5 0 0,0 0 0,-4 0 64,5 0-32,-4 0 64,3 0-64,-4 0-32,2 0 32,-2 0-32,1 0 0,-5 0 0,1 0 0,1 0 0,-3 0 0,-2 0 0,0 0 0,0 0 0,0 0 0,0 0-96,0 0 64,-2 0 96,2 0-32,-5 0 64,1 0-64,-3-4-32,7 4 32,-4-3-128,4 3 64,-7-2 96,3 2-32,-3-5-32,2 5 32,-6-2-32,3-3 0,-4 0 0,5 0 0,-8-4 0,4-1 0,-9-4 0,6 4 0,-6-4 0,5 7 0,-4-6 64,4 6-32,-5-7-32,9 4 32,-7-3-128,6 2 64,-7-6 32,7 7 0,-10-4 0,6 4 0,-6-6 64,2 6-32,-2-4-32,2 8 32,-10-8 32,6 4-32,-1-4 128,1 7-96,-5-6-32,5 6 0,-6-7 32,3 7-32,-8-6-32,13 4 32,-8-6 32,10 8-32,-11-5-32,13 1 32,-9-2-32,8 6 0,-4-7 64,5 7-32,-6-6-96,6 6 32,-5-7 32,3 8 0,-2-8 128,2 7-64,-7-6 32,9 6-32,-9-2-128,8 2 32,-4-3 32,5 5 0,-6-4 64,5 6-32,-7-4-32,3 3 32,-4-4-128,8 8 64,-4-5 32,4 5 0,-4-7 0,7 7 0,-2-7-96,7 7 64,-9-7 96,9 7-32,-5-7-32,9 7 32,-4-6-32,7 6 0,-7-7-96,6 3 64,-2-2 32,3 2 0,-3-3-448,7 7 256,-8-6-1664,8 6 1024,-3-7-6784,3 7 4225</inkml:trace>
+  <inkml:trace contextRef="#ctx0" brushRef="#br0">7663 7214 4992,'0'0'1920,"0"0"-1024,5 0-288,-5 0 672,2 0-160,3 0 64,-1 0-320,0 0-128,3 0-416,0 0 0,8 0 32,-4 0-128,8 0 32,-1 0-96,12-4 0,-3 1-96,6 1 32,-3-2-64,3 1 64,-2-1 0,6 4 96,-7 0-96,-1 0 0,-3 0-32,5 0-64,-5 0 96,7 0 63,-3 0-127,8 0-96,-8 0 33,7 4 62,-8-1 1,8-3 64,-6 0-64,-5 0-32,-4 0 96,-3 0 0,-3 0-128,-5 0-32,0 0-1727,-4 4-801,1-2-1504</inkml:trace>
+  <inkml:trace contextRef="#ctx0" brushRef="#br0" timeOffset="1">7648 7240 5120,'0'16'2016,"0"-16"-1088,4 30-384,-1-25 704,0 16-160,1-5 32,1 14-288,-5-2-128,0 14-384,0-5-128,0 11 0,0-6-96,0 11-64,0-8 0,0 10-32,0-6-96,0-3 64,0-7-544,2-13-160,2-6-3040</inkml:trace>
+  <inkml:trace contextRef="#ctx0" brushRef="#br0" timeOffset="2">8500 7230 4480,'22'19'1760,"-22"-19"-960,4 32-384,-4-25 608,4 12-224,0-1 0,-1 14-256,-3-4-64,4 14-288,0-5-128,-4 11 32,0-6 0,0 11 32,0-8 0,0 1 0,0-7-224,-4-4 0,4-2-1088,0-13-416,0-4-1312</inkml:trace>
+  <inkml:trace contextRef="#ctx0" brushRef="#br0" timeOffset="3">8553 7770 2816,'4'14'1120,"-4"-14"-576,0 21-64,0-15 416,0 8-352,0-4-128,0 10-192,0-4-64,0 3-96,0-2-128,0-2 32,0 4-32,0-7 0,0-3-1856</inkml:trace>
+  <inkml:trace contextRef="#ctx0" brushRef="#br0" timeOffset="4">8475 7178 4992,'-3'-10'1920,"3"10"-1024,0-3-192,0 3 736,3 0-320,-3 0-64,11 3-192,0 0-64,8 1-448,-3-1 0,17 1 0,-7-1 0,15-1 32,-3-2 0,21 0 0,-7 0-129,20-2-95,-13-1-160,9-4 0,-13 3 64,12-2 32,-11 0-480,5-1-127,-9 5-1665,-1-3-704,-1 3-928</inkml:trace>
+  <inkml:trace contextRef="#ctx0" brushRef="#br0" timeOffset="5">8601 7144 5632,'0'-6'2176,"0"6"-1152,20-3-640,-18 3 672,10 0-320,0 0-128,10 3-128,-4 1 0,21-2-256,-6 3 0,26-3 0,-6 1-96,18 1-96,-11-1 0,6-3 32,-9 0 32,10 0 32,-11 0-1280,12 4-480,-9-1-1824</inkml:trace>
+  <inkml:trace contextRef="#ctx0" brushRef="#br0" timeOffset="6">9364 7177 5632,'0'0'2176,"0"0"-1152,0 9-480,0-4 704,3 4-288,-3 1 0,5 10-256,-3-4-128,3 19-320,-1-5 128,3 19 32,-3-7 0,2 17 64,-1-7-192,2 10-32,-3-10-65,0 6-31,0-6-192,-1-3 32,1-7 0,0 2 64,-1-9-447,-3 7-225,0-9-1088,0-4-512,0-3-1600</inkml:trace>
+  <inkml:trace contextRef="#ctx0" brushRef="#br0" timeOffset="7">8467 5789 3072,'0'7'1216,"0"-7"-640,-16 9 32,16-5 512,0 2-128,0-3-32,-3 7-256,0-3-32,-1 6-384,-1-1 32,-2 14 96,-1-6-32,-3 9 32,4-6-160,-4 10 0,0-3-160,-4 5-64,4-6 64,-8 10 64,8-5-128,-4 5-32,4-7 128,0 3 160,0-5-160,0 0-64,3-5-32,1 5 32,-2-8-96,3 5 0,2-8-256,1-2-64,-1-4-1216,-1-4-576</inkml:trace>
+  <inkml:trace contextRef="#ctx0" brushRef="#br0" timeOffset="8">8500 5820 3712,'19'-7'1408,"-19"7"-768,0 3-64,0-3 576,7 4-160,-3-4 64,7 3-416,0 0-128,9 7-288,-6-3 64,9 3 96,-5-1-128,12 7 0,-8 0-64,11 4-32,-2-4 32,11 3 96,-9-2-288,15-1-64,-6-2 32,4-3 64,-9 3 0,0-5-32,-4-2-2592,-2-4-2112,-9 0 1472</inkml:trace>
+  <inkml:trace contextRef="#ctx0" brushRef="#br0" timeOffset="9">8241 6389 5376,'-2'-4'2016,"2"4"-1088,0 7-448,0-3 640,2-2-128,-2 1 64,5 4-64,-1 0 32,2 3-544,3-4 0,2 10 32,0-3-192,11 4-32,-2-5-96,16 4 31,-6-2-127,11 2 0,-6 0-32,4 0-64,-4-2 96,-1-2 0,-4-2-32,-1 0-64,-3-3 32,5-2 32,-9 2-32,4 0-32,-4-4-1311,4 3-577,-4-2-1664,1-1-1472,-4-1 1888</inkml:trace>
+  <inkml:trace contextRef="#ctx0" brushRef="#br0" timeOffset="10">8837 6680 5760,'3'-12'2176,"-3"12"-1152,16-33-352,-12 29 800,7-15-192,0 3-32,8-14-224,-4 7-64,8-16-544,-6 4 31,10-7 1,-5 3-96,4-9 32,-3 4-224,4 2-32,-5 3 0,0 4 0,-3 6-1824,-5 5-863,-1 6-1953</inkml:trace>
+  <inkml:trace contextRef="#ctx0" brushRef="#br0" timeOffset="11">10403 10907 4992,'-2'7'1920,"2"-7"-1024,0 0-64,0 0 736,0-4-128,0 1-64,0-4-224,0 1 0,0-6-640,0 3 64,-5-12 63,1 5 1,1-14 0,3 4-64,-4-16-32,0 10-32,4-17 0,0 7-64,0-12 32,0 7-320,0-11-96,0 10 0,4-12 32,-4 12-128,4-11 32,-1 4-512,-3 4-192,0 5-2112,-3-7-959,-1 8-1089</inkml:trace>
 </inkml:ink>
 </file>
 
@@ -2942,38 +2706,182 @@
           <inkml:channelProperty channel="F" name="resolution" value="0" units="1/dev"/>
         </inkml:channelProperties>
       </inkml:inkSource>
-      <inkml:timestamp xml:id="ts0" timeString="2016-11-15T13:12:30.471"/>
+      <inkml:timestamp xml:id="ts0" timeString="2016-11-15T13:10:27.323"/>
     </inkml:context>
     <inkml:brush xml:id="br0">
       <inkml:brushProperty name="width" value="0.06667" units="cm"/>
       <inkml:brushProperty name="height" value="0.06667" units="cm"/>
     </inkml:brush>
   </inkml:definitions>
-  <inkml:trace contextRef="#ctx0" brushRef="#br0">14088 11888 7552,'0'-4'2816,"0"4"-1536,0 7-576,0-3 1472,0 2-1248,0 5 511,0 2-895,0 8 64,0-1-352,-4 7-96,4 4-96,-6 5 224,1 2-160,-2 3 320,-1-4-256,-6 1 160,2-2-192,-12-2 64,9 0-128,-10-6 96,5-6-128,-7 0-32,8-6 0,-4-6-192,8 0 96,-4-10-736,8 0 416,-1-12-1728,4 0 1185,1-10-2817,7-2 2080,0-10-2944,4 6 2624</inkml:trace>
-  <inkml:trace contextRef="#ctx0" brushRef="#br0" timeOffset="1">14100 11698 6144,'17'-42'2368,"-17"42"-1280,14-26 0,-6 18 1824,-2 8-1568,-6-6 927,8 6-1375,-8-5 160,0 10-640,0-5-96,0 6-192,0-6-1504,0 8 768,0-2-5343,9 2 3295</inkml:trace>
-  <inkml:trace contextRef="#ctx0" brushRef="#br0" timeOffset="2">14688 12040 5760,'-8'-14'2176,"8"14"-1152,-8-9-480,4 6 1344,4 3-1056,-8-7 800,4 7-960,-7-3 640,4 6-768,-9-3 383,6 0-575,-10 0 192,4 2-320,-2 3 0,2 2-128,-2-2 0,6 9-32,-7 1-64,8 1 32,-5-3-32,10 4 0,-8 0-96,8 4 64,-2-4-32,4 3 0,0-4 128,4 1-32,0 0-96,8 0 32,0-3 32,3 0 0,0-8 64,1 5-32,3-8-32,0 0 32,5-6 32,2 0-32,-3-8-32,0 1 32,0-7-32,0 5 0,-3-5 0,2 3 0,-2-3 64,0 3-32,-1-3-32,-4 4 32,-4-4-32,2 6 0,-3-2 0,3 3 0,-6-1 0,5 5 0,-8 2 0,0 4 0,0 0 64,0 7-32,0 0 64,0 3-64,0 0-96,0 4 32,0-1 32,3 1 0,2 0 0,1-1 0,3-4 0,2 6 0,-4-8 0,6 2 0,-6-4 0,4-3 0,1-4 64,3 2-32,0-7-32,3 0 32,-2-3-32,4 3 0,-4-7 128,-2 4-64,-2-7-32,0 3 0,-10-6-128,6 6 64,-8-6 96,4 6-32,-8-6 64,0 6-64,-2-2 64,-3 6-64,-6-4 192,7 4-128,-7 3 256,4 4-224,-7 0 256,4 6-256,-8 0 96,6 8-128,-6 2-64,6 1 0,-2 3-32,7-1 0,-4 8-96,3 0 64,1 6 96,2 1-32,3 3-32,6-1 32,0 4-32,6-3 0,3-3 0,2-4 0,1 1 0,3-6 0,4-1-352,0-4 192,4-4-1792,-1 1 1088,0-7-5183,6 0 3359</inkml:trace>
-  <inkml:trace contextRef="#ctx0" brushRef="#br0" timeOffset="3">15266 12173 5888,'0'-7'2272,"0"7"-1216,-4 0-320,0 0 1472,8 7-1216,-8 0 512,4 5-928,-4 10 192,4-3-448,-7 5 159,3 3-255,-7 0 128,3 1-192,-4-1 128,5-1-160,-4-2 224,7 0-224,-4-7 448,4 3-320,-3-9 224,7-1-256,-4-10 64,8 3-160,-4-13 160,7 3-192,1-10 96,7 0-96,0-7 160,1 7-160,2-7 96,2 5-96,0-5 0,-2 7-32,2-7 96,2 11-96,-6-1 128,2 11-128,-2-4 128,3 3-128,0 1-32,3 3 0,-2 0 96,2 3-64,-2 1 32,2-1-32,-4 1-672,2 2 320,-4 1-2720,0 0 1696,-6-7-5183,4 3 3647</inkml:trace>
-  <inkml:trace contextRef="#ctx0" brushRef="#br0" timeOffset="4">15789 12458 6656,'-5'0'2464,"5"0"-1344,12 14-608,-8-11 1248,4 4-992,-1-5 480,5 5-736,3 1 288,1-1-480,-1-5 63,-1 5-255,6-4 0,-2 4-64,2-4 96,-2 1-96,-2-4 32,-1 3-32,1-6 32,-1 3-64,-4-7 128,1 4-96,-5-8-32,5 6 0,-9-10 96,1 8-64,-8-5 320,4-2-192,-7 0 160,3 4-192,-7 0 224,4 3-256,-9 0 384,5 4-288,-13-1 224,10 8-224,-10-1 128,6 7-192,-9-3 128,4 7-160,-3 10 0,2-5-64,5 5 32,8 0-64,7 0-96,4 3 32,4 0 32,7-1 0,5 3 0,2-3 0,2-2-352,2 0 192,1-4-2336,4-3 1376,-1-3-5247,1-4 3551</inkml:trace>
-  <inkml:trace contextRef="#ctx0" brushRef="#br0" timeOffset="5">14672 12976 6400,'0'0'2464,"0"0"-1344,4 3-544,-4 1 1440,0 3-1120,-4 6 544,4 4-864,-7 7 192,2 6-449,-5 4 161,-2 0-256,-8 7 64,5-2-160,-4 9 64,4-4-96,-3 4 0,5-4-32,-5 0 32,6-7-64,-3 1 192,8-9-128,-5-5 320,4 0-224,2-14 160,1 0-192,5-17 0,5 2-96,-3-23 224,10 5-160,0-18 256,2 3-256,10-6 32,-2 10-96,6-6-64,-2 9 32,1-3 32,2 11-32,3-5-32,-2 12 32,0-2 32,1 8-32,2 4 64,3 6-64,-2 4 64,-4 2-64,0 8-32,1 2 32,0 11-32,-4 2 0,-2 4 64,-1 4-32,-6 7 64,-2-4-64,-9 4-32,2-4 32,-9-2 96,0 0-64,-12 0 320,1-9-192,-13-5 256,1-3-256,-11-9 256,8 2-256,-8-6 256,3-2-256,-7-2-96,7-2-64,-3-2-128,4 0 64,-4-6-1312,7 2 736,4-6-4352,11 4 2785,0-14-4513,1 3 3808</inkml:trace>
-  <inkml:trace contextRef="#ctx0" brushRef="#br0" timeOffset="6">15380 13711 6400,'-14'10'2368,"14"-10"-1280,0 2-288,0 3 1152,3-3-1056,1 3 32,3 0-576,1-1 192,-1 3-288,5-7 352,0 3-353,2-3 161,2 0-256,-1 0 64,5 0-128,-2-3 96,2 3-128,-2-4 32,2 1-32,-6-6-64,2 2 32,-5-8 32,2 6-32,-6-5 64,0 8-64,-7-8 192,4 4-128,-8-7 384,1 0-256,-8 3 448,-2 7-384,-5 0 288,2 4-320,-2 0 192,2 6-224,-3 0 64,3 8-160,-2-1 0,2 4-64,-3 6 32,7 0-64,-2 1-96,2-2 32,0 3 32,5-3 0,-1 5 0,5 0 0,-1 0-96,8-4 64,-4 0 96,7 1-32,-3-4-512,3-3 256,2-5-2016,2 1 1248,4-7-5087,0 4 3391</inkml:trace>
-  <inkml:trace contextRef="#ctx0" brushRef="#br0" timeOffset="7">15979 13735 5632,'-3'-7'2176,"3"7"-1152,0-5 288,0 5 1760,0 5-1632,-4-3 639,4 5-1279,-5 0 352,5 3-672,-4 0 288,1 4-448,-5 6 256,8 1-320,-7 6 64,7 0-192,-7 4 0,3-5-64,-5 1 32,9 1-64,-3-8 128,3-3-96,-4-7-32,8 1 0,-4-11-32,3 0 0,1-14 0,8 0 0,-4-10 0,3 7 0,1-6 0,3 7 0,1-8 64,2 7-32,-3 0 128,4 6-96,-4 1 32,1 7-32,-5-1 96,0 4-96,0 4 32,2 3-32,-6 3 32,0 2-64,-3 2 64,3 3-64,-2-3-96,-1-1 32,0-6 32,-1 3 0,1-6 0,3-1 0,2-10 0,2 4 0,4-11 0,4 1 0,0-3 0,4 6 0,-1-9 0,5 10 0,-4-1 0,-4 3 0,1 0 128,-2 4-64,-2 0 384,-1 6-224,-3 4 384,-1 6-352,-7 3 160,3 8-256,-3 5 128,-1-3-160,-3 1 0,4-3-64,-4 0-128,0-4 32,0-4-672,0 1 384,0-10-2496,0 0 1568,0-11-5855,0 1 3935</inkml:trace>
-  <inkml:trace contextRef="#ctx0" brushRef="#br0" timeOffset="8">16958 14039 5376,'-8'-10'2016,"8"10"-1088,-7-7 256,2 4 1824,5 6-1632,-6-3 992,-3 0-1441,-5 0 929,5 4-1056,-9-1 480,6 7-736,-11 4 128,8 5-384,-8 3-32,8 0-160,-4-1-64,8 3 0,-1 0-128,4-1 64,4 5-32,8-1 0,0-4 0,8-3 0,-1-3 0,8-3 0,5-4 0,-2 0 0,4-13 64,2 3 0,-2-10-96,-4 3 64,1-10 96,1 0-32,-5-7 320,-4 8-160,-8-8 608,5 4-448,-12-1 448,4 4-448,-12-3 32,4 3-224,-12-4-32,6 4-64,-9-2-1024,4 4 512,-1 3-3488,5 1 2176,2 1-5343,9 7 3967</inkml:trace>
-  <inkml:trace contextRef="#ctx0" brushRef="#br0" timeOffset="9">17266 14231 11392,'-4'0'4224,"4"0"-2305,9 9-1663,-7-4 1344,7 2-960,2-4 416,0 4-640,5 0 256,-1-2-384,-1 3 256,6-2-288,-4 2 128,2 2-224,2-4-352,-2 2 96,-5-6-2720,1 6 1536,-6-12-5727,3 4 3903</inkml:trace>
-  <inkml:trace contextRef="#ctx0" brushRef="#br0" timeOffset="10">18394 14014 5120,'-4'-6'2016,"4"6"-1088,-4-10-32,1 7 1632,6 3-1376,-6-7 1088,3 4-1344,-4-4 831,-1 7-1023,-1-7 640,-2 7-800,-4-3 384,0 3-576,-10 0 320,6 6-384,-10 5 192,8 2-256,-14 3 0,6 2-128,-12 6 0,7 0-32,-7 6-64,11 0 32,-7 4 32,8-4-32,-4 12 64,6-9-64,-3 4-32,13-3 32,-1 6-128,3-2 64,0 3 32,9-2 0,3 3-96,3-2 64,5-6-32,8 0 0,6-3-96,0-4 96,6-11-32,2 2 32,0-8-96,5 0 96,-1-6-256,0 2 192,1-10-32,-1 4 96,-8-6 64,2 0 0,-6-4 0,-2 6 0,-5-10 64,-1 8-32,-5-11 256,-3 7-160,-6-7 448,5 3-320,-12-7 224,3 8-256,-8-3 0,4 6-128,-6-8-64,6 8 0,-8-4-832,9 5 448,-4-6-2368,2 6 1472,2-6-5407,3 9 3711</inkml:trace>
-  <inkml:trace contextRef="#ctx0" brushRef="#br0" timeOffset="11">18752 14638 4736,'0'-7'1824,"0"7"-960,-3 0-160,-1 0 1344,8 0-1088,-4 0 640,0 3-928,-4 1 544,4 3-704,-4-1 320,0 1-512,-3 7 415,2 0-447,-10-1 288,8 4-320,-9 0 128,5 4-224,-4-1 0,8-1-96,-9 5 32,9-3-64,-4-4 64,7 3-64,-5-3 64,6 0-64,-5 0 64,8 0-64,-3-3-32,3 3 32,0-3-128,7-2 64,0 2 96,9-1-32,-1-2-32,1-1 32,-1-7-32,3 4 0,-2-7 128,6 4-64,-6-4 128,-1 0-128,1-4-32,2 4 0,-2-3 32,3-1-32,-5-3 64,2 4-64,-5-7-32,5 3 32,-5-7 96,4 4-64,-3-7 128,-1 8-128,2-6 128,-2 6-128,0-4 128,0 6-128,1-7 32,-1 4-32,-3-4 32,4 4-64,-5-4-32,4 4 32,-3-3 32,-1 6-32,0-3-736,2 3 416,-5 0-3424,-1 0 2049,1 5-4513,0 2 3488</inkml:trace>
-  <inkml:trace contextRef="#ctx0" brushRef="#br0" timeOffset="12">19464 14983 6400,'0'-13'2464,"0"13"-1344,-18-4-256,10 1 1696,8 6-1408,-12-3 1023,5 0-1311,-8 0 608,8 4-832,-17-1 416,8 7-608,-9 0 96,5 4-288,-7 3 32,5 2-160,-1 3-128,3 1-32,2-3-128,5 4 96,2-4 32,8 4 32,-1-3 0,8-4 0,3-5-160,5 2 96,3-11-896,1 4 544,-1-7-3008,3 0 1921,2-7-4449,-2 2 3360</inkml:trace>
-  <inkml:trace contextRef="#ctx0" brushRef="#br0" timeOffset="13">19998 14390 6784,'-5'4'2624,"5"-4"-1408,-2 17-576,-3-14 1408,10 4-1152,-10 0 640,5 3-896,-7 4 607,3-1-703,-4 8 576,1-1-640,-9 6 512,5 3-544,-7 0 256,2 5-416,-8 0 352,6-1-384,-9 5 384,5-1-384,-9 1 288,8 3-288,-11-2 352,7 2-352,-4 4 96,9-1-224,-9 4 160,8-2-192,-3-2 32,3-6-64,-4-2-64,8-5 32,0-7-896,4 0 480,-1-11-2944,5 1 1856,0-7-5855,7 0 4095</inkml:trace>
-  <inkml:trace contextRef="#ctx0" brushRef="#br0" timeOffset="14">13490 11479 6272,'0'-14'2368,"0"14"-1280,0-17-224,0 14 1568,0 3-1344,-2 0 672,2 3-1057,-4 4 321,4 3-576,-9 11 160,2 1-352,-9 16 64,10-1-192,-14 14 64,8 1-96,-6 4 0,3 2-32,-8 4 32,3-2-64,-2 1-32,6-6 32,-3-5-384,8-3 192,-3-9-1568,5-4 960,2-10-3039,3-7 2111,4-15-3040,4-2 2720</inkml:trace>
-  <inkml:trace contextRef="#ctx0" brushRef="#br0" timeOffset="15">13887 11540 6656,'-4'-17'2528,"4"17"-1344,-7 0-256,3 0 1472,4 3-1344,-8 1 512,5 3-993,-9-1 129,1 5-416,-4 2 32,3 1-192,-7 5 160,3 2-192,-2-1 96,2 4-96,-6-3 160,2 2-160,-7-2 192,12-1-192,-3-4-32,2 6-32,-3-6-128,7 1 64,1-4 32,4 1 0,-4-4 0,6 4 0,1-1 64,4-2-32,0-1 320,4 0-160,1 0 256,2-1-256,1 5 160,3 1-192,1-3 0,3 2-96,-1 0 32,2-1-64,3 1 64,8-1-64,-8-2 128,0-1-96,0-3-448,0 0 192,-3-4-1184,2 0 768,-2-3-2496,-1 0 1761,-4-3-4257,1 3 3136</inkml:trace>
-  <inkml:trace contextRef="#ctx0" brushRef="#br0" timeOffset="16">13316 13162 4992,'0'-8'1824,"0"8"-960,16-12-96,-5 4 1472,0 8-1216,7-14 864,6 4-1152,3-14 704,2 5-832,3-15 223,-6 11-479,4-11-128,1 7-128,3-7 64,-3 6-96,3-1-576,0 5 256,-4-8-3615,2 12 2111,-6-6-3616,-4 5 3040</inkml:trace>
-  <inkml:trace contextRef="#ctx0" brushRef="#br0" timeOffset="17">12514 14216 6656,'-5'-1'2464,"5"1"-1344,0 1-608,0-1 1248,2 3-992,-1 0 640,4 1-864,0 2 448,3-1-577,3 4 257,1 3-384,3 4 0,3 2-192,1 1-64,0 0 0,0 3-32,-2 0 0,1 2 0,0 2 0,0-1 64,1-3-32,0-1 128,0-3-96,-2-1 320,3-3-192,-7-2 256,1-2-256,-1-1 160,-2-3-192,-2-2 224,1 0-256,-2-4 384,0-4-288,2-6 224,0 0-224,1-10 224,1 3-256,3-10 32,1 5-128,5-10 0,0 7-32,1-6-64,-2 7 32,2-3 96,-2 6-64,-3-1-928,-1 4 448,-2 0-4544,-1 6 2721,-1-1-4545,-2 3 3872</inkml:trace>
-  <inkml:trace contextRef="#ctx0" brushRef="#br0" timeOffset="18">11971 15450 5376,'-4'-14'2016,"4"14"-1088,4 7-256,-4-7 1568,3 4-1248,-3-8 896,4 4-1152,1-7 640,-3 4-833,3-6 513,3-1-608,-1-11 320,0 8-448,2-11 320,2 7-352,0-11 352,5 5-384,-1-10 288,-1 4-288,2-7 352,3 5-352,-3-6 288,2 10-288,2-11 128,-2 5-224,2-11 128,2 10-160,-2-7 224,3 8-224,-5-11 96,2 6-128,-5-6 160,4 6-160,-4-5 256,5 9-224,-6-7 96,1 12-128,-3-10 96,-1 9-128,1-4 32,0 7-32,-5-4-64,1 11 32,-1-6 32,0 9-32,2-4-928,-2 8 480,-3-1-2944,0 4 1888,-1 0-5919,1 3 4127</inkml:trace>
-  <inkml:trace contextRef="#ctx0" brushRef="#br0" timeOffset="19">12546 14267 5888,'-8'-3'2176,"8"3"-1152,-5 4 0,5-1 1440,1 1-1344,-1 3 320,4 3-896,0 3-32,4 3-320,3 5-33,3 0-95,3 7 96,1 0-96,0 7 480,2 1-320,0 6 128,0-1-224,2 6-192,0-2 0,1 5 32,-1-4 32,0 3 0,0-8 0,-1 4 0,-3-6 0,1-2 0,-4-4 0,0-3 64,-1-5-32,-1-1-32,-1-3 32,-1-3 160,0-3-96,-2-6 320,1-2-224,-3-10 256,3-1-256,1-17 160,0 0-192,3-17 224,0 4-256,4-17 256,2 4-256,2-15 320,0 11-256,1-9 160,1 9-192,1-8 64,-1 9-128,0-3 0,-4 11-32,1 1-896,-4 7 448,-1-1-4352,-2 11 2625,-4-2-4545,0 7 3776</inkml:trace>
-  <inkml:trace contextRef="#ctx0" brushRef="#br0" timeOffset="20">13330 14272 4736,'-9'-2'1760,"9"2"-960,0-7-32,0 1 1184,4 2-1056,0-9 544,3 1-864,0-7 480,2 1-608,2-4 192,0 3-384,0-1 0,2 7-160,-1-2 288,-1 5-192,0 0 319,0 4-287,-2 5 160,0 2-224,-3 8 288,-1 2-256,-4 7 160,0 0-192,-2 5 0,1 3-96,-3 2-832,0-2 416,-2 2-3935,1-3 2367,-4-4-3552,3-3 3104</inkml:trace>
-  <inkml:trace contextRef="#ctx0" brushRef="#br0" timeOffset="21">12599 13354 5504,'-18'0'2112,"18"0"-1152,-19 3-352,13-1 1440,5-1-1120,-8 0 832,5 2-1056,-7 0 576,3 1-768,-6 2 447,2 1-543,-7 1 192,3 2-352,-6 2 64,5 1-192,-5 5 64,3-1-96,1 4-64,3 0 0,-1 3-32,4 1 0,-1 5-96,4-4 64,-2 6 32,3-3 0,1 8 0,3-5 0,1 2 0,3-1 0,0 0-96,3-3 64,2 3-32,3-2 0,3-1 64,3-4 0,1 2 0,3-2 0,2-2 64,-1-2-32,3-1-96,-2-2 32,2-2 32,0-3 0,5-2 0,-2-4 0,3-4-96,-1-1 64,0-7 32,-3-2 0,3-6 64,-2 0-32,2-5-32,-2 1 32,0-6-32,-1 1 0,-1-6 0,-1 1 0,-4-6 64,0 6-32,-4-7 64,0 3-64,-3-5-32,-2 6 32,-2-7 96,-3 5-64,-4-5 32,0 5-32,-7-6 160,-1 7-128,-8-1 256,2 4-224,-5 0 384,2 6-288,-8 4 224,3 4-224,-8 2 0,4 4-128,-9 0-64,7 4 0,-5 0-608,5 2 320,-3-3-3840,7 2 2241,1 0-4705,5 2 3712</inkml:trace>
-  <inkml:trace contextRef="#ctx0" brushRef="#br0" timeOffset="22">12674 13710 5888,'-3'0'2176,"3"0"-1152,2-2-640,-1 1 1024,0 2-800,1-1 608,1 0-704,1 0 512,2 2-576,0-2 256,2 3-416,1-1 0,2 3-192,2-1-64,0 1 0,3 1 32,2-1-32,1 1-32,1 0 32,-1-2-2720,0 2 1472,-2-2-3872,0 2 2848</inkml:trace>
-  <inkml:trace contextRef="#ctx0" brushRef="#br0" timeOffset="23">12640 13962 3200,'-2'-3'1216,"2"3"-640,3 2 96,-3-2 1120,2 1-992,-1 0 480,3 2-768,-3 0 288,2 1-480,0 1 192,2 0-288,-1-1 0,3 2-128,1-1 224,-1 2-192,2-1 32,0-1-96,0-1-192,0 1 64,2-4-2848,2 2 1568,-1-2-2880,1 0 2400</inkml:trace>
-  <inkml:trace contextRef="#ctx0" brushRef="#br0" timeOffset="24">12830 13728 2176,'0'0'864,"0"0"-448,0 0 128,0 0 1152,0 0-896,0 0 672,0 0-864,-2-2 448,2 2-608,-2-2 608,0 0-608,-1-1 480,2 2-512,-4-2 320,2 2-416,-1-3 256,-2 2-320,0-3 192,2 2-224,-2-4 0,0 3-128,0-6 0,3 5-32,-3-2 32,3 2-64,-2-3-32,3 4 32,-1-1-32,1 0 0,0 1-1280,2 1 704,-2 2-3424,4 1 2208</inkml:trace>
+  <inkml:traceGroup>
+    <inkml:annotationXML>
+      <emma:emma xmlns:emma="http://www.w3.org/2003/04/emma" version="1.0">
+        <emma:interpretation id="{32101F83-B222-4F3B-A690-AFB088E20BD2}" emma:medium="tactile" emma:mode="ink">
+          <msink:context xmlns:msink="http://schemas.microsoft.com/ink/2010/main" type="writingRegion" rotatedBoundingBox="15199,12497 22416,14802 21281,18356 14064,16051"/>
+        </emma:interpretation>
+      </emma:emma>
+    </inkml:annotationXML>
+    <inkml:traceGroup>
+      <inkml:annotationXML>
+        <emma:emma xmlns:emma="http://www.w3.org/2003/04/emma" version="1.0">
+          <emma:interpretation id="{35F8A7AA-236F-4270-9B55-6C4E83BB2CC8}" emma:medium="tactile" emma:mode="ink">
+            <msink:context xmlns:msink="http://schemas.microsoft.com/ink/2010/main" type="paragraph" rotatedBoundingBox="15623,12647 18322,13413 18081,14261 15382,13496" alignmentLevel="1"/>
+          </emma:interpretation>
+        </emma:emma>
+      </inkml:annotationXML>
+      <inkml:traceGroup>
+        <inkml:annotationXML>
+          <emma:emma xmlns:emma="http://www.w3.org/2003/04/emma" version="1.0">
+            <emma:interpretation id="{1643A6F6-C033-411F-B4B1-ECD399E47165}" emma:medium="tactile" emma:mode="ink">
+              <msink:context xmlns:msink="http://schemas.microsoft.com/ink/2010/main" type="line" rotatedBoundingBox="15623,12647 18322,13413 18081,14261 15382,13496"/>
+            </emma:interpretation>
+          </emma:emma>
+        </inkml:annotationXML>
+        <inkml:traceGroup>
+          <inkml:annotationXML>
+            <emma:emma xmlns:emma="http://www.w3.org/2003/04/emma" version="1.0">
+              <emma:interpretation id="{3C332CA9-1E4B-489D-A62E-410D0695C9FB}" emma:medium="tactile" emma:mode="ink">
+                <msink:context xmlns:msink="http://schemas.microsoft.com/ink/2010/main" type="inkWord" rotatedBoundingBox="15623,12647 18322,13413 18081,14261 15382,13496"/>
+              </emma:interpretation>
+              <emma:one-of disjunction-type="recognition" id="oneOf0">
+                <emma:interpretation id="interp0" emma:lang="nb-NO" emma:confidence="0">
+                  <emma:literal>Kjære</emma:literal>
+                </emma:interpretation>
+                <emma:interpretation id="interp1" emma:lang="nb-NO" emma:confidence="0">
+                  <emma:literal>kjø ære</emma:literal>
+                </emma:interpretation>
+                <emma:interpretation id="interp2" emma:lang="nb-NO" emma:confidence="0">
+                  <emma:literal>kje ære</emma:literal>
+                </emma:interpretation>
+                <emma:interpretation id="interp3" emma:lang="nb-NO" emma:confidence="0">
+                  <emma:literal>Kje ære</emma:literal>
+                </emma:interpretation>
+                <emma:interpretation id="interp4" emma:lang="nb-NO" emma:confidence="0">
+                  <emma:literal>Kj ære</emma:literal>
+                </emma:interpretation>
+              </emma:one-of>
+            </emma:emma>
+          </inkml:annotationXML>
+          <inkml:trace contextRef="#ctx0" brushRef="#br0">14088 11888 7552,'0'-4'2816,"0"4"-1536,0 7-576,0-3 1472,0 2-1248,0 5 511,0 2-895,0 8 64,0-1-352,-4 7-96,4 4-96,-6 5 224,1 2-160,-2 3 320,-1-4-256,-6 1 160,2-2-192,-12-2 64,9 0-128,-10-6 96,5-6-128,-7 0-32,8-6 0,-4-6-192,8 0 96,-4-10-736,8 0 416,-1-12-1728,4 0 1185,1-10-2817,7-2 2080,0-10-2944,4 6 2624</inkml:trace>
+          <inkml:trace contextRef="#ctx0" brushRef="#br0" timeOffset="262">14100 11698 6144,'17'-42'2368,"-17"42"-1280,14-26 0,-6 18 1824,-2 8-1568,-6-6 927,8 6-1375,-8-5 160,0 10-640,0-5-96,0 6-192,0-6-1504,0 8 768,0-2-5343,9 2 3295</inkml:trace>
+          <inkml:trace contextRef="#ctx0" brushRef="#br0" timeOffset="7238">14688 12040 5760,'-8'-14'2176,"8"14"-1152,-8-9-480,4 6 1344,4 3-1056,-8-7 800,4 7-960,-7-3 640,4 6-768,-9-3 383,6 0-575,-10 0 192,4 2-320,-2 3 0,2 2-128,-2-2 0,6 9-32,-7 1-64,8 1 32,-5-3-32,10 4 0,-8 0-96,8 4 64,-2-4-32,4 3 0,0-4 128,4 1-32,0 0-96,8 0 32,0-3 32,3 0 0,0-8 64,1 5-32,3-8-32,0 0 32,5-6 32,2 0-32,-3-8-32,0 1 32,0-7-32,0 5 0,-3-5 0,2 3 0,-2-3 64,0 3-32,-1-3-32,-4 4 32,-4-4-32,2 6 0,-3-2 0,3 3 0,-6-1 0,5 5 0,-8 2 0,0 4 0,0 0 64,0 7-32,0 0 64,0 3-64,0 0-96,0 4 32,0-1 32,3 1 0,2 0 0,1-1 0,3-4 0,2 6 0,-4-8 0,6 2 0,-6-4 0,4-3 0,1-4 64,3 2-32,0-7-32,3 0 32,-2-3-32,4 3 0,-4-7 128,-2 4-64,-2-7-32,0 3 0,-10-6-128,6 6 64,-8-6 96,4 6-32,-8-6 64,0 6-64,-2-2 64,-3 6-64,-6-4 192,7 4-128,-7 3 256,4 4-224,-7 0 256,4 6-256,-8 0 96,6 8-128,-6 2-64,6 1 0,-2 3-32,7-1 0,-4 8-96,3 0 64,1 6 96,2 1-32,3 3-32,6-1 32,0 4-32,6-3 0,3-3 0,2-4 0,1 1 0,3-6 0,4-1-352,0-4 192,4-4-1792,-1 1 1088,0-7-5183,6 0 3359</inkml:trace>
+          <inkml:trace contextRef="#ctx0" brushRef="#br0" timeOffset="9209">15266 12173 5888,'0'-7'2272,"0"7"-1216,-4 0-320,0 0 1472,8 7-1216,-8 0 512,4 5-928,-4 10 192,4-3-448,-7 5 159,3 3-255,-7 0 128,3 1-192,-4-1 128,5-1-160,-4-2 224,7 0-224,-4-7 448,4 3-320,-3-9 224,7-1-256,-4-10 64,8 3-160,-4-13 160,7 3-192,1-10 96,7 0-96,0-7 160,1 7-160,2-7 96,2 5-96,0-5 0,-2 7-32,2-7 96,2 11-96,-6-1 128,2 11-128,-2-4 128,3 3-128,0 1-32,3 3 0,-2 0 96,2 3-64,-2 1 32,2-1-32,-4 1-672,2 2 320,-4 1-2720,0 0 1696,-6-7-5183,4 3 3647</inkml:trace>
+          <inkml:trace contextRef="#ctx0" brushRef="#br0" timeOffset="10241">15789 12458 6656,'-5'0'2464,"5"0"-1344,12 14-608,-8-11 1248,4 4-992,-1-5 480,5 5-736,3 1 288,1-1-480,-1-5 63,-1 5-255,6-4 0,-2 4-64,2-4 96,-2 1-96,-2-4 32,-1 3-32,1-6 32,-1 3-64,-4-7 128,1 4-96,-5-8-32,5 6 0,-9-10 96,1 8-64,-8-5 320,4-2-192,-7 0 160,3 4-192,-7 0 224,4 3-256,-9 0 384,5 4-288,-13-1 224,10 8-224,-10-1 128,6 7-192,-9-3 128,4 7-160,-3 10 0,2-5-64,5 5 32,8 0-64,7 0-96,4 3 32,4 0 32,7-1 0,5 3 0,2-3 0,2-2-352,2 0 192,1-4-2336,4-3 1376,-1-3-5247,1-4 3551</inkml:trace>
+          <inkml:trace contextRef="#ctx0" brushRef="#br0" timeOffset="-1037">13490 11479 6272,'0'-14'2368,"0"14"-1280,0-17-224,0 14 1568,0 3-1344,-2 0 672,2 3-1057,-4 4 321,4 3-576,-9 11 160,2 1-352,-9 16 64,10-1-192,-14 14 64,8 1-96,-6 4 0,3 2-32,-8 4 32,3-2-64,-2 1-32,6-6 32,-3-5-384,8-3 192,-3-9-1568,5-4 960,2-10-3039,3-7 2111,4-15-3040,4-2 2720</inkml:trace>
+          <inkml:trace contextRef="#ctx0" brushRef="#br0" timeOffset="-438">13887 11540 6656,'-4'-17'2528,"4"17"-1344,-7 0-256,3 0 1472,4 3-1344,-8 1 512,5 3-993,-9-1 129,1 5-416,-4 2 32,3 1-192,-7 5 160,3 2-192,-2-1 96,2 4-96,-6-3 160,2 2-160,-7-2 192,12-1-192,-3-4-32,2 6-32,-3-6-128,7 1 64,1-4 32,4 1 0,-4-4 0,6 4 0,1-1 64,4-2-32,0-1 320,4 0-160,1 0 256,2-1-256,1 5 160,3 1-192,1-3 0,3 2-96,-1 0 32,2-1-64,3 1 64,8-1-64,-8-2 128,0-1-96,0-3-448,0 0 192,-3-4-1184,2 0 768,-2-3-2496,-1 0 1761,-4-3-4257,1 3 3136</inkml:trace>
+        </inkml:traceGroup>
+      </inkml:traceGroup>
+    </inkml:traceGroup>
+    <inkml:traceGroup>
+      <inkml:annotationXML>
+        <emma:emma xmlns:emma="http://www.w3.org/2003/04/emma" version="1.0">
+          <emma:interpretation id="{D8CE2DF2-B959-4916-A247-F56328362725}" emma:medium="tactile" emma:mode="ink">
+            <msink:context xmlns:msink="http://schemas.microsoft.com/ink/2010/main" type="paragraph" rotatedBoundingBox="15726,13580 22151,15631 21820,16668 15395,14617" alignmentLevel="1"/>
+          </emma:interpretation>
+        </emma:emma>
+      </inkml:annotationXML>
+      <inkml:traceGroup>
+        <inkml:annotationXML>
+          <emma:emma xmlns:emma="http://www.w3.org/2003/04/emma" version="1.0">
+            <emma:interpretation id="{44D8987D-D8BB-44F5-9BA5-CFB140FF4F53}" emma:medium="tactile" emma:mode="ink">
+              <msink:context xmlns:msink="http://schemas.microsoft.com/ink/2010/main" type="line" rotatedBoundingBox="15726,13580 22151,15631 21820,16668 15395,14617"/>
+            </emma:interpretation>
+          </emma:emma>
+        </inkml:annotationXML>
+        <inkml:traceGroup>
+          <inkml:annotationXML>
+            <emma:emma xmlns:emma="http://www.w3.org/2003/04/emma" version="1.0">
+              <emma:interpretation id="{D765C45D-8C67-4BC2-BF56-52E9BB167089}" emma:medium="tactile" emma:mode="ink">
+                <msink:context xmlns:msink="http://schemas.microsoft.com/ink/2010/main" type="inkWord" rotatedBoundingBox="16890,13952 22151,15631 21820,16668 16559,14988"/>
+              </emma:interpretation>
+              <emma:one-of disjunction-type="recognition" id="oneOf1">
+                <emma:interpretation id="interp5" emma:lang="nb-NO" emma:confidence="0">
+                  <emma:literal>'DemosGouda</emma:literal>
+                </emma:interpretation>
+                <emma:interpretation id="interp6" emma:lang="nb-NO" emma:confidence="0">
+                  <emma:literal>stemor Gud</emma:literal>
+                </emma:interpretation>
+                <emma:interpretation id="interp7" emma:lang="nb-NO" emma:confidence="0">
+                  <emma:literal>bemann Gud</emma:literal>
+                </emma:interpretation>
+                <emma:interpretation id="interp8" emma:lang="nb-NO" emma:confidence="0">
+                  <emma:literal>'Demon-Gouda</emma:literal>
+                </emma:interpretation>
+                <emma:interpretation id="interp9" emma:lang="nb-NO" emma:confidence="0">
+                  <emma:literal>Demo Gud</emma:literal>
+                </emma:interpretation>
+              </emma:one-of>
+            </emma:emma>
+          </inkml:annotationXML>
+          <inkml:trace contextRef="#ctx0" brushRef="#br0" timeOffset="12459">14672 12976 6400,'0'0'2464,"0"0"-1344,4 3-544,-4 1 1440,0 3-1120,-4 6 544,4 4-864,-7 7 192,2 6-449,-5 4 161,-2 0-256,-8 7 64,5-2-160,-4 9 64,4-4-96,-3 4 0,5-4-32,-5 0 32,6-7-64,-3 1 192,8-9-128,-5-5 320,4 0-224,2-14 160,1 0-192,5-17 0,5 2-96,-3-23 224,10 5-160,0-18 256,2 3-256,10-6 32,-2 10-96,6-6-64,-2 9 32,1-3 32,2 11-32,3-5-32,-2 12 32,0-2 32,1 8-32,2 4 64,3 6-64,-2 4 64,-4 2-64,0 8-32,1 2 32,0 11-32,-4 2 0,-2 4 64,-1 4-32,-6 7 64,-2-4-64,-9 4-32,2-4 32,-9-2 96,0 0-64,-12 0 320,1-9-192,-13-5 256,1-3-256,-11-9 256,8 2-256,-8-6 256,3-2-256,-7-2-96,7-2-64,-3-2-128,4 0 64,-4-6-1312,7 2 736,4-6-4352,11 4 2785,0-14-4513,1 3 3808</inkml:trace>
+          <inkml:trace contextRef="#ctx0" brushRef="#br0" timeOffset="13375">15380 13711 6400,'-14'10'2368,"14"-10"-1280,0 2-288,0 3 1152,3-3-1056,1 3 32,3 0-576,1-1 192,-1 3-288,5-7 352,0 3-353,2-3 161,2 0-256,-1 0 64,5 0-128,-2-3 96,2 3-128,-2-4 32,2 1-32,-6-6-64,2 2 32,-5-8 32,2 6-32,-6-5 64,0 8-64,-7-8 192,4 4-128,-8-7 384,1 0-256,-8 3 448,-2 7-384,-5 0 288,2 4-320,-2 0 192,2 6-224,-3 0 64,3 8-160,-2-1 0,2 4-64,-3 6 32,7 0-64,-2 1-96,2-2 32,0 3 32,5-3 0,-1 5 0,5 0 0,-1 0-96,8-4 64,-4 0 96,7 1-32,-3-4-512,3-3 256,2-5-2016,2 1 1248,4-7-5087,0 4 3391</inkml:trace>
+          <inkml:trace contextRef="#ctx0" brushRef="#br0" timeOffset="14344">15979 13735 5632,'-3'-7'2176,"3"7"-1152,0-5 288,0 5 1760,0 5-1632,-4-3 639,4 5-1279,-5 0 352,5 3-672,-4 0 288,1 4-448,-5 6 256,8 1-320,-7 6 64,7 0-192,-7 4 0,3-5-64,-5 1 32,9 1-64,-3-8 128,3-3-96,-4-7-32,8 1 0,-4-11-32,3 0 0,1-14 0,8 0 0,-4-10 0,3 7 0,1-6 0,3 7 0,1-8 64,2 7-32,-3 0 128,4 6-96,-4 1 32,1 7-32,-5-1 96,0 4-96,0 4 32,2 3-32,-6 3 32,0 2-64,-3 2 64,3 3-64,-2-3-96,-1-1 32,0-6 32,-1 3 0,1-6 0,3-1 0,2-10 0,2 4 0,4-11 0,4 1 0,0-3 0,4 6 0,-1-9 0,5 10 0,-4-1 0,-4 3 0,1 0 128,-2 4-64,-2 0 384,-1 6-224,-3 4 384,-1 6-352,-7 3 160,3 8-256,-3 5 128,-1-3-160,-3 1 0,4-3-64,-4 0-128,0-4 32,0-4-672,0 1 384,0-10-2496,0 0 1568,0-11-5855,0 1 3935</inkml:trace>
+          <inkml:trace contextRef="#ctx0" brushRef="#br0" timeOffset="14992">16958 14039 5376,'-8'-10'2016,"8"10"-1088,-7-7 256,2 4 1824,5 6-1632,-6-3 992,-3 0-1441,-5 0 929,5 4-1056,-9-1 480,6 7-736,-11 4 128,8 5-384,-8 3-32,8 0-160,-4-1-64,8 3 0,-1 0-128,4-1 64,4 5-32,8-1 0,0-4 0,8-3 0,-1-3 0,8-3 0,5-4 0,-2 0 0,4-13 64,2 3 0,-2-10-96,-4 3 64,1-10 96,1 0-32,-5-7 320,-4 8-160,-8-8 608,5 4-448,-12-1 448,4 4-448,-12-3 32,4 3-224,-12-4-32,6 4-64,-9-2-1024,4 4 512,-1 3-3488,5 1 2176,2 1-5343,9 7 3967</inkml:trace>
+          <inkml:trace contextRef="#ctx0" brushRef="#br0" timeOffset="15394">17266 14231 11392,'-4'0'4224,"4"0"-2305,9 9-1663,-7-4 1344,7 2-960,2-4 416,0 4-640,5 0 256,-1-2-384,-1 3 256,6-2-288,-4 2 128,2 2-224,2-4-352,-2 2 96,-5-6-2720,1 6 1536,-6-12-5727,3 4 3903</inkml:trace>
+          <inkml:trace contextRef="#ctx0" brushRef="#br0" timeOffset="16629">18394 14014 5120,'-4'-6'2016,"4"6"-1088,-4-10-32,1 7 1632,6 3-1376,-6-7 1088,3 4-1344,-4-4 831,-1 7-1023,-1-7 640,-2 7-800,-4-3 384,0 3-576,-10 0 320,6 6-384,-10 5 192,8 2-256,-14 3 0,6 2-128,-12 6 0,7 0-32,-7 6-64,11 0 32,-7 4 32,8-4-32,-4 12 64,6-9-64,-3 4-32,13-3 32,-1 6-128,3-2 64,0 3 32,9-2 0,3 3-96,3-2 64,5-6-32,8 0 0,6-3-96,0-4 96,6-11-32,2 2 32,0-8-96,5 0 96,-1-6-256,0 2 192,1-10-32,-1 4 96,-8-6 64,2 0 0,-6-4 0,-2 6 0,-5-10 64,-1 8-32,-5-11 256,-3 7-160,-6-7 448,5 3-320,-12-7 224,3 8-256,-8-3 0,4 6-128,-6-8-64,6 8 0,-8-4-832,9 5 448,-4-6-2368,2 6 1472,2-6-5407,3 9 3711</inkml:trace>
+          <inkml:trace contextRef="#ctx0" brushRef="#br0" timeOffset="25200">18752 14638 4736,'0'-7'1824,"0"7"-960,-3 0-160,-1 0 1344,8 0-1088,-4 0 640,0 3-928,-4 1 544,4 3-704,-4-1 320,0 1-512,-3 7 415,2 0-447,-10-1 288,8 4-320,-9 0 128,5 4-224,-4-1 0,8-1-96,-9 5 32,9-3-64,-4-4 64,7 3-64,-5-3 64,6 0-64,-5 0 64,8 0-64,-3-3-32,3 3 32,0-3-128,7-2 64,0 2 96,9-1-32,-1-2-32,1-1 32,-1-7-32,3 4 0,-2-7 128,6 4-64,-6-4 128,-1 0-128,1-4-32,2 4 0,-2-3 32,3-1-32,-5-3 64,2 4-64,-5-7-32,5 3 32,-5-7 96,4 4-64,-3-7 128,-1 8-128,2-6 128,-2 6-128,0-4 128,0 6-128,1-7 32,-1 4-32,-3-4 32,4 4-64,-5-4-32,4 4 32,-3-3 32,-1 6-32,0-3-736,2 3 416,-5 0-3424,-1 0 2049,1 5-4513,0 2 3488</inkml:trace>
+          <inkml:trace contextRef="#ctx0" brushRef="#br0" timeOffset="25802">19464 14983 6400,'0'-13'2464,"0"13"-1344,-18-4-256,10 1 1696,8 6-1408,-12-3 1023,5 0-1311,-8 0 608,8 4-832,-17-1 416,8 7-608,-9 0 96,5 4-288,-7 3 32,5 2-160,-1 3-128,3 1-32,2-3-128,5 4 96,2-4 32,8 4 32,-1-3 0,8-4 0,3-5-160,5 2 96,3-11-896,1 4 544,-1-7-3008,3 0 1921,2-7-4449,-2 2 3360</inkml:trace>
+          <inkml:trace contextRef="#ctx0" brushRef="#br0" timeOffset="26402">19998 14390 6784,'-5'4'2624,"5"-4"-1408,-2 17-576,-3-14 1408,10 4-1152,-10 0 640,5 3-896,-7 4 607,3-1-703,-4 8 576,1-1-640,-9 6 512,5 3-544,-7 0 256,2 5-416,-8 0 352,6-1-384,-9 5 384,5-1-384,-9 1 288,8 3-288,-11-2 352,7 2-352,-4 4 96,9-1-224,-9 4 160,8-2-192,-3-2 32,3-6-64,-4-2-64,8-5 32,0-7-896,4 0 480,-1-11-2944,5 1 1856,0-7-5855,7 0 4095</inkml:trace>
+          <inkml:trace contextRef="#ctx0" brushRef="#br0" timeOffset="51544">13330 14272 4736,'-9'-2'1760,"9"2"-960,0-7-32,0 1 1184,4 2-1056,0-9 544,3 1-864,0-7 480,2 1-608,2-4 192,0 3-384,0-1 0,2 7-160,-1-2 288,-1 5-192,0 0 319,0 4-287,-2 5 160,0 2-224,-3 8 288,-1 2-256,-4 7 160,0 0-192,-2 5 0,1 3-96,-3 2-832,0-2 416,-2 2-3935,1-3 2367,-4-4-3552,3-3 3104</inkml:trace>
+        </inkml:traceGroup>
+      </inkml:traceGroup>
+    </inkml:traceGroup>
+    <inkml:traceGroup>
+      <inkml:annotationXML>
+        <emma:emma xmlns:emma="http://www.w3.org/2003/04/emma" version="1.0">
+          <emma:interpretation id="{58B1220E-C307-4B1F-88A9-5DF92CF57776}" emma:medium="tactile" emma:mode="ink">
+            <msink:context xmlns:msink="http://schemas.microsoft.com/ink/2010/main" type="paragraph" rotatedBoundingBox="15120,14375 15953,15971 15081,16426 14248,14831" alignmentLevel="1"/>
+          </emma:interpretation>
+        </emma:emma>
+      </inkml:annotationXML>
+      <inkml:traceGroup>
+        <inkml:annotationXML>
+          <emma:emma xmlns:emma="http://www.w3.org/2003/04/emma" version="1.0">
+            <emma:interpretation id="{DC29F084-EB18-4E9B-8B03-301A398D7524}" emma:medium="tactile" emma:mode="ink">
+              <msink:context xmlns:msink="http://schemas.microsoft.com/ink/2010/main" type="line" rotatedBoundingBox="15120,14375 15953,15971 15081,16426 14248,14831"/>
+            </emma:interpretation>
+          </emma:emma>
+        </inkml:annotationXML>
+        <inkml:traceGroup>
+          <inkml:annotationXML>
+            <emma:emma xmlns:emma="http://www.w3.org/2003/04/emma" version="1.0">
+              <emma:interpretation id="{494F11A9-C46A-43A5-8AF5-46227794B6E8}" emma:medium="tactile" emma:mode="ink">
+                <msink:context xmlns:msink="http://schemas.microsoft.com/ink/2010/main" type="inkWord" rotatedBoundingBox="15120,14375 15953,15971 15081,16426 14248,14831">
+                  <msink:destinationLink direction="with" ref="{33613C24-F708-4CE8-AB16-9FAFBE05EB66}"/>
+                  <msink:destinationLink direction="with" ref="{B3301AE9-6B9C-4AB7-B4EE-4358E9DFCA33}"/>
+                </msink:context>
+              </emma:interpretation>
+              <emma:one-of disjunction-type="recognition" id="oneOf2">
+                <emma:interpretation id="interp10" emma:lang="nb-NO" emma:confidence="0">
+                  <emma:literal>sko.</emma:literal>
+                </emma:interpretation>
+                <emma:interpretation id="interp11" emma:lang="nb-NO" emma:confidence="0">
+                  <emma:literal>rho.</emma:literal>
+                </emma:interpretation>
+                <emma:interpretation id="interp12" emma:lang="nb-NO" emma:confidence="0">
+                  <emma:literal>kat.</emma:literal>
+                </emma:interpretation>
+                <emma:interpretation id="interp13" emma:lang="nb-NO" emma:confidence="0">
+                  <emma:literal>ha.</emma:literal>
+                </emma:interpretation>
+                <emma:interpretation id="interp14" emma:lang="nb-NO" emma:confidence="0">
+                  <emma:literal>Ö-Ä*</emma:literal>
+                </emma:interpretation>
+              </emma:one-of>
+            </emma:emma>
+          </inkml:annotationXML>
+          <inkml:trace contextRef="#ctx0" brushRef="#br0" timeOffset="53861">12599 13354 5504,'-18'0'2112,"18"0"-1152,-19 3-352,13-1 1440,5-1-1120,-8 0 832,5 2-1056,-7 0 576,3 1-768,-6 2 447,2 1-543,-7 1 192,3 2-352,-6 2 64,5 1-192,-5 5 64,3-1-96,1 4-64,3 0 0,-1 3-32,4 1 0,-1 5-96,4-4 64,-2 6 32,3-3 0,1 8 0,3-5 0,1 2 0,3-1 0,0 0-96,3-3 64,2 3-32,3-2 0,3-1 64,3-4 0,1 2 0,3-2 0,2-2 64,-1-2-32,3-1-96,-2-2 32,2-2 32,0-3 0,5-2 0,-2-4 0,3-4-96,-1-1 64,0-7 32,-3-2 0,3-6 64,-2 0-32,2-5-32,-2 1 32,0-6-32,-1 1 0,-1-6 0,-1 1 0,-4-6 64,0 6-32,-4-7 64,0 3-64,-3-5-32,-2 6 32,-2-7 96,-3 5-64,-4-5 32,0 5-32,-7-6 160,-1 7-128,-8-1 256,2 4-224,-5 0 384,2 6-288,-8 4 224,3 4-224,-8 2 0,4 4-128,-9 0-64,7 4 0,-5 0-608,5 2 320,-3-3-3840,7 2 2241,1 0-4705,5 2 3712</inkml:trace>
+          <inkml:trace contextRef="#ctx0" brushRef="#br0" timeOffset="58265">12830 13728 2176,'0'0'864,"0"0"-448,0 0 128,0 0 1152,0 0-896,0 0 672,0 0-864,-2-2 448,2 2-608,-2-2 608,0 0-608,-1-1 480,2 2-512,-4-2 320,2 2-416,-1-3 256,-2 2-320,0-3 192,2 2-224,-2-4 0,0 3-128,0-6 0,3 5-32,-3-2 32,3 2-64,-2-3-32,3 4 32,-1-1-32,1 0 0,0 1-1280,2 1 704,-2 2-3424,4 1 2208</inkml:trace>
+          <inkml:trace contextRef="#ctx0" brushRef="#br0" timeOffset="54677">12674 13710 5888,'-3'0'2176,"3"0"-1152,2-2-640,-1 1 1024,0 2-800,1-1 608,1 0-704,1 0 512,2 2-576,0-2 256,2 3-416,1-1 0,2 3-192,2-1-64,0 1 0,3 1 32,2-1-32,1 1-32,1 0 32,-1-2-2720,0 2 1472,-2-2-3872,0 2 2848</inkml:trace>
+          <inkml:trace contextRef="#ctx0" brushRef="#br0" timeOffset="56331">12640 13962 3200,'-2'-3'1216,"2"3"-640,3 2 96,-3-2 1120,2 1-992,-1 0 480,3 2-768,-3 0 288,2 1-480,0 1 192,2 0-288,-1-1 0,3 2-128,1-1 224,-1 2-192,2-1 32,0-1-96,0-1-192,0 1 64,2-4-2848,2 2 1568,-1-2-2880,1 0 2400</inkml:trace>
+          <inkml:trace contextRef="#ctx0" brushRef="#br0" timeOffset="-3786">13316 13162 4992,'0'-8'1824,"0"8"-960,16-12-96,-5 4 1472,0 8-1216,7-14 864,6 4-1152,3-14 704,2 5-832,3-15 223,-6 11-479,4-11-128,1 7-128,3-7 64,-3 6-96,3-1-576,0 5 256,-4-8-3615,2 12 2111,-6-6-3616,-4 5 3040</inkml:trace>
+          <inkml:trace contextRef="#ctx0" brushRef="#br0" timeOffset="-16909">11971 15450 5376,'-4'-14'2016,"4"14"-1088,4 7-256,-4-7 1568,3 4-1248,-3-8 896,4 4-1152,1-7 640,-3 4-833,3-6 513,3-1-608,-1-11 320,0 8-448,2-11 320,2 7-352,0-11 352,5 5-384,-1-10 288,-1 4-288,2-7 352,3 5-352,-3-6 288,2 10-288,2-11 128,-2 5-224,2-11 128,2 10-160,-2-7 224,3 8-224,-5-11 96,2 6-128,-5-6 160,4 6-160,-4-5 256,5 9-224,-6-7 96,1 12-128,-3-10 96,-1 9-128,1-4 32,0 7-32,-5-4-64,1 11 32,-1-6 32,0 9-32,2-4-928,-2 8 480,-3-1-2944,0 4 1888,-1 0-5919,1 3 4127</inkml:trace>
+          <inkml:trace contextRef="#ctx0" brushRef="#br0" timeOffset="49759">12514 14216 6656,'-5'-1'2464,"5"1"-1344,0 1-608,0-1 1248,2 3-992,-1 0 640,4 1-864,0 2 448,3-1-577,3 4 257,1 3-384,3 4 0,3 2-192,1 1-64,0 0 0,0 3-32,-2 0 0,1 2 0,0 2 0,0-1 64,1-3-32,0-1 128,0-3-96,-2-1 320,3-3-192,-7-2 256,1-2-256,-1-1 160,-2-3-192,-2-2 224,1 0-256,-2-4 384,0-4-288,2-6 224,0 0-224,1-10 224,1 3-256,3-10 32,1 5-128,5-10 0,0 7-32,1-6-64,-2 7 32,2-3 96,-2 6-64,-3-1-928,-1 4 448,-2 0-4544,-1 6 2721,-1-1-4545,-2 3 3872</inkml:trace>
+          <inkml:trace contextRef="#ctx0" brushRef="#br0" timeOffset="48958">12546 14267 5888,'-8'-3'2176,"8"3"-1152,-5 4 0,5-1 1440,1 1-1344,-1 3 320,4 3-896,0 3-32,4 3-320,3 5-33,3 0-95,3 7 96,1 0-96,0 7 480,2 1-320,0 6 128,0-1-224,2 6-192,0-2 0,1 5 32,-1-4 32,0 3 0,0-8 0,-1 4 0,-3-6 0,1-2 0,-4-4 0,0-3 64,-1-5-32,-1-1-32,-1-3 32,-1-3 160,0-3-96,-2-6 320,1-2-224,-3-10 256,3-1-256,1-17 160,0 0-192,3-17 224,0 4-256,4-17 256,2 4-256,2-15 320,0 11-256,1-9 160,1 9-192,1-8 64,-1 9-128,0-3 0,-4 11-32,1 1-896,-4 7 448,-1-1-4352,-2 11 2625,-4-2-4545,0 7 3776</inkml:trace>
+        </inkml:traceGroup>
+      </inkml:traceGroup>
+    </inkml:traceGroup>
+  </inkml:traceGroup>
 </inkml:ink>
 </file>
 
@@ -2993,14 +2901,25 @@
           <inkml:channelProperty channel="F" name="resolution" value="0" units="1/dev"/>
         </inkml:channelProperties>
       </inkml:inkSource>
-      <inkml:timestamp xml:id="ts0" timeString="2016-11-15T13:12:30.496"/>
+      <inkml:timestamp xml:id="ts0" timeString="2016-11-15T13:11:17.998"/>
     </inkml:context>
     <inkml:brush xml:id="br0">
       <inkml:brushProperty name="width" value="0.06667" units="cm"/>
       <inkml:brushProperty name="height" value="0.06667" units="cm"/>
     </inkml:brush>
   </inkml:definitions>
-  <inkml:trace contextRef="#ctx0" brushRef="#br0">13181 14216 7296,'-3'-6'2720,"3"6"-1472,3-12-1120,-1 4 960,2 2-672,1-6 416,0-2-480,0-3 320,1 4-384,2-5 192,1 2-256,0-2 64,1 3-160,-1-3 64,3 2-97,-1-1 1,0 5-32,0 0 384,-2 4-256,0 3 416,0 5-352,-4 5 160,1 3-256,-5 6 128,0 2-160,-2 6 64,1 1-96,-3 4 0,1-3-32,-1 4-64,1 0 32,-2 0-32,0-4 0,0 0-448,3-4 256,-3-5-1024,3-4 640,-1-7-1183,2 0 959,0-8-2400,2 0 1792,-1-2-2752,3-2 2368</inkml:trace>
+  <inkml:traceGroup>
+    <inkml:annotationXML>
+      <emma:emma xmlns:emma="http://www.w3.org/2003/04/emma" version="1.0">
+        <emma:interpretation id="{33613C24-F708-4CE8-AB16-9FAFBE05EB66}" emma:medium="tactile" emma:mode="ink">
+          <msink:context xmlns:msink="http://schemas.microsoft.com/ink/2010/main" type="inkDrawing" rotatedBoundingBox="14112,16686 14671,15502 14709,15520 14150,16705" semanticType="callout" shapeName="Other">
+            <msink:sourceLink direction="with" ref="{494F11A9-C46A-43A5-8AF5-46227794B6E8}"/>
+          </msink:context>
+        </emma:interpretation>
+      </emma:emma>
+    </inkml:annotationXML>
+    <inkml:trace contextRef="#ctx0" brushRef="#br0">13181 14216 7296,'-3'-6'2720,"3"6"-1472,3-12-1120,-1 4 960,2 2-672,1-6 416,0-2-480,0-3 320,1 4-384,2-5 192,1 2-256,0-2 64,1 3-160,-1-3 64,3 2-97,-1-1 1,0 5-32,0 0 384,-2 4-256,0 3 416,0 5-352,-4 5 160,1 3-256,-5 6 128,0 2-160,-2 6 64,1 1-96,-3 4 0,1-3-32,-1 4-64,1 0 32,-2 0-32,0-4 0,0 0-448,3-4 256,-3-5-1024,3-4 640,-1-7-1183,2 0 959,0-8-2400,2 0 1792,-1-2-2752,3-2 2368</inkml:trace>
+  </inkml:traceGroup>
 </inkml:ink>
 </file>
 
@@ -3020,14 +2939,25 @@
           <inkml:channelProperty channel="F" name="resolution" value="0" units="1/dev"/>
         </inkml:channelProperties>
       </inkml:inkSource>
-      <inkml:timestamp xml:id="ts0" timeString="2016-11-15T13:12:30.497"/>
+      <inkml:timestamp xml:id="ts0" timeString="2016-11-15T13:10:09.214"/>
     </inkml:context>
     <inkml:brush xml:id="br0">
       <inkml:brushProperty name="width" value="0.06667" units="cm"/>
       <inkml:brushProperty name="height" value="0.06667" units="cm"/>
     </inkml:brush>
   </inkml:definitions>
-  <inkml:trace contextRef="#ctx0" brushRef="#br0">10901 16327 6912,'-12'3'2624,"12"-3"-1408,0 7-448,0-7 1568,4 0-1280,1 0 735,6 0-1055,0 0 608,5 0-800,6 0 448,1 0-576,8 0 192,-2 0-352,9-3 64,0-1-192,9-1 160,-2-2-192,13-8 192,-5 8-192,12-5 256,-5 2-224,5-7 160,-7 6-160,2-2 64,1 2-96,4-2-64,-8 6 0,12-3 32,-4 6-32,7-2-32,-7 2 32,-1-3 96,-3 7-64,1-6 192,-6 6-160,9-7 96,-7 7-96,2-7 0,-2 7-32,3-2 32,-4 4-64,-3-2 64,-5 3-64,0-3 128,-6 4-96,-3-4-32,-2 0 0,2 0-32,-2 0 0,0 0 64,-4 0-32,-3 0 64,-2 0-64,-2 0 128,0 0-96,-5 0-32,-2 0 0,-2 0-32,2 0 0,-5 0 0,1 0 0,-5 0 0,0 0 0,-4 0 64,5 0-32,-4 0 64,3 0-64,-4 0-32,2 0 32,-2 0-32,1 0 0,-5 0 0,1 0 0,1 0 0,-3 0 0,-2 0 0,0 0 0,0 0 0,0 0 0,0 0-96,0 0 64,-2 0 96,2 0-32,-5 0 64,1 0-64,-3-4-32,7 4 32,-4-3-128,4 3 64,-7-2 96,3 2-32,-3-5-32,2 5 32,-6-2-32,3-3 0,-4 0 0,5 0 0,-8-4 0,4-1 0,-9-4 0,6 4 0,-6-4 0,5 7 0,-4-6 64,4 6-32,-5-7-32,9 4 32,-7-3-128,6 2 64,-7-6 32,7 7 0,-10-4 0,6 4 0,-6-6 64,2 6-32,-2-4-32,2 8 32,-10-8 32,6 4-32,-1-4 128,1 7-96,-5-6-32,5 6 0,-6-7 32,3 7-32,-8-6-32,13 4 32,-8-6 32,10 8-32,-11-5-32,13 1 32,-9-2-32,8 6 0,-4-7 64,5 7-32,-6-6-96,6 6 32,-5-7 32,3 8 0,-2-8 128,2 7-64,-7-6 32,9 6-32,-9-2-128,8 2 32,-4-3 32,5 5 0,-6-4 64,5 6-32,-7-4-32,3 3 32,-4-4-128,8 8 64,-4-5 32,4 5 0,-4-7 0,7 7 0,-2-7-96,7 7 64,-9-7 96,9 7-32,-5-7-32,9 7 32,-4-6-32,7 6 0,-7-7-96,6 3 64,-2-2 32,3 2 0,-3-3-448,7 7 256,-8-6-1664,8 6 1024,-3-7-6784,3 7 4225</inkml:trace>
+  <inkml:traceGroup>
+    <inkml:annotationXML>
+      <emma:emma xmlns:emma="http://www.w3.org/2003/04/emma" version="1.0">
+        <emma:interpretation id="{B3301AE9-6B9C-4AB7-B4EE-4358E9DFCA33}" emma:medium="tactile" emma:mode="ink">
+          <msink:context xmlns:msink="http://schemas.microsoft.com/ink/2010/main" type="inkDrawing" rotatedBoundingBox="13034,16727 15583,16713 15587,17564 13039,17578" semanticType="callout" shapeName="Other">
+            <msink:sourceLink direction="with" ref="{494F11A9-C46A-43A5-8AF5-46227794B6E8}"/>
+          </msink:context>
+        </emma:interpretation>
+      </emma:emma>
+    </inkml:annotationXML>
+    <inkml:trace contextRef="#ctx0" brushRef="#br0">10901 16327 6912,'-12'3'2624,"12"-3"-1408,0 7-448,0-7 1568,4 0-1280,1 0 735,6 0-1055,0 0 608,5 0-800,6 0 448,1 0-576,8 0 192,-2 0-352,9-3 64,0-1-192,9-1 160,-2-2-192,13-8 192,-5 8-192,12-5 256,-5 2-224,5-7 160,-7 6-160,2-2 64,1 2-96,4-2-64,-8 6 0,12-3 32,-4 6-32,7-2-32,-7 2 32,-1-3 96,-3 7-64,1-6 192,-6 6-160,9-7 96,-7 7-96,2-7 0,-2 7-32,3-2 32,-4 4-64,-3-2 64,-5 3-64,0-3 128,-6 4-96,-3-4-32,-2 0 0,2 0-32,-2 0 0,0 0 64,-4 0-32,-3 0 64,-2 0-64,-2 0 128,0 0-96,-5 0-32,-2 0 0,-2 0-32,2 0 0,-5 0 0,1 0 0,-5 0 0,0 0 0,-4 0 64,5 0-32,-4 0 64,3 0-64,-4 0-32,2 0 32,-2 0-32,1 0 0,-5 0 0,1 0 0,1 0 0,-3 0 0,-2 0 0,0 0 0,0 0 0,0 0 0,0 0-96,0 0 64,-2 0 96,2 0-32,-5 0 64,1 0-64,-3-4-32,7 4 32,-4-3-128,4 3 64,-7-2 96,3 2-32,-3-5-32,2 5 32,-6-2-32,3-3 0,-4 0 0,5 0 0,-8-4 0,4-1 0,-9-4 0,6 4 0,-6-4 0,5 7 0,-4-6 64,4 6-32,-5-7-32,9 4 32,-7-3-128,6 2 64,-7-6 32,7 7 0,-10-4 0,6 4 0,-6-6 64,2 6-32,-2-4-32,2 8 32,-10-8 32,6 4-32,-1-4 128,1 7-96,-5-6-32,5 6 0,-6-7 32,3 7-32,-8-6-32,13 4 32,-8-6 32,10 8-32,-11-5-32,13 1 32,-9-2-32,8 6 0,-4-7 64,5 7-32,-6-6-96,6 6 32,-5-7 32,3 8 0,-2-8 128,2 7-64,-7-6 32,9 6-32,-9-2-128,8 2 32,-4-3 32,5 5 0,-6-4 64,5 6-32,-7-4-32,3 3 32,-4-4-128,8 8 64,-4-5 32,4 5 0,-4-7 0,7 7 0,-2-7-96,7 7 64,-9-7 96,9 7-32,-5-7-32,9 7 32,-4-6-32,7 6 0,-7-7-96,6 3 64,-2-2 32,3 2 0,-3-3-448,7 7 256,-8-6-1664,8 6 1024,-3-7-6784,3 7 4225</inkml:trace>
+  </inkml:traceGroup>
 </inkml:ink>
 </file>
 
@@ -3047,38 +2977,27 @@
           <inkml:channelProperty channel="F" name="resolution" value="0" units="1/dev"/>
         </inkml:channelProperties>
       </inkml:inkSource>
-      <inkml:timestamp xml:id="ts0" timeString="2016-11-15T13:12:30.471"/>
+      <inkml:timestamp xml:id="ts0" timeString="2016-11-15T13:37:55.908"/>
     </inkml:context>
     <inkml:brush xml:id="br0">
       <inkml:brushProperty name="width" value="0.06667" units="cm"/>
       <inkml:brushProperty name="height" value="0.06667" units="cm"/>
     </inkml:brush>
   </inkml:definitions>
-  <inkml:trace contextRef="#ctx0" brushRef="#br0">14088 11888 7552,'0'-4'2816,"0"4"-1536,0 7-576,0-3 1472,0 2-1248,0 5 511,0 2-895,0 8 64,0-1-352,-4 7-96,4 4-96,-6 5 224,1 2-160,-2 3 320,-1-4-256,-6 1 160,2-2-192,-12-2 64,9 0-128,-10-6 96,5-6-128,-7 0-32,8-6 0,-4-6-192,8 0 96,-4-10-736,8 0 416,-1-12-1728,4 0 1185,1-10-2817,7-2 2080,0-10-2944,4 6 2624</inkml:trace>
-  <inkml:trace contextRef="#ctx0" brushRef="#br0" timeOffset="1">14100 11698 6144,'17'-42'2368,"-17"42"-1280,14-26 0,-6 18 1824,-2 8-1568,-6-6 927,8 6-1375,-8-5 160,0 10-640,0-5-96,0 6-192,0-6-1504,0 8 768,0-2-5343,9 2 3295</inkml:trace>
-  <inkml:trace contextRef="#ctx0" brushRef="#br0" timeOffset="2">14688 12040 5760,'-8'-14'2176,"8"14"-1152,-8-9-480,4 6 1344,4 3-1056,-8-7 800,4 7-960,-7-3 640,4 6-768,-9-3 383,6 0-575,-10 0 192,4 2-320,-2 3 0,2 2-128,-2-2 0,6 9-32,-7 1-64,8 1 32,-5-3-32,10 4 0,-8 0-96,8 4 64,-2-4-32,4 3 0,0-4 128,4 1-32,0 0-96,8 0 32,0-3 32,3 0 0,0-8 64,1 5-32,3-8-32,0 0 32,5-6 32,2 0-32,-3-8-32,0 1 32,0-7-32,0 5 0,-3-5 0,2 3 0,-2-3 64,0 3-32,-1-3-32,-4 4 32,-4-4-32,2 6 0,-3-2 0,3 3 0,-6-1 0,5 5 0,-8 2 0,0 4 0,0 0 64,0 7-32,0 0 64,0 3-64,0 0-96,0 4 32,0-1 32,3 1 0,2 0 0,1-1 0,3-4 0,2 6 0,-4-8 0,6 2 0,-6-4 0,4-3 0,1-4 64,3 2-32,0-7-32,3 0 32,-2-3-32,4 3 0,-4-7 128,-2 4-64,-2-7-32,0 3 0,-10-6-128,6 6 64,-8-6 96,4 6-32,-8-6 64,0 6-64,-2-2 64,-3 6-64,-6-4 192,7 4-128,-7 3 256,4 4-224,-7 0 256,4 6-256,-8 0 96,6 8-128,-6 2-64,6 1 0,-2 3-32,7-1 0,-4 8-96,3 0 64,1 6 96,2 1-32,3 3-32,6-1 32,0 4-32,6-3 0,3-3 0,2-4 0,1 1 0,3-6 0,4-1-352,0-4 192,4-4-1792,-1 1 1088,0-7-5183,6 0 3359</inkml:trace>
-  <inkml:trace contextRef="#ctx0" brushRef="#br0" timeOffset="3">15266 12173 5888,'0'-7'2272,"0"7"-1216,-4 0-320,0 0 1472,8 7-1216,-8 0 512,4 5-928,-4 10 192,4-3-448,-7 5 159,3 3-255,-7 0 128,3 1-192,-4-1 128,5-1-160,-4-2 224,7 0-224,-4-7 448,4 3-320,-3-9 224,7-1-256,-4-10 64,8 3-160,-4-13 160,7 3-192,1-10 96,7 0-96,0-7 160,1 7-160,2-7 96,2 5-96,0-5 0,-2 7-32,2-7 96,2 11-96,-6-1 128,2 11-128,-2-4 128,3 3-128,0 1-32,3 3 0,-2 0 96,2 3-64,-2 1 32,2-1-32,-4 1-672,2 2 320,-4 1-2720,0 0 1696,-6-7-5183,4 3 3647</inkml:trace>
-  <inkml:trace contextRef="#ctx0" brushRef="#br0" timeOffset="4">15789 12458 6656,'-5'0'2464,"5"0"-1344,12 14-608,-8-11 1248,4 4-992,-1-5 480,5 5-736,3 1 288,1-1-480,-1-5 63,-1 5-255,6-4 0,-2 4-64,2-4 96,-2 1-96,-2-4 32,-1 3-32,1-6 32,-1 3-64,-4-7 128,1 4-96,-5-8-32,5 6 0,-9-10 96,1 8-64,-8-5 320,4-2-192,-7 0 160,3 4-192,-7 0 224,4 3-256,-9 0 384,5 4-288,-13-1 224,10 8-224,-10-1 128,6 7-192,-9-3 128,4 7-160,-3 10 0,2-5-64,5 5 32,8 0-64,7 0-96,4 3 32,4 0 32,7-1 0,5 3 0,2-3 0,2-2-352,2 0 192,1-4-2336,4-3 1376,-1-3-5247,1-4 3551</inkml:trace>
-  <inkml:trace contextRef="#ctx0" brushRef="#br0" timeOffset="5">14672 12976 6400,'0'0'2464,"0"0"-1344,4 3-544,-4 1 1440,0 3-1120,-4 6 544,4 4-864,-7 7 192,2 6-449,-5 4 161,-2 0-256,-8 7 64,5-2-160,-4 9 64,4-4-96,-3 4 0,5-4-32,-5 0 32,6-7-64,-3 1 192,8-9-128,-5-5 320,4 0-224,2-14 160,1 0-192,5-17 0,5 2-96,-3-23 224,10 5-160,0-18 256,2 3-256,10-6 32,-2 10-96,6-6-64,-2 9 32,1-3 32,2 11-32,3-5-32,-2 12 32,0-2 32,1 8-32,2 4 64,3 6-64,-2 4 64,-4 2-64,0 8-32,1 2 32,0 11-32,-4 2 0,-2 4 64,-1 4-32,-6 7 64,-2-4-64,-9 4-32,2-4 32,-9-2 96,0 0-64,-12 0 320,1-9-192,-13-5 256,1-3-256,-11-9 256,8 2-256,-8-6 256,3-2-256,-7-2-96,7-2-64,-3-2-128,4 0 64,-4-6-1312,7 2 736,4-6-4352,11 4 2785,0-14-4513,1 3 3808</inkml:trace>
-  <inkml:trace contextRef="#ctx0" brushRef="#br0" timeOffset="6">15380 13711 6400,'-14'10'2368,"14"-10"-1280,0 2-288,0 3 1152,3-3-1056,1 3 32,3 0-576,1-1 192,-1 3-288,5-7 352,0 3-353,2-3 161,2 0-256,-1 0 64,5 0-128,-2-3 96,2 3-128,-2-4 32,2 1-32,-6-6-64,2 2 32,-5-8 32,2 6-32,-6-5 64,0 8-64,-7-8 192,4 4-128,-8-7 384,1 0-256,-8 3 448,-2 7-384,-5 0 288,2 4-320,-2 0 192,2 6-224,-3 0 64,3 8-160,-2-1 0,2 4-64,-3 6 32,7 0-64,-2 1-96,2-2 32,0 3 32,5-3 0,-1 5 0,5 0 0,-1 0-96,8-4 64,-4 0 96,7 1-32,-3-4-512,3-3 256,2-5-2016,2 1 1248,4-7-5087,0 4 3391</inkml:trace>
-  <inkml:trace contextRef="#ctx0" brushRef="#br0" timeOffset="7">15979 13735 5632,'-3'-7'2176,"3"7"-1152,0-5 288,0 5 1760,0 5-1632,-4-3 639,4 5-1279,-5 0 352,5 3-672,-4 0 288,1 4-448,-5 6 256,8 1-320,-7 6 64,7 0-192,-7 4 0,3-5-64,-5 1 32,9 1-64,-3-8 128,3-3-96,-4-7-32,8 1 0,-4-11-32,3 0 0,1-14 0,8 0 0,-4-10 0,3 7 0,1-6 0,3 7 0,1-8 64,2 7-32,-3 0 128,4 6-96,-4 1 32,1 7-32,-5-1 96,0 4-96,0 4 32,2 3-32,-6 3 32,0 2-64,-3 2 64,3 3-64,-2-3-96,-1-1 32,0-6 32,-1 3 0,1-6 0,3-1 0,2-10 0,2 4 0,4-11 0,4 1 0,0-3 0,4 6 0,-1-9 0,5 10 0,-4-1 0,-4 3 0,1 0 128,-2 4-64,-2 0 384,-1 6-224,-3 4 384,-1 6-352,-7 3 160,3 8-256,-3 5 128,-1-3-160,-3 1 0,4-3-64,-4 0-128,0-4 32,0-4-672,0 1 384,0-10-2496,0 0 1568,0-11-5855,0 1 3935</inkml:trace>
-  <inkml:trace contextRef="#ctx0" brushRef="#br0" timeOffset="8">16958 14039 5376,'-8'-10'2016,"8"10"-1088,-7-7 256,2 4 1824,5 6-1632,-6-3 992,-3 0-1441,-5 0 929,5 4-1056,-9-1 480,6 7-736,-11 4 128,8 5-384,-8 3-32,8 0-160,-4-1-64,8 3 0,-1 0-128,4-1 64,4 5-32,8-1 0,0-4 0,8-3 0,-1-3 0,8-3 0,5-4 0,-2 0 0,4-13 64,2 3 0,-2-10-96,-4 3 64,1-10 96,1 0-32,-5-7 320,-4 8-160,-8-8 608,5 4-448,-12-1 448,4 4-448,-12-3 32,4 3-224,-12-4-32,6 4-64,-9-2-1024,4 4 512,-1 3-3488,5 1 2176,2 1-5343,9 7 3967</inkml:trace>
-  <inkml:trace contextRef="#ctx0" brushRef="#br0" timeOffset="9">17266 14231 11392,'-4'0'4224,"4"0"-2305,9 9-1663,-7-4 1344,7 2-960,2-4 416,0 4-640,5 0 256,-1-2-384,-1 3 256,6-2-288,-4 2 128,2 2-224,2-4-352,-2 2 96,-5-6-2720,1 6 1536,-6-12-5727,3 4 3903</inkml:trace>
-  <inkml:trace contextRef="#ctx0" brushRef="#br0" timeOffset="10">18394 14014 5120,'-4'-6'2016,"4"6"-1088,-4-10-32,1 7 1632,6 3-1376,-6-7 1088,3 4-1344,-4-4 831,-1 7-1023,-1-7 640,-2 7-800,-4-3 384,0 3-576,-10 0 320,6 6-384,-10 5 192,8 2-256,-14 3 0,6 2-128,-12 6 0,7 0-32,-7 6-64,11 0 32,-7 4 32,8-4-32,-4 12 64,6-9-64,-3 4-32,13-3 32,-1 6-128,3-2 64,0 3 32,9-2 0,3 3-96,3-2 64,5-6-32,8 0 0,6-3-96,0-4 96,6-11-32,2 2 32,0-8-96,5 0 96,-1-6-256,0 2 192,1-10-32,-1 4 96,-8-6 64,2 0 0,-6-4 0,-2 6 0,-5-10 64,-1 8-32,-5-11 256,-3 7-160,-6-7 448,5 3-320,-12-7 224,3 8-256,-8-3 0,4 6-128,-6-8-64,6 8 0,-8-4-832,9 5 448,-4-6-2368,2 6 1472,2-6-5407,3 9 3711</inkml:trace>
-  <inkml:trace contextRef="#ctx0" brushRef="#br0" timeOffset="11">18752 14638 4736,'0'-7'1824,"0"7"-960,-3 0-160,-1 0 1344,8 0-1088,-4 0 640,0 3-928,-4 1 544,4 3-704,-4-1 320,0 1-512,-3 7 415,2 0-447,-10-1 288,8 4-320,-9 0 128,5 4-224,-4-1 0,8-1-96,-9 5 32,9-3-64,-4-4 64,7 3-64,-5-3 64,6 0-64,-5 0 64,8 0-64,-3-3-32,3 3 32,0-3-128,7-2 64,0 2 96,9-1-32,-1-2-32,1-1 32,-1-7-32,3 4 0,-2-7 128,6 4-64,-6-4 128,-1 0-128,1-4-32,2 4 0,-2-3 32,3-1-32,-5-3 64,2 4-64,-5-7-32,5 3 32,-5-7 96,4 4-64,-3-7 128,-1 8-128,2-6 128,-2 6-128,0-4 128,0 6-128,1-7 32,-1 4-32,-3-4 32,4 4-64,-5-4-32,4 4 32,-3-3 32,-1 6-32,0-3-736,2 3 416,-5 0-3424,-1 0 2049,1 5-4513,0 2 3488</inkml:trace>
-  <inkml:trace contextRef="#ctx0" brushRef="#br0" timeOffset="12">19464 14983 6400,'0'-13'2464,"0"13"-1344,-18-4-256,10 1 1696,8 6-1408,-12-3 1023,5 0-1311,-8 0 608,8 4-832,-17-1 416,8 7-608,-9 0 96,5 4-288,-7 3 32,5 2-160,-1 3-128,3 1-32,2-3-128,5 4 96,2-4 32,8 4 32,-1-3 0,8-4 0,3-5-160,5 2 96,3-11-896,1 4 544,-1-7-3008,3 0 1921,2-7-4449,-2 2 3360</inkml:trace>
-  <inkml:trace contextRef="#ctx0" brushRef="#br0" timeOffset="13">19998 14390 6784,'-5'4'2624,"5"-4"-1408,-2 17-576,-3-14 1408,10 4-1152,-10 0 640,5 3-896,-7 4 607,3-1-703,-4 8 576,1-1-640,-9 6 512,5 3-544,-7 0 256,2 5-416,-8 0 352,6-1-384,-9 5 384,5-1-384,-9 1 288,8 3-288,-11-2 352,7 2-352,-4 4 96,9-1-224,-9 4 160,8-2-192,-3-2 32,3-6-64,-4-2-64,8-5 32,0-7-896,4 0 480,-1-11-2944,5 1 1856,0-7-5855,7 0 4095</inkml:trace>
-  <inkml:trace contextRef="#ctx0" brushRef="#br0" timeOffset="14">13490 11479 6272,'0'-14'2368,"0"14"-1280,0-17-224,0 14 1568,0 3-1344,-2 0 672,2 3-1057,-4 4 321,4 3-576,-9 11 160,2 1-352,-9 16 64,10-1-192,-14 14 64,8 1-96,-6 4 0,3 2-32,-8 4 32,3-2-64,-2 1-32,6-6 32,-3-5-384,8-3 192,-3-9-1568,5-4 960,2-10-3039,3-7 2111,4-15-3040,4-2 2720</inkml:trace>
-  <inkml:trace contextRef="#ctx0" brushRef="#br0" timeOffset="15">13887 11540 6656,'-4'-17'2528,"4"17"-1344,-7 0-256,3 0 1472,4 3-1344,-8 1 512,5 3-993,-9-1 129,1 5-416,-4 2 32,3 1-192,-7 5 160,3 2-192,-2-1 96,2 4-96,-6-3 160,2 2-160,-7-2 192,12-1-192,-3-4-32,2 6-32,-3-6-128,7 1 64,1-4 32,4 1 0,-4-4 0,6 4 0,1-1 64,4-2-32,0-1 320,4 0-160,1 0 256,2-1-256,1 5 160,3 1-192,1-3 0,3 2-96,-1 0 32,2-1-64,3 1 64,8-1-64,-8-2 128,0-1-96,0-3-448,0 0 192,-3-4-1184,2 0 768,-2-3-2496,-1 0 1761,-4-3-4257,1 3 3136</inkml:trace>
-  <inkml:trace contextRef="#ctx0" brushRef="#br0" timeOffset="16">13316 13162 4992,'0'-8'1824,"0"8"-960,16-12-96,-5 4 1472,0 8-1216,7-14 864,6 4-1152,3-14 704,2 5-832,3-15 223,-6 11-479,4-11-128,1 7-128,3-7 64,-3 6-96,3-1-576,0 5 256,-4-8-3615,2 12 2111,-6-6-3616,-4 5 3040</inkml:trace>
-  <inkml:trace contextRef="#ctx0" brushRef="#br0" timeOffset="17">12514 14216 6656,'-5'-1'2464,"5"1"-1344,0 1-608,0-1 1248,2 3-992,-1 0 640,4 1-864,0 2 448,3-1-577,3 4 257,1 3-384,3 4 0,3 2-192,1 1-64,0 0 0,0 3-32,-2 0 0,1 2 0,0 2 0,0-1 64,1-3-32,0-1 128,0-3-96,-2-1 320,3-3-192,-7-2 256,1-2-256,-1-1 160,-2-3-192,-2-2 224,1 0-256,-2-4 384,0-4-288,2-6 224,0 0-224,1-10 224,1 3-256,3-10 32,1 5-128,5-10 0,0 7-32,1-6-64,-2 7 32,2-3 96,-2 6-64,-3-1-928,-1 4 448,-2 0-4544,-1 6 2721,-1-1-4545,-2 3 3872</inkml:trace>
-  <inkml:trace contextRef="#ctx0" brushRef="#br0" timeOffset="18">11971 15450 5376,'-4'-14'2016,"4"14"-1088,4 7-256,-4-7 1568,3 4-1248,-3-8 896,4 4-1152,1-7 640,-3 4-833,3-6 513,3-1-608,-1-11 320,0 8-448,2-11 320,2 7-352,0-11 352,5 5-384,-1-10 288,-1 4-288,2-7 352,3 5-352,-3-6 288,2 10-288,2-11 128,-2 5-224,2-11 128,2 10-160,-2-7 224,3 8-224,-5-11 96,2 6-128,-5-6 160,4 6-160,-4-5 256,5 9-224,-6-7 96,1 12-128,-3-10 96,-1 9-128,1-4 32,0 7-32,-5-4-64,1 11 32,-1-6 32,0 9-32,2-4-928,-2 8 480,-3-1-2944,0 4 1888,-1 0-5919,1 3 4127</inkml:trace>
-  <inkml:trace contextRef="#ctx0" brushRef="#br0" timeOffset="19">12546 14267 5888,'-8'-3'2176,"8"3"-1152,-5 4 0,5-1 1440,1 1-1344,-1 3 320,4 3-896,0 3-32,4 3-320,3 5-33,3 0-95,3 7 96,1 0-96,0 7 480,2 1-320,0 6 128,0-1-224,2 6-192,0-2 0,1 5 32,-1-4 32,0 3 0,0-8 0,-1 4 0,-3-6 0,1-2 0,-4-4 0,0-3 64,-1-5-32,-1-1-32,-1-3 32,-1-3 160,0-3-96,-2-6 320,1-2-224,-3-10 256,3-1-256,1-17 160,0 0-192,3-17 224,0 4-256,4-17 256,2 4-256,2-15 320,0 11-256,1-9 160,1 9-192,1-8 64,-1 9-128,0-3 0,-4 11-32,1 1-896,-4 7 448,-1-1-4352,-2 11 2625,-4-2-4545,0 7 3776</inkml:trace>
-  <inkml:trace contextRef="#ctx0" brushRef="#br0" timeOffset="20">13330 14272 4736,'-9'-2'1760,"9"2"-960,0-7-32,0 1 1184,4 2-1056,0-9 544,3 1-864,0-7 480,2 1-608,2-4 192,0 3-384,0-1 0,2 7-160,-1-2 288,-1 5-192,0 0 319,0 4-287,-2 5 160,0 2-224,-3 8 288,-1 2-256,-4 7 160,0 0-192,-2 5 0,1 3-96,-3 2-832,0-2 416,-2 2-3935,1-3 2367,-4-4-3552,3-3 3104</inkml:trace>
-  <inkml:trace contextRef="#ctx0" brushRef="#br0" timeOffset="21">12599 13354 5504,'-18'0'2112,"18"0"-1152,-19 3-352,13-1 1440,5-1-1120,-8 0 832,5 2-1056,-7 0 576,3 1-768,-6 2 447,2 1-543,-7 1 192,3 2-352,-6 2 64,5 1-192,-5 5 64,3-1-96,1 4-64,3 0 0,-1 3-32,4 1 0,-1 5-96,4-4 64,-2 6 32,3-3 0,1 8 0,3-5 0,1 2 0,3-1 0,0 0-96,3-3 64,2 3-32,3-2 0,3-1 64,3-4 0,1 2 0,3-2 0,2-2 64,-1-2-32,3-1-96,-2-2 32,2-2 32,0-3 0,5-2 0,-2-4 0,3-4-96,-1-1 64,0-7 32,-3-2 0,3-6 64,-2 0-32,2-5-32,-2 1 32,0-6-32,-1 1 0,-1-6 0,-1 1 0,-4-6 64,0 6-32,-4-7 64,0 3-64,-3-5-32,-2 6 32,-2-7 96,-3 5-64,-4-5 32,0 5-32,-7-6 160,-1 7-128,-8-1 256,2 4-224,-5 0 384,2 6-288,-8 4 224,3 4-224,-8 2 0,4 4-128,-9 0-64,7 4 0,-5 0-608,5 2 320,-3-3-3840,7 2 2241,1 0-4705,5 2 3712</inkml:trace>
-  <inkml:trace contextRef="#ctx0" brushRef="#br0" timeOffset="22">12674 13710 5888,'-3'0'2176,"3"0"-1152,2-2-640,-1 1 1024,0 2-800,1-1 608,1 0-704,1 0 512,2 2-576,0-2 256,2 3-416,1-1 0,2 3-192,2-1-64,0 1 0,3 1 32,2-1-32,1 1-32,1 0 32,-1-2-2720,0 2 1472,-2-2-3872,0 2 2848</inkml:trace>
-  <inkml:trace contextRef="#ctx0" brushRef="#br0" timeOffset="23">12640 13962 3200,'-2'-3'1216,"2"3"-640,3 2 96,-3-2 1120,2 1-992,-1 0 480,3 2-768,-3 0 288,2 1-480,0 1 192,2 0-288,-1-1 0,3 2-128,1-1 224,-1 2-192,2-1 32,0-1-96,0-1-192,0 1 64,2-4-2848,2 2 1568,-1-2-2880,1 0 2400</inkml:trace>
-  <inkml:trace contextRef="#ctx0" brushRef="#br0" timeOffset="24">12830 13728 2176,'0'0'864,"0"0"-448,0 0 128,0 0 1152,0 0-896,0 0 672,0 0-864,-2-2 448,2 2-608,-2-2 608,0 0-608,-1-1 480,2 2-512,-4-2 320,2 2-416,-1-3 256,-2 2-320,0-3 192,2 2-224,-2-4 0,0 3-128,0-6 0,3 5-32,-3-2 32,3 2-64,-2-3-32,3 4 32,-1-1-32,1 0 0,0 1-1280,2 1 704,-2 2-3424,4 1 2208</inkml:trace>
+  <inkml:traceGroup>
+    <inkml:annotationXML>
+      <emma:emma xmlns:emma="http://www.w3.org/2003/04/emma" version="1.0">
+        <emma:interpretation id="{635A4E77-3146-40CE-8285-2B95B7EB789B}" emma:medium="tactile" emma:mode="ink">
+          <msink:context xmlns:msink="http://schemas.microsoft.com/ink/2010/main" type="inkDrawing" rotatedBoundingBox="23699,7237 26243,5233 26608,5697 24064,7700" semanticType="callout" shapeName="Other">
+            <msink:sourceLink direction="from" ref="{49152D80-7732-48FE-AD3E-02F963560AF7}"/>
+            <msink:sourceLink direction="to" ref="{45E13D25-CF07-4CD8-A1F8-90215F2344A3}"/>
+          </msink:context>
+        </emma:interpretation>
+      </emma:emma>
+    </inkml:annotationXML>
+    <inkml:trace contextRef="#ctx0" brushRef="#br0">26466 10103 4352,'-4'-4'1664,"4"4"-896,0 4 224,0-4 1760,0 0-1504,0 0 1120,4 0-1408,1-4 639,5-2-927,7-1 480,2-3-672,8-9 448,3 6-512,7-10 384,5 4-448,4-8 320,0 4-384,11-13 256,-9 7-288,3-13 192,-5 11-224,0-11 128,2 0-192,-2-4 224,-1 14-256,7-14 160,1 15-160,3-14 160,1 12-192,6-13 256,-7 14-224,11-10 96,-4 5-128,-2-14 0,-4 11-32,0-16 160,1 10-128,3-9 96,2 13-96,-2-8 96,2 8-128,4-7 32,-6 12-32,2-5 32,-2 14-64,2-9 128,-7 5-96,-5-4-32,-3 9 0,-8-6-32,2 5 0,-5-3 128,-1 8-64,0-9 32,-5 9-32,-1-6 96,7 12-96,-5-6 32,4 8-32,-5-8 32,0 9-64,-5-3 128,-1 8-96,-4-5 32,4 5-32,-8-5-544,2 9 256,-7-9-3200,3 10 1856,-9-11-6943,-2 6 4767</inkml:trace>
+    <inkml:trace contextRef="#ctx0" brushRef="#br0" timeOffset="60675">27480 8922 4992,'31'-22'1824,"-31"22"-960,51-37-224,-24 24 1024,-2 3-896,17-13 544,4 4-800,0-13 448,5 5-544,22-32 256,5 3-384,0-5 192,-7 12-256,13-11 64,-17 15-160,6-11 224,-12 14-225,2-4 97,-12 14-128,-5-5 96,-9 15-128,-1-11-32,-5 20 0,-5-6-32,-5 9 0,-2-3 64,2 9-32,-9-10 128,3 9-96,-11-9 128,2 11-128,-6-7 128,5 10-128,-5-6 32,0 6-32,0-4-64,0 8 32,0-4-32,6 10 0,-2-1-96,2 5 64,-1 5 32,5-2 0,-4 8 0,3 5 0,7-1 0,-1 4 0,6-7 64,0 7-32,0-6 128,4 1-96,-4-5-96,6 0 0,-6-10-2655,-2 7 1471,-8-13-4448,5 8 3200</inkml:trace>
+  </inkml:traceGroup>
 </inkml:ink>
 </file>
 
@@ -3138,14 +3057,31 @@
           <inkml:channelProperty channel="F" name="resolution" value="0" units="1/dev"/>
         </inkml:channelProperties>
       </inkml:inkSource>
-      <inkml:timestamp xml:id="ts0" timeString="2016-11-15T13:12:30.496"/>
+      <inkml:timestamp xml:id="ts0" timeString="2016-11-15T13:38:01.501"/>
     </inkml:context>
     <inkml:brush xml:id="br0">
       <inkml:brushProperty name="width" value="0.06667" units="cm"/>
       <inkml:brushProperty name="height" value="0.06667" units="cm"/>
     </inkml:brush>
   </inkml:definitions>
-  <inkml:trace contextRef="#ctx0" brushRef="#br0">13181 14216 7296,'-3'-6'2720,"3"6"-1472,3-12-1120,-1 4 960,2 2-672,1-6 416,0-2-480,0-3 320,1 4-384,2-5 192,1 2-256,0-2 64,1 3-160,-1-3 64,3 2-97,-1-1 1,0 5-32,0 0 384,-2 4-256,0 3 416,0 5-352,-4 5 160,1 3-256,-5 6 128,0 2-160,-2 6 64,1 1-96,-3 4 0,1-3-32,-1 4-64,1 0 32,-2 0-32,0-4 0,0 0-448,3-4 256,-3-5-1024,3-4 640,-1-7-1183,2 0 959,0-8-2400,2 0 1792,-1-2-2752,3-2 2368</inkml:trace>
+  <inkml:traceGroup>
+    <inkml:annotationXML>
+      <emma:emma xmlns:emma="http://www.w3.org/2003/04/emma" version="1.0">
+        <emma:interpretation id="{B0C2A37F-8643-410E-B740-5518C415D88A}" emma:medium="tactile" emma:mode="ink">
+          <msink:context xmlns:msink="http://schemas.microsoft.com/ink/2010/main" type="inkDrawing" rotatedBoundingBox="23188,5006 25101,12264 21711,13158 19798,5900" semanticType="callout" shapeName="Other">
+            <msink:sourceLink direction="to" ref="{45F2CD27-CEEA-40DD-A99C-D5E09651AF95}"/>
+            <msink:sourceLink direction="from" ref="{A26CD353-619C-42C9-B268-89E1A2013F61}"/>
+          </msink:context>
+        </emma:interpretation>
+      </emma:emma>
+    </inkml:annotationXML>
+    <inkml:trace contextRef="#ctx0" brushRef="#br0">25532 10217 4352,'-11'46'1664,"11"-46"-896,-6 42-608,2-23 416,8-1-320,-4 10 0,0 4-160,0 8 0,0 6-32,0 14-128,6-5 32,-6 10 32,6 0 0,-6 8 64,5 1-32,-1 4-96,2-5 32,0 6 32,-3-7 0,-3 12 64,6-6-32,-6 4-96,6-9 32,-6 12 32,4-13 0,-4 10 64,5-8-32,1 5 64,0-10-64,-6 3-32,0-3 32,0 10-128,0-15 64,0 5 32,0-10 0,0 7 64,0-2-32,0 5-32,0-6 32,0 2-128,0-6 64,0 3 32,0-7 0,0 4 0,0-3 0,0-1 0,4-6 0,-4 7 0,0-6 0,0 5 64,0 0-32,0 1 64,0-6-64,0 1-160,0-1 64,0 1-32,0-1 32,0 6 128,0 3-32,0-14-32,0-3 32,0 14-32,0-6 0,0-8-96,0-6 64,0 6 96,0-6-32,0 6-32,0-5 32,0 5-32,0-6 0,0 1 0,11-5 0,-7 4 64,2 0-32,-1 2-32,1-1 32,-2 12 96,2 13-64,-6-16 256,5-6-192,-5 2 96,0 0-128,0-2 0,0-2-32,0-2-128,4-3 32,2-2 32,0-3 0,-2-1 0,1 2 0,1-7 0,0 6 0,-6-10-448,4 0 256,-4-9-1664,0 0 1024,0 5-1760,5 0 1472</inkml:trace>
+    <inkml:trace contextRef="#ctx0" brushRef="#br0" timeOffset="1169">26500 14798 2816,'0'19'1120,"0"-19"-576,0 55-224,0-41 736,0-4-576,0 2 32,0 8-320,0-3-96,0 2-64,0 1 32,0 2-32,0 1-32,0 0 32,0 0 32,0 0-32,0-6 64,0 2-64,0-5 64,0-1-64,0-4 256,0 1-160,0-6 160,0 6-160,0-10 160,0 5-192,-6-5 96,0 4-96,-4 0 0,10 1-32,-11-5-64,11 4 32,-9-4 32,-3 0-32,-8 0-32,9 0 32,-4 0 96,5 0-64,-5 0 256,4 6-192,-11-2 256,13 0-256,-12 2 256,6-2-256,-6-4 160,5 0-160,-14 0 224,9 0-224,-10-4 320,5 4-256,-5-6 448,4 2-352,-7-6 448,2 10-448,-5-9 224,6 9-288,-5-8 0,12 8-128,-9-5 160,8 5-160,-5-4 32,8 8-64,-4-4-544,4 0 256,-2 0-4352,3 0 2528</inkml:trace>
+    <inkml:trace contextRef="#ctx0" brushRef="#br0" timeOffset="-13484">25666 10052 3712,'-21'4'1408,"21"-4"-768,6 6 384,-6-3 1536,0 1-1344,0-4 832,4 6-1216,1-6 736,1 0-896,0 0 575,-2 0-735,1 0 384,1 0-544,-2 0 128,7 0-320,5 0 64,-1 10-128,6-7 0,0 1-32,4-4 32,1 6-64,-1-6 64,2 0-64,-2 0-32,2 0 32,-2 0 32,7 0-32,-7 0-1152,2 4 608,-6 2-5343,-2-3 3231</inkml:trace>
+    <inkml:trace contextRef="#ctx0" brushRef="#br0" timeOffset="-6810">25733 10108 4096,'-5'4'1568,"5"-4"-832,-4-4 192,-2-2 1696,12 12-1408,-6-12 1152,0 6-1440,0-4 896,0-2-1089,0-1 417,0 7-672,0-6 288,0 6-448,0-3 256,4 6-320,1-3 192,5 0-224,7 0 224,-2 0-256,6 0 160,-1 0-192,1 0 64,5 6-128,-1-3 96,6 1-128,-5-4 32,5 0-32,0-4 96,1 4-96,-1-3 128,-1 3-128,1-6 128,1 3-128,-7-7 192,6 6-160,-5-6 32,-1 10-64,-4-6 32,0 12-64,-5-12-1152,-1 6 608,-4-9-3584,5 5 2272,-7-9-4767,6 7 3711</inkml:trace>
+    <inkml:trace contextRef="#ctx0" brushRef="#br0" timeOffset="-1300">26411 10232 640,'-6'53'352,"6"-53"-192,6 29-64,-6-20 768,0-1-480,0 11 768,0 0-672,0 4 480,0 0-544,0 10 480,0 3-512,0 4 288,0 6-384,0 2 128,0-8-256,0 11 224,0-1-256,0 5 320,0-5-256,0 6 160,0-1-192,0 0 288,0 1-256,-6-1 96,6 1-160,-5 3 0,-1-4-64,-4 4 96,10-3-96,-6 3 32,6-3-32,-4 3 32,4-4-64,-5 4 192,10-3-128,-5 5 96,0-2-96,0 0 96,0 1-128,0 1 32,0-8-32,0 12-64,4-9 32,2 3-32,0-4 0,-2 1 0,2-1 0,-1 0 128,1-5-64,-6 2 192,3-3-160,-3 7-32,0-1-32,0 1-128,0-7 64,0 7 32,6-7 0,0 3 64,-2-2-32,2 1-32,0-5 32,-2 4-128,1 1 64,1-1 32,-1-4 0,-1 0 64,2 0-32,0 5-32,-2 5 32,2 35-128,-1 1 64,1-10 96,-3-13-32,3-8-32,0-11 32,-6-4-32,4 0 0,2 9 0,3 0 0,-3 5-448,5 5 256,-7 49-896,8 1 608,-12-18-2976,4-15 1952,-4-13-2048,0-13 2048</inkml:trace>
+    <inkml:trace contextRef="#ctx0" brushRef="#br0" timeOffset="-20987">22384 8548 6272,'-6'-17'2368,"6"17"-1280,0 4-512,0-4 1376,6 4-1120,-2 2 608,7-3-864,-1 3 416,5 2-577,0 1 257,6 10-384,0 4 128,6 0-256,13 4 288,2 2-256,19 3 160,6-1-192,6 1 128,-4 6-160,1-1 64,3-5-96,5-1 160,-1 7-160,16-2 256,-5 1-224,12 8 96,-12 7-128,3-2 96,-3 5-128,52 18 32,-5 1-32,5-9 96,-16-6-96,0-3-32,-15-6 0,4-5 32,-16-3-32,18 4 64,-6-9-64,-16-5 64,-10-5-64,-11 2-32,-5-3 32,0 3 32,-10 3-32,1-5 128,-13 0-96,-3-4-448,-5-4 192,-7 0-2592,-5 4 1536,-4-10-5247,0 6 3615</inkml:trace>
+  </inkml:traceGroup>
 </inkml:ink>
 </file>
 
@@ -3165,14 +3101,599 @@
           <inkml:channelProperty channel="F" name="resolution" value="0" units="1/dev"/>
         </inkml:channelProperties>
       </inkml:inkSource>
-      <inkml:timestamp xml:id="ts0" timeString="2016-11-15T13:12:30.497"/>
+      <inkml:timestamp xml:id="ts0" timeString="2016-11-15T13:37:57.750"/>
     </inkml:context>
     <inkml:brush xml:id="br0">
       <inkml:brushProperty name="width" value="0.06667" units="cm"/>
       <inkml:brushProperty name="height" value="0.06667" units="cm"/>
     </inkml:brush>
   </inkml:definitions>
-  <inkml:trace contextRef="#ctx0" brushRef="#br0">10901 16327 6912,'-12'3'2624,"12"-3"-1408,0 7-448,0-7 1568,4 0-1280,1 0 735,6 0-1055,0 0 608,5 0-800,6 0 448,1 0-576,8 0 192,-2 0-352,9-3 64,0-1-192,9-1 160,-2-2-192,13-8 192,-5 8-192,12-5 256,-5 2-224,5-7 160,-7 6-160,2-2 64,1 2-96,4-2-64,-8 6 0,12-3 32,-4 6-32,7-2-32,-7 2 32,-1-3 96,-3 7-64,1-6 192,-6 6-160,9-7 96,-7 7-96,2-7 0,-2 7-32,3-2 32,-4 4-64,-3-2 64,-5 3-64,0-3 128,-6 4-96,-3-4-32,-2 0 0,2 0-32,-2 0 0,0 0 64,-4 0-32,-3 0 64,-2 0-64,-2 0 128,0 0-96,-5 0-32,-2 0 0,-2 0-32,2 0 0,-5 0 0,1 0 0,-5 0 0,0 0 0,-4 0 64,5 0-32,-4 0 64,3 0-64,-4 0-32,2 0 32,-2 0-32,1 0 0,-5 0 0,1 0 0,1 0 0,-3 0 0,-2 0 0,0 0 0,0 0 0,0 0 0,0 0-96,0 0 64,-2 0 96,2 0-32,-5 0 64,1 0-64,-3-4-32,7 4 32,-4-3-128,4 3 64,-7-2 96,3 2-32,-3-5-32,2 5 32,-6-2-32,3-3 0,-4 0 0,5 0 0,-8-4 0,4-1 0,-9-4 0,6 4 0,-6-4 0,5 7 0,-4-6 64,4 6-32,-5-7-32,9 4 32,-7-3-128,6 2 64,-7-6 32,7 7 0,-10-4 0,6 4 0,-6-6 64,2 6-32,-2-4-32,2 8 32,-10-8 32,6 4-32,-1-4 128,1 7-96,-5-6-32,5 6 0,-6-7 32,3 7-32,-8-6-32,13 4 32,-8-6 32,10 8-32,-11-5-32,13 1 32,-9-2-32,8 6 0,-4-7 64,5 7-32,-6-6-96,6 6 32,-5-7 32,3 8 0,-2-8 128,2 7-64,-7-6 32,9 6-32,-9-2-128,8 2 32,-4-3 32,5 5 0,-6-4 64,5 6-32,-7-4-32,3 3 32,-4-4-128,8 8 64,-4-5 32,4 5 0,-4-7 0,7 7 0,-2-7-96,7 7 64,-9-7 96,9 7-32,-5-7-32,9 7 32,-4-6-32,7 6 0,-7-7-96,6 3 64,-2-2 32,3 2 0,-3-3-448,7 7 256,-8-6-1664,8 6 1024,-3-7-6784,3 7 4225</inkml:trace>
+  <inkml:traceGroup>
+    <inkml:annotationXML>
+      <emma:emma xmlns:emma="http://www.w3.org/2003/04/emma" version="1.0">
+        <emma:interpretation id="{9165D7D7-D300-40BA-8386-75F69C0ECADF}" emma:medium="tactile" emma:mode="ink">
+          <msink:context xmlns:msink="http://schemas.microsoft.com/ink/2010/main" type="inkDrawing" rotatedBoundingBox="26737,5645 27008,11401 26863,11408 26592,5652" semanticType="callout" shapeName="Other">
+            <msink:sourceLink direction="with" ref="{45E13D25-CF07-4CD8-A1F8-90215F2344A3}"/>
+            <msink:sourceLink direction="with" ref="{55224CEF-CBD5-461F-A267-FEDFFAFCB571}"/>
+          </msink:context>
+        </emma:interpretation>
+      </emma:emma>
+    </inkml:annotationXML>
+    <inkml:trace contextRef="#ctx0" brushRef="#br0">29172 8288 3840,'4'-4'1472,"-4"4"-768,21 4-256,-15 2 1024,-3-2-800,3-4 736,0 0-800,0 0 640,3 9-704,1 1 640,1 7-672,-5 12 576,-2-3-608,1 7 447,1 3-511,-2 10 192,8 0-352,-9 9 192,9 5-224,-6 8 288,3 1-288,1 9 448,1 1-384,-5 9 352,3-6-352,-9 15 128,6-11-256,-6 16 64,4-11-128,2 11 96,-1-9-128,-5 12 128,0-9-128,0 11 128,0-6-128,0 8 192,0-8-160,0 10 320,0-15-224,0 14 96,0-12-160,0 7 0,4-13-64,2 9 96,0-13-96,-1 3 128,5-3-128,-4 12 128,-2-12-128,1 9 32,1-11-32,0 6 96,-2-8-96,1 2 192,1-8-160,-2 10 32,2-6-64,-1 10 96,-1-8-96,2 2 128,0-2-128,-6 2 32,0-2-32,0 2 32,0-2-64,0 12 64,5-12-64,-5 2 64,4-4-64,-4 6 64,12-10-64,-9 4-32,3-7 32,-6 3 32,0-9-32,0 3-288,0-10 128,0-3-1568,0-9 928,0-5-6912,0-6 4225,-9-22-4353,-3-7 4480</inkml:trace>
+  </inkml:traceGroup>
+</inkml:ink>
+</file>
+
+<file path=ppt/ink/ink142.xml><?xml version="1.0" encoding="utf-8"?>
+<inkml:ink xmlns:inkml="http://www.w3.org/2003/InkML">
+  <inkml:definitions>
+    <inkml:context xml:id="ctx0">
+      <inkml:inkSource xml:id="inkSrc0">
+        <inkml:traceFormat>
+          <inkml:channel name="X" type="integer" min="-2.14748E9" max="2.14748E9" units="cm"/>
+          <inkml:channel name="Y" type="integer" min="-2.14748E9" max="2.14748E9" units="cm"/>
+          <inkml:channel name="F" type="integer" max="32767" units="dev"/>
+        </inkml:traceFormat>
+        <inkml:channelProperties>
+          <inkml:channelProperty channel="X" name="resolution" value="1000" units="1/cm"/>
+          <inkml:channelProperty channel="Y" name="resolution" value="1000" units="1/cm"/>
+          <inkml:channelProperty channel="F" name="resolution" value="0" units="1/dev"/>
+        </inkml:channelProperties>
+      </inkml:inkSource>
+      <inkml:timestamp xml:id="ts0" timeString="2016-11-15T13:38:06.341"/>
+    </inkml:context>
+    <inkml:brush xml:id="br0">
+      <inkml:brushProperty name="width" value="0.06667" units="cm"/>
+      <inkml:brushProperty name="height" value="0.06667" units="cm"/>
+    </inkml:brush>
+  </inkml:definitions>
+  <inkml:traceGroup>
+    <inkml:annotationXML>
+      <emma:emma xmlns:emma="http://www.w3.org/2003/04/emma" version="1.0">
+        <emma:interpretation id="{D89A281C-CAF5-41F9-B7C0-CD7483DDF0FF}" emma:medium="tactile" emma:mode="ink">
+          <msink:context xmlns:msink="http://schemas.microsoft.com/ink/2010/main" type="inkDrawing" rotatedBoundingBox="20300,11697 23138,12656 23105,12754 20267,11794" semanticType="callout" shapeName="Other">
+            <msink:sourceLink direction="with" ref="{F590054F-F4F6-4FFB-B134-DB13B7E75CD0}"/>
+          </msink:context>
+        </emma:interpretation>
+      </emma:emma>
+    </inkml:annotationXML>
+    <inkml:trace contextRef="#ctx0" brushRef="#br0">25689 15324 2688,'0'28'1056,"6"-28"-576,-6 0 416,0 0 672,0-9-160,0 9-128,0-4-224,0-6-32,0 5-576,-6-3 320,2 2 160,-2 2 64,1-1 128,-5 1 159,-5 0-415,-1-2-128,-5 3-64,-5-3-32,-5-2 0,-5 2 64,-1 3-96,-8-7 0,-13 1-32,7-1-64,-7-3-128,-3-5-64,4-1 0,0-4 32,11 0-32,-12 1-32,7 2-32,-6-3 0,1 1-64,-13-1-32,-3 5-32,5-1 64,-6-4-32,6 4 0,1 2-32,4-6 64,5 0-96,6 8-64,-1 2 128,1-1 32,-12 1 0,2-6-32,-2 5-96,5 1-64,7-6 96,-1 0 64,-3 2-64,-8-6-64,1-6 0,5-2 32,6 3 32,3 1 96,8 4-96,-2 4-64,0 0 0,1 2 32,-1 3-32,2-1 64,-2 2-128,0-1 0,2-5-192,-2-4 0,6 0-6112,5 6 3456,1-2-2527,-3 6 255,-3 3 0</inkml:trace>
+  </inkml:traceGroup>
+</inkml:ink>
+</file>
+
+<file path=ppt/ink/ink143.xml><?xml version="1.0" encoding="utf-8"?>
+<inkml:ink xmlns:inkml="http://www.w3.org/2003/InkML">
+  <inkml:definitions>
+    <inkml:context xml:id="ctx0">
+      <inkml:inkSource xml:id="inkSrc0">
+        <inkml:traceFormat>
+          <inkml:channel name="X" type="integer" min="-2.14748E9" max="2.14748E9" units="cm"/>
+          <inkml:channel name="Y" type="integer" min="-2.14748E9" max="2.14748E9" units="cm"/>
+          <inkml:channel name="F" type="integer" max="32767" units="dev"/>
+        </inkml:traceFormat>
+        <inkml:channelProperties>
+          <inkml:channelProperty channel="X" name="resolution" value="1000" units="1/cm"/>
+          <inkml:channelProperty channel="Y" name="resolution" value="1000" units="1/cm"/>
+          <inkml:channelProperty channel="F" name="resolution" value="0" units="1/dev"/>
+        </inkml:channelProperties>
+      </inkml:inkSource>
+      <inkml:timestamp xml:id="ts0" timeString="2016-11-15T13:38:29.836"/>
+    </inkml:context>
+    <inkml:brush xml:id="br0">
+      <inkml:brushProperty name="width" value="0.06667" units="cm"/>
+      <inkml:brushProperty name="height" value="0.06667" units="cm"/>
+    </inkml:brush>
+  </inkml:definitions>
+  <inkml:traceGroup>
+    <inkml:annotationXML>
+      <emma:emma xmlns:emma="http://www.w3.org/2003/04/emma" version="1.0">
+        <emma:interpretation id="{155FCF64-B6C7-4831-BC49-7DB425BAE9CA}" emma:medium="tactile" emma:mode="ink">
+          <msink:context xmlns:msink="http://schemas.microsoft.com/ink/2010/main" type="inkDrawing" rotatedBoundingBox="23946,12503 26735,11194 26800,11332 24010,12640" semanticType="callout" shapeName="Other">
+            <msink:sourceLink direction="with" ref="{A26CD353-619C-42C9-B268-89E1A2013F61}"/>
+            <msink:sourceLink direction="with" ref="{55224CEF-CBD5-461F-A267-FEDFFAFCB571}"/>
+          </msink:context>
+        </emma:interpretation>
+      </emma:emma>
+    </inkml:annotationXML>
+    <inkml:trace contextRef="#ctx0" brushRef="#br0">26586 15232 5120,'-6'0'1920,"6"0"-1024,-6 0-192,1 0 1344,10 0-1088,-5 0 640,0 0-928,0-3 672,0 3-736,0-10 511,6 6-639,0-5 448,4 5-512,0-6 480,1 5-512,4-9 576,6 5-544,4-8 416,1 7-480,5-13 256,6 10-352,-1-16 128,6 12-224,-2-6 288,2 4-256,4-4 256,2 9-256,-8-5 160,2 6-192,-2-16 224,-4 12-256,12-12 160,-2 12-160,6-11 160,-1 10-192,6-14 32,-5 9-64,5-9 96,-5 5-96,5-6 128,-1 5-128,1-5 128,-6 10-128,-3-4 32,-8 4-32,12-13 96,-4 13-96,7-10 128,2 5-128,7-9 32,-9 11-32,2-11-64,1 14 32,-1-5-32,0 9 0,-5-4 64,0 9-32,-12-3 64,2 8-64,0-5 64,-6 5-64,-2-5 64,2 5-64,6-5 128,0 5-96,-2-10 128,3 9-128,-1-7-32,-6 7 0,1-3-32,-3 7 0,-2-7 64,-1 9-32,-6-5-96,7 3 32,-7-2 96,6 2-32,-11-3-1088,8 9 608,-14-8-8160,8 8 4737</inkml:trace>
+  </inkml:traceGroup>
+</inkml:ink>
+</file>
+
+<file path=ppt/ink/ink144.xml><?xml version="1.0" encoding="utf-8"?>
+<inkml:ink xmlns:inkml="http://www.w3.org/2003/InkML">
+  <inkml:definitions>
+    <inkml:context xml:id="ctx0">
+      <inkml:inkSource xml:id="inkSrc0">
+        <inkml:traceFormat>
+          <inkml:channel name="X" type="integer" min="-2.14748E9" max="2.14748E9" units="cm"/>
+          <inkml:channel name="Y" type="integer" min="-2.14748E9" max="2.14748E9" units="cm"/>
+          <inkml:channel name="F" type="integer" max="32767" units="dev"/>
+        </inkml:traceFormat>
+        <inkml:channelProperties>
+          <inkml:channelProperty channel="X" name="resolution" value="1000" units="1/cm"/>
+          <inkml:channelProperty channel="Y" name="resolution" value="1000" units="1/cm"/>
+          <inkml:channelProperty channel="F" name="resolution" value="0" units="1/dev"/>
+        </inkml:channelProperties>
+      </inkml:inkSource>
+      <inkml:timestamp xml:id="ts0" timeString="2016-11-15T13:38:07.993"/>
+    </inkml:context>
+    <inkml:brush xml:id="br0">
+      <inkml:brushProperty name="width" value="0.06667" units="cm"/>
+      <inkml:brushProperty name="height" value="0.06667" units="cm"/>
+    </inkml:brush>
+  </inkml:definitions>
+  <inkml:traceGroup>
+    <inkml:annotationXML>
+      <emma:emma xmlns:emma="http://www.w3.org/2003/04/emma" version="1.0">
+        <emma:interpretation id="{67CFFF4E-3F90-44DE-94CD-34DD011AC596}" emma:medium="tactile" emma:mode="ink">
+          <msink:context xmlns:msink="http://schemas.microsoft.com/ink/2010/main" type="inkDrawing" rotatedBoundingBox="20620,5951 20964,11954 19956,12012 19612,6008" semanticType="callout" shapeName="Other">
+            <msink:sourceLink direction="from" ref="{45F2CD27-CEEA-40DD-A99C-D5E09651AF95}"/>
+            <msink:sourceLink direction="to" ref="{F590054F-F4F6-4FFB-B134-DB13B7E75CD0}"/>
+          </msink:context>
+        </emma:interpretation>
+      </emma:emma>
+    </inkml:annotationXML>
+    <inkml:trace contextRef="#ctx0" brushRef="#br0">22407 8638 7040,'6'-10'2720,"-6"10"-1472,0 42-768,0-28 1184,9 5-960,-3 8 448,0-1-704,-3 12 256,9 3-417,-8 14 353,7 10-384,-5 13 288,-2 4-288,1 16 352,1-6-352,-6 13 224,4-10-256,-4 22 64,0-8-160,0 21 224,6-16-224,-6 14 160,0-7-160,0 7 64,0-14-96,0 10 0,0-18-32,0 10 160,0-11-128,0 14 96,0-12-96,0 7 0,0-9-32,0 6 160,0-15-128,0 11 32,0-16-64,0 11 32,5-16-64,-5 11 64,0-9-64,0 4 64,0-10-64,0 6 64,0-6-64,0 6 128,6-10-96,-6 4 128,0-3-128,0-7 32,4 3-32,-4-6-128,0-4 32,0 3 32,6-5 0,-6 6 64,5-4-32,-5 0 192,0-6-128,0 1 96,0 1-96,0 11 0,0 7-32,0-14-64,0-6 32,0-4-32,0-9 0,0 0 64,0-6-32,0 2-32,0 0 32,0-6 32,0 1-32,0-5-96,0 1 32,0-10-32,0 0 0,0-4 128,0-2-32,0-4-32,0 6 32,0-9-32,0 3 0,0-9 0,0 2 0,0-6 64,0 0-32,0-6-32,4 2 32,-4-5-128,6-1 64,-6-3-32,6 3 0,-2 3 64,7 1 0,-1 2 0,1 4 0,-1 0-96,5 4 64,6 2 32,6 1 0,3 3 0,1-1 0,-1 1 0,3 3 0,13 1 64,5 5-32,1-6 64,-6 1-64,5-5 64,-3 4-64,-2 7 64,-4-7-64,-2 0-32,2 3 32,4-9-1440,-4 3 768,10-4-5952,-7-2 3649,19-24-4161,-7 3 4064</inkml:trace>
+  </inkml:traceGroup>
+</inkml:ink>
+</file>
+
+<file path=ppt/ink/ink145.xml><?xml version="1.0" encoding="utf-8"?>
+<inkml:ink xmlns:inkml="http://www.w3.org/2003/InkML">
+  <inkml:definitions>
+    <inkml:context xml:id="ctx0">
+      <inkml:inkSource xml:id="inkSrc0">
+        <inkml:traceFormat>
+          <inkml:channel name="X" type="integer" min="-2.14748E9" max="2.14748E9" units="cm"/>
+          <inkml:channel name="Y" type="integer" min="-2.14748E9" max="2.14748E9" units="cm"/>
+          <inkml:channel name="F" type="integer" max="32767" units="dev"/>
+        </inkml:traceFormat>
+        <inkml:channelProperties>
+          <inkml:channelProperty channel="X" name="resolution" value="1000" units="1/cm"/>
+          <inkml:channelProperty channel="Y" name="resolution" value="1000" units="1/cm"/>
+          <inkml:channelProperty channel="F" name="resolution" value="0" units="1/dev"/>
+        </inkml:channelProperties>
+      </inkml:inkSource>
+      <inkml:timestamp xml:id="ts0" timeString="2016-11-15T13:38:59.504"/>
+    </inkml:context>
+    <inkml:brush xml:id="br0">
+      <inkml:brushProperty name="width" value="0.06667" units="cm"/>
+      <inkml:brushProperty name="height" value="0.06667" units="cm"/>
+    </inkml:brush>
+  </inkml:definitions>
+  <inkml:traceGroup>
+    <inkml:annotationXML>
+      <emma:emma xmlns:emma="http://www.w3.org/2003/04/emma" version="1.0">
+        <emma:interpretation id="{49152D80-7732-48FE-AD3E-02F963560AF7}" emma:medium="tactile" emma:mode="ink">
+          <msink:context xmlns:msink="http://schemas.microsoft.com/ink/2010/main" type="inkDrawing" rotatedBoundingBox="21475,4449 26017,4548 25953,7528 21410,7429" semanticType="enclosure" shapeName="Other">
+            <msink:sourceLink direction="with" ref="{658CDF67-DEE8-4144-9C53-8D850C37EA24}"/>
+            <msink:destinationLink direction="from" ref="{635A4E77-3146-40CE-8285-2B95B7EB789B}"/>
+          </msink:context>
+        </emma:interpretation>
+      </emma:emma>
+    </inkml:annotationXML>
+    <inkml:trace contextRef="#ctx0" brushRef="#br0">26462 9584 6656,'-5'0'2464,"5"0"-1344,-16 23-544,10-8 1216,12-1-992,-6 12 256,4 13-672,2 10-64,0-3-192,-6 19-96,5-6 0,-5 1-3776,4-9 2048,2-5-3488,3-6 2976</inkml:trace>
+    <inkml:trace contextRef="#ctx0" brushRef="#br0" timeOffset="2707">24047 8629 4992,'-6'9'1920,"6"-9"-1024,0-9-352,-3 5 1344,3 8-1056,-12-8 672,12 4-896,-6-5 448,12 1-608,-6-10 384,12-1-480,-12-12 319,3 5-383,3-11 128,-1 6-256,-1-15 128,8 10-160,-2-18 224,5 8-224,6-14 160,5 10-160,5-9 160,0 6-192,5-7 96,0 10-96,6-9 96,-2 13-128,8-8 192,-2 14-160,6-10 256,-6 13-224,2-9 96,-8 10-128,7-8 96,-6 4-128,6-12 128,-1 17-128,5-11 128,1 9-128,6-3 128,-7 8-128,6-8 32,1 12-32,3-2 96,-4 12-96,1-5 32,-7 10-32,4-5 32,-7 5-64,10-4 128,-7 3-96,4-4 256,3 8-192,-1-6 160,0 8-160,-1-6 0,1 10-64,0-10 96,-5 10-96,0-9 32,-6 9-32,2-4 160,-3 4-128,1 0 192,-4 4-192,4 1 192,-4-1-192,4 2 192,-4 2-192,3 2 96,-3 2-96,4-2 96,-4 4-128,4 1 32,-4 2-32,4 2 96,-4 4-96,0 0 32,-6 0-32,5 0 96,-5 10-96,1-11 128,-7 5-128,2-4 32,-6 5-32,0 0-64,4 0 32,-2-5-32,2 0 0,0 0 0,1 0 0,2-1 64,1 2-32,-2-2 128,5 6-96,-6-6-32,5 7 0,-6-6-32,6 0 0,-5-6 64,0 6-32,-5 0-32,5 5 32,-4 0-32,3 0 0,-3-2 64,4 7-32,-7-6 64,3 5-64,-6-3 64,4-2-64,-10 1-32,7-4 32,-8-8-128,2 8 64,-1-6 32,2 6 0,-7-6 128,6 6-64,-6-2-1152,0 5 576,-4-4-4864,4 0 2976,-10-4-5599,6-1 4543</inkml:trace>
+    <inkml:trace contextRef="#ctx0" brushRef="#br0" timeOffset="-449">25726 9682 3456,'-4'-10'1312,"4"10"-704,-5 0 64,-1 0 1248,12 0-1024,-6 0 896,0 4-1056,0-4 768,0 6-864,0-2 448,0 11-640,0-2 96,0 1-288,0 12-32,0 7-128,0 0-64,0 3 0,0-4-2144,0 0 1152,0 10-4064,9 4 2816</inkml:trace>
+    <inkml:trace contextRef="#ctx0" brushRef="#br0" timeOffset="-3806">26217 9750 4096,'33'-22'1568,"-33"22"-832,76-60-160,-49 38 1184,-6 12-960,15-18 352,10 0-704,21-14 0,0 6-256,17-10 192,-2 4-256,12-11 320,-12 10-256,11-15 160,-10 12-192,14-16 64,-9 13-128,11-10-64,-11 7 0,0-13 32,-6 19-32,33-23-32,-12 14 32,-11 6-32,-14 12 0,-5-1 64,-6 11-32,-6-5 128,-8 8-96,-7-8 128,0 6-128,-10-7-576,0 6 256,-5-5-2144,2 9 1312,-9-6-2912,3 12 2272</inkml:trace>
+  </inkml:traceGroup>
+</inkml:ink>
+</file>
+
+<file path=ppt/ink/ink146.xml><?xml version="1.0" encoding="utf-8"?>
+<inkml:ink xmlns:inkml="http://www.w3.org/2003/InkML">
+  <inkml:definitions>
+    <inkml:context xml:id="ctx0">
+      <inkml:inkSource xml:id="inkSrc0">
+        <inkml:traceFormat>
+          <inkml:channel name="X" type="integer" min="-2.14748E9" max="2.14748E9" units="cm"/>
+          <inkml:channel name="Y" type="integer" min="-2.14748E9" max="2.14748E9" units="cm"/>
+          <inkml:channel name="F" type="integer" max="32767" units="dev"/>
+        </inkml:traceFormat>
+        <inkml:channelProperties>
+          <inkml:channelProperty channel="X" name="resolution" value="1000" units="1/cm"/>
+          <inkml:channelProperty channel="Y" name="resolution" value="1000" units="1/cm"/>
+          <inkml:channelProperty channel="F" name="resolution" value="0" units="1/dev"/>
+        </inkml:channelProperties>
+      </inkml:inkSource>
+      <inkml:timestamp xml:id="ts0" timeString="2016-11-15T13:39:05.494"/>
+    </inkml:context>
+    <inkml:brush xml:id="br0">
+      <inkml:brushProperty name="width" value="0.06667" units="cm"/>
+      <inkml:brushProperty name="height" value="0.06667" units="cm"/>
+    </inkml:brush>
+  </inkml:definitions>
+  <inkml:traceGroup>
+    <inkml:annotationXML>
+      <emma:emma xmlns:emma="http://www.w3.org/2003/04/emma" version="1.0">
+        <emma:interpretation id="{0DF7CAAA-334F-4A9E-93A6-0B99AC1556F5}" emma:medium="tactile" emma:mode="ink">
+          <msink:context xmlns:msink="http://schemas.microsoft.com/ink/2010/main" type="writingRegion" rotatedBoundingBox="22297,5880 25009,4417 28252,10427 25541,11890"/>
+        </emma:interpretation>
+      </emma:emma>
+    </inkml:annotationXML>
+    <inkml:traceGroup>
+      <inkml:annotationXML>
+        <emma:emma xmlns:emma="http://www.w3.org/2003/04/emma" version="1.0">
+          <emma:interpretation id="{8B3B37B9-E658-4CB3-AF76-FE03765F6396}" emma:medium="tactile" emma:mode="ink">
+            <msink:context xmlns:msink="http://schemas.microsoft.com/ink/2010/main" type="paragraph" rotatedBoundingBox="22406,5781 24328,5220 24761,6704 22838,7265" alignmentLevel="1"/>
+          </emma:interpretation>
+        </emma:emma>
+      </inkml:annotationXML>
+      <inkml:traceGroup>
+        <inkml:annotationXML>
+          <emma:emma xmlns:emma="http://www.w3.org/2003/04/emma" version="1.0">
+            <emma:interpretation id="{658CDF67-DEE8-4144-9C53-8D850C37EA24}" emma:medium="tactile" emma:mode="ink">
+              <msink:context xmlns:msink="http://schemas.microsoft.com/ink/2010/main" type="line" rotatedBoundingBox="22406,5781 24328,5220 24761,6704 22838,7265">
+                <msink:destinationLink direction="with" ref="{49152D80-7732-48FE-AD3E-02F963560AF7}"/>
+              </msink:context>
+            </emma:interpretation>
+          </emma:emma>
+        </inkml:annotationXML>
+        <inkml:traceGroup>
+          <inkml:annotationXML>
+            <emma:emma xmlns:emma="http://www.w3.org/2003/04/emma" version="1.0">
+              <emma:interpretation id="{45F2CD27-CEEA-40DD-A99C-D5E09651AF95}" emma:medium="tactile" emma:mode="ink">
+                <msink:context xmlns:msink="http://schemas.microsoft.com/ink/2010/main" type="inkWord" rotatedBoundingBox="22406,5781 24328,5220 24761,6704 22838,7265">
+                  <msink:destinationLink direction="from" ref="{67CFFF4E-3F90-44DE-94CD-34DD011AC596}"/>
+                  <msink:destinationLink direction="to" ref="{B0C2A37F-8643-410E-B740-5518C415D88A}"/>
+                  <msink:destinationLink direction="with" ref="{0E81003B-716E-4AD2-A889-CC751FBF46BD}"/>
+                  <msink:destinationLink direction="with" ref="{C72D3B38-8E58-463D-883D-6CC75BB73290}"/>
+                  <msink:destinationLink direction="with" ref="{913B7CBA-AEF6-47AD-8898-DBD0612410A9}"/>
+                  <msink:destinationLink direction="with" ref="{925C7E7F-CBFE-442D-A64F-511261A32389}"/>
+                </msink:context>
+              </emma:interpretation>
+              <emma:one-of disjunction-type="recognition" id="oneOf0">
+                <emma:interpretation id="interp0" emma:lang="nb-NO" emma:confidence="0">
+                  <emma:literal>hie</emma:literal>
+                </emma:interpretation>
+                <emma:interpretation id="interp1" emma:lang="nb-NO" emma:confidence="0">
+                  <emma:literal>Eie</emma:literal>
+                </emma:interpretation>
+                <emma:interpretation id="interp2" emma:lang="nb-NO" emma:confidence="0">
+                  <emma:literal>Ei*</emma:literal>
+                </emma:interpretation>
+                <emma:interpretation id="interp3" emma:lang="nb-NO" emma:confidence="0">
+                  <emma:literal>Eie*</emma:literal>
+                </emma:interpretation>
+                <emma:interpretation id="interp4" emma:lang="nb-NO" emma:confidence="0">
+                  <emma:literal>Éie.</emma:literal>
+                </emma:interpretation>
+              </emma:one-of>
+            </emma:emma>
+          </inkml:annotationXML>
+          <inkml:trace contextRef="#ctx0" brushRef="#br0">25118 8821 4736,'-6'5'1760,"6"-5"-960,0 8-384,0-2 1184,0-2-928,0 1 576,6-1-768,0 0 320,-2 6-480,1-1 192,6 5-288,-1-5 64,0 4-160,7 1 160,-2 5-192,5-6 256,0 1-224,7 1 384,-2-2-288,1-3 224,6-1-224,-6-5 127,10 6-191,-5-10 128,0 4-160,-5-8 0,5 4-64,-6-6 32,1 2-64,-4-5 128,2 5-96,-3-9-800,0 3 384,-5-5-4703,4 7 2783</inkml:trace>
+          <inkml:trace contextRef="#ctx0" brushRef="#br0" timeOffset="701">25164 8749 3584,'0'-6'1408,"0"6"-768,6 0 224,-6 0 1376,5 0-1184,1 0 608,4 6-992,-1-6 256,12 3-544,0-3 224,6 4-352,-2-4 288,5 6-320,-3-6 224,4 0-224,5 0 0,-5 4-128,-5 2 96,4-2-128,-3-4 32,-2 4-33,-4-4-63,0 0 32,0 0 32,-2 0-32,-3 0 64,1 0-64,-2 0 64,0 0-64,-5-4 64,1 4-64,-7-4 64,2 8-64,-6-4 128,6 0-96,-6 0 128,0 4-128,-6 1 32,6 8-32,-6-3-64,6 4 32,-4-1-32,-1 2 0,-5-1 0,10-1 0,-6-4 64,6 5-32,-5-4-512,10 2 256,-5-2-4767,0 4 2751</inkml:trace>
+          <inkml:trace contextRef="#ctx0" brushRef="#br0" timeOffset="4243">25609 8821 5376,'-21'-9'2112,"21"9"-1152,-4-4-352,-2-2 1376,12 12-1088,-6-6 704,0 0-960,0 0 288,0 4-544,0 1-64,0 5-192,0-2-32,0 7-32,0-2 96,0 1-96,0-5 32,0 5-33,0-11 33,0 7-64,0-14 128,0 4-96,0-9 32,0 5-32,0-12 32,0 9-64,0-3 128,9 5-96,-3-3 128,-2 8-128,2-6 256,-1 12-192,-5-2 160,6 5-160,-6-5-64,0 6-32,-6-1-32,6 1 0,-5-6 64,10 5-32,-5-9-32,6 4 32,-6-8-32,4 4 0,-4-9 0,0 5 0,0-12 64,0 13-32,0-7 128,0 6-96,0-1 128,0 10-128,0-1-32,6 6 0,-1-1 32,-1 5-32,2-5-448,0 1 224,-2-10-5247,1 3 2943</inkml:trace>
+          <inkml:trace contextRef="#ctx0" brushRef="#br0" timeOffset="6330">25127 8398 5248,'21'-32'2016,"-21"32"-1088,36-4-448,-20-2 992,4 12-800,17-12 96,-1 6-480,10-9-96,2 2-128,19-13-1024,-6 7 512,17-16-3136,1 12 1984</inkml:trace>
+          <inkml:trace contextRef="#ctx0" brushRef="#br0" timeOffset="-11677">25418 9515 5888,'6'6'2176,"-6"-6"-1152,15 9-480,-10-5 1120,5 5-928,0 1 576,5-2-800,2 7 320,3-2-512,0 5 128,7 1-288,-6 0 64,4 4-128,-4-6-64,0 2 0,-6-6 32,7 1-32,-8 1-32,2-2 32,-6-3 32,1-2-32,-8-3-32,9 5 32,-6-10-480,-2 4 256,-4-8-3232,6 4 1888,-6-10-3360,0 5 2752</inkml:trace>
+          <inkml:trace contextRef="#ctx0" brushRef="#br0" timeOffset="-11029">25563 9599 7936,'4'0'2976,"-4"0"-1600,11 4-896,-1 0 1248,2 5-992,-3-3 416,6 2-673,6 1 225,0 1-416,10-7 192,5 7-256,1-4 0,5-2-128,4-4 0,-1 4-32,7-4 32,-5 0-64,-7 0-1568,2 0 832,-5 0-4927,-6 0 3135</inkml:trace>
+          <inkml:trace contextRef="#ctx0" brushRef="#br0" timeOffset="-6791">25960 9713 2048,'0'-31'768,"0"31"-384,0-8 32,0 1 704,0 14-576,0-7 288,0 0-512,0 0 192,0 0-288,-11 0 64,11 0-160,-8 0-128,-3 0-32,-8 0-32,19 0 0,-23 0-1984,23 8 1120</inkml:trace>
+          <inkml:trace contextRef="#ctx0" brushRef="#br0" timeOffset="2403">26514 8720 5504,'-5'22'2112,"5"-22"-1152,5 6-352,-1-2 1376,2 0-1088,0 2 832,3 4-1024,-3-3 480,3 2-672,3 1 127,3 0-351,0-1 160,6 0-224,-5-1 224,5 2-256,0 0 32,4-1-128,1-5 0,-1 1-32,6-5 32,1 4-64,-7-8 128,2 4-96,-2-5 192,1 1-160,-5-5 96,-1 5-96,1-12-64,0 12 0,-6-9 32,0 8-32,0-9-32,1 4 32,-5-6 32,-1 6-32,1-10 128,-1 8-96,-4-8 128,3 7-128,-9 0 128,6 3-128,-6-4 32,0 5-32,-6-4 32,6 3-64,-4 0-32,-1 6 32,-7-1-1248,8 5 672,-7-4-4639,11 8 2879,-4-4-3680,4 0 3424</inkml:trace>
+          <inkml:trace contextRef="#ctx0" brushRef="#br0" timeOffset="3100">26958 8680 5376,'-4'-6'2016,"4"6"-1088,4 0-448,-4 0 992,6 0-800,-6 0 160,6 6-512,-6-2 224,3 5-288,-3-5 288,6 2-320,-6-6 160,5 4-224,-5-4 224,6 0-256,-6-10 320,4 6-256,-4-5 320,6 5-288,-6-2 159,0 6-223,0 0 64,0 6-128,0-2 0,0 9-32,0-3-64,0 3 32,0-3 32,0-1-32,0-5 64,0 2-64,0-12 128,0 6-96,0-4 192,0-2-160,0 3 192,0 6-192,0 3 32,6 7-64,-2-3-1024,1 3 512,1-3-4895,-1-1 2943</inkml:trace>
+          <inkml:trace contextRef="#ctx0" brushRef="#br0" timeOffset="1602">26499 8720 6656,'4'-23'2464,"-4"23"-1344,21 0-384,-12 0 1600,3 5-1280,3-5 1055,0 0-1247,12-9 768,-2 3-960,2-7 416,3 9-608,1-6 160,0 6-384,11-5 64,-6 9-192,0-9 64,0 9-96,1-6 0,-7 12-32,1-6 32,1 0-64,-7-6-224,2 6 96,-12-4-2144,6 4 1216,-11-4-5599,-1 8 3647</inkml:trace>
+          <inkml:trace contextRef="#ctx0" brushRef="#br0" timeOffset="6947">26551 8164 5888,'0'-10'2176,"0"10"-1152,15-23-288,-6 20 1312,3 3-1120,3-4 480,4 4-864,14-6 128,3 12-384,4-6-32,12 7-160,-1-1-1536,1 7 768,5-3-4160,1 0 2688</inkml:trace>
+        </inkml:traceGroup>
+      </inkml:traceGroup>
+    </inkml:traceGroup>
+    <inkml:traceGroup>
+      <inkml:annotationXML>
+        <emma:emma xmlns:emma="http://www.w3.org/2003/04/emma" version="1.0">
+          <emma:interpretation id="{BE4913E8-308B-4327-B1B2-97BB864D015D}" emma:medium="tactile" emma:mode="ink">
+            <msink:context xmlns:msink="http://schemas.microsoft.com/ink/2010/main" type="paragraph" rotatedBoundingBox="24306,7600 26181,6588 26544,7262 24670,8274" alignmentLevel="2"/>
+          </emma:interpretation>
+        </emma:emma>
+      </inkml:annotationXML>
+      <inkml:traceGroup>
+        <inkml:annotationXML>
+          <emma:emma xmlns:emma="http://www.w3.org/2003/04/emma" version="1.0">
+            <emma:interpretation id="{24D7467F-54A2-4CEA-A0CE-37EEFC9CA8D2}" emma:medium="tactile" emma:mode="ink">
+              <msink:context xmlns:msink="http://schemas.microsoft.com/ink/2010/main" type="line" rotatedBoundingBox="24306,7600 26181,6588 26544,7262 24670,8274"/>
+            </emma:interpretation>
+          </emma:emma>
+        </inkml:annotationXML>
+        <inkml:traceGroup>
+          <inkml:annotationXML>
+            <emma:emma xmlns:emma="http://www.w3.org/2003/04/emma" version="1.0">
+              <emma:interpretation id="{45E13D25-CF07-4CD8-A1F8-90215F2344A3}" emma:medium="tactile" emma:mode="ink">
+                <msink:context xmlns:msink="http://schemas.microsoft.com/ink/2010/main" type="inkWord" rotatedBoundingBox="24306,7600 26181,6588 26544,7262 24670,8274">
+                  <msink:destinationLink direction="with" ref="{9165D7D7-D300-40BA-8386-75F69C0ECADF}"/>
+                  <msink:destinationLink direction="to" ref="{635A4E77-3146-40CE-8285-2B95B7EB789B}"/>
+                </msink:context>
+              </emma:interpretation>
+              <emma:one-of disjunction-type="recognition" id="oneOf1">
+                <emma:interpretation id="interp5" emma:lang="nb-NO" emma:confidence="0">
+                  <emma:literal>Har</emma:literal>
+                </emma:interpretation>
+                <emma:interpretation id="interp6" emma:lang="nb-NO" emma:confidence="0">
+                  <emma:literal>1-10 w</emma:literal>
+                </emma:interpretation>
+                <emma:interpretation id="interp7" emma:lang="nb-NO" emma:confidence="0">
+                  <emma:literal>1-70 w</emma:literal>
+                </emma:interpretation>
+                <emma:interpretation id="interp8" emma:lang="nb-NO" emma:confidence="0">
+                  <emma:literal>Hoer</emma:literal>
+                </emma:interpretation>
+                <emma:interpretation id="interp9" emma:lang="nb-NO" emma:confidence="0">
+                  <emma:literal>HO w</emma:literal>
+                </emma:interpretation>
+              </emma:one-of>
+            </emma:emma>
+          </inkml:annotationXML>
+          <inkml:trace contextRef="#ctx0" brushRef="#br0" timeOffset="-28992">27014 10237 4096,'-5'-4'1568,"5"4"-832,0 0-448,0 0 1088,0 0-800,0 0 1088,0 0-960,0 0 928,0 0-928,0 0 480,5 7-672,1-1 288,4 4-480,-4-2 319,3 7-351,-3-2 128,3 1-256,-3 4 224,6 0-256,-8 5 320,7 0-256,-7-1 320,7 8-288,-1-4 96,5 6-192,-4-4 64,5 4-96,-6 0 0,4 0-32,-2 1-64,-2 0 32,-4-7 96,3-2-64,-4-2 32,1 7-32,-6-6-128,6 0 32,-6-6 96,4 2-32,-4-10-736,6 5 416,-6-10-2464,0 2 1537,0-6-4385,6 0 3136</inkml:trace>
+          <inkml:trace contextRef="#ctx0" brushRef="#br0" timeOffset="-28548">27097 10522 5760,'6'0'2176,"-6"0"-1152,11 0-128,-7 0 1632,11 0-1376,1-4 800,5 4-1184,-6-10 511,2 4-735,-7-7 64,5 9-352,0-9-32,1 7-128,5-4-64,0 10 0,0-7-32,3 7 0,-3-9 128,6 9-64,-6-6-32,4 6 0,-10-4-1024,6 8 544,-11-8-3007,7 4 1951,-13-4-3744,7-2 2976</inkml:trace>
+          <inkml:trace contextRef="#ctx0" brushRef="#br0" timeOffset="-28148">27403 9985 5888,'-6'-10'2272,"6"10"-1216,0-13-256,0 7 1568,0 12-1280,0-6 960,6 4-1216,0 0 479,3 5-767,3 10 352,3 4-544,0 13 320,6 1-384,-6 9 64,6-1-224,-5 11 64,5-5-96,-5-1 0,-1-4-32,-6-4 32,3-6-64,-3-7-32,1-2 32,1-1-672,-1-6 352,-4-7-2848,-1-4 1729,-5-12-4673,0-3 3424</inkml:trace>
+          <inkml:trace contextRef="#ctx0" brushRef="#br0" timeOffset="-27362">27976 9806 7040,'-25'0'2720,"25"0"-1472,-6 4-544,3-4 1536,6 5-1248,-6-1 703,3 5-991,-12 1 736,6 4-800,-9-2 576,6 8-704,-7 6 320,4 3-512,-2 2 64,4 7-256,-6-2 0,10 0-64,1 1 32,5-4-64,0 3-96,11-4 32,-7 6 32,14-7 0,0-2 0,4-3 0,-2-2 0,2-6 0,-7-8 0,6 0 0,-6-16-96,0 2 64,-5-12-32,7 4 0,-7-12 64,5 11 0,1-14 64,-2 5-32,2-11 64,1 4-64,-8-3-32,7 9 32,-16-8-32,6 9 0,-12-17 64,6 12-32,-16-9-32,11 8 32,-10-5 32,5 10-32,-5-4-32,4 8 32,-11-4-32,7 6 0,-10-2 0,10 6 0,-6-1-800,9 4 448,-3 1-4224,6 9 2529,3-4-4705,6 8 3840</inkml:trace>
+          <inkml:trace contextRef="#ctx0" brushRef="#br0" timeOffset="-26377">28312 9691 5888,'-4'-6'2272,"4"6"-1216,-5 0-96,-1 0 1664,12 0-1408,-6 0 960,0 0-1281,0 0 865,0 0-1024,0 6 480,0-3-704,0 3 128,5 8-352,-1 3-32,8 11-160,-2-1 160,5 2-160,0-2 96,3 5-96,-4 0-128,6-5 0,-3 2 32,2-6 0,-2-6 64,-2 6-32,-5-10 64,6 3-64,-5-7 128,-2-1-96,1-2 192,2-3-160,-7-12 192,4 5-192,-3-9 32,-2-3-64,-4-7 32,6 6-64,-6-15 64,0 9-64,0-10 64,0 10-64,0-9-32,0 5 32,0-2 32,0 7-32,0-5 64,0 4-64,0 0-32,6 10 32,-2-3-32,1 9 0,1-3 0,3 10 0,3 4 0,-2 5 0,1 11 64,4 3-32,1 9-32,4-5 32,-4-1-32,-1 3 0,0-6 0,1 0 0,-7-4 64,2-6-32,-5-13 64,4 4-64,-4-13-32,-2 5 32,-4-19-32,0 0 0,0-19 128,0 10-64,0-22 128,0 6-128,0-5 32,0 7-32,0-6 32,0 16-64,0-6-160,6 15 64,-6-1-1792,5 10 992,0-1-6655,5 15 4159</inkml:trace>
+        </inkml:traceGroup>
+      </inkml:traceGroup>
+    </inkml:traceGroup>
+    <inkml:traceGroup>
+      <inkml:annotationXML>
+        <emma:emma xmlns:emma="http://www.w3.org/2003/04/emma" version="1.0">
+          <emma:interpretation id="{C00EC627-74F0-4C3D-A03C-4F6503BAC71E}" emma:medium="tactile" emma:mode="ink">
+            <msink:context xmlns:msink="http://schemas.microsoft.com/ink/2010/main" type="paragraph" rotatedBoundingBox="24857,8211 26167,7950 26310,8666 25000,8928" alignmentLevel="2"/>
+          </emma:interpretation>
+        </emma:emma>
+      </inkml:annotationXML>
+      <inkml:traceGroup>
+        <inkml:annotationXML>
+          <emma:emma xmlns:emma="http://www.w3.org/2003/04/emma" version="1.0">
+            <emma:interpretation id="{7D1EE58C-F434-4BBA-8BF4-D34F298491FE}" emma:medium="tactile" emma:mode="ink">
+              <msink:context xmlns:msink="http://schemas.microsoft.com/ink/2010/main" type="line" rotatedBoundingBox="24857,8211 26167,7950 26310,8666 25000,8928"/>
+            </emma:interpretation>
+          </emma:emma>
+        </inkml:annotationXML>
+        <inkml:traceGroup>
+          <inkml:annotationXML>
+            <emma:emma xmlns:emma="http://www.w3.org/2003/04/emma" version="1.0">
+              <emma:interpretation id="{663E7A1A-8465-4CF8-8826-294FA7CAAAFB}" emma:medium="tactile" emma:mode="ink">
+                <msink:context xmlns:msink="http://schemas.microsoft.com/ink/2010/main" type="inkWord" rotatedBoundingBox="24857,8211 26167,7950 26310,8666 25000,8928"/>
+              </emma:interpretation>
+              <emma:one-of disjunction-type="recognition" id="oneOf2">
+                <emma:interpretation id="interp10" emma:lang="nb-NO" emma:confidence="0">
+                  <emma:literal>to</emma:literal>
+                </emma:interpretation>
+                <emma:interpretation id="interp11" emma:lang="nb-NO" emma:confidence="0">
+                  <emma:literal>T O</emma:literal>
+                </emma:interpretation>
+                <emma:interpretation id="interp12" emma:lang="nb-NO" emma:confidence="0">
+                  <emma:literal>T o</emma:literal>
+                </emma:interpretation>
+                <emma:interpretation id="interp13" emma:lang="nb-NO" emma:confidence="0">
+                  <emma:literal>To</emma:literal>
+                </emma:interpretation>
+                <emma:interpretation id="interp14" emma:lang="nb-NO" emma:confidence="0">
+                  <emma:literal>T 0</emma:literal>
+                </emma:interpretation>
+              </emma:one-of>
+            </emma:emma>
+          </inkml:annotationXML>
+          <inkml:trace contextRef="#ctx0" brushRef="#br0" timeOffset="-25090">27486 11044 8960,'-10'-4'3328,"10"4"-1792,6-18-1024,-2 8 1791,7 6-1343,4-9 1280,1 4-1344,4-11 832,6 7-992,0-4 256,5 1-608,5-1 96,6 2-320,-1-3 0,-5 9-96,0-4-64,0 3 32,-5-3 32,2 3-32,-9-3-32,3 7 32,-6-11-736,-2 8 384,2-11-2496,0 7 1568,-6 0-5727,1 3 3903</inkml:trace>
+          <inkml:trace contextRef="#ctx0" brushRef="#br0" timeOffset="-25491">27755 10908 3200,'0'3'1216,"0"-3"-640,0-7 32,0 1 1568,6 12-1184,-6-12 1376,5 6-1376,-5-4 992,0 4-1152,0 4 767,10 6-927,-1 3 416,7 10-608,-5 6 160,4 3-384,1-1 192,-1 7-224,0-2 128,1 6-192,1-2 64,2-3-128,-2 5 0,-2-6-32,-5 6 96,5-6-96,-3-7 32,-3-6-32,-9-6-256,6-2 96,-12-11-1728,0 0 1024,-3-12-5407,-3 3 3455</inkml:trace>
+          <inkml:trace contextRef="#ctx0" brushRef="#br0" timeOffset="-24105">28557 10734 4736,'4'-6'1824,"-4"6"-960,0-9 256,0 1 1760,0 8-1536,-4-10 1120,4 10-1440,-12-9 991,7 9-1151,-14-4 832,1 4-992,-7 4 480,10 9-672,-6 10 288,6 0-480,-6 0 256,11 6-320,-5 3 64,4-1-192,1 1-64,4-3-32,1 3-128,10-1 64,1 1 96,4 5-32,1 1 64,8-6-64,8-5-160,-2 0 64,7-18 32,-1 1 32,-1-20 0,7-3 0,-7-20 0,7 1 0,-7-8 0,3 2 0,-9-8 0,-3 15 0,-11-11 64,7 14-32,-13-13 128,2 13-96,-16-3-32,-1 12 0,-14 0-32,4 6 0,-10-1-992,5 5 544,-20-1-2784,9 6 1792,-10-5-5471,16 9 3839</inkml:trace>
+        </inkml:traceGroup>
+      </inkml:traceGroup>
+    </inkml:traceGroup>
+    <inkml:traceGroup>
+      <inkml:annotationXML>
+        <emma:emma xmlns:emma="http://www.w3.org/2003/04/emma" version="1.0">
+          <emma:interpretation id="{312879AF-BCC0-4483-8996-43AD39F89B4F}" emma:medium="tactile" emma:mode="ink">
+            <msink:context xmlns:msink="http://schemas.microsoft.com/ink/2010/main" type="paragraph" rotatedBoundingBox="24586,9658 26291,8524 26756,9223 25051,10357" alignmentLevel="1"/>
+          </emma:interpretation>
+        </emma:emma>
+      </inkml:annotationXML>
+      <inkml:traceGroup>
+        <inkml:annotationXML>
+          <emma:emma xmlns:emma="http://www.w3.org/2003/04/emma" version="1.0">
+            <emma:interpretation id="{E46A6020-767D-4F92-A27F-F55FC2352180}" emma:medium="tactile" emma:mode="ink">
+              <msink:context xmlns:msink="http://schemas.microsoft.com/ink/2010/main" type="line" rotatedBoundingBox="24586,9658 26291,8524 26756,9223 25051,10357"/>
+            </emma:interpretation>
+          </emma:emma>
+        </inkml:annotationXML>
+        <inkml:traceGroup>
+          <inkml:annotationXML>
+            <emma:emma xmlns:emma="http://www.w3.org/2003/04/emma" version="1.0">
+              <emma:interpretation id="{A26CD353-619C-42C9-B268-89E1A2013F61}" emma:medium="tactile" emma:mode="ink">
+                <msink:context xmlns:msink="http://schemas.microsoft.com/ink/2010/main" type="inkWord" rotatedBoundingBox="24586,9658 26291,8524 26756,9223 25051,10357">
+                  <msink:destinationLink direction="with" ref="{155FCF64-B6C7-4831-BC49-7DB425BAE9CA}"/>
+                  <msink:destinationLink direction="from" ref="{B0C2A37F-8643-410E-B740-5518C415D88A}"/>
+                </msink:context>
+              </emma:interpretation>
+              <emma:one-of disjunction-type="recognition" id="oneOf3">
+                <emma:interpretation id="interp15" emma:lang="nb-NO" emma:confidence="0">
+                  <emma:literal>API</emma:literal>
+                </emma:interpretation>
+                <emma:interpretation id="interp16" emma:lang="nb-NO" emma:confidence="0">
+                  <emma:literal>APEL</emma:literal>
+                </emma:interpretation>
+                <emma:interpretation id="interp17" emma:lang="nb-NO" emma:confidence="0">
+                  <emma:literal>APE</emma:literal>
+                </emma:interpretation>
+                <emma:interpretation id="interp18" emma:lang="nb-NO" emma:confidence="0">
+                  <emma:literal>APER</emma:literal>
+                </emma:interpretation>
+                <emma:interpretation id="interp19" emma:lang="nb-NO" emma:confidence="0">
+                  <emma:literal>APET</emma:literal>
+                </emma:interpretation>
+              </emma:one-of>
+            </emma:emma>
+          </inkml:annotationXML>
+          <inkml:trace contextRef="#ctx0" brushRef="#br0" timeOffset="-22987">27481 12755 4736,'0'4'1760,"0"-4"-960,0 5 32,0-5 1600,0 0-1344,0 0 992,0 0-1248,0-5 608,4 5-801,2-8 769,-1 3-800,1-13 896,4-1-864,-5-17 384,5 7-576,0-17 288,1 10-416,-1-6 128,1 10-288,-1-8 64,1 7-128,-1-26 160,-1 7-160,3-4 96,3 11-96,-6-5 96,7 5-128,-5-1 128,-1 13-128,1-4 128,-1 15-128,-1-7 192,3 16-160,-3-1 96,3 5-96,-3 9 224,7 3-192,-1 17 160,6 2-160,-6 15 0,6 1-64,0 8 96,0-6-96,0 6-32,-2-4 0,-1 4-32,-3-4 0,-6 4 0,7-1 0,-5-5 0,-1 3 0,-5-7-224,-1-3 128,2-1-1088,0-5 640,-6-4-1920,5-1 1344,-10-2-3840,5-7 2785,-12-13-4161,8 0 3616</inkml:trace>
+          <inkml:trace contextRef="#ctx0" brushRef="#br0" timeOffset="-22625">27672 12268 6784,'-30'10'2528,"30"-10"-1344,-18 9-128,15-9 1824,6 3-1568,-3-3 927,0 0-1343,12 0 928,4 0-1024,10 0 832,-1 0-928,6-3 288,1 3-608,-2-6 0,7 6-224,-6-9 32,-7 5-96,3-10-192,0 5 32,-8-4-1152,8 3 640,-7-9-2688,6 11 1792,-6-15-5311,8 8 3807</inkml:trace>
+          <inkml:trace contextRef="#ctx0" brushRef="#br0" timeOffset="-22225">28252 11702 6784,'-6'-9'2624,"6"9"-1408,0 9-288,0-3 1728,6 2-1440,-1 11 831,5 4-1215,-1 9 800,3 1-928,-3 13 480,7 0-672,-5 3 0,5 3-320,-7-2 32,6 2-128,-3-3-64,3-3 0,-5-10-544,1-3 288,-7-11-1888,2 2 1184,-6-15-5535,0 0 3615</inkml:trace>
+          <inkml:trace contextRef="#ctx0" brushRef="#br0" timeOffset="-21788">28210 11862 9600,'-10'-22'3584,"10"22"-1920,6-37-1024,-2 18 1503,7 12-1215,4-16 480,1 3-864,4-2 288,2 8-512,2 1 128,7 3-288,2 1 128,-3 9-160,0 0 0,1 9-64,0 5 96,-5 5-96,-4 4-32,-2 0 0,-10 0 32,5 3-32,-9 3 416,-1-2-256,-16-1 352,2 7-320,-22-1 32,4-5-160,-15-2-64,12-8 0,-12-7-256,17 3 128,-6-7-1376,16-2 832,-6-8-3904,9-2 2529,8-7-4609,8 3 3744</inkml:trace>
+          <inkml:trace contextRef="#ctx0" brushRef="#br0" timeOffset="-21108">28846 12006 9088,'0'4'3424,"0"-4"-1856,6 10-768,-6-5 1823,4-1-1471,2 0 800,5 5-1184,-2-3 384,7-2-672,-1-4 64,6 4-288,0-8-320,0 4 32,4-4-64,2-2 32,-7-3-1280,0 5 736,-9-5-6303,4 5 3807</inkml:trace>
+          <inkml:trace contextRef="#ctx0" brushRef="#br0" timeOffset="-21371">28788 11418 8832,'0'4'3328,"0"-4"-1792,6 32-960,-6-17 1599,9 3-1215,2 5 512,-1-1-896,2 11 352,-3 3-576,-3 10 256,3 6-352,-3 3 0,4 0-160,-4-5-128,3-4 0,-4-10-960,1-7 544,-6-12-2848,0 2 1825,0-15-4417,0 2 3296</inkml:trace>
+          <inkml:trace contextRef="#ctx0" brushRef="#br0" timeOffset="-20688">28696 11391 6400,'-5'-15'2464,"5"15"-1344,0 6 224,0-6 1792,0 0-1664,0 0 831,0 3-1407,0-3 1280,0 6-1216,0-6 1120,0 0-1184,5 0 608,5 4-864,6 0 128,4 5-448,-4 1-128,4-1-96,6-5 0,0 2-64,5-12-736,0 6 416,1-9-3168,4 1 1920,-5-7-6591,0 1 4543</inkml:trace>
+        </inkml:traceGroup>
+      </inkml:traceGroup>
+    </inkml:traceGroup>
+    <inkml:traceGroup>
+      <inkml:annotationXML>
+        <emma:emma xmlns:emma="http://www.w3.org/2003/04/emma" version="1.0">
+          <emma:interpretation id="{8ECD7BF5-109C-4573-BA36-8B22019532CF}" emma:medium="tactile" emma:mode="ink">
+            <msink:context xmlns:msink="http://schemas.microsoft.com/ink/2010/main" type="paragraph" rotatedBoundingBox="26220,11152 26083,9616 26967,9537 27104,11073" alignmentLevel="2"/>
+          </emma:interpretation>
+        </emma:emma>
+      </inkml:annotationXML>
+      <inkml:traceGroup>
+        <inkml:annotationXML>
+          <emma:emma xmlns:emma="http://www.w3.org/2003/04/emma" version="1.0">
+            <emma:interpretation id="{BF461671-4B47-4571-B3F8-5A3B6C6CD443}" emma:medium="tactile" emma:mode="ink">
+              <msink:context xmlns:msink="http://schemas.microsoft.com/ink/2010/main" type="line" rotatedBoundingBox="26220,11152 26083,9616 26967,9537 27104,11073"/>
+            </emma:interpretation>
+          </emma:emma>
+        </inkml:annotationXML>
+        <inkml:traceGroup>
+          <inkml:annotationXML>
+            <emma:emma xmlns:emma="http://www.w3.org/2003/04/emma" version="1.0">
+              <emma:interpretation id="{55224CEF-CBD5-461F-A267-FEDFFAFCB571}" emma:medium="tactile" emma:mode="ink">
+                <msink:context xmlns:msink="http://schemas.microsoft.com/ink/2010/main" type="inkWord" rotatedBoundingBox="26220,11152 26083,9616 26967,9537 27104,11073">
+                  <msink:destinationLink direction="with" ref="{9165D7D7-D300-40BA-8386-75F69C0ECADF}"/>
+                  <msink:destinationLink direction="with" ref="{155FCF64-B6C7-4831-BC49-7DB425BAE9CA}"/>
+                </msink:context>
+              </emma:interpretation>
+              <emma:one-of disjunction-type="recognition" id="oneOf4">
+                <emma:interpretation id="interp20" emma:lang="nb-NO" emma:confidence="0">
+                  <emma:literal>sin</emma:literal>
+                </emma:interpretation>
+                <emma:interpretation id="interp21" emma:lang="nb-NO" emma:confidence="0">
+                  <emma:literal>M</emma:literal>
+                </emma:interpretation>
+                <emma:interpretation id="interp22" emma:lang="nb-NO" emma:confidence="0">
+                  <emma:literal>on</emma:literal>
+                </emma:interpretation>
+                <emma:interpretation id="interp23" emma:lang="nb-NO" emma:confidence="0">
+                  <emma:literal>son</emma:literal>
+                </emma:interpretation>
+                <emma:interpretation id="interp24" emma:lang="nb-NO" emma:confidence="0">
+                  <emma:literal>MM</emma:literal>
+                </emma:interpretation>
+              </emma:one-of>
+            </emma:emma>
+          </inkml:annotationXML>
+          <inkml:trace contextRef="#ctx0" brushRef="#br0" timeOffset="25353">29487 12627 5504,'-5'-9'2112,"5"9"-1152,-6-29-224,0 21 1408,12 8-1216,-12-9 704,6 9-960,-9-6 416,-1 6-640,-5-4 447,-2 4-479,-14-4 544,10 8-544,-15-4 352,11 4-448,-12 2 256,7 3-320,-6-5 64,6 6-192,-7-1 160,5 5-192,-5-5 192,13 5-192,-7-1 32,10 6-64,-10-2 32,10 2-64,-5 1 128,10 2-96,-5 1-32,12 4 0,-6 0-128,9 2 64,0-3 32,6 3 0,0 3-96,12-5 64,-9 0 96,15 2-32,-3-6-32,10-1 32,5-2-32,3-3 0,-3-4 64,7 2-32,-1-7 64,0 2-64,4-10-32,2 5 32,0-5-32,-2 0 0,2-5 0,-6 5 0,-5-4 128,0 4-64,-5-6 128,-1 2-128,-4-5-32,0 5 0,-9-6 32,-3 6-32,-3-11 64,-2 11-64,-8-5 128,-2 5-96,-9-2 128,3 6-128,-18-4 32,15 8-32,-16-4 32,4 6-64,-9-6 64,5 4-64,-11 2 64,12-3-64,-10 1 128,4 2-96,-6-2 32,11 5-32,-5-5-64,5 6 32,-5-1 32,9 1-32,-3-1 64,9-1-64,-4 2 64,4 3-64,-6-4-32,6 5 32,2 1-32,2-2 0,2-3-96,5 0 64,-2-3 32,9 9 0,-3-9 0,6 8 0,0-1-96,9 3 64,3 2 32,3 4 0,1 0 128,5 0-64,9 0 32,1 6-32,5-3 32,6 1-64,0-4 64,4 6-64,0-6 64,2-1-64,3-2-32,-6-3 32,1-4 32,2 2-32,-8-7 64,2 2-64,-5-10-96,5 5 32,-6-5-256,-6 0 160,-9-5-384,-5 5 288,-7-4-32,7-2 160,-5-2-512,-1 8 352,-5-5-1248,1 5 864,-6-4-2816,4 8 1920,-4-8-4607,6-2 3487</inkml:trace>
+          <inkml:trace contextRef="#ctx0" brushRef="#br0" timeOffset="32079">29248 12552 3456,'28'-4'1312,"-28"4"-704,-22 4 416,16-4 1696,12 0-1472,-12 0 1120,6 0-1408,-9 0 640,4 0-928,-11 0 543,4 6-703,-6-2 576,6 0-608,-12-4 160,8 0-352,-11-4 32,6 0-192,-3-6 224,2 1-224,-4-5 160,10 5-160,-4-10 64,10 9-96,-6-7 0,5 4-32,2-6 32,3 5-64,2-9-32,4 4 32,0-4-32,10 6 0,-1-8-96,12 12 64,0-10 32,0 10 0,4-7 64,8 13-32,-9-8-32,7 7 32,2-2 32,-3 10-32,0-9-32,6 9 32,-4-4-128,0 8 64,-8-4 32,7 0 0,-4 0 64,3 4-32,-2 1-384,-4 9 224,3-5-4704,-6 1 2657,-6-6-4865,0 5 3968</inkml:trace>
+        </inkml:traceGroup>
+      </inkml:traceGroup>
+    </inkml:traceGroup>
+  </inkml:traceGroup>
+</inkml:ink>
+</file>
+
+<file path=ppt/ink/ink147.xml><?xml version="1.0" encoding="utf-8"?>
+<inkml:ink xmlns:inkml="http://www.w3.org/2003/InkML">
+  <inkml:definitions>
+    <inkml:context xml:id="ctx0">
+      <inkml:inkSource xml:id="inkSrc0">
+        <inkml:traceFormat>
+          <inkml:channel name="X" type="integer" min="-2.14748E9" max="2.14748E9" units="cm"/>
+          <inkml:channel name="Y" type="integer" min="-2.14748E9" max="2.14748E9" units="cm"/>
+          <inkml:channel name="F" type="integer" max="32767" units="dev"/>
+        </inkml:traceFormat>
+        <inkml:channelProperties>
+          <inkml:channelProperty channel="X" name="resolution" value="1000" units="1/cm"/>
+          <inkml:channelProperty channel="Y" name="resolution" value="1000" units="1/cm"/>
+          <inkml:channelProperty channel="F" name="resolution" value="0" units="1/dev"/>
+        </inkml:channelProperties>
+      </inkml:inkSource>
+      <inkml:timestamp xml:id="ts0" timeString="2016-11-15T13:38:51.495"/>
+    </inkml:context>
+    <inkml:brush xml:id="br0">
+      <inkml:brushProperty name="width" value="0.06667" units="cm"/>
+      <inkml:brushProperty name="height" value="0.06667" units="cm"/>
+    </inkml:brush>
+  </inkml:definitions>
+  <inkml:traceGroup>
+    <inkml:annotationXML>
+      <emma:emma xmlns:emma="http://www.w3.org/2003/04/emma" version="1.0">
+        <emma:interpretation id="{0E81003B-716E-4AD2-A889-CC751FBF46BD}" emma:medium="tactile" emma:mode="ink">
+          <msink:context xmlns:msink="http://schemas.microsoft.com/ink/2010/main" type="inkDrawing" rotatedBoundingBox="19933,5799 20316,5479 20341,5509 19959,5830" semanticType="callout" shapeName="Other">
+            <msink:sourceLink direction="with" ref="{45F2CD27-CEEA-40DD-A99C-D5E09651AF95}"/>
+          </msink:context>
+        </emma:interpretation>
+      </emma:emma>
+    </inkml:annotationXML>
+    <inkml:trace contextRef="#ctx0" brushRef="#br0">22538 8462 2816,'0'-4'1120,"0"4"-576,10-19-160,-4 11 576,-1 8-544,-1-15 0,8 7-256,-3-11-96,3 9-32,3-13 32,0 10-32,10-14-32,7 8 32,-1-9 32,0 5-32,-1-4 128,6 8-96,-5 2-928,2 3 448,-9-1-1888,-3 2 1312</inkml:trace>
+  </inkml:traceGroup>
+</inkml:ink>
+</file>
+
+<file path=ppt/ink/ink148.xml><?xml version="1.0" encoding="utf-8"?>
+<inkml:ink xmlns:inkml="http://www.w3.org/2003/InkML">
+  <inkml:definitions>
+    <inkml:context xml:id="ctx0">
+      <inkml:inkSource xml:id="inkSrc0">
+        <inkml:traceFormat>
+          <inkml:channel name="X" type="integer" min="-2.14748E9" max="2.14748E9" units="cm"/>
+          <inkml:channel name="Y" type="integer" min="-2.14748E9" max="2.14748E9" units="cm"/>
+          <inkml:channel name="F" type="integer" max="32767" units="dev"/>
+        </inkml:traceFormat>
+        <inkml:channelProperties>
+          <inkml:channelProperty channel="X" name="resolution" value="1000" units="1/cm"/>
+          <inkml:channelProperty channel="Y" name="resolution" value="1000" units="1/cm"/>
+          <inkml:channelProperty channel="F" name="resolution" value="0" units="1/dev"/>
+        </inkml:channelProperties>
+      </inkml:inkSource>
+      <inkml:timestamp xml:id="ts0" timeString="2016-11-15T13:38:52.115"/>
+    </inkml:context>
+    <inkml:brush xml:id="br0">
+      <inkml:brushProperty name="width" value="0.06667" units="cm"/>
+      <inkml:brushProperty name="height" value="0.06667" units="cm"/>
+    </inkml:brush>
+  </inkml:definitions>
+  <inkml:traceGroup>
+    <inkml:annotationXML>
+      <emma:emma xmlns:emma="http://www.w3.org/2003/04/emma" version="1.0">
+        <emma:interpretation id="{C72D3B38-8E58-463D-883D-6CC75BB73290}" emma:medium="tactile" emma:mode="ink">
+          <msink:context xmlns:msink="http://schemas.microsoft.com/ink/2010/main" type="inkDrawing" rotatedBoundingBox="20445,5496 21329,6139 21307,6169 20423,5526" semanticType="callout" shapeName="Other">
+            <msink:sourceLink direction="with" ref="{45F2CD27-CEEA-40DD-A99C-D5E09651AF95}"/>
+          </msink:context>
+        </emma:interpretation>
+      </emma:emma>
+    </inkml:annotationXML>
+    <inkml:trace contextRef="#ctx0" brushRef="#br0">23018 8137 2432,'21'13'960,"-21"-13"-512,37 24-192,-26-15 832,4 4-608,10 10 352,6 4-512,5 11-32,6-2-160,4 6-96,6-6 0,16 10 96,-1 0-64,10 4-32,-5 2 0,6-2-32,-5-5 0,0-2-2048,-7-1 1120</inkml:trace>
+  </inkml:traceGroup>
+</inkml:ink>
+</file>
+
+<file path=ppt/ink/ink149.xml><?xml version="1.0" encoding="utf-8"?>
+<inkml:ink xmlns:inkml="http://www.w3.org/2003/InkML">
+  <inkml:definitions>
+    <inkml:context xml:id="ctx0">
+      <inkml:inkSource xml:id="inkSrc0">
+        <inkml:traceFormat>
+          <inkml:channel name="X" type="integer" min="-2.14748E9" max="2.14748E9" units="cm"/>
+          <inkml:channel name="Y" type="integer" min="-2.14748E9" max="2.14748E9" units="cm"/>
+          <inkml:channel name="F" type="integer" max="32767" units="dev"/>
+        </inkml:traceFormat>
+        <inkml:channelProperties>
+          <inkml:channelProperty channel="X" name="resolution" value="1000" units="1/cm"/>
+          <inkml:channelProperty channel="Y" name="resolution" value="1000" units="1/cm"/>
+          <inkml:channelProperty channel="F" name="resolution" value="0" units="1/dev"/>
+        </inkml:channelProperties>
+      </inkml:inkSource>
+      <inkml:timestamp xml:id="ts0" timeString="2016-11-15T13:38:52.832"/>
+    </inkml:context>
+    <inkml:brush xml:id="br0">
+      <inkml:brushProperty name="width" value="0.06667" units="cm"/>
+      <inkml:brushProperty name="height" value="0.06667" units="cm"/>
+    </inkml:brush>
+  </inkml:definitions>
+  <inkml:traceGroup>
+    <inkml:annotationXML>
+      <emma:emma xmlns:emma="http://www.w3.org/2003/04/emma" version="1.0">
+        <emma:interpretation id="{913B7CBA-AEF6-47AD-8898-DBD0612410A9}" emma:medium="tactile" emma:mode="ink">
+          <msink:context xmlns:msink="http://schemas.microsoft.com/ink/2010/main" type="inkDrawing" rotatedBoundingBox="21209,5903 22767,6898 22679,7035 21122,6040" semanticType="callout" shapeName="Other">
+            <msink:sourceLink direction="with" ref="{45F2CD27-CEEA-40DD-A99C-D5E09651AF95}"/>
+          </msink:context>
+        </emma:interpretation>
+      </emma:emma>
+    </inkml:annotationXML>
+    <inkml:trace contextRef="#ctx0" brushRef="#br0">23742 8609 3328,'42'23'1312,"-42"-23"-704,42 32-352,-26-22 832,4 3-608,6 6 544,4 0-576,6 4 448,0 4-480,12 5 544,-8 1-544,12-1 288,6-1-416,2 11 64,4 0-224,2 4 64,-2 0-96,-4 3-64,4 3 0,12 17 32,2-6-32,-16-15-96,-11-12 32,-3-9 32,-2-4 0,15-4 128,-3-2-64,-7-8-736,-4 1 384,-1-6-3232,0 1 1952,12 5-2272,-6 0 2176</inkml:trace>
+  </inkml:traceGroup>
 </inkml:ink>
 </file>
 
@@ -3214,6 +3735,415 @@
 </inkml:ink>
 </file>
 
+<file path=ppt/ink/ink150.xml><?xml version="1.0" encoding="utf-8"?>
+<inkml:ink xmlns:inkml="http://www.w3.org/2003/InkML">
+  <inkml:definitions>
+    <inkml:context xml:id="ctx0">
+      <inkml:inkSource xml:id="inkSrc0">
+        <inkml:traceFormat>
+          <inkml:channel name="X" type="integer" min="-2.14748E9" max="2.14748E9" units="cm"/>
+          <inkml:channel name="Y" type="integer" min="-2.14748E9" max="2.14748E9" units="cm"/>
+          <inkml:channel name="F" type="integer" max="32767" units="dev"/>
+        </inkml:traceFormat>
+        <inkml:channelProperties>
+          <inkml:channelProperty channel="X" name="resolution" value="1000" units="1/cm"/>
+          <inkml:channelProperty channel="Y" name="resolution" value="1000" units="1/cm"/>
+          <inkml:channelProperty channel="F" name="resolution" value="0" units="1/dev"/>
+        </inkml:channelProperties>
+      </inkml:inkSource>
+      <inkml:timestamp xml:id="ts0" timeString="2016-11-15T13:38:53.332"/>
+    </inkml:context>
+    <inkml:brush xml:id="br0">
+      <inkml:brushProperty name="width" value="0.06667" units="cm"/>
+      <inkml:brushProperty name="height" value="0.06667" units="cm"/>
+    </inkml:brush>
+  </inkml:definitions>
+  <inkml:traceGroup>
+    <inkml:annotationXML>
+      <emma:emma xmlns:emma="http://www.w3.org/2003/04/emma" version="1.0">
+        <emma:interpretation id="{925C7E7F-CBFE-442D-A64F-511261A32389}" emma:medium="tactile" emma:mode="ink">
+          <msink:context xmlns:msink="http://schemas.microsoft.com/ink/2010/main" type="inkDrawing" rotatedBoundingBox="22627,6838 23092,7126 23077,7151 22612,6863" semanticType="callout" shapeName="Other">
+            <msink:sourceLink direction="with" ref="{45F2CD27-CEEA-40DD-A99C-D5E09651AF95}"/>
+          </msink:context>
+        </emma:interpretation>
+      </emma:emma>
+    </inkml:annotationXML>
+    <inkml:trace contextRef="#ctx0" brushRef="#br0">25200 9482 2944,'6'23'1120,"-6"-23"-576,36 9 192,-20-3 1216,-1-2-1056,0 2 800,6 2-1024,0 1 512,0 4-704,0 3 256,10 1-448,-6 2 256,7-2-288,-13-2 64,8 3-192,-6-5-128,4 6-32,-4-5 96,0 1-32,-6-8-864,0 13 448,-3-16-3648,-3 5 2240,1-9-2336,1 5 2368</inkml:trace>
+  </inkml:traceGroup>
+</inkml:ink>
+</file>
+
+<file path=ppt/ink/ink151.xml><?xml version="1.0" encoding="utf-8"?>
+<inkml:ink xmlns:inkml="http://www.w3.org/2003/InkML">
+  <inkml:definitions>
+    <inkml:context xml:id="ctx0">
+      <inkml:inkSource xml:id="inkSrc0">
+        <inkml:traceFormat>
+          <inkml:channel name="X" type="integer" min="-2.14748E9" max="2.14748E9" units="cm"/>
+          <inkml:channel name="Y" type="integer" min="-2.14748E9" max="2.14748E9" units="cm"/>
+          <inkml:channel name="F" type="integer" max="32767" units="dev"/>
+        </inkml:traceFormat>
+        <inkml:channelProperties>
+          <inkml:channelProperty channel="X" name="resolution" value="1000" units="1/cm"/>
+          <inkml:channelProperty channel="Y" name="resolution" value="1000" units="1/cm"/>
+          <inkml:channelProperty channel="F" name="resolution" value="0" units="1/dev"/>
+        </inkml:channelProperties>
+      </inkml:inkSource>
+      <inkml:timestamp xml:id="ts0" timeString="2016-11-15T13:39:36.001"/>
+    </inkml:context>
+    <inkml:brush xml:id="br0">
+      <inkml:brushProperty name="width" value="0.06667" units="cm"/>
+      <inkml:brushProperty name="height" value="0.06667" units="cm"/>
+    </inkml:brush>
+  </inkml:definitions>
+  <inkml:traceGroup>
+    <inkml:annotationXML>
+      <emma:emma xmlns:emma="http://www.w3.org/2003/04/emma" version="1.0">
+        <emma:interpretation id="{E12011B5-565B-4084-8F62-D6C45D709C77}" emma:medium="tactile" emma:mode="ink">
+          <msink:context xmlns:msink="http://schemas.microsoft.com/ink/2010/main" type="writingRegion" rotatedBoundingBox="20000,9705 20667,9705 20667,11585 20000,11585"/>
+        </emma:interpretation>
+      </emma:emma>
+    </inkml:annotationXML>
+    <inkml:traceGroup>
+      <inkml:annotationXML>
+        <emma:emma xmlns:emma="http://www.w3.org/2003/04/emma" version="1.0">
+          <emma:interpretation id="{A603146A-B994-4111-8AE6-FC92F163C5FF}" emma:medium="tactile" emma:mode="ink">
+            <msink:context xmlns:msink="http://schemas.microsoft.com/ink/2010/main" type="paragraph" rotatedBoundingBox="20000,9705 20667,9705 20667,11585 20000,11585" alignmentLevel="1"/>
+          </emma:interpretation>
+        </emma:emma>
+      </inkml:annotationXML>
+      <inkml:traceGroup>
+        <inkml:annotationXML>
+          <emma:emma xmlns:emma="http://www.w3.org/2003/04/emma" version="1.0">
+            <emma:interpretation id="{0A66B628-EFEE-4CDB-BE08-406216686D75}" emma:medium="tactile" emma:mode="ink">
+              <msink:context xmlns:msink="http://schemas.microsoft.com/ink/2010/main" type="line" rotatedBoundingBox="20000,9705 20667,9705 20667,11585 20000,11585"/>
+            </emma:interpretation>
+          </emma:emma>
+        </inkml:annotationXML>
+        <inkml:traceGroup>
+          <inkml:annotationXML>
+            <emma:emma xmlns:emma="http://www.w3.org/2003/04/emma" version="1.0">
+              <emma:interpretation id="{F590054F-F4F6-4FFB-B134-DB13B7E75CD0}" emma:medium="tactile" emma:mode="ink">
+                <msink:context xmlns:msink="http://schemas.microsoft.com/ink/2010/main" type="inkWord" rotatedBoundingBox="20000,9705 20667,9705 20667,11585 20000,11585">
+                  <msink:destinationLink direction="with" ref="{D89A281C-CAF5-41F9-B7C0-CD7483DDF0FF}"/>
+                  <msink:destinationLink direction="to" ref="{67CFFF4E-3F90-44DE-94CD-34DD011AC596}"/>
+                </msink:context>
+              </emma:interpretation>
+              <emma:one-of disjunction-type="recognition" id="oneOf0">
+                <emma:interpretation id="interp0" emma:lang="nb-NO" emma:confidence="0">
+                  <emma:literal>z</emma:literal>
+                </emma:interpretation>
+                <emma:interpretation id="interp1" emma:lang="nb-NO" emma:confidence="0">
+                  <emma:literal>}</emma:literal>
+                </emma:interpretation>
+                <emma:interpretation id="interp2" emma:lang="nb-NO" emma:confidence="0">
+                  <emma:literal>g</emma:literal>
+                </emma:interpretation>
+                <emma:interpretation id="interp3" emma:lang="nb-NO" emma:confidence="0">
+                  <emma:literal>G</emma:literal>
+                </emma:interpretation>
+                <emma:interpretation id="interp4" emma:lang="nb-NO" emma:confidence="0">
+                  <emma:literal>§</emma:literal>
+                </emma:interpretation>
+              </emma:one-of>
+            </emma:emma>
+          </inkml:annotationXML>
+          <inkml:trace contextRef="#ctx0" brushRef="#br0">22583 12470 6656,'-6'-10'2464,"6"10"-1344,0-13-192,0 7 1600,0 12-1376,0-6 352,0 0-929,0-6 321,6 6-544,-1-8 320,11 3-384,-1-9 192,6 10-256,9-11 288,-3 7-288,4-7 224,5 7-224,0-7 0,5 11-128,1-5 96,0 9-128,-2 0-32,2 6 0,-6-3-32,0 7 0,-5-1 128,-4 5-64,-2 3 128,-4 12-128,-6-3 128,0 7-128,-3-1-32,-3 1 0,-3 3 96,-2 1-64,-8-1 256,-2 2-192,-3-2 256,-3-3-256,-9-1 256,2-5-256,-13 0 32,12-2-96,-16-2 96,9-6-96,-9 2 128,5-2-128,-11-2 192,12-1-160,-6-5 192,5 5-192,-5-5 96,5-1-96,-5-2 0,9 3-32,2-9-64,4 4 32,-6-4-128,12 0 64,0-4 32,5 4 0,-1-6 64,7 12-32,-2-2-32,6 2 32,0-6-128,6 0 64,-2 0-32,11 4 0,6-1 128,6 3-32,9-2-32,-5 2 32,5-6-128,0 0 64,1 0 32,-1 3 0,0 1 64,4 6-32,2-1-32,-5 1 32,-7-1-32,1 5 0,-4-5 64,-2 5-32,-10-1 64,6 6-64,-10-5 64,5 3-64,-11 2-32,5 0 32,-16-2-32,6 6 0,-4-4 64,-1 4-32,-11 0 64,1 4-64,-12-2-32,6 1 32,-15-3-32,11 0 0,-17 0 64,11 0-32,-11-4 64,6-2-64,-4-1-32,13-3 32,-3-3-32,3 3 0,2-3 0,4-3 0,0-1 0,6-2 0,0-4-96,9 6 64,-4-6-32,10 0 0,0 0 0,6 0 0,-2 0 64,7 0 0,-1 0 0,5 3 0,0-3 0,6 4 0,0 2 0,4-2 0,8 1 0,-3 3 0,1 2-96,5 3 64,-5-3 96,1 9-32,-7-6-32,6 0 32,-5 7 32,-5-1-32,-5-2 128,-1 6-96,-9-4 32,3 4-32,-9 0-128,0 4 32,-9-5 32,3-2 0,-9-7 192,-1 6-96,-16-2 256,13 6-224,-17 6 96,9-2-128,-13 1 0,3-1-32,-10-4 32,6 0-64,-6-14-512,10 1 256,-3-10-4000,13 0 2336</inkml:trace>
+        </inkml:traceGroup>
+      </inkml:traceGroup>
+    </inkml:traceGroup>
+  </inkml:traceGroup>
+</inkml:ink>
+</file>
+
+<file path=ppt/ink/ink152.xml><?xml version="1.0" encoding="utf-8"?>
+<inkml:ink xmlns:inkml="http://www.w3.org/2003/InkML">
+  <inkml:definitions>
+    <inkml:context xml:id="ctx0">
+      <inkml:inkSource xml:id="inkSrc0">
+        <inkml:traceFormat>
+          <inkml:channel name="X" type="integer" min="-2.14748E9" max="2.14748E9" units="cm"/>
+          <inkml:channel name="Y" type="integer" min="-2.14748E9" max="2.14748E9" units="cm"/>
+          <inkml:channel name="F" type="integer" max="32767" units="dev"/>
+        </inkml:traceFormat>
+        <inkml:channelProperties>
+          <inkml:channelProperty channel="X" name="resolution" value="1000" units="1/cm"/>
+          <inkml:channelProperty channel="Y" name="resolution" value="1000" units="1/cm"/>
+          <inkml:channelProperty channel="F" name="resolution" value="0" units="1/dev"/>
+        </inkml:channelProperties>
+      </inkml:inkSource>
+      <inkml:timestamp xml:id="ts0" timeString="2016-11-15T13:12:21.563"/>
+    </inkml:context>
+    <inkml:brush xml:id="br0">
+      <inkml:brushProperty name="width" value="0.06667" units="cm"/>
+      <inkml:brushProperty name="height" value="0.06667" units="cm"/>
+    </inkml:brush>
+  </inkml:definitions>
+  <inkml:trace contextRef="#ctx0" brushRef="#br0">14088 11888 7552,'0'-4'2816,"0"4"-1536,0 7-576,0-3 1472,0 2-1248,0 5 511,0 2-895,0 8 64,0-1-352,-4 7-96,4 4-96,-6 5 224,1 2-160,-2 3 320,-1-4-256,-6 1 160,2-2-192,-12-2 64,9 0-128,-10-6 96,5-6-128,-7 0-32,8-6 0,-4-6-192,8 0 96,-4-10-736,8 0 416,-1-12-1728,4 0 1185,1-10-2817,7-2 2080,0-10-2944,4 6 2624</inkml:trace>
+  <inkml:trace contextRef="#ctx0" brushRef="#br0" timeOffset="1">14100 11698 6144,'17'-42'2368,"-17"42"-1280,14-26 0,-6 18 1824,-2 8-1568,-6-6 927,8 6-1375,-8-5 160,0 10-640,0-5-96,0 6-192,0-6-1504,0 8 768,0-2-5343,9 2 3295</inkml:trace>
+  <inkml:trace contextRef="#ctx0" brushRef="#br0" timeOffset="2">14688 12040 5760,'-8'-14'2176,"8"14"-1152,-8-9-480,4 6 1344,4 3-1056,-8-7 800,4 7-960,-7-3 640,4 6-768,-9-3 383,6 0-575,-10 0 192,4 2-320,-2 3 0,2 2-128,-2-2 0,6 9-32,-7 1-64,8 1 32,-5-3-32,10 4 0,-8 0-96,8 4 64,-2-4-32,4 3 0,0-4 128,4 1-32,0 0-96,8 0 32,0-3 32,3 0 0,0-8 64,1 5-32,3-8-32,0 0 32,5-6 32,2 0-32,-3-8-32,0 1 32,0-7-32,0 5 0,-3-5 0,2 3 0,-2-3 64,0 3-32,-1-3-32,-4 4 32,-4-4-32,2 6 0,-3-2 0,3 3 0,-6-1 0,5 5 0,-8 2 0,0 4 0,0 0 64,0 7-32,0 0 64,0 3-64,0 0-96,0 4 32,0-1 32,3 1 0,2 0 0,1-1 0,3-4 0,2 6 0,-4-8 0,6 2 0,-6-4 0,4-3 0,1-4 64,3 2-32,0-7-32,3 0 32,-2-3-32,4 3 0,-4-7 128,-2 4-64,-2-7-32,0 3 0,-10-6-128,6 6 64,-8-6 96,4 6-32,-8-6 64,0 6-64,-2-2 64,-3 6-64,-6-4 192,7 4-128,-7 3 256,4 4-224,-7 0 256,4 6-256,-8 0 96,6 8-128,-6 2-64,6 1 0,-2 3-32,7-1 0,-4 8-96,3 0 64,1 6 96,2 1-32,3 3-32,6-1 32,0 4-32,6-3 0,3-3 0,2-4 0,1 1 0,3-6 0,4-1-352,0-4 192,4-4-1792,-1 1 1088,0-7-5183,6 0 3359</inkml:trace>
+  <inkml:trace contextRef="#ctx0" brushRef="#br0" timeOffset="3">15266 12173 5888,'0'-7'2272,"0"7"-1216,-4 0-320,0 0 1472,8 7-1216,-8 0 512,4 5-928,-4 10 192,4-3-448,-7 5 159,3 3-255,-7 0 128,3 1-192,-4-1 128,5-1-160,-4-2 224,7 0-224,-4-7 448,4 3-320,-3-9 224,7-1-256,-4-10 64,8 3-160,-4-13 160,7 3-192,1-10 96,7 0-96,0-7 160,1 7-160,2-7 96,2 5-96,0-5 0,-2 7-32,2-7 96,2 11-96,-6-1 128,2 11-128,-2-4 128,3 3-128,0 1-32,3 3 0,-2 0 96,2 3-64,-2 1 32,2-1-32,-4 1-672,2 2 320,-4 1-2720,0 0 1696,-6-7-5183,4 3 3647</inkml:trace>
+  <inkml:trace contextRef="#ctx0" brushRef="#br0" timeOffset="4">15789 12458 6656,'-5'0'2464,"5"0"-1344,12 14-608,-8-11 1248,4 4-992,-1-5 480,5 5-736,3 1 288,1-1-480,-1-5 63,-1 5-255,6-4 0,-2 4-64,2-4 96,-2 1-96,-2-4 32,-1 3-32,1-6 32,-1 3-64,-4-7 128,1 4-96,-5-8-32,5 6 0,-9-10 96,1 8-64,-8-5 320,4-2-192,-7 0 160,3 4-192,-7 0 224,4 3-256,-9 0 384,5 4-288,-13-1 224,10 8-224,-10-1 128,6 7-192,-9-3 128,4 7-160,-3 10 0,2-5-64,5 5 32,8 0-64,7 0-96,4 3 32,4 0 32,7-1 0,5 3 0,2-3 0,2-2-352,2 0 192,1-4-2336,4-3 1376,-1-3-5247,1-4 3551</inkml:trace>
+  <inkml:trace contextRef="#ctx0" brushRef="#br0" timeOffset="5">14672 12976 6400,'0'0'2464,"0"0"-1344,4 3-544,-4 1 1440,0 3-1120,-4 6 544,4 4-864,-7 7 192,2 6-449,-5 4 161,-2 0-256,-8 7 64,5-2-160,-4 9 64,4-4-96,-3 4 0,5-4-32,-5 0 32,6-7-64,-3 1 192,8-9-128,-5-5 320,4 0-224,2-14 160,1 0-192,5-17 0,5 2-96,-3-23 224,10 5-160,0-18 256,2 3-256,10-6 32,-2 10-96,6-6-64,-2 9 32,1-3 32,2 11-32,3-5-32,-2 12 32,0-2 32,1 8-32,2 4 64,3 6-64,-2 4 64,-4 2-64,0 8-32,1 2 32,0 11-32,-4 2 0,-2 4 64,-1 4-32,-6 7 64,-2-4-64,-9 4-32,2-4 32,-9-2 96,0 0-64,-12 0 320,1-9-192,-13-5 256,1-3-256,-11-9 256,8 2-256,-8-6 256,3-2-256,-7-2-96,7-2-64,-3-2-128,4 0 64,-4-6-1312,7 2 736,4-6-4352,11 4 2785,0-14-4513,1 3 3808</inkml:trace>
+  <inkml:trace contextRef="#ctx0" brushRef="#br0" timeOffset="6">15380 13711 6400,'-14'10'2368,"14"-10"-1280,0 2-288,0 3 1152,3-3-1056,1 3 32,3 0-576,1-1 192,-1 3-288,5-7 352,0 3-353,2-3 161,2 0-256,-1 0 64,5 0-128,-2-3 96,2 3-128,-2-4 32,2 1-32,-6-6-64,2 2 32,-5-8 32,2 6-32,-6-5 64,0 8-64,-7-8 192,4 4-128,-8-7 384,1 0-256,-8 3 448,-2 7-384,-5 0 288,2 4-320,-2 0 192,2 6-224,-3 0 64,3 8-160,-2-1 0,2 4-64,-3 6 32,7 0-64,-2 1-96,2-2 32,0 3 32,5-3 0,-1 5 0,5 0 0,-1 0-96,8-4 64,-4 0 96,7 1-32,-3-4-512,3-3 256,2-5-2016,2 1 1248,4-7-5087,0 4 3391</inkml:trace>
+  <inkml:trace contextRef="#ctx0" brushRef="#br0" timeOffset="7">15979 13735 5632,'-3'-7'2176,"3"7"-1152,0-5 288,0 5 1760,0 5-1632,-4-3 639,4 5-1279,-5 0 352,5 3-672,-4 0 288,1 4-448,-5 6 256,8 1-320,-7 6 64,7 0-192,-7 4 0,3-5-64,-5 1 32,9 1-64,-3-8 128,3-3-96,-4-7-32,8 1 0,-4-11-32,3 0 0,1-14 0,8 0 0,-4-10 0,3 7 0,1-6 0,3 7 0,1-8 64,2 7-32,-3 0 128,4 6-96,-4 1 32,1 7-32,-5-1 96,0 4-96,0 4 32,2 3-32,-6 3 32,0 2-64,-3 2 64,3 3-64,-2-3-96,-1-1 32,0-6 32,-1 3 0,1-6 0,3-1 0,2-10 0,2 4 0,4-11 0,4 1 0,0-3 0,4 6 0,-1-9 0,5 10 0,-4-1 0,-4 3 0,1 0 128,-2 4-64,-2 0 384,-1 6-224,-3 4 384,-1 6-352,-7 3 160,3 8-256,-3 5 128,-1-3-160,-3 1 0,4-3-64,-4 0-128,0-4 32,0-4-672,0 1 384,0-10-2496,0 0 1568,0-11-5855,0 1 3935</inkml:trace>
+  <inkml:trace contextRef="#ctx0" brushRef="#br0" timeOffset="8">16958 14039 5376,'-8'-10'2016,"8"10"-1088,-7-7 256,2 4 1824,5 6-1632,-6-3 992,-3 0-1441,-5 0 929,5 4-1056,-9-1 480,6 7-736,-11 4 128,8 5-384,-8 3-32,8 0-160,-4-1-64,8 3 0,-1 0-128,4-1 64,4 5-32,8-1 0,0-4 0,8-3 0,-1-3 0,8-3 0,5-4 0,-2 0 0,4-13 64,2 3 0,-2-10-96,-4 3 64,1-10 96,1 0-32,-5-7 320,-4 8-160,-8-8 608,5 4-448,-12-1 448,4 4-448,-12-3 32,4 3-224,-12-4-32,6 4-64,-9-2-1024,4 4 512,-1 3-3488,5 1 2176,2 1-5343,9 7 3967</inkml:trace>
+  <inkml:trace contextRef="#ctx0" brushRef="#br0" timeOffset="9">17266 14231 11392,'-4'0'4224,"4"0"-2305,9 9-1663,-7-4 1344,7 2-960,2-4 416,0 4-640,5 0 256,-1-2-384,-1 3 256,6-2-288,-4 2 128,2 2-224,2-4-352,-2 2 96,-5-6-2720,1 6 1536,-6-12-5727,3 4 3903</inkml:trace>
+  <inkml:trace contextRef="#ctx0" brushRef="#br0" timeOffset="10">18394 14014 5120,'-4'-6'2016,"4"6"-1088,-4-10-32,1 7 1632,6 3-1376,-6-7 1088,3 4-1344,-4-4 831,-1 7-1023,-1-7 640,-2 7-800,-4-3 384,0 3-576,-10 0 320,6 6-384,-10 5 192,8 2-256,-14 3 0,6 2-128,-12 6 0,7 0-32,-7 6-64,11 0 32,-7 4 32,8-4-32,-4 12 64,6-9-64,-3 4-32,13-3 32,-1 6-128,3-2 64,0 3 32,9-2 0,3 3-96,3-2 64,5-6-32,8 0 0,6-3-96,0-4 96,6-11-32,2 2 32,0-8-96,5 0 96,-1-6-256,0 2 192,1-10-32,-1 4 96,-8-6 64,2 0 0,-6-4 0,-2 6 0,-5-10 64,-1 8-32,-5-11 256,-3 7-160,-6-7 448,5 3-320,-12-7 224,3 8-256,-8-3 0,4 6-128,-6-8-64,6 8 0,-8-4-832,9 5 448,-4-6-2368,2 6 1472,2-6-5407,3 9 3711</inkml:trace>
+  <inkml:trace contextRef="#ctx0" brushRef="#br0" timeOffset="11">18752 14638 4736,'0'-7'1824,"0"7"-960,-3 0-160,-1 0 1344,8 0-1088,-4 0 640,0 3-928,-4 1 544,4 3-704,-4-1 320,0 1-512,-3 7 415,2 0-447,-10-1 288,8 4-320,-9 0 128,5 4-224,-4-1 0,8-1-96,-9 5 32,9-3-64,-4-4 64,7 3-64,-5-3 64,6 0-64,-5 0 64,8 0-64,-3-3-32,3 3 32,0-3-128,7-2 64,0 2 96,9-1-32,-1-2-32,1-1 32,-1-7-32,3 4 0,-2-7 128,6 4-64,-6-4 128,-1 0-128,1-4-32,2 4 0,-2-3 32,3-1-32,-5-3 64,2 4-64,-5-7-32,5 3 32,-5-7 96,4 4-64,-3-7 128,-1 8-128,2-6 128,-2 6-128,0-4 128,0 6-128,1-7 32,-1 4-32,-3-4 32,4 4-64,-5-4-32,4 4 32,-3-3 32,-1 6-32,0-3-736,2 3 416,-5 0-3424,-1 0 2049,1 5-4513,0 2 3488</inkml:trace>
+  <inkml:trace contextRef="#ctx0" brushRef="#br0" timeOffset="12">19464 14983 6400,'0'-13'2464,"0"13"-1344,-18-4-256,10 1 1696,8 6-1408,-12-3 1023,5 0-1311,-8 0 608,8 4-832,-17-1 416,8 7-608,-9 0 96,5 4-288,-7 3 32,5 2-160,-1 3-128,3 1-32,2-3-128,5 4 96,2-4 32,8 4 32,-1-3 0,8-4 0,3-5-160,5 2 96,3-11-896,1 4 544,-1-7-3008,3 0 1921,2-7-4449,-2 2 3360</inkml:trace>
+  <inkml:trace contextRef="#ctx0" brushRef="#br0" timeOffset="13">19998 14390 6784,'-5'4'2624,"5"-4"-1408,-2 17-576,-3-14 1408,10 4-1152,-10 0 640,5 3-896,-7 4 607,3-1-703,-4 8 576,1-1-640,-9 6 512,5 3-544,-7 0 256,2 5-416,-8 0 352,6-1-384,-9 5 384,5-1-384,-9 1 288,8 3-288,-11-2 352,7 2-352,-4 4 96,9-1-224,-9 4 160,8-2-192,-3-2 32,3-6-64,-4-2-64,8-5 32,0-7-896,4 0 480,-1-11-2944,5 1 1856,0-7-5855,7 0 4095</inkml:trace>
+  <inkml:trace contextRef="#ctx0" brushRef="#br0" timeOffset="14">13490 11479 6272,'0'-14'2368,"0"14"-1280,0-17-224,0 14 1568,0 3-1344,-2 0 672,2 3-1057,-4 4 321,4 3-576,-9 11 160,2 1-352,-9 16 64,10-1-192,-14 14 64,8 1-96,-6 4 0,3 2-32,-8 4 32,3-2-64,-2 1-32,6-6 32,-3-5-384,8-3 192,-3-9-1568,5-4 960,2-10-3039,3-7 2111,4-15-3040,4-2 2720</inkml:trace>
+  <inkml:trace contextRef="#ctx0" brushRef="#br0" timeOffset="15">13887 11540 6656,'-4'-17'2528,"4"17"-1344,-7 0-256,3 0 1472,4 3-1344,-8 1 512,5 3-993,-9-1 129,1 5-416,-4 2 32,3 1-192,-7 5 160,3 2-192,-2-1 96,2 4-96,-6-3 160,2 2-160,-7-2 192,12-1-192,-3-4-32,2 6-32,-3-6-128,7 1 64,1-4 32,4 1 0,-4-4 0,6 4 0,1-1 64,4-2-32,0-1 320,4 0-160,1 0 256,2-1-256,1 5 160,3 1-192,1-3 0,3 2-96,-1 0 32,2-1-64,3 1 64,8-1-64,-8-2 128,0-1-96,0-3-448,0 0 192,-3-4-1184,2 0 768,-2-3-2496,-1 0 1761,-4-3-4257,1 3 3136</inkml:trace>
+  <inkml:trace contextRef="#ctx0" brushRef="#br0" timeOffset="16">13316 13162 4992,'0'-8'1824,"0"8"-960,16-12-96,-5 4 1472,0 8-1216,7-14 864,6 4-1152,3-14 704,2 5-832,3-15 223,-6 11-479,4-11-128,1 7-128,3-7 64,-3 6-96,3-1-576,0 5 256,-4-8-3615,2 12 2111,-6-6-3616,-4 5 3040</inkml:trace>
+  <inkml:trace contextRef="#ctx0" brushRef="#br0" timeOffset="17">12514 14216 6656,'-5'-1'2464,"5"1"-1344,0 1-608,0-1 1248,2 3-992,-1 0 640,4 1-864,0 2 448,3-1-577,3 4 257,1 3-384,3 4 0,3 2-192,1 1-64,0 0 0,0 3-32,-2 0 0,1 2 0,0 2 0,0-1 64,1-3-32,0-1 128,0-3-96,-2-1 320,3-3-192,-7-2 256,1-2-256,-1-1 160,-2-3-192,-2-2 224,1 0-256,-2-4 384,0-4-288,2-6 224,0 0-224,1-10 224,1 3-256,3-10 32,1 5-128,5-10 0,0 7-32,1-6-64,-2 7 32,2-3 96,-2 6-64,-3-1-928,-1 4 448,-2 0-4544,-1 6 2721,-1-1-4545,-2 3 3872</inkml:trace>
+  <inkml:trace contextRef="#ctx0" brushRef="#br0" timeOffset="18">11971 15450 5376,'-4'-14'2016,"4"14"-1088,4 7-256,-4-7 1568,3 4-1248,-3-8 896,4 4-1152,1-7 640,-3 4-833,3-6 513,3-1-608,-1-11 320,0 8-448,2-11 320,2 7-352,0-11 352,5 5-384,-1-10 288,-1 4-288,2-7 352,3 5-352,-3-6 288,2 10-288,2-11 128,-2 5-224,2-11 128,2 10-160,-2-7 224,3 8-224,-5-11 96,2 6-128,-5-6 160,4 6-160,-4-5 256,5 9-224,-6-7 96,1 12-128,-3-10 96,-1 9-128,1-4 32,0 7-32,-5-4-64,1 11 32,-1-6 32,0 9-32,2-4-928,-2 8 480,-3-1-2944,0 4 1888,-1 0-5919,1 3 4127</inkml:trace>
+  <inkml:trace contextRef="#ctx0" brushRef="#br0" timeOffset="19">12546 14267 5888,'-8'-3'2176,"8"3"-1152,-5 4 0,5-1 1440,1 1-1344,-1 3 320,4 3-896,0 3-32,4 3-320,3 5-33,3 0-95,3 7 96,1 0-96,0 7 480,2 1-320,0 6 128,0-1-224,2 6-192,0-2 0,1 5 32,-1-4 32,0 3 0,0-8 0,-1 4 0,-3-6 0,1-2 0,-4-4 0,0-3 64,-1-5-32,-1-1-32,-1-3 32,-1-3 160,0-3-96,-2-6 320,1-2-224,-3-10 256,3-1-256,1-17 160,0 0-192,3-17 224,0 4-256,4-17 256,2 4-256,2-15 320,0 11-256,1-9 160,1 9-192,1-8 64,-1 9-128,0-3 0,-4 11-32,1 1-896,-4 7 448,-1-1-4352,-2 11 2625,-4-2-4545,0 7 3776</inkml:trace>
+  <inkml:trace contextRef="#ctx0" brushRef="#br0" timeOffset="20">13330 14272 4736,'-9'-2'1760,"9"2"-960,0-7-32,0 1 1184,4 2-1056,0-9 544,3 1-864,0-7 480,2 1-608,2-4 192,0 3-384,0-1 0,2 7-160,-1-2 288,-1 5-192,0 0 319,0 4-287,-2 5 160,0 2-224,-3 8 288,-1 2-256,-4 7 160,0 0-192,-2 5 0,1 3-96,-3 2-832,0-2 416,-2 2-3935,1-3 2367,-4-4-3552,3-3 3104</inkml:trace>
+  <inkml:trace contextRef="#ctx0" brushRef="#br0" timeOffset="21">12599 13354 5504,'-18'0'2112,"18"0"-1152,-19 3-352,13-1 1440,5-1-1120,-8 0 832,5 2-1056,-7 0 576,3 1-768,-6 2 447,2 1-543,-7 1 192,3 2-352,-6 2 64,5 1-192,-5 5 64,3-1-96,1 4-64,3 0 0,-1 3-32,4 1 0,-1 5-96,4-4 64,-2 6 32,3-3 0,1 8 0,3-5 0,1 2 0,3-1 0,0 0-96,3-3 64,2 3-32,3-2 0,3-1 64,3-4 0,1 2 0,3-2 0,2-2 64,-1-2-32,3-1-96,-2-2 32,2-2 32,0-3 0,5-2 0,-2-4 0,3-4-96,-1-1 64,0-7 32,-3-2 0,3-6 64,-2 0-32,2-5-32,-2 1 32,0-6-32,-1 1 0,-1-6 0,-1 1 0,-4-6 64,0 6-32,-4-7 64,0 3-64,-3-5-32,-2 6 32,-2-7 96,-3 5-64,-4-5 32,0 5-32,-7-6 160,-1 7-128,-8-1 256,2 4-224,-5 0 384,2 6-288,-8 4 224,3 4-224,-8 2 0,4 4-128,-9 0-64,7 4 0,-5 0-608,5 2 320,-3-3-3840,7 2 2241,1 0-4705,5 2 3712</inkml:trace>
+  <inkml:trace contextRef="#ctx0" brushRef="#br0" timeOffset="22">12674 13710 5888,'-3'0'2176,"3"0"-1152,2-2-640,-1 1 1024,0 2-800,1-1 608,1 0-704,1 0 512,2 2-576,0-2 256,2 3-416,1-1 0,2 3-192,2-1-64,0 1 0,3 1 32,2-1-32,1 1-32,1 0 32,-1-2-2720,0 2 1472,-2-2-3872,0 2 2848</inkml:trace>
+  <inkml:trace contextRef="#ctx0" brushRef="#br0" timeOffset="23">12640 13962 3200,'-2'-3'1216,"2"3"-640,3 2 96,-3-2 1120,2 1-992,-1 0 480,3 2-768,-3 0 288,2 1-480,0 1 192,2 0-288,-1-1 0,3 2-128,1-1 224,-1 2-192,2-1 32,0-1-96,0-1-192,0 1 64,2-4-2848,2 2 1568,-1-2-2880,1 0 2400</inkml:trace>
+  <inkml:trace contextRef="#ctx0" brushRef="#br0" timeOffset="24">12830 13728 2176,'0'0'864,"0"0"-448,0 0 128,0 0 1152,0 0-896,0 0 672,0 0-864,-2-2 448,2 2-608,-2-2 608,0 0-608,-1-1 480,2 2-512,-4-2 320,2 2-416,-1-3 256,-2 2-320,0-3 192,2 2-224,-2-4 0,0 3-128,0-6 0,3 5-32,-3-2 32,3 2-64,-2-3-32,3 4 32,-1-1-32,1 0 0,0 1-1280,2 1 704,-2 2-3424,4 1 2208</inkml:trace>
+</inkml:ink>
+</file>
+
+<file path=ppt/ink/ink153.xml><?xml version="1.0" encoding="utf-8"?>
+<inkml:ink xmlns:inkml="http://www.w3.org/2003/InkML">
+  <inkml:definitions>
+    <inkml:context xml:id="ctx0">
+      <inkml:inkSource xml:id="inkSrc0">
+        <inkml:traceFormat>
+          <inkml:channel name="X" type="integer" min="-2.14748E9" max="2.14748E9" units="cm"/>
+          <inkml:channel name="Y" type="integer" min="-2.14748E9" max="2.14748E9" units="cm"/>
+          <inkml:channel name="F" type="integer" max="32767" units="dev"/>
+        </inkml:traceFormat>
+        <inkml:channelProperties>
+          <inkml:channelProperty channel="X" name="resolution" value="1000" units="1/cm"/>
+          <inkml:channelProperty channel="Y" name="resolution" value="1000" units="1/cm"/>
+          <inkml:channelProperty channel="F" name="resolution" value="0" units="1/dev"/>
+        </inkml:channelProperties>
+      </inkml:inkSource>
+      <inkml:timestamp xml:id="ts0" timeString="2016-11-15T13:12:21.588"/>
+    </inkml:context>
+    <inkml:brush xml:id="br0">
+      <inkml:brushProperty name="width" value="0.06667" units="cm"/>
+      <inkml:brushProperty name="height" value="0.06667" units="cm"/>
+    </inkml:brush>
+  </inkml:definitions>
+  <inkml:trace contextRef="#ctx0" brushRef="#br0">13181 14216 7296,'-3'-6'2720,"3"6"-1472,3-12-1120,-1 4 960,2 2-672,1-6 416,0-2-480,0-3 320,1 4-384,2-5 192,1 2-256,0-2 64,1 3-160,-1-3 64,3 2-97,-1-1 1,0 5-32,0 0 384,-2 4-256,0 3 416,0 5-352,-4 5 160,1 3-256,-5 6 128,0 2-160,-2 6 64,1 1-96,-3 4 0,1-3-32,-1 4-64,1 0 32,-2 0-32,0-4 0,0 0-448,3-4 256,-3-5-1024,3-4 640,-1-7-1183,2 0 959,0-8-2400,2 0 1792,-1-2-2752,3-2 2368</inkml:trace>
+</inkml:ink>
+</file>
+
+<file path=ppt/ink/ink154.xml><?xml version="1.0" encoding="utf-8"?>
+<inkml:ink xmlns:inkml="http://www.w3.org/2003/InkML">
+  <inkml:definitions>
+    <inkml:context xml:id="ctx0">
+      <inkml:inkSource xml:id="inkSrc0">
+        <inkml:traceFormat>
+          <inkml:channel name="X" type="integer" min="-2.14748E9" max="2.14748E9" units="cm"/>
+          <inkml:channel name="Y" type="integer" min="-2.14748E9" max="2.14748E9" units="cm"/>
+          <inkml:channel name="F" type="integer" max="32767" units="dev"/>
+        </inkml:traceFormat>
+        <inkml:channelProperties>
+          <inkml:channelProperty channel="X" name="resolution" value="1000" units="1/cm"/>
+          <inkml:channelProperty channel="Y" name="resolution" value="1000" units="1/cm"/>
+          <inkml:channelProperty channel="F" name="resolution" value="0" units="1/dev"/>
+        </inkml:channelProperties>
+      </inkml:inkSource>
+      <inkml:timestamp xml:id="ts0" timeString="2016-11-15T13:12:21.589"/>
+    </inkml:context>
+    <inkml:brush xml:id="br0">
+      <inkml:brushProperty name="width" value="0.06667" units="cm"/>
+      <inkml:brushProperty name="height" value="0.06667" units="cm"/>
+    </inkml:brush>
+  </inkml:definitions>
+  <inkml:trace contextRef="#ctx0" brushRef="#br0">10901 16327 6912,'-12'3'2624,"12"-3"-1408,0 7-448,0-7 1568,4 0-1280,1 0 735,6 0-1055,0 0 608,5 0-800,6 0 448,1 0-576,8 0 192,-2 0-352,9-3 64,0-1-192,9-1 160,-2-2-192,13-8 192,-5 8-192,12-5 256,-5 2-224,5-7 160,-7 6-160,2-2 64,1 2-96,4-2-64,-8 6 0,12-3 32,-4 6-32,7-2-32,-7 2 32,-1-3 96,-3 7-64,1-6 192,-6 6-160,9-7 96,-7 7-96,2-7 0,-2 7-32,3-2 32,-4 4-64,-3-2 64,-5 3-64,0-3 128,-6 4-96,-3-4-32,-2 0 0,2 0-32,-2 0 0,0 0 64,-4 0-32,-3 0 64,-2 0-64,-2 0 128,0 0-96,-5 0-32,-2 0 0,-2 0-32,2 0 0,-5 0 0,1 0 0,-5 0 0,0 0 0,-4 0 64,5 0-32,-4 0 64,3 0-64,-4 0-32,2 0 32,-2 0-32,1 0 0,-5 0 0,1 0 0,1 0 0,-3 0 0,-2 0 0,0 0 0,0 0 0,0 0 0,0 0-96,0 0 64,-2 0 96,2 0-32,-5 0 64,1 0-64,-3-4-32,7 4 32,-4-3-128,4 3 64,-7-2 96,3 2-32,-3-5-32,2 5 32,-6-2-32,3-3 0,-4 0 0,5 0 0,-8-4 0,4-1 0,-9-4 0,6 4 0,-6-4 0,5 7 0,-4-6 64,4 6-32,-5-7-32,9 4 32,-7-3-128,6 2 64,-7-6 32,7 7 0,-10-4 0,6 4 0,-6-6 64,2 6-32,-2-4-32,2 8 32,-10-8 32,6 4-32,-1-4 128,1 7-96,-5-6-32,5 6 0,-6-7 32,3 7-32,-8-6-32,13 4 32,-8-6 32,10 8-32,-11-5-32,13 1 32,-9-2-32,8 6 0,-4-7 64,5 7-32,-6-6-96,6 6 32,-5-7 32,3 8 0,-2-8 128,2 7-64,-7-6 32,9 6-32,-9-2-128,8 2 32,-4-3 32,5 5 0,-6-4 64,5 6-32,-7-4-32,3 3 32,-4-4-128,8 8 64,-4-5 32,4 5 0,-4-7 0,7 7 0,-2-7-96,7 7 64,-9-7 96,9 7-32,-5-7-32,9 7 32,-4-6-32,7 6 0,-7-7-96,6 3 64,-2-2 32,3 2 0,-3-3-448,7 7 256,-8-6-1664,8 6 1024,-3-7-6784,3 7 4225</inkml:trace>
+</inkml:ink>
+</file>
+
+<file path=ppt/ink/ink155.xml><?xml version="1.0" encoding="utf-8"?>
+<inkml:ink xmlns:inkml="http://www.w3.org/2003/InkML">
+  <inkml:definitions>
+    <inkml:context xml:id="ctx0">
+      <inkml:inkSource xml:id="inkSrc0">
+        <inkml:traceFormat>
+          <inkml:channel name="X" type="integer" min="-2.14748E9" max="2.14748E9" units="cm"/>
+          <inkml:channel name="Y" type="integer" min="-2.14748E9" max="2.14748E9" units="cm"/>
+          <inkml:channel name="F" type="integer" max="32767" units="dev"/>
+        </inkml:traceFormat>
+        <inkml:channelProperties>
+          <inkml:channelProperty channel="X" name="resolution" value="1000" units="1/cm"/>
+          <inkml:channelProperty channel="Y" name="resolution" value="1000" units="1/cm"/>
+          <inkml:channelProperty channel="F" name="resolution" value="0" units="1/dev"/>
+        </inkml:channelProperties>
+      </inkml:inkSource>
+      <inkml:timestamp xml:id="ts0" timeString="2016-11-15T13:12:30.471"/>
+    </inkml:context>
+    <inkml:brush xml:id="br0">
+      <inkml:brushProperty name="width" value="0.06667" units="cm"/>
+      <inkml:brushProperty name="height" value="0.06667" units="cm"/>
+    </inkml:brush>
+  </inkml:definitions>
+  <inkml:trace contextRef="#ctx0" brushRef="#br0">14088 11888 7552,'0'-4'2816,"0"4"-1536,0 7-576,0-3 1472,0 2-1248,0 5 511,0 2-895,0 8 64,0-1-352,-4 7-96,4 4-96,-6 5 224,1 2-160,-2 3 320,-1-4-256,-6 1 160,2-2-192,-12-2 64,9 0-128,-10-6 96,5-6-128,-7 0-32,8-6 0,-4-6-192,8 0 96,-4-10-736,8 0 416,-1-12-1728,4 0 1185,1-10-2817,7-2 2080,0-10-2944,4 6 2624</inkml:trace>
+  <inkml:trace contextRef="#ctx0" brushRef="#br0" timeOffset="1">14100 11698 6144,'17'-42'2368,"-17"42"-1280,14-26 0,-6 18 1824,-2 8-1568,-6-6 927,8 6-1375,-8-5 160,0 10-640,0-5-96,0 6-192,0-6-1504,0 8 768,0-2-5343,9 2 3295</inkml:trace>
+  <inkml:trace contextRef="#ctx0" brushRef="#br0" timeOffset="2">14688 12040 5760,'-8'-14'2176,"8"14"-1152,-8-9-480,4 6 1344,4 3-1056,-8-7 800,4 7-960,-7-3 640,4 6-768,-9-3 383,6 0-575,-10 0 192,4 2-320,-2 3 0,2 2-128,-2-2 0,6 9-32,-7 1-64,8 1 32,-5-3-32,10 4 0,-8 0-96,8 4 64,-2-4-32,4 3 0,0-4 128,4 1-32,0 0-96,8 0 32,0-3 32,3 0 0,0-8 64,1 5-32,3-8-32,0 0 32,5-6 32,2 0-32,-3-8-32,0 1 32,0-7-32,0 5 0,-3-5 0,2 3 0,-2-3 64,0 3-32,-1-3-32,-4 4 32,-4-4-32,2 6 0,-3-2 0,3 3 0,-6-1 0,5 5 0,-8 2 0,0 4 0,0 0 64,0 7-32,0 0 64,0 3-64,0 0-96,0 4 32,0-1 32,3 1 0,2 0 0,1-1 0,3-4 0,2 6 0,-4-8 0,6 2 0,-6-4 0,4-3 0,1-4 64,3 2-32,0-7-32,3 0 32,-2-3-32,4 3 0,-4-7 128,-2 4-64,-2-7-32,0 3 0,-10-6-128,6 6 64,-8-6 96,4 6-32,-8-6 64,0 6-64,-2-2 64,-3 6-64,-6-4 192,7 4-128,-7 3 256,4 4-224,-7 0 256,4 6-256,-8 0 96,6 8-128,-6 2-64,6 1 0,-2 3-32,7-1 0,-4 8-96,3 0 64,1 6 96,2 1-32,3 3-32,6-1 32,0 4-32,6-3 0,3-3 0,2-4 0,1 1 0,3-6 0,4-1-352,0-4 192,4-4-1792,-1 1 1088,0-7-5183,6 0 3359</inkml:trace>
+  <inkml:trace contextRef="#ctx0" brushRef="#br0" timeOffset="3">15266 12173 5888,'0'-7'2272,"0"7"-1216,-4 0-320,0 0 1472,8 7-1216,-8 0 512,4 5-928,-4 10 192,4-3-448,-7 5 159,3 3-255,-7 0 128,3 1-192,-4-1 128,5-1-160,-4-2 224,7 0-224,-4-7 448,4 3-320,-3-9 224,7-1-256,-4-10 64,8 3-160,-4-13 160,7 3-192,1-10 96,7 0-96,0-7 160,1 7-160,2-7 96,2 5-96,0-5 0,-2 7-32,2-7 96,2 11-96,-6-1 128,2 11-128,-2-4 128,3 3-128,0 1-32,3 3 0,-2 0 96,2 3-64,-2 1 32,2-1-32,-4 1-672,2 2 320,-4 1-2720,0 0 1696,-6-7-5183,4 3 3647</inkml:trace>
+  <inkml:trace contextRef="#ctx0" brushRef="#br0" timeOffset="4">15789 12458 6656,'-5'0'2464,"5"0"-1344,12 14-608,-8-11 1248,4 4-992,-1-5 480,5 5-736,3 1 288,1-1-480,-1-5 63,-1 5-255,6-4 0,-2 4-64,2-4 96,-2 1-96,-2-4 32,-1 3-32,1-6 32,-1 3-64,-4-7 128,1 4-96,-5-8-32,5 6 0,-9-10 96,1 8-64,-8-5 320,4-2-192,-7 0 160,3 4-192,-7 0 224,4 3-256,-9 0 384,5 4-288,-13-1 224,10 8-224,-10-1 128,6 7-192,-9-3 128,4 7-160,-3 10 0,2-5-64,5 5 32,8 0-64,7 0-96,4 3 32,4 0 32,7-1 0,5 3 0,2-3 0,2-2-352,2 0 192,1-4-2336,4-3 1376,-1-3-5247,1-4 3551</inkml:trace>
+  <inkml:trace contextRef="#ctx0" brushRef="#br0" timeOffset="5">14672 12976 6400,'0'0'2464,"0"0"-1344,4 3-544,-4 1 1440,0 3-1120,-4 6 544,4 4-864,-7 7 192,2 6-449,-5 4 161,-2 0-256,-8 7 64,5-2-160,-4 9 64,4-4-96,-3 4 0,5-4-32,-5 0 32,6-7-64,-3 1 192,8-9-128,-5-5 320,4 0-224,2-14 160,1 0-192,5-17 0,5 2-96,-3-23 224,10 5-160,0-18 256,2 3-256,10-6 32,-2 10-96,6-6-64,-2 9 32,1-3 32,2 11-32,3-5-32,-2 12 32,0-2 32,1 8-32,2 4 64,3 6-64,-2 4 64,-4 2-64,0 8-32,1 2 32,0 11-32,-4 2 0,-2 4 64,-1 4-32,-6 7 64,-2-4-64,-9 4-32,2-4 32,-9-2 96,0 0-64,-12 0 320,1-9-192,-13-5 256,1-3-256,-11-9 256,8 2-256,-8-6 256,3-2-256,-7-2-96,7-2-64,-3-2-128,4 0 64,-4-6-1312,7 2 736,4-6-4352,11 4 2785,0-14-4513,1 3 3808</inkml:trace>
+  <inkml:trace contextRef="#ctx0" brushRef="#br0" timeOffset="6">15380 13711 6400,'-14'10'2368,"14"-10"-1280,0 2-288,0 3 1152,3-3-1056,1 3 32,3 0-576,1-1 192,-1 3-288,5-7 352,0 3-353,2-3 161,2 0-256,-1 0 64,5 0-128,-2-3 96,2 3-128,-2-4 32,2 1-32,-6-6-64,2 2 32,-5-8 32,2 6-32,-6-5 64,0 8-64,-7-8 192,4 4-128,-8-7 384,1 0-256,-8 3 448,-2 7-384,-5 0 288,2 4-320,-2 0 192,2 6-224,-3 0 64,3 8-160,-2-1 0,2 4-64,-3 6 32,7 0-64,-2 1-96,2-2 32,0 3 32,5-3 0,-1 5 0,5 0 0,-1 0-96,8-4 64,-4 0 96,7 1-32,-3-4-512,3-3 256,2-5-2016,2 1 1248,4-7-5087,0 4 3391</inkml:trace>
+  <inkml:trace contextRef="#ctx0" brushRef="#br0" timeOffset="7">15979 13735 5632,'-3'-7'2176,"3"7"-1152,0-5 288,0 5 1760,0 5-1632,-4-3 639,4 5-1279,-5 0 352,5 3-672,-4 0 288,1 4-448,-5 6 256,8 1-320,-7 6 64,7 0-192,-7 4 0,3-5-64,-5 1 32,9 1-64,-3-8 128,3-3-96,-4-7-32,8 1 0,-4-11-32,3 0 0,1-14 0,8 0 0,-4-10 0,3 7 0,1-6 0,3 7 0,1-8 64,2 7-32,-3 0 128,4 6-96,-4 1 32,1 7-32,-5-1 96,0 4-96,0 4 32,2 3-32,-6 3 32,0 2-64,-3 2 64,3 3-64,-2-3-96,-1-1 32,0-6 32,-1 3 0,1-6 0,3-1 0,2-10 0,2 4 0,4-11 0,4 1 0,0-3 0,4 6 0,-1-9 0,5 10 0,-4-1 0,-4 3 0,1 0 128,-2 4-64,-2 0 384,-1 6-224,-3 4 384,-1 6-352,-7 3 160,3 8-256,-3 5 128,-1-3-160,-3 1 0,4-3-64,-4 0-128,0-4 32,0-4-672,0 1 384,0-10-2496,0 0 1568,0-11-5855,0 1 3935</inkml:trace>
+  <inkml:trace contextRef="#ctx0" brushRef="#br0" timeOffset="8">16958 14039 5376,'-8'-10'2016,"8"10"-1088,-7-7 256,2 4 1824,5 6-1632,-6-3 992,-3 0-1441,-5 0 929,5 4-1056,-9-1 480,6 7-736,-11 4 128,8 5-384,-8 3-32,8 0-160,-4-1-64,8 3 0,-1 0-128,4-1 64,4 5-32,8-1 0,0-4 0,8-3 0,-1-3 0,8-3 0,5-4 0,-2 0 0,4-13 64,2 3 0,-2-10-96,-4 3 64,1-10 96,1 0-32,-5-7 320,-4 8-160,-8-8 608,5 4-448,-12-1 448,4 4-448,-12-3 32,4 3-224,-12-4-32,6 4-64,-9-2-1024,4 4 512,-1 3-3488,5 1 2176,2 1-5343,9 7 3967</inkml:trace>
+  <inkml:trace contextRef="#ctx0" brushRef="#br0" timeOffset="9">17266 14231 11392,'-4'0'4224,"4"0"-2305,9 9-1663,-7-4 1344,7 2-960,2-4 416,0 4-640,5 0 256,-1-2-384,-1 3 256,6-2-288,-4 2 128,2 2-224,2-4-352,-2 2 96,-5-6-2720,1 6 1536,-6-12-5727,3 4 3903</inkml:trace>
+  <inkml:trace contextRef="#ctx0" brushRef="#br0" timeOffset="10">18394 14014 5120,'-4'-6'2016,"4"6"-1088,-4-10-32,1 7 1632,6 3-1376,-6-7 1088,3 4-1344,-4-4 831,-1 7-1023,-1-7 640,-2 7-800,-4-3 384,0 3-576,-10 0 320,6 6-384,-10 5 192,8 2-256,-14 3 0,6 2-128,-12 6 0,7 0-32,-7 6-64,11 0 32,-7 4 32,8-4-32,-4 12 64,6-9-64,-3 4-32,13-3 32,-1 6-128,3-2 64,0 3 32,9-2 0,3 3-96,3-2 64,5-6-32,8 0 0,6-3-96,0-4 96,6-11-32,2 2 32,0-8-96,5 0 96,-1-6-256,0 2 192,1-10-32,-1 4 96,-8-6 64,2 0 0,-6-4 0,-2 6 0,-5-10 64,-1 8-32,-5-11 256,-3 7-160,-6-7 448,5 3-320,-12-7 224,3 8-256,-8-3 0,4 6-128,-6-8-64,6 8 0,-8-4-832,9 5 448,-4-6-2368,2 6 1472,2-6-5407,3 9 3711</inkml:trace>
+  <inkml:trace contextRef="#ctx0" brushRef="#br0" timeOffset="11">18752 14638 4736,'0'-7'1824,"0"7"-960,-3 0-160,-1 0 1344,8 0-1088,-4 0 640,0 3-928,-4 1 544,4 3-704,-4-1 320,0 1-512,-3 7 415,2 0-447,-10-1 288,8 4-320,-9 0 128,5 4-224,-4-1 0,8-1-96,-9 5 32,9-3-64,-4-4 64,7 3-64,-5-3 64,6 0-64,-5 0 64,8 0-64,-3-3-32,3 3 32,0-3-128,7-2 64,0 2 96,9-1-32,-1-2-32,1-1 32,-1-7-32,3 4 0,-2-7 128,6 4-64,-6-4 128,-1 0-128,1-4-32,2 4 0,-2-3 32,3-1-32,-5-3 64,2 4-64,-5-7-32,5 3 32,-5-7 96,4 4-64,-3-7 128,-1 8-128,2-6 128,-2 6-128,0-4 128,0 6-128,1-7 32,-1 4-32,-3-4 32,4 4-64,-5-4-32,4 4 32,-3-3 32,-1 6-32,0-3-736,2 3 416,-5 0-3424,-1 0 2049,1 5-4513,0 2 3488</inkml:trace>
+  <inkml:trace contextRef="#ctx0" brushRef="#br0" timeOffset="12">19464 14983 6400,'0'-13'2464,"0"13"-1344,-18-4-256,10 1 1696,8 6-1408,-12-3 1023,5 0-1311,-8 0 608,8 4-832,-17-1 416,8 7-608,-9 0 96,5 4-288,-7 3 32,5 2-160,-1 3-128,3 1-32,2-3-128,5 4 96,2-4 32,8 4 32,-1-3 0,8-4 0,3-5-160,5 2 96,3-11-896,1 4 544,-1-7-3008,3 0 1921,2-7-4449,-2 2 3360</inkml:trace>
+  <inkml:trace contextRef="#ctx0" brushRef="#br0" timeOffset="13">19998 14390 6784,'-5'4'2624,"5"-4"-1408,-2 17-576,-3-14 1408,10 4-1152,-10 0 640,5 3-896,-7 4 607,3-1-703,-4 8 576,1-1-640,-9 6 512,5 3-544,-7 0 256,2 5-416,-8 0 352,6-1-384,-9 5 384,5-1-384,-9 1 288,8 3-288,-11-2 352,7 2-352,-4 4 96,9-1-224,-9 4 160,8-2-192,-3-2 32,3-6-64,-4-2-64,8-5 32,0-7-896,4 0 480,-1-11-2944,5 1 1856,0-7-5855,7 0 4095</inkml:trace>
+  <inkml:trace contextRef="#ctx0" brushRef="#br0" timeOffset="14">13490 11479 6272,'0'-14'2368,"0"14"-1280,0-17-224,0 14 1568,0 3-1344,-2 0 672,2 3-1057,-4 4 321,4 3-576,-9 11 160,2 1-352,-9 16 64,10-1-192,-14 14 64,8 1-96,-6 4 0,3 2-32,-8 4 32,3-2-64,-2 1-32,6-6 32,-3-5-384,8-3 192,-3-9-1568,5-4 960,2-10-3039,3-7 2111,4-15-3040,4-2 2720</inkml:trace>
+  <inkml:trace contextRef="#ctx0" brushRef="#br0" timeOffset="15">13887 11540 6656,'-4'-17'2528,"4"17"-1344,-7 0-256,3 0 1472,4 3-1344,-8 1 512,5 3-993,-9-1 129,1 5-416,-4 2 32,3 1-192,-7 5 160,3 2-192,-2-1 96,2 4-96,-6-3 160,2 2-160,-7-2 192,12-1-192,-3-4-32,2 6-32,-3-6-128,7 1 64,1-4 32,4 1 0,-4-4 0,6 4 0,1-1 64,4-2-32,0-1 320,4 0-160,1 0 256,2-1-256,1 5 160,3 1-192,1-3 0,3 2-96,-1 0 32,2-1-64,3 1 64,8-1-64,-8-2 128,0-1-96,0-3-448,0 0 192,-3-4-1184,2 0 768,-2-3-2496,-1 0 1761,-4-3-4257,1 3 3136</inkml:trace>
+  <inkml:trace contextRef="#ctx0" brushRef="#br0" timeOffset="16">13316 13162 4992,'0'-8'1824,"0"8"-960,16-12-96,-5 4 1472,0 8-1216,7-14 864,6 4-1152,3-14 704,2 5-832,3-15 223,-6 11-479,4-11-128,1 7-128,3-7 64,-3 6-96,3-1-576,0 5 256,-4-8-3615,2 12 2111,-6-6-3616,-4 5 3040</inkml:trace>
+  <inkml:trace contextRef="#ctx0" brushRef="#br0" timeOffset="17">12514 14216 6656,'-5'-1'2464,"5"1"-1344,0 1-608,0-1 1248,2 3-992,-1 0 640,4 1-864,0 2 448,3-1-577,3 4 257,1 3-384,3 4 0,3 2-192,1 1-64,0 0 0,0 3-32,-2 0 0,1 2 0,0 2 0,0-1 64,1-3-32,0-1 128,0-3-96,-2-1 320,3-3-192,-7-2 256,1-2-256,-1-1 160,-2-3-192,-2-2 224,1 0-256,-2-4 384,0-4-288,2-6 224,0 0-224,1-10 224,1 3-256,3-10 32,1 5-128,5-10 0,0 7-32,1-6-64,-2 7 32,2-3 96,-2 6-64,-3-1-928,-1 4 448,-2 0-4544,-1 6 2721,-1-1-4545,-2 3 3872</inkml:trace>
+  <inkml:trace contextRef="#ctx0" brushRef="#br0" timeOffset="18">11971 15450 5376,'-4'-14'2016,"4"14"-1088,4 7-256,-4-7 1568,3 4-1248,-3-8 896,4 4-1152,1-7 640,-3 4-833,3-6 513,3-1-608,-1-11 320,0 8-448,2-11 320,2 7-352,0-11 352,5 5-384,-1-10 288,-1 4-288,2-7 352,3 5-352,-3-6 288,2 10-288,2-11 128,-2 5-224,2-11 128,2 10-160,-2-7 224,3 8-224,-5-11 96,2 6-128,-5-6 160,4 6-160,-4-5 256,5 9-224,-6-7 96,1 12-128,-3-10 96,-1 9-128,1-4 32,0 7-32,-5-4-64,1 11 32,-1-6 32,0 9-32,2-4-928,-2 8 480,-3-1-2944,0 4 1888,-1 0-5919,1 3 4127</inkml:trace>
+  <inkml:trace contextRef="#ctx0" brushRef="#br0" timeOffset="19">12546 14267 5888,'-8'-3'2176,"8"3"-1152,-5 4 0,5-1 1440,1 1-1344,-1 3 320,4 3-896,0 3-32,4 3-320,3 5-33,3 0-95,3 7 96,1 0-96,0 7 480,2 1-320,0 6 128,0-1-224,2 6-192,0-2 0,1 5 32,-1-4 32,0 3 0,0-8 0,-1 4 0,-3-6 0,1-2 0,-4-4 0,0-3 64,-1-5-32,-1-1-32,-1-3 32,-1-3 160,0-3-96,-2-6 320,1-2-224,-3-10 256,3-1-256,1-17 160,0 0-192,3-17 224,0 4-256,4-17 256,2 4-256,2-15 320,0 11-256,1-9 160,1 9-192,1-8 64,-1 9-128,0-3 0,-4 11-32,1 1-896,-4 7 448,-1-1-4352,-2 11 2625,-4-2-4545,0 7 3776</inkml:trace>
+  <inkml:trace contextRef="#ctx0" brushRef="#br0" timeOffset="20">13330 14272 4736,'-9'-2'1760,"9"2"-960,0-7-32,0 1 1184,4 2-1056,0-9 544,3 1-864,0-7 480,2 1-608,2-4 192,0 3-384,0-1 0,2 7-160,-1-2 288,-1 5-192,0 0 319,0 4-287,-2 5 160,0 2-224,-3 8 288,-1 2-256,-4 7 160,0 0-192,-2 5 0,1 3-96,-3 2-832,0-2 416,-2 2-3935,1-3 2367,-4-4-3552,3-3 3104</inkml:trace>
+  <inkml:trace contextRef="#ctx0" brushRef="#br0" timeOffset="21">12599 13354 5504,'-18'0'2112,"18"0"-1152,-19 3-352,13-1 1440,5-1-1120,-8 0 832,5 2-1056,-7 0 576,3 1-768,-6 2 447,2 1-543,-7 1 192,3 2-352,-6 2 64,5 1-192,-5 5 64,3-1-96,1 4-64,3 0 0,-1 3-32,4 1 0,-1 5-96,4-4 64,-2 6 32,3-3 0,1 8 0,3-5 0,1 2 0,3-1 0,0 0-96,3-3 64,2 3-32,3-2 0,3-1 64,3-4 0,1 2 0,3-2 0,2-2 64,-1-2-32,3-1-96,-2-2 32,2-2 32,0-3 0,5-2 0,-2-4 0,3-4-96,-1-1 64,0-7 32,-3-2 0,3-6 64,-2 0-32,2-5-32,-2 1 32,0-6-32,-1 1 0,-1-6 0,-1 1 0,-4-6 64,0 6-32,-4-7 64,0 3-64,-3-5-32,-2 6 32,-2-7 96,-3 5-64,-4-5 32,0 5-32,-7-6 160,-1 7-128,-8-1 256,2 4-224,-5 0 384,2 6-288,-8 4 224,3 4-224,-8 2 0,4 4-128,-9 0-64,7 4 0,-5 0-608,5 2 320,-3-3-3840,7 2 2241,1 0-4705,5 2 3712</inkml:trace>
+  <inkml:trace contextRef="#ctx0" brushRef="#br0" timeOffset="22">12674 13710 5888,'-3'0'2176,"3"0"-1152,2-2-640,-1 1 1024,0 2-800,1-1 608,1 0-704,1 0 512,2 2-576,0-2 256,2 3-416,1-1 0,2 3-192,2-1-64,0 1 0,3 1 32,2-1-32,1 1-32,1 0 32,-1-2-2720,0 2 1472,-2-2-3872,0 2 2848</inkml:trace>
+  <inkml:trace contextRef="#ctx0" brushRef="#br0" timeOffset="23">12640 13962 3200,'-2'-3'1216,"2"3"-640,3 2 96,-3-2 1120,2 1-992,-1 0 480,3 2-768,-3 0 288,2 1-480,0 1 192,2 0-288,-1-1 0,3 2-128,1-1 224,-1 2-192,2-1 32,0-1-96,0-1-192,0 1 64,2-4-2848,2 2 1568,-1-2-2880,1 0 2400</inkml:trace>
+  <inkml:trace contextRef="#ctx0" brushRef="#br0" timeOffset="24">12830 13728 2176,'0'0'864,"0"0"-448,0 0 128,0 0 1152,0 0-896,0 0 672,0 0-864,-2-2 448,2 2-608,-2-2 608,0 0-608,-1-1 480,2 2-512,-4-2 320,2 2-416,-1-3 256,-2 2-320,0-3 192,2 2-224,-2-4 0,0 3-128,0-6 0,3 5-32,-3-2 32,3 2-64,-2-3-32,3 4 32,-1-1-32,1 0 0,0 1-1280,2 1 704,-2 2-3424,4 1 2208</inkml:trace>
+</inkml:ink>
+</file>
+
+<file path=ppt/ink/ink156.xml><?xml version="1.0" encoding="utf-8"?>
+<inkml:ink xmlns:inkml="http://www.w3.org/2003/InkML">
+  <inkml:definitions>
+    <inkml:context xml:id="ctx0">
+      <inkml:inkSource xml:id="inkSrc0">
+        <inkml:traceFormat>
+          <inkml:channel name="X" type="integer" min="-2.14748E9" max="2.14748E9" units="cm"/>
+          <inkml:channel name="Y" type="integer" min="-2.14748E9" max="2.14748E9" units="cm"/>
+          <inkml:channel name="F" type="integer" max="32767" units="dev"/>
+        </inkml:traceFormat>
+        <inkml:channelProperties>
+          <inkml:channelProperty channel="X" name="resolution" value="1000" units="1/cm"/>
+          <inkml:channelProperty channel="Y" name="resolution" value="1000" units="1/cm"/>
+          <inkml:channelProperty channel="F" name="resolution" value="0" units="1/dev"/>
+        </inkml:channelProperties>
+      </inkml:inkSource>
+      <inkml:timestamp xml:id="ts0" timeString="2016-11-15T13:12:30.496"/>
+    </inkml:context>
+    <inkml:brush xml:id="br0">
+      <inkml:brushProperty name="width" value="0.06667" units="cm"/>
+      <inkml:brushProperty name="height" value="0.06667" units="cm"/>
+    </inkml:brush>
+  </inkml:definitions>
+  <inkml:trace contextRef="#ctx0" brushRef="#br0">13181 14216 7296,'-3'-6'2720,"3"6"-1472,3-12-1120,-1 4 960,2 2-672,1-6 416,0-2-480,0-3 320,1 4-384,2-5 192,1 2-256,0-2 64,1 3-160,-1-3 64,3 2-97,-1-1 1,0 5-32,0 0 384,-2 4-256,0 3 416,0 5-352,-4 5 160,1 3-256,-5 6 128,0 2-160,-2 6 64,1 1-96,-3 4 0,1-3-32,-1 4-64,1 0 32,-2 0-32,0-4 0,0 0-448,3-4 256,-3-5-1024,3-4 640,-1-7-1183,2 0 959,0-8-2400,2 0 1792,-1-2-2752,3-2 2368</inkml:trace>
+</inkml:ink>
+</file>
+
+<file path=ppt/ink/ink157.xml><?xml version="1.0" encoding="utf-8"?>
+<inkml:ink xmlns:inkml="http://www.w3.org/2003/InkML">
+  <inkml:definitions>
+    <inkml:context xml:id="ctx0">
+      <inkml:inkSource xml:id="inkSrc0">
+        <inkml:traceFormat>
+          <inkml:channel name="X" type="integer" min="-2.14748E9" max="2.14748E9" units="cm"/>
+          <inkml:channel name="Y" type="integer" min="-2.14748E9" max="2.14748E9" units="cm"/>
+          <inkml:channel name="F" type="integer" max="32767" units="dev"/>
+        </inkml:traceFormat>
+        <inkml:channelProperties>
+          <inkml:channelProperty channel="X" name="resolution" value="1000" units="1/cm"/>
+          <inkml:channelProperty channel="Y" name="resolution" value="1000" units="1/cm"/>
+          <inkml:channelProperty channel="F" name="resolution" value="0" units="1/dev"/>
+        </inkml:channelProperties>
+      </inkml:inkSource>
+      <inkml:timestamp xml:id="ts0" timeString="2016-11-15T13:12:30.497"/>
+    </inkml:context>
+    <inkml:brush xml:id="br0">
+      <inkml:brushProperty name="width" value="0.06667" units="cm"/>
+      <inkml:brushProperty name="height" value="0.06667" units="cm"/>
+    </inkml:brush>
+  </inkml:definitions>
+  <inkml:trace contextRef="#ctx0" brushRef="#br0">10901 16327 6912,'-12'3'2624,"12"-3"-1408,0 7-448,0-7 1568,4 0-1280,1 0 735,6 0-1055,0 0 608,5 0-800,6 0 448,1 0-576,8 0 192,-2 0-352,9-3 64,0-1-192,9-1 160,-2-2-192,13-8 192,-5 8-192,12-5 256,-5 2-224,5-7 160,-7 6-160,2-2 64,1 2-96,4-2-64,-8 6 0,12-3 32,-4 6-32,7-2-32,-7 2 32,-1-3 96,-3 7-64,1-6 192,-6 6-160,9-7 96,-7 7-96,2-7 0,-2 7-32,3-2 32,-4 4-64,-3-2 64,-5 3-64,0-3 128,-6 4-96,-3-4-32,-2 0 0,2 0-32,-2 0 0,0 0 64,-4 0-32,-3 0 64,-2 0-64,-2 0 128,0 0-96,-5 0-32,-2 0 0,-2 0-32,2 0 0,-5 0 0,1 0 0,-5 0 0,0 0 0,-4 0 64,5 0-32,-4 0 64,3 0-64,-4 0-32,2 0 32,-2 0-32,1 0 0,-5 0 0,1 0 0,1 0 0,-3 0 0,-2 0 0,0 0 0,0 0 0,0 0 0,0 0-96,0 0 64,-2 0 96,2 0-32,-5 0 64,1 0-64,-3-4-32,7 4 32,-4-3-128,4 3 64,-7-2 96,3 2-32,-3-5-32,2 5 32,-6-2-32,3-3 0,-4 0 0,5 0 0,-8-4 0,4-1 0,-9-4 0,6 4 0,-6-4 0,5 7 0,-4-6 64,4 6-32,-5-7-32,9 4 32,-7-3-128,6 2 64,-7-6 32,7 7 0,-10-4 0,6 4 0,-6-6 64,2 6-32,-2-4-32,2 8 32,-10-8 32,6 4-32,-1-4 128,1 7-96,-5-6-32,5 6 0,-6-7 32,3 7-32,-8-6-32,13 4 32,-8-6 32,10 8-32,-11-5-32,13 1 32,-9-2-32,8 6 0,-4-7 64,5 7-32,-6-6-96,6 6 32,-5-7 32,3 8 0,-2-8 128,2 7-64,-7-6 32,9 6-32,-9-2-128,8 2 32,-4-3 32,5 5 0,-6-4 64,5 6-32,-7-4-32,3 3 32,-4-4-128,8 8 64,-4-5 32,4 5 0,-4-7 0,7 7 0,-2-7-96,7 7 64,-9-7 96,9 7-32,-5-7-32,9 7 32,-4-6-32,7 6 0,-7-7-96,6 3 64,-2-2 32,3 2 0,-3-3-448,7 7 256,-8-6-1664,8 6 1024,-3-7-6784,3 7 4225</inkml:trace>
+</inkml:ink>
+</file>
+
+<file path=ppt/ink/ink158.xml><?xml version="1.0" encoding="utf-8"?>
+<inkml:ink xmlns:inkml="http://www.w3.org/2003/InkML">
+  <inkml:definitions>
+    <inkml:context xml:id="ctx0">
+      <inkml:inkSource xml:id="inkSrc0">
+        <inkml:traceFormat>
+          <inkml:channel name="X" type="integer" min="-2.14748E9" max="2.14748E9" units="cm"/>
+          <inkml:channel name="Y" type="integer" min="-2.14748E9" max="2.14748E9" units="cm"/>
+          <inkml:channel name="F" type="integer" max="32767" units="dev"/>
+        </inkml:traceFormat>
+        <inkml:channelProperties>
+          <inkml:channelProperty channel="X" name="resolution" value="1000" units="1/cm"/>
+          <inkml:channelProperty channel="Y" name="resolution" value="1000" units="1/cm"/>
+          <inkml:channelProperty channel="F" name="resolution" value="0" units="1/dev"/>
+        </inkml:channelProperties>
+      </inkml:inkSource>
+      <inkml:timestamp xml:id="ts0" timeString="2016-11-15T13:12:30.471"/>
+    </inkml:context>
+    <inkml:brush xml:id="br0">
+      <inkml:brushProperty name="width" value="0.06667" units="cm"/>
+      <inkml:brushProperty name="height" value="0.06667" units="cm"/>
+    </inkml:brush>
+  </inkml:definitions>
+  <inkml:trace contextRef="#ctx0" brushRef="#br0">14088 11888 7552,'0'-4'2816,"0"4"-1536,0 7-576,0-3 1472,0 2-1248,0 5 511,0 2-895,0 8 64,0-1-352,-4 7-96,4 4-96,-6 5 224,1 2-160,-2 3 320,-1-4-256,-6 1 160,2-2-192,-12-2 64,9 0-128,-10-6 96,5-6-128,-7 0-32,8-6 0,-4-6-192,8 0 96,-4-10-736,8 0 416,-1-12-1728,4 0 1185,1-10-2817,7-2 2080,0-10-2944,4 6 2624</inkml:trace>
+  <inkml:trace contextRef="#ctx0" brushRef="#br0" timeOffset="1">14100 11698 6144,'17'-42'2368,"-17"42"-1280,14-26 0,-6 18 1824,-2 8-1568,-6-6 927,8 6-1375,-8-5 160,0 10-640,0-5-96,0 6-192,0-6-1504,0 8 768,0-2-5343,9 2 3295</inkml:trace>
+  <inkml:trace contextRef="#ctx0" brushRef="#br0" timeOffset="2">14688 12040 5760,'-8'-14'2176,"8"14"-1152,-8-9-480,4 6 1344,4 3-1056,-8-7 800,4 7-960,-7-3 640,4 6-768,-9-3 383,6 0-575,-10 0 192,4 2-320,-2 3 0,2 2-128,-2-2 0,6 9-32,-7 1-64,8 1 32,-5-3-32,10 4 0,-8 0-96,8 4 64,-2-4-32,4 3 0,0-4 128,4 1-32,0 0-96,8 0 32,0-3 32,3 0 0,0-8 64,1 5-32,3-8-32,0 0 32,5-6 32,2 0-32,-3-8-32,0 1 32,0-7-32,0 5 0,-3-5 0,2 3 0,-2-3 64,0 3-32,-1-3-32,-4 4 32,-4-4-32,2 6 0,-3-2 0,3 3 0,-6-1 0,5 5 0,-8 2 0,0 4 0,0 0 64,0 7-32,0 0 64,0 3-64,0 0-96,0 4 32,0-1 32,3 1 0,2 0 0,1-1 0,3-4 0,2 6 0,-4-8 0,6 2 0,-6-4 0,4-3 0,1-4 64,3 2-32,0-7-32,3 0 32,-2-3-32,4 3 0,-4-7 128,-2 4-64,-2-7-32,0 3 0,-10-6-128,6 6 64,-8-6 96,4 6-32,-8-6 64,0 6-64,-2-2 64,-3 6-64,-6-4 192,7 4-128,-7 3 256,4 4-224,-7 0 256,4 6-256,-8 0 96,6 8-128,-6 2-64,6 1 0,-2 3-32,7-1 0,-4 8-96,3 0 64,1 6 96,2 1-32,3 3-32,6-1 32,0 4-32,6-3 0,3-3 0,2-4 0,1 1 0,3-6 0,4-1-352,0-4 192,4-4-1792,-1 1 1088,0-7-5183,6 0 3359</inkml:trace>
+  <inkml:trace contextRef="#ctx0" brushRef="#br0" timeOffset="3">15266 12173 5888,'0'-7'2272,"0"7"-1216,-4 0-320,0 0 1472,8 7-1216,-8 0 512,4 5-928,-4 10 192,4-3-448,-7 5 159,3 3-255,-7 0 128,3 1-192,-4-1 128,5-1-160,-4-2 224,7 0-224,-4-7 448,4 3-320,-3-9 224,7-1-256,-4-10 64,8 3-160,-4-13 160,7 3-192,1-10 96,7 0-96,0-7 160,1 7-160,2-7 96,2 5-96,0-5 0,-2 7-32,2-7 96,2 11-96,-6-1 128,2 11-128,-2-4 128,3 3-128,0 1-32,3 3 0,-2 0 96,2 3-64,-2 1 32,2-1-32,-4 1-672,2 2 320,-4 1-2720,0 0 1696,-6-7-5183,4 3 3647</inkml:trace>
+  <inkml:trace contextRef="#ctx0" brushRef="#br0" timeOffset="4">15789 12458 6656,'-5'0'2464,"5"0"-1344,12 14-608,-8-11 1248,4 4-992,-1-5 480,5 5-736,3 1 288,1-1-480,-1-5 63,-1 5-255,6-4 0,-2 4-64,2-4 96,-2 1-96,-2-4 32,-1 3-32,1-6 32,-1 3-64,-4-7 128,1 4-96,-5-8-32,5 6 0,-9-10 96,1 8-64,-8-5 320,4-2-192,-7 0 160,3 4-192,-7 0 224,4 3-256,-9 0 384,5 4-288,-13-1 224,10 8-224,-10-1 128,6 7-192,-9-3 128,4 7-160,-3 10 0,2-5-64,5 5 32,8 0-64,7 0-96,4 3 32,4 0 32,7-1 0,5 3 0,2-3 0,2-2-352,2 0 192,1-4-2336,4-3 1376,-1-3-5247,1-4 3551</inkml:trace>
+  <inkml:trace contextRef="#ctx0" brushRef="#br0" timeOffset="5">14672 12976 6400,'0'0'2464,"0"0"-1344,4 3-544,-4 1 1440,0 3-1120,-4 6 544,4 4-864,-7 7 192,2 6-449,-5 4 161,-2 0-256,-8 7 64,5-2-160,-4 9 64,4-4-96,-3 4 0,5-4-32,-5 0 32,6-7-64,-3 1 192,8-9-128,-5-5 320,4 0-224,2-14 160,1 0-192,5-17 0,5 2-96,-3-23 224,10 5-160,0-18 256,2 3-256,10-6 32,-2 10-96,6-6-64,-2 9 32,1-3 32,2 11-32,3-5-32,-2 12 32,0-2 32,1 8-32,2 4 64,3 6-64,-2 4 64,-4 2-64,0 8-32,1 2 32,0 11-32,-4 2 0,-2 4 64,-1 4-32,-6 7 64,-2-4-64,-9 4-32,2-4 32,-9-2 96,0 0-64,-12 0 320,1-9-192,-13-5 256,1-3-256,-11-9 256,8 2-256,-8-6 256,3-2-256,-7-2-96,7-2-64,-3-2-128,4 0 64,-4-6-1312,7 2 736,4-6-4352,11 4 2785,0-14-4513,1 3 3808</inkml:trace>
+  <inkml:trace contextRef="#ctx0" brushRef="#br0" timeOffset="6">15380 13711 6400,'-14'10'2368,"14"-10"-1280,0 2-288,0 3 1152,3-3-1056,1 3 32,3 0-576,1-1 192,-1 3-288,5-7 352,0 3-353,2-3 161,2 0-256,-1 0 64,5 0-128,-2-3 96,2 3-128,-2-4 32,2 1-32,-6-6-64,2 2 32,-5-8 32,2 6-32,-6-5 64,0 8-64,-7-8 192,4 4-128,-8-7 384,1 0-256,-8 3 448,-2 7-384,-5 0 288,2 4-320,-2 0 192,2 6-224,-3 0 64,3 8-160,-2-1 0,2 4-64,-3 6 32,7 0-64,-2 1-96,2-2 32,0 3 32,5-3 0,-1 5 0,5 0 0,-1 0-96,8-4 64,-4 0 96,7 1-32,-3-4-512,3-3 256,2-5-2016,2 1 1248,4-7-5087,0 4 3391</inkml:trace>
+  <inkml:trace contextRef="#ctx0" brushRef="#br0" timeOffset="7">15979 13735 5632,'-3'-7'2176,"3"7"-1152,0-5 288,0 5 1760,0 5-1632,-4-3 639,4 5-1279,-5 0 352,5 3-672,-4 0 288,1 4-448,-5 6 256,8 1-320,-7 6 64,7 0-192,-7 4 0,3-5-64,-5 1 32,9 1-64,-3-8 128,3-3-96,-4-7-32,8 1 0,-4-11-32,3 0 0,1-14 0,8 0 0,-4-10 0,3 7 0,1-6 0,3 7 0,1-8 64,2 7-32,-3 0 128,4 6-96,-4 1 32,1 7-32,-5-1 96,0 4-96,0 4 32,2 3-32,-6 3 32,0 2-64,-3 2 64,3 3-64,-2-3-96,-1-1 32,0-6 32,-1 3 0,1-6 0,3-1 0,2-10 0,2 4 0,4-11 0,4 1 0,0-3 0,4 6 0,-1-9 0,5 10 0,-4-1 0,-4 3 0,1 0 128,-2 4-64,-2 0 384,-1 6-224,-3 4 384,-1 6-352,-7 3 160,3 8-256,-3 5 128,-1-3-160,-3 1 0,4-3-64,-4 0-128,0-4 32,0-4-672,0 1 384,0-10-2496,0 0 1568,0-11-5855,0 1 3935</inkml:trace>
+  <inkml:trace contextRef="#ctx0" brushRef="#br0" timeOffset="8">16958 14039 5376,'-8'-10'2016,"8"10"-1088,-7-7 256,2 4 1824,5 6-1632,-6-3 992,-3 0-1441,-5 0 929,5 4-1056,-9-1 480,6 7-736,-11 4 128,8 5-384,-8 3-32,8 0-160,-4-1-64,8 3 0,-1 0-128,4-1 64,4 5-32,8-1 0,0-4 0,8-3 0,-1-3 0,8-3 0,5-4 0,-2 0 0,4-13 64,2 3 0,-2-10-96,-4 3 64,1-10 96,1 0-32,-5-7 320,-4 8-160,-8-8 608,5 4-448,-12-1 448,4 4-448,-12-3 32,4 3-224,-12-4-32,6 4-64,-9-2-1024,4 4 512,-1 3-3488,5 1 2176,2 1-5343,9 7 3967</inkml:trace>
+  <inkml:trace contextRef="#ctx0" brushRef="#br0" timeOffset="9">17266 14231 11392,'-4'0'4224,"4"0"-2305,9 9-1663,-7-4 1344,7 2-960,2-4 416,0 4-640,5 0 256,-1-2-384,-1 3 256,6-2-288,-4 2 128,2 2-224,2-4-352,-2 2 96,-5-6-2720,1 6 1536,-6-12-5727,3 4 3903</inkml:trace>
+  <inkml:trace contextRef="#ctx0" brushRef="#br0" timeOffset="10">18394 14014 5120,'-4'-6'2016,"4"6"-1088,-4-10-32,1 7 1632,6 3-1376,-6-7 1088,3 4-1344,-4-4 831,-1 7-1023,-1-7 640,-2 7-800,-4-3 384,0 3-576,-10 0 320,6 6-384,-10 5 192,8 2-256,-14 3 0,6 2-128,-12 6 0,7 0-32,-7 6-64,11 0 32,-7 4 32,8-4-32,-4 12 64,6-9-64,-3 4-32,13-3 32,-1 6-128,3-2 64,0 3 32,9-2 0,3 3-96,3-2 64,5-6-32,8 0 0,6-3-96,0-4 96,6-11-32,2 2 32,0-8-96,5 0 96,-1-6-256,0 2 192,1-10-32,-1 4 96,-8-6 64,2 0 0,-6-4 0,-2 6 0,-5-10 64,-1 8-32,-5-11 256,-3 7-160,-6-7 448,5 3-320,-12-7 224,3 8-256,-8-3 0,4 6-128,-6-8-64,6 8 0,-8-4-832,9 5 448,-4-6-2368,2 6 1472,2-6-5407,3 9 3711</inkml:trace>
+  <inkml:trace contextRef="#ctx0" brushRef="#br0" timeOffset="11">18752 14638 4736,'0'-7'1824,"0"7"-960,-3 0-160,-1 0 1344,8 0-1088,-4 0 640,0 3-928,-4 1 544,4 3-704,-4-1 320,0 1-512,-3 7 415,2 0-447,-10-1 288,8 4-320,-9 0 128,5 4-224,-4-1 0,8-1-96,-9 5 32,9-3-64,-4-4 64,7 3-64,-5-3 64,6 0-64,-5 0 64,8 0-64,-3-3-32,3 3 32,0-3-128,7-2 64,0 2 96,9-1-32,-1-2-32,1-1 32,-1-7-32,3 4 0,-2-7 128,6 4-64,-6-4 128,-1 0-128,1-4-32,2 4 0,-2-3 32,3-1-32,-5-3 64,2 4-64,-5-7-32,5 3 32,-5-7 96,4 4-64,-3-7 128,-1 8-128,2-6 128,-2 6-128,0-4 128,0 6-128,1-7 32,-1 4-32,-3-4 32,4 4-64,-5-4-32,4 4 32,-3-3 32,-1 6-32,0-3-736,2 3 416,-5 0-3424,-1 0 2049,1 5-4513,0 2 3488</inkml:trace>
+  <inkml:trace contextRef="#ctx0" brushRef="#br0" timeOffset="12">19464 14983 6400,'0'-13'2464,"0"13"-1344,-18-4-256,10 1 1696,8 6-1408,-12-3 1023,5 0-1311,-8 0 608,8 4-832,-17-1 416,8 7-608,-9 0 96,5 4-288,-7 3 32,5 2-160,-1 3-128,3 1-32,2-3-128,5 4 96,2-4 32,8 4 32,-1-3 0,8-4 0,3-5-160,5 2 96,3-11-896,1 4 544,-1-7-3008,3 0 1921,2-7-4449,-2 2 3360</inkml:trace>
+  <inkml:trace contextRef="#ctx0" brushRef="#br0" timeOffset="13">19998 14390 6784,'-5'4'2624,"5"-4"-1408,-2 17-576,-3-14 1408,10 4-1152,-10 0 640,5 3-896,-7 4 607,3-1-703,-4 8 576,1-1-640,-9 6 512,5 3-544,-7 0 256,2 5-416,-8 0 352,6-1-384,-9 5 384,5-1-384,-9 1 288,8 3-288,-11-2 352,7 2-352,-4 4 96,9-1-224,-9 4 160,8-2-192,-3-2 32,3-6-64,-4-2-64,8-5 32,0-7-896,4 0 480,-1-11-2944,5 1 1856,0-7-5855,7 0 4095</inkml:trace>
+  <inkml:trace contextRef="#ctx0" brushRef="#br0" timeOffset="14">13490 11479 6272,'0'-14'2368,"0"14"-1280,0-17-224,0 14 1568,0 3-1344,-2 0 672,2 3-1057,-4 4 321,4 3-576,-9 11 160,2 1-352,-9 16 64,10-1-192,-14 14 64,8 1-96,-6 4 0,3 2-32,-8 4 32,3-2-64,-2 1-32,6-6 32,-3-5-384,8-3 192,-3-9-1568,5-4 960,2-10-3039,3-7 2111,4-15-3040,4-2 2720</inkml:trace>
+  <inkml:trace contextRef="#ctx0" brushRef="#br0" timeOffset="15">13887 11540 6656,'-4'-17'2528,"4"17"-1344,-7 0-256,3 0 1472,4 3-1344,-8 1 512,5 3-993,-9-1 129,1 5-416,-4 2 32,3 1-192,-7 5 160,3 2-192,-2-1 96,2 4-96,-6-3 160,2 2-160,-7-2 192,12-1-192,-3-4-32,2 6-32,-3-6-128,7 1 64,1-4 32,4 1 0,-4-4 0,6 4 0,1-1 64,4-2-32,0-1 320,4 0-160,1 0 256,2-1-256,1 5 160,3 1-192,1-3 0,3 2-96,-1 0 32,2-1-64,3 1 64,8-1-64,-8-2 128,0-1-96,0-3-448,0 0 192,-3-4-1184,2 0 768,-2-3-2496,-1 0 1761,-4-3-4257,1 3 3136</inkml:trace>
+  <inkml:trace contextRef="#ctx0" brushRef="#br0" timeOffset="16">13316 13162 4992,'0'-8'1824,"0"8"-960,16-12-96,-5 4 1472,0 8-1216,7-14 864,6 4-1152,3-14 704,2 5-832,3-15 223,-6 11-479,4-11-128,1 7-128,3-7 64,-3 6-96,3-1-576,0 5 256,-4-8-3615,2 12 2111,-6-6-3616,-4 5 3040</inkml:trace>
+  <inkml:trace contextRef="#ctx0" brushRef="#br0" timeOffset="17">12514 14216 6656,'-5'-1'2464,"5"1"-1344,0 1-608,0-1 1248,2 3-992,-1 0 640,4 1-864,0 2 448,3-1-577,3 4 257,1 3-384,3 4 0,3 2-192,1 1-64,0 0 0,0 3-32,-2 0 0,1 2 0,0 2 0,0-1 64,1-3-32,0-1 128,0-3-96,-2-1 320,3-3-192,-7-2 256,1-2-256,-1-1 160,-2-3-192,-2-2 224,1 0-256,-2-4 384,0-4-288,2-6 224,0 0-224,1-10 224,1 3-256,3-10 32,1 5-128,5-10 0,0 7-32,1-6-64,-2 7 32,2-3 96,-2 6-64,-3-1-928,-1 4 448,-2 0-4544,-1 6 2721,-1-1-4545,-2 3 3872</inkml:trace>
+  <inkml:trace contextRef="#ctx0" brushRef="#br0" timeOffset="18">11971 15450 5376,'-4'-14'2016,"4"14"-1088,4 7-256,-4-7 1568,3 4-1248,-3-8 896,4 4-1152,1-7 640,-3 4-833,3-6 513,3-1-608,-1-11 320,0 8-448,2-11 320,2 7-352,0-11 352,5 5-384,-1-10 288,-1 4-288,2-7 352,3 5-352,-3-6 288,2 10-288,2-11 128,-2 5-224,2-11 128,2 10-160,-2-7 224,3 8-224,-5-11 96,2 6-128,-5-6 160,4 6-160,-4-5 256,5 9-224,-6-7 96,1 12-128,-3-10 96,-1 9-128,1-4 32,0 7-32,-5-4-64,1 11 32,-1-6 32,0 9-32,2-4-928,-2 8 480,-3-1-2944,0 4 1888,-1 0-5919,1 3 4127</inkml:trace>
+  <inkml:trace contextRef="#ctx0" brushRef="#br0" timeOffset="19">12546 14267 5888,'-8'-3'2176,"8"3"-1152,-5 4 0,5-1 1440,1 1-1344,-1 3 320,4 3-896,0 3-32,4 3-320,3 5-33,3 0-95,3 7 96,1 0-96,0 7 480,2 1-320,0 6 128,0-1-224,2 6-192,0-2 0,1 5 32,-1-4 32,0 3 0,0-8 0,-1 4 0,-3-6 0,1-2 0,-4-4 0,0-3 64,-1-5-32,-1-1-32,-1-3 32,-1-3 160,0-3-96,-2-6 320,1-2-224,-3-10 256,3-1-256,1-17 160,0 0-192,3-17 224,0 4-256,4-17 256,2 4-256,2-15 320,0 11-256,1-9 160,1 9-192,1-8 64,-1 9-128,0-3 0,-4 11-32,1 1-896,-4 7 448,-1-1-4352,-2 11 2625,-4-2-4545,0 7 3776</inkml:trace>
+  <inkml:trace contextRef="#ctx0" brushRef="#br0" timeOffset="20">13330 14272 4736,'-9'-2'1760,"9"2"-960,0-7-32,0 1 1184,4 2-1056,0-9 544,3 1-864,0-7 480,2 1-608,2-4 192,0 3-384,0-1 0,2 7-160,-1-2 288,-1 5-192,0 0 319,0 4-287,-2 5 160,0 2-224,-3 8 288,-1 2-256,-4 7 160,0 0-192,-2 5 0,1 3-96,-3 2-832,0-2 416,-2 2-3935,1-3 2367,-4-4-3552,3-3 3104</inkml:trace>
+  <inkml:trace contextRef="#ctx0" brushRef="#br0" timeOffset="21">12599 13354 5504,'-18'0'2112,"18"0"-1152,-19 3-352,13-1 1440,5-1-1120,-8 0 832,5 2-1056,-7 0 576,3 1-768,-6 2 447,2 1-543,-7 1 192,3 2-352,-6 2 64,5 1-192,-5 5 64,3-1-96,1 4-64,3 0 0,-1 3-32,4 1 0,-1 5-96,4-4 64,-2 6 32,3-3 0,1 8 0,3-5 0,1 2 0,3-1 0,0 0-96,3-3 64,2 3-32,3-2 0,3-1 64,3-4 0,1 2 0,3-2 0,2-2 64,-1-2-32,3-1-96,-2-2 32,2-2 32,0-3 0,5-2 0,-2-4 0,3-4-96,-1-1 64,0-7 32,-3-2 0,3-6 64,-2 0-32,2-5-32,-2 1 32,0-6-32,-1 1 0,-1-6 0,-1 1 0,-4-6 64,0 6-32,-4-7 64,0 3-64,-3-5-32,-2 6 32,-2-7 96,-3 5-64,-4-5 32,0 5-32,-7-6 160,-1 7-128,-8-1 256,2 4-224,-5 0 384,2 6-288,-8 4 224,3 4-224,-8 2 0,4 4-128,-9 0-64,7 4 0,-5 0-608,5 2 320,-3-3-3840,7 2 2241,1 0-4705,5 2 3712</inkml:trace>
+  <inkml:trace contextRef="#ctx0" brushRef="#br0" timeOffset="22">12674 13710 5888,'-3'0'2176,"3"0"-1152,2-2-640,-1 1 1024,0 2-800,1-1 608,1 0-704,1 0 512,2 2-576,0-2 256,2 3-416,1-1 0,2 3-192,2-1-64,0 1 0,3 1 32,2-1-32,1 1-32,1 0 32,-1-2-2720,0 2 1472,-2-2-3872,0 2 2848</inkml:trace>
+  <inkml:trace contextRef="#ctx0" brushRef="#br0" timeOffset="23">12640 13962 3200,'-2'-3'1216,"2"3"-640,3 2 96,-3-2 1120,2 1-992,-1 0 480,3 2-768,-3 0 288,2 1-480,0 1 192,2 0-288,-1-1 0,3 2-128,1-1 224,-1 2-192,2-1 32,0-1-96,0-1-192,0 1 64,2-4-2848,2 2 1568,-1-2-2880,1 0 2400</inkml:trace>
+  <inkml:trace contextRef="#ctx0" brushRef="#br0" timeOffset="24">12830 13728 2176,'0'0'864,"0"0"-448,0 0 128,0 0 1152,0 0-896,0 0 672,0 0-864,-2-2 448,2 2-608,-2-2 608,0 0-608,-1-1 480,2 2-512,-4-2 320,2 2-416,-1-3 256,-2 2-320,0-3 192,2 2-224,-2-4 0,0 3-128,0-6 0,3 5-32,-3-2 32,3 2-64,-2-3-32,3 4 32,-1-1-32,1 0 0,0 1-1280,2 1 704,-2 2-3424,4 1 2208</inkml:trace>
+</inkml:ink>
+</file>
+
+<file path=ppt/ink/ink159.xml><?xml version="1.0" encoding="utf-8"?>
+<inkml:ink xmlns:inkml="http://www.w3.org/2003/InkML">
+  <inkml:definitions>
+    <inkml:context xml:id="ctx0">
+      <inkml:inkSource xml:id="inkSrc0">
+        <inkml:traceFormat>
+          <inkml:channel name="X" type="integer" min="-2.14748E9" max="2.14748E9" units="cm"/>
+          <inkml:channel name="Y" type="integer" min="-2.14748E9" max="2.14748E9" units="cm"/>
+          <inkml:channel name="F" type="integer" max="32767" units="dev"/>
+        </inkml:traceFormat>
+        <inkml:channelProperties>
+          <inkml:channelProperty channel="X" name="resolution" value="1000" units="1/cm"/>
+          <inkml:channelProperty channel="Y" name="resolution" value="1000" units="1/cm"/>
+          <inkml:channelProperty channel="F" name="resolution" value="0" units="1/dev"/>
+        </inkml:channelProperties>
+      </inkml:inkSource>
+      <inkml:timestamp xml:id="ts0" timeString="2016-11-15T13:12:30.496"/>
+    </inkml:context>
+    <inkml:brush xml:id="br0">
+      <inkml:brushProperty name="width" value="0.06667" units="cm"/>
+      <inkml:brushProperty name="height" value="0.06667" units="cm"/>
+    </inkml:brush>
+  </inkml:definitions>
+  <inkml:trace contextRef="#ctx0" brushRef="#br0">13181 14216 7296,'-3'-6'2720,"3"6"-1472,3-12-1120,-1 4 960,2 2-672,1-6 416,0-2-480,0-3 320,1 4-384,2-5 192,1 2-256,0-2 64,1 3-160,-1-3 64,3 2-97,-1-1 1,0 5-32,0 0 384,-2 4-256,0 3 416,0 5-352,-4 5 160,1 3-256,-5 6 128,0 2-160,-2 6 64,1 1-96,-3 4 0,1-3-32,-1 4-64,1 0 32,-2 0-32,0-4 0,0 0-448,3-4 256,-3-5-1024,3-4 640,-1-7-1183,2 0 959,0-8-2400,2 0 1792,-1-2-2752,3-2 2368</inkml:trace>
+</inkml:ink>
+</file>
+
 <file path=ppt/ink/ink16.xml><?xml version="1.0" encoding="utf-8"?>
 <inkml:ink xmlns:inkml="http://www.w3.org/2003/InkML">
   <inkml:definitions>
@@ -3250,6 +4180,33 @@
     </inkml:annotationXML>
     <inkml:trace contextRef="#ctx0" brushRef="#br0">6311 12087 7040,'-10'3'2720,"-3"1"-1472,13-11 288,0 7 1312,0 0-769,0 0-223,0 0-320,0 0-96,6 0-800,1 0 128,6 0 96,-3 0-128,14 7-32,-4-3-128,4 6-32,-2-4-224,8 0-64,-3-2-128,10 7-96,-6-2 0,6-5 32,-7-2-96,4 4 0,-6-2 32,-2 5 64,-2-6-32,0 0 64,-4 0-64,-2-3 64,-2 0-64,-2 0 64,0 0-64,-4 8 64,-3-2-128,0 1 0,-4-1 32,0-3 0,1-3 0,-4 12 64,0-3-96,-4 8 0,1-1 96,-4 20 32,4-6-32,-4 9 32,0-5-64,-6 5 64,6-5-64,-4 20-32,-1 15 32,4-26 32,2-7 32,-2 3 32,2-8-160,2-4 32,2-4 0,-2-5 64,0-2-96,0-2 0,2-1-32,2-4 0,0 1 64,0-2 64,0-1-32,0-2 64,0 1-128,0-2-64,0-2 64,-4 1 64,0 1 0,-2-4 64,-2 0-64,-4 0-32,2 0 160,-8 0 128,-6 0-160,8 3 0,2 0-288,0 0-128,1-3-1824,3-6-832,-20-28-4576</inkml:trace>
   </inkml:traceGroup>
+</inkml:ink>
+</file>
+
+<file path=ppt/ink/ink160.xml><?xml version="1.0" encoding="utf-8"?>
+<inkml:ink xmlns:inkml="http://www.w3.org/2003/InkML">
+  <inkml:definitions>
+    <inkml:context xml:id="ctx0">
+      <inkml:inkSource xml:id="inkSrc0">
+        <inkml:traceFormat>
+          <inkml:channel name="X" type="integer" min="-2.14748E9" max="2.14748E9" units="cm"/>
+          <inkml:channel name="Y" type="integer" min="-2.14748E9" max="2.14748E9" units="cm"/>
+          <inkml:channel name="F" type="integer" max="32767" units="dev"/>
+        </inkml:traceFormat>
+        <inkml:channelProperties>
+          <inkml:channelProperty channel="X" name="resolution" value="1000" units="1/cm"/>
+          <inkml:channelProperty channel="Y" name="resolution" value="1000" units="1/cm"/>
+          <inkml:channelProperty channel="F" name="resolution" value="0" units="1/dev"/>
+        </inkml:channelProperties>
+      </inkml:inkSource>
+      <inkml:timestamp xml:id="ts0" timeString="2016-11-15T13:12:30.497"/>
+    </inkml:context>
+    <inkml:brush xml:id="br0">
+      <inkml:brushProperty name="width" value="0.06667" units="cm"/>
+      <inkml:brushProperty name="height" value="0.06667" units="cm"/>
+    </inkml:brush>
+  </inkml:definitions>
+  <inkml:trace contextRef="#ctx0" brushRef="#br0">10901 16327 6912,'-12'3'2624,"12"-3"-1408,0 7-448,0-7 1568,4 0-1280,1 0 735,6 0-1055,0 0 608,5 0-800,6 0 448,1 0-576,8 0 192,-2 0-352,9-3 64,0-1-192,9-1 160,-2-2-192,13-8 192,-5 8-192,12-5 256,-5 2-224,5-7 160,-7 6-160,2-2 64,1 2-96,4-2-64,-8 6 0,12-3 32,-4 6-32,7-2-32,-7 2 32,-1-3 96,-3 7-64,1-6 192,-6 6-160,9-7 96,-7 7-96,2-7 0,-2 7-32,3-2 32,-4 4-64,-3-2 64,-5 3-64,0-3 128,-6 4-96,-3-4-32,-2 0 0,2 0-32,-2 0 0,0 0 64,-4 0-32,-3 0 64,-2 0-64,-2 0 128,0 0-96,-5 0-32,-2 0 0,-2 0-32,2 0 0,-5 0 0,1 0 0,-5 0 0,0 0 0,-4 0 64,5 0-32,-4 0 64,3 0-64,-4 0-32,2 0 32,-2 0-32,1 0 0,-5 0 0,1 0 0,1 0 0,-3 0 0,-2 0 0,0 0 0,0 0 0,0 0 0,0 0-96,0 0 64,-2 0 96,2 0-32,-5 0 64,1 0-64,-3-4-32,7 4 32,-4-3-128,4 3 64,-7-2 96,3 2-32,-3-5-32,2 5 32,-6-2-32,3-3 0,-4 0 0,5 0 0,-8-4 0,4-1 0,-9-4 0,6 4 0,-6-4 0,5 7 0,-4-6 64,4 6-32,-5-7-32,9 4 32,-7-3-128,6 2 64,-7-6 32,7 7 0,-10-4 0,6 4 0,-6-6 64,2 6-32,-2-4-32,2 8 32,-10-8 32,6 4-32,-1-4 128,1 7-96,-5-6-32,5 6 0,-6-7 32,3 7-32,-8-6-32,13 4 32,-8-6 32,10 8-32,-11-5-32,13 1 32,-9-2-32,8 6 0,-4-7 64,5 7-32,-6-6-96,6 6 32,-5-7 32,3 8 0,-2-8 128,2 7-64,-7-6 32,9 6-32,-9-2-128,8 2 32,-4-3 32,5 5 0,-6-4 64,5 6-32,-7-4-32,3 3 32,-4-4-128,8 8 64,-4-5 32,4 5 0,-4-7 0,7 7 0,-2-7-96,7 7 64,-9-7 96,9 7-32,-5-7-32,9 7 32,-4-6-32,7 6 0,-7-7-96,6 3 64,-2-2 32,3 2 0,-3-3-448,7 7 256,-8-6-1664,8 6 1024,-3-7-6784,3 7 4225</inkml:trace>
 </inkml:ink>
 </file>
 
@@ -3778,7 +4735,6 @@
           <msink:context xmlns:msink="http://schemas.microsoft.com/ink/2010/main" type="inkDrawing" rotatedBoundingBox="7884,9649 17605,4268 22487,13089 12766,18469" hotPoints="20754,10970 15414,16310 10074,10970 15414,5630" semanticType="underline" shapeName="Circle">
             <msink:sourceLink direction="with" ref="{44F098EA-CEF4-4629-9416-841BA3D3CB13}"/>
             <msink:sourceLink direction="with" ref="{375BC2B7-3DD6-49A3-BD6D-41BDDE690C74}"/>
-            <msink:sourceLink direction="with" ref="{B2B979B6-04CC-4DAB-A0A9-8F8991300AB7}"/>
           </msink:context>
         </emma:interpretation>
       </emma:emma>
@@ -4000,92 +4956,6 @@
           <inkml:channelProperty channel="F" name="resolution" value="0" units="1/dev"/>
         </inkml:channelProperties>
       </inkml:inkSource>
-      <inkml:timestamp xml:id="ts0" timeString="2016-11-15T12:16:00.562"/>
-    </inkml:context>
-    <inkml:brush xml:id="br0">
-      <inkml:brushProperty name="width" value="0.06667" units="cm"/>
-      <inkml:brushProperty name="height" value="0.06667" units="cm"/>
-    </inkml:brush>
-  </inkml:definitions>
-  <inkml:traceGroup>
-    <inkml:annotationXML>
-      <emma:emma xmlns:emma="http://www.w3.org/2003/04/emma" version="1.0">
-        <emma:interpretation id="{B2B979B6-04CC-4DAB-A0A9-8F8991300AB7}" emma:medium="tactile" emma:mode="ink">
-          <msink:context xmlns:msink="http://schemas.microsoft.com/ink/2010/main" type="writingRegion" rotatedBoundingBox="13413,12486 17100,12678 16991,14769 13304,14577">
-            <msink:destinationLink direction="with" ref="{A417FA6F-2265-4C6C-9C7F-0306EE73F5FC}"/>
-            <msink:destinationLink direction="with" ref="{FB0998BE-3F77-4EB6-97BC-78F2DE8F6493}"/>
-          </msink:context>
-        </emma:interpretation>
-      </emma:emma>
-    </inkml:annotationXML>
-    <inkml:traceGroup>
-      <inkml:annotationXML>
-        <emma:emma xmlns:emma="http://www.w3.org/2003/04/emma" version="1.0">
-          <emma:interpretation id="{97833372-3371-40AC-BD71-A98F68AA7F60}" emma:medium="tactile" emma:mode="ink">
-            <msink:context xmlns:msink="http://schemas.microsoft.com/ink/2010/main" type="paragraph" rotatedBoundingBox="13413,12486 17100,12678 16991,14769 13304,14577" alignmentLevel="1"/>
-          </emma:interpretation>
-        </emma:emma>
-      </inkml:annotationXML>
-      <inkml:traceGroup>
-        <inkml:annotationXML>
-          <emma:emma xmlns:emma="http://www.w3.org/2003/04/emma" version="1.0">
-            <emma:interpretation id="{8BDD7D83-A1FF-49EA-8855-F4D1D24D0FDC}" emma:medium="tactile" emma:mode="ink">
-              <msink:context xmlns:msink="http://schemas.microsoft.com/ink/2010/main" type="line" rotatedBoundingBox="13413,12486 17100,12678 16991,14769 13304,14577"/>
-            </emma:interpretation>
-          </emma:emma>
-        </inkml:annotationXML>
-        <inkml:traceGroup>
-          <inkml:annotationXML>
-            <emma:emma xmlns:emma="http://www.w3.org/2003/04/emma" version="1.0">
-              <emma:interpretation id="{395BF748-CF02-467E-A1F2-E195F098B99A}" emma:medium="tactile" emma:mode="ink">
-                <msink:context xmlns:msink="http://schemas.microsoft.com/ink/2010/main" type="inkWord" rotatedBoundingBox="13413,12486 17100,12678 16991,14769 13304,14577">
-                  <msink:destinationLink direction="with" ref="{CD9E00CA-184A-4DB4-AB0D-D128C57C6EAF}"/>
-                </msink:context>
-              </emma:interpretation>
-              <emma:one-of disjunction-type="recognition" id="oneOf0">
-                <emma:interpretation id="interp0" emma:lang="nb-NO" emma:confidence="0">
-                  <emma:literal>åe*</emma:literal>
-                </emma:interpretation>
-                <emma:interpretation id="interp1" emma:lang="nb-NO" emma:confidence="0">
-                  <emma:literal>år*</emma:literal>
-                </emma:interpretation>
-                <emma:interpretation id="interp2" emma:lang="nb-NO" emma:confidence="0">
-                  <emma:literal>ål*</emma:literal>
-                </emma:interpretation>
-                <emma:interpretation id="interp3" emma:lang="nb-NO" emma:confidence="0">
-                  <emma:literal>å*</emma:literal>
-                </emma:interpretation>
-                <emma:interpretation id="interp4" emma:lang="nb-NO" emma:confidence="0">
-                  <emma:literal>åk*</emma:literal>
-                </emma:interpretation>
-              </emma:one-of>
-            </emma:emma>
-          </inkml:annotationXML>
-          <inkml:trace contextRef="#ctx0" brushRef="#br0">14595 12450 3840,'0'-6'1472,"0"6"-768,0-4-128,0 0 1280,0 4-1024,-15-4 736,15 8-928,-12-4 512,4 4-672,-18 3 96,14 3-320,-23 7-96,27 1-96,-19 4-128,19-1 32,-4 1 32,24 1 0,-4-5 0,27 4 0,0-14 0,11-2 0,1-12 0,14 1 0,-21-5 0,7-1 0,-12-3 64,11 6-32,-20-4 608,-3 4-352,-23-6 1024,12 3-737,-24-4 353,-2 5-544,-7-8-128,-2 5-160,-23-4 0,14 5-64,-17-2-576,25 7 288,-10 4-5023,25 6 2879</inkml:trace>
-          <inkml:trace contextRef="#ctx0" brushRef="#br0" timeOffset="6420">14026 12168 3456,'-11'-15'1408,"11"15"-768,0-10 160,0 7 1280,11 3-1152,4-7 576,-4-1-928,-2-2 256,3 3-480,2-8 160,-5 9-288,2-9 128,10 5-192,-7 0 224,12 2-256,-5 1 256,-1 7-256,6-3 320,9 6-256,-15-6 384,15-1-320,3-4 159,5 2-255,-5-5 128,-3 8-160,-1-8 64,1 11-96,-3-4-64,3 4 0,-9-3 32,9 6-32,-3-3 64,17 4-64,-17-4-32,14 6 32,-2-1-32,17-2 0,-6 4 0,3 0 0,0 4 0,14-1 0,-5 2 128,3 1-64,-4 2 32,7-2-32,-18 2 32,6-1-64,-15-3 64,-2 3-64,-12-1 64,8 2-64,-8-2-32,3 2 32,0-5-32,0 1 0,11-4 64,-11 0-32,-15-4 128,18 2-96,-18-2-32,3 1 0,-11-1-32,11 4 0,-11-4 64,-1 5-32,-11-8 64,0 0-64,-11 0 64,11 4-64,-21-4 128,7 3-96,-21-6 192,23 3-160,-22-7 96,13 2-96,-13-5 96,7 0-128,-28-5-32,23 8 0,-28-7-32,13 4 0,-8-5 64,6 5-32,-18-5 64,21 5-64,-36-5 64,22 5-64,-7-5 64,12 10-64,-18-7 64,18 9-64,-6-7-32,15 5 32,-9-5-32,20 7 0,-12-4 0,24 7 0,-14-3 0,16-2 0,1 2-96,5 3 64,15 0-32,15 3 0,-9 2 64,29 1 0,11 5 0,15 3 0,-6 0-96,6 4 64,-6-5 32,17 2 0,10-1 0,8 0 0,-24 0 0,7 1 0,8-2 0,0 2 0,-14-5 64,-9 1-32,-12-4 64,12 0-64,-14-4 64,2 2-64,-31-2 128,5 1-96,-20-4 256,12 0-192,-24-4 160,3 1-160,-17-9 0,6 2-64,-41-11-64,26 6 32,-31-10 32,19 5-32,-34-5-32,11 4 32,-11 4-32,26 5 0,-17-1 0,16 5 0,-36-9-96,22 6 64,3 1-32,32 3 0,-2-1 64,14 5 0,11 3 0,12 3 0,26 8-96,20 6 64,24 5 32,11 2 0,6 1 0,21 4 0,-7-1-96,-5-3 64,5 3 32,1 0 0,40 0 0,-29 1 0,18-5 0,-18 1 0,14-3 0,-11-2 0,0-5 64,-14-5-32,-9-7 128,-4 5-96,-28-8 128,-6 0-128,-20-3-32,-12 3 0,-34-5 32,11 2-32,-47-4 64,13 0-64,-82-7 64,14 0-64,-37-4-32,23 3 32,-20-2-32,28 4 0,7-2-160,20 8 96,-9-7-32,17 7 32,-8-3 128,40 5-32,-8-2-96,26 7 32,0 0-128,23 7 96,0 1 32,14 2 32,-5 2-96,23 1 64,29 9 32,20 1 0,20 2 64,7 0-32,-7-3 64,1-4-64,5-5-96,-5 2 32,48-2 32,-10 5 0,-36-11 64,-23 1-32,-26-8 64,3 3-64,-23-3 128,0 0-96,-23-6 32,-1-2-32,-57-6 32,-12 0-64,-58-15-32,0 8 32,-12-4-32,27 8 0,-15-1 0,23 3 0,-55-8 0,32 5 0,-12-4 0,38 9 0,-26-6-96,35 9 64,-12-4 32,24 7 0,2-3 0,21 5 0,-1 2-96,24 3 64,11 0-32,12 3 0,12 2 0,11 1 0,24 1 64,19 8 0,16 2-96,-1 1 64,20 0 32,30-1 0,-4 1 0,-14 2 0,15-2 0,-3 4 0,-9-4 0,-12-1 0,-14-2 128,-9-2-64,-20-5 128,-6 2-128,-29-6 32,-14-1-32,-38-6-64,14 3 32,-43-7 32,-6 0-32,-52-11 64,9 0-64,-44-7-32,32 8 32,-47-11-32,36 6 0,-47-2 0,17 7 0,-20-5 0,41 7 0,8 2 0,36 5 0,-1-2-96,23 3 64,-20-11-32,18 8 0,17-1-96,29 4 96,26 3 32,26 4 32,20 4-96,24 3 64,31-1-32,6 6 0,7 1 128,-10 2-32,-11-2 64,-12 2-64,-14-8 64,-9 4-64,-26-4 64,8 0-64,-31-7-32,14 3 32,-34-6 32,11-1-32,-35-2 64,9-1-64,-41-8-32,12 8 32,-41-11-128,15 8 64,-21-8 96,10 3-32,-24 2-32,23 3 32,-9-5 32,21 5-32,-23-5-32,37 8 32,-14-3-128,20 7 64,-6-5 32,21 4 0,-15 1-96,26 3 64,-6-3 96,15 6-32,-8 0-32,13 4 32,-19 3-32,34 2 0,-29 1 0,21 5 0,-7 0-96,10 4 64,-24-2 32,20 2 0,-5-1 0,8 4 0,-2 0 0,14 3 0,-12 14 64,12 1-32,0-8-32,12-7 32,2 0-32,-2-3 0,-3 8 0,2-6 0,-11-2 0,15-7 0,-15-8 0,9 1 0,-9-7 64,0-1-32,0-13-96,0 2 32,0-12 32,0-5 0,0-15 0,11 9 0,-11-16 0,15 12 0,-4-11 0,-2 8 0,3-9-96,11 12 64,-12-8 32,10 12 0,5-4 0,9 10 0,-1-3 0,13 11 0,-1-5 0,1 8 0,-4 3 0,3 8 0,1-5 0,14 8 0,-6-7 0,14 4 0,4-4 0,-6 7 0,2 0-96,-2 7 64,5 0-32,-2 7 0,-3-3 128,14 3-32,-26-4-32,6 5 32,-15-8 32,1 3-32,-4-7-32,4 4 32,-21-2 32,6 2-32,-9-4-32,3 0 32,-17-6-32,14 3 0,-23-3 64,0 3-32,-12-7-32,12 2 32,-20-2-32,-6 7 0,-9-6 0,0-1 0,-46-11 64,14 4-32,-25-4-96,22 8 32,-23-1 96,24 4-32,-24 0 64,23 4-64,-31-5-32,19 8 32,-19 0 96,28 3-64,4 5-96,22 2 0,-8 2 96,21-2-32,-39 3 64,32 5-64,-19 4-32,25-2 32,-23 5-32,23 3 0,-11 2 0,11-2 0,0 4 64,15 3-32,-27 14-32,24 1 32,-15 0-32,30-5 0,-18 8 64,20 0-32,-20 3-32,26-2 32,-15 12 32,30 2-32,-15-12-32,11-6 32,4-6-128,5 3 64,0 17 32,6-1 0,-14-6 64,11-11-32,-2-8-32,5-1 32,-18-14-128,4-1 64,2-11 96,-2-4-32,-12-7 64,0 0-64,0-22-96,0 1 32,0-24 32,0 5 0,0-8 0,0 1 0,0-6 0,0 10 0,0-20 0,9 10 0,2-3 0,4 7 0,-15-29 0,9 8 0,-9-1 64,11 11-32,4 0-96,-4 14 32,-11-1 32,9 12 0,-9-1 64,0 11-32,0-2-32,0 9 32,0 5-32,0 5 0,0 1 0,0 7 0,-9 0 0,-2 7 0,-15 11 0,26 7 0,-24 6 0,13 4 0,-24 0 0,23 1 0,-8-1 0,6 0 0,-7 2 64,21 4-32,-23 24-32,11 1 32,1 12-32,11-8 0,0 5 0,23-8 0,0-1 0,-2-6 0,5 5 0,-6-9 0,6 7 0,-6-3 0,4 3 0,2-5 0,-6-2 0,6-6 0,-6 0 0,15-5 0,-9-5 64,-5-5-32,-1-4-32,6-3 32,-3-11-32,0 3 0,1-7 0,-4 2 0,18 2 0,-4 1 0,-25-8 0,17-3 0,-26-7 64,12 4-32,-24-8 64,12 0-64,-26-6 64,6 2-64,-27-9 64,24 4-64,-23-15-96,25 6 32,-28-14-32,26 4 0,-12-14 64,15 8 0,-15-12-96,9 8 64,-9-4 32,15 11 0,-15-11 0,9 9 0,-6-11 0,9 8 0,-24-2 128,21 11-64,-8-2 32,13 13-32,-25-12-192,26 7 64,-15-3-32,9 10 32,-9-7 64,23 7 0,-23-2 64,24 8-32,-12 2-32,23 2 32,-12 5-32,12 6 0,0 5-96,12 6 64,2 4 32,18 3 0,3 14-96,11 0 64,12 12 32,0-9 0,-11 5 0,8-3 0,-6 5 0,9 1 0,-3 4 0,6-2 0,6-5-96,14-3 64,9-10-32,3-5 0,11-2 128,0-3-32,1-5-160,-1-2 64,1 2-2016,-13-1 1152,-13 4-6335,-1 0 4063</inkml:trace>
-        </inkml:traceGroup>
-      </inkml:traceGroup>
-    </inkml:traceGroup>
-  </inkml:traceGroup>
-</inkml:ink>
-</file>
-
-<file path=ppt/ink/ink26.xml><?xml version="1.0" encoding="utf-8"?>
-<inkml:ink xmlns:inkml="http://www.w3.org/2003/InkML">
-  <inkml:definitions>
-    <inkml:context xml:id="ctx0">
-      <inkml:inkSource xml:id="inkSrc0">
-        <inkml:traceFormat>
-          <inkml:channel name="X" type="integer" min="-2.14748E9" max="2.14748E9" units="cm"/>
-          <inkml:channel name="Y" type="integer" min="-2.14748E9" max="2.14748E9" units="cm"/>
-          <inkml:channel name="F" type="integer" max="32767" units="dev"/>
-        </inkml:traceFormat>
-        <inkml:channelProperties>
-          <inkml:channelProperty channel="X" name="resolution" value="1000" units="1/cm"/>
-          <inkml:channelProperty channel="Y" name="resolution" value="1000" units="1/cm"/>
-          <inkml:channelProperty channel="F" name="resolution" value="0" units="1/dev"/>
-        </inkml:channelProperties>
-      </inkml:inkSource>
       <inkml:timestamp xml:id="ts0" timeString="2016-11-15T12:15:35.238"/>
     </inkml:context>
     <inkml:brush xml:id="br0">
@@ -4097,9 +4967,7 @@
     <inkml:annotationXML>
       <emma:emma xmlns:emma="http://www.w3.org/2003/04/emma" version="1.0">
         <emma:interpretation id="{CD9E00CA-184A-4DB4-AB0D-D128C57C6EAF}" emma:medium="tactile" emma:mode="ink">
-          <msink:context xmlns:msink="http://schemas.microsoft.com/ink/2010/main" type="inkDrawing" rotatedBoundingBox="14744,11911 15001,10414 15466,10494 15209,11991" semanticType="callout" shapeName="Other">
-            <msink:sourceLink direction="with" ref="{395BF748-CF02-467E-A1F2-E195F098B99A}"/>
-          </msink:context>
+          <msink:context xmlns:msink="http://schemas.microsoft.com/ink/2010/main" type="inkDrawing" rotatedBoundingBox="14744,11911 15001,10414 15466,10494 15209,11991" semanticType="callout" shapeName="Other"/>
         </emma:interpretation>
       </emma:emma>
     </inkml:annotationXML>
@@ -4108,7 +4976,7 @@
 </inkml:ink>
 </file>
 
-<file path=ppt/ink/ink27.xml><?xml version="1.0" encoding="utf-8"?>
+<file path=ppt/ink/ink26.xml><?xml version="1.0" encoding="utf-8"?>
 <inkml:ink xmlns:inkml="http://www.w3.org/2003/InkML">
   <inkml:definitions>
     <inkml:context xml:id="ctx0">
@@ -4137,7 +5005,6 @@
         <emma:interpretation id="{FB0998BE-3F77-4EB6-97BC-78F2DE8F6493}" emma:medium="tactile" emma:mode="ink">
           <msink:context xmlns:msink="http://schemas.microsoft.com/ink/2010/main" type="inkDrawing" rotatedBoundingBox="13320,12649 16919,12639 16925,14765 13326,14775" hotPoints="13253,13835 13526,12763 16911,12881 16911,13956 15906,14812 13637,14625" semanticType="enclosure" shapeName="Hexagon">
             <msink:sourceLink direction="with" ref="{44F098EA-CEF4-4629-9416-841BA3D3CB13}"/>
-            <msink:sourceLink direction="with" ref="{B2B979B6-04CC-4DAB-A0A9-8F8991300AB7}"/>
           </msink:context>
         </emma:interpretation>
       </emma:emma>
@@ -4147,7 +5014,7 @@
 </inkml:ink>
 </file>
 
-<file path=ppt/ink/ink28.xml><?xml version="1.0" encoding="utf-8"?>
+<file path=ppt/ink/ink27.xml><?xml version="1.0" encoding="utf-8"?>
 <inkml:ink xmlns:inkml="http://www.w3.org/2003/InkML">
   <inkml:definitions>
     <inkml:context xml:id="ctx0">
@@ -4184,7 +5051,7 @@
 </inkml:ink>
 </file>
 
-<file path=ppt/ink/ink29.xml><?xml version="1.0" encoding="utf-8"?>
+<file path=ppt/ink/ink28.xml><?xml version="1.0" encoding="utf-8"?>
 <inkml:ink xmlns:inkml="http://www.w3.org/2003/InkML">
   <inkml:definitions>
     <inkml:context xml:id="ctx0">
@@ -4217,6 +5084,43 @@
       </emma:emma>
     </inkml:annotationXML>
     <inkml:trace contextRef="#ctx0" brushRef="#br0">2739 3506 5248,'-7'4'2016,"7"-4"-1088,0 2-320,0-2 1248,2 2-1056,0-2 704,2 1-896,5-1 512,2 0-640,1 0 256,2 0-448,5 0 255,2 0-287,4-1 192,-3 1-224,5-2 128,-2 0-192,2-2 128,0 2-160,4-5 160,-1 2-192,4-5 96,2 4-96,3-6 0,-4 4-32,5-2-64,-4 0 32,4-3-32,-2 2 0,8-3 64,-5 2-32,5-2 64,-3 1-64,5-2-32,2 1 32,-5-2 32,4 4-32,0-3-32,-2 2 32,1-3-32,2 2 0,2 2 64,2-2-192,0 4 32,-2-3 32,-7 0 160,-2 2 96,3 2-64,2-3-96,2 2 0,0-4 32,-3 2-32,-3 1-32,-1-2-64,3 0 32,4 2-32,0-2 0,-1-2 64,-3 0 0,-7 0 0,3-3 64,2 0-32,2 0 64,1-4 0,0 6 32,-1 0-64,-6-1 32,-2 0-64,0 3-32,-8 2 96,16-4 0,-2 0-32,2 1-64,-2 0 32,-5 1-32,-8 2 0,11 1 0,-9 2 0,10-4 0,1-2 64,0-1 32,-4 0-128,-2 0-32,-2 2 96,-1 1 32,2-2 64,1 4 0,1 0-64,8 0 32,-5 0-64,0-1 64,-8 0-64,-2 1-32,0 0 32,-2 1-32,4 1 0,-2 0 64,0-1-32,-1 2-32,0-2 32,-1 4 32,-4-4-32,-2 2-32,0 3 32,-6 0 32,1-1-96,-2 2 0,-1 0 96,1 1 32,-2 2 96,-1-2 32,-2 2-32,0-2 32,-2 2-64,2-1 0,-2 0-96,-2 0-64,0 0 32,0 0-32,-1-2 0,-2 3 64,-2-1-32,1 0 64,1 0-64,-1 1-32,-4-1 224,0 0 96,0 0-96,2 2-64,-2 0-64,4-2 0,-2 0-64,0 0-32,0 0-64,-2 2 32,0-1 32,0 1 64,0 0-32,0 0-32,0 0 32,0 0-32,4 0-96,-4 0 64,4 0 32,1 0 0,-5 0 64,0 0 32,0 0-128,3 1-32,1 1 96,-1 0 32,2 2-96,-5-4 32,1 4 0,4-1 0,-4 1 0,4-1 0,-1 3 0,0 0 64,0 4-96,0-2 0,0 5 32,0 2 64,0 1-32,0 1-32,2 0 96,0-1 0,-3 4-32,4 4-64,-1 2-64,0 0-32,0 0 64,0-2 64,0 2 64,-2 2 32,1 0-160,-1 6 32,0-1 0,1 4 64,-2 2-32,2-2 64,1 3-64,0-2-32,-2 4 96,0-4 0,2 3-128,1 2 32,1 1-64,1-8 0,-1 5 128,2-2 32,0 1-32,0-1-64,2 3 32,-2 1-32,0-3 0,0-3 0,1 2 64,1-1 32,-2-1-128,1-4-32,-1 1 32,0 1 0,-1-2 32,1-1 64,-1-5-96,-1-1 0,0-3 32,-2 1 0,0-5 0,0 2 64,-1-3 32,-4-4 32,-1 0-768,-1 0-288,-4-4-960,-1-2-320,-4-4-3935</inkml:trace>
+  </inkml:traceGroup>
+</inkml:ink>
+</file>
+
+<file path=ppt/ink/ink29.xml><?xml version="1.0" encoding="utf-8"?>
+<inkml:ink xmlns:inkml="http://www.w3.org/2003/InkML">
+  <inkml:definitions>
+    <inkml:context xml:id="ctx0">
+      <inkml:inkSource xml:id="inkSrc0">
+        <inkml:traceFormat>
+          <inkml:channel name="X" type="integer" min="-2.14748E9" max="2.14748E9" units="cm"/>
+          <inkml:channel name="Y" type="integer" min="-2.14748E9" max="2.14748E9" units="cm"/>
+          <inkml:channel name="F" type="integer" max="32767" units="dev"/>
+        </inkml:traceFormat>
+        <inkml:channelProperties>
+          <inkml:channelProperty channel="X" name="resolution" value="1000" units="1/cm"/>
+          <inkml:channelProperty channel="Y" name="resolution" value="1000" units="1/cm"/>
+          <inkml:channelProperty channel="F" name="resolution" value="0" units="1/dev"/>
+        </inkml:channelProperties>
+      </inkml:inkSource>
+      <inkml:timestamp xml:id="ts0" timeString="2016-11-15T12:16:50.963"/>
+    </inkml:context>
+    <inkml:brush xml:id="br0">
+      <inkml:brushProperty name="width" value="0.04667" units="cm"/>
+      <inkml:brushProperty name="height" value="0.04667" units="cm"/>
+      <inkml:brushProperty name="color" value="#ED1C24"/>
+    </inkml:brush>
+  </inkml:definitions>
+  <inkml:traceGroup>
+    <inkml:annotationXML>
+      <emma:emma xmlns:emma="http://www.w3.org/2003/04/emma" version="1.0">
+        <emma:interpretation id="{2667CC0A-525E-4D53-A90C-EEE6CF56BE0E}" emma:medium="tactile" emma:mode="ink">
+          <msink:context xmlns:msink="http://schemas.microsoft.com/ink/2010/main" type="inkDrawing"/>
+        </emma:interpretation>
+      </emma:emma>
+    </inkml:annotationXML>
+    <inkml:trace contextRef="#ctx0" brushRef="#br0">3176 5218 6144,'4'10'2368,"-4"-10"-1280,14 7-864,-5-6 992,0 3-704,4-2 672,2 0-704,4-2 544,2 2-576,1-4 384,0 0-480,10-4 192,0 2-321,9-4 65,0-2-160,9-3 224,-6 4-224,10-7 256,-2 3-256,8-6 256,-4 3-256,10-4 160,-6 3-160,12-6 64,-7 5-96,14-6 0,-9 6-32,11-6 96,-10 4-96,11-2 32,-6 3-32,6-5 32,-5 3-64,10-7 64,-10 4-64,8-2 64,-11 7-64,10-3 128,-12 3-96,10-5 32,-8 6-32,2-6 32,-7 6-64,8-5 128,-9 7-96,4-6 32,-6 5-32,5-7 32,-9 4-64,3-2 64,-9 5-64,6-2 192,-6 1-128,2-2 96,-8 5-96,6-1 0,-10 3-32,0-1 32,-8 4-64,0-2-32,-5 0 32,2-2-32,-1 6 0,0-3 128,-2 2-64,-2-1 32,0 5-32,-1-2-64,-4 1 32,0-3 32,-4 4-32,-3-5 128,4 2-96,-6 0-32,-2 0 0,3-6 32,-2 8-32,-1-6 128,0 3-96,1-2 32,0 3-32,-1 2-64,0 2 32,0-2-32,0 4 0,0-3-96,0 4 64,3-5 96,0 4-32,-1-4-640,0 4 320,-3-1-6367,-2 3 3647</inkml:trace>
   </inkml:traceGroup>
 </inkml:ink>
 </file>
@@ -4277,43 +5181,6 @@
           <inkml:channelProperty channel="F" name="resolution" value="0" units="1/dev"/>
         </inkml:channelProperties>
       </inkml:inkSource>
-      <inkml:timestamp xml:id="ts0" timeString="2016-11-15T12:16:50.963"/>
-    </inkml:context>
-    <inkml:brush xml:id="br0">
-      <inkml:brushProperty name="width" value="0.04667" units="cm"/>
-      <inkml:brushProperty name="height" value="0.04667" units="cm"/>
-      <inkml:brushProperty name="color" value="#ED1C24"/>
-    </inkml:brush>
-  </inkml:definitions>
-  <inkml:traceGroup>
-    <inkml:annotationXML>
-      <emma:emma xmlns:emma="http://www.w3.org/2003/04/emma" version="1.0">
-        <emma:interpretation id="{2667CC0A-525E-4D53-A90C-EEE6CF56BE0E}" emma:medium="tactile" emma:mode="ink">
-          <msink:context xmlns:msink="http://schemas.microsoft.com/ink/2010/main" type="inkDrawing"/>
-        </emma:interpretation>
-      </emma:emma>
-    </inkml:annotationXML>
-    <inkml:trace contextRef="#ctx0" brushRef="#br0">3176 5218 6144,'4'10'2368,"-4"-10"-1280,14 7-864,-5-6 992,0 3-704,4-2 672,2 0-704,4-2 544,2 2-576,1-4 384,0 0-480,10-4 192,0 2-321,9-4 65,0-2-160,9-3 224,-6 4-224,10-7 256,-2 3-256,8-6 256,-4 3-256,10-4 160,-6 3-160,12-6 64,-7 5-96,14-6 0,-9 6-32,11-6 96,-10 4-96,11-2 32,-6 3-32,6-5 32,-5 3-64,10-7 64,-10 4-64,8-2 64,-11 7-64,10-3 128,-12 3-96,10-5 32,-8 6-32,2-6 32,-7 6-64,8-5 128,-9 7-96,4-6 32,-6 5-32,5-7 32,-9 4-64,3-2 64,-9 5-64,6-2 192,-6 1-128,2-2 96,-8 5-96,6-1 0,-10 3-32,0-1 32,-8 4-64,0-2-32,-5 0 32,2-2-32,-1 6 0,0-3 128,-2 2-64,-2-1 32,0 5-32,-1-2-64,-4 1 32,0-3 32,-4 4-32,-3-5 128,4 2-96,-6 0-32,-2 0 0,3-6 32,-2 8-32,-1-6 128,0 3-96,1-2 32,0 3-32,-1 2-64,0 2 32,0-2-32,0 4 0,0-3-96,0 4 64,3-5 96,0 4-32,-1-4-640,0 4 320,-3-1-6367,-2 3 3647</inkml:trace>
-  </inkml:traceGroup>
-</inkml:ink>
-</file>
-
-<file path=ppt/ink/ink31.xml><?xml version="1.0" encoding="utf-8"?>
-<inkml:ink xmlns:inkml="http://www.w3.org/2003/InkML">
-  <inkml:definitions>
-    <inkml:context xml:id="ctx0">
-      <inkml:inkSource xml:id="inkSrc0">
-        <inkml:traceFormat>
-          <inkml:channel name="X" type="integer" min="-2.14748E9" max="2.14748E9" units="cm"/>
-          <inkml:channel name="Y" type="integer" min="-2.14748E9" max="2.14748E9" units="cm"/>
-          <inkml:channel name="F" type="integer" max="32767" units="dev"/>
-        </inkml:traceFormat>
-        <inkml:channelProperties>
-          <inkml:channelProperty channel="X" name="resolution" value="1000" units="1/cm"/>
-          <inkml:channelProperty channel="Y" name="resolution" value="1000" units="1/cm"/>
-          <inkml:channelProperty channel="F" name="resolution" value="0" units="1/dev"/>
-        </inkml:channelProperties>
-      </inkml:inkSource>
       <inkml:timestamp xml:id="ts0" timeString="2016-11-15T12:16:52.217"/>
     </inkml:context>
     <inkml:brush xml:id="br0">
@@ -4335,7 +5202,7 @@
 </inkml:ink>
 </file>
 
-<file path=ppt/ink/ink32.xml><?xml version="1.0" encoding="utf-8"?>
+<file path=ppt/ink/ink31.xml><?xml version="1.0" encoding="utf-8"?>
 <inkml:ink xmlns:inkml="http://www.w3.org/2003/InkML">
   <inkml:definitions>
     <inkml:context xml:id="ctx0">
@@ -4372,7 +5239,7 @@
 </inkml:ink>
 </file>
 
-<file path=ppt/ink/ink33.xml><?xml version="1.0" encoding="utf-8"?>
+<file path=ppt/ink/ink32.xml><?xml version="1.0" encoding="utf-8"?>
 <inkml:ink xmlns:inkml="http://www.w3.org/2003/InkML">
   <inkml:definitions>
     <inkml:context xml:id="ctx0">
@@ -4409,7 +5276,7 @@
 </inkml:ink>
 </file>
 
-<file path=ppt/ink/ink34.xml><?xml version="1.0" encoding="utf-8"?>
+<file path=ppt/ink/ink33.xml><?xml version="1.0" encoding="utf-8"?>
 <inkml:ink xmlns:inkml="http://www.w3.org/2003/InkML">
   <inkml:definitions>
     <inkml:context xml:id="ctx0">
@@ -4446,7 +5313,7 @@
 </inkml:ink>
 </file>
 
-<file path=ppt/ink/ink35.xml><?xml version="1.0" encoding="utf-8"?>
+<file path=ppt/ink/ink34.xml><?xml version="1.0" encoding="utf-8"?>
 <inkml:ink xmlns:inkml="http://www.w3.org/2003/InkML">
   <inkml:definitions>
     <inkml:context xml:id="ctx0">
@@ -4483,7 +5350,7 @@
 </inkml:ink>
 </file>
 
-<file path=ppt/ink/ink36.xml><?xml version="1.0" encoding="utf-8"?>
+<file path=ppt/ink/ink35.xml><?xml version="1.0" encoding="utf-8"?>
 <inkml:ink xmlns:inkml="http://www.w3.org/2003/InkML">
   <inkml:definitions>
     <inkml:context xml:id="ctx0">
@@ -4520,7 +5387,7 @@
 </inkml:ink>
 </file>
 
-<file path=ppt/ink/ink37.xml><?xml version="1.0" encoding="utf-8"?>
+<file path=ppt/ink/ink36.xml><?xml version="1.0" encoding="utf-8"?>
 <inkml:ink xmlns:inkml="http://www.w3.org/2003/InkML">
   <inkml:definitions>
     <inkml:context xml:id="ctx0">
@@ -4557,7 +5424,7 @@
 </inkml:ink>
 </file>
 
-<file path=ppt/ink/ink38.xml><?xml version="1.0" encoding="utf-8"?>
+<file path=ppt/ink/ink37.xml><?xml version="1.0" encoding="utf-8"?>
 <inkml:ink xmlns:inkml="http://www.w3.org/2003/InkML">
   <inkml:definitions>
     <inkml:context xml:id="ctx0">
@@ -4594,7 +5461,7 @@
 </inkml:ink>
 </file>
 
-<file path=ppt/ink/ink39.xml><?xml version="1.0" encoding="utf-8"?>
+<file path=ppt/ink/ink38.xml><?xml version="1.0" encoding="utf-8"?>
 <inkml:ink xmlns:inkml="http://www.w3.org/2003/InkML">
   <inkml:definitions>
     <inkml:context xml:id="ctx0">
@@ -4627,6 +5494,43 @@
       </emma:emma>
     </inkml:annotationXML>
     <inkml:trace contextRef="#ctx0" brushRef="#br0">4917 3831 7040,'-17'-21'2720,"17"21"-1472,-4-10-416,2 6 1408,4 2-1248,-2 0 288,0 2-769,0 0 129,4 4-384,1 7 288,-1 2-320,0 9 224,2 0-224,-2 6 128,2 2-192,-1-1 64,-1-2-128,0-3 0,0-2-32,0-5 96,1-4-96,-4-7 256,4-3-192,-5-14 96,1 0-128,-1-13 96,0 0-128,0-9 192,5 5-160,-1-1 96,4 3-96,1 0 0,-1 6-32,2-4-64,2 5 32,1 1 32,0 6-32,1-1 128,1 5-96,-1 4 192,2 6-160,1 4 256,-2 3-224,2 9 256,-1 2-256,-3 9 160,-1-2-160,-2 2 0,1 1-64,-5-2 32,2-4-64,-4-4-32,2-2 32,-1-5-960,-1-2 512,-2-7-2656,2-2 1728,-4-11-5343,2-1 3743</inkml:trace>
+  </inkml:traceGroup>
+</inkml:ink>
+</file>
+
+<file path=ppt/ink/ink39.xml><?xml version="1.0" encoding="utf-8"?>
+<inkml:ink xmlns:inkml="http://www.w3.org/2003/InkML">
+  <inkml:definitions>
+    <inkml:context xml:id="ctx0">
+      <inkml:inkSource xml:id="inkSrc0">
+        <inkml:traceFormat>
+          <inkml:channel name="X" type="integer" min="-2.14748E9" max="2.14748E9" units="cm"/>
+          <inkml:channel name="Y" type="integer" min="-2.14748E9" max="2.14748E9" units="cm"/>
+          <inkml:channel name="F" type="integer" max="32767" units="dev"/>
+        </inkml:traceFormat>
+        <inkml:channelProperties>
+          <inkml:channelProperty channel="X" name="resolution" value="1000" units="1/cm"/>
+          <inkml:channelProperty channel="Y" name="resolution" value="1000" units="1/cm"/>
+          <inkml:channelProperty channel="F" name="resolution" value="0" units="1/dev"/>
+        </inkml:channelProperties>
+      </inkml:inkSource>
+      <inkml:timestamp xml:id="ts0" timeString="2016-11-15T12:17:07.893"/>
+    </inkml:context>
+    <inkml:brush xml:id="br0">
+      <inkml:brushProperty name="width" value="0.04667" units="cm"/>
+      <inkml:brushProperty name="height" value="0.04667" units="cm"/>
+      <inkml:brushProperty name="color" value="#ED1C24"/>
+    </inkml:brush>
+  </inkml:definitions>
+  <inkml:traceGroup>
+    <inkml:annotationXML>
+      <emma:emma xmlns:emma="http://www.w3.org/2003/04/emma" version="1.0">
+        <emma:interpretation id="{8D51B0CD-055C-4C79-A0D1-2D4F0048E785}" emma:medium="tactile" emma:mode="ink">
+          <msink:context xmlns:msink="http://schemas.microsoft.com/ink/2010/main" type="inkDrawing"/>
+        </emma:interpretation>
+      </emma:emma>
+    </inkml:annotationXML>
+    <inkml:trace contextRef="#ctx0" brushRef="#br0">5603 3211 9984,'-11'-6'3776,"11"6"-2048,-6-2-1248,2 1 1567,0 1-1215,-6 0 768,2 1-960,-7 1 640,2 2-736,-5 5 576,2 4-640,-6 4 96,6 3-320,-5 6-160,6 1-64,-3 9-32,5-4 0,-2 9 0,7-3 0,2 5 0,6-6 0,2 5 0,4-5 0,5 0-96,2-6 64,5 1-32,2-2 0,4-5-224,-4-3 160,3-9-384,-2-2 288,2-11-224,0-2 256,-1-8-256,1-2 256,-2-10-128,-1 2 192,-5-11 128,0 3 32,-5-9 128,0 3-96,-5-8-96,-2 4 0,-5-5 224,1 9-96,-12-7 544,5 7-384,-8-4 384,3 6-352,-4 3 0,5 7-192,-2 1-832,5 8 384,-4 3-3232,3 4 1984,0 2-5439,4 4 3935</inkml:trace>
   </inkml:traceGroup>
 </inkml:ink>
 </file>
@@ -4687,43 +5591,6 @@
           <inkml:channelProperty channel="F" name="resolution" value="0" units="1/dev"/>
         </inkml:channelProperties>
       </inkml:inkSource>
-      <inkml:timestamp xml:id="ts0" timeString="2016-11-15T12:17:07.893"/>
-    </inkml:context>
-    <inkml:brush xml:id="br0">
-      <inkml:brushProperty name="width" value="0.04667" units="cm"/>
-      <inkml:brushProperty name="height" value="0.04667" units="cm"/>
-      <inkml:brushProperty name="color" value="#ED1C24"/>
-    </inkml:brush>
-  </inkml:definitions>
-  <inkml:traceGroup>
-    <inkml:annotationXML>
-      <emma:emma xmlns:emma="http://www.w3.org/2003/04/emma" version="1.0">
-        <emma:interpretation id="{8D51B0CD-055C-4C79-A0D1-2D4F0048E785}" emma:medium="tactile" emma:mode="ink">
-          <msink:context xmlns:msink="http://schemas.microsoft.com/ink/2010/main" type="inkDrawing"/>
-        </emma:interpretation>
-      </emma:emma>
-    </inkml:annotationXML>
-    <inkml:trace contextRef="#ctx0" brushRef="#br0">5603 3211 9984,'-11'-6'3776,"11"6"-2048,-6-2-1248,2 1 1567,0 1-1215,-6 0 768,2 1-960,-7 1 640,2 2-736,-5 5 576,2 4-640,-6 4 96,6 3-320,-5 6-160,6 1-64,-3 9-32,5-4 0,-2 9 0,7-3 0,2 5 0,6-6 0,2 5 0,4-5 0,5 0-96,2-6 64,5 1-32,2-2 0,4-5-224,-4-3 160,3-9-384,-2-2 288,2-11-224,0-2 256,-1-8-256,1-2 256,-2-10-128,-1 2 192,-5-11 128,0 3 32,-5-9 128,0 3-96,-5-8-96,-2 4 0,-5-5 224,1 9-96,-12-7 544,5 7-384,-8-4 384,3 6-352,-4 3 0,5 7-192,-2 1-832,5 8 384,-4 3-3232,3 4 1984,0 2-5439,4 4 3935</inkml:trace>
-  </inkml:traceGroup>
-</inkml:ink>
-</file>
-
-<file path=ppt/ink/ink41.xml><?xml version="1.0" encoding="utf-8"?>
-<inkml:ink xmlns:inkml="http://www.w3.org/2003/InkML">
-  <inkml:definitions>
-    <inkml:context xml:id="ctx0">
-      <inkml:inkSource xml:id="inkSrc0">
-        <inkml:traceFormat>
-          <inkml:channel name="X" type="integer" min="-2.14748E9" max="2.14748E9" units="cm"/>
-          <inkml:channel name="Y" type="integer" min="-2.14748E9" max="2.14748E9" units="cm"/>
-          <inkml:channel name="F" type="integer" max="32767" units="dev"/>
-        </inkml:traceFormat>
-        <inkml:channelProperties>
-          <inkml:channelProperty channel="X" name="resolution" value="1000" units="1/cm"/>
-          <inkml:channelProperty channel="Y" name="resolution" value="1000" units="1/cm"/>
-          <inkml:channelProperty channel="F" name="resolution" value="0" units="1/dev"/>
-        </inkml:channelProperties>
-      </inkml:inkSource>
       <inkml:timestamp xml:id="ts0" timeString="2016-11-15T12:17:08.631"/>
     </inkml:context>
     <inkml:brush xml:id="br0">
@@ -4745,7 +5612,7 @@
 </inkml:ink>
 </file>
 
-<file path=ppt/ink/ink42.xml><?xml version="1.0" encoding="utf-8"?>
+<file path=ppt/ink/ink41.xml><?xml version="1.0" encoding="utf-8"?>
 <inkml:ink xmlns:inkml="http://www.w3.org/2003/InkML">
   <inkml:definitions>
     <inkml:context xml:id="ctx0">
@@ -4782,7 +5649,7 @@
 </inkml:ink>
 </file>
 
-<file path=ppt/ink/ink43.xml><?xml version="1.0" encoding="utf-8"?>
+<file path=ppt/ink/ink42.xml><?xml version="1.0" encoding="utf-8"?>
 <inkml:ink xmlns:inkml="http://www.w3.org/2003/InkML">
   <inkml:definitions>
     <inkml:context xml:id="ctx0">
@@ -4819,7 +5686,7 @@
 </inkml:ink>
 </file>
 
-<file path=ppt/ink/ink44.xml><?xml version="1.0" encoding="utf-8"?>
+<file path=ppt/ink/ink43.xml><?xml version="1.0" encoding="utf-8"?>
 <inkml:ink xmlns:inkml="http://www.w3.org/2003/InkML">
   <inkml:definitions>
     <inkml:context xml:id="ctx0">
@@ -4856,7 +5723,7 @@
 </inkml:ink>
 </file>
 
-<file path=ppt/ink/ink45.xml><?xml version="1.0" encoding="utf-8"?>
+<file path=ppt/ink/ink44.xml><?xml version="1.0" encoding="utf-8"?>
 <inkml:ink xmlns:inkml="http://www.w3.org/2003/InkML">
   <inkml:definitions>
     <inkml:context xml:id="ctx0">
@@ -4892,7 +5759,7 @@
 </inkml:ink>
 </file>
 
-<file path=ppt/ink/ink46.xml><?xml version="1.0" encoding="utf-8"?>
+<file path=ppt/ink/ink45.xml><?xml version="1.0" encoding="utf-8"?>
 <inkml:ink xmlns:inkml="http://www.w3.org/2003/InkML">
   <inkml:definitions>
     <inkml:context xml:id="ctx0">
@@ -4928,7 +5795,7 @@
 </inkml:ink>
 </file>
 
-<file path=ppt/ink/ink47.xml><?xml version="1.0" encoding="utf-8"?>
+<file path=ppt/ink/ink46.xml><?xml version="1.0" encoding="utf-8"?>
 <inkml:ink xmlns:inkml="http://www.w3.org/2003/InkML">
   <inkml:definitions>
     <inkml:context xml:id="ctx0">
@@ -4964,7 +5831,7 @@
 </inkml:ink>
 </file>
 
-<file path=ppt/ink/ink48.xml><?xml version="1.0" encoding="utf-8"?>
+<file path=ppt/ink/ink47.xml><?xml version="1.0" encoding="utf-8"?>
 <inkml:ink xmlns:inkml="http://www.w3.org/2003/InkML">
   <inkml:definitions>
     <inkml:context xml:id="ctx0">
@@ -5000,7 +5867,7 @@
 </inkml:ink>
 </file>
 
-<file path=ppt/ink/ink49.xml><?xml version="1.0" encoding="utf-8"?>
+<file path=ppt/ink/ink48.xml><?xml version="1.0" encoding="utf-8"?>
 <inkml:ink xmlns:inkml="http://www.w3.org/2003/InkML">
   <inkml:definitions>
     <inkml:context xml:id="ctx0">
@@ -5032,6 +5899,42 @@
       </emma:emma>
     </inkml:annotationXML>
     <inkml:trace contextRef="#ctx0" brushRef="#br0">7938 10772 2816,'30'-19'1120,"-30"19"-576,35-56-64,-19 33 544,1 3-544,13-16-32,7 7-288,11-14 32,1 9-96,5-18-2016,-3 13 1024</inkml:trace>
+  </inkml:traceGroup>
+</inkml:ink>
+</file>
+
+<file path=ppt/ink/ink49.xml><?xml version="1.0" encoding="utf-8"?>
+<inkml:ink xmlns:inkml="http://www.w3.org/2003/InkML">
+  <inkml:definitions>
+    <inkml:context xml:id="ctx0">
+      <inkml:inkSource xml:id="inkSrc0">
+        <inkml:traceFormat>
+          <inkml:channel name="X" type="integer" min="-2.14748E9" max="2.14748E9" units="cm"/>
+          <inkml:channel name="Y" type="integer" min="-2.14748E9" max="2.14748E9" units="cm"/>
+          <inkml:channel name="F" type="integer" max="32767" units="dev"/>
+        </inkml:traceFormat>
+        <inkml:channelProperties>
+          <inkml:channelProperty channel="X" name="resolution" value="1000" units="1/cm"/>
+          <inkml:channelProperty channel="Y" name="resolution" value="1000" units="1/cm"/>
+          <inkml:channelProperty channel="F" name="resolution" value="0" units="1/dev"/>
+        </inkml:channelProperties>
+      </inkml:inkSource>
+      <inkml:timestamp xml:id="ts0" timeString="2016-11-15T12:17:51.093"/>
+    </inkml:context>
+    <inkml:brush xml:id="br0">
+      <inkml:brushProperty name="width" value="0.06667" units="cm"/>
+      <inkml:brushProperty name="height" value="0.06667" units="cm"/>
+    </inkml:brush>
+  </inkml:definitions>
+  <inkml:traceGroup>
+    <inkml:annotationXML>
+      <emma:emma xmlns:emma="http://www.w3.org/2003/04/emma" version="1.0">
+        <emma:interpretation id="{CCAB6481-9F2C-402F-8653-8E0AF06E5C93}" emma:medium="tactile" emma:mode="ink">
+          <msink:context xmlns:msink="http://schemas.microsoft.com/ink/2010/main" type="inkDrawing"/>
+        </emma:interpretation>
+      </emma:emma>
+    </inkml:annotationXML>
+    <inkml:trace contextRef="#ctx0" brushRef="#br0">8215 10759 2048,'100'-113'768,"-100"113"-384,91-123-384,-63 84 224,-8 18-128,17-21-960,3 7 448</inkml:trace>
   </inkml:traceGroup>
 </inkml:ink>
 </file>
@@ -5090,42 +5993,6 @@
           <inkml:channelProperty channel="F" name="resolution" value="0" units="1/dev"/>
         </inkml:channelProperties>
       </inkml:inkSource>
-      <inkml:timestamp xml:id="ts0" timeString="2016-11-15T12:17:51.093"/>
-    </inkml:context>
-    <inkml:brush xml:id="br0">
-      <inkml:brushProperty name="width" value="0.06667" units="cm"/>
-      <inkml:brushProperty name="height" value="0.06667" units="cm"/>
-    </inkml:brush>
-  </inkml:definitions>
-  <inkml:traceGroup>
-    <inkml:annotationXML>
-      <emma:emma xmlns:emma="http://www.w3.org/2003/04/emma" version="1.0">
-        <emma:interpretation id="{CCAB6481-9F2C-402F-8653-8E0AF06E5C93}" emma:medium="tactile" emma:mode="ink">
-          <msink:context xmlns:msink="http://schemas.microsoft.com/ink/2010/main" type="inkDrawing"/>
-        </emma:interpretation>
-      </emma:emma>
-    </inkml:annotationXML>
-    <inkml:trace contextRef="#ctx0" brushRef="#br0">8215 10759 2048,'100'-113'768,"-100"113"-384,91-123-384,-63 84 224,-8 18-128,17-21-960,3 7 448</inkml:trace>
-  </inkml:traceGroup>
-</inkml:ink>
-</file>
-
-<file path=ppt/ink/ink51.xml><?xml version="1.0" encoding="utf-8"?>
-<inkml:ink xmlns:inkml="http://www.w3.org/2003/InkML">
-  <inkml:definitions>
-    <inkml:context xml:id="ctx0">
-      <inkml:inkSource xml:id="inkSrc0">
-        <inkml:traceFormat>
-          <inkml:channel name="X" type="integer" min="-2.14748E9" max="2.14748E9" units="cm"/>
-          <inkml:channel name="Y" type="integer" min="-2.14748E9" max="2.14748E9" units="cm"/>
-          <inkml:channel name="F" type="integer" max="32767" units="dev"/>
-        </inkml:traceFormat>
-        <inkml:channelProperties>
-          <inkml:channelProperty channel="X" name="resolution" value="1000" units="1/cm"/>
-          <inkml:channelProperty channel="Y" name="resolution" value="1000" units="1/cm"/>
-          <inkml:channelProperty channel="F" name="resolution" value="0" units="1/dev"/>
-        </inkml:channelProperties>
-      </inkml:inkSource>
       <inkml:timestamp xml:id="ts0" timeString="2016-11-15T12:17:51.577"/>
     </inkml:context>
     <inkml:brush xml:id="br0">
@@ -5146,7 +6013,7 @@
 </inkml:ink>
 </file>
 
-<file path=ppt/ink/ink52.xml><?xml version="1.0" encoding="utf-8"?>
+<file path=ppt/ink/ink51.xml><?xml version="1.0" encoding="utf-8"?>
 <inkml:ink xmlns:inkml="http://www.w3.org/2003/InkML">
   <inkml:definitions>
     <inkml:context xml:id="ctx0">
@@ -5182,7 +6049,7 @@
 </inkml:ink>
 </file>
 
-<file path=ppt/ink/ink53.xml><?xml version="1.0" encoding="utf-8"?>
+<file path=ppt/ink/ink52.xml><?xml version="1.0" encoding="utf-8"?>
 <inkml:ink xmlns:inkml="http://www.w3.org/2003/InkML">
   <inkml:definitions>
     <inkml:context xml:id="ctx0">
@@ -5218,7 +6085,7 @@
 </inkml:ink>
 </file>
 
-<file path=ppt/ink/ink54.xml><?xml version="1.0" encoding="utf-8"?>
+<file path=ppt/ink/ink53.xml><?xml version="1.0" encoding="utf-8"?>
 <inkml:ink xmlns:inkml="http://www.w3.org/2003/InkML">
   <inkml:definitions>
     <inkml:context xml:id="ctx0">
@@ -5254,7 +6121,7 @@
 </inkml:ink>
 </file>
 
-<file path=ppt/ink/ink55.xml><?xml version="1.0" encoding="utf-8"?>
+<file path=ppt/ink/ink54.xml><?xml version="1.0" encoding="utf-8"?>
 <inkml:ink xmlns:inkml="http://www.w3.org/2003/InkML">
   <inkml:definitions>
     <inkml:context xml:id="ctx0">
@@ -5290,7 +6157,7 @@
 </inkml:ink>
 </file>
 
-<file path=ppt/ink/ink56.xml><?xml version="1.0" encoding="utf-8"?>
+<file path=ppt/ink/ink55.xml><?xml version="1.0" encoding="utf-8"?>
 <inkml:ink xmlns:inkml="http://www.w3.org/2003/InkML">
   <inkml:definitions>
     <inkml:context xml:id="ctx0">
@@ -5326,7 +6193,7 @@
 </inkml:ink>
 </file>
 
-<file path=ppt/ink/ink57.xml><?xml version="1.0" encoding="utf-8"?>
+<file path=ppt/ink/ink56.xml><?xml version="1.0" encoding="utf-8"?>
 <inkml:ink xmlns:inkml="http://www.w3.org/2003/InkML">
   <inkml:definitions>
     <inkml:context xml:id="ctx0">
@@ -5362,7 +6229,7 @@
 </inkml:ink>
 </file>
 
-<file path=ppt/ink/ink58.xml><?xml version="1.0" encoding="utf-8"?>
+<file path=ppt/ink/ink57.xml><?xml version="1.0" encoding="utf-8"?>
 <inkml:ink xmlns:inkml="http://www.w3.org/2003/InkML">
   <inkml:definitions>
     <inkml:context xml:id="ctx0">
@@ -5398,7 +6265,7 @@
 </inkml:ink>
 </file>
 
-<file path=ppt/ink/ink59.xml><?xml version="1.0" encoding="utf-8"?>
+<file path=ppt/ink/ink58.xml><?xml version="1.0" encoding="utf-8"?>
 <inkml:ink xmlns:inkml="http://www.w3.org/2003/InkML">
   <inkml:definitions>
     <inkml:context xml:id="ctx0">
@@ -5430,6 +6297,42 @@
       </emma:emma>
     </inkml:annotationXML>
     <inkml:trace contextRef="#ctx0" brushRef="#br0">9942 10914 5888,'10'-15'2272,"-10"15"-1216,37-51-896,-27 31 672,3 5-512,11-31-96,6 5-128,8-16 0,2 10-64,10-17-2976,2 7 1600</inkml:trace>
+  </inkml:traceGroup>
+</inkml:ink>
+</file>
+
+<file path=ppt/ink/ink59.xml><?xml version="1.0" encoding="utf-8"?>
+<inkml:ink xmlns:inkml="http://www.w3.org/2003/InkML">
+  <inkml:definitions>
+    <inkml:context xml:id="ctx0">
+      <inkml:inkSource xml:id="inkSrc0">
+        <inkml:traceFormat>
+          <inkml:channel name="X" type="integer" min="-2.14748E9" max="2.14748E9" units="cm"/>
+          <inkml:channel name="Y" type="integer" min="-2.14748E9" max="2.14748E9" units="cm"/>
+          <inkml:channel name="F" type="integer" max="32767" units="dev"/>
+        </inkml:traceFormat>
+        <inkml:channelProperties>
+          <inkml:channelProperty channel="X" name="resolution" value="1000" units="1/cm"/>
+          <inkml:channelProperty channel="Y" name="resolution" value="1000" units="1/cm"/>
+          <inkml:channelProperty channel="F" name="resolution" value="0" units="1/dev"/>
+        </inkml:channelProperties>
+      </inkml:inkSource>
+      <inkml:timestamp xml:id="ts0" timeString="2016-11-15T12:17:56.078"/>
+    </inkml:context>
+    <inkml:brush xml:id="br0">
+      <inkml:brushProperty name="width" value="0.06667" units="cm"/>
+      <inkml:brushProperty name="height" value="0.06667" units="cm"/>
+    </inkml:brush>
+  </inkml:definitions>
+  <inkml:traceGroup>
+    <inkml:annotationXML>
+      <emma:emma xmlns:emma="http://www.w3.org/2003/04/emma" version="1.0">
+        <emma:interpretation id="{71AD8FE5-1151-439B-9647-867EE5DB0F66}" emma:medium="tactile" emma:mode="ink">
+          <msink:context xmlns:msink="http://schemas.microsoft.com/ink/2010/main" type="inkDrawing"/>
+        </emma:interpretation>
+      </emma:emma>
+    </inkml:annotationXML>
+    <inkml:trace contextRef="#ctx0" brushRef="#br0">10185 11391 6144,'10'-22'2272,"-10"22"-1216,41-63-800,-25 39 800,2 7-640,15-32-32,7 5-256,3-16-96,2 9 0,15-21-1888,-3 12 1024,8-8-2880,-2 8 2048</inkml:trace>
   </inkml:traceGroup>
 </inkml:ink>
 </file>
@@ -5490,42 +6393,6 @@
           <inkml:channelProperty channel="F" name="resolution" value="0" units="1/dev"/>
         </inkml:channelProperties>
       </inkml:inkSource>
-      <inkml:timestamp xml:id="ts0" timeString="2016-11-15T12:17:56.078"/>
-    </inkml:context>
-    <inkml:brush xml:id="br0">
-      <inkml:brushProperty name="width" value="0.06667" units="cm"/>
-      <inkml:brushProperty name="height" value="0.06667" units="cm"/>
-    </inkml:brush>
-  </inkml:definitions>
-  <inkml:traceGroup>
-    <inkml:annotationXML>
-      <emma:emma xmlns:emma="http://www.w3.org/2003/04/emma" version="1.0">
-        <emma:interpretation id="{71AD8FE5-1151-439B-9647-867EE5DB0F66}" emma:medium="tactile" emma:mode="ink">
-          <msink:context xmlns:msink="http://schemas.microsoft.com/ink/2010/main" type="inkDrawing"/>
-        </emma:interpretation>
-      </emma:emma>
-    </inkml:annotationXML>
-    <inkml:trace contextRef="#ctx0" brushRef="#br0">10185 11391 6144,'10'-22'2272,"-10"22"-1216,41-63-800,-25 39 800,2 7-640,15-32-32,7 5-256,3-16-96,2 9 0,15-21-1888,-3 12 1024,8-8-2880,-2 8 2048</inkml:trace>
-  </inkml:traceGroup>
-</inkml:ink>
-</file>
-
-<file path=ppt/ink/ink61.xml><?xml version="1.0" encoding="utf-8"?>
-<inkml:ink xmlns:inkml="http://www.w3.org/2003/InkML">
-  <inkml:definitions>
-    <inkml:context xml:id="ctx0">
-      <inkml:inkSource xml:id="inkSrc0">
-        <inkml:traceFormat>
-          <inkml:channel name="X" type="integer" min="-2.14748E9" max="2.14748E9" units="cm"/>
-          <inkml:channel name="Y" type="integer" min="-2.14748E9" max="2.14748E9" units="cm"/>
-          <inkml:channel name="F" type="integer" max="32767" units="dev"/>
-        </inkml:traceFormat>
-        <inkml:channelProperties>
-          <inkml:channelProperty channel="X" name="resolution" value="1000" units="1/cm"/>
-          <inkml:channelProperty channel="Y" name="resolution" value="1000" units="1/cm"/>
-          <inkml:channelProperty channel="F" name="resolution" value="0" units="1/dev"/>
-        </inkml:channelProperties>
-      </inkml:inkSource>
       <inkml:timestamp xml:id="ts0" timeString="2016-11-15T12:17:56.479"/>
     </inkml:context>
     <inkml:brush xml:id="br0">
@@ -5546,7 +6413,7 @@
 </inkml:ink>
 </file>
 
-<file path=ppt/ink/ink62.xml><?xml version="1.0" encoding="utf-8"?>
+<file path=ppt/ink/ink61.xml><?xml version="1.0" encoding="utf-8"?>
 <inkml:ink xmlns:inkml="http://www.w3.org/2003/InkML">
   <inkml:definitions>
     <inkml:context xml:id="ctx0">
@@ -5582,7 +6449,7 @@
 </inkml:ink>
 </file>
 
-<file path=ppt/ink/ink63.xml><?xml version="1.0" encoding="utf-8"?>
+<file path=ppt/ink/ink62.xml><?xml version="1.0" encoding="utf-8"?>
 <inkml:ink xmlns:inkml="http://www.w3.org/2003/InkML">
   <inkml:definitions>
     <inkml:context xml:id="ctx0">
@@ -5619,7 +6486,7 @@
 </inkml:ink>
 </file>
 
-<file path=ppt/ink/ink64.xml><?xml version="1.0" encoding="utf-8"?>
+<file path=ppt/ink/ink63.xml><?xml version="1.0" encoding="utf-8"?>
 <inkml:ink xmlns:inkml="http://www.w3.org/2003/InkML">
   <inkml:definitions>
     <inkml:context xml:id="ctx0">
@@ -5656,7 +6523,7 @@
 </inkml:ink>
 </file>
 
-<file path=ppt/ink/ink65.xml><?xml version="1.0" encoding="utf-8"?>
+<file path=ppt/ink/ink64.xml><?xml version="1.0" encoding="utf-8"?>
 <inkml:ink xmlns:inkml="http://www.w3.org/2003/InkML">
   <inkml:definitions>
     <inkml:context xml:id="ctx0">
@@ -5693,7 +6560,7 @@
 </inkml:ink>
 </file>
 
-<file path=ppt/ink/ink66.xml><?xml version="1.0" encoding="utf-8"?>
+<file path=ppt/ink/ink65.xml><?xml version="1.0" encoding="utf-8"?>
 <inkml:ink xmlns:inkml="http://www.w3.org/2003/InkML">
   <inkml:definitions>
     <inkml:context xml:id="ctx0">
@@ -5730,7 +6597,7 @@
 </inkml:ink>
 </file>
 
-<file path=ppt/ink/ink67.xml><?xml version="1.0" encoding="utf-8"?>
+<file path=ppt/ink/ink66.xml><?xml version="1.0" encoding="utf-8"?>
 <inkml:ink xmlns:inkml="http://www.w3.org/2003/InkML">
   <inkml:definitions>
     <inkml:context xml:id="ctx0">
@@ -5767,7 +6634,7 @@
 </inkml:ink>
 </file>
 
-<file path=ppt/ink/ink68.xml><?xml version="1.0" encoding="utf-8"?>
+<file path=ppt/ink/ink67.xml><?xml version="1.0" encoding="utf-8"?>
 <inkml:ink xmlns:inkml="http://www.w3.org/2003/InkML">
   <inkml:definitions>
     <inkml:context xml:id="ctx0">
@@ -5804,6 +6671,44 @@
 </inkml:ink>
 </file>
 
+<file path=ppt/ink/ink68.xml><?xml version="1.0" encoding="utf-8"?>
+<inkml:ink xmlns:inkml="http://www.w3.org/2003/InkML">
+  <inkml:definitions>
+    <inkml:context xml:id="ctx0">
+      <inkml:inkSource xml:id="inkSrc0">
+        <inkml:traceFormat>
+          <inkml:channel name="X" type="integer" min="-2.14748E9" max="2.14748E9" units="cm"/>
+          <inkml:channel name="Y" type="integer" min="-2.14748E9" max="2.14748E9" units="cm"/>
+          <inkml:channel name="F" type="integer" max="32767" units="dev"/>
+        </inkml:traceFormat>
+        <inkml:channelProperties>
+          <inkml:channelProperty channel="X" name="resolution" value="1000" units="1/cm"/>
+          <inkml:channelProperty channel="Y" name="resolution" value="1000" units="1/cm"/>
+          <inkml:channelProperty channel="F" name="resolution" value="0" units="1/dev"/>
+        </inkml:channelProperties>
+      </inkml:inkSource>
+      <inkml:timestamp xml:id="ts0" timeString="2016-11-19T20:45:39.754"/>
+    </inkml:context>
+    <inkml:brush xml:id="br0">
+      <inkml:brushProperty name="width" value="0.06667" units="cm"/>
+      <inkml:brushProperty name="height" value="0.06667" units="cm"/>
+    </inkml:brush>
+  </inkml:definitions>
+  <inkml:traceGroup>
+    <inkml:annotationXML>
+      <emma:emma xmlns:emma="http://www.w3.org/2003/04/emma" version="1.0">
+        <emma:interpretation id="{B4BDE2DF-E3B3-4C2A-A9AD-A7112E3A3235}" emma:medium="tactile" emma:mode="ink">
+          <msink:context xmlns:msink="http://schemas.microsoft.com/ink/2010/main" type="inkDrawing" rotatedBoundingBox="13601,12590 16700,12689 16684,13216 13584,13117" semanticType="callout" shapeName="Other">
+            <msink:sourceLink direction="with" ref="{D30E99E7-1613-4FEF-A601-2F3AC3F40D19}"/>
+          </msink:context>
+        </emma:interpretation>
+      </emma:emma>
+    </inkml:annotationXML>
+    <inkml:trace contextRef="#ctx0" brushRef="#br0">6115 5819 4352,'0'0'1664,"0"0"-896,0 3-416,0-3 576,0 0-256,0 0 0,-3 2-96,1 1-64,0-3-256,-2 0-96,2 0-32,-3 2 0,0-2 0,0 1-64,0 2 32,-1-1 64,2 1 64,-1-1 32,0 0 0,0 2-64,2 1-32,1 0-32,0-1 0,-2 0 192,2 4 128,2-2-96,0 1 32,0 2-96,2-2 64,2-1-128,0 1 32,2 0-32,1 0 32,0-1-64,1 1-32,2-1-33,0 2 1,0-2 64,0 1 32,0 2 32,4-2 64,0-1-96,-1 1 32,0-2-96,-1-3 0,1 2-96,0-1 32,-3 2 0,0-2 96,0 2-32,0 0 0,1-1 32,-2 1 32,1 0-32,4-2-32,-2 5-32,1-4 0,-3 0-64,-1 1-64,1 0 160,1-1 32,-4 0-64,4 1-96,-1-2 64,1 0 64,1 2 0,-2 0 0,0-3-96,2 5-64,2 0 96,-2-3 0,0 1-32,2 1 32,-2 1 0,1 0 32,2-3-64,0 1 32,0 0-64,-2-2-32,-1 5 160,1-4 32,-1 3-160,2-3 0,-2 3 32,0-3 96,-1 4-128,1-2-32,1 1 64,-1-1 32,-2 2-32,1-2 32,-4 1 0,3-1 32,1 1-64,0 0-64,-3 0 96,3-2 0,-1-2-128,1 2 32,-1 0 0,2-1 64,1 1 32,-2 0 96,1-2-32,-2 0 0,0 2-96,2-3 32,-2 0-128,4 2 0,0 3-32,-2-2 0,2-3 64,-1 0 64,-1 0-32,1 1 64,-1-3-64,-2 0-32,1 0 32,1 2 32,-1 1-32,1-2 64,4 1-64,-6 1-32,0-3 96,0 2 0,-3-2-32,3 3 32,-3-3-128,4 0 0,-1 2 32,1-2 64,1 2-32,0 0-32,1-2 32,3 2 32,-1 3-32,-1-3-32,2 2 32,-3-1-32,-1-3 64,1 2 32,2-2-128,0 0-32,1-2 96,-1 2 32,0 2 0,0-2-64,0 0 32,1 0 32,-4 0-96,4 0 0,-4 0 32,1-2 0,-1-1 0,-1 2 64,-1-2-32,0 1-32,2-3 32,1 1 32,0 2-32,3 0 64,-2-1-64,1 1 64,0-1-128,0 1 0,1 1 32,3 1 64,2 0-32,-6 0-32,9-3 32,-2 1-32,-2-1 64,0 1-96,1 0-64,0 0 64,-5 0 0,0-1 96,-1-1 32,0 1-32,3 1-64,2 0 32,0 0-32,0 0 0,1-1 64,-1-2-32,1 2-32,-1 0 96,2-2 0,1 0-32,-2 2 32,-1-2-128,-2 0-64,2 1 128,-3-3 32,1 1-96,-3-1 32,-2 0 0,-1 0 64,-1 2-32,1-3-32,1-1 32,2 2 32,1 1-32,2-2 64,-1 1-128,1 1 0,-1 1 96,1 1 32,5-3-128,-6 0 32,1 3 0,2-3 64,-2 3-32,2-1 64,-4-2-64,1 3 64,-4 0-128,2-4-64,3 4 128,-6 0 32,1-1 0,-1 1-64,-2-1 32,1 0 32,0 3-32,-1-2-32,0-1 32,2 1-32,1 0-96,2 1 64,3-1 32,0 1 64,-4-1-32,2 0-32,-2 1 32,2-2 32,-4 4-96,4-4 0,0 0 96,-2 1 32,-2 0-128,4-1 32,-4 0-64,2 1 0,-2-1 64,1 1 64,-1 0-32,1-1-32,-3 3 32,2-3-32,2 3 0,-4-2 64,0 4-32,-2 0-32,0 0-64,-1 0 32,3 0 96,2 0 32,-1-3-128,-4 1 32,0 4-768,-1 7-320,-4 0-3296,6 0-1439</inkml:trace>
+  </inkml:traceGroup>
+</inkml:ink>
+</file>
+
 <file path=ppt/ink/ink69.xml><?xml version="1.0" encoding="utf-8"?>
 <inkml:ink xmlns:inkml="http://www.w3.org/2003/InkML">
   <inkml:definitions>
@@ -5820,7 +6725,7 @@
           <inkml:channelProperty channel="F" name="resolution" value="0" units="1/dev"/>
         </inkml:channelProperties>
       </inkml:inkSource>
-      <inkml:timestamp xml:id="ts0" timeString="2016-11-16T06:56:29.254"/>
+      <inkml:timestamp xml:id="ts0" timeString="2016-11-19T20:45:40.887"/>
     </inkml:context>
     <inkml:brush xml:id="br0">
       <inkml:brushProperty name="width" value="0.06667" units="cm"/>
@@ -5830,17 +6735,58 @@
   <inkml:traceGroup>
     <inkml:annotationXML>
       <emma:emma xmlns:emma="http://www.w3.org/2003/04/emma" version="1.0">
-        <emma:interpretation id="{444D311A-DDB6-4BF2-8CEC-5DE17F22A052}" emma:medium="tactile" emma:mode="ink">
-          <msink:context xmlns:msink="http://schemas.microsoft.com/ink/2010/main" type="inkDrawing" rotatedBoundingBox="6947,10498 17141,10735 17074,13624 6880,13387" hotPoints="17070,10764 17040,13289 7020,13168 7051,10642" semanticType="enclosure" shapeName="Rectangle">
-            <msink:sourceLink direction="with" ref="{D6825F2E-6F15-426D-9445-F5E27BB6B990}"/>
-          </msink:context>
+        <emma:interpretation id="{B90CD27A-16BA-49B6-8F5E-897CFA40D576}" emma:medium="tactile" emma:mode="ink">
+          <msink:context xmlns:msink="http://schemas.microsoft.com/ink/2010/main" type="writingRegion" rotatedBoundingBox="13714,13041 13932,13041 13932,13262 13714,13262"/>
         </emma:interpretation>
       </emma:emma>
     </inkml:annotationXML>
-    <inkml:trace contextRef="#ctx0" brushRef="#br0">7227 11876 5120,'-12'0'2016,"12"0"-1088,-3 7 192,3-2 928,3-5-544,0 0-192,1-5-224,-2 2 0,4-4-577,0 0 1,9-5 0,11 3 32,7 1-32,8 2-192,6 6-128,8 4 96,4-4 128,16 0-32,20-8 96,5 1-128,12-3-32,27-8-128,-1 6 32,27-6 0,9 13 32,19-3 0,3 8 0,26 4-128,-1 9-96,27 9 0,1 3 32,13 3-32,10-6 64,-1-5-128,18-6 0,2 4 160,-13-2 160,14 9-96,-15-1 64,-5 1-448,-15-2-96,-10 12-1568,-22-1-672,-7-6-3455</inkml:trace>
-    <inkml:trace contextRef="#ctx0" brushRef="#br0" timeOffset="-719">7215 11923 4992,'-3'-25'1824,"3"25"-960,3-10 128,-3 10 832,3 2 96,1 1 96,1 19-192,0-4-1,2 32-1023,-2-8 320,-1 61 160,-1-20 32,-3 75 0,0-25-512,-7 79-160,6-33-320,-10 43-128,6-25-96,0 4-96,-2-27-64,1-25 32,0-19-832,0-30-352,1-15-1440,-1-47-640,0-5-2463</inkml:trace>
-    <inkml:trace contextRef="#ctx0" brushRef="#br0" timeOffset="783">7123 14122 7296,'0'7'2720,"16"0"-1472,1 4-896,-5-3 672,5-2 0,7-3 192,11-3-192,16-3-65,16-1-511,7 2-64,15-6-32,23-3-128,9 9 32,15-3 32,26 3 64,9-3-160,20 1-64,17 3-64,9-4 32,26 1 128,10-3 128,16-8-64,13 2 64,6-9-128,7 5-64,2-1-64,-20 0 0,-85 4-288,106-3-32,-6 2-736,-38 9-256,-9-2-992,-27 12-351,-8 6-1985</inkml:trace>
-    <inkml:trace contextRef="#ctx0" brushRef="#br0" timeOffset="1983">13163 12004 6784,'-2'7'2528,"2"-7"-1344,17 11-608,-13-8 800,12 0-128,-2 1-32,17 3-480,-4 3-192,14-3-320,-6-1-33,2 4 129,-3-3-192,7 3 0,-6-2 0,4 2 0,-7 1-64,1-5 32,-6 2 0,-4-2 32,-2 1-64,-7-3 32,-2 0 128,-3-1 128,-3 0-64,-3 5 64,-1-1-192,-2 15-32,0-5 0,-2 28 64,-1-5-96,3 31 0,0-11 96,3 29 32,-1-15-32,1 25-32,1-18-96,1 18-64,-2-13 32,1 20 32,-2-13-32,1 9-32,0-10 32,-3-5 32,0-11-32,0 3 64,0-12-64,-3-8 64,3-6 64,-5 1 128,1-12 224,-8 3 64,4-9-96,-9-3-32,1-6-128,-5-2-32,4-2 96,-9-11 96,5 3 96,-20-4 32,5-4 32,-26 0 64,9 1-256,-27-6-32,13 2-96,-24 3-32,11 0-96,-9 0 32,12 1-128,-6 2 0,15 1-256,4-4-64,11 1-2048,11-8-896,7 0-4320</inkml:trace>
+    <inkml:traceGroup>
+      <inkml:annotationXML>
+        <emma:emma xmlns:emma="http://www.w3.org/2003/04/emma" version="1.0">
+          <emma:interpretation id="{F1451385-AF71-41D0-B7EE-779FFFA09118}" emma:medium="tactile" emma:mode="ink">
+            <msink:context xmlns:msink="http://schemas.microsoft.com/ink/2010/main" type="paragraph" rotatedBoundingBox="13714,13041 13932,13041 13932,13262 13714,13262" alignmentLevel="1"/>
+          </emma:interpretation>
+        </emma:emma>
+      </inkml:annotationXML>
+      <inkml:traceGroup>
+        <inkml:annotationXML>
+          <emma:emma xmlns:emma="http://www.w3.org/2003/04/emma" version="1.0">
+            <emma:interpretation id="{6EC4AF77-DB30-42E7-ACB7-16C98E6CD63E}" emma:medium="tactile" emma:mode="ink">
+              <msink:context xmlns:msink="http://schemas.microsoft.com/ink/2010/main" type="line" rotatedBoundingBox="13714,13041 13932,13041 13932,13262 13714,13262"/>
+            </emma:interpretation>
+          </emma:emma>
+        </inkml:annotationXML>
+        <inkml:traceGroup>
+          <inkml:annotationXML>
+            <emma:emma xmlns:emma="http://www.w3.org/2003/04/emma" version="1.0">
+              <emma:interpretation id="{D30E99E7-1613-4FEF-A601-2F3AC3F40D19}" emma:medium="tactile" emma:mode="ink">
+                <msink:context xmlns:msink="http://schemas.microsoft.com/ink/2010/main" type="inkWord" rotatedBoundingBox="13714,13041 13932,13041 13932,13262 13714,13262">
+                  <msink:destinationLink direction="with" ref="{B4BDE2DF-E3B3-4C2A-A9AD-A7112E3A3235}"/>
+                </msink:context>
+              </emma:interpretation>
+              <emma:one-of disjunction-type="recognition" id="oneOf0">
+                <emma:interpretation id="interp0" emma:lang="nb-NO" emma:confidence="0">
+                  <emma:literal>o</emma:literal>
+                </emma:interpretation>
+                <emma:interpretation id="interp1" emma:lang="nb-NO" emma:confidence="0">
+                  <emma:literal>O</emma:literal>
+                </emma:interpretation>
+                <emma:interpretation id="interp2" emma:lang="nb-NO" emma:confidence="0">
+                  <emma:literal>0</emma:literal>
+                </emma:interpretation>
+                <emma:interpretation id="interp3" emma:lang="nb-NO" emma:confidence="0">
+                  <emma:literal>ø</emma:literal>
+                </emma:interpretation>
+                <emma:interpretation id="interp4" emma:lang="nb-NO" emma:confidence="0">
+                  <emma:literal>°</emma:literal>
+                </emma:interpretation>
+              </emma:one-of>
+            </emma:emma>
+          </inkml:annotationXML>
+          <inkml:trace contextRef="#ctx0" brushRef="#br0">6266 6290 4992,'-7'-6'1824,"2"5"-960,-1-2 480,4 3 992,-3 0-512,0 3-192,-8-2-384,1 3-129,2-1-639,-1 2 128,1 3 64,3 0-288,-1 10-64,3 0-192,3 0-96,2 0 0,2 0-32,6 2-96,4 1 64,6-4-32,2-5 0,1-1 64,4-6 0,-2-10 0,-1-4 0,-1-7 0,-4-4 0,-3-5 128,-5 0 160,-3-1 320,-6-2 256,-3 1-160,-5 8-32,-2 5-256,-5 7 0,-3 7-960,-2 7-352,-10 2-2720,2-4-1151,10 14-321</inkml:trace>
+        </inkml:traceGroup>
+      </inkml:traceGroup>
+    </inkml:traceGroup>
   </inkml:traceGroup>
 </inkml:ink>
 </file>
@@ -5899,6 +6845,47 @@
           <inkml:channelProperty channel="F" name="resolution" value="0" units="1/dev"/>
         </inkml:channelProperties>
       </inkml:inkSource>
+      <inkml:timestamp xml:id="ts0" timeString="2016-11-16T06:56:29.254"/>
+    </inkml:context>
+    <inkml:brush xml:id="br0">
+      <inkml:brushProperty name="width" value="0.06667" units="cm"/>
+      <inkml:brushProperty name="height" value="0.06667" units="cm"/>
+    </inkml:brush>
+  </inkml:definitions>
+  <inkml:traceGroup>
+    <inkml:annotationXML>
+      <emma:emma xmlns:emma="http://www.w3.org/2003/04/emma" version="1.0">
+        <emma:interpretation id="{444D311A-DDB6-4BF2-8CEC-5DE17F22A052}" emma:medium="tactile" emma:mode="ink">
+          <msink:context xmlns:msink="http://schemas.microsoft.com/ink/2010/main" type="inkDrawing" rotatedBoundingBox="6947,10498 17141,10735 17074,13624 6880,13387" hotPoints="17070,10764 17040,13289 7020,13168 7051,10642" semanticType="enclosure" shapeName="Rectangle">
+            <msink:sourceLink direction="with" ref="{D6825F2E-6F15-426D-9445-F5E27BB6B990}"/>
+          </msink:context>
+        </emma:interpretation>
+      </emma:emma>
+    </inkml:annotationXML>
+    <inkml:trace contextRef="#ctx0" brushRef="#br0">7227 11876 5120,'-12'0'2016,"12"0"-1088,-3 7 192,3-2 928,3-5-544,0 0-192,1-5-224,-2 2 0,4-4-577,0 0 1,9-5 0,11 3 32,7 1-32,8 2-192,6 6-128,8 4 96,4-4 128,16 0-32,20-8 96,5 1-128,12-3-32,27-8-128,-1 6 32,27-6 0,9 13 32,19-3 0,3 8 0,26 4-128,-1 9-96,27 9 0,1 3 32,13 3-32,10-6 64,-1-5-128,18-6 0,2 4 160,-13-2 160,14 9-96,-15-1 64,-5 1-448,-15-2-96,-10 12-1568,-22-1-672,-7-6-3455</inkml:trace>
+    <inkml:trace contextRef="#ctx0" brushRef="#br0" timeOffset="-719">7215 11923 4992,'-3'-25'1824,"3"25"-960,3-10 128,-3 10 832,3 2 96,1 1 96,1 19-192,0-4-1,2 32-1023,-2-8 320,-1 61 160,-1-20 32,-3 75 0,0-25-512,-7 79-160,6-33-320,-10 43-128,6-25-96,0 4-96,-2-27-64,1-25 32,0-19-832,0-30-352,1-15-1440,-1-47-640,0-5-2463</inkml:trace>
+    <inkml:trace contextRef="#ctx0" brushRef="#br0" timeOffset="783">7123 14122 7296,'0'7'2720,"16"0"-1472,1 4-896,-5-3 672,5-2 0,7-3 192,11-3-192,16-3-65,16-1-511,7 2-64,15-6-32,23-3-128,9 9 32,15-3 32,26 3 64,9-3-160,20 1-64,17 3-64,9-4 32,26 1 128,10-3 128,16-8-64,13 2 64,6-9-128,7 5-64,2-1-64,-20 0 0,-85 4-288,106-3-32,-6 2-736,-38 9-256,-9-2-992,-27 12-351,-8 6-1985</inkml:trace>
+    <inkml:trace contextRef="#ctx0" brushRef="#br0" timeOffset="1983">13163 12004 6784,'-2'7'2528,"2"-7"-1344,17 11-608,-13-8 800,12 0-128,-2 1-32,17 3-480,-4 3-192,14-3-320,-6-1-33,2 4 129,-3-3-192,7 3 0,-6-2 0,4 2 0,-7 1-64,1-5 32,-6 2 0,-4-2 32,-2 1-64,-7-3 32,-2 0 128,-3-1 128,-3 0-64,-3 5 64,-1-1-192,-2 15-32,0-5 0,-2 28 64,-1-5-96,3 31 0,0-11 96,3 29 32,-1-15-32,1 25-32,1-18-96,1 18-64,-2-13 32,1 20 32,-2-13-32,1 9-32,0-10 32,-3-5 32,0-11-32,0 3 64,0-12-64,-3-8 64,3-6 64,-5 1 128,1-12 224,-8 3 64,4-9-96,-9-3-32,1-6-128,-5-2-32,4-2 96,-9-11 96,5 3 96,-20-4 32,5-4 32,-26 0 64,9 1-256,-27-6-32,13 2-96,-24 3-32,11 0-96,-9 0 32,12 1-128,-6 2 0,15 1-256,4-4-64,11 1-2048,11-8-896,7 0-4320</inkml:trace>
+  </inkml:traceGroup>
+</inkml:ink>
+</file>
+
+<file path=ppt/ink/ink71.xml><?xml version="1.0" encoding="utf-8"?>
+<inkml:ink xmlns:inkml="http://www.w3.org/2003/InkML">
+  <inkml:definitions>
+    <inkml:context xml:id="ctx0">
+      <inkml:inkSource xml:id="inkSrc0">
+        <inkml:traceFormat>
+          <inkml:channel name="X" type="integer" min="-2.14748E9" max="2.14748E9" units="cm"/>
+          <inkml:channel name="Y" type="integer" min="-2.14748E9" max="2.14748E9" units="cm"/>
+          <inkml:channel name="F" type="integer" max="32767" units="dev"/>
+        </inkml:traceFormat>
+        <inkml:channelProperties>
+          <inkml:channelProperty channel="X" name="resolution" value="1000" units="1/cm"/>
+          <inkml:channelProperty channel="Y" name="resolution" value="1000" units="1/cm"/>
+          <inkml:channelProperty channel="F" name="resolution" value="0" units="1/dev"/>
+        </inkml:channelProperties>
+      </inkml:inkSource>
       <inkml:timestamp xml:id="ts0" timeString="2016-11-16T06:56:33.058"/>
     </inkml:context>
     <inkml:brush xml:id="br0">
@@ -5919,7 +6906,7 @@
 </inkml:ink>
 </file>
 
-<file path=ppt/ink/ink71.xml><?xml version="1.0" encoding="utf-8"?>
+<file path=ppt/ink/ink72.xml><?xml version="1.0" encoding="utf-8"?>
 <inkml:ink xmlns:inkml="http://www.w3.org/2003/InkML">
   <inkml:definitions>
     <inkml:context xml:id="ctx0">
@@ -5959,7 +6946,7 @@
 </inkml:ink>
 </file>
 
-<file path=ppt/ink/ink72.xml><?xml version="1.0" encoding="utf-8"?>
+<file path=ppt/ink/ink73.xml><?xml version="1.0" encoding="utf-8"?>
 <inkml:ink xmlns:inkml="http://www.w3.org/2003/InkML">
   <inkml:definitions>
     <inkml:context xml:id="ctx0">
@@ -6043,7 +7030,7 @@
 </inkml:ink>
 </file>
 
-<file path=ppt/ink/ink73.xml><?xml version="1.0" encoding="utf-8"?>
+<file path=ppt/ink/ink74.xml><?xml version="1.0" encoding="utf-8"?>
 <inkml:ink xmlns:inkml="http://www.w3.org/2003/InkML">
   <inkml:definitions>
     <inkml:context xml:id="ctx0">
@@ -6324,7 +7311,7 @@
 </inkml:ink>
 </file>
 
-<file path=ppt/ink/ink74.xml><?xml version="1.0" encoding="utf-8"?>
+<file path=ppt/ink/ink75.xml><?xml version="1.0" encoding="utf-8"?>
 <inkml:ink xmlns:inkml="http://www.w3.org/2003/InkML">
   <inkml:definitions>
     <inkml:context xml:id="ctx0">
@@ -6461,7 +7448,7 @@
 </inkml:ink>
 </file>
 
-<file path=ppt/ink/ink75.xml><?xml version="1.0" encoding="utf-8"?>
+<file path=ppt/ink/ink76.xml><?xml version="1.0" encoding="utf-8"?>
 <inkml:ink xmlns:inkml="http://www.w3.org/2003/InkML">
   <inkml:definitions>
     <inkml:context xml:id="ctx0">
@@ -6587,7 +7574,7 @@
 </inkml:ink>
 </file>
 
-<file path=ppt/ink/ink76.xml><?xml version="1.0" encoding="utf-8"?>
+<file path=ppt/ink/ink77.xml><?xml version="1.0" encoding="utf-8"?>
 <inkml:ink xmlns:inkml="http://www.w3.org/2003/InkML">
   <inkml:definitions/>
   <inkml:traceGroup>
@@ -6604,7 +7591,7 @@
 </inkml:ink>
 </file>
 
-<file path=ppt/ink/ink77.xml><?xml version="1.0" encoding="utf-8"?>
+<file path=ppt/ink/ink78.xml><?xml version="1.0" encoding="utf-8"?>
 <inkml:ink xmlns:inkml="http://www.w3.org/2003/InkML">
   <inkml:definitions>
     <inkml:context xml:id="ctx0">
@@ -6684,7 +7671,7 @@
 </inkml:ink>
 </file>
 
-<file path=ppt/ink/ink78.xml><?xml version="1.0" encoding="utf-8"?>
+<file path=ppt/ink/ink79.xml><?xml version="1.0" encoding="utf-8"?>
 <inkml:ink xmlns:inkml="http://www.w3.org/2003/InkML">
   <inkml:definitions>
     <inkml:context xml:id="ctx0">
@@ -6716,90 +7703,6 @@
       </emma:emma>
     </inkml:annotationXML>
     <inkml:trace contextRef="#ctx0" brushRef="#br0">23564 7104 3456,'-5'0'1312,"5"0"-704,0 0 352,0 0 672,0 3-256,0 1-64,0 4-32,0 0 32,0 9-704,0-5 160,0 17 96,0-9-192,0 20-1,0-4-255,0 12 0,0-7-128,-5 19 0,5-11-32,0 17 0,0-11 0,0 7 0,0-14-224,0 0 0,0-7 32,-5-8 32,5-6-32,-3-2-64,3-4 96,-5-13 0,0 0-32,1-16 32,-1 3 64,0-19 64,0-1-32,2-7-32,3 4-192,0-16 32,0 7 64,0-12 32,0 5 32,0-4 0,0 7 0,0-3 64,0 7 96,0 0 64,0 6-96,0 2 0,0 5-160,0-1 0,0 5 32,0 0 0,0 5-64,3-2 32,-3 0-64,5 5 64,0 0 0,0 4 96,-1 0-32,1 4 64,0-4-128,3 8 0,2 0 32,4 0 64,-6 0-96,6 0 0,-1 0-32,11-4 32,-6-1 0,4-1 32,-3 1 64,4-4 32,-6 6-96,12-6-96,-8 6 64,6-2 0,-3 2-128,3-2 32,-4 1 0,4-4 0,-5 4 64,10-4 32,-3 0 32,6-1 0,-3 2 0,10-1 64,-7 3-96,7-2 0,-6-1-32,9 3 32,-3 1 0,4 1 96,-6-2-96,0 5-64,-3 0 0,4 0 32,-4 0 32,8 0 32,-8 0-64,14 0-64,-11 0 96,14 5 0,-12-2-32,12 1 32,-9 1-128,11 3 0,-7-4-32,6 4 0,-10-5 64,9 2 64,-7-5-32,12 4-32,-10-4 32,15 3 32,-8 2-96,11-1 0,-12 1 32,13 1 64,-8 3-32,-1-4-32,-8-2 32,7 1 32,-7 1-96,16-5 0,-11 0 32,6 3 0,-7 2 0,9 2 0,-10-2 0,10 3 64,-8 1-32,-2-3 64,-9 3-64,5 3 64,-9-4-64,9 0-32,-9-4-64,9 4 32,-8-3 160,4-1 64,-11-1-64,-3 2-96,-5-2-160,-9 2 0,1-5-1760,-19 7-736</inkml:trace>
-  </inkml:traceGroup>
-</inkml:ink>
-</file>
-
-<file path=ppt/ink/ink79.xml><?xml version="1.0" encoding="utf-8"?>
-<inkml:ink xmlns:inkml="http://www.w3.org/2003/InkML">
-  <inkml:definitions>
-    <inkml:context xml:id="ctx0">
-      <inkml:inkSource xml:id="inkSrc0">
-        <inkml:traceFormat>
-          <inkml:channel name="X" type="integer" min="-2.14748E9" max="2.14748E9" units="cm"/>
-          <inkml:channel name="Y" type="integer" min="-2.14748E9" max="2.14748E9" units="cm"/>
-          <inkml:channel name="F" type="integer" max="32767" units="dev"/>
-        </inkml:traceFormat>
-        <inkml:channelProperties>
-          <inkml:channelProperty channel="X" name="resolution" value="1000" units="1/cm"/>
-          <inkml:channelProperty channel="Y" name="resolution" value="1000" units="1/cm"/>
-          <inkml:channelProperty channel="F" name="resolution" value="0" units="1/dev"/>
-        </inkml:channelProperties>
-      </inkml:inkSource>
-      <inkml:timestamp xml:id="ts0" timeString="2016-11-16T06:59:51.110"/>
-    </inkml:context>
-    <inkml:brush xml:id="br0">
-      <inkml:brushProperty name="width" value="0.06667" units="cm"/>
-      <inkml:brushProperty name="height" value="0.06667" units="cm"/>
-    </inkml:brush>
-  </inkml:definitions>
-  <inkml:traceGroup>
-    <inkml:annotationXML>
-      <emma:emma xmlns:emma="http://www.w3.org/2003/04/emma" version="1.0">
-        <emma:interpretation id="{1095DD99-DA1F-49D0-B59D-66B0804EF562}" emma:medium="tactile" emma:mode="ink">
-          <msink:context xmlns:msink="http://schemas.microsoft.com/ink/2010/main" type="writingRegion" rotatedBoundingBox="23587,12363 28933,12149 29006,13972 23660,14186"/>
-        </emma:interpretation>
-      </emma:emma>
-    </inkml:annotationXML>
-    <inkml:traceGroup>
-      <inkml:annotationXML>
-        <emma:emma xmlns:emma="http://www.w3.org/2003/04/emma" version="1.0">
-          <emma:interpretation id="{656AF094-DAB5-4605-8B70-F53CFDD12E6B}" emma:medium="tactile" emma:mode="ink">
-            <msink:context xmlns:msink="http://schemas.microsoft.com/ink/2010/main" type="paragraph" rotatedBoundingBox="23587,12363 28933,12149 29006,13972 23660,14186" alignmentLevel="1"/>
-          </emma:interpretation>
-        </emma:emma>
-      </inkml:annotationXML>
-      <inkml:traceGroup>
-        <inkml:annotationXML>
-          <emma:emma xmlns:emma="http://www.w3.org/2003/04/emma" version="1.0">
-            <emma:interpretation id="{C278F2FE-8DF1-4603-99C3-CD5B72146A17}" emma:medium="tactile" emma:mode="ink">
-              <msink:context xmlns:msink="http://schemas.microsoft.com/ink/2010/main" type="line" rotatedBoundingBox="23587,12363 28933,12149 29006,13972 23660,14186"/>
-            </emma:interpretation>
-          </emma:emma>
-        </inkml:annotationXML>
-        <inkml:traceGroup>
-          <inkml:annotationXML>
-            <emma:emma xmlns:emma="http://www.w3.org/2003/04/emma" version="1.0">
-              <emma:interpretation id="{BF99C7AB-FF27-4EC8-96A8-7AC4B0F10B1A}" emma:medium="tactile" emma:mode="ink">
-                <msink:context xmlns:msink="http://schemas.microsoft.com/ink/2010/main" type="inkWord" rotatedBoundingBox="23587,12363 28933,12149 29006,13972 23660,14186"/>
-              </emma:interpretation>
-              <emma:one-of disjunction-type="recognition" id="oneOf0">
-                <emma:interpretation id="interp0" emma:lang="nb-NO" emma:confidence="0">
-                  <emma:literal>Jon</emma:literal>
-                </emma:interpretation>
-                <emma:interpretation id="interp1" emma:lang="nb-NO" emma:confidence="0">
-                  <emma:literal>350 N</emma:literal>
-                </emma:interpretation>
-                <emma:interpretation id="interp2" emma:lang="nb-NO" emma:confidence="0">
-                  <emma:literal>3500 N</emma:literal>
-                </emma:interpretation>
-                <emma:interpretation id="interp3" emma:lang="nb-NO" emma:confidence="0">
-                  <emma:literal>Isos</emma:literal>
-                </emma:interpretation>
-                <emma:interpretation id="interp4" emma:lang="nb-NO" emma:confidence="0">
-                  <emma:literal>Iso N</emma:literal>
-                </emma:interpretation>
-              </emma:one-of>
-            </emma:emma>
-          </inkml:annotationXML>
-          <inkml:trace contextRef="#ctx0" brushRef="#br0">27341 14018 5632,'0'-8'2112,"0"1"-1152,3-6 128,-3 9 928,6 1-192,-12-5 32,6-1-129,-3 1-31,-7-1-928,-3 6 384,-6-2 160,-3 5-64,-7 5 64,-3 7-320,-2 5-128,-12 6-224,-4 6-64,-1-1-192,0 8-64,6 6-128,4 5 32,5 10-128,0-8 0,0 8-32,4 10 32,10 16-64,6-3-32,13 1-64,6 8 32,7-8 32,-1-9 64,10-11-96,13-9 0,12-10-32,16-10 0,8-12 64,10-8 0,4-8 0,-1-11 0,-7-13-96,3-17 64,-4-9-32,-4 2 0,-7 1 128,-6-15 32,-16-2-128,-3-6 32,-10 6 64,-9-4 32,-12-5-128,-12 0 32,-17 0 64,-12 5 32,-7-2-32,1-3-64,-4 5 160,-6 11 128,-8 12-96,-5 18 64,0 6-160,0 14-64,10-1 0,-1-1 32,15 2-800,13-2-320,9 1-2688,12 1-1248,35-2-1791</inkml:trace>
-          <inkml:trace contextRef="#ctx0" brushRef="#br0" timeOffset="616">28497 13857 9728,'9'-20'3584,"-18"23"-1920,9-3-608,0 0 1151,0 0-319,0 9-64,0 8-480,-5 6-128,0 14-672,2 7 32,-2 13 64,-4 12-64,-1 9 32,-3 6-128,-1 5-32,6 0-256,3-8-64,0-12-128,0-12-32,5-13 32,0-7 64,0-9-384,10-16-1152,-2-9-288,2-6-960,-1-5-288,4-9-2751,-3-3-1569,7-4 3488</inkml:trace>
-          <inkml:trace contextRef="#ctx0" brushRef="#br0" timeOffset="1216">28574 13897 5888,'-10'-8'2176,"7"4"-1152,3-7 128,3 6 960,-3-4 0,5 2 63,-5-1-191,5 0-128,1 4-1024,-6 4 224,3 7 64,7 13-192,-2 17 0,1 12-320,6 3-32,2 14-288,1 9-96,6 6-32,3 5-32,-4 3-64,-1-5-64,2-6 32,-2-1-32,1-5 0,-1-6 64,5-5-32,2-9-32,-3-9 32,1-6 32,5-8 32,-5-9 32,5-8-64,-5-4 32,2-13 64,-2-6 128,0-13 0,-1-5 64,-2-11 0,-5-29 96,-1-12-160,-4 4-32,-1-12 0,-5 0 0,-3 8-64,-5 9-32,0 3-96,-8 5-64,-2 3 96,2 16 0,-3 4-192,3 4-64,-2 5-448,7 0-160,3 4-1152,0 4-512,13 24-8671</inkml:trace>
-          <inkml:trace contextRef="#ctx0" brushRef="#br0" timeOffset="-1785">24012 13771 6656,'-3'-3'2528,"3"3"-1344,-5 0-128,5 0 992,0 3-224,0-3-33,0 0-287,0 0-96,0 0-768,0 0-96,0 0 0,0 0-160,5 6-64,-2-3-96,21-3 0,-6 0 0,22-3 32,-8-3 128,19 3 96,-10 0-256,14 3-64,-10 0 32,6-5 32,-10 1-32,-1-1 32,-8 2-128,0 6 0,-6 2-32,-2-5 32,-2 0 0,-4 0 96,-4 0 32,0 0 32,-4 0 0,-2-5 0,2 2-64,-6 3 32,0 0-64,2 3 0,-2 2-96,0-5-64,-4 0-64,0 9 32,0-3 32,5 8 64,0-7-32,-1 15-32,-4-7 96,4 13 0,2-4-128,-4 13 32,4-5 64,-1 8 32,0-3 32,-2 12 0,2-5-64,3 10 32,-2-7-64,-1 1-32,0-7 32,3 16-32,0-8-96,2 11 64,-1-7 32,4 7 64,-3-6-32,-1 13 64,1 27-64,-1-18-32,-9-7 32,0-3 32,-6-6-32,-2-3-32,-6-4 32,-4-5 32,0-4-32,-4-7 64,4-5-64,4-7 64,4-4-64,-12 2-32,-15 14 32,-4-5-32,-4-3-96,0-6 64,-6-3 160,14-8 64,5-3-64,-13-9-96,4 0 64,-4-12 0,3 3 32,1-6 0,9-2-64,-8-8-64,8 5 32,0-15-32,6 3 0,2-9 64,6 4-736,9-15-256,-1 7-1376,20-4-608,-5 9-4319</inkml:trace>
-          <inkml:trace contextRef="#ctx0" brushRef="#br0" timeOffset="-869">26025 13760 6656,'-17'-32'2528,"17"32"-1344,-10-4 224,10 4 1152,-9 7-257,-18 2 1,4-9-192,4 0 32,-13 4-1184,5 0 96,-18 8-32,5-1-288,-11 10-96,11-5-160,-2 10 0,6-6-192,4 3-32,4-2-192,11 11-64,-2-4-64,19 12 0,0-8 0,19 8 0,-2-6 64,15 15 0,23 15 0,-14-32 64,-4-7-96,8 24 0,-5-8 32,3 14 64,-8-6-96,-3 11 0,8 38 96,-3-6 96,-13-6-64,-11-14-64,-9 1 64,-8-4 0,-14 5 32,-19-7 64,-9-1-32,6-29 64,3-5-128,-27-4 0,-27 4 32,19-3 0,3-9-160,23-17-32,11 3 32,-7-12 0,7 3-416,-2-8-96,-4-15-1408,18 2-576,9 0-2560,9 8-1087,2-21 799</inkml:trace>
-        </inkml:traceGroup>
-      </inkml:traceGroup>
-    </inkml:traceGroup>
   </inkml:traceGroup>
 </inkml:ink>
 </file>
@@ -6859,6 +7762,90 @@
           <inkml:channelProperty channel="F" name="resolution" value="0" units="1/dev"/>
         </inkml:channelProperties>
       </inkml:inkSource>
+      <inkml:timestamp xml:id="ts0" timeString="2016-11-16T06:59:51.110"/>
+    </inkml:context>
+    <inkml:brush xml:id="br0">
+      <inkml:brushProperty name="width" value="0.06667" units="cm"/>
+      <inkml:brushProperty name="height" value="0.06667" units="cm"/>
+    </inkml:brush>
+  </inkml:definitions>
+  <inkml:traceGroup>
+    <inkml:annotationXML>
+      <emma:emma xmlns:emma="http://www.w3.org/2003/04/emma" version="1.0">
+        <emma:interpretation id="{1095DD99-DA1F-49D0-B59D-66B0804EF562}" emma:medium="tactile" emma:mode="ink">
+          <msink:context xmlns:msink="http://schemas.microsoft.com/ink/2010/main" type="writingRegion" rotatedBoundingBox="23587,12363 28933,12149 29006,13972 23660,14186"/>
+        </emma:interpretation>
+      </emma:emma>
+    </inkml:annotationXML>
+    <inkml:traceGroup>
+      <inkml:annotationXML>
+        <emma:emma xmlns:emma="http://www.w3.org/2003/04/emma" version="1.0">
+          <emma:interpretation id="{656AF094-DAB5-4605-8B70-F53CFDD12E6B}" emma:medium="tactile" emma:mode="ink">
+            <msink:context xmlns:msink="http://schemas.microsoft.com/ink/2010/main" type="paragraph" rotatedBoundingBox="23587,12363 28933,12149 29006,13972 23660,14186" alignmentLevel="1"/>
+          </emma:interpretation>
+        </emma:emma>
+      </inkml:annotationXML>
+      <inkml:traceGroup>
+        <inkml:annotationXML>
+          <emma:emma xmlns:emma="http://www.w3.org/2003/04/emma" version="1.0">
+            <emma:interpretation id="{C278F2FE-8DF1-4603-99C3-CD5B72146A17}" emma:medium="tactile" emma:mode="ink">
+              <msink:context xmlns:msink="http://schemas.microsoft.com/ink/2010/main" type="line" rotatedBoundingBox="23587,12363 28933,12149 29006,13972 23660,14186"/>
+            </emma:interpretation>
+          </emma:emma>
+        </inkml:annotationXML>
+        <inkml:traceGroup>
+          <inkml:annotationXML>
+            <emma:emma xmlns:emma="http://www.w3.org/2003/04/emma" version="1.0">
+              <emma:interpretation id="{BF99C7AB-FF27-4EC8-96A8-7AC4B0F10B1A}" emma:medium="tactile" emma:mode="ink">
+                <msink:context xmlns:msink="http://schemas.microsoft.com/ink/2010/main" type="inkWord" rotatedBoundingBox="23587,12363 28933,12149 29006,13972 23660,14186"/>
+              </emma:interpretation>
+              <emma:one-of disjunction-type="recognition" id="oneOf0">
+                <emma:interpretation id="interp0" emma:lang="nb-NO" emma:confidence="0">
+                  <emma:literal>Jon</emma:literal>
+                </emma:interpretation>
+                <emma:interpretation id="interp1" emma:lang="nb-NO" emma:confidence="0">
+                  <emma:literal>350 N</emma:literal>
+                </emma:interpretation>
+                <emma:interpretation id="interp2" emma:lang="nb-NO" emma:confidence="0">
+                  <emma:literal>3500 N</emma:literal>
+                </emma:interpretation>
+                <emma:interpretation id="interp3" emma:lang="nb-NO" emma:confidence="0">
+                  <emma:literal>Isos</emma:literal>
+                </emma:interpretation>
+                <emma:interpretation id="interp4" emma:lang="nb-NO" emma:confidence="0">
+                  <emma:literal>Iso N</emma:literal>
+                </emma:interpretation>
+              </emma:one-of>
+            </emma:emma>
+          </inkml:annotationXML>
+          <inkml:trace contextRef="#ctx0" brushRef="#br0">27341 14018 5632,'0'-8'2112,"0"1"-1152,3-6 128,-3 9 928,6 1-192,-12-5 32,6-1-129,-3 1-31,-7-1-928,-3 6 384,-6-2 160,-3 5-64,-7 5 64,-3 7-320,-2 5-128,-12 6-224,-4 6-64,-1-1-192,0 8-64,6 6-128,4 5 32,5 10-128,0-8 0,0 8-32,4 10 32,10 16-64,6-3-32,13 1-64,6 8 32,7-8 32,-1-9 64,10-11-96,13-9 0,12-10-32,16-10 0,8-12 64,10-8 0,4-8 0,-1-11 0,-7-13-96,3-17 64,-4-9-32,-4 2 0,-7 1 128,-6-15 32,-16-2-128,-3-6 32,-10 6 64,-9-4 32,-12-5-128,-12 0 32,-17 0 64,-12 5 32,-7-2-32,1-3-64,-4 5 160,-6 11 128,-8 12-96,-5 18 64,0 6-160,0 14-64,10-1 0,-1-1 32,15 2-800,13-2-320,9 1-2688,12 1-1248,35-2-1791</inkml:trace>
+          <inkml:trace contextRef="#ctx0" brushRef="#br0" timeOffset="616">28497 13857 9728,'9'-20'3584,"-18"23"-1920,9-3-608,0 0 1151,0 0-319,0 9-64,0 8-480,-5 6-128,0 14-672,2 7 32,-2 13 64,-4 12-64,-1 9 32,-3 6-128,-1 5-32,6 0-256,3-8-64,0-12-128,0-12-32,5-13 32,0-7 64,0-9-384,10-16-1152,-2-9-288,2-6-960,-1-5-288,4-9-2751,-3-3-1569,7-4 3488</inkml:trace>
+          <inkml:trace contextRef="#ctx0" brushRef="#br0" timeOffset="1216">28574 13897 5888,'-10'-8'2176,"7"4"-1152,3-7 128,3 6 960,-3-4 0,5 2 63,-5-1-191,5 0-128,1 4-1024,-6 4 224,3 7 64,7 13-192,-2 17 0,1 12-320,6 3-32,2 14-288,1 9-96,6 6-32,3 5-32,-4 3-64,-1-5-64,2-6 32,-2-1-32,1-5 0,-1-6 64,5-5-32,2-9-32,-3-9 32,1-6 32,5-8 32,-5-9 32,5-8-64,-5-4 32,2-13 64,-2-6 128,0-13 0,-1-5 64,-2-11 0,-5-29 96,-1-12-160,-4 4-32,-1-12 0,-5 0 0,-3 8-64,-5 9-32,0 3-96,-8 5-64,-2 3 96,2 16 0,-3 4-192,3 4-64,-2 5-448,7 0-160,3 4-1152,0 4-512,13 24-8671</inkml:trace>
+          <inkml:trace contextRef="#ctx0" brushRef="#br0" timeOffset="-1785">24012 13771 6656,'-3'-3'2528,"3"3"-1344,-5 0-128,5 0 992,0 3-224,0-3-33,0 0-287,0 0-96,0 0-768,0 0-96,0 0 0,0 0-160,5 6-64,-2-3-96,21-3 0,-6 0 0,22-3 32,-8-3 128,19 3 96,-10 0-256,14 3-64,-10 0 32,6-5 32,-10 1-32,-1-1 32,-8 2-128,0 6 0,-6 2-32,-2-5 32,-2 0 0,-4 0 96,-4 0 32,0 0 32,-4 0 0,-2-5 0,2 2-64,-6 3 32,0 0-64,2 3 0,-2 2-96,0-5-64,-4 0-64,0 9 32,0-3 32,5 8 64,0-7-32,-1 15-32,-4-7 96,4 13 0,2-4-128,-4 13 32,4-5 64,-1 8 32,0-3 32,-2 12 0,2-5-64,3 10 32,-2-7-64,-1 1-32,0-7 32,3 16-32,0-8-96,2 11 64,-1-7 32,4 7 64,-3-6-32,-1 13 64,1 27-64,-1-18-32,-9-7 32,0-3 32,-6-6-32,-2-3-32,-6-4 32,-4-5 32,0-4-32,-4-7 64,4-5-64,4-7 64,4-4-64,-12 2-32,-15 14 32,-4-5-32,-4-3-96,0-6 64,-6-3 160,14-8 64,5-3-64,-13-9-96,4 0 64,-4-12 0,3 3 32,1-6 0,9-2-64,-8-8-64,8 5 32,0-15-32,6 3 0,2-9 64,6 4-736,9-15-256,-1 7-1376,20-4-608,-5 9-4319</inkml:trace>
+          <inkml:trace contextRef="#ctx0" brushRef="#br0" timeOffset="-869">26025 13760 6656,'-17'-32'2528,"17"32"-1344,-10-4 224,10 4 1152,-9 7-257,-18 2 1,4-9-192,4 0 32,-13 4-1184,5 0 96,-18 8-32,5-1-288,-11 10-96,11-5-160,-2 10 0,6-6-192,4 3-32,4-2-192,11 11-64,-2-4-64,19 12 0,0-8 0,19 8 0,-2-6 64,15 15 0,23 15 0,-14-32 64,-4-7-96,8 24 0,-5-8 32,3 14 64,-8-6-96,-3 11 0,8 38 96,-3-6 96,-13-6-64,-11-14-64,-9 1 64,-8-4 0,-14 5 32,-19-7 64,-9-1-32,6-29 64,3-5-128,-27-4 0,-27 4 32,19-3 0,3-9-160,23-17-32,11 3 32,-7-12 0,7 3-416,-2-8-96,-4-15-1408,18 2-576,9 0-2560,9 8-1087,2-21 799</inkml:trace>
+        </inkml:traceGroup>
+      </inkml:traceGroup>
+    </inkml:traceGroup>
+  </inkml:traceGroup>
+</inkml:ink>
+</file>
+
+<file path=ppt/ink/ink81.xml><?xml version="1.0" encoding="utf-8"?>
+<inkml:ink xmlns:inkml="http://www.w3.org/2003/InkML">
+  <inkml:definitions>
+    <inkml:context xml:id="ctx0">
+      <inkml:inkSource xml:id="inkSrc0">
+        <inkml:traceFormat>
+          <inkml:channel name="X" type="integer" min="-2.14748E9" max="2.14748E9" units="cm"/>
+          <inkml:channel name="Y" type="integer" min="-2.14748E9" max="2.14748E9" units="cm"/>
+          <inkml:channel name="F" type="integer" max="32767" units="dev"/>
+        </inkml:traceFormat>
+        <inkml:channelProperties>
+          <inkml:channelProperty channel="X" name="resolution" value="1000" units="1/cm"/>
+          <inkml:channelProperty channel="Y" name="resolution" value="1000" units="1/cm"/>
+          <inkml:channelProperty channel="F" name="resolution" value="0" units="1/dev"/>
+        </inkml:channelProperties>
+      </inkml:inkSource>
       <inkml:timestamp xml:id="ts0" timeString="2016-11-16T06:59:54.497"/>
     </inkml:context>
     <inkml:brush xml:id="br0">
@@ -6923,7 +7910,7 @@
 </inkml:ink>
 </file>
 
-<file path=ppt/ink/ink81.xml><?xml version="1.0" encoding="utf-8"?>
+<file path=ppt/ink/ink82.xml><?xml version="1.0" encoding="utf-8"?>
 <inkml:ink xmlns:inkml="http://www.w3.org/2003/InkML">
   <inkml:definitions>
     <inkml:context xml:id="ctx0">
@@ -6962,7 +7949,7 @@
 </inkml:ink>
 </file>
 
-<file path=ppt/ink/ink82.xml><?xml version="1.0" encoding="utf-8"?>
+<file path=ppt/ink/ink83.xml><?xml version="1.0" encoding="utf-8"?>
 <inkml:ink xmlns:inkml="http://www.w3.org/2003/InkML">
   <inkml:definitions>
     <inkml:context xml:id="ctx0">
@@ -7090,7 +8077,7 @@
 </inkml:ink>
 </file>
 
-<file path=ppt/ink/ink83.xml><?xml version="1.0" encoding="utf-8"?>
+<file path=ppt/ink/ink84.xml><?xml version="1.0" encoding="utf-8"?>
 <inkml:ink xmlns:inkml="http://www.w3.org/2003/InkML">
   <inkml:definitions/>
   <inkml:traceGroup>
@@ -7105,7 +8092,7 @@
 </inkml:ink>
 </file>
 
-<file path=ppt/ink/ink84.xml><?xml version="1.0" encoding="utf-8"?>
+<file path=ppt/ink/ink85.xml><?xml version="1.0" encoding="utf-8"?>
 <inkml:ink xmlns:inkml="http://www.w3.org/2003/InkML">
   <inkml:definitions>
     <inkml:context xml:id="ctx0">
@@ -7155,7 +8142,7 @@
 </inkml:ink>
 </file>
 
-<file path=ppt/ink/ink85.xml><?xml version="1.0" encoding="utf-8"?>
+<file path=ppt/ink/ink86.xml><?xml version="1.0" encoding="utf-8"?>
 <inkml:ink xmlns:inkml="http://www.w3.org/2003/InkML">
   <inkml:definitions>
     <inkml:context xml:id="ctx0">
@@ -7193,7 +8180,7 @@
 </inkml:ink>
 </file>
 
-<file path=ppt/ink/ink86.xml><?xml version="1.0" encoding="utf-8"?>
+<file path=ppt/ink/ink87.xml><?xml version="1.0" encoding="utf-8"?>
 <inkml:ink xmlns:inkml="http://www.w3.org/2003/InkML">
   <inkml:definitions>
     <inkml:context xml:id="ctx0">
@@ -7232,7 +8219,7 @@
 </inkml:ink>
 </file>
 
-<file path=ppt/ink/ink87.xml><?xml version="1.0" encoding="utf-8"?>
+<file path=ppt/ink/ink88.xml><?xml version="1.0" encoding="utf-8"?>
 <inkml:ink xmlns:inkml="http://www.w3.org/2003/InkML">
   <inkml:definitions>
     <inkml:context xml:id="ctx0">
@@ -7271,7 +8258,7 @@
 </inkml:ink>
 </file>
 
-<file path=ppt/ink/ink88.xml><?xml version="1.0" encoding="utf-8"?>
+<file path=ppt/ink/ink89.xml><?xml version="1.0" encoding="utf-8"?>
 <inkml:ink xmlns:inkml="http://www.w3.org/2003/InkML">
   <inkml:definitions>
     <inkml:context xml:id="ctx0">
@@ -7310,44 +8297,6 @@
     <inkml:trace contextRef="#ctx0" brushRef="#br0" timeOffset="46243">22396 21165 2048,'190'-58'768,"-100"64"-384,51-16-32,-70 0 320,45-1-224,16 1-96,16 0-192,6-4-128,26 4 64,-4 6 0,4 4 320,-16-4 96,-22-2-224,-10 6-96,-20 0 0,-38 0 32,-23 6-96,-34 2 480,-30 8 224,-42-2-352,-25-4-192,-52-2-160,-10 13-32,-24-7 128,-4-4 128,-21 0 0,8 0 96,-3-6-224,12-8-64,-6-2-96,14 2 32,30 0-128,14-6 0,35 0 96,16 6 32,16-6-32,16 0 32,11 3-128,12 3 0,22 0 32,26-2 0,30-4 64,2 6 96,30 0-64,21-2 0,23-4-32,20 2-64,2 8-64,4-6 32,11-5 96,17 7 32,-22 4-32,-10 4-64,-12 3-64,-34-3 32,-21-4 32,-26 0 64,-23 0 384,-34 0 256,-32-4-352,-32-3-192,-50 7-96,-24 7 0,-24-14-96,-40 7 0,-11 7 32,-16-7 64,-28 0-32,16 0 64,-4 0 0,26-11 32,13-3 0,14 0 0,30-2 0,30 8 64,34-8-32,34 1 64,48 1-288,38 0 0,35 4-64,30-4 64,63-7 32,21 11 96,22 0-32,54 2-32,2 8-64,9-6-32,12 6 64,11 10 0,-30-6 96,9 6 32,-39 11-128,-22-3 32,-35 2 0,-36-6 0,-34-4 0,-28 0 64,-64-5 256,-30-5-192,-52-5 32,-30 5-96,-48-4 32,-38-6-64,-27 10-32,-22-6 96,-51 6 0,6 10-128,23-10-32,-6 0 32,31 6 64,46-2 0,32 1-32,40 1 32,42-6-32,33-6 0,62 1 0,37 1 0,56-2 0,58-4 0,41 10 0,42-14 0,51 10 0,37-6 0,40 10 64,14-10-96,2 14 0,-7-8 32,-10 14 0,-43-6 0,-19 2 64,-43 2-32,-57 8 63,-54-2-126,-46-3-1,-36-7 159,-53 2 65,-60-2-64,-49 6-32,-62-6-32,-59 10-64,-50-8 32,-49 8-32,-28-10 0,-26 13 64,-8-13-32,-8 0-32,42 6 96,40-10 64,43-4-64,26-2-64,51-2 0,48 2 32,52 2-96,41-3 0,34 7-32,43-4 0,62-6 0,44 10 0,30-4 64,58-2 64,21 6-96,43 6 0,6 8 32,27-10 0,-5 13 0,-12-9 64,13 2-96,-29 10 0,-21-10 32,-17-6 0,-36 0 0,-52 13 64,-38-3-32,-39-10 64,-38-4 0,-39 0 32,-58 0-160,-47 10-32,-40 0 96,-73 0 32,-36 9 0,-45-13 32,-25 12-64,-26-8-32,-11 4 96,11-4 0,0 0-128,51 1-32,30-7 32,51-4 64,44-4-64,42-11 0,52 5 32,36-10 64,78-4-96,44 9 0,60-5-32,55 6 0,54-4 0,50 2-64,22 1 96,21 11 0,24-12 32,-8 12 64,-2-10-32,-14 8-32,-15 2 32,-39-6 32,-28 6-96,-59 4 0,-35 0-32,-36 4 0,-40-4 128,-36 0 96,-46 0 64,-22 0 96,-54-4-160,-34 4-96,-33 0-32,-20-7-32,-35 7 64,-4 0 32,-1 7 32,7-7 0,31 0-64,23 0-64,27-7 96,38 7-64,39 0-96,39-4-32,60-6-32,27 10 96,34-4 64,47-2 0,8 12-32,15-6 32,44 4 32,-22 10-32,-12-3-32,8-5 32,-13 2-32,-42 8 0,-23-8 64,-38 2-96,-23 0-64,-38-6 192,-27 3 96,-22-7-96,-34 0 0,-46 0-32,-26 4 32,-25 2-64,-12-12-32,-43 2-64,0-3 32,-7 3 96,13-6 96,31-4-64,23 0-64,21 0 0,24-3-32,21 3-96,32 4 64,38 2 32,39-8 0,56 8 0,21 8 64,16 0-32,46 4-32,-2 10 32,-1 0 32,-8 2-96,-9-1 0,-24-1 32,-34-4 64,-29 0-96,-26-6 0,-51 0 96,-36 2-96,-28-6 0,-27 10 32,-24-10 64,-21 0-32,-38 0 64,0 8-128,-16 3 0,16-11-32,-12 0-64,2 0 160,26 0 32,29 0 0,20-4-64,23-3 32,33 3-32,48 0 0,29-2 64,21 6-192,22 0 32,11 0 32,17 0 96,10 0 0,-21 6 64,-22-2-128,-18 0 0,-19-4 96,-18 0 32,-33 0-128,-39 0 32,-26 0 0,-41 0 0,-19-4 0,-62 0 0,-27 4 64,-9-10 32,-24 0-128,-23 0 32,-26-4-64,-22 4 0,-22-5 128,-11 5 32,0-8-32,-11 8-64,11-10-64,-22 10-32,13 1 128,-20-1 32,24 10 0,16-10-64,-1 10 32,19 4 32,42-4-96,5 6-64,51 4-1792,48 5-799,28-11-2369</inkml:trace>
     <inkml:trace contextRef="#ctx0" brushRef="#br0" timeOffset="6693">21644 16463 2944,'-10'10'1120,"20"0"-576,16-6 288,-3 0 576,16 3-32,21-3 32,28-8-288,21-3-128,35-7-544,20 0 288,23-7 192,47-3-64,20 0 32,30-10-192,34 5-129,28-6-255,37 11-64,34-10-128,11 10-32,54 10 160,7-1 160,-1 9-224,21 2-32,-5 4 96,17 4 160,6-4-96,-39 17 0,1-9-128,-23 16 32,-10 0-64,-29-4 0,-121-6-96,116 11-64,-66-5 32,-42-5 32,-62-1-192,-54-4 32</inkml:trace>
     <inkml:trace contextRef="#ctx0" brushRef="#br0" timeOffset="54133">21753 15054 1152,'6'0'416,"10"4"-192,11-8 96,-5 4 224,23 0 192,15 0 192,21-10-32,41-1 96,14 1-192,30 6-96,31-10 96,17-6 128,21 2-512,51-9-96,20 3 32,18-4-160,21-1-32,5-5-64,13 3 0,0 3-128,14 4-64,-21-7 64,1-1 64,-39 12-64,-22-5 0,-26 1 32,-23 10 64,-44 0-32,-39 3-32,-33 1 32,-27 0 32,-27 6 320,-33-2 128,-11 2-160,-49-2-128,-45 6 0,-26 6 0,-35-2-192,-20 2-64,-34 12 64,-21-8 32,-11 1 0,-27 9-64,3-6-64,14 0 32,-19 0 32,14 1 64,8 1-32,22-2 64,23-4-128,6-6 0,16 0 32,28-4 64,27 0 32,20 0 32,57-8 0,32-2-160,19 0 32,36-4 64,22-11 32,49 1-128,28 4 32,10 2 0,41-13 0,8 17-96,8-6 64,31-5 32,-5 7 0,7-6 64,26-1 96,-23 9-64,-3-2-64,13-2 0,-23 10-32,-25 0 64,-26 1 32,-17-1-32,-12 4 32,-26 6-64,-28 0 64,-27 0-64,-18 0-32,-52 0 288,-45 0-160,-29 6 32,-38-2-96,-14-8-64,-57 4 96,-27 4 0,-23-4-32,-48 6 32,-11 3-128,-7 1 0,-9 4 32,-11 2 0,-12-6 0,6 8 0,6-3 0,11 1 0,15-8-96,23 8 64,26-8 32,41-2 64,26-6 32,27 0 96,33-6-96,34 2 0,25 0-96,35-2-32,37-4-32,46-8 0,47-3 64,34 3 0,39-8-96,26 12 64,18-5-32,43 3 0,12 8 64,26-2 0,1 10 0,3-10 64,15 10-32,-19-4 64,17 4-64,-17 4-32,-10-4 32,-1 0-32,-21 4 0,-17-4 0,1 6-96,-41 4 64,-4-6 32,-38-4 64,-4 0-32,-25 0 64,-24 0-64,-37 4 64,-24-4 0,-24 0 96,-32 0-160,-37 0-32,-35 6 0,-16-2 0,-22 2 0,-12-6 64,-30 0-32,-35 4-32,-4 7-64,-7-11 32,-11 0 96,-16 0 32,21 4-128,13-4 32,17-4 64,19-2 32,29-3-33,22 3-63,16 2-63,49-6-97,34 0 64,21-4 0,44 0 32,11 4 64,23 5 0,9-1-96,24-4 64,10 6 32,-6 0 0,-10-2 64,-12 2 32,-10-2-128,-6 2-32,-5 0 32,-11 4 0,-17 0 96,-12 0 32,-14 0-32,-18 0-64,-11 0 96,-6 0 0,-9-6-32,-7 2 31,-4 4-126,-8-6-1,-8 6 95,-8 0 33,-10 0-192,-17 0 1,-9 0 95,-7 6 64,0-2-1,-10 2-63,-18-2-63,-4-4 31,-22 0 95,-29 4 33,-4 6-128,-24 0 32,-4-6 0,-33 6 0,6 5 0,1-9 0,-25-2 0,2 6 64,-16-10-96,-6 0 0,-29 0 32,1 0 0,7 0 0,-7 10 64,-1-6-32,3 2-32,3 2-64,7 8 32,10-12 32,-23 7 0,19 3 0,-2-4 0,-15 4 0,15 6 64,2-1-96,-3 1 0,3-6 32,-6 10 0,20 1 0,-21 9 0,29 11 0,-8-11 64,18-1-96,-16 1-64,20 0 128,-3 1 32,25-11 0,-10 11-64,17-7 32,22-4-32,4 1 0,-15-5 64,38 4-447,27-3-161,23-3-3104,20 12-2240,29-26 2240</inkml:trace>
-  </inkml:traceGroup>
-</inkml:ink>
-</file>
-
-<file path=ppt/ink/ink89.xml><?xml version="1.0" encoding="utf-8"?>
-<inkml:ink xmlns:inkml="http://www.w3.org/2003/InkML">
-  <inkml:definitions>
-    <inkml:context xml:id="ctx0">
-      <inkml:inkSource xml:id="inkSrc0">
-        <inkml:traceFormat>
-          <inkml:channel name="X" type="integer" min="-2.14748E9" max="2.14748E9" units="cm"/>
-          <inkml:channel name="Y" type="integer" min="-2.14748E9" max="2.14748E9" units="cm"/>
-          <inkml:channel name="F" type="integer" max="32767" units="dev"/>
-        </inkml:traceFormat>
-        <inkml:channelProperties>
-          <inkml:channelProperty channel="X" name="resolution" value="1000" units="1/cm"/>
-          <inkml:channelProperty channel="Y" name="resolution" value="1000" units="1/cm"/>
-          <inkml:channelProperty channel="F" name="resolution" value="0" units="1/dev"/>
-        </inkml:channelProperties>
-      </inkml:inkSource>
-      <inkml:timestamp xml:id="ts0" timeString="2016-11-16T07:03:41.260"/>
-    </inkml:context>
-    <inkml:brush xml:id="br0">
-      <inkml:brushProperty name="width" value="0.06667" units="cm"/>
-      <inkml:brushProperty name="height" value="0.06667" units="cm"/>
-    </inkml:brush>
-  </inkml:definitions>
-  <inkml:traceGroup>
-    <inkml:annotationXML>
-      <emma:emma xmlns:emma="http://www.w3.org/2003/04/emma" version="1.0">
-        <emma:interpretation id="{E172C18F-264A-4C21-A83F-A3E4BF43DBF4}" emma:medium="tactile" emma:mode="ink">
-          <msink:context xmlns:msink="http://schemas.microsoft.com/ink/2010/main" type="inkDrawing" rotatedBoundingBox="18155,17817 20830,14201 20922,14269 18246,17884" semanticType="callout" shapeName="Other">
-            <msink:sourceLink direction="with" ref="{540A4470-25C9-4C02-B775-5D0E1F8896FB}"/>
-          </msink:context>
-        </emma:interpretation>
-      </emma:emma>
-    </inkml:annotationXML>
-    <inkml:trace contextRef="#ctx0" brushRef="#br0">21988 21233 2816,'-26'-9'1056,"36"-1"-576,18-39 0,-5 25 480,16-31-160,3-18 0,29-43-256,34-46 0,49-36-320,20-72 0,35-22 96,48-62-192,7-13 0,32-8-64,-10 18 32,-19 31-704,-14 24-224,-17 45-1632</inkml:trace>
   </inkml:traceGroup>
 </inkml:ink>
 </file>
@@ -7459,6 +8408,44 @@
           <inkml:channelProperty channel="F" name="resolution" value="0" units="1/dev"/>
         </inkml:channelProperties>
       </inkml:inkSource>
+      <inkml:timestamp xml:id="ts0" timeString="2016-11-16T07:03:41.260"/>
+    </inkml:context>
+    <inkml:brush xml:id="br0">
+      <inkml:brushProperty name="width" value="0.06667" units="cm"/>
+      <inkml:brushProperty name="height" value="0.06667" units="cm"/>
+    </inkml:brush>
+  </inkml:definitions>
+  <inkml:traceGroup>
+    <inkml:annotationXML>
+      <emma:emma xmlns:emma="http://www.w3.org/2003/04/emma" version="1.0">
+        <emma:interpretation id="{E172C18F-264A-4C21-A83F-A3E4BF43DBF4}" emma:medium="tactile" emma:mode="ink">
+          <msink:context xmlns:msink="http://schemas.microsoft.com/ink/2010/main" type="inkDrawing" rotatedBoundingBox="18155,17817 20830,14201 20922,14269 18246,17884" semanticType="callout" shapeName="Other">
+            <msink:sourceLink direction="with" ref="{540A4470-25C9-4C02-B775-5D0E1F8896FB}"/>
+          </msink:context>
+        </emma:interpretation>
+      </emma:emma>
+    </inkml:annotationXML>
+    <inkml:trace contextRef="#ctx0" brushRef="#br0">21988 21233 2816,'-26'-9'1056,"36"-1"-576,18-39 0,-5 25 480,16-31-160,3-18 0,29-43-256,34-46 0,49-36-320,20-72 0,35-22 96,48-62-192,7-13 0,32-8-64,-10 18 32,-19 31-704,-14 24-224,-17 45-1632</inkml:trace>
+  </inkml:traceGroup>
+</inkml:ink>
+</file>
+
+<file path=ppt/ink/ink91.xml><?xml version="1.0" encoding="utf-8"?>
+<inkml:ink xmlns:inkml="http://www.w3.org/2003/InkML">
+  <inkml:definitions>
+    <inkml:context xml:id="ctx0">
+      <inkml:inkSource xml:id="inkSrc0">
+        <inkml:traceFormat>
+          <inkml:channel name="X" type="integer" min="-2.14748E9" max="2.14748E9" units="cm"/>
+          <inkml:channel name="Y" type="integer" min="-2.14748E9" max="2.14748E9" units="cm"/>
+          <inkml:channel name="F" type="integer" max="32767" units="dev"/>
+        </inkml:traceFormat>
+        <inkml:channelProperties>
+          <inkml:channelProperty channel="X" name="resolution" value="1000" units="1/cm"/>
+          <inkml:channelProperty channel="Y" name="resolution" value="1000" units="1/cm"/>
+          <inkml:channelProperty channel="F" name="resolution" value="0" units="1/dev"/>
+        </inkml:channelProperties>
+      </inkml:inkSource>
       <inkml:timestamp xml:id="ts0" timeString="2016-11-16T07:03:40.891"/>
     </inkml:context>
     <inkml:brush xml:id="br0">
@@ -7482,7 +8469,7 @@
 </inkml:ink>
 </file>
 
-<file path=ppt/ink/ink91.xml><?xml version="1.0" encoding="utf-8"?>
+<file path=ppt/ink/ink92.xml><?xml version="1.0" encoding="utf-8"?>
 <inkml:ink xmlns:inkml="http://www.w3.org/2003/InkML">
   <inkml:definitions>
     <inkml:context xml:id="ctx0">
@@ -7521,7 +8508,7 @@
 </inkml:ink>
 </file>
 
-<file path=ppt/ink/ink92.xml><?xml version="1.0" encoding="utf-8"?>
+<file path=ppt/ink/ink93.xml><?xml version="1.0" encoding="utf-8"?>
 <inkml:ink xmlns:inkml="http://www.w3.org/2003/InkML">
   <inkml:definitions>
     <inkml:context xml:id="ctx0">
@@ -7559,7 +8546,7 @@
 </inkml:ink>
 </file>
 
-<file path=ppt/ink/ink93.xml><?xml version="1.0" encoding="utf-8"?>
+<file path=ppt/ink/ink94.xml><?xml version="1.0" encoding="utf-8"?>
 <inkml:ink xmlns:inkml="http://www.w3.org/2003/InkML">
   <inkml:definitions>
     <inkml:context xml:id="ctx0">
@@ -7598,7 +8585,7 @@
 </inkml:ink>
 </file>
 
-<file path=ppt/ink/ink94.xml><?xml version="1.0" encoding="utf-8"?>
+<file path=ppt/ink/ink95.xml><?xml version="1.0" encoding="utf-8"?>
 <inkml:ink xmlns:inkml="http://www.w3.org/2003/InkML">
   <inkml:definitions>
     <inkml:context xml:id="ctx0">
@@ -7637,7 +8624,7 @@
 </inkml:ink>
 </file>
 
-<file path=ppt/ink/ink95.xml><?xml version="1.0" encoding="utf-8"?>
+<file path=ppt/ink/ink96.xml><?xml version="1.0" encoding="utf-8"?>
 <inkml:ink xmlns:inkml="http://www.w3.org/2003/InkML">
   <inkml:definitions>
     <inkml:context xml:id="ctx0">
@@ -7675,7 +8662,7 @@
 </inkml:ink>
 </file>
 
-<file path=ppt/ink/ink96.xml><?xml version="1.0" encoding="utf-8"?>
+<file path=ppt/ink/ink97.xml><?xml version="1.0" encoding="utf-8"?>
 <inkml:ink xmlns:inkml="http://www.w3.org/2003/InkML">
   <inkml:definitions>
     <inkml:context xml:id="ctx0">
@@ -7713,7 +8700,7 @@
 </inkml:ink>
 </file>
 
-<file path=ppt/ink/ink97.xml><?xml version="1.0" encoding="utf-8"?>
+<file path=ppt/ink/ink98.xml><?xml version="1.0" encoding="utf-8"?>
 <inkml:ink xmlns:inkml="http://www.w3.org/2003/InkML">
   <inkml:definitions>
     <inkml:context xml:id="ctx0">
@@ -7752,7 +8739,7 @@
 </inkml:ink>
 </file>
 
-<file path=ppt/ink/ink98.xml><?xml version="1.0" encoding="utf-8"?>
+<file path=ppt/ink/ink99.xml><?xml version="1.0" encoding="utf-8"?>
 <inkml:ink xmlns:inkml="http://www.w3.org/2003/InkML">
   <inkml:definitions>
     <inkml:context xml:id="ctx0">
@@ -7786,223 +8773,6 @@
       </emma:emma>
     </inkml:annotationXML>
     <inkml:trace contextRef="#ctx0" brushRef="#br0">29513 20819 6784,'-29'-48'2528,"52"3"-1344,44-66-1376,-29 28 448,27-57 64,40-40 96,53-56-192,13-21-128,31-47-64,39-6 32,1-26 32,11 13-128,14 40-32,-30 29-1120,-34 36-480,-28 51-1184</inkml:trace>
-  </inkml:traceGroup>
-</inkml:ink>
-</file>
-
-<file path=ppt/ink/ink99.xml><?xml version="1.0" encoding="utf-8"?>
-<inkml:ink xmlns:inkml="http://www.w3.org/2003/InkML">
-  <inkml:definitions>
-    <inkml:context xml:id="ctx0">
-      <inkml:inkSource xml:id="inkSrc0">
-        <inkml:traceFormat>
-          <inkml:channel name="X" type="integer" min="-2.14748E9" max="2.14748E9" units="cm"/>
-          <inkml:channel name="Y" type="integer" min="-2.14748E9" max="2.14748E9" units="cm"/>
-          <inkml:channel name="F" type="integer" max="32767" units="dev"/>
-        </inkml:traceFormat>
-        <inkml:channelProperties>
-          <inkml:channelProperty channel="X" name="resolution" value="1000" units="1/cm"/>
-          <inkml:channelProperty channel="Y" name="resolution" value="1000" units="1/cm"/>
-          <inkml:channelProperty channel="F" name="resolution" value="0" units="1/dev"/>
-        </inkml:channelProperties>
-      </inkml:inkSource>
-      <inkml:timestamp xml:id="ts0" timeString="2016-11-16T07:02:53.184"/>
-    </inkml:context>
-    <inkml:brush xml:id="br0">
-      <inkml:brushProperty name="width" value="0.06667" units="cm"/>
-      <inkml:brushProperty name="height" value="0.06667" units="cm"/>
-    </inkml:brush>
-  </inkml:definitions>
-  <inkml:traceGroup>
-    <inkml:annotationXML>
-      <emma:emma xmlns:emma="http://www.w3.org/2003/04/emma" version="1.0">
-        <emma:interpretation id="{564254FE-135A-4472-B714-AB1A9B556DEB}" emma:medium="tactile" emma:mode="ink">
-          <msink:context xmlns:msink="http://schemas.microsoft.com/ink/2010/main" type="writingRegion" rotatedBoundingBox="17825,7113 29346,6803 29546,14239 18025,14549"/>
-        </emma:interpretation>
-      </emma:emma>
-    </inkml:annotationXML>
-    <inkml:traceGroup>
-      <inkml:annotationXML>
-        <emma:emma xmlns:emma="http://www.w3.org/2003/04/emma" version="1.0">
-          <emma:interpretation id="{C8FB1F6A-8394-4C13-A34F-67A1BA425517}" emma:medium="tactile" emma:mode="ink">
-            <msink:context xmlns:msink="http://schemas.microsoft.com/ink/2010/main" type="paragraph" rotatedBoundingBox="18010,6991 29433,7307 29350,10292 17928,9976" alignmentLevel="1"/>
-          </emma:interpretation>
-        </emma:emma>
-      </inkml:annotationXML>
-      <inkml:traceGroup>
-        <inkml:annotationXML>
-          <emma:emma xmlns:emma="http://www.w3.org/2003/04/emma" version="1.0">
-            <emma:interpretation id="{86E193AB-9556-42F3-B285-46E4C751639F}" emma:medium="tactile" emma:mode="ink">
-              <msink:context xmlns:msink="http://schemas.microsoft.com/ink/2010/main" type="inkBullet" rotatedBoundingBox="17924,9212 18407,9199 18428,9968 17945,9981"/>
-            </emma:interpretation>
-            <emma:one-of disjunction-type="recognition" id="oneOf0">
-              <emma:interpretation id="interp0" emma:lang="nb-NO" emma:confidence="0">
-                <emma:literal>•</emma:literal>
-              </emma:interpretation>
-            </emma:one-of>
-          </emma:emma>
-        </inkml:annotationXML>
-        <inkml:trace contextRef="#ctx0" brushRef="#br0">18312 11149 5888,'-48'14'2272,"48"-14"-1216,-39-24-384,33 24 800,2-21-288,-2 7-32,-6-30-32,8 5 32,-2-14-641,0 9 257,6-33 128,0 8-224,16-14 32,2 6-416,15-2-96,-7 10-64,19 30 0,-7 5 64,7 30 32,-9 0-96,8 32-32,-11-3-32,5 19 32,-3-5 0,-9 13 96,-4-7-96,-12 18-64,3-15 0,-20 17-32,1-12 544,-26-5 288,0-3-224,-29-10-32,12-7-256,-11-28-64,5 0-192,6-35-64,11 7-1984,16-10-800,-1 3-3487</inkml:trace>
-      </inkml:traceGroup>
-      <inkml:traceGroup>
-        <inkml:annotationXML>
-          <emma:emma xmlns:emma="http://www.w3.org/2003/04/emma" version="1.0">
-            <emma:interpretation id="{DFF74548-A528-4E3B-A019-63A930ED473F}" emma:medium="tactile" emma:mode="ink">
-              <msink:context xmlns:msink="http://schemas.microsoft.com/ink/2010/main" type="line" rotatedBoundingBox="19554,7034 29433,7307 29372,9522 19493,9248"/>
-            </emma:interpretation>
-          </emma:emma>
-        </inkml:annotationXML>
-        <inkml:traceGroup>
-          <inkml:annotationXML>
-            <emma:emma xmlns:emma="http://www.w3.org/2003/04/emma" version="1.0">
-              <emma:interpretation id="{EE4FE493-38B4-453A-96AA-39DBFEA24F4C}" emma:medium="tactile" emma:mode="ink">
-                <msink:context xmlns:msink="http://schemas.microsoft.com/ink/2010/main" type="inkWord" rotatedBoundingBox="19554,7034 21239,7081 21190,8861 19505,8814"/>
-              </emma:interpretation>
-              <emma:one-of disjunction-type="recognition" id="oneOf1">
-                <emma:interpretation id="interp1" emma:lang="nb-NO" emma:confidence="0">
-                  <emma:literal>Is</emma:literal>
-                </emma:interpretation>
-                <emma:interpretation id="interp2" emma:lang="nb-NO" emma:confidence="0">
-                  <emma:literal>Is,</emma:literal>
-                </emma:interpretation>
-                <emma:interpretation id="interp3" emma:lang="nb-NO" emma:confidence="0">
-                  <emma:literal>'is</emma:literal>
-                </emma:interpretation>
-                <emma:interpretation id="interp4" emma:lang="nb-NO" emma:confidence="0">
-                  <emma:literal>"is</emma:literal>
-                </emma:interpretation>
-                <emma:interpretation id="interp5" emma:lang="nb-NO" emma:confidence="0">
-                  <emma:literal>I's</emma:literal>
-                </emma:interpretation>
-              </emma:one-of>
-            </emma:emma>
-          </inkml:annotationXML>
-          <inkml:trace contextRef="#ctx0" brushRef="#br0" timeOffset="197755">20648 8623 6016,'-33'-36'2272,"33"36"-1216,-27-51-544,27 44 704,-19-15-640,7 6-224,-15-33-224,8 8-128,-7-9 32,-1 4-1536,-4 10-576,-3 2-864</inkml:trace>
-          <inkml:trace contextRef="#ctx0" brushRef="#br0" timeOffset="198807">20068 9758 7424,'-26'-4'2816,"26"4"-1536,-27-8-160,27 8 1088,-19 0-832,0 0-353,-8-10-735,1-2-256,-1-4-32,3-4-192,-3 4 64,1-6-2623,7 2-1153,-1 4-96</inkml:trace>
-          <inkml:trace contextRef="#ctx0" brushRef="#br0" timeOffset="198175">20087 8936 6912,'-45'-12'2624,"45"12"-1408,-53-58-640,48 52 736,-14 0-672,-3 2-192,-2-8-640,-3 4-224,1 8-2240,-1 0-960,-4-16 768,4-1 416</inkml:trace>
-          <inkml:trace contextRef="#ctx0" brushRef="#br0" timeOffset="-23880">20728 9586 7424,'-2'1'2816,"2"0"-1536,-1-2-288,1 1 1024,0 0-128,0 0-1,0 0-351,0 0-160,0 0-768,0 0 192,0 0 160,0 0-384,1-1-64,1-1-192,1-2 32,-2 0-64,5 0 0,-2 0-160,4 0-32,0 1 32,3-2 0,-1 0-64,1 1 32,-1 1-128,3-5 0,-4 2 32,3 0 64,-2 3-32,0-1-32,0 0 160,-2 3 32,-1 0 0,-1 0 32,-2-1-64,0 0 64,-1 2-128,1-2-64,-1 1 64,0 1 0,0 0-32,0 3 32,-2-1-64,4 1-32,-3-1 32,1 6 32,0-2 32,1 3 32,0 2-64,0 0-64,1 2 32,-1 2-32,0 1 64,1 2 32,0 0-32,0-8-64,-3-3-64,2 4 32,1-1 32,0 6 0,0-4 0,0 4 0,3 3 416,-2 2 256,0 0-672,0-1-352,0 0 64,-2-3 128,0 1 64,-1-8 32,0-2 64,-1 6 0,1-3 64,-1 2 32,-1-1-32,-1-1-64,0-2 32,-3 1 32,0-1 160,-1 2 192,0-3-512,-3 2-160,1-1 192,-2 0 96,-5-1 192,5-2 128,0-3-192,-6-2-32,2 1 0,-6-2 0,4 0-160,-1 0 32,1 0 0,1 0 0,2 0-704,1-2-320,0 1-1536,4-4-672,2 1-3935</inkml:trace>
-          <inkml:trace contextRef="#ctx0" brushRef="#br0" timeOffset="-22997">21236 9449 13312,'-12'2'4927,"12"-2"-2687,-8 2-1472,6-2 1280,0 0-640,0 0-160,-3 1-288,0-1-64,1 1-512,0 0 128,0 1 64,2-1-128,-3 3 64,2-2-160,-1 2-32,1 0-192,0 0-32,1-2-32,2 10 32,-2-1-64,2-1-32,0-1-64,0-1 32,0 0 32,2 1 0,2-2-96,2 3 0,8 3 128,-4-6 32,-2 0 0,6 0-64,-2 0 32,4-1-32,-4-1-96,4 2 64,2 4 96,-4-5 32,-4-2-32,0 3-64,-2-1 32,0 1-32,0-3 0,0 3 0,-2-2 0,2 5 0,-1-1-96,0 4 64,-1-1 96,0 3 96,4 10-128,-5-6-32,0-4 0,-1 3 0,0-4 0,0 3 0,-2-2 0,-2 4 0,0 3 64,-4-2 32,-2-3 32,2-7 64,-1-1-32,-4-2 64,-5 1-128,3-3 0,2-2-96,-6 2-32,4-3-672,-3-1-256,-8 0-3808,8-5-1664</inkml:trace>
-        </inkml:traceGroup>
-        <inkml:traceGroup>
-          <inkml:annotationXML>
-            <emma:emma xmlns:emma="http://www.w3.org/2003/04/emma" version="1.0">
-              <emma:interpretation id="{E8A6C265-8795-4465-9F0B-21E70793694E}" emma:medium="tactile" emma:mode="ink">
-                <msink:context xmlns:msink="http://schemas.microsoft.com/ink/2010/main" type="inkWord" rotatedBoundingBox="24877,9085 25578,7544 26724,8065 26023,9606"/>
-              </emma:interpretation>
-              <emma:one-of disjunction-type="recognition" id="oneOf2">
-                <emma:interpretation id="interp6" emma:lang="nb-NO" emma:confidence="0">
-                  <emma:literal>tvett</emma:literal>
-                </emma:interpretation>
-                <emma:interpretation id="interp7" emma:lang="nb-NO" emma:confidence="0">
-                  <emma:literal>sveif</emma:literal>
-                </emma:interpretation>
-                <emma:interpretation id="interp8" emma:lang="nb-NO" emma:confidence="0">
-                  <emma:literal>*Nerf</emma:literal>
-                </emma:interpretation>
-                <emma:interpretation id="interp9" emma:lang="nb-NO" emma:confidence="0">
-                  <emma:literal>kro:</emma:literal>
-                </emma:interpretation>
-                <emma:interpretation id="interp10" emma:lang="nb-NO" emma:confidence="0">
-                  <emma:literal>kø:</emma:literal>
-                </emma:interpretation>
-              </emma:one-of>
-            </emma:emma>
-          </inkml:annotationXML>
-          <inkml:trace contextRef="#ctx0" brushRef="#br0" timeOffset="-18441">25999 9533 11136,'1'0'4128,"3"3"-2241,-2 1-1439,0 0 992,-1 5-320,0 1 64,1 3-320,0 3-64,-1 2-448,0 1-64,1 2-64,-1 0-96,2 1-32,-1-2-32,2-1-64,-2-3 32,1-1-32,0-2 0,0 0 0,1-2 64,0-1 96,1-3-64,0 0 0,1-2 96,-1-3 32,3-1 32,-2-2 64,4 0-32,-1-1 0,-2-2-160,0 0-32,0 0-32,0 1-64,0-3 32,1 4-32,-2-2-352,2 3-96,-3-2-896,1 1-416,-2-3-2400,-3-2-1887</inkml:trace>
-          <inkml:trace contextRef="#ctx0" brushRef="#br0" timeOffset="-17458">26305 9388 9472,'1'0'3584,"3"-2"-1920,-1 0-672,0 2 1183,0 1-447,2 2-64,2 1-160,-1 2 0,0 2-832,-1 5 256,1 2 64,-1 5-256,1 3-96,0 4-224,1 5-96,2 0-192,-1 2-32,2-1-32,-2-4-64,1-1-64,-2-4 32,0-4-256,-2-4-128,0-5-416,-2-4-128,-3-7-896,0-3-416,-2-2-2112,0-3-927,-2 1 383</inkml:trace>
-          <inkml:trace contextRef="#ctx0" brushRef="#br0" timeOffset="-19709">25638 9574 3840,'0'-4'1472,"1"4"-768,-1-8 384,0 7 736,1-1 128,1-1 64,-2 0-96,2 1-97,-2 1-991,0 1 416,-2 0 192,0 2-64,1 1 32,-2 1-352,1-1-96,0 3-192,-1 1-32,2 5-192,1 5 0,0 2-256,0 0-32,1 3-64,1 2 32,1 1-64,-1 6 64,1 1-64,0 1 0,1 1-96,0 1 32,1-5-128,-1-3 0,0 0 32,2-5 0,-2-1-96,0-4 64,2-3-320,-2-2-96,1-2-416,-1-4-96,-2-1-704,1-5-288,0-5-704,0-1-352,0-6-2527</inkml:trace>
-          <inkml:trace contextRef="#ctx0" brushRef="#br0" timeOffset="-18995">25677 9632 7808,'0'-8'2880,"1"4"-1536,-2-4-288,1 6 992,0-2-65,0-3 65,0 4-288,0-1-128,0 2-896,0 0 64,0 2 64,3 4-288,-1 2 0,2 4-256,0 2-64,0 1-64,0 2-32,0 2-32,0 2 0,4 0-64,-2 2 32,2 2 0,0 3 32,2-1-160,0-1 32,2 1 0,-2 2 64,0-5-32,4 0-32,-4-4 32,2 0-32,0-3-96,-2-3 0,0-1 64,-1-4 64,-2-1 0,0-2 64,0-2-128,-1-5 0,-2-4 32,0-2 64,0-3-32,0-3-32,0-4 32,-2-3-32,2-5 0,-4-3 0,0-3 64,0-3 96,-4-4 0,-2 0 0,2 2-96,0 3-64,0 2 96,0 4 0,1 5-32,0 3 32,1 2-128,2 3 0,-4 3 32,3 3 0,1 3-448,0 0-160,0 4-1024,1 0-480,1 2-1504,-2 1-639,2 3-1281</inkml:trace>
-          <inkml:trace contextRef="#ctx0" brushRef="#br0" timeOffset="-17077">26178 9406 8576,'-11'3'3232,"8"-2"-1728,0 0-288,3-1 1183,0 0-703,1 0-224,4-1 256,2-2 128,3 0-960,1-3 128,4 0 64,1 1-224,0 2-96,1-1-448,1 1-128,1 2-128,-1-2 32,-2 2-704,9-5-288,3-1-1600,-1-4-640,-1 1-3711</inkml:trace>
-          <inkml:trace contextRef="#ctx0" brushRef="#br0" timeOffset="-34541">26119 8864 3328,'-5'3'1216,"5"-3"-640,-6-3 160,6 3 576,0 0 224,0 0 192,-5 0-256,2 0-96,-10 8-768,-1-4 192,-4 8 96,-1-4-128,-4 4-1,1 1-127,-10-1-32,8-1-128,-3 1-32,5 0-192,-6 5 0,1-5-96,0 5 64,3-1 64,-2 8 64,4-4-96,-7 12 0,7-4-160,-5 4 0,4-2-32,-4 10 32,3-4-64,2 5-32,4-9 32,-1 9-32,6-9 0,-1 4 0,1-4 0,0 14 0,2-6 0,3 9 0,-2-6 0,7 10 0,-2-8 0,-1 13 0,3-15 0,-2 10 0,5-9 0,0 6 64,0-10-32,5 0-32,-2-8-64,8 12 32,-3-7 32,5 0 0,1-5 64,4 5 96,1-10-64,4 7 0,-6-6-32,12 4-64,-7-8 32,10 4 32,-5-4 32,10-4 32,-5 0-64,5-3 32,-7-5-64,7 1-32,-5-6 32,0-2 32,-5-1-96,5-13 0,0 6 96,8-14 96,-3 5-64,8-8 0,-2 3-32,2-7-64,-10 4 32,11-12 32,-9 4-32,3-10 64,-3 10-64,0-7-32,-5 3 32,-2-9-32,-1 8 0,-7-11 64,1 7-32,-4-12-32,-2 9 96,-2-9 0,-2 5-32,1-4-64,-6 7 32,-3-11 32,0 7 96,-5-4 128,0 8-64,-10-11 32,2 8-160,-11-12 0,6 6 96,-11-6 32,6 8-32,-4 0-32,3 7 32,-8-8 32,4 9-32,-17 0 32,3 2 0,-9 10 32,6 4-64,-6 8 32,9 0-128,-3 0 0,3 4-32,2 4-64,3-1-672,3 6-352,7-3-1888,9 3-768,-1-2-2655</inkml:trace>
-          <inkml:trace contextRef="#ctx0" brushRef="#br0" timeOffset="-20477">25563 10054 8064,'-5'0'3072,"5"0"-1664,0 3 384,0-3 1407,0 2-511,-3 3-192,3 0-672,-3 0-256,3-3-896,-3 4-128,3-4 0,0 1-288,0-3-64,0 0-128,-3-3-64,0 1-1024,3-6-448,0 3-2784,3-2-1151,-3 4-545</inkml:trace>
-          <inkml:trace contextRef="#ctx0" brushRef="#br0" timeOffset="-18177">26046 9663 8448,'-4'-2'3232,"6"0"-1728,1-5-192,0 5 1247,0-2-639,2-1-128,1-1-416,0-2-160,1 3-672,0 0-192,3 3-96,-3-1-128,2 2-32,-3 0-32,0 1 32,0 0-768,0-2-352,-1 2-1152,-1-1-480,1 0-3103</inkml:trace>
-          <inkml:trace contextRef="#ctx0" brushRef="#br0" timeOffset="-17895">26014 9522 11136,'2'-4'4224,"4"0"-2305,0-2-1119,-2 2 1152,3 0-224,0 0 96,1-2-608,1 1-192,-1 1-576,-1 1-224,3 1-64,0 1-32,-1 0 0,-2-1-704,0 1-256,1 0-1632,1-1-640,-1-2-3199</inkml:trace>
-        </inkml:traceGroup>
-        <inkml:traceGroup>
-          <inkml:annotationXML>
-            <emma:emma xmlns:emma="http://www.w3.org/2003/04/emma" version="1.0">
-              <emma:interpretation id="{AA2A1B77-A45C-4FDD-8459-80C7A2F05F69}" emma:medium="tactile" emma:mode="ink">
-                <msink:context xmlns:msink="http://schemas.microsoft.com/ink/2010/main" type="inkWord" rotatedBoundingBox="28717,8212 29407,8231 29384,9061 28694,9042">
-                  <msink:destinationLink direction="with" ref="{BED59B8D-0E57-4597-8686-6528F4225165}"/>
-                </msink:context>
-              </emma:interpretation>
-              <emma:one-of disjunction-type="recognition" id="oneOf3">
-                <emma:interpretation id="interp11" emma:lang="nb-NO" emma:confidence="0">
-                  <emma:literal>s</emma:literal>
-                </emma:interpretation>
-                <emma:interpretation id="interp12" emma:lang="nb-NO" emma:confidence="0">
-                  <emma:literal>B</emma:literal>
-                </emma:interpretation>
-                <emma:interpretation id="interp13" emma:lang="nb-NO" emma:confidence="0">
-                  <emma:literal>D</emma:literal>
-                </emma:interpretation>
-                <emma:interpretation id="interp14" emma:lang="nb-NO" emma:confidence="0">
-                  <emma:literal>o</emma:literal>
-                </emma:interpretation>
-                <emma:interpretation id="interp15" emma:lang="nb-NO" emma:confidence="0">
-                  <emma:literal>C</emma:literal>
-                </emma:interpretation>
-              </emma:one-of>
-            </emma:emma>
-          </inkml:annotationXML>
-          <inkml:trace contextRef="#ctx0" brushRef="#br0" timeOffset="986">29045 9973 7296,'-45'55'2816,"45"-55"-1536,-32-55-384,19 41 960,9-7-416,-2-13-97,12 2-351,-2 2-160,19-40-448,21-20 32,17-8 96,4 19-128,12 20-64,-6 31-96,-4 18-64,-6 24-32,-7 16 0,-5 19 64,-5 24 32,-11 4-32,-17-12 32,0-13 160,-16 32 64,0-16 128,-10 10 96,-2-10 64,-20-9 96,-33 4-256,8-35-96,8-4-256,-22-32-160,11-2-736,5-34-352,0 10-4352,29-26-1887</inkml:trace>
-        </inkml:traceGroup>
-      </inkml:traceGroup>
-    </inkml:traceGroup>
-    <inkml:traceGroup>
-      <inkml:annotationXML>
-        <emma:emma xmlns:emma="http://www.w3.org/2003/04/emma" version="1.0">
-          <emma:interpretation id="{1F2822C9-3DD4-4C53-AE26-F11ABD576094}" emma:medium="tactile" emma:mode="ink">
-            <msink:context xmlns:msink="http://schemas.microsoft.com/ink/2010/main" type="paragraph" rotatedBoundingBox="17995,12795 29388,12990 29360,14625 17967,14430" alignmentLevel="1"/>
-          </emma:interpretation>
-        </emma:emma>
-      </inkml:annotationXML>
-      <inkml:traceGroup>
-        <inkml:annotationXML>
-          <emma:emma xmlns:emma="http://www.w3.org/2003/04/emma" version="1.0">
-            <emma:interpretation id="{50C9E70A-7638-408D-859E-91F683789F35}" emma:medium="tactile" emma:mode="ink">
-              <msink:context xmlns:msink="http://schemas.microsoft.com/ink/2010/main" type="line" rotatedBoundingBox="17995,12795 29388,12990 29360,14625 17967,14430"/>
-            </emma:interpretation>
-          </emma:emma>
-        </inkml:annotationXML>
-        <inkml:traceGroup>
-          <inkml:annotationXML>
-            <emma:emma xmlns:emma="http://www.w3.org/2003/04/emma" version="1.0">
-              <emma:interpretation id="{4F312DB0-A426-48EF-93B6-41BF3009A250}" emma:medium="tactile" emma:mode="ink">
-                <msink:context xmlns:msink="http://schemas.microsoft.com/ink/2010/main" type="inkWord" rotatedBoundingBox="17995,12795 29388,12990 29360,14625 17967,14430">
-                  <msink:destinationLink direction="with" ref="{559B3501-8D01-4CA7-BE9D-AF4B916D2310}"/>
-                  <msink:destinationLink direction="with" ref="{4013D7B5-9B79-4B79-88E0-67247019154C}"/>
-                  <msink:destinationLink direction="with" ref="{B916A3A8-BB31-447D-822F-6638D0DC2AD1}"/>
-                  <msink:destinationLink direction="with" ref="{FF6EE287-AEDA-43B5-9D6B-E4273324C3DD}"/>
-                  <msink:destinationLink direction="with" ref="{8E10AE7E-C7B6-458E-8FE5-039952CC4BB4}"/>
-                  <msink:destinationLink direction="with" ref="{524401E9-9A13-4FFE-BE22-0F88717B7E0D}"/>
-                  <msink:destinationLink direction="with" ref="{D3081544-6003-439C-AFF8-8A04F555AAC6}"/>
-                </msink:context>
-              </emma:interpretation>
-              <emma:one-of disjunction-type="recognition" id="oneOf4">
-                <emma:interpretation id="interp16" emma:lang="nb-NO" emma:confidence="0">
-                  <emma:literal>khi</emma:literal>
-                </emma:interpretation>
-                <emma:interpretation id="interp17" emma:lang="nb-NO" emma:confidence="0">
-                  <emma:literal>=</emma:literal>
-                </emma:interpretation>
-                <emma:interpretation id="interp18" emma:lang="nb-NO" emma:confidence="0">
-                  <emma:literal>ZH</emma:literal>
-                </emma:interpretation>
-                <emma:interpretation id="interp19" emma:lang="nb-NO" emma:confidence="0">
-                  <emma:literal>Hh</emma:literal>
-                </emma:interpretation>
-                <emma:interpretation id="interp20" emma:lang="nb-NO" emma:confidence="0">
-                  <emma:literal>ZV</emma:literal>
-                </emma:interpretation>
-              </emma:one-of>
-            </emma:emma>
-          </inkml:annotationXML>
-          <inkml:trace contextRef="#ctx0" brushRef="#br0" timeOffset="36207">18367 15617 2304,'55'-15'960,"-11"5"-512,34-8 32,-46 8 480,28 0-512,34-4-160,15 3-192,29 1 0,20-4 0,35-6 32,9 12-64,-6-8-64,30 1 160,-6 5 32,-13 10 0,-20-4 32,-33 4-64,-16 0 0,-23 4-96,-22 6 32,-28 0 64,-26-5 640,-29 1 256,-14 4-256,-31-6-128,-24-4-384,-30 0-128,-42 0-32,-11 10 64,-22-10-96,-23 0 0,-10 4-32,-7 2-64,14-6 96,-9 0 0,8 0-32,25 4 32,30 0-64,15-4 64,28 0 0,21-4 96,40-6 96,20 0-352,46-4-96,32 4 128,20 5 160,30-5-224,44-4 32,14 0 0,29 4 32,6-4 32,28-1 0,-8 9 0,-15-4 64,22 0 32,-22 6 32,-17 4-160,-4 0 32,-35 0-64,-14 0 0,-13 0 64,-18 0 0,-19 0 64,-17 0 32,-32 0 160,-35 0 96,-26 4-128,-23 6-64,-42-4-64,-19-6 0,-48 10-64,-12 5-32,-14-11 32,-44 2 32,-4 8-96,4-4 0,21-6 32,4 0 64,23 2-96,38-2-64,30 2 64,63-2-64,49 1-32,23 5 96,49-4 0,40-6 96,36 0 32,38 0-128,42-6 32,13 6 0,24-4 0,37 4-96,1-6 64,44 1 32,-13 5 64,-4-4-32,-22 4 64,-6 0-64,-26 0 64,-16 0-128,-45 9 0,-28 1-32,-33 0 0,-39-6 128,-26 2 96,-31-6 0,-36 0 0,-32-6-96,-32-2 32,-52-2-64,-25 10 64,-23-6-64,-26-3-32,-29 3 32,-17 2 32,-3-6-32,-24 6 64,17 8-128,0-4 0,34-4-32,20 4 0,22 0 64,35 0 0,48 0-96,33 4 0,38 6 64,35-6-64,52-4-32,39 6 96,34-2 64,43-4 0,28 11-32,17-11 32,32 0 32,12 0-32,30 0-32,-8 4 32,-12-8-32,-6 4 0,-6 4 0,-20-4 64,-6 0 32,-49 6-128,-34-2 32,-27 0 0,-32-4 64,-29 0 32,-32 0 32,-28-4 0,-33 0 64,-26-6-96,-29-1 0,-43 1-32,-28 6-64,-32-6 32,-18-4-32,-26 4 0,-11 6 0,10-6 0,-15 0 0,10 5 0,27 5 64,17-6-32,33 6-32,21-4 32,30 4-32,25-6-96,33 2 64,45-6-32,41 6 0,32 4 64,24-6 64,50 2-32,13 4-32,20 0-64,32 0 32,-14 4 32,-8-4 0,8 0-96,-8 6 64,-14 2 32,-23 2 64,-28-4-32,-28-6 64,-26 0-128,-17 0 0,-20-6 160,-25 2 160,-15-2-32,-16 2 95,-21 0-127,-25-2-64,-20-4-160,-11 6-64,-28-6 32,-21 6 64,-6-3-64,-11 3 0,4 0 96,6-2 32,-3 2-128,14-2 32,23 2 0,22 0 64,28-2-96,32 2-64,20-2 64,36 6 64,20 6-64,35-6-64,37 4-32,-1 2 96,12 2 0,17-2 96,11 4-32,-23 5-32,-6-1 32,-10-4 32,-20 0-32,-9-6-32,-10 0 32,-9 2 32,-13-2-1439,-14 6-673</inkml:trace>
-          <inkml:trace contextRef="#ctx0" brushRef="#br0" timeOffset="39366">18383 14492 1408,'67'0'608,"-23"0"-320,22-6 288,-38 6 384,4-4 0,17 0 0,18-6-288,3 4-64,2 2-224,15 0 0,6-2-224,13 2-32,-4-2-64,20 2 32,-2 4 0,-15-6-128,-8 6 32,-3 0 0,-1 0 0,-4 6 256,-14-2 224,8-4-160,5 0-32,4 0-96,-2-4-32,-16 4-32,0-6 0,-20 2 0,-15 4 0,-7-4 128,-15-2 160,-11 2-160,-18 4 0,-15 0-128,-18 0-96,-9 4 0,-7 2 32,-4-6-32,-12 0-32,0 0 32,0 4-32,-10-4 64,-13 0 32,-2 4-128,8 2-32,5-6 32,8 0 0,-2 0 96,12 0 32,0 0-32,16 0-64,7 4 32,3-4 32,6 0-96,11 0 0,2 0 32,4 0 64,-1 0-32,7 0-32,0 0 96,5 0 64,5 0 64,0 0 32,6 0-224,12 0 0,-1-4-32,11-2 64,11 2-32,15-6-32,7-4 32,6 4-32,28-5-96,14 1 64,1-1 32,5-1 64,12 2-96,-11 0 0,16 0 32,6 0 64,-5-2-32,-24 2 64,-3 10-128,-24-3-64,-4 3 192,-24 4 96,-4 0-192,-17 0 32,-10 0-32,-44 4 0,-40 7 64,-20-1-32,-12 4 64,-21 0-64,-2-4 64,-30 0-64,-8 10-32,-10-6 32,0 1-32,-16-5 64,-1 0 96,17-2-128,-5-2-32,31-6 0,19 0 64,10 0-32,11 0 64,17 0 0,20 0 32,19 0-160,19 0 32,25 0-64,15 0-64,11 0 96,26 0 0,23-6 32,18 2 0,43 0 0,0-2 0,32 2 0,6-6 64,37-1-32,2 1-32,-1 2 32,40-2-32,3 10 0,-14 0 0,27-6 0,-24 6 64,6 0-96,-16 0 0,6 0 32,-28 6 64,-9-6-32,-24 0-32,-21 0 32,-13-6-32,-13 6 0,-31-4 64,-24 4-32,-52 0 128,-25 0-32,-31 10-128,-30-6 0,-51 2 64,-22-2 96,-30 6-128,-14 0-32,-36-1 0,8 1 64,2-4-32,-17-2-32,6-14 32,11 10-32,17-4 0,14 4 0,13 4-96,16-8 64,23 8 32,26 2 0,21-6-96,30 0 64,26-6 32,32 2 64,22-2-96,25 2-64,30-1-32,23-5 0,44 0 160,20 6 32,12-2 0,35-4-64,-2 16-64,6-6 32,20 0 32,-8 4 64,14-4-96,-13 0-64,6 0 64,-18 10 64,-12-6 0,-33 2-32,-11-6 32,-10 0 32,-24 0-32,-21 0-32,-27 0 96,-16 0 0,-23-6 32,-26 6 0,-36-4-64,-26 0 32,-19-2-64,-35 2-32,-22-2 32,-46 6 32,-19-4-96,-7 0 0,-31-6 32,9 4 64,-10-2-32,17-2-32,-14-6 32,20 1-32,26-3 0,0-3 0,32 7 0,22-10 0,23 4 0,22 16 64,23-2-96,15 6-64,21-4-32,28 4 96,23 4-64,21-4 32,44 6 64,11-6 64,33 4-32,19-4-32,29 0-64,16 0 32,-2 0 32,26 0 0,-6 0 64,0 6 32,6-6-32,0 4-64,-10 0 32,-20 2-32,-1-6 0,-2 0 0,-29 4-96,-14 2 64,-24 2 32,-14-8 64,-20 6-32,-24-6 64,-28 0 0,-18 0 96,-32-6-96,-16-2 0,-34-2-32,-44 0-64,-21 0 32,-20-4-32,-9 0 0,-31 4 64,-1 10-32,-5-10-32,11 6-64,-10-3 32,10 3-32,22 4 0,26 4 64,29-4 64,22 0-32,23 7-32,19-3-64,29-8-32,51-3 64,19 3 64,40 8 0,22-8-32,54 4 32,11 4-32,28-4-96,28 7 64,14 3 32,25-6 64,-2 6-32,-10-6-32,16 2-64,-27 2 32,-6 2 32,-21-4 64,-14 2-96,-22 2-64,-48-4 128,-27-2 32,-28 0 64,-25 2 64,-28-6-33,-18 0 1,-44-6-96,-42 6 32,-21 0-64,-40-4-32,-7 0 32,-32-2-32,2 2-96,-14-2 64,14 2 96,4 0 32,10-2-128,12-8 32,27 14 0,28 0 64,49-4-192,32 4 32,24 0 32,37 0 32,22 0 96,49 4-96,12 0 0,22 2 32,15-2 64,8 2-32,-3 2-32,-4 2-64,12 0 32,4 4 32,-18 1 0,-7 1 0,-19-2 64,-10-3-96,-6-3-64,-12 2 128,-21-4 96,-15-2-96,-24-4-32,-10 6 128,-12-6 64,-3 0-160,-2 0 0,-1 0-32,3 0 0,-2 0 0,1 0 0,-8 0 0,-9 0 0,2 4 0,-9 0 64,2 2-1087,-6-6-513</inkml:trace>
-        </inkml:traceGroup>
-      </inkml:traceGroup>
-    </inkml:traceGroup>
   </inkml:traceGroup>
 </inkml:ink>
 </file>
@@ -11799,6 +12569,357 @@
           </a:p>
         </p:txBody>
       </p:sp>
+      <mc:AlternateContent xmlns:mc="http://schemas.openxmlformats.org/markup-compatibility/2006">
+        <mc:Choice xmlns:p14="http://schemas.microsoft.com/office/powerpoint/2010/main" Requires="p14">
+          <p:contentPart p14:bwMode="auto" r:id="rId2">
+            <p14:nvContentPartPr>
+              <p14:cNvPr id="13" name="Ink 12"/>
+              <p14:cNvContentPartPr/>
+              <p14:nvPr/>
+            </p14:nvContentPartPr>
+            <p14:xfrm>
+              <a:off x="8074188" y="5038563"/>
+              <a:ext cx="1390611" cy="88048"/>
+            </p14:xfrm>
+          </p:contentPart>
+        </mc:Choice>
+        <mc:Fallback>
+          <p:pic>
+            <p:nvPicPr>
+              <p:cNvPr id="13" name="Ink 12"/>
+              <p:cNvPicPr/>
+              <p:nvPr/>
+            </p:nvPicPr>
+            <p:blipFill>
+              <a:blip r:embed="rId3"/>
+              <a:stretch>
+                <a:fillRect/>
+              </a:stretch>
+            </p:blipFill>
+            <p:spPr>
+              <a:xfrm>
+                <a:off x="8067352" y="5025266"/>
+                <a:ext cx="1405363" cy="112486"/>
+              </a:xfrm>
+              <a:prstGeom prst="rect">
+                <a:avLst/>
+              </a:prstGeom>
+            </p:spPr>
+          </p:pic>
+        </mc:Fallback>
+      </mc:AlternateContent>
+      <mc:AlternateContent xmlns:mc="http://schemas.openxmlformats.org/markup-compatibility/2006">
+        <mc:Choice xmlns:p14="http://schemas.microsoft.com/office/powerpoint/2010/main" Requires="p14">
+          <p:contentPart p14:bwMode="auto" r:id="rId4">
+            <p14:nvContentPartPr>
+              <p14:cNvPr id="14" name="Ink 13"/>
+              <p14:cNvContentPartPr/>
+              <p14:nvPr/>
+            </p14:nvContentPartPr>
+            <p14:xfrm>
+              <a:off x="8068663" y="5157941"/>
+              <a:ext cx="16022" cy="986356"/>
+            </p14:xfrm>
+          </p:contentPart>
+        </mc:Choice>
+        <mc:Fallback>
+          <p:pic>
+            <p:nvPicPr>
+              <p:cNvPr id="14" name="Ink 13"/>
+              <p:cNvPicPr/>
+              <p:nvPr/>
+            </p:nvPicPr>
+            <p:blipFill>
+              <a:blip r:embed="rId5"/>
+              <a:stretch>
+                <a:fillRect/>
+              </a:stretch>
+            </p:blipFill>
+            <p:spPr>
+              <a:xfrm>
+                <a:off x="8056472" y="5146417"/>
+                <a:ext cx="44583" cy="1011204"/>
+              </a:xfrm>
+              <a:prstGeom prst="rect">
+                <a:avLst/>
+              </a:prstGeom>
+            </p:spPr>
+          </p:pic>
+        </mc:Fallback>
+      </mc:AlternateContent>
+      <mc:AlternateContent xmlns:mc="http://schemas.openxmlformats.org/markup-compatibility/2006">
+        <mc:Choice xmlns:p14="http://schemas.microsoft.com/office/powerpoint/2010/main" Requires="p14">
+          <p:contentPart p14:bwMode="auto" r:id="rId6">
+            <p14:nvContentPartPr>
+              <p14:cNvPr id="15" name="Ink 14"/>
+              <p14:cNvContentPartPr/>
+              <p14:nvPr/>
+            </p14:nvContentPartPr>
+            <p14:xfrm>
+              <a:off x="9504026" y="5065572"/>
+              <a:ext cx="40884" cy="891285"/>
+            </p14:xfrm>
+          </p:contentPart>
+        </mc:Choice>
+        <mc:Fallback>
+          <p:pic>
+            <p:nvPicPr>
+              <p:cNvPr id="15" name="Ink 14"/>
+              <p:cNvPicPr/>
+              <p:nvPr/>
+            </p:nvPicPr>
+            <p:blipFill>
+              <a:blip r:embed="rId7"/>
+              <a:stretch>
+                <a:fillRect/>
+              </a:stretch>
+            </p:blipFill>
+            <p:spPr>
+              <a:xfrm>
+                <a:off x="9491363" y="5056933"/>
+                <a:ext cx="70914" cy="915763"/>
+              </a:xfrm>
+              <a:prstGeom prst="rect">
+                <a:avLst/>
+              </a:prstGeom>
+            </p:spPr>
+          </p:pic>
+        </mc:Fallback>
+      </mc:AlternateContent>
+      <mc:AlternateContent xmlns:mc="http://schemas.openxmlformats.org/markup-compatibility/2006">
+        <mc:Choice xmlns:p14="http://schemas.microsoft.com/office/powerpoint/2010/main" Requires="p14">
+          <p:contentPart p14:bwMode="auto" r:id="rId8">
+            <p14:nvContentPartPr>
+              <p14:cNvPr id="16" name="Ink 15"/>
+              <p14:cNvContentPartPr/>
+              <p14:nvPr/>
+            </p14:nvContentPartPr>
+            <p14:xfrm>
+              <a:off x="9099052" y="3989580"/>
+              <a:ext cx="880665" cy="626027"/>
+            </p14:xfrm>
+          </p:contentPart>
+        </mc:Choice>
+        <mc:Fallback>
+          <p:pic>
+            <p:nvPicPr>
+              <p:cNvPr id="16" name="Ink 15"/>
+              <p:cNvPicPr/>
+              <p:nvPr/>
+            </p:nvPicPr>
+            <p:blipFill>
+              <a:blip r:embed="rId9"/>
+              <a:stretch>
+                <a:fillRect/>
+              </a:stretch>
+            </p:blipFill>
+            <p:spPr>
+              <a:xfrm>
+                <a:off x="9091851" y="3979877"/>
+                <a:ext cx="903348" cy="645433"/>
+              </a:xfrm>
+              <a:prstGeom prst="rect">
+                <a:avLst/>
+              </a:prstGeom>
+            </p:spPr>
+          </p:pic>
+        </mc:Fallback>
+      </mc:AlternateContent>
+      <mc:AlternateContent xmlns:mc="http://schemas.openxmlformats.org/markup-compatibility/2006">
+        <mc:Choice xmlns:p14="http://schemas.microsoft.com/office/powerpoint/2010/main" Requires="p14">
+          <p:contentPart p14:bwMode="auto" r:id="rId10">
+            <p14:nvContentPartPr>
+              <p14:cNvPr id="17" name="Ink 16"/>
+              <p14:cNvContentPartPr/>
+              <p14:nvPr/>
+            </p14:nvContentPartPr>
+            <p14:xfrm>
+              <a:off x="9769220" y="5237347"/>
+              <a:ext cx="205525" cy="827545"/>
+            </p14:xfrm>
+          </p:contentPart>
+        </mc:Choice>
+        <mc:Fallback>
+          <p:pic>
+            <p:nvPicPr>
+              <p:cNvPr id="17" name="Ink 16"/>
+              <p:cNvPicPr/>
+              <p:nvPr/>
+            </p:nvPicPr>
+            <p:blipFill>
+              <a:blip r:embed="rId11"/>
+              <a:stretch>
+                <a:fillRect/>
+              </a:stretch>
+            </p:blipFill>
+            <p:spPr>
+              <a:xfrm>
+                <a:off x="9762730" y="5229068"/>
+                <a:ext cx="220308" cy="841223"/>
+              </a:xfrm>
+              <a:prstGeom prst="rect">
+                <a:avLst/>
+              </a:prstGeom>
+            </p:spPr>
+          </p:pic>
+        </mc:Fallback>
+      </mc:AlternateContent>
+      <mc:AlternateContent xmlns:mc="http://schemas.openxmlformats.org/markup-compatibility/2006">
+        <mc:Choice xmlns:p14="http://schemas.microsoft.com/office/powerpoint/2010/main" Requires="p14">
+          <p:contentPart p14:bwMode="auto" r:id="rId12">
+            <p14:nvContentPartPr>
+              <p14:cNvPr id="18" name="Ink 17"/>
+              <p14:cNvContentPartPr/>
+              <p14:nvPr/>
+            </p14:nvContentPartPr>
+            <p14:xfrm>
+              <a:off x="9991320" y="5240588"/>
+              <a:ext cx="113812" cy="684399"/>
+            </p14:xfrm>
+          </p:contentPart>
+        </mc:Choice>
+        <mc:Fallback>
+          <p:pic>
+            <p:nvPicPr>
+              <p:cNvPr id="18" name="Ink 17"/>
+              <p:cNvPicPr/>
+              <p:nvPr/>
+            </p:nvPicPr>
+            <p:blipFill>
+              <a:blip r:embed="rId13"/>
+              <a:stretch>
+                <a:fillRect/>
+              </a:stretch>
+            </p:blipFill>
+            <p:spPr>
+              <a:xfrm>
+                <a:off x="9984094" y="5234834"/>
+                <a:ext cx="128264" cy="701662"/>
+              </a:xfrm>
+              <a:prstGeom prst="rect">
+                <a:avLst/>
+              </a:prstGeom>
+            </p:spPr>
+          </p:pic>
+        </mc:Fallback>
+      </mc:AlternateContent>
+      <mc:AlternateContent xmlns:mc="http://schemas.openxmlformats.org/markup-compatibility/2006">
+        <mc:Choice xmlns:p14="http://schemas.microsoft.com/office/powerpoint/2010/main" Requires="p14">
+          <p:contentPart p14:bwMode="auto" r:id="rId14">
+            <p14:nvContentPartPr>
+              <p14:cNvPr id="19" name="Ink 18"/>
+              <p14:cNvContentPartPr/>
+              <p14:nvPr/>
+            </p14:nvContentPartPr>
+            <p14:xfrm>
+              <a:off x="10081375" y="5894197"/>
+              <a:ext cx="58564" cy="130722"/>
+            </p14:xfrm>
+          </p:contentPart>
+        </mc:Choice>
+        <mc:Fallback>
+          <p:pic>
+            <p:nvPicPr>
+              <p:cNvPr id="19" name="Ink 18"/>
+              <p:cNvPicPr/>
+              <p:nvPr/>
+            </p:nvPicPr>
+            <p:blipFill>
+              <a:blip r:embed="rId15"/>
+              <a:stretch>
+                <a:fillRect/>
+              </a:stretch>
+            </p:blipFill>
+            <p:spPr>
+              <a:xfrm>
+                <a:off x="10074145" y="5888467"/>
+                <a:ext cx="71940" cy="142541"/>
+              </a:xfrm>
+              <a:prstGeom prst="rect">
+                <a:avLst/>
+              </a:prstGeom>
+            </p:spPr>
+          </p:pic>
+        </mc:Fallback>
+      </mc:AlternateContent>
+      <mc:AlternateContent xmlns:mc="http://schemas.openxmlformats.org/markup-compatibility/2006">
+        <mc:Choice xmlns:p14="http://schemas.microsoft.com/office/powerpoint/2010/main" Requires="p14">
+          <p:contentPart p14:bwMode="auto" r:id="rId16">
+            <p14:nvContentPartPr>
+              <p14:cNvPr id="20" name="Ink 19"/>
+              <p14:cNvContentPartPr/>
+              <p14:nvPr/>
+            </p14:nvContentPartPr>
+            <p14:xfrm>
+              <a:off x="9848778" y="4393629"/>
+              <a:ext cx="149172" cy="848579"/>
+            </p14:xfrm>
+          </p:contentPart>
+        </mc:Choice>
+        <mc:Fallback>
+          <p:pic>
+            <p:nvPicPr>
+              <p:cNvPr id="20" name="Ink 19"/>
+              <p:cNvPicPr/>
+              <p:nvPr/>
+            </p:nvPicPr>
+            <p:blipFill>
+              <a:blip r:embed="rId17"/>
+              <a:stretch>
+                <a:fillRect/>
+              </a:stretch>
+            </p:blipFill>
+            <p:spPr>
+              <a:xfrm>
+                <a:off x="9841554" y="4386435"/>
+                <a:ext cx="169399" cy="861529"/>
+              </a:xfrm>
+              <a:prstGeom prst="rect">
+                <a:avLst/>
+              </a:prstGeom>
+            </p:spPr>
+          </p:pic>
+        </mc:Fallback>
+      </mc:AlternateContent>
+      <mc:AlternateContent xmlns:mc="http://schemas.openxmlformats.org/markup-compatibility/2006">
+        <mc:Choice xmlns:p14="http://schemas.microsoft.com/office/powerpoint/2010/main" Requires="p14">
+          <p:contentPart p14:bwMode="auto" r:id="rId18">
+            <p14:nvContentPartPr>
+              <p14:cNvPr id="21" name="Ink 20"/>
+              <p14:cNvContentPartPr/>
+              <p14:nvPr/>
+            </p14:nvContentPartPr>
+            <p14:xfrm>
+              <a:off x="8552090" y="4255345"/>
+              <a:ext cx="992268" cy="1844658"/>
+            </p14:xfrm>
+          </p:contentPart>
+        </mc:Choice>
+        <mc:Fallback>
+          <p:pic>
+            <p:nvPicPr>
+              <p:cNvPr id="21" name="Ink 20"/>
+              <p:cNvPicPr/>
+              <p:nvPr/>
+            </p:nvPicPr>
+            <p:blipFill>
+              <a:blip r:embed="rId19"/>
+              <a:stretch>
+                <a:fillRect/>
+              </a:stretch>
+            </p:blipFill>
+            <p:spPr>
+              <a:xfrm>
+                <a:off x="8544529" y="4250667"/>
+                <a:ext cx="1010990" cy="1857973"/>
+              </a:xfrm>
+              <a:prstGeom prst="rect">
+                <a:avLst/>
+              </a:prstGeom>
+            </p:spPr>
+          </p:pic>
+        </mc:Fallback>
+      </mc:AlternateContent>
     </p:spTree>
     <p:extLst>
       <p:ext uri="{BB962C8B-B14F-4D97-AF65-F5344CB8AC3E}">
@@ -13251,162 +14372,6 @@
           <a:p>
             <a:r>
               <a:rPr lang="nb-NO" dirty="0"/>
-              <a:t>Hva med produksjon?</a:t>
-            </a:r>
-            <a:endParaRPr lang="en-US" dirty="0"/>
-          </a:p>
-        </p:txBody>
-      </p:sp>
-      <p:sp>
-        <p:nvSpPr>
-          <p:cNvPr id="3" name="TextBox 2"/>
-          <p:cNvSpPr txBox="1"/>
-          <p:nvPr/>
-        </p:nvSpPr>
-        <p:spPr>
-          <a:xfrm>
-            <a:off x="838200" y="2014167"/>
-            <a:ext cx="8120333" cy="3046988"/>
-          </a:xfrm>
-          <a:prstGeom prst="rect">
-            <a:avLst/>
-          </a:prstGeom>
-          <a:noFill/>
-        </p:spPr>
-        <p:txBody>
-          <a:bodyPr wrap="square" rtlCol="0">
-            <a:spAutoFit/>
-          </a:bodyPr>
-          <a:lstStyle/>
-          <a:p>
-            <a:pPr marL="285750" indent="-285750">
-              <a:buFont typeface="Arial" panose="020B0604020202020204" pitchFamily="34" charset="0"/>
-              <a:buChar char="•"/>
-            </a:pPr>
-            <a:r>
-              <a:rPr lang="nb-NO" sz="2400" dirty="0"/>
-              <a:t>.NET</a:t>
-            </a:r>
-          </a:p>
-          <a:p>
-            <a:pPr marL="742950" lvl="1" indent="-285750">
-              <a:buFont typeface="Arial" panose="020B0604020202020204" pitchFamily="34" charset="0"/>
-              <a:buChar char="•"/>
-            </a:pPr>
-            <a:r>
-              <a:rPr lang="nb-NO" sz="2400" dirty="0" err="1"/>
-              <a:t>dotnet</a:t>
-            </a:r>
-            <a:r>
-              <a:rPr lang="nb-NO" sz="2400" dirty="0"/>
-              <a:t> kommando</a:t>
-            </a:r>
-          </a:p>
-          <a:p>
-            <a:pPr marL="742950" lvl="1" indent="-285750">
-              <a:buFont typeface="Arial" panose="020B0604020202020204" pitchFamily="34" charset="0"/>
-              <a:buChar char="•"/>
-            </a:pPr>
-            <a:r>
-              <a:rPr lang="nb-NO" sz="2400" dirty="0" err="1"/>
-              <a:t>Heroku</a:t>
-            </a:r>
-            <a:endParaRPr lang="nb-NO" sz="2400" dirty="0"/>
-          </a:p>
-          <a:p>
-            <a:pPr marL="285750" indent="-285750">
-              <a:buFont typeface="Arial" panose="020B0604020202020204" pitchFamily="34" charset="0"/>
-              <a:buChar char="•"/>
-            </a:pPr>
-            <a:r>
-              <a:rPr lang="nb-NO" sz="2400" dirty="0"/>
-              <a:t>Node</a:t>
-            </a:r>
-          </a:p>
-          <a:p>
-            <a:pPr marL="742950" lvl="1" indent="-285750">
-              <a:buFont typeface="Arial" panose="020B0604020202020204" pitchFamily="34" charset="0"/>
-              <a:buChar char="•"/>
-            </a:pPr>
-            <a:r>
-              <a:rPr lang="nb-NO" sz="2400" dirty="0"/>
-              <a:t>node kommando</a:t>
-            </a:r>
-          </a:p>
-          <a:p>
-            <a:pPr marL="742950" lvl="1" indent="-285750">
-              <a:buFont typeface="Arial" panose="020B0604020202020204" pitchFamily="34" charset="0"/>
-              <a:buChar char="•"/>
-            </a:pPr>
-            <a:r>
-              <a:rPr lang="nb-NO" sz="2400" dirty="0" err="1"/>
-              <a:t>Heroku</a:t>
-            </a:r>
-            <a:endParaRPr lang="nb-NO" sz="2400" dirty="0"/>
-          </a:p>
-          <a:p>
-            <a:pPr marL="742950" lvl="1" indent="-285750">
-              <a:buFont typeface="Arial" panose="020B0604020202020204" pitchFamily="34" charset="0"/>
-              <a:buChar char="•"/>
-            </a:pPr>
-            <a:endParaRPr lang="nb-NO" sz="2400" dirty="0"/>
-          </a:p>
-          <a:p>
-            <a:pPr marL="285750" indent="-285750">
-              <a:buFont typeface="Arial" panose="020B0604020202020204" pitchFamily="34" charset="0"/>
-              <a:buChar char="•"/>
-            </a:pPr>
-            <a:endParaRPr lang="en-US" sz="2400" dirty="0"/>
-          </a:p>
-        </p:txBody>
-      </p:sp>
-    </p:spTree>
-    <p:extLst>
-      <p:ext uri="{BB962C8B-B14F-4D97-AF65-F5344CB8AC3E}">
-        <p14:creationId xmlns:p14="http://schemas.microsoft.com/office/powerpoint/2010/main" val="3355440752"/>
-      </p:ext>
-    </p:extLst>
-  </p:cSld>
-  <p:clrMapOvr>
-    <a:masterClrMapping/>
-  </p:clrMapOvr>
-</p:sld>
-</file>
-
-<file path=ppt/slides/slide17.xml><?xml version="1.0" encoding="utf-8"?>
-<p:sld xmlns:a="http://schemas.openxmlformats.org/drawingml/2006/main" xmlns:r="http://schemas.openxmlformats.org/officeDocument/2006/relationships" xmlns:p="http://schemas.openxmlformats.org/presentationml/2006/main">
-  <p:cSld>
-    <p:spTree>
-      <p:nvGrpSpPr>
-        <p:cNvPr id="1" name=""/>
-        <p:cNvGrpSpPr/>
-        <p:nvPr/>
-      </p:nvGrpSpPr>
-      <p:grpSpPr>
-        <a:xfrm>
-          <a:off x="0" y="0"/>
-          <a:ext cx="0" cy="0"/>
-          <a:chOff x="0" y="0"/>
-          <a:chExt cx="0" cy="0"/>
-        </a:xfrm>
-      </p:grpSpPr>
-      <p:sp>
-        <p:nvSpPr>
-          <p:cNvPr id="2" name="Title 1"/>
-          <p:cNvSpPr>
-            <a:spLocks noGrp="1"/>
-          </p:cNvSpPr>
-          <p:nvPr>
-            <p:ph type="title"/>
-          </p:nvPr>
-        </p:nvSpPr>
-        <p:spPr/>
-        <p:txBody>
-          <a:bodyPr/>
-          <a:lstStyle/>
-          <a:p>
-            <a:r>
-              <a:rPr lang="nb-NO" dirty="0"/>
               <a:t>Validering</a:t>
             </a:r>
             <a:endParaRPr lang="en-US" dirty="0"/>
@@ -13536,7 +14501,7 @@
 </p:sld>
 </file>
 
-<file path=ppt/slides/slide18.xml><?xml version="1.0" encoding="utf-8"?>
+<file path=ppt/slides/slide17.xml><?xml version="1.0" encoding="utf-8"?>
 <p:sld xmlns:a="http://schemas.openxmlformats.org/drawingml/2006/main" xmlns:r="http://schemas.openxmlformats.org/officeDocument/2006/relationships" xmlns:p="http://schemas.openxmlformats.org/presentationml/2006/main">
   <p:cSld>
     <p:spTree>
@@ -13712,7 +14677,7 @@
 </p:sld>
 </file>
 
-<file path=ppt/slides/slide19.xml><?xml version="1.0" encoding="utf-8"?>
+<file path=ppt/slides/slide18.xml><?xml version="1.0" encoding="utf-8"?>
 <p:sld xmlns:a="http://schemas.openxmlformats.org/drawingml/2006/main" xmlns:r="http://schemas.openxmlformats.org/officeDocument/2006/relationships" xmlns:p="http://schemas.openxmlformats.org/presentationml/2006/main">
   <p:cSld>
     <p:spTree>
@@ -13891,6 +14856,167 @@
     <p:extLst>
       <p:ext uri="{BB962C8B-B14F-4D97-AF65-F5344CB8AC3E}">
         <p14:creationId xmlns:p14="http://schemas.microsoft.com/office/powerpoint/2010/main" val="563831913"/>
+      </p:ext>
+    </p:extLst>
+  </p:cSld>
+  <p:clrMapOvr>
+    <a:masterClrMapping/>
+  </p:clrMapOvr>
+</p:sld>
+</file>
+
+<file path=ppt/slides/slide19.xml><?xml version="1.0" encoding="utf-8"?>
+<p:sld xmlns:a="http://schemas.openxmlformats.org/drawingml/2006/main" xmlns:r="http://schemas.openxmlformats.org/officeDocument/2006/relationships" xmlns:p="http://schemas.openxmlformats.org/presentationml/2006/main">
+  <p:cSld>
+    <p:spTree>
+      <p:nvGrpSpPr>
+        <p:cNvPr id="1" name=""/>
+        <p:cNvGrpSpPr/>
+        <p:nvPr/>
+      </p:nvGrpSpPr>
+      <p:grpSpPr>
+        <a:xfrm>
+          <a:off x="0" y="0"/>
+          <a:ext cx="0" cy="0"/>
+          <a:chOff x="0" y="0"/>
+          <a:chExt cx="0" cy="0"/>
+        </a:xfrm>
+      </p:grpSpPr>
+      <p:sp>
+        <p:nvSpPr>
+          <p:cNvPr id="2" name="Title 1"/>
+          <p:cNvSpPr>
+            <a:spLocks noGrp="1"/>
+          </p:cNvSpPr>
+          <p:nvPr>
+            <p:ph type="title"/>
+          </p:nvPr>
+        </p:nvSpPr>
+        <p:spPr/>
+        <p:txBody>
+          <a:bodyPr/>
+          <a:lstStyle/>
+          <a:p>
+            <a:r>
+              <a:rPr lang="nb-NO" dirty="0"/>
+              <a:t>Takk for meg</a:t>
+            </a:r>
+            <a:endParaRPr lang="en-US" dirty="0"/>
+          </a:p>
+        </p:txBody>
+      </p:sp>
+      <p:sp>
+        <p:nvSpPr>
+          <p:cNvPr id="126" name="TextBox 125"/>
+          <p:cNvSpPr txBox="1"/>
+          <p:nvPr/>
+        </p:nvSpPr>
+        <p:spPr>
+          <a:xfrm>
+            <a:off x="322053" y="6022826"/>
+            <a:ext cx="3180271" cy="461665"/>
+          </a:xfrm>
+          <a:prstGeom prst="rect">
+            <a:avLst/>
+          </a:prstGeom>
+          <a:noFill/>
+        </p:spPr>
+        <p:txBody>
+          <a:bodyPr wrap="square" rtlCol="0">
+            <a:spAutoFit/>
+          </a:bodyPr>
+          <a:lstStyle/>
+          <a:p>
+            <a:r>
+              <a:rPr lang="nb-NO" sz="2400" dirty="0">
+                <a:hlinkClick r:id="rId2"/>
+              </a:rPr>
+              <a:t>@</a:t>
+            </a:r>
+            <a:r>
+              <a:rPr lang="nb-NO" sz="2400" dirty="0" err="1">
+                <a:hlinkClick r:id="rId2"/>
+              </a:rPr>
+              <a:t>gjermundbjaanes</a:t>
+            </a:r>
+            <a:endParaRPr lang="en-US" sz="2400" dirty="0"/>
+          </a:p>
+        </p:txBody>
+      </p:sp>
+      <p:sp>
+        <p:nvSpPr>
+          <p:cNvPr id="127" name="TextBox 126"/>
+          <p:cNvSpPr txBox="1"/>
+          <p:nvPr/>
+        </p:nvSpPr>
+        <p:spPr>
+          <a:xfrm>
+            <a:off x="3917005" y="6022825"/>
+            <a:ext cx="3694794" cy="461665"/>
+          </a:xfrm>
+          <a:prstGeom prst="rect">
+            <a:avLst/>
+          </a:prstGeom>
+          <a:noFill/>
+        </p:spPr>
+        <p:txBody>
+          <a:bodyPr wrap="none" rtlCol="0">
+            <a:spAutoFit/>
+          </a:bodyPr>
+          <a:lstStyle/>
+          <a:p>
+            <a:r>
+              <a:rPr lang="nb-NO" sz="2400" dirty="0">
+                <a:hlinkClick r:id="rId3"/>
+              </a:rPr>
+              <a:t>www.gjermundbjaanes.com</a:t>
+            </a:r>
+            <a:endParaRPr lang="en-US" sz="2400" dirty="0"/>
+          </a:p>
+        </p:txBody>
+      </p:sp>
+      <p:sp>
+        <p:nvSpPr>
+          <p:cNvPr id="128" name="TextBox 127"/>
+          <p:cNvSpPr txBox="1"/>
+          <p:nvPr/>
+        </p:nvSpPr>
+        <p:spPr>
+          <a:xfrm>
+            <a:off x="8669411" y="6022827"/>
+            <a:ext cx="2684389" cy="461665"/>
+          </a:xfrm>
+          <a:prstGeom prst="rect">
+            <a:avLst/>
+          </a:prstGeom>
+          <a:noFill/>
+        </p:spPr>
+        <p:txBody>
+          <a:bodyPr wrap="none" rtlCol="0">
+            <a:spAutoFit/>
+          </a:bodyPr>
+          <a:lstStyle/>
+          <a:p>
+            <a:r>
+              <a:rPr lang="nb-NO" sz="2400" dirty="0">
+                <a:hlinkClick r:id="rId4"/>
+              </a:rPr>
+              <a:t>github.com/</a:t>
+            </a:r>
+            <a:r>
+              <a:rPr lang="nb-NO" sz="2400" dirty="0" err="1">
+                <a:hlinkClick r:id="rId4"/>
+              </a:rPr>
+              <a:t>bjaanes</a:t>
+            </a:r>
+            <a:endParaRPr lang="en-US" sz="2400" dirty="0"/>
+          </a:p>
+        </p:txBody>
+      </p:sp>
+    </p:spTree>
+    <p:extLst>
+      <p:ext uri="{BB962C8B-B14F-4D97-AF65-F5344CB8AC3E}">
+        <p14:creationId xmlns:p14="http://schemas.microsoft.com/office/powerpoint/2010/main" val="4272557608"/>
       </p:ext>
     </p:extLst>
   </p:cSld>
@@ -14269,167 +15395,6 @@
 </p:sld>
 </file>
 
-<file path=ppt/slides/slide20.xml><?xml version="1.0" encoding="utf-8"?>
-<p:sld xmlns:a="http://schemas.openxmlformats.org/drawingml/2006/main" xmlns:r="http://schemas.openxmlformats.org/officeDocument/2006/relationships" xmlns:p="http://schemas.openxmlformats.org/presentationml/2006/main">
-  <p:cSld>
-    <p:spTree>
-      <p:nvGrpSpPr>
-        <p:cNvPr id="1" name=""/>
-        <p:cNvGrpSpPr/>
-        <p:nvPr/>
-      </p:nvGrpSpPr>
-      <p:grpSpPr>
-        <a:xfrm>
-          <a:off x="0" y="0"/>
-          <a:ext cx="0" cy="0"/>
-          <a:chOff x="0" y="0"/>
-          <a:chExt cx="0" cy="0"/>
-        </a:xfrm>
-      </p:grpSpPr>
-      <p:sp>
-        <p:nvSpPr>
-          <p:cNvPr id="2" name="Title 1"/>
-          <p:cNvSpPr>
-            <a:spLocks noGrp="1"/>
-          </p:cNvSpPr>
-          <p:nvPr>
-            <p:ph type="title"/>
-          </p:nvPr>
-        </p:nvSpPr>
-        <p:spPr/>
-        <p:txBody>
-          <a:bodyPr/>
-          <a:lstStyle/>
-          <a:p>
-            <a:r>
-              <a:rPr lang="nb-NO" dirty="0"/>
-              <a:t>Takk for meg</a:t>
-            </a:r>
-            <a:endParaRPr lang="en-US" dirty="0"/>
-          </a:p>
-        </p:txBody>
-      </p:sp>
-      <p:sp>
-        <p:nvSpPr>
-          <p:cNvPr id="126" name="TextBox 125"/>
-          <p:cNvSpPr txBox="1"/>
-          <p:nvPr/>
-        </p:nvSpPr>
-        <p:spPr>
-          <a:xfrm>
-            <a:off x="322053" y="6022826"/>
-            <a:ext cx="3180271" cy="461665"/>
-          </a:xfrm>
-          <a:prstGeom prst="rect">
-            <a:avLst/>
-          </a:prstGeom>
-          <a:noFill/>
-        </p:spPr>
-        <p:txBody>
-          <a:bodyPr wrap="square" rtlCol="0">
-            <a:spAutoFit/>
-          </a:bodyPr>
-          <a:lstStyle/>
-          <a:p>
-            <a:r>
-              <a:rPr lang="nb-NO" sz="2400" dirty="0">
-                <a:hlinkClick r:id="rId2"/>
-              </a:rPr>
-              <a:t>@</a:t>
-            </a:r>
-            <a:r>
-              <a:rPr lang="nb-NO" sz="2400" dirty="0" err="1">
-                <a:hlinkClick r:id="rId2"/>
-              </a:rPr>
-              <a:t>gjermundbjaanes</a:t>
-            </a:r>
-            <a:endParaRPr lang="en-US" sz="2400" dirty="0"/>
-          </a:p>
-        </p:txBody>
-      </p:sp>
-      <p:sp>
-        <p:nvSpPr>
-          <p:cNvPr id="127" name="TextBox 126"/>
-          <p:cNvSpPr txBox="1"/>
-          <p:nvPr/>
-        </p:nvSpPr>
-        <p:spPr>
-          <a:xfrm>
-            <a:off x="3917005" y="6022825"/>
-            <a:ext cx="3694794" cy="461665"/>
-          </a:xfrm>
-          <a:prstGeom prst="rect">
-            <a:avLst/>
-          </a:prstGeom>
-          <a:noFill/>
-        </p:spPr>
-        <p:txBody>
-          <a:bodyPr wrap="none" rtlCol="0">
-            <a:spAutoFit/>
-          </a:bodyPr>
-          <a:lstStyle/>
-          <a:p>
-            <a:r>
-              <a:rPr lang="nb-NO" sz="2400" dirty="0">
-                <a:hlinkClick r:id="rId3"/>
-              </a:rPr>
-              <a:t>www.gjermundbjaanes.com</a:t>
-            </a:r>
-            <a:endParaRPr lang="en-US" sz="2400" dirty="0"/>
-          </a:p>
-        </p:txBody>
-      </p:sp>
-      <p:sp>
-        <p:nvSpPr>
-          <p:cNvPr id="128" name="TextBox 127"/>
-          <p:cNvSpPr txBox="1"/>
-          <p:nvPr/>
-        </p:nvSpPr>
-        <p:spPr>
-          <a:xfrm>
-            <a:off x="8669411" y="6022827"/>
-            <a:ext cx="2684389" cy="461665"/>
-          </a:xfrm>
-          <a:prstGeom prst="rect">
-            <a:avLst/>
-          </a:prstGeom>
-          <a:noFill/>
-        </p:spPr>
-        <p:txBody>
-          <a:bodyPr wrap="none" rtlCol="0">
-            <a:spAutoFit/>
-          </a:bodyPr>
-          <a:lstStyle/>
-          <a:p>
-            <a:r>
-              <a:rPr lang="nb-NO" sz="2400" dirty="0">
-                <a:hlinkClick r:id="rId4"/>
-              </a:rPr>
-              <a:t>github.com/</a:t>
-            </a:r>
-            <a:r>
-              <a:rPr lang="nb-NO" sz="2400" dirty="0" err="1">
-                <a:hlinkClick r:id="rId4"/>
-              </a:rPr>
-              <a:t>bjaanes</a:t>
-            </a:r>
-            <a:endParaRPr lang="en-US" sz="2400" dirty="0"/>
-          </a:p>
-        </p:txBody>
-      </p:sp>
-    </p:spTree>
-    <p:extLst>
-      <p:ext uri="{BB962C8B-B14F-4D97-AF65-F5344CB8AC3E}">
-        <p14:creationId xmlns:p14="http://schemas.microsoft.com/office/powerpoint/2010/main" val="4272557608"/>
-      </p:ext>
-    </p:extLst>
-  </p:cSld>
-  <p:clrMapOvr>
-    <a:masterClrMapping/>
-  </p:clrMapOvr>
-</p:sld>
-</file>
-
 <file path=ppt/slides/slide3.xml><?xml version="1.0" encoding="utf-8"?>
 <p:sld xmlns:a="http://schemas.openxmlformats.org/drawingml/2006/main" xmlns:r="http://schemas.openxmlformats.org/officeDocument/2006/relationships" xmlns:p="http://schemas.openxmlformats.org/presentationml/2006/main">
   <p:cSld>
@@ -14590,45 +15555,6 @@
       <mc:AlternateContent xmlns:mc="http://schemas.openxmlformats.org/markup-compatibility/2006" xmlns:p14="http://schemas.microsoft.com/office/powerpoint/2010/main">
         <mc:Choice Requires="p14">
           <p:contentPart p14:bwMode="auto" r:id="rId8">
-            <p14:nvContentPartPr>
-              <p14:cNvPr id="66" name="Ink 65"/>
-              <p14:cNvContentPartPr/>
-              <p14:nvPr/>
-            </p14:nvContentPartPr>
-            <p14:xfrm>
-              <a:off x="4806767" y="4534691"/>
-              <a:ext cx="1338607" cy="720360"/>
-            </p14:xfrm>
-          </p:contentPart>
-        </mc:Choice>
-        <mc:Fallback xmlns="">
-          <p:pic>
-            <p:nvPicPr>
-              <p:cNvPr id="66" name="Ink 65"/>
-              <p:cNvPicPr/>
-              <p:nvPr/>
-            </p:nvPicPr>
-            <p:blipFill>
-              <a:blip r:embed="rId9"/>
-              <a:stretch>
-                <a:fillRect/>
-              </a:stretch>
-            </p:blipFill>
-            <p:spPr>
-              <a:xfrm>
-                <a:off x="4789850" y="4522097"/>
-                <a:ext cx="1372801" cy="749865"/>
-              </a:xfrm>
-              <a:prstGeom prst="rect">
-                <a:avLst/>
-              </a:prstGeom>
-            </p:spPr>
-          </p:pic>
-        </mc:Fallback>
-      </mc:AlternateContent>
-      <mc:AlternateContent xmlns:mc="http://schemas.openxmlformats.org/markup-compatibility/2006" xmlns:p14="http://schemas.microsoft.com/office/powerpoint/2010/main">
-        <mc:Choice Requires="p14">
-          <p:contentPart p14:bwMode="auto" r:id="rId10">
             <p14:nvContentPartPr>
               <p14:cNvPr id="67" name="Ink 66"/>
               <p14:cNvContentPartPr/>
@@ -16303,6 +17229,84 @@
           </p:pic>
         </mc:Fallback>
       </mc:AlternateContent>
+      <mc:AlternateContent xmlns:mc="http://schemas.openxmlformats.org/markup-compatibility/2006">
+        <mc:Choice xmlns:p14="http://schemas.microsoft.com/office/powerpoint/2010/main" Requires="p14">
+          <p:contentPart p14:bwMode="auto" r:id="rId96">
+            <p14:nvContentPartPr>
+              <p14:cNvPr id="8" name="Ink 7"/>
+              <p14:cNvContentPartPr/>
+              <p14:nvPr/>
+            </p14:nvContentPartPr>
+            <p14:xfrm>
+              <a:off x="4896300" y="4533586"/>
+              <a:ext cx="1115280" cy="203760"/>
+            </p14:xfrm>
+          </p:contentPart>
+        </mc:Choice>
+        <mc:Fallback>
+          <p:pic>
+            <p:nvPicPr>
+              <p:cNvPr id="8" name="Ink 7"/>
+              <p:cNvPicPr/>
+              <p:nvPr/>
+            </p:nvPicPr>
+            <p:blipFill>
+              <a:blip r:embed="rId97"/>
+              <a:stretch>
+                <a:fillRect/>
+              </a:stretch>
+            </p:blipFill>
+            <p:spPr>
+              <a:xfrm>
+                <a:off x="4885144" y="4526386"/>
+                <a:ext cx="1140112" cy="228240"/>
+              </a:xfrm>
+              <a:prstGeom prst="rect">
+                <a:avLst/>
+              </a:prstGeom>
+            </p:spPr>
+          </p:pic>
+        </mc:Fallback>
+      </mc:AlternateContent>
+      <mc:AlternateContent xmlns:mc="http://schemas.openxmlformats.org/markup-compatibility/2006">
+        <mc:Choice xmlns:p14="http://schemas.microsoft.com/office/powerpoint/2010/main" Requires="p14">
+          <p:contentPart p14:bwMode="auto" r:id="rId98">
+            <p14:nvContentPartPr>
+              <p14:cNvPr id="10" name="Ink 9"/>
+              <p14:cNvContentPartPr/>
+              <p14:nvPr/>
+            </p14:nvContentPartPr>
+            <p14:xfrm>
+              <a:off x="4937340" y="4694866"/>
+              <a:ext cx="78480" cy="79560"/>
+            </p14:xfrm>
+          </p:contentPart>
+        </mc:Choice>
+        <mc:Fallback>
+          <p:pic>
+            <p:nvPicPr>
+              <p:cNvPr id="10" name="Ink 9"/>
+              <p:cNvPicPr/>
+              <p:nvPr/>
+            </p:nvPicPr>
+            <p:blipFill>
+              <a:blip r:embed="rId99"/>
+              <a:stretch>
+                <a:fillRect/>
+              </a:stretch>
+            </p:blipFill>
+            <p:spPr>
+              <a:xfrm>
+                <a:off x="4923364" y="4679097"/>
+                <a:ext cx="107148" cy="108947"/>
+              </a:xfrm>
+              <a:prstGeom prst="rect">
+                <a:avLst/>
+              </a:prstGeom>
+            </p:spPr>
+          </p:pic>
+        </mc:Fallback>
+      </mc:AlternateContent>
     </p:spTree>
     <p:extLst>
       <p:ext uri="{BB962C8B-B14F-4D97-AF65-F5344CB8AC3E}">
@@ -18649,7 +19653,7 @@
         <p:spPr>
           <a:xfrm>
             <a:off x="838200" y="2014167"/>
-            <a:ext cx="8120333" cy="3046988"/>
+            <a:ext cx="8120333" cy="2677656"/>
           </a:xfrm>
           <a:prstGeom prst="rect">
             <a:avLst/>
@@ -18726,24 +19730,6 @@
               <a:t>Yeoman</a:t>
             </a:r>
             <a:endParaRPr lang="nb-NO" sz="2400" dirty="0"/>
-          </a:p>
-          <a:p>
-            <a:pPr marL="742950" lvl="1" indent="-285750">
-              <a:buFont typeface="Arial" panose="020B0604020202020204" pitchFamily="34" charset="0"/>
-              <a:buChar char="•"/>
-            </a:pPr>
-            <a:r>
-              <a:rPr lang="nb-NO" sz="2400" dirty="0"/>
-              <a:t>Ikke for Java (Spring </a:t>
-            </a:r>
-            <a:r>
-              <a:rPr lang="nb-NO" sz="2400" dirty="0" err="1"/>
-              <a:t>Boot</a:t>
-            </a:r>
-            <a:r>
-              <a:rPr lang="nb-NO" sz="2400" dirty="0"/>
-              <a:t> hjelper deg i stedet)</a:t>
-            </a:r>
           </a:p>
           <a:p>
             <a:pPr marL="285750" indent="-285750">
@@ -18879,7 +19865,7 @@
             </a:pPr>
             <a:r>
               <a:rPr lang="nb-NO" sz="2400" dirty="0"/>
-              <a:t>Skrier bare «</a:t>
+              <a:t>Skriver bare «</a:t>
             </a:r>
             <a:r>
               <a:rPr lang="nb-NO" sz="2400" dirty="0" err="1"/>
@@ -18969,6 +19955,357 @@
             </p:nvPicPr>
             <p:blipFill/>
             <p:spPr/>
+          </p:pic>
+        </mc:Fallback>
+      </mc:AlternateContent>
+      <mc:AlternateContent xmlns:mc="http://schemas.openxmlformats.org/markup-compatibility/2006">
+        <mc:Choice xmlns:p14="http://schemas.microsoft.com/office/powerpoint/2010/main" Requires="p14">
+          <p:contentPart p14:bwMode="auto" r:id="rId4">
+            <p14:nvContentPartPr>
+              <p14:cNvPr id="28" name="Ink 27"/>
+              <p14:cNvContentPartPr/>
+              <p14:nvPr/>
+            </p14:nvContentPartPr>
+            <p14:xfrm>
+              <a:off x="8074188" y="5038563"/>
+              <a:ext cx="1390611" cy="88048"/>
+            </p14:xfrm>
+          </p:contentPart>
+        </mc:Choice>
+        <mc:Fallback>
+          <p:pic>
+            <p:nvPicPr>
+              <p:cNvPr id="28" name="Ink 27"/>
+              <p:cNvPicPr/>
+              <p:nvPr/>
+            </p:nvPicPr>
+            <p:blipFill>
+              <a:blip r:embed="rId5"/>
+              <a:stretch>
+                <a:fillRect/>
+              </a:stretch>
+            </p:blipFill>
+            <p:spPr>
+              <a:xfrm>
+                <a:off x="8067352" y="5025266"/>
+                <a:ext cx="1405363" cy="112486"/>
+              </a:xfrm>
+              <a:prstGeom prst="rect">
+                <a:avLst/>
+              </a:prstGeom>
+            </p:spPr>
+          </p:pic>
+        </mc:Fallback>
+      </mc:AlternateContent>
+      <mc:AlternateContent xmlns:mc="http://schemas.openxmlformats.org/markup-compatibility/2006">
+        <mc:Choice xmlns:p14="http://schemas.microsoft.com/office/powerpoint/2010/main" Requires="p14">
+          <p:contentPart p14:bwMode="auto" r:id="rId6">
+            <p14:nvContentPartPr>
+              <p14:cNvPr id="29" name="Ink 28"/>
+              <p14:cNvContentPartPr/>
+              <p14:nvPr/>
+            </p14:nvContentPartPr>
+            <p14:xfrm>
+              <a:off x="8068663" y="5157941"/>
+              <a:ext cx="16022" cy="986356"/>
+            </p14:xfrm>
+          </p:contentPart>
+        </mc:Choice>
+        <mc:Fallback>
+          <p:pic>
+            <p:nvPicPr>
+              <p:cNvPr id="29" name="Ink 28"/>
+              <p:cNvPicPr/>
+              <p:nvPr/>
+            </p:nvPicPr>
+            <p:blipFill>
+              <a:blip r:embed="rId7"/>
+              <a:stretch>
+                <a:fillRect/>
+              </a:stretch>
+            </p:blipFill>
+            <p:spPr>
+              <a:xfrm>
+                <a:off x="8056472" y="5146417"/>
+                <a:ext cx="44583" cy="1011204"/>
+              </a:xfrm>
+              <a:prstGeom prst="rect">
+                <a:avLst/>
+              </a:prstGeom>
+            </p:spPr>
+          </p:pic>
+        </mc:Fallback>
+      </mc:AlternateContent>
+      <mc:AlternateContent xmlns:mc="http://schemas.openxmlformats.org/markup-compatibility/2006">
+        <mc:Choice xmlns:p14="http://schemas.microsoft.com/office/powerpoint/2010/main" Requires="p14">
+          <p:contentPart p14:bwMode="auto" r:id="rId8">
+            <p14:nvContentPartPr>
+              <p14:cNvPr id="52" name="Ink 51"/>
+              <p14:cNvContentPartPr/>
+              <p14:nvPr/>
+            </p14:nvContentPartPr>
+            <p14:xfrm>
+              <a:off x="9504026" y="5065572"/>
+              <a:ext cx="40884" cy="891285"/>
+            </p14:xfrm>
+          </p:contentPart>
+        </mc:Choice>
+        <mc:Fallback>
+          <p:pic>
+            <p:nvPicPr>
+              <p:cNvPr id="52" name="Ink 51"/>
+              <p:cNvPicPr/>
+              <p:nvPr/>
+            </p:nvPicPr>
+            <p:blipFill>
+              <a:blip r:embed="rId9"/>
+              <a:stretch>
+                <a:fillRect/>
+              </a:stretch>
+            </p:blipFill>
+            <p:spPr>
+              <a:xfrm>
+                <a:off x="9491363" y="5056933"/>
+                <a:ext cx="70914" cy="915763"/>
+              </a:xfrm>
+              <a:prstGeom prst="rect">
+                <a:avLst/>
+              </a:prstGeom>
+            </p:spPr>
+          </p:pic>
+        </mc:Fallback>
+      </mc:AlternateContent>
+      <mc:AlternateContent xmlns:mc="http://schemas.openxmlformats.org/markup-compatibility/2006">
+        <mc:Choice xmlns:p14="http://schemas.microsoft.com/office/powerpoint/2010/main" Requires="p14">
+          <p:contentPart p14:bwMode="auto" r:id="rId10">
+            <p14:nvContentPartPr>
+              <p14:cNvPr id="67" name="Ink 66"/>
+              <p14:cNvContentPartPr/>
+              <p14:nvPr/>
+            </p14:nvContentPartPr>
+            <p14:xfrm>
+              <a:off x="9099052" y="3989580"/>
+              <a:ext cx="880665" cy="626027"/>
+            </p14:xfrm>
+          </p:contentPart>
+        </mc:Choice>
+        <mc:Fallback>
+          <p:pic>
+            <p:nvPicPr>
+              <p:cNvPr id="67" name="Ink 66"/>
+              <p:cNvPicPr/>
+              <p:nvPr/>
+            </p:nvPicPr>
+            <p:blipFill>
+              <a:blip r:embed="rId11"/>
+              <a:stretch>
+                <a:fillRect/>
+              </a:stretch>
+            </p:blipFill>
+            <p:spPr>
+              <a:xfrm>
+                <a:off x="9091851" y="3979877"/>
+                <a:ext cx="903348" cy="645433"/>
+              </a:xfrm>
+              <a:prstGeom prst="rect">
+                <a:avLst/>
+              </a:prstGeom>
+            </p:spPr>
+          </p:pic>
+        </mc:Fallback>
+      </mc:AlternateContent>
+      <mc:AlternateContent xmlns:mc="http://schemas.openxmlformats.org/markup-compatibility/2006">
+        <mc:Choice xmlns:p14="http://schemas.microsoft.com/office/powerpoint/2010/main" Requires="p14">
+          <p:contentPart p14:bwMode="auto" r:id="rId12">
+            <p14:nvContentPartPr>
+              <p14:cNvPr id="71" name="Ink 70"/>
+              <p14:cNvContentPartPr/>
+              <p14:nvPr/>
+            </p14:nvContentPartPr>
+            <p14:xfrm>
+              <a:off x="9769220" y="5237347"/>
+              <a:ext cx="205525" cy="827545"/>
+            </p14:xfrm>
+          </p:contentPart>
+        </mc:Choice>
+        <mc:Fallback>
+          <p:pic>
+            <p:nvPicPr>
+              <p:cNvPr id="71" name="Ink 70"/>
+              <p:cNvPicPr/>
+              <p:nvPr/>
+            </p:nvPicPr>
+            <p:blipFill>
+              <a:blip r:embed="rId13"/>
+              <a:stretch>
+                <a:fillRect/>
+              </a:stretch>
+            </p:blipFill>
+            <p:spPr>
+              <a:xfrm>
+                <a:off x="9762730" y="5229068"/>
+                <a:ext cx="220308" cy="841223"/>
+              </a:xfrm>
+              <a:prstGeom prst="rect">
+                <a:avLst/>
+              </a:prstGeom>
+            </p:spPr>
+          </p:pic>
+        </mc:Fallback>
+      </mc:AlternateContent>
+      <mc:AlternateContent xmlns:mc="http://schemas.openxmlformats.org/markup-compatibility/2006">
+        <mc:Choice xmlns:p14="http://schemas.microsoft.com/office/powerpoint/2010/main" Requires="p14">
+          <p:contentPart p14:bwMode="auto" r:id="rId14">
+            <p14:nvContentPartPr>
+              <p14:cNvPr id="72" name="Ink 71"/>
+              <p14:cNvContentPartPr/>
+              <p14:nvPr/>
+            </p14:nvContentPartPr>
+            <p14:xfrm>
+              <a:off x="9991320" y="5240588"/>
+              <a:ext cx="113812" cy="684399"/>
+            </p14:xfrm>
+          </p:contentPart>
+        </mc:Choice>
+        <mc:Fallback>
+          <p:pic>
+            <p:nvPicPr>
+              <p:cNvPr id="72" name="Ink 71"/>
+              <p:cNvPicPr/>
+              <p:nvPr/>
+            </p:nvPicPr>
+            <p:blipFill>
+              <a:blip r:embed="rId15"/>
+              <a:stretch>
+                <a:fillRect/>
+              </a:stretch>
+            </p:blipFill>
+            <p:spPr>
+              <a:xfrm>
+                <a:off x="9984094" y="5234834"/>
+                <a:ext cx="128264" cy="701662"/>
+              </a:xfrm>
+              <a:prstGeom prst="rect">
+                <a:avLst/>
+              </a:prstGeom>
+            </p:spPr>
+          </p:pic>
+        </mc:Fallback>
+      </mc:AlternateContent>
+      <mc:AlternateContent xmlns:mc="http://schemas.openxmlformats.org/markup-compatibility/2006">
+        <mc:Choice xmlns:p14="http://schemas.microsoft.com/office/powerpoint/2010/main" Requires="p14">
+          <p:contentPart p14:bwMode="auto" r:id="rId16">
+            <p14:nvContentPartPr>
+              <p14:cNvPr id="73" name="Ink 72"/>
+              <p14:cNvContentPartPr/>
+              <p14:nvPr/>
+            </p14:nvContentPartPr>
+            <p14:xfrm>
+              <a:off x="10081375" y="5894197"/>
+              <a:ext cx="58564" cy="130722"/>
+            </p14:xfrm>
+          </p:contentPart>
+        </mc:Choice>
+        <mc:Fallback>
+          <p:pic>
+            <p:nvPicPr>
+              <p:cNvPr id="73" name="Ink 72"/>
+              <p:cNvPicPr/>
+              <p:nvPr/>
+            </p:nvPicPr>
+            <p:blipFill>
+              <a:blip r:embed="rId17"/>
+              <a:stretch>
+                <a:fillRect/>
+              </a:stretch>
+            </p:blipFill>
+            <p:spPr>
+              <a:xfrm>
+                <a:off x="10074145" y="5888467"/>
+                <a:ext cx="71940" cy="142541"/>
+              </a:xfrm>
+              <a:prstGeom prst="rect">
+                <a:avLst/>
+              </a:prstGeom>
+            </p:spPr>
+          </p:pic>
+        </mc:Fallback>
+      </mc:AlternateContent>
+      <mc:AlternateContent xmlns:mc="http://schemas.openxmlformats.org/markup-compatibility/2006">
+        <mc:Choice xmlns:p14="http://schemas.microsoft.com/office/powerpoint/2010/main" Requires="p14">
+          <p:contentPart p14:bwMode="auto" r:id="rId18">
+            <p14:nvContentPartPr>
+              <p14:cNvPr id="95" name="Ink 94"/>
+              <p14:cNvContentPartPr/>
+              <p14:nvPr/>
+            </p14:nvContentPartPr>
+            <p14:xfrm>
+              <a:off x="9848778" y="4393629"/>
+              <a:ext cx="149172" cy="848579"/>
+            </p14:xfrm>
+          </p:contentPart>
+        </mc:Choice>
+        <mc:Fallback>
+          <p:pic>
+            <p:nvPicPr>
+              <p:cNvPr id="95" name="Ink 94"/>
+              <p:cNvPicPr/>
+              <p:nvPr/>
+            </p:nvPicPr>
+            <p:blipFill>
+              <a:blip r:embed="rId19"/>
+              <a:stretch>
+                <a:fillRect/>
+              </a:stretch>
+            </p:blipFill>
+            <p:spPr>
+              <a:xfrm>
+                <a:off x="9841554" y="4386435"/>
+                <a:ext cx="169399" cy="861529"/>
+              </a:xfrm>
+              <a:prstGeom prst="rect">
+                <a:avLst/>
+              </a:prstGeom>
+            </p:spPr>
+          </p:pic>
+        </mc:Fallback>
+      </mc:AlternateContent>
+      <mc:AlternateContent xmlns:mc="http://schemas.openxmlformats.org/markup-compatibility/2006">
+        <mc:Choice xmlns:p14="http://schemas.microsoft.com/office/powerpoint/2010/main" Requires="p14">
+          <p:contentPart p14:bwMode="auto" r:id="rId20">
+            <p14:nvContentPartPr>
+              <p14:cNvPr id="96" name="Ink 95"/>
+              <p14:cNvContentPartPr/>
+              <p14:nvPr/>
+            </p14:nvContentPartPr>
+            <p14:xfrm>
+              <a:off x="8552090" y="4255345"/>
+              <a:ext cx="992268" cy="1844658"/>
+            </p14:xfrm>
+          </p:contentPart>
+        </mc:Choice>
+        <mc:Fallback>
+          <p:pic>
+            <p:nvPicPr>
+              <p:cNvPr id="96" name="Ink 95"/>
+              <p:cNvPicPr/>
+              <p:nvPr/>
+            </p:nvPicPr>
+            <p:blipFill>
+              <a:blip r:embed="rId21"/>
+              <a:stretch>
+                <a:fillRect/>
+              </a:stretch>
+            </p:blipFill>
+            <p:spPr>
+              <a:xfrm>
+                <a:off x="8544529" y="4250667"/>
+                <a:ext cx="1010990" cy="1857973"/>
+              </a:xfrm>
+              <a:prstGeom prst="rect">
+                <a:avLst/>
+              </a:prstGeom>
+            </p:spPr>
           </p:pic>
         </mc:Fallback>
       </mc:AlternateContent>

--- a/dotnet-core-foredrag.pptx
+++ b/dotnet-core-foredrag.pptx
@@ -12516,6 +12516,10 @@
               <a:buChar char="•"/>
             </a:pPr>
             <a:r>
+              <a:rPr lang="nb-NO" sz="2400" dirty="0"/>
+              <a:t>Skriv «</a:t>
+            </a:r>
+            <a:r>
               <a:rPr lang="nb-NO" sz="2400" dirty="0" err="1"/>
               <a:t>yo</a:t>
             </a:r>
@@ -12529,13 +12533,8 @@
             </a:r>
             <a:r>
               <a:rPr lang="nb-NO" sz="2400" dirty="0"/>
-              <a:t> </a:t>
-            </a:r>
-            <a:r>
-              <a:rPr lang="nb-NO" sz="2400" dirty="0" err="1"/>
-              <a:t>webapi</a:t>
-            </a:r>
-            <a:endParaRPr lang="nb-NO" sz="2400" dirty="0"/>
+              <a:t>» i terminal -&gt; Velg «Web API»</a:t>
+            </a:r>
           </a:p>
           <a:p>
             <a:pPr marL="285750" indent="-285750">
@@ -12544,7 +12543,7 @@
             </a:pPr>
             <a:r>
               <a:rPr lang="nb-NO" sz="2400" dirty="0"/>
-              <a:t>Veldig enkel og grei</a:t>
+              <a:t>Enkel og grei</a:t>
             </a:r>
           </a:p>
           <a:p>
@@ -15009,6 +15008,108 @@
               </a:rPr>
               <a:t>bjaanes</a:t>
             </a:r>
+            <a:endParaRPr lang="en-US" sz="2400" dirty="0"/>
+          </a:p>
+        </p:txBody>
+      </p:sp>
+      <p:sp>
+        <p:nvSpPr>
+          <p:cNvPr id="6" name="TextBox 5"/>
+          <p:cNvSpPr txBox="1"/>
+          <p:nvPr/>
+        </p:nvSpPr>
+        <p:spPr>
+          <a:xfrm>
+            <a:off x="838200" y="2014167"/>
+            <a:ext cx="8120333" cy="3046988"/>
+          </a:xfrm>
+          <a:prstGeom prst="rect">
+            <a:avLst/>
+          </a:prstGeom>
+          <a:noFill/>
+        </p:spPr>
+        <p:txBody>
+          <a:bodyPr wrap="square" rtlCol="0">
+            <a:spAutoFit/>
+          </a:bodyPr>
+          <a:lstStyle/>
+          <a:p>
+            <a:pPr marL="285750" indent="-285750">
+              <a:buFont typeface="Arial" panose="020B0604020202020204" pitchFamily="34" charset="0"/>
+              <a:buChar char="•"/>
+            </a:pPr>
+            <a:r>
+              <a:rPr lang="nb-NO" sz="2400" dirty="0"/>
+              <a:t>All koden ligger på </a:t>
+            </a:r>
+            <a:r>
+              <a:rPr lang="nb-NO" sz="2400" dirty="0" err="1"/>
+              <a:t>Github</a:t>
+            </a:r>
+            <a:endParaRPr lang="nb-NO" sz="2400" dirty="0"/>
+          </a:p>
+          <a:p>
+            <a:pPr marL="742950" lvl="1" indent="-285750">
+              <a:buFont typeface="Arial" panose="020B0604020202020204" pitchFamily="34" charset="0"/>
+              <a:buChar char="•"/>
+            </a:pPr>
+            <a:r>
+              <a:rPr lang="nb-NO" sz="2400" dirty="0">
+                <a:hlinkClick r:id="rId5"/>
+              </a:rPr>
+              <a:t>https://github.com/bjaanes/dotnet-core-api-talk</a:t>
+            </a:r>
+            <a:endParaRPr lang="nb-NO" sz="2400" dirty="0"/>
+          </a:p>
+          <a:p>
+            <a:pPr marL="285750" indent="-285750">
+              <a:buFont typeface="Arial" panose="020B0604020202020204" pitchFamily="34" charset="0"/>
+              <a:buChar char="•"/>
+            </a:pPr>
+            <a:r>
+              <a:rPr lang="nb-NO" sz="2400" dirty="0"/>
+              <a:t>En bloggpost om temaet ligger på bloggen min</a:t>
+            </a:r>
+          </a:p>
+          <a:p>
+            <a:pPr marL="742950" lvl="1" indent="-285750">
+              <a:buFont typeface="Arial" panose="020B0604020202020204" pitchFamily="34" charset="0"/>
+              <a:buChar char="•"/>
+            </a:pPr>
+            <a:r>
+              <a:rPr lang="nb-NO" sz="2400" dirty="0">
+                <a:hlinkClick r:id="rId6"/>
+              </a:rPr>
+              <a:t>http://www.gjermundbjaanes.com/donet-something</a:t>
+            </a:r>
+            <a:endParaRPr lang="nb-NO" sz="2400" dirty="0"/>
+          </a:p>
+          <a:p>
+            <a:pPr marL="742950" lvl="1" indent="-285750">
+              <a:buFont typeface="Arial" panose="020B0604020202020204" pitchFamily="34" charset="0"/>
+              <a:buChar char="•"/>
+            </a:pPr>
+            <a:endParaRPr lang="nb-NO" sz="2400" dirty="0"/>
+          </a:p>
+          <a:p>
+            <a:pPr marL="285750" indent="-285750">
+              <a:buFont typeface="Arial" panose="020B0604020202020204" pitchFamily="34" charset="0"/>
+              <a:buChar char="•"/>
+            </a:pPr>
+            <a:endParaRPr lang="nb-NO" sz="2400" dirty="0"/>
+          </a:p>
+          <a:p>
+            <a:pPr marL="742950" lvl="1" indent="-285750">
+              <a:buFont typeface="Arial" panose="020B0604020202020204" pitchFamily="34" charset="0"/>
+              <a:buChar char="•"/>
+            </a:pPr>
+            <a:endParaRPr lang="nb-NO" sz="2400" dirty="0"/>
+          </a:p>
+          <a:p>
+            <a:pPr marL="285750" indent="-285750">
+              <a:buFont typeface="Arial" panose="020B0604020202020204" pitchFamily="34" charset="0"/>
+              <a:buChar char="•"/>
+            </a:pPr>
             <a:endParaRPr lang="en-US" sz="2400" dirty="0"/>
           </a:p>
         </p:txBody>
@@ -18119,7 +18220,7 @@
         <p:spPr>
           <a:xfrm>
             <a:off x="838200" y="2164389"/>
-            <a:ext cx="8120333" cy="2246769"/>
+            <a:ext cx="8120333" cy="2677656"/>
           </a:xfrm>
           <a:prstGeom prst="rect">
             <a:avLst/>
@@ -18175,6 +18276,16 @@
             <a:r>
               <a:rPr lang="nb-NO" sz="2800" dirty="0"/>
               <a:t>Nåværende løsninger (Node, Java)</a:t>
+            </a:r>
+          </a:p>
+          <a:p>
+            <a:pPr marL="742950" lvl="1" indent="-285750">
+              <a:buFont typeface="Arial" panose="020B0604020202020204" pitchFamily="34" charset="0"/>
+              <a:buChar char="•"/>
+            </a:pPr>
+            <a:r>
+              <a:rPr lang="nb-NO" sz="2800" dirty="0"/>
+              <a:t>Særlig fokus på mindre applikasjoner</a:t>
             </a:r>
           </a:p>
           <a:p>

--- a/dotnet-core-foredrag.pptx
+++ b/dotnet-core-foredrag.pptx
@@ -17579,7 +17579,21 @@
             </a:pPr>
             <a:r>
               <a:rPr lang="nb-NO" dirty="0"/>
-              <a:t>HTTP</a:t>
+              <a:t>En del prinsipper og «regler» som f.eks.</a:t>
+            </a:r>
+          </a:p>
+          <a:p>
+            <a:pPr marL="742950" lvl="1" indent="-285750">
+              <a:buFont typeface="Arial" panose="020B0604020202020204" pitchFamily="34" charset="0"/>
+              <a:buChar char="•"/>
+            </a:pPr>
+            <a:r>
+              <a:rPr lang="nb-NO" dirty="0" err="1"/>
+              <a:t>Stateless</a:t>
+            </a:r>
+            <a:r>
+              <a:rPr lang="nb-NO" dirty="0"/>
+              <a:t> er gjerne en av de vi vil følge</a:t>
             </a:r>
           </a:p>
           <a:p>
@@ -17589,7 +17603,7 @@
             </a:pPr>
             <a:r>
               <a:rPr lang="nb-NO" dirty="0"/>
-              <a:t>Klient-Server</a:t>
+              <a:t>HTTP</a:t>
             </a:r>
           </a:p>
           <a:p>
@@ -17598,25 +17612,9 @@
               <a:buChar char="•"/>
             </a:pPr>
             <a:r>
-              <a:rPr lang="nb-NO" dirty="0" err="1"/>
-              <a:t>Stateless</a:t>
-            </a:r>
-            <a:endParaRPr lang="nb-NO" dirty="0"/>
-          </a:p>
-          <a:p>
-            <a:pPr marL="285750" indent="-285750">
-              <a:buFont typeface="Arial" panose="020B0604020202020204" pitchFamily="34" charset="0"/>
-              <a:buChar char="•"/>
-            </a:pPr>
-            <a:r>
               <a:rPr lang="nb-NO" dirty="0"/>
-              <a:t>VERB på </a:t>
-            </a:r>
-            <a:r>
-              <a:rPr lang="nb-NO" dirty="0" err="1"/>
-              <a:t>URI’er</a:t>
-            </a:r>
-            <a:endParaRPr lang="nb-NO" dirty="0"/>
+              <a:t>VERB på URI / Ressurser</a:t>
+            </a:r>
           </a:p>
           <a:p>
             <a:pPr marL="742950" lvl="1" indent="-285750">

--- a/dotnet-core-foredrag.pptx
+++ b/dotnet-core-foredrag.pptx
@@ -14386,7 +14386,7 @@
         <p:spPr>
           <a:xfrm>
             <a:off x="838200" y="2014167"/>
-            <a:ext cx="8120333" cy="2677656"/>
+            <a:ext cx="9391650" cy="2677656"/>
           </a:xfrm>
           <a:prstGeom prst="rect">
             <a:avLst/>
@@ -14468,7 +14468,7 @@
             </a:pPr>
             <a:r>
               <a:rPr lang="nb-NO" sz="2400" dirty="0"/>
-              <a:t>Finnes en drøss med pakker som kan gjøre det for deg</a:t>
+              <a:t>Finnes mange forskjellige pakker som kan gjøre det for deg</a:t>
             </a:r>
           </a:p>
           <a:p>

--- a/dotnet-core-foredrag.pptx
+++ b/dotnet-core-foredrag.pptx
@@ -18,12 +18,13 @@
     <p:sldId id="273" r:id="rId12"/>
     <p:sldId id="268" r:id="rId13"/>
     <p:sldId id="272" r:id="rId14"/>
-    <p:sldId id="270" r:id="rId15"/>
-    <p:sldId id="271" r:id="rId16"/>
-    <p:sldId id="278" r:id="rId17"/>
-    <p:sldId id="279" r:id="rId18"/>
-    <p:sldId id="276" r:id="rId19"/>
-    <p:sldId id="277" r:id="rId20"/>
+    <p:sldId id="281" r:id="rId15"/>
+    <p:sldId id="270" r:id="rId16"/>
+    <p:sldId id="271" r:id="rId17"/>
+    <p:sldId id="278" r:id="rId18"/>
+    <p:sldId id="279" r:id="rId19"/>
+    <p:sldId id="276" r:id="rId20"/>
+    <p:sldId id="277" r:id="rId21"/>
   </p:sldIdLst>
   <p:sldSz cx="12192000" cy="6858000"/>
   <p:notesSz cx="6858000" cy="9144000"/>
@@ -1963,8 +1964,8 @@
       <emma:emma xmlns:emma="http://www.w3.org/2003/04/emma" version="1.0">
         <emma:interpretation id="{54F57D52-241E-40E7-B042-A81A0DB0BB28}" emma:medium="tactile" emma:mode="ink">
           <msink:context xmlns:msink="http://schemas.microsoft.com/ink/2010/main" type="inkDrawing" rotatedBoundingBox="25460,16913 25829,15380 25864,15388 25495,16921" semanticType="callout" shapeName="Other">
+            <msink:sourceLink direction="with" ref="{78C4245C-9A22-4BA1-ACA8-8424146C3798}"/>
             <msink:sourceLink direction="with" ref="{259B13FE-760B-4EC4-B907-5E9FA2C98F18}"/>
-            <msink:sourceLink direction="with" ref="{78C4245C-9A22-4BA1-ACA8-8424146C3798}"/>
           </msink:context>
         </emma:interpretation>
       </emma:emma>
@@ -2002,8 +2003,8 @@
       <emma:emma xmlns:emma="http://www.w3.org/2003/04/emma" version="1.0">
         <emma:interpretation id="{78C4245C-9A22-4BA1-ACA8-8424146C3798}" emma:medium="tactile" emma:mode="ink">
           <msink:context xmlns:msink="http://schemas.microsoft.com/ink/2010/main" type="inkDrawing" rotatedBoundingBox="25900,15393 26096,16661 26084,16662 25887,15395" semanticType="callout" shapeName="Line">
+            <msink:destinationLink direction="with" ref="{54F57D52-241E-40E7-B042-A81A0DB0BB28}"/>
             <msink:destinationLink direction="with" ref="{E9862F63-960C-46DD-A57D-3C7BF3BB13DA}"/>
-            <msink:destinationLink direction="with" ref="{54F57D52-241E-40E7-B042-A81A0DB0BB28}"/>
           </msink:context>
         </emma:interpretation>
       </emma:emma>
@@ -2079,8 +2080,8 @@
       <emma:emma xmlns:emma="http://www.w3.org/2003/04/emma" version="1.0">
         <emma:interpretation id="{5739B0B6-93DB-4460-BC61-DCAE2E08AB43}" emma:medium="tactile" emma:mode="ink">
           <msink:context xmlns:msink="http://schemas.microsoft.com/ink/2010/main" type="inkDrawing" rotatedBoundingBox="25710,13813 25963,15387 25887,15399 25634,13826" semanticType="verticalRange" shapeName="Other">
+            <msink:sourceLink direction="with" ref="{FC14C35F-EB30-4AE4-898D-02DF0F732229}"/>
             <msink:sourceLink direction="with" ref="{24B1926B-DA8A-4DE0-86B6-186EDB7EEEEB}"/>
-            <msink:sourceLink direction="with" ref="{FC14C35F-EB30-4AE4-898D-02DF0F732229}"/>
           </msink:context>
         </emma:interpretation>
       </emma:emma>
@@ -8906,7 +8907,7 @@
           <a:p>
             <a:fld id="{C7B437E4-9023-4C30-BD7A-7EB9AF5FB2DE}" type="datetimeFigureOut">
               <a:rPr lang="en-US" smtClean="0"/>
-              <a:t>18-Nov-16</a:t>
+              <a:t>23-Nov-16</a:t>
             </a:fld>
             <a:endParaRPr lang="en-US"/>
           </a:p>
@@ -9074,7 +9075,7 @@
           <a:p>
             <a:fld id="{C7B437E4-9023-4C30-BD7A-7EB9AF5FB2DE}" type="datetimeFigureOut">
               <a:rPr lang="en-US" smtClean="0"/>
-              <a:t>18-Nov-16</a:t>
+              <a:t>23-Nov-16</a:t>
             </a:fld>
             <a:endParaRPr lang="en-US"/>
           </a:p>
@@ -9252,7 +9253,7 @@
           <a:p>
             <a:fld id="{C7B437E4-9023-4C30-BD7A-7EB9AF5FB2DE}" type="datetimeFigureOut">
               <a:rPr lang="en-US" smtClean="0"/>
-              <a:t>18-Nov-16</a:t>
+              <a:t>23-Nov-16</a:t>
             </a:fld>
             <a:endParaRPr lang="en-US"/>
           </a:p>
@@ -9420,7 +9421,7 @@
           <a:p>
             <a:fld id="{C7B437E4-9023-4C30-BD7A-7EB9AF5FB2DE}" type="datetimeFigureOut">
               <a:rPr lang="en-US" smtClean="0"/>
-              <a:t>18-Nov-16</a:t>
+              <a:t>23-Nov-16</a:t>
             </a:fld>
             <a:endParaRPr lang="en-US"/>
           </a:p>
@@ -9665,7 +9666,7 @@
           <a:p>
             <a:fld id="{C7B437E4-9023-4C30-BD7A-7EB9AF5FB2DE}" type="datetimeFigureOut">
               <a:rPr lang="en-US" smtClean="0"/>
-              <a:t>18-Nov-16</a:t>
+              <a:t>23-Nov-16</a:t>
             </a:fld>
             <a:endParaRPr lang="en-US"/>
           </a:p>
@@ -9894,7 +9895,7 @@
           <a:p>
             <a:fld id="{C7B437E4-9023-4C30-BD7A-7EB9AF5FB2DE}" type="datetimeFigureOut">
               <a:rPr lang="en-US" smtClean="0"/>
-              <a:t>18-Nov-16</a:t>
+              <a:t>23-Nov-16</a:t>
             </a:fld>
             <a:endParaRPr lang="en-US"/>
           </a:p>
@@ -10258,7 +10259,7 @@
           <a:p>
             <a:fld id="{C7B437E4-9023-4C30-BD7A-7EB9AF5FB2DE}" type="datetimeFigureOut">
               <a:rPr lang="en-US" smtClean="0"/>
-              <a:t>18-Nov-16</a:t>
+              <a:t>23-Nov-16</a:t>
             </a:fld>
             <a:endParaRPr lang="en-US"/>
           </a:p>
@@ -10375,7 +10376,7 @@
           <a:p>
             <a:fld id="{C7B437E4-9023-4C30-BD7A-7EB9AF5FB2DE}" type="datetimeFigureOut">
               <a:rPr lang="en-US" smtClean="0"/>
-              <a:t>18-Nov-16</a:t>
+              <a:t>23-Nov-16</a:t>
             </a:fld>
             <a:endParaRPr lang="en-US"/>
           </a:p>
@@ -10470,7 +10471,7 @@
           <a:p>
             <a:fld id="{C7B437E4-9023-4C30-BD7A-7EB9AF5FB2DE}" type="datetimeFigureOut">
               <a:rPr lang="en-US" smtClean="0"/>
-              <a:t>18-Nov-16</a:t>
+              <a:t>23-Nov-16</a:t>
             </a:fld>
             <a:endParaRPr lang="en-US"/>
           </a:p>
@@ -10745,7 +10746,7 @@
           <a:p>
             <a:fld id="{C7B437E4-9023-4C30-BD7A-7EB9AF5FB2DE}" type="datetimeFigureOut">
               <a:rPr lang="en-US" smtClean="0"/>
-              <a:t>18-Nov-16</a:t>
+              <a:t>23-Nov-16</a:t>
             </a:fld>
             <a:endParaRPr lang="en-US"/>
           </a:p>
@@ -10997,7 +10998,7 @@
           <a:p>
             <a:fld id="{C7B437E4-9023-4C30-BD7A-7EB9AF5FB2DE}" type="datetimeFigureOut">
               <a:rPr lang="en-US" smtClean="0"/>
-              <a:t>18-Nov-16</a:t>
+              <a:t>23-Nov-16</a:t>
             </a:fld>
             <a:endParaRPr lang="en-US"/>
           </a:p>
@@ -11208,7 +11209,7 @@
           <a:p>
             <a:fld id="{C7B437E4-9023-4C30-BD7A-7EB9AF5FB2DE}" type="datetimeFigureOut">
               <a:rPr lang="en-US" smtClean="0"/>
-              <a:t>18-Nov-16</a:t>
+              <a:t>23-Nov-16</a:t>
             </a:fld>
             <a:endParaRPr lang="en-US"/>
           </a:p>
@@ -12568,8 +12569,8 @@
           </a:p>
         </p:txBody>
       </p:sp>
-      <mc:AlternateContent xmlns:mc="http://schemas.openxmlformats.org/markup-compatibility/2006">
-        <mc:Choice xmlns:p14="http://schemas.microsoft.com/office/powerpoint/2010/main" Requires="p14">
+      <mc:AlternateContent xmlns:mc="http://schemas.openxmlformats.org/markup-compatibility/2006" xmlns:p14="http://schemas.microsoft.com/office/powerpoint/2010/main">
+        <mc:Choice Requires="p14">
           <p:contentPart p14:bwMode="auto" r:id="rId2">
             <p14:nvContentPartPr>
               <p14:cNvPr id="13" name="Ink 12"/>
@@ -12582,7 +12583,7 @@
             </p14:xfrm>
           </p:contentPart>
         </mc:Choice>
-        <mc:Fallback>
+        <mc:Fallback xmlns="">
           <p:pic>
             <p:nvPicPr>
               <p:cNvPr id="13" name="Ink 12"/>
@@ -12607,8 +12608,8 @@
           </p:pic>
         </mc:Fallback>
       </mc:AlternateContent>
-      <mc:AlternateContent xmlns:mc="http://schemas.openxmlformats.org/markup-compatibility/2006">
-        <mc:Choice xmlns:p14="http://schemas.microsoft.com/office/powerpoint/2010/main" Requires="p14">
+      <mc:AlternateContent xmlns:mc="http://schemas.openxmlformats.org/markup-compatibility/2006" xmlns:p14="http://schemas.microsoft.com/office/powerpoint/2010/main">
+        <mc:Choice Requires="p14">
           <p:contentPart p14:bwMode="auto" r:id="rId4">
             <p14:nvContentPartPr>
               <p14:cNvPr id="14" name="Ink 13"/>
@@ -12621,7 +12622,7 @@
             </p14:xfrm>
           </p:contentPart>
         </mc:Choice>
-        <mc:Fallback>
+        <mc:Fallback xmlns="">
           <p:pic>
             <p:nvPicPr>
               <p:cNvPr id="14" name="Ink 13"/>
@@ -12646,8 +12647,8 @@
           </p:pic>
         </mc:Fallback>
       </mc:AlternateContent>
-      <mc:AlternateContent xmlns:mc="http://schemas.openxmlformats.org/markup-compatibility/2006">
-        <mc:Choice xmlns:p14="http://schemas.microsoft.com/office/powerpoint/2010/main" Requires="p14">
+      <mc:AlternateContent xmlns:mc="http://schemas.openxmlformats.org/markup-compatibility/2006" xmlns:p14="http://schemas.microsoft.com/office/powerpoint/2010/main">
+        <mc:Choice Requires="p14">
           <p:contentPart p14:bwMode="auto" r:id="rId6">
             <p14:nvContentPartPr>
               <p14:cNvPr id="15" name="Ink 14"/>
@@ -12660,7 +12661,7 @@
             </p14:xfrm>
           </p:contentPart>
         </mc:Choice>
-        <mc:Fallback>
+        <mc:Fallback xmlns="">
           <p:pic>
             <p:nvPicPr>
               <p:cNvPr id="15" name="Ink 14"/>
@@ -12685,8 +12686,8 @@
           </p:pic>
         </mc:Fallback>
       </mc:AlternateContent>
-      <mc:AlternateContent xmlns:mc="http://schemas.openxmlformats.org/markup-compatibility/2006">
-        <mc:Choice xmlns:p14="http://schemas.microsoft.com/office/powerpoint/2010/main" Requires="p14">
+      <mc:AlternateContent xmlns:mc="http://schemas.openxmlformats.org/markup-compatibility/2006" xmlns:p14="http://schemas.microsoft.com/office/powerpoint/2010/main">
+        <mc:Choice Requires="p14">
           <p:contentPart p14:bwMode="auto" r:id="rId8">
             <p14:nvContentPartPr>
               <p14:cNvPr id="16" name="Ink 15"/>
@@ -12699,7 +12700,7 @@
             </p14:xfrm>
           </p:contentPart>
         </mc:Choice>
-        <mc:Fallback>
+        <mc:Fallback xmlns="">
           <p:pic>
             <p:nvPicPr>
               <p:cNvPr id="16" name="Ink 15"/>
@@ -12724,8 +12725,8 @@
           </p:pic>
         </mc:Fallback>
       </mc:AlternateContent>
-      <mc:AlternateContent xmlns:mc="http://schemas.openxmlformats.org/markup-compatibility/2006">
-        <mc:Choice xmlns:p14="http://schemas.microsoft.com/office/powerpoint/2010/main" Requires="p14">
+      <mc:AlternateContent xmlns:mc="http://schemas.openxmlformats.org/markup-compatibility/2006" xmlns:p14="http://schemas.microsoft.com/office/powerpoint/2010/main">
+        <mc:Choice Requires="p14">
           <p:contentPart p14:bwMode="auto" r:id="rId10">
             <p14:nvContentPartPr>
               <p14:cNvPr id="17" name="Ink 16"/>
@@ -12738,7 +12739,7 @@
             </p14:xfrm>
           </p:contentPart>
         </mc:Choice>
-        <mc:Fallback>
+        <mc:Fallback xmlns="">
           <p:pic>
             <p:nvPicPr>
               <p:cNvPr id="17" name="Ink 16"/>
@@ -12763,8 +12764,8 @@
           </p:pic>
         </mc:Fallback>
       </mc:AlternateContent>
-      <mc:AlternateContent xmlns:mc="http://schemas.openxmlformats.org/markup-compatibility/2006">
-        <mc:Choice xmlns:p14="http://schemas.microsoft.com/office/powerpoint/2010/main" Requires="p14">
+      <mc:AlternateContent xmlns:mc="http://schemas.openxmlformats.org/markup-compatibility/2006" xmlns:p14="http://schemas.microsoft.com/office/powerpoint/2010/main">
+        <mc:Choice Requires="p14">
           <p:contentPart p14:bwMode="auto" r:id="rId12">
             <p14:nvContentPartPr>
               <p14:cNvPr id="18" name="Ink 17"/>
@@ -12777,7 +12778,7 @@
             </p14:xfrm>
           </p:contentPart>
         </mc:Choice>
-        <mc:Fallback>
+        <mc:Fallback xmlns="">
           <p:pic>
             <p:nvPicPr>
               <p:cNvPr id="18" name="Ink 17"/>
@@ -12802,8 +12803,8 @@
           </p:pic>
         </mc:Fallback>
       </mc:AlternateContent>
-      <mc:AlternateContent xmlns:mc="http://schemas.openxmlformats.org/markup-compatibility/2006">
-        <mc:Choice xmlns:p14="http://schemas.microsoft.com/office/powerpoint/2010/main" Requires="p14">
+      <mc:AlternateContent xmlns:mc="http://schemas.openxmlformats.org/markup-compatibility/2006" xmlns:p14="http://schemas.microsoft.com/office/powerpoint/2010/main">
+        <mc:Choice Requires="p14">
           <p:contentPart p14:bwMode="auto" r:id="rId14">
             <p14:nvContentPartPr>
               <p14:cNvPr id="19" name="Ink 18"/>
@@ -12816,7 +12817,7 @@
             </p14:xfrm>
           </p:contentPart>
         </mc:Choice>
-        <mc:Fallback>
+        <mc:Fallback xmlns="">
           <p:pic>
             <p:nvPicPr>
               <p:cNvPr id="19" name="Ink 18"/>
@@ -12841,8 +12842,8 @@
           </p:pic>
         </mc:Fallback>
       </mc:AlternateContent>
-      <mc:AlternateContent xmlns:mc="http://schemas.openxmlformats.org/markup-compatibility/2006">
-        <mc:Choice xmlns:p14="http://schemas.microsoft.com/office/powerpoint/2010/main" Requires="p14">
+      <mc:AlternateContent xmlns:mc="http://schemas.openxmlformats.org/markup-compatibility/2006" xmlns:p14="http://schemas.microsoft.com/office/powerpoint/2010/main">
+        <mc:Choice Requires="p14">
           <p:contentPart p14:bwMode="auto" r:id="rId16">
             <p14:nvContentPartPr>
               <p14:cNvPr id="20" name="Ink 19"/>
@@ -12855,7 +12856,7 @@
             </p14:xfrm>
           </p:contentPart>
         </mc:Choice>
-        <mc:Fallback>
+        <mc:Fallback xmlns="">
           <p:pic>
             <p:nvPicPr>
               <p:cNvPr id="20" name="Ink 19"/>
@@ -12880,8 +12881,8 @@
           </p:pic>
         </mc:Fallback>
       </mc:AlternateContent>
-      <mc:AlternateContent xmlns:mc="http://schemas.openxmlformats.org/markup-compatibility/2006">
-        <mc:Choice xmlns:p14="http://schemas.microsoft.com/office/powerpoint/2010/main" Requires="p14">
+      <mc:AlternateContent xmlns:mc="http://schemas.openxmlformats.org/markup-compatibility/2006" xmlns:p14="http://schemas.microsoft.com/office/powerpoint/2010/main">
+        <mc:Choice Requires="p14">
           <p:contentPart p14:bwMode="auto" r:id="rId18">
             <p14:nvContentPartPr>
               <p14:cNvPr id="21" name="Ink 20"/>
@@ -12894,7 +12895,7 @@
             </p14:xfrm>
           </p:contentPart>
         </mc:Choice>
-        <mc:Fallback>
+        <mc:Fallback xmlns="">
           <p:pic>
             <p:nvPicPr>
               <p:cNvPr id="21" name="Ink 20"/>
@@ -14022,6 +14023,111 @@
           <a:p>
             <a:r>
               <a:rPr lang="nb-NO" dirty="0"/>
+              <a:t>Hvordan det var å implementere (Node </a:t>
+            </a:r>
+            <a:r>
+              <a:rPr lang="nb-NO" dirty="0" err="1"/>
+              <a:t>vs</a:t>
+            </a:r>
+            <a:r>
+              <a:rPr lang="nb-NO" dirty="0"/>
+              <a:t> ASP.NET)</a:t>
+            </a:r>
+            <a:endParaRPr lang="en-US" dirty="0"/>
+          </a:p>
+        </p:txBody>
+      </p:sp>
+      <p:sp>
+        <p:nvSpPr>
+          <p:cNvPr id="3" name="TextBox 2"/>
+          <p:cNvSpPr txBox="1"/>
+          <p:nvPr/>
+        </p:nvSpPr>
+        <p:spPr>
+          <a:xfrm>
+            <a:off x="838200" y="2014167"/>
+            <a:ext cx="8120333" cy="830997"/>
+          </a:xfrm>
+          <a:prstGeom prst="rect">
+            <a:avLst/>
+          </a:prstGeom>
+          <a:noFill/>
+        </p:spPr>
+        <p:txBody>
+          <a:bodyPr wrap="square" rtlCol="0">
+            <a:spAutoFit/>
+          </a:bodyPr>
+          <a:lstStyle/>
+          <a:p>
+            <a:pPr marL="285750" indent="-285750">
+              <a:buFont typeface="Arial" panose="020B0604020202020204" pitchFamily="34" charset="0"/>
+              <a:buChar char="•"/>
+            </a:pPr>
+            <a:r>
+              <a:rPr lang="nb-NO" sz="2400" dirty="0"/>
+              <a:t>Forventet at Node skulle være raskere og lettere</a:t>
+            </a:r>
+          </a:p>
+          <a:p>
+            <a:pPr marL="742950" lvl="1" indent="-285750">
+              <a:buFont typeface="Arial" panose="020B0604020202020204" pitchFamily="34" charset="0"/>
+              <a:buChar char="•"/>
+            </a:pPr>
+            <a:r>
+              <a:rPr lang="nb-NO" sz="2400" dirty="0"/>
+              <a:t>Bare *litt* tilfelle</a:t>
+            </a:r>
+            <a:endParaRPr lang="en-US" sz="2400" dirty="0"/>
+          </a:p>
+        </p:txBody>
+      </p:sp>
+    </p:spTree>
+    <p:extLst>
+      <p:ext uri="{BB962C8B-B14F-4D97-AF65-F5344CB8AC3E}">
+        <p14:creationId xmlns:p14="http://schemas.microsoft.com/office/powerpoint/2010/main" val="1260702298"/>
+      </p:ext>
+    </p:extLst>
+  </p:cSld>
+  <p:clrMapOvr>
+    <a:masterClrMapping/>
+  </p:clrMapOvr>
+</p:sld>
+</file>
+
+<file path=ppt/slides/slide15.xml><?xml version="1.0" encoding="utf-8"?>
+<p:sld xmlns:a="http://schemas.openxmlformats.org/drawingml/2006/main" xmlns:r="http://schemas.openxmlformats.org/officeDocument/2006/relationships" xmlns:p="http://schemas.openxmlformats.org/presentationml/2006/main">
+  <p:cSld>
+    <p:spTree>
+      <p:nvGrpSpPr>
+        <p:cNvPr id="1" name=""/>
+        <p:cNvGrpSpPr/>
+        <p:nvPr/>
+      </p:nvGrpSpPr>
+      <p:grpSpPr>
+        <a:xfrm>
+          <a:off x="0" y="0"/>
+          <a:ext cx="0" cy="0"/>
+          <a:chOff x="0" y="0"/>
+          <a:chExt cx="0" cy="0"/>
+        </a:xfrm>
+      </p:grpSpPr>
+      <p:sp>
+        <p:nvSpPr>
+          <p:cNvPr id="2" name="Title 1"/>
+          <p:cNvSpPr>
+            <a:spLocks noGrp="1"/>
+          </p:cNvSpPr>
+          <p:nvPr>
+            <p:ph type="title"/>
+          </p:nvPr>
+        </p:nvSpPr>
+        <p:spPr/>
+        <p:txBody>
+          <a:bodyPr/>
+          <a:lstStyle/>
+          <a:p>
+            <a:r>
+              <a:rPr lang="nb-NO" dirty="0"/>
               <a:t>Hva skal til for å legge til nye endepunkt?</a:t>
             </a:r>
             <a:endParaRPr lang="en-US" dirty="0"/>
@@ -14161,7 +14267,7 @@
 </p:sld>
 </file>
 
-<file path=ppt/slides/slide15.xml><?xml version="1.0" encoding="utf-8"?>
+<file path=ppt/slides/slide16.xml><?xml version="1.0" encoding="utf-8"?>
 <p:sld xmlns:a="http://schemas.openxmlformats.org/drawingml/2006/main" xmlns:r="http://schemas.openxmlformats.org/officeDocument/2006/relationships" xmlns:p="http://schemas.openxmlformats.org/presentationml/2006/main">
   <p:cSld>
     <p:spTree>
@@ -14337,7 +14443,7 @@
 </p:sld>
 </file>
 
-<file path=ppt/slides/slide16.xml><?xml version="1.0" encoding="utf-8"?>
+<file path=ppt/slides/slide17.xml><?xml version="1.0" encoding="utf-8"?>
 <p:sld xmlns:a="http://schemas.openxmlformats.org/drawingml/2006/main" xmlns:r="http://schemas.openxmlformats.org/officeDocument/2006/relationships" xmlns:p="http://schemas.openxmlformats.org/presentationml/2006/main">
   <p:cSld>
     <p:spTree>
@@ -14500,7 +14606,7 @@
 </p:sld>
 </file>
 
-<file path=ppt/slides/slide17.xml><?xml version="1.0" encoding="utf-8"?>
+<file path=ppt/slides/slide18.xml><?xml version="1.0" encoding="utf-8"?>
 <p:sld xmlns:a="http://schemas.openxmlformats.org/drawingml/2006/main" xmlns:r="http://schemas.openxmlformats.org/officeDocument/2006/relationships" xmlns:p="http://schemas.openxmlformats.org/presentationml/2006/main">
   <p:cSld>
     <p:spTree>
@@ -14676,7 +14782,7 @@
 </p:sld>
 </file>
 
-<file path=ppt/slides/slide18.xml><?xml version="1.0" encoding="utf-8"?>
+<file path=ppt/slides/slide19.xml><?xml version="1.0" encoding="utf-8"?>
 <p:sld xmlns:a="http://schemas.openxmlformats.org/drawingml/2006/main" xmlns:r="http://schemas.openxmlformats.org/officeDocument/2006/relationships" xmlns:p="http://schemas.openxmlformats.org/presentationml/2006/main">
   <p:cSld>
     <p:spTree>
@@ -14855,269 +14961,6 @@
     <p:extLst>
       <p:ext uri="{BB962C8B-B14F-4D97-AF65-F5344CB8AC3E}">
         <p14:creationId xmlns:p14="http://schemas.microsoft.com/office/powerpoint/2010/main" val="563831913"/>
-      </p:ext>
-    </p:extLst>
-  </p:cSld>
-  <p:clrMapOvr>
-    <a:masterClrMapping/>
-  </p:clrMapOvr>
-</p:sld>
-</file>
-
-<file path=ppt/slides/slide19.xml><?xml version="1.0" encoding="utf-8"?>
-<p:sld xmlns:a="http://schemas.openxmlformats.org/drawingml/2006/main" xmlns:r="http://schemas.openxmlformats.org/officeDocument/2006/relationships" xmlns:p="http://schemas.openxmlformats.org/presentationml/2006/main">
-  <p:cSld>
-    <p:spTree>
-      <p:nvGrpSpPr>
-        <p:cNvPr id="1" name=""/>
-        <p:cNvGrpSpPr/>
-        <p:nvPr/>
-      </p:nvGrpSpPr>
-      <p:grpSpPr>
-        <a:xfrm>
-          <a:off x="0" y="0"/>
-          <a:ext cx="0" cy="0"/>
-          <a:chOff x="0" y="0"/>
-          <a:chExt cx="0" cy="0"/>
-        </a:xfrm>
-      </p:grpSpPr>
-      <p:sp>
-        <p:nvSpPr>
-          <p:cNvPr id="2" name="Title 1"/>
-          <p:cNvSpPr>
-            <a:spLocks noGrp="1"/>
-          </p:cNvSpPr>
-          <p:nvPr>
-            <p:ph type="title"/>
-          </p:nvPr>
-        </p:nvSpPr>
-        <p:spPr/>
-        <p:txBody>
-          <a:bodyPr/>
-          <a:lstStyle/>
-          <a:p>
-            <a:r>
-              <a:rPr lang="nb-NO" dirty="0"/>
-              <a:t>Takk for meg</a:t>
-            </a:r>
-            <a:endParaRPr lang="en-US" dirty="0"/>
-          </a:p>
-        </p:txBody>
-      </p:sp>
-      <p:sp>
-        <p:nvSpPr>
-          <p:cNvPr id="126" name="TextBox 125"/>
-          <p:cNvSpPr txBox="1"/>
-          <p:nvPr/>
-        </p:nvSpPr>
-        <p:spPr>
-          <a:xfrm>
-            <a:off x="322053" y="6022826"/>
-            <a:ext cx="3180271" cy="461665"/>
-          </a:xfrm>
-          <a:prstGeom prst="rect">
-            <a:avLst/>
-          </a:prstGeom>
-          <a:noFill/>
-        </p:spPr>
-        <p:txBody>
-          <a:bodyPr wrap="square" rtlCol="0">
-            <a:spAutoFit/>
-          </a:bodyPr>
-          <a:lstStyle/>
-          <a:p>
-            <a:r>
-              <a:rPr lang="nb-NO" sz="2400" dirty="0">
-                <a:hlinkClick r:id="rId2"/>
-              </a:rPr>
-              <a:t>@</a:t>
-            </a:r>
-            <a:r>
-              <a:rPr lang="nb-NO" sz="2400" dirty="0" err="1">
-                <a:hlinkClick r:id="rId2"/>
-              </a:rPr>
-              <a:t>gjermundbjaanes</a:t>
-            </a:r>
-            <a:endParaRPr lang="en-US" sz="2400" dirty="0"/>
-          </a:p>
-        </p:txBody>
-      </p:sp>
-      <p:sp>
-        <p:nvSpPr>
-          <p:cNvPr id="127" name="TextBox 126"/>
-          <p:cNvSpPr txBox="1"/>
-          <p:nvPr/>
-        </p:nvSpPr>
-        <p:spPr>
-          <a:xfrm>
-            <a:off x="3917005" y="6022825"/>
-            <a:ext cx="3694794" cy="461665"/>
-          </a:xfrm>
-          <a:prstGeom prst="rect">
-            <a:avLst/>
-          </a:prstGeom>
-          <a:noFill/>
-        </p:spPr>
-        <p:txBody>
-          <a:bodyPr wrap="none" rtlCol="0">
-            <a:spAutoFit/>
-          </a:bodyPr>
-          <a:lstStyle/>
-          <a:p>
-            <a:r>
-              <a:rPr lang="nb-NO" sz="2400" dirty="0">
-                <a:hlinkClick r:id="rId3"/>
-              </a:rPr>
-              <a:t>www.gjermundbjaanes.com</a:t>
-            </a:r>
-            <a:endParaRPr lang="en-US" sz="2400" dirty="0"/>
-          </a:p>
-        </p:txBody>
-      </p:sp>
-      <p:sp>
-        <p:nvSpPr>
-          <p:cNvPr id="128" name="TextBox 127"/>
-          <p:cNvSpPr txBox="1"/>
-          <p:nvPr/>
-        </p:nvSpPr>
-        <p:spPr>
-          <a:xfrm>
-            <a:off x="8669411" y="6022827"/>
-            <a:ext cx="2684389" cy="461665"/>
-          </a:xfrm>
-          <a:prstGeom prst="rect">
-            <a:avLst/>
-          </a:prstGeom>
-          <a:noFill/>
-        </p:spPr>
-        <p:txBody>
-          <a:bodyPr wrap="none" rtlCol="0">
-            <a:spAutoFit/>
-          </a:bodyPr>
-          <a:lstStyle/>
-          <a:p>
-            <a:r>
-              <a:rPr lang="nb-NO" sz="2400" dirty="0">
-                <a:hlinkClick r:id="rId4"/>
-              </a:rPr>
-              <a:t>github.com/</a:t>
-            </a:r>
-            <a:r>
-              <a:rPr lang="nb-NO" sz="2400" dirty="0" err="1">
-                <a:hlinkClick r:id="rId4"/>
-              </a:rPr>
-              <a:t>bjaanes</a:t>
-            </a:r>
-            <a:endParaRPr lang="en-US" sz="2400" dirty="0"/>
-          </a:p>
-        </p:txBody>
-      </p:sp>
-      <p:sp>
-        <p:nvSpPr>
-          <p:cNvPr id="6" name="TextBox 5"/>
-          <p:cNvSpPr txBox="1"/>
-          <p:nvPr/>
-        </p:nvSpPr>
-        <p:spPr>
-          <a:xfrm>
-            <a:off x="838200" y="2014167"/>
-            <a:ext cx="8120333" cy="3046988"/>
-          </a:xfrm>
-          <a:prstGeom prst="rect">
-            <a:avLst/>
-          </a:prstGeom>
-          <a:noFill/>
-        </p:spPr>
-        <p:txBody>
-          <a:bodyPr wrap="square" rtlCol="0">
-            <a:spAutoFit/>
-          </a:bodyPr>
-          <a:lstStyle/>
-          <a:p>
-            <a:pPr marL="285750" indent="-285750">
-              <a:buFont typeface="Arial" panose="020B0604020202020204" pitchFamily="34" charset="0"/>
-              <a:buChar char="•"/>
-            </a:pPr>
-            <a:r>
-              <a:rPr lang="nb-NO" sz="2400" dirty="0"/>
-              <a:t>All koden ligger på </a:t>
-            </a:r>
-            <a:r>
-              <a:rPr lang="nb-NO" sz="2400" dirty="0" err="1"/>
-              <a:t>Github</a:t>
-            </a:r>
-            <a:endParaRPr lang="nb-NO" sz="2400" dirty="0"/>
-          </a:p>
-          <a:p>
-            <a:pPr marL="742950" lvl="1" indent="-285750">
-              <a:buFont typeface="Arial" panose="020B0604020202020204" pitchFamily="34" charset="0"/>
-              <a:buChar char="•"/>
-            </a:pPr>
-            <a:r>
-              <a:rPr lang="nb-NO" sz="2400" dirty="0">
-                <a:hlinkClick r:id="rId5"/>
-              </a:rPr>
-              <a:t>https://github.com/bjaanes/dotnet-core-api-talk</a:t>
-            </a:r>
-            <a:endParaRPr lang="nb-NO" sz="2400" dirty="0"/>
-          </a:p>
-          <a:p>
-            <a:pPr marL="285750" indent="-285750">
-              <a:buFont typeface="Arial" panose="020B0604020202020204" pitchFamily="34" charset="0"/>
-              <a:buChar char="•"/>
-            </a:pPr>
-            <a:r>
-              <a:rPr lang="nb-NO" sz="2400" dirty="0"/>
-              <a:t>En bloggpost om temaet ligger på bloggen min</a:t>
-            </a:r>
-          </a:p>
-          <a:p>
-            <a:pPr marL="742950" lvl="1" indent="-285750">
-              <a:buFont typeface="Arial" panose="020B0604020202020204" pitchFamily="34" charset="0"/>
-              <a:buChar char="•"/>
-            </a:pPr>
-            <a:r>
-              <a:rPr lang="nb-NO" sz="2400" dirty="0">
-                <a:hlinkClick r:id="rId6"/>
-              </a:rPr>
-              <a:t>http://www.gjermundbjaanes.com/donet-something</a:t>
-            </a:r>
-            <a:endParaRPr lang="nb-NO" sz="2400" dirty="0"/>
-          </a:p>
-          <a:p>
-            <a:pPr marL="742950" lvl="1" indent="-285750">
-              <a:buFont typeface="Arial" panose="020B0604020202020204" pitchFamily="34" charset="0"/>
-              <a:buChar char="•"/>
-            </a:pPr>
-            <a:endParaRPr lang="nb-NO" sz="2400" dirty="0"/>
-          </a:p>
-          <a:p>
-            <a:pPr marL="285750" indent="-285750">
-              <a:buFont typeface="Arial" panose="020B0604020202020204" pitchFamily="34" charset="0"/>
-              <a:buChar char="•"/>
-            </a:pPr>
-            <a:endParaRPr lang="nb-NO" sz="2400" dirty="0"/>
-          </a:p>
-          <a:p>
-            <a:pPr marL="742950" lvl="1" indent="-285750">
-              <a:buFont typeface="Arial" panose="020B0604020202020204" pitchFamily="34" charset="0"/>
-              <a:buChar char="•"/>
-            </a:pPr>
-            <a:endParaRPr lang="nb-NO" sz="2400" dirty="0"/>
-          </a:p>
-          <a:p>
-            <a:pPr marL="285750" indent="-285750">
-              <a:buFont typeface="Arial" panose="020B0604020202020204" pitchFamily="34" charset="0"/>
-              <a:buChar char="•"/>
-            </a:pPr>
-            <a:endParaRPr lang="en-US" sz="2400" dirty="0"/>
-          </a:p>
-        </p:txBody>
-      </p:sp>
-    </p:spTree>
-    <p:extLst>
-      <p:ext uri="{BB962C8B-B14F-4D97-AF65-F5344CB8AC3E}">
-        <p14:creationId xmlns:p14="http://schemas.microsoft.com/office/powerpoint/2010/main" val="4272557608"/>
       </p:ext>
     </p:extLst>
   </p:cSld>
@@ -15487,6 +15330,269 @@
     <p:extLst>
       <p:ext uri="{BB962C8B-B14F-4D97-AF65-F5344CB8AC3E}">
         <p14:creationId xmlns:p14="http://schemas.microsoft.com/office/powerpoint/2010/main" val="532315870"/>
+      </p:ext>
+    </p:extLst>
+  </p:cSld>
+  <p:clrMapOvr>
+    <a:masterClrMapping/>
+  </p:clrMapOvr>
+</p:sld>
+</file>
+
+<file path=ppt/slides/slide20.xml><?xml version="1.0" encoding="utf-8"?>
+<p:sld xmlns:a="http://schemas.openxmlformats.org/drawingml/2006/main" xmlns:r="http://schemas.openxmlformats.org/officeDocument/2006/relationships" xmlns:p="http://schemas.openxmlformats.org/presentationml/2006/main">
+  <p:cSld>
+    <p:spTree>
+      <p:nvGrpSpPr>
+        <p:cNvPr id="1" name=""/>
+        <p:cNvGrpSpPr/>
+        <p:nvPr/>
+      </p:nvGrpSpPr>
+      <p:grpSpPr>
+        <a:xfrm>
+          <a:off x="0" y="0"/>
+          <a:ext cx="0" cy="0"/>
+          <a:chOff x="0" y="0"/>
+          <a:chExt cx="0" cy="0"/>
+        </a:xfrm>
+      </p:grpSpPr>
+      <p:sp>
+        <p:nvSpPr>
+          <p:cNvPr id="2" name="Title 1"/>
+          <p:cNvSpPr>
+            <a:spLocks noGrp="1"/>
+          </p:cNvSpPr>
+          <p:nvPr>
+            <p:ph type="title"/>
+          </p:nvPr>
+        </p:nvSpPr>
+        <p:spPr/>
+        <p:txBody>
+          <a:bodyPr/>
+          <a:lstStyle/>
+          <a:p>
+            <a:r>
+              <a:rPr lang="nb-NO" dirty="0"/>
+              <a:t>Takk for meg</a:t>
+            </a:r>
+            <a:endParaRPr lang="en-US" dirty="0"/>
+          </a:p>
+        </p:txBody>
+      </p:sp>
+      <p:sp>
+        <p:nvSpPr>
+          <p:cNvPr id="126" name="TextBox 125"/>
+          <p:cNvSpPr txBox="1"/>
+          <p:nvPr/>
+        </p:nvSpPr>
+        <p:spPr>
+          <a:xfrm>
+            <a:off x="322053" y="6022826"/>
+            <a:ext cx="3180271" cy="461665"/>
+          </a:xfrm>
+          <a:prstGeom prst="rect">
+            <a:avLst/>
+          </a:prstGeom>
+          <a:noFill/>
+        </p:spPr>
+        <p:txBody>
+          <a:bodyPr wrap="square" rtlCol="0">
+            <a:spAutoFit/>
+          </a:bodyPr>
+          <a:lstStyle/>
+          <a:p>
+            <a:r>
+              <a:rPr lang="nb-NO" sz="2400" dirty="0">
+                <a:hlinkClick r:id="rId2"/>
+              </a:rPr>
+              <a:t>@</a:t>
+            </a:r>
+            <a:r>
+              <a:rPr lang="nb-NO" sz="2400" dirty="0" err="1">
+                <a:hlinkClick r:id="rId2"/>
+              </a:rPr>
+              <a:t>gjermundbjaanes</a:t>
+            </a:r>
+            <a:endParaRPr lang="en-US" sz="2400" dirty="0"/>
+          </a:p>
+        </p:txBody>
+      </p:sp>
+      <p:sp>
+        <p:nvSpPr>
+          <p:cNvPr id="127" name="TextBox 126"/>
+          <p:cNvSpPr txBox="1"/>
+          <p:nvPr/>
+        </p:nvSpPr>
+        <p:spPr>
+          <a:xfrm>
+            <a:off x="3917005" y="6022825"/>
+            <a:ext cx="3694794" cy="461665"/>
+          </a:xfrm>
+          <a:prstGeom prst="rect">
+            <a:avLst/>
+          </a:prstGeom>
+          <a:noFill/>
+        </p:spPr>
+        <p:txBody>
+          <a:bodyPr wrap="none" rtlCol="0">
+            <a:spAutoFit/>
+          </a:bodyPr>
+          <a:lstStyle/>
+          <a:p>
+            <a:r>
+              <a:rPr lang="nb-NO" sz="2400" dirty="0">
+                <a:hlinkClick r:id="rId3"/>
+              </a:rPr>
+              <a:t>www.gjermundbjaanes.com</a:t>
+            </a:r>
+            <a:endParaRPr lang="en-US" sz="2400" dirty="0"/>
+          </a:p>
+        </p:txBody>
+      </p:sp>
+      <p:sp>
+        <p:nvSpPr>
+          <p:cNvPr id="128" name="TextBox 127"/>
+          <p:cNvSpPr txBox="1"/>
+          <p:nvPr/>
+        </p:nvSpPr>
+        <p:spPr>
+          <a:xfrm>
+            <a:off x="8669411" y="6022827"/>
+            <a:ext cx="2684389" cy="461665"/>
+          </a:xfrm>
+          <a:prstGeom prst="rect">
+            <a:avLst/>
+          </a:prstGeom>
+          <a:noFill/>
+        </p:spPr>
+        <p:txBody>
+          <a:bodyPr wrap="none" rtlCol="0">
+            <a:spAutoFit/>
+          </a:bodyPr>
+          <a:lstStyle/>
+          <a:p>
+            <a:r>
+              <a:rPr lang="nb-NO" sz="2400" dirty="0">
+                <a:hlinkClick r:id="rId4"/>
+              </a:rPr>
+              <a:t>github.com/</a:t>
+            </a:r>
+            <a:r>
+              <a:rPr lang="nb-NO" sz="2400" dirty="0" err="1">
+                <a:hlinkClick r:id="rId4"/>
+              </a:rPr>
+              <a:t>bjaanes</a:t>
+            </a:r>
+            <a:endParaRPr lang="en-US" sz="2400" dirty="0"/>
+          </a:p>
+        </p:txBody>
+      </p:sp>
+      <p:sp>
+        <p:nvSpPr>
+          <p:cNvPr id="6" name="TextBox 5"/>
+          <p:cNvSpPr txBox="1"/>
+          <p:nvPr/>
+        </p:nvSpPr>
+        <p:spPr>
+          <a:xfrm>
+            <a:off x="838200" y="2014167"/>
+            <a:ext cx="8120333" cy="3046988"/>
+          </a:xfrm>
+          <a:prstGeom prst="rect">
+            <a:avLst/>
+          </a:prstGeom>
+          <a:noFill/>
+        </p:spPr>
+        <p:txBody>
+          <a:bodyPr wrap="square" rtlCol="0">
+            <a:spAutoFit/>
+          </a:bodyPr>
+          <a:lstStyle/>
+          <a:p>
+            <a:pPr marL="285750" indent="-285750">
+              <a:buFont typeface="Arial" panose="020B0604020202020204" pitchFamily="34" charset="0"/>
+              <a:buChar char="•"/>
+            </a:pPr>
+            <a:r>
+              <a:rPr lang="nb-NO" sz="2400" dirty="0"/>
+              <a:t>All koden ligger på </a:t>
+            </a:r>
+            <a:r>
+              <a:rPr lang="nb-NO" sz="2400" dirty="0" err="1"/>
+              <a:t>Github</a:t>
+            </a:r>
+            <a:endParaRPr lang="nb-NO" sz="2400" dirty="0"/>
+          </a:p>
+          <a:p>
+            <a:pPr marL="742950" lvl="1" indent="-285750">
+              <a:buFont typeface="Arial" panose="020B0604020202020204" pitchFamily="34" charset="0"/>
+              <a:buChar char="•"/>
+            </a:pPr>
+            <a:r>
+              <a:rPr lang="nb-NO" sz="2400" dirty="0">
+                <a:hlinkClick r:id="rId5"/>
+              </a:rPr>
+              <a:t>https://github.com/bjaanes/dotnet-core-api-talk</a:t>
+            </a:r>
+            <a:endParaRPr lang="nb-NO" sz="2400" dirty="0"/>
+          </a:p>
+          <a:p>
+            <a:pPr marL="285750" indent="-285750">
+              <a:buFont typeface="Arial" panose="020B0604020202020204" pitchFamily="34" charset="0"/>
+              <a:buChar char="•"/>
+            </a:pPr>
+            <a:r>
+              <a:rPr lang="nb-NO" sz="2400" dirty="0"/>
+              <a:t>En bloggpost om temaet ligger på bloggen min</a:t>
+            </a:r>
+          </a:p>
+          <a:p>
+            <a:pPr marL="742950" lvl="1" indent="-285750">
+              <a:buFont typeface="Arial" panose="020B0604020202020204" pitchFamily="34" charset="0"/>
+              <a:buChar char="•"/>
+            </a:pPr>
+            <a:r>
+              <a:rPr lang="nb-NO" sz="2400" dirty="0">
+                <a:hlinkClick r:id="rId6"/>
+              </a:rPr>
+              <a:t>http://www.gjermundbjaanes.com/donet-something</a:t>
+            </a:r>
+            <a:endParaRPr lang="nb-NO" sz="2400" dirty="0"/>
+          </a:p>
+          <a:p>
+            <a:pPr marL="742950" lvl="1" indent="-285750">
+              <a:buFont typeface="Arial" panose="020B0604020202020204" pitchFamily="34" charset="0"/>
+              <a:buChar char="•"/>
+            </a:pPr>
+            <a:endParaRPr lang="nb-NO" sz="2400" dirty="0"/>
+          </a:p>
+          <a:p>
+            <a:pPr marL="285750" indent="-285750">
+              <a:buFont typeface="Arial" panose="020B0604020202020204" pitchFamily="34" charset="0"/>
+              <a:buChar char="•"/>
+            </a:pPr>
+            <a:endParaRPr lang="nb-NO" sz="2400" dirty="0"/>
+          </a:p>
+          <a:p>
+            <a:pPr marL="742950" lvl="1" indent="-285750">
+              <a:buFont typeface="Arial" panose="020B0604020202020204" pitchFamily="34" charset="0"/>
+              <a:buChar char="•"/>
+            </a:pPr>
+            <a:endParaRPr lang="nb-NO" sz="2400" dirty="0"/>
+          </a:p>
+          <a:p>
+            <a:pPr marL="285750" indent="-285750">
+              <a:buFont typeface="Arial" panose="020B0604020202020204" pitchFamily="34" charset="0"/>
+              <a:buChar char="•"/>
+            </a:pPr>
+            <a:endParaRPr lang="en-US" sz="2400" dirty="0"/>
+          </a:p>
+        </p:txBody>
+      </p:sp>
+    </p:spTree>
+    <p:extLst>
+      <p:ext uri="{BB962C8B-B14F-4D97-AF65-F5344CB8AC3E}">
+        <p14:creationId xmlns:p14="http://schemas.microsoft.com/office/powerpoint/2010/main" val="4272557608"/>
       </p:ext>
     </p:extLst>
   </p:cSld>
@@ -17330,8 +17436,8 @@
           </p:pic>
         </mc:Fallback>
       </mc:AlternateContent>
-      <mc:AlternateContent xmlns:mc="http://schemas.openxmlformats.org/markup-compatibility/2006">
-        <mc:Choice xmlns:p14="http://schemas.microsoft.com/office/powerpoint/2010/main" Requires="p14">
+      <mc:AlternateContent xmlns:mc="http://schemas.openxmlformats.org/markup-compatibility/2006" xmlns:p14="http://schemas.microsoft.com/office/powerpoint/2010/main">
+        <mc:Choice Requires="p14">
           <p:contentPart p14:bwMode="auto" r:id="rId96">
             <p14:nvContentPartPr>
               <p14:cNvPr id="8" name="Ink 7"/>
@@ -17344,7 +17450,7 @@
             </p14:xfrm>
           </p:contentPart>
         </mc:Choice>
-        <mc:Fallback>
+        <mc:Fallback xmlns="">
           <p:pic>
             <p:nvPicPr>
               <p:cNvPr id="8" name="Ink 7"/>
@@ -17369,8 +17475,8 @@
           </p:pic>
         </mc:Fallback>
       </mc:AlternateContent>
-      <mc:AlternateContent xmlns:mc="http://schemas.openxmlformats.org/markup-compatibility/2006">
-        <mc:Choice xmlns:p14="http://schemas.microsoft.com/office/powerpoint/2010/main" Requires="p14">
+      <mc:AlternateContent xmlns:mc="http://schemas.openxmlformats.org/markup-compatibility/2006" xmlns:p14="http://schemas.microsoft.com/office/powerpoint/2010/main">
+        <mc:Choice Requires="p14">
           <p:contentPart p14:bwMode="auto" r:id="rId98">
             <p14:nvContentPartPr>
               <p14:cNvPr id="10" name="Ink 9"/>
@@ -17383,7 +17489,7 @@
             </p14:xfrm>
           </p:contentPart>
         </mc:Choice>
-        <mc:Fallback>
+        <mc:Fallback xmlns="">
           <p:pic>
             <p:nvPicPr>
               <p:cNvPr id="10" name="Ink 9"/>
@@ -17662,8 +17768,8 @@
           </a:p>
         </p:txBody>
       </p:sp>
-      <mc:AlternateContent xmlns:mc="http://schemas.openxmlformats.org/markup-compatibility/2006">
-        <mc:Choice xmlns:p14="http://schemas.microsoft.com/office/powerpoint/2010/main" Requires="p14">
+      <mc:AlternateContent xmlns:mc="http://schemas.openxmlformats.org/markup-compatibility/2006" xmlns:p14="http://schemas.microsoft.com/office/powerpoint/2010/main">
+        <mc:Choice Requires="p14">
           <p:contentPart p14:bwMode="auto" r:id="rId2">
             <p14:nvContentPartPr>
               <p14:cNvPr id="109" name="Ink 108"/>
@@ -17676,7 +17782,7 @@
             </p14:xfrm>
           </p:contentPart>
         </mc:Choice>
-        <mc:Fallback>
+        <mc:Fallback xmlns="">
           <p:pic>
             <p:nvPicPr>
               <p:cNvPr id="109" name="Ink 108"/>
@@ -17701,8 +17807,8 @@
           </p:pic>
         </mc:Fallback>
       </mc:AlternateContent>
-      <mc:AlternateContent xmlns:mc="http://schemas.openxmlformats.org/markup-compatibility/2006">
-        <mc:Choice xmlns:p14="http://schemas.microsoft.com/office/powerpoint/2010/main" Requires="p14">
+      <mc:AlternateContent xmlns:mc="http://schemas.openxmlformats.org/markup-compatibility/2006" xmlns:p14="http://schemas.microsoft.com/office/powerpoint/2010/main">
+        <mc:Choice Requires="p14">
           <p:contentPart p14:bwMode="auto" r:id="rId4">
             <p14:nvContentPartPr>
               <p14:cNvPr id="115" name="Ink 114"/>
@@ -17715,7 +17821,7 @@
             </p14:xfrm>
           </p:contentPart>
         </mc:Choice>
-        <mc:Fallback>
+        <mc:Fallback xmlns="">
           <p:pic>
             <p:nvPicPr>
               <p:cNvPr id="115" name="Ink 114"/>
@@ -17740,8 +17846,8 @@
           </p:pic>
         </mc:Fallback>
       </mc:AlternateContent>
-      <mc:AlternateContent xmlns:mc="http://schemas.openxmlformats.org/markup-compatibility/2006">
-        <mc:Choice xmlns:p14="http://schemas.microsoft.com/office/powerpoint/2010/main" Requires="p14">
+      <mc:AlternateContent xmlns:mc="http://schemas.openxmlformats.org/markup-compatibility/2006" xmlns:p14="http://schemas.microsoft.com/office/powerpoint/2010/main">
+        <mc:Choice Requires="p14">
           <p:contentPart p14:bwMode="auto" r:id="rId6">
             <p14:nvContentPartPr>
               <p14:cNvPr id="119" name="Ink 118"/>
@@ -17754,7 +17860,7 @@
             </p14:xfrm>
           </p:contentPart>
         </mc:Choice>
-        <mc:Fallback>
+        <mc:Fallback xmlns="">
           <p:pic>
             <p:nvPicPr>
               <p:cNvPr id="119" name="Ink 118"/>
@@ -17779,8 +17885,8 @@
           </p:pic>
         </mc:Fallback>
       </mc:AlternateContent>
-      <mc:AlternateContent xmlns:mc="http://schemas.openxmlformats.org/markup-compatibility/2006">
-        <mc:Choice xmlns:p14="http://schemas.microsoft.com/office/powerpoint/2010/main" Requires="p14">
+      <mc:AlternateContent xmlns:mc="http://schemas.openxmlformats.org/markup-compatibility/2006" xmlns:p14="http://schemas.microsoft.com/office/powerpoint/2010/main">
+        <mc:Choice Requires="p14">
           <p:contentPart p14:bwMode="auto" r:id="rId8">
             <p14:nvContentPartPr>
               <p14:cNvPr id="178" name="Ink 177"/>
@@ -17793,7 +17899,7 @@
             </p14:xfrm>
           </p:contentPart>
         </mc:Choice>
-        <mc:Fallback>
+        <mc:Fallback xmlns="">
           <p:pic>
             <p:nvPicPr>
               <p:cNvPr id="178" name="Ink 177"/>
@@ -17818,8 +17924,8 @@
           </p:pic>
         </mc:Fallback>
       </mc:AlternateContent>
-      <mc:AlternateContent xmlns:mc="http://schemas.openxmlformats.org/markup-compatibility/2006">
-        <mc:Choice xmlns:p14="http://schemas.microsoft.com/office/powerpoint/2010/main" Requires="p14">
+      <mc:AlternateContent xmlns:mc="http://schemas.openxmlformats.org/markup-compatibility/2006" xmlns:p14="http://schemas.microsoft.com/office/powerpoint/2010/main">
+        <mc:Choice Requires="p14">
           <p:contentPart p14:bwMode="auto" r:id="rId10">
             <p14:nvContentPartPr>
               <p14:cNvPr id="189" name="Ink 188"/>
@@ -17832,7 +17938,7 @@
             </p14:xfrm>
           </p:contentPart>
         </mc:Choice>
-        <mc:Fallback>
+        <mc:Fallback xmlns="">
           <p:pic>
             <p:nvPicPr>
               <p:cNvPr id="189" name="Ink 188"/>
@@ -17857,8 +17963,8 @@
           </p:pic>
         </mc:Fallback>
       </mc:AlternateContent>
-      <mc:AlternateContent xmlns:mc="http://schemas.openxmlformats.org/markup-compatibility/2006">
-        <mc:Choice xmlns:p14="http://schemas.microsoft.com/office/powerpoint/2010/main" Requires="p14">
+      <mc:AlternateContent xmlns:mc="http://schemas.openxmlformats.org/markup-compatibility/2006" xmlns:p14="http://schemas.microsoft.com/office/powerpoint/2010/main">
+        <mc:Choice Requires="p14">
           <p:contentPart p14:bwMode="auto" r:id="rId12">
             <p14:nvContentPartPr>
               <p14:cNvPr id="198" name="Ink 197"/>
@@ -17871,7 +17977,7 @@
             </p14:xfrm>
           </p:contentPart>
         </mc:Choice>
-        <mc:Fallback>
+        <mc:Fallback xmlns="">
           <p:pic>
             <p:nvPicPr>
               <p:cNvPr id="198" name="Ink 197"/>
@@ -20067,8 +20173,8 @@
           </p:pic>
         </mc:Fallback>
       </mc:AlternateContent>
-      <mc:AlternateContent xmlns:mc="http://schemas.openxmlformats.org/markup-compatibility/2006">
-        <mc:Choice xmlns:p14="http://schemas.microsoft.com/office/powerpoint/2010/main" Requires="p14">
+      <mc:AlternateContent xmlns:mc="http://schemas.openxmlformats.org/markup-compatibility/2006" xmlns:p14="http://schemas.microsoft.com/office/powerpoint/2010/main">
+        <mc:Choice Requires="p14">
           <p:contentPart p14:bwMode="auto" r:id="rId4">
             <p14:nvContentPartPr>
               <p14:cNvPr id="28" name="Ink 27"/>
@@ -20081,7 +20187,7 @@
             </p14:xfrm>
           </p:contentPart>
         </mc:Choice>
-        <mc:Fallback>
+        <mc:Fallback xmlns="">
           <p:pic>
             <p:nvPicPr>
               <p:cNvPr id="28" name="Ink 27"/>
@@ -20106,8 +20212,8 @@
           </p:pic>
         </mc:Fallback>
       </mc:AlternateContent>
-      <mc:AlternateContent xmlns:mc="http://schemas.openxmlformats.org/markup-compatibility/2006">
-        <mc:Choice xmlns:p14="http://schemas.microsoft.com/office/powerpoint/2010/main" Requires="p14">
+      <mc:AlternateContent xmlns:mc="http://schemas.openxmlformats.org/markup-compatibility/2006" xmlns:p14="http://schemas.microsoft.com/office/powerpoint/2010/main">
+        <mc:Choice Requires="p14">
           <p:contentPart p14:bwMode="auto" r:id="rId6">
             <p14:nvContentPartPr>
               <p14:cNvPr id="29" name="Ink 28"/>
@@ -20120,7 +20226,7 @@
             </p14:xfrm>
           </p:contentPart>
         </mc:Choice>
-        <mc:Fallback>
+        <mc:Fallback xmlns="">
           <p:pic>
             <p:nvPicPr>
               <p:cNvPr id="29" name="Ink 28"/>
@@ -20145,8 +20251,8 @@
           </p:pic>
         </mc:Fallback>
       </mc:AlternateContent>
-      <mc:AlternateContent xmlns:mc="http://schemas.openxmlformats.org/markup-compatibility/2006">
-        <mc:Choice xmlns:p14="http://schemas.microsoft.com/office/powerpoint/2010/main" Requires="p14">
+      <mc:AlternateContent xmlns:mc="http://schemas.openxmlformats.org/markup-compatibility/2006" xmlns:p14="http://schemas.microsoft.com/office/powerpoint/2010/main">
+        <mc:Choice Requires="p14">
           <p:contentPart p14:bwMode="auto" r:id="rId8">
             <p14:nvContentPartPr>
               <p14:cNvPr id="52" name="Ink 51"/>
@@ -20159,7 +20265,7 @@
             </p14:xfrm>
           </p:contentPart>
         </mc:Choice>
-        <mc:Fallback>
+        <mc:Fallback xmlns="">
           <p:pic>
             <p:nvPicPr>
               <p:cNvPr id="52" name="Ink 51"/>
@@ -20184,8 +20290,8 @@
           </p:pic>
         </mc:Fallback>
       </mc:AlternateContent>
-      <mc:AlternateContent xmlns:mc="http://schemas.openxmlformats.org/markup-compatibility/2006">
-        <mc:Choice xmlns:p14="http://schemas.microsoft.com/office/powerpoint/2010/main" Requires="p14">
+      <mc:AlternateContent xmlns:mc="http://schemas.openxmlformats.org/markup-compatibility/2006" xmlns:p14="http://schemas.microsoft.com/office/powerpoint/2010/main">
+        <mc:Choice Requires="p14">
           <p:contentPart p14:bwMode="auto" r:id="rId10">
             <p14:nvContentPartPr>
               <p14:cNvPr id="67" name="Ink 66"/>
@@ -20198,7 +20304,7 @@
             </p14:xfrm>
           </p:contentPart>
         </mc:Choice>
-        <mc:Fallback>
+        <mc:Fallback xmlns="">
           <p:pic>
             <p:nvPicPr>
               <p:cNvPr id="67" name="Ink 66"/>
@@ -20223,8 +20329,8 @@
           </p:pic>
         </mc:Fallback>
       </mc:AlternateContent>
-      <mc:AlternateContent xmlns:mc="http://schemas.openxmlformats.org/markup-compatibility/2006">
-        <mc:Choice xmlns:p14="http://schemas.microsoft.com/office/powerpoint/2010/main" Requires="p14">
+      <mc:AlternateContent xmlns:mc="http://schemas.openxmlformats.org/markup-compatibility/2006" xmlns:p14="http://schemas.microsoft.com/office/powerpoint/2010/main">
+        <mc:Choice Requires="p14">
           <p:contentPart p14:bwMode="auto" r:id="rId12">
             <p14:nvContentPartPr>
               <p14:cNvPr id="71" name="Ink 70"/>
@@ -20237,7 +20343,7 @@
             </p14:xfrm>
           </p:contentPart>
         </mc:Choice>
-        <mc:Fallback>
+        <mc:Fallback xmlns="">
           <p:pic>
             <p:nvPicPr>
               <p:cNvPr id="71" name="Ink 70"/>
@@ -20262,8 +20368,8 @@
           </p:pic>
         </mc:Fallback>
       </mc:AlternateContent>
-      <mc:AlternateContent xmlns:mc="http://schemas.openxmlformats.org/markup-compatibility/2006">
-        <mc:Choice xmlns:p14="http://schemas.microsoft.com/office/powerpoint/2010/main" Requires="p14">
+      <mc:AlternateContent xmlns:mc="http://schemas.openxmlformats.org/markup-compatibility/2006" xmlns:p14="http://schemas.microsoft.com/office/powerpoint/2010/main">
+        <mc:Choice Requires="p14">
           <p:contentPart p14:bwMode="auto" r:id="rId14">
             <p14:nvContentPartPr>
               <p14:cNvPr id="72" name="Ink 71"/>
@@ -20276,7 +20382,7 @@
             </p14:xfrm>
           </p:contentPart>
         </mc:Choice>
-        <mc:Fallback>
+        <mc:Fallback xmlns="">
           <p:pic>
             <p:nvPicPr>
               <p:cNvPr id="72" name="Ink 71"/>
@@ -20301,8 +20407,8 @@
           </p:pic>
         </mc:Fallback>
       </mc:AlternateContent>
-      <mc:AlternateContent xmlns:mc="http://schemas.openxmlformats.org/markup-compatibility/2006">
-        <mc:Choice xmlns:p14="http://schemas.microsoft.com/office/powerpoint/2010/main" Requires="p14">
+      <mc:AlternateContent xmlns:mc="http://schemas.openxmlformats.org/markup-compatibility/2006" xmlns:p14="http://schemas.microsoft.com/office/powerpoint/2010/main">
+        <mc:Choice Requires="p14">
           <p:contentPart p14:bwMode="auto" r:id="rId16">
             <p14:nvContentPartPr>
               <p14:cNvPr id="73" name="Ink 72"/>
@@ -20315,7 +20421,7 @@
             </p14:xfrm>
           </p:contentPart>
         </mc:Choice>
-        <mc:Fallback>
+        <mc:Fallback xmlns="">
           <p:pic>
             <p:nvPicPr>
               <p:cNvPr id="73" name="Ink 72"/>
@@ -20340,8 +20446,8 @@
           </p:pic>
         </mc:Fallback>
       </mc:AlternateContent>
-      <mc:AlternateContent xmlns:mc="http://schemas.openxmlformats.org/markup-compatibility/2006">
-        <mc:Choice xmlns:p14="http://schemas.microsoft.com/office/powerpoint/2010/main" Requires="p14">
+      <mc:AlternateContent xmlns:mc="http://schemas.openxmlformats.org/markup-compatibility/2006" xmlns:p14="http://schemas.microsoft.com/office/powerpoint/2010/main">
+        <mc:Choice Requires="p14">
           <p:contentPart p14:bwMode="auto" r:id="rId18">
             <p14:nvContentPartPr>
               <p14:cNvPr id="95" name="Ink 94"/>
@@ -20354,7 +20460,7 @@
             </p14:xfrm>
           </p:contentPart>
         </mc:Choice>
-        <mc:Fallback>
+        <mc:Fallback xmlns="">
           <p:pic>
             <p:nvPicPr>
               <p:cNvPr id="95" name="Ink 94"/>
@@ -20379,8 +20485,8 @@
           </p:pic>
         </mc:Fallback>
       </mc:AlternateContent>
-      <mc:AlternateContent xmlns:mc="http://schemas.openxmlformats.org/markup-compatibility/2006">
-        <mc:Choice xmlns:p14="http://schemas.microsoft.com/office/powerpoint/2010/main" Requires="p14">
+      <mc:AlternateContent xmlns:mc="http://schemas.openxmlformats.org/markup-compatibility/2006" xmlns:p14="http://schemas.microsoft.com/office/powerpoint/2010/main">
+        <mc:Choice Requires="p14">
           <p:contentPart p14:bwMode="auto" r:id="rId20">
             <p14:nvContentPartPr>
               <p14:cNvPr id="96" name="Ink 95"/>
@@ -20393,7 +20499,7 @@
             </p14:xfrm>
           </p:contentPart>
         </mc:Choice>
-        <mc:Fallback>
+        <mc:Fallback xmlns="">
           <p:pic>
             <p:nvPicPr>
               <p:cNvPr id="96" name="Ink 95"/>

--- a/dotnet-core-foredrag.pptx
+++ b/dotnet-core-foredrag.pptx
@@ -8907,7 +8907,7 @@
           <a:p>
             <a:fld id="{C7B437E4-9023-4C30-BD7A-7EB9AF5FB2DE}" type="datetimeFigureOut">
               <a:rPr lang="en-US" smtClean="0"/>
-              <a:t>23-Nov-16</a:t>
+              <a:t>24-Nov-16</a:t>
             </a:fld>
             <a:endParaRPr lang="en-US"/>
           </a:p>
@@ -9075,7 +9075,7 @@
           <a:p>
             <a:fld id="{C7B437E4-9023-4C30-BD7A-7EB9AF5FB2DE}" type="datetimeFigureOut">
               <a:rPr lang="en-US" smtClean="0"/>
-              <a:t>23-Nov-16</a:t>
+              <a:t>24-Nov-16</a:t>
             </a:fld>
             <a:endParaRPr lang="en-US"/>
           </a:p>
@@ -9253,7 +9253,7 @@
           <a:p>
             <a:fld id="{C7B437E4-9023-4C30-BD7A-7EB9AF5FB2DE}" type="datetimeFigureOut">
               <a:rPr lang="en-US" smtClean="0"/>
-              <a:t>23-Nov-16</a:t>
+              <a:t>24-Nov-16</a:t>
             </a:fld>
             <a:endParaRPr lang="en-US"/>
           </a:p>
@@ -9421,7 +9421,7 @@
           <a:p>
             <a:fld id="{C7B437E4-9023-4C30-BD7A-7EB9AF5FB2DE}" type="datetimeFigureOut">
               <a:rPr lang="en-US" smtClean="0"/>
-              <a:t>23-Nov-16</a:t>
+              <a:t>24-Nov-16</a:t>
             </a:fld>
             <a:endParaRPr lang="en-US"/>
           </a:p>
@@ -9666,7 +9666,7 @@
           <a:p>
             <a:fld id="{C7B437E4-9023-4C30-BD7A-7EB9AF5FB2DE}" type="datetimeFigureOut">
               <a:rPr lang="en-US" smtClean="0"/>
-              <a:t>23-Nov-16</a:t>
+              <a:t>24-Nov-16</a:t>
             </a:fld>
             <a:endParaRPr lang="en-US"/>
           </a:p>
@@ -9895,7 +9895,7 @@
           <a:p>
             <a:fld id="{C7B437E4-9023-4C30-BD7A-7EB9AF5FB2DE}" type="datetimeFigureOut">
               <a:rPr lang="en-US" smtClean="0"/>
-              <a:t>23-Nov-16</a:t>
+              <a:t>24-Nov-16</a:t>
             </a:fld>
             <a:endParaRPr lang="en-US"/>
           </a:p>
@@ -10259,7 +10259,7 @@
           <a:p>
             <a:fld id="{C7B437E4-9023-4C30-BD7A-7EB9AF5FB2DE}" type="datetimeFigureOut">
               <a:rPr lang="en-US" smtClean="0"/>
-              <a:t>23-Nov-16</a:t>
+              <a:t>24-Nov-16</a:t>
             </a:fld>
             <a:endParaRPr lang="en-US"/>
           </a:p>
@@ -10376,7 +10376,7 @@
           <a:p>
             <a:fld id="{C7B437E4-9023-4C30-BD7A-7EB9AF5FB2DE}" type="datetimeFigureOut">
               <a:rPr lang="en-US" smtClean="0"/>
-              <a:t>23-Nov-16</a:t>
+              <a:t>24-Nov-16</a:t>
             </a:fld>
             <a:endParaRPr lang="en-US"/>
           </a:p>
@@ -10471,7 +10471,7 @@
           <a:p>
             <a:fld id="{C7B437E4-9023-4C30-BD7A-7EB9AF5FB2DE}" type="datetimeFigureOut">
               <a:rPr lang="en-US" smtClean="0"/>
-              <a:t>23-Nov-16</a:t>
+              <a:t>24-Nov-16</a:t>
             </a:fld>
             <a:endParaRPr lang="en-US"/>
           </a:p>
@@ -10746,7 +10746,7 @@
           <a:p>
             <a:fld id="{C7B437E4-9023-4C30-BD7A-7EB9AF5FB2DE}" type="datetimeFigureOut">
               <a:rPr lang="en-US" smtClean="0"/>
-              <a:t>23-Nov-16</a:t>
+              <a:t>24-Nov-16</a:t>
             </a:fld>
             <a:endParaRPr lang="en-US"/>
           </a:p>
@@ -10998,7 +10998,7 @@
           <a:p>
             <a:fld id="{C7B437E4-9023-4C30-BD7A-7EB9AF5FB2DE}" type="datetimeFigureOut">
               <a:rPr lang="en-US" smtClean="0"/>
-              <a:t>23-Nov-16</a:t>
+              <a:t>24-Nov-16</a:t>
             </a:fld>
             <a:endParaRPr lang="en-US"/>
           </a:p>
@@ -11209,7 +11209,7 @@
           <a:p>
             <a:fld id="{C7B437E4-9023-4C30-BD7A-7EB9AF5FB2DE}" type="datetimeFigureOut">
               <a:rPr lang="en-US" smtClean="0"/>
-              <a:t>23-Nov-16</a:t>
+              <a:t>24-Nov-16</a:t>
             </a:fld>
             <a:endParaRPr lang="en-US"/>
           </a:p>
@@ -14046,7 +14046,7 @@
         <p:spPr>
           <a:xfrm>
             <a:off x="838200" y="2014167"/>
-            <a:ext cx="8120333" cy="830997"/>
+            <a:ext cx="8120333" cy="1200329"/>
           </a:xfrm>
           <a:prstGeom prst="rect">
             <a:avLst/>
@@ -14077,7 +14077,24 @@
               <a:rPr lang="nb-NO" sz="2400" dirty="0"/>
               <a:t>Bare *litt* tilfelle</a:t>
             </a:r>
-            <a:endParaRPr lang="en-US" sz="2400" dirty="0"/>
+          </a:p>
+          <a:p>
+            <a:pPr marL="285750" indent="-285750">
+              <a:buFont typeface="Arial" panose="020B0604020202020204" pitchFamily="34" charset="0"/>
+              <a:buChar char="•"/>
+            </a:pPr>
+            <a:r>
+              <a:rPr lang="nb-NO" sz="2400" dirty="0"/>
+              <a:t>Positivt overrasket over ASP.NET </a:t>
+            </a:r>
+            <a:r>
+              <a:rPr lang="nb-NO" sz="2400" dirty="0" err="1"/>
+              <a:t>Core</a:t>
+            </a:r>
+            <a:r>
+              <a:rPr lang="nb-NO" sz="2400" dirty="0"/>
+              <a:t> for nybegynnere</a:t>
+            </a:r>
           </a:p>
         </p:txBody>
       </p:sp>
@@ -15496,7 +15513,7 @@
         <p:spPr>
           <a:xfrm>
             <a:off x="838200" y="2014167"/>
-            <a:ext cx="8120333" cy="3046988"/>
+            <a:ext cx="10054087" cy="2308324"/>
           </a:xfrm>
           <a:prstGeom prst="rect">
             <a:avLst/>
@@ -15543,7 +15560,7 @@
             </a:pPr>
             <a:r>
               <a:rPr lang="nb-NO" sz="2400" dirty="0"/>
-              <a:t>En bloggpost om temaet ligger på bloggen min</a:t>
+              <a:t>En bloggpost om temaet ligger på bloggen min (snart!)</a:t>
             </a:r>
           </a:p>
           <a:p>
@@ -15555,22 +15572,14 @@
               <a:rPr lang="nb-NO" sz="2400" dirty="0">
                 <a:hlinkClick r:id="rId6"/>
               </a:rPr>
-              <a:t>http://www.gjermundbjaanes.com/donet-something</a:t>
-            </a:r>
-            <a:endParaRPr lang="nb-NO" sz="2400" dirty="0"/>
-          </a:p>
-          <a:p>
-            <a:pPr marL="742950" lvl="1" indent="-285750">
-              <a:buFont typeface="Arial" panose="020B0604020202020204" pitchFamily="34" charset="0"/>
-              <a:buChar char="•"/>
-            </a:pPr>
-            <a:endParaRPr lang="nb-NO" sz="2400" dirty="0"/>
-          </a:p>
-          <a:p>
-            <a:pPr marL="285750" indent="-285750">
-              <a:buFont typeface="Arial" panose="020B0604020202020204" pitchFamily="34" charset="0"/>
-              <a:buChar char="•"/>
-            </a:pPr>
+              <a:t>http</a:t>
+            </a:r>
+            <a:r>
+              <a:rPr lang="nb-NO" sz="2400">
+                <a:hlinkClick r:id="rId6"/>
+              </a:rPr>
+              <a:t>://www.gjermundbjaanes.com/dot-net-core-for-your-web-apis</a:t>
+            </a:r>
             <a:endParaRPr lang="nb-NO" sz="2400" dirty="0"/>
           </a:p>
           <a:p>

--- a/dotnet-core-foredrag.pptx
+++ b/dotnet-core-foredrag.pptx
@@ -15572,13 +15572,7 @@
               <a:rPr lang="nb-NO" sz="2400" dirty="0">
                 <a:hlinkClick r:id="rId6"/>
               </a:rPr>
-              <a:t>http</a:t>
-            </a:r>
-            <a:r>
-              <a:rPr lang="nb-NO" sz="2400">
-                <a:hlinkClick r:id="rId6"/>
-              </a:rPr>
-              <a:t>://www.gjermundbjaanes.com/dot-net-core-for-your-web-apis</a:t>
+              <a:t>http://www.gjermundbjaanes.com/dot-net-core-for-your-web-apis</a:t>
             </a:r>
             <a:endParaRPr lang="nb-NO" sz="2400" dirty="0"/>
           </a:p>
@@ -18511,7 +18505,7 @@
         <p:spPr>
           <a:xfrm>
             <a:off x="838200" y="2014167"/>
-            <a:ext cx="8120333" cy="1569660"/>
+            <a:ext cx="8120333" cy="1938992"/>
           </a:xfrm>
           <a:prstGeom prst="rect">
             <a:avLst/>
@@ -18523,6 +18517,24 @@
             <a:spAutoFit/>
           </a:bodyPr>
           <a:lstStyle/>
+          <a:p>
+            <a:pPr marL="285750" indent="-285750">
+              <a:buFont typeface="Arial" panose="020B0604020202020204" pitchFamily="34" charset="0"/>
+              <a:buChar char="•"/>
+            </a:pPr>
+            <a:r>
+              <a:rPr lang="nb-NO" sz="2400" dirty="0"/>
+              <a:t>.NET </a:t>
+            </a:r>
+            <a:r>
+              <a:rPr lang="nb-NO" sz="2400" dirty="0" err="1"/>
+              <a:t>Core</a:t>
+            </a:r>
+            <a:r>
+              <a:rPr lang="nb-NO" sz="2400" dirty="0"/>
+              <a:t> (Nytt!)</a:t>
+            </a:r>
+          </a:p>
           <a:p>
             <a:pPr marL="285750" indent="-285750">
               <a:buFont typeface="Arial" panose="020B0604020202020204" pitchFamily="34" charset="0"/>
